--- a/Präsentation43.pptx
+++ b/Präsentation43.pptx
@@ -162,7 +162,7 @@
             <a:spLocks noGrp="1"/>
           </p:cNvSpPr>
           <p:nvPr>
-            <p:ph type="title"/>
+            <p:ph type="title" hasCustomPrompt="1"/>
           </p:nvPr>
         </p:nvSpPr>
         <p:spPr/>
@@ -172,7 +172,11 @@
           <a:p>
             <a:r>
               <a:rPr lang="de-DE" dirty="0" smtClean="0"/>
-              <a:t>Titelmasterformat durch Klicken bearbeiten</a:t>
+              <a:t>Titelmasterformat </a:t>
+            </a:r>
+            <a:r>
+              <a:rPr lang="de-DE" dirty="0" smtClean="0"/>
+              <a:t>bearbeiten</a:t>
             </a:r>
             <a:endParaRPr lang="de-DE" dirty="0"/>
           </a:p>
@@ -268,7 +272,7 @@
             <a:spLocks noGrp="1"/>
           </p:cNvSpPr>
           <p:nvPr>
-            <p:ph type="title"/>
+            <p:ph type="title" hasCustomPrompt="1"/>
           </p:nvPr>
         </p:nvSpPr>
         <p:spPr/>
@@ -277,10 +281,10 @@
           <a:lstStyle/>
           <a:p>
             <a:r>
-              <a:rPr lang="de-DE" smtClean="0"/>
-              <a:t>Titelmasterformat durch Klicken bearbeiten</a:t>
+              <a:rPr lang="de-DE" dirty="0" smtClean="0"/>
+              <a:t>Titelmasterformat bearbeiten</a:t>
             </a:r>
-            <a:endParaRPr lang="de-DE"/>
+            <a:endParaRPr lang="de-DE" dirty="0"/>
           </a:p>
         </p:txBody>
       </p:sp>
@@ -338,7 +342,7 @@
         </p:nvCxnSpPr>
         <p:spPr>
           <a:xfrm>
-            <a:off x="0" y="895547"/>
+            <a:off x="-18856" y="666947"/>
             <a:ext cx="9144000" cy="0"/>
           </a:xfrm>
           <a:prstGeom prst="line">
@@ -677,7 +681,11 @@
           <a:p>
             <a:r>
               <a:rPr lang="de-DE" dirty="0" smtClean="0"/>
-              <a:t>Titelmasterformat durch Klicken bearbeiten</a:t>
+              <a:t>Titelmasterformat </a:t>
+            </a:r>
+            <a:r>
+              <a:rPr lang="de-DE" dirty="0" smtClean="0"/>
+              <a:t>bearbeiten</a:t>
             </a:r>
             <a:endParaRPr lang="de-DE" dirty="0"/>
           </a:p>
@@ -691,7 +699,7 @@
         </p:nvCxnSpPr>
         <p:spPr>
           <a:xfrm>
-            <a:off x="0" y="895547"/>
+            <a:off x="-18856" y="666947"/>
             <a:ext cx="9144000" cy="0"/>
           </a:xfrm>
           <a:prstGeom prst="line">
@@ -1692,6 +1700,335 @@
           <a:chExt cx="0" cy="0"/>
         </a:xfrm>
       </p:grpSpPr>
+      <p:sp>
+        <p:nvSpPr>
+          <p:cNvPr id="35" name="Freihandform 34"/>
+          <p:cNvSpPr/>
+          <p:nvPr/>
+        </p:nvSpPr>
+        <p:spPr>
+          <a:xfrm>
+            <a:off x="6630443" y="1917308"/>
+            <a:ext cx="1815963" cy="1510033"/>
+          </a:xfrm>
+          <a:custGeom>
+            <a:avLst/>
+            <a:gdLst>
+              <a:gd name="connsiteX0" fmla="*/ 763571 w 1696825"/>
+              <a:gd name="connsiteY0" fmla="*/ 0 h 2045616"/>
+              <a:gd name="connsiteX1" fmla="*/ 28280 w 1696825"/>
+              <a:gd name="connsiteY1" fmla="*/ 273377 h 2045616"/>
+              <a:gd name="connsiteX2" fmla="*/ 94268 w 1696825"/>
+              <a:gd name="connsiteY2" fmla="*/ 904973 h 2045616"/>
+              <a:gd name="connsiteX3" fmla="*/ 282804 w 1696825"/>
+              <a:gd name="connsiteY3" fmla="*/ 1319752 h 2045616"/>
+              <a:gd name="connsiteX4" fmla="*/ 0 w 1696825"/>
+              <a:gd name="connsiteY4" fmla="*/ 1838226 h 2045616"/>
+              <a:gd name="connsiteX5" fmla="*/ 1696825 w 1696825"/>
+              <a:gd name="connsiteY5" fmla="*/ 2045616 h 2045616"/>
+              <a:gd name="connsiteX6" fmla="*/ 1131216 w 1696825"/>
+              <a:gd name="connsiteY6" fmla="*/ 895546 h 2045616"/>
+              <a:gd name="connsiteX7" fmla="*/ 1366886 w 1696825"/>
+              <a:gd name="connsiteY7" fmla="*/ 226243 h 2045616"/>
+              <a:gd name="connsiteX8" fmla="*/ 763571 w 1696825"/>
+              <a:gd name="connsiteY8" fmla="*/ 0 h 2045616"/>
+              <a:gd name="connsiteX0" fmla="*/ 763571 w 1696825"/>
+              <a:gd name="connsiteY0" fmla="*/ 0 h 2045616"/>
+              <a:gd name="connsiteX1" fmla="*/ 28280 w 1696825"/>
+              <a:gd name="connsiteY1" fmla="*/ 273377 h 2045616"/>
+              <a:gd name="connsiteX2" fmla="*/ 94268 w 1696825"/>
+              <a:gd name="connsiteY2" fmla="*/ 904973 h 2045616"/>
+              <a:gd name="connsiteX3" fmla="*/ 282804 w 1696825"/>
+              <a:gd name="connsiteY3" fmla="*/ 1319752 h 2045616"/>
+              <a:gd name="connsiteX4" fmla="*/ 0 w 1696825"/>
+              <a:gd name="connsiteY4" fmla="*/ 1838226 h 2045616"/>
+              <a:gd name="connsiteX5" fmla="*/ 1696825 w 1696825"/>
+              <a:gd name="connsiteY5" fmla="*/ 2045616 h 2045616"/>
+              <a:gd name="connsiteX6" fmla="*/ 1423447 w 1696825"/>
+              <a:gd name="connsiteY6" fmla="*/ 961534 h 2045616"/>
+              <a:gd name="connsiteX7" fmla="*/ 1366886 w 1696825"/>
+              <a:gd name="connsiteY7" fmla="*/ 226243 h 2045616"/>
+              <a:gd name="connsiteX8" fmla="*/ 763571 w 1696825"/>
+              <a:gd name="connsiteY8" fmla="*/ 0 h 2045616"/>
+              <a:gd name="connsiteX0" fmla="*/ 763571 w 1706251"/>
+              <a:gd name="connsiteY0" fmla="*/ 0 h 2045616"/>
+              <a:gd name="connsiteX1" fmla="*/ 28280 w 1706251"/>
+              <a:gd name="connsiteY1" fmla="*/ 273377 h 2045616"/>
+              <a:gd name="connsiteX2" fmla="*/ 94268 w 1706251"/>
+              <a:gd name="connsiteY2" fmla="*/ 904973 h 2045616"/>
+              <a:gd name="connsiteX3" fmla="*/ 282804 w 1706251"/>
+              <a:gd name="connsiteY3" fmla="*/ 1319752 h 2045616"/>
+              <a:gd name="connsiteX4" fmla="*/ 0 w 1706251"/>
+              <a:gd name="connsiteY4" fmla="*/ 1838226 h 2045616"/>
+              <a:gd name="connsiteX5" fmla="*/ 1696825 w 1706251"/>
+              <a:gd name="connsiteY5" fmla="*/ 2045616 h 2045616"/>
+              <a:gd name="connsiteX6" fmla="*/ 1423447 w 1706251"/>
+              <a:gd name="connsiteY6" fmla="*/ 961534 h 2045616"/>
+              <a:gd name="connsiteX7" fmla="*/ 1706251 w 1706251"/>
+              <a:gd name="connsiteY7" fmla="*/ 197962 h 2045616"/>
+              <a:gd name="connsiteX8" fmla="*/ 763571 w 1706251"/>
+              <a:gd name="connsiteY8" fmla="*/ 0 h 2045616"/>
+              <a:gd name="connsiteX0" fmla="*/ 778427 w 1721107"/>
+              <a:gd name="connsiteY0" fmla="*/ 0 h 2045616"/>
+              <a:gd name="connsiteX1" fmla="*/ 43136 w 1721107"/>
+              <a:gd name="connsiteY1" fmla="*/ 273377 h 2045616"/>
+              <a:gd name="connsiteX2" fmla="*/ 109124 w 1721107"/>
+              <a:gd name="connsiteY2" fmla="*/ 904973 h 2045616"/>
+              <a:gd name="connsiteX3" fmla="*/ 297660 w 1721107"/>
+              <a:gd name="connsiteY3" fmla="*/ 1319752 h 2045616"/>
+              <a:gd name="connsiteX4" fmla="*/ 14856 w 1721107"/>
+              <a:gd name="connsiteY4" fmla="*/ 1838226 h 2045616"/>
+              <a:gd name="connsiteX5" fmla="*/ 1711681 w 1721107"/>
+              <a:gd name="connsiteY5" fmla="*/ 2045616 h 2045616"/>
+              <a:gd name="connsiteX6" fmla="*/ 1438303 w 1721107"/>
+              <a:gd name="connsiteY6" fmla="*/ 961534 h 2045616"/>
+              <a:gd name="connsiteX7" fmla="*/ 1721107 w 1721107"/>
+              <a:gd name="connsiteY7" fmla="*/ 197962 h 2045616"/>
+              <a:gd name="connsiteX8" fmla="*/ 778427 w 1721107"/>
+              <a:gd name="connsiteY8" fmla="*/ 0 h 2045616"/>
+              <a:gd name="connsiteX0" fmla="*/ 778427 w 1721107"/>
+              <a:gd name="connsiteY0" fmla="*/ 1840 h 2047456"/>
+              <a:gd name="connsiteX1" fmla="*/ 43136 w 1721107"/>
+              <a:gd name="connsiteY1" fmla="*/ 275217 h 2047456"/>
+              <a:gd name="connsiteX2" fmla="*/ 109124 w 1721107"/>
+              <a:gd name="connsiteY2" fmla="*/ 906813 h 2047456"/>
+              <a:gd name="connsiteX3" fmla="*/ 297660 w 1721107"/>
+              <a:gd name="connsiteY3" fmla="*/ 1321592 h 2047456"/>
+              <a:gd name="connsiteX4" fmla="*/ 14856 w 1721107"/>
+              <a:gd name="connsiteY4" fmla="*/ 1840066 h 2047456"/>
+              <a:gd name="connsiteX5" fmla="*/ 1711681 w 1721107"/>
+              <a:gd name="connsiteY5" fmla="*/ 2047456 h 2047456"/>
+              <a:gd name="connsiteX6" fmla="*/ 1438303 w 1721107"/>
+              <a:gd name="connsiteY6" fmla="*/ 963374 h 2047456"/>
+              <a:gd name="connsiteX7" fmla="*/ 1721107 w 1721107"/>
+              <a:gd name="connsiteY7" fmla="*/ 199802 h 2047456"/>
+              <a:gd name="connsiteX8" fmla="*/ 778427 w 1721107"/>
+              <a:gd name="connsiteY8" fmla="*/ 1840 h 2047456"/>
+              <a:gd name="connsiteX0" fmla="*/ 778427 w 1740599"/>
+              <a:gd name="connsiteY0" fmla="*/ 1840 h 2047456"/>
+              <a:gd name="connsiteX1" fmla="*/ 43136 w 1740599"/>
+              <a:gd name="connsiteY1" fmla="*/ 275217 h 2047456"/>
+              <a:gd name="connsiteX2" fmla="*/ 109124 w 1740599"/>
+              <a:gd name="connsiteY2" fmla="*/ 906813 h 2047456"/>
+              <a:gd name="connsiteX3" fmla="*/ 297660 w 1740599"/>
+              <a:gd name="connsiteY3" fmla="*/ 1321592 h 2047456"/>
+              <a:gd name="connsiteX4" fmla="*/ 14856 w 1740599"/>
+              <a:gd name="connsiteY4" fmla="*/ 1840066 h 2047456"/>
+              <a:gd name="connsiteX5" fmla="*/ 1711681 w 1740599"/>
+              <a:gd name="connsiteY5" fmla="*/ 2047456 h 2047456"/>
+              <a:gd name="connsiteX6" fmla="*/ 1438303 w 1740599"/>
+              <a:gd name="connsiteY6" fmla="*/ 963374 h 2047456"/>
+              <a:gd name="connsiteX7" fmla="*/ 1721107 w 1740599"/>
+              <a:gd name="connsiteY7" fmla="*/ 199802 h 2047456"/>
+              <a:gd name="connsiteX8" fmla="*/ 778427 w 1740599"/>
+              <a:gd name="connsiteY8" fmla="*/ 1840 h 2047456"/>
+              <a:gd name="connsiteX0" fmla="*/ 778427 w 1774414"/>
+              <a:gd name="connsiteY0" fmla="*/ 1840 h 2047456"/>
+              <a:gd name="connsiteX1" fmla="*/ 43136 w 1774414"/>
+              <a:gd name="connsiteY1" fmla="*/ 275217 h 2047456"/>
+              <a:gd name="connsiteX2" fmla="*/ 109124 w 1774414"/>
+              <a:gd name="connsiteY2" fmla="*/ 906813 h 2047456"/>
+              <a:gd name="connsiteX3" fmla="*/ 297660 w 1774414"/>
+              <a:gd name="connsiteY3" fmla="*/ 1321592 h 2047456"/>
+              <a:gd name="connsiteX4" fmla="*/ 14856 w 1774414"/>
+              <a:gd name="connsiteY4" fmla="*/ 1840066 h 2047456"/>
+              <a:gd name="connsiteX5" fmla="*/ 1711681 w 1774414"/>
+              <a:gd name="connsiteY5" fmla="*/ 2047456 h 2047456"/>
+              <a:gd name="connsiteX6" fmla="*/ 1438303 w 1774414"/>
+              <a:gd name="connsiteY6" fmla="*/ 963374 h 2047456"/>
+              <a:gd name="connsiteX7" fmla="*/ 1721107 w 1774414"/>
+              <a:gd name="connsiteY7" fmla="*/ 199802 h 2047456"/>
+              <a:gd name="connsiteX8" fmla="*/ 778427 w 1774414"/>
+              <a:gd name="connsiteY8" fmla="*/ 1840 h 2047456"/>
+              <a:gd name="connsiteX0" fmla="*/ 778427 w 1774414"/>
+              <a:gd name="connsiteY0" fmla="*/ 1840 h 2094162"/>
+              <a:gd name="connsiteX1" fmla="*/ 43136 w 1774414"/>
+              <a:gd name="connsiteY1" fmla="*/ 275217 h 2094162"/>
+              <a:gd name="connsiteX2" fmla="*/ 109124 w 1774414"/>
+              <a:gd name="connsiteY2" fmla="*/ 906813 h 2094162"/>
+              <a:gd name="connsiteX3" fmla="*/ 297660 w 1774414"/>
+              <a:gd name="connsiteY3" fmla="*/ 1321592 h 2094162"/>
+              <a:gd name="connsiteX4" fmla="*/ 14856 w 1774414"/>
+              <a:gd name="connsiteY4" fmla="*/ 1840066 h 2094162"/>
+              <a:gd name="connsiteX5" fmla="*/ 1711681 w 1774414"/>
+              <a:gd name="connsiteY5" fmla="*/ 2047456 h 2094162"/>
+              <a:gd name="connsiteX6" fmla="*/ 1438303 w 1774414"/>
+              <a:gd name="connsiteY6" fmla="*/ 963374 h 2094162"/>
+              <a:gd name="connsiteX7" fmla="*/ 1721107 w 1774414"/>
+              <a:gd name="connsiteY7" fmla="*/ 199802 h 2094162"/>
+              <a:gd name="connsiteX8" fmla="*/ 778427 w 1774414"/>
+              <a:gd name="connsiteY8" fmla="*/ 1840 h 2094162"/>
+              <a:gd name="connsiteX0" fmla="*/ 826336 w 1822323"/>
+              <a:gd name="connsiteY0" fmla="*/ 1840 h 2094161"/>
+              <a:gd name="connsiteX1" fmla="*/ 91045 w 1822323"/>
+              <a:gd name="connsiteY1" fmla="*/ 275217 h 2094161"/>
+              <a:gd name="connsiteX2" fmla="*/ 157033 w 1822323"/>
+              <a:gd name="connsiteY2" fmla="*/ 906813 h 2094161"/>
+              <a:gd name="connsiteX3" fmla="*/ 345569 w 1822323"/>
+              <a:gd name="connsiteY3" fmla="*/ 1321592 h 2094161"/>
+              <a:gd name="connsiteX4" fmla="*/ 62765 w 1822323"/>
+              <a:gd name="connsiteY4" fmla="*/ 1840066 h 2094161"/>
+              <a:gd name="connsiteX5" fmla="*/ 1759590 w 1822323"/>
+              <a:gd name="connsiteY5" fmla="*/ 2047456 h 2094161"/>
+              <a:gd name="connsiteX6" fmla="*/ 1486212 w 1822323"/>
+              <a:gd name="connsiteY6" fmla="*/ 963374 h 2094161"/>
+              <a:gd name="connsiteX7" fmla="*/ 1769016 w 1822323"/>
+              <a:gd name="connsiteY7" fmla="*/ 199802 h 2094161"/>
+              <a:gd name="connsiteX8" fmla="*/ 826336 w 1822323"/>
+              <a:gd name="connsiteY8" fmla="*/ 1840 h 2094161"/>
+              <a:gd name="connsiteX0" fmla="*/ 819976 w 1815963"/>
+              <a:gd name="connsiteY0" fmla="*/ 1840 h 2094161"/>
+              <a:gd name="connsiteX1" fmla="*/ 84685 w 1815963"/>
+              <a:gd name="connsiteY1" fmla="*/ 275217 h 2094161"/>
+              <a:gd name="connsiteX2" fmla="*/ 150673 w 1815963"/>
+              <a:gd name="connsiteY2" fmla="*/ 906813 h 2094161"/>
+              <a:gd name="connsiteX3" fmla="*/ 339209 w 1815963"/>
+              <a:gd name="connsiteY3" fmla="*/ 1321592 h 2094161"/>
+              <a:gd name="connsiteX4" fmla="*/ 56405 w 1815963"/>
+              <a:gd name="connsiteY4" fmla="*/ 1840066 h 2094161"/>
+              <a:gd name="connsiteX5" fmla="*/ 1753230 w 1815963"/>
+              <a:gd name="connsiteY5" fmla="*/ 2047456 h 2094161"/>
+              <a:gd name="connsiteX6" fmla="*/ 1479852 w 1815963"/>
+              <a:gd name="connsiteY6" fmla="*/ 963374 h 2094161"/>
+              <a:gd name="connsiteX7" fmla="*/ 1762656 w 1815963"/>
+              <a:gd name="connsiteY7" fmla="*/ 199802 h 2094161"/>
+              <a:gd name="connsiteX8" fmla="*/ 819976 w 1815963"/>
+              <a:gd name="connsiteY8" fmla="*/ 1840 h 2094161"/>
+              <a:gd name="connsiteX0" fmla="*/ 819976 w 1815963"/>
+              <a:gd name="connsiteY0" fmla="*/ 1840 h 2094161"/>
+              <a:gd name="connsiteX1" fmla="*/ 84685 w 1815963"/>
+              <a:gd name="connsiteY1" fmla="*/ 275217 h 2094161"/>
+              <a:gd name="connsiteX2" fmla="*/ 150673 w 1815963"/>
+              <a:gd name="connsiteY2" fmla="*/ 906813 h 2094161"/>
+              <a:gd name="connsiteX3" fmla="*/ 339209 w 1815963"/>
+              <a:gd name="connsiteY3" fmla="*/ 1321592 h 2094161"/>
+              <a:gd name="connsiteX4" fmla="*/ 56405 w 1815963"/>
+              <a:gd name="connsiteY4" fmla="*/ 1840066 h 2094161"/>
+              <a:gd name="connsiteX5" fmla="*/ 1753230 w 1815963"/>
+              <a:gd name="connsiteY5" fmla="*/ 2047456 h 2094161"/>
+              <a:gd name="connsiteX6" fmla="*/ 1479852 w 1815963"/>
+              <a:gd name="connsiteY6" fmla="*/ 963374 h 2094161"/>
+              <a:gd name="connsiteX7" fmla="*/ 1762656 w 1815963"/>
+              <a:gd name="connsiteY7" fmla="*/ 199802 h 2094161"/>
+              <a:gd name="connsiteX8" fmla="*/ 819976 w 1815963"/>
+              <a:gd name="connsiteY8" fmla="*/ 1840 h 2094161"/>
+            </a:gdLst>
+            <a:ahLst/>
+            <a:cxnLst>
+              <a:cxn ang="0">
+                <a:pos x="connsiteX0" y="connsiteY0"/>
+              </a:cxn>
+              <a:cxn ang="0">
+                <a:pos x="connsiteX1" y="connsiteY1"/>
+              </a:cxn>
+              <a:cxn ang="0">
+                <a:pos x="connsiteX2" y="connsiteY2"/>
+              </a:cxn>
+              <a:cxn ang="0">
+                <a:pos x="connsiteX3" y="connsiteY3"/>
+              </a:cxn>
+              <a:cxn ang="0">
+                <a:pos x="connsiteX4" y="connsiteY4"/>
+              </a:cxn>
+              <a:cxn ang="0">
+                <a:pos x="connsiteX5" y="connsiteY5"/>
+              </a:cxn>
+              <a:cxn ang="0">
+                <a:pos x="connsiteX6" y="connsiteY6"/>
+              </a:cxn>
+              <a:cxn ang="0">
+                <a:pos x="connsiteX7" y="connsiteY7"/>
+              </a:cxn>
+              <a:cxn ang="0">
+                <a:pos x="connsiteX8" y="connsiteY8"/>
+              </a:cxn>
+            </a:cxnLst>
+            <a:rect l="l" t="t" r="r" b="b"/>
+            <a:pathLst>
+              <a:path w="1815963" h="2094161">
+                <a:moveTo>
+                  <a:pt x="819976" y="1840"/>
+                </a:moveTo>
+                <a:cubicBezTo>
+                  <a:pt x="540314" y="14409"/>
+                  <a:pt x="196236" y="124388"/>
+                  <a:pt x="84685" y="275217"/>
+                </a:cubicBezTo>
+                <a:cubicBezTo>
+                  <a:pt x="-26866" y="426046"/>
+                  <a:pt x="76404" y="743419"/>
+                  <a:pt x="150673" y="906813"/>
+                </a:cubicBezTo>
+                <a:lnTo>
+                  <a:pt x="339209" y="1321592"/>
+                </a:lnTo>
+                <a:cubicBezTo>
+                  <a:pt x="403900" y="1463913"/>
+                  <a:pt x="-179265" y="1719089"/>
+                  <a:pt x="56405" y="1840066"/>
+                </a:cubicBezTo>
+                <a:cubicBezTo>
+                  <a:pt x="292075" y="1961043"/>
+                  <a:pt x="1515989" y="2193571"/>
+                  <a:pt x="1753230" y="2047456"/>
+                </a:cubicBezTo>
+                <a:cubicBezTo>
+                  <a:pt x="1990471" y="1901341"/>
+                  <a:pt x="1478281" y="1271316"/>
+                  <a:pt x="1479852" y="963374"/>
+                </a:cubicBezTo>
+                <a:cubicBezTo>
+                  <a:pt x="1481423" y="655432"/>
+                  <a:pt x="1872635" y="360058"/>
+                  <a:pt x="1762656" y="199802"/>
+                </a:cubicBezTo>
+                <a:cubicBezTo>
+                  <a:pt x="1652677" y="39546"/>
+                  <a:pt x="1099638" y="-10729"/>
+                  <a:pt x="819976" y="1840"/>
+                </a:cubicBezTo>
+                <a:close/>
+              </a:path>
+            </a:pathLst>
+          </a:custGeom>
+          <a:solidFill>
+            <a:schemeClr val="bg1">
+              <a:lumMod val="95000"/>
+            </a:schemeClr>
+          </a:solidFill>
+          <a:ln w="28575">
+            <a:solidFill>
+              <a:schemeClr val="bg2">
+                <a:lumMod val="50000"/>
+              </a:schemeClr>
+            </a:solidFill>
+          </a:ln>
+        </p:spPr>
+        <p:style>
+          <a:lnRef idx="2">
+            <a:schemeClr val="accent1">
+              <a:shade val="50000"/>
+            </a:schemeClr>
+          </a:lnRef>
+          <a:fillRef idx="1">
+            <a:schemeClr val="accent1"/>
+          </a:fillRef>
+          <a:effectRef idx="0">
+            <a:schemeClr val="accent1"/>
+          </a:effectRef>
+          <a:fontRef idx="minor">
+            <a:schemeClr val="lt1"/>
+          </a:fontRef>
+        </p:style>
+        <p:txBody>
+          <a:bodyPr rtlCol="0" anchor="ctr"/>
+          <a:lstStyle/>
+          <a:p>
+            <a:pPr algn="ctr"/>
+            <a:endParaRPr lang="en-GB" dirty="0"/>
+          </a:p>
+        </p:txBody>
+      </p:sp>
       <p:sp>
         <p:nvSpPr>
           <p:cNvPr id="2" name="Titel 1"/>
@@ -1796,8 +2133,8 @@
         </p:nvSpPr>
         <p:spPr>
           <a:xfrm>
-            <a:off x="756316" y="1918636"/>
-            <a:ext cx="1706251" cy="1475029"/>
+            <a:off x="699911" y="1917308"/>
+            <a:ext cx="1815963" cy="1510033"/>
           </a:xfrm>
           <a:custGeom>
             <a:avLst/>
@@ -1856,6 +2193,150 @@
               <a:gd name="connsiteY7" fmla="*/ 197962 h 2045616"/>
               <a:gd name="connsiteX8" fmla="*/ 763571 w 1706251"/>
               <a:gd name="connsiteY8" fmla="*/ 0 h 2045616"/>
+              <a:gd name="connsiteX0" fmla="*/ 778427 w 1721107"/>
+              <a:gd name="connsiteY0" fmla="*/ 0 h 2045616"/>
+              <a:gd name="connsiteX1" fmla="*/ 43136 w 1721107"/>
+              <a:gd name="connsiteY1" fmla="*/ 273377 h 2045616"/>
+              <a:gd name="connsiteX2" fmla="*/ 109124 w 1721107"/>
+              <a:gd name="connsiteY2" fmla="*/ 904973 h 2045616"/>
+              <a:gd name="connsiteX3" fmla="*/ 297660 w 1721107"/>
+              <a:gd name="connsiteY3" fmla="*/ 1319752 h 2045616"/>
+              <a:gd name="connsiteX4" fmla="*/ 14856 w 1721107"/>
+              <a:gd name="connsiteY4" fmla="*/ 1838226 h 2045616"/>
+              <a:gd name="connsiteX5" fmla="*/ 1711681 w 1721107"/>
+              <a:gd name="connsiteY5" fmla="*/ 2045616 h 2045616"/>
+              <a:gd name="connsiteX6" fmla="*/ 1438303 w 1721107"/>
+              <a:gd name="connsiteY6" fmla="*/ 961534 h 2045616"/>
+              <a:gd name="connsiteX7" fmla="*/ 1721107 w 1721107"/>
+              <a:gd name="connsiteY7" fmla="*/ 197962 h 2045616"/>
+              <a:gd name="connsiteX8" fmla="*/ 778427 w 1721107"/>
+              <a:gd name="connsiteY8" fmla="*/ 0 h 2045616"/>
+              <a:gd name="connsiteX0" fmla="*/ 778427 w 1721107"/>
+              <a:gd name="connsiteY0" fmla="*/ 1840 h 2047456"/>
+              <a:gd name="connsiteX1" fmla="*/ 43136 w 1721107"/>
+              <a:gd name="connsiteY1" fmla="*/ 275217 h 2047456"/>
+              <a:gd name="connsiteX2" fmla="*/ 109124 w 1721107"/>
+              <a:gd name="connsiteY2" fmla="*/ 906813 h 2047456"/>
+              <a:gd name="connsiteX3" fmla="*/ 297660 w 1721107"/>
+              <a:gd name="connsiteY3" fmla="*/ 1321592 h 2047456"/>
+              <a:gd name="connsiteX4" fmla="*/ 14856 w 1721107"/>
+              <a:gd name="connsiteY4" fmla="*/ 1840066 h 2047456"/>
+              <a:gd name="connsiteX5" fmla="*/ 1711681 w 1721107"/>
+              <a:gd name="connsiteY5" fmla="*/ 2047456 h 2047456"/>
+              <a:gd name="connsiteX6" fmla="*/ 1438303 w 1721107"/>
+              <a:gd name="connsiteY6" fmla="*/ 963374 h 2047456"/>
+              <a:gd name="connsiteX7" fmla="*/ 1721107 w 1721107"/>
+              <a:gd name="connsiteY7" fmla="*/ 199802 h 2047456"/>
+              <a:gd name="connsiteX8" fmla="*/ 778427 w 1721107"/>
+              <a:gd name="connsiteY8" fmla="*/ 1840 h 2047456"/>
+              <a:gd name="connsiteX0" fmla="*/ 778427 w 1740599"/>
+              <a:gd name="connsiteY0" fmla="*/ 1840 h 2047456"/>
+              <a:gd name="connsiteX1" fmla="*/ 43136 w 1740599"/>
+              <a:gd name="connsiteY1" fmla="*/ 275217 h 2047456"/>
+              <a:gd name="connsiteX2" fmla="*/ 109124 w 1740599"/>
+              <a:gd name="connsiteY2" fmla="*/ 906813 h 2047456"/>
+              <a:gd name="connsiteX3" fmla="*/ 297660 w 1740599"/>
+              <a:gd name="connsiteY3" fmla="*/ 1321592 h 2047456"/>
+              <a:gd name="connsiteX4" fmla="*/ 14856 w 1740599"/>
+              <a:gd name="connsiteY4" fmla="*/ 1840066 h 2047456"/>
+              <a:gd name="connsiteX5" fmla="*/ 1711681 w 1740599"/>
+              <a:gd name="connsiteY5" fmla="*/ 2047456 h 2047456"/>
+              <a:gd name="connsiteX6" fmla="*/ 1438303 w 1740599"/>
+              <a:gd name="connsiteY6" fmla="*/ 963374 h 2047456"/>
+              <a:gd name="connsiteX7" fmla="*/ 1721107 w 1740599"/>
+              <a:gd name="connsiteY7" fmla="*/ 199802 h 2047456"/>
+              <a:gd name="connsiteX8" fmla="*/ 778427 w 1740599"/>
+              <a:gd name="connsiteY8" fmla="*/ 1840 h 2047456"/>
+              <a:gd name="connsiteX0" fmla="*/ 778427 w 1774414"/>
+              <a:gd name="connsiteY0" fmla="*/ 1840 h 2047456"/>
+              <a:gd name="connsiteX1" fmla="*/ 43136 w 1774414"/>
+              <a:gd name="connsiteY1" fmla="*/ 275217 h 2047456"/>
+              <a:gd name="connsiteX2" fmla="*/ 109124 w 1774414"/>
+              <a:gd name="connsiteY2" fmla="*/ 906813 h 2047456"/>
+              <a:gd name="connsiteX3" fmla="*/ 297660 w 1774414"/>
+              <a:gd name="connsiteY3" fmla="*/ 1321592 h 2047456"/>
+              <a:gd name="connsiteX4" fmla="*/ 14856 w 1774414"/>
+              <a:gd name="connsiteY4" fmla="*/ 1840066 h 2047456"/>
+              <a:gd name="connsiteX5" fmla="*/ 1711681 w 1774414"/>
+              <a:gd name="connsiteY5" fmla="*/ 2047456 h 2047456"/>
+              <a:gd name="connsiteX6" fmla="*/ 1438303 w 1774414"/>
+              <a:gd name="connsiteY6" fmla="*/ 963374 h 2047456"/>
+              <a:gd name="connsiteX7" fmla="*/ 1721107 w 1774414"/>
+              <a:gd name="connsiteY7" fmla="*/ 199802 h 2047456"/>
+              <a:gd name="connsiteX8" fmla="*/ 778427 w 1774414"/>
+              <a:gd name="connsiteY8" fmla="*/ 1840 h 2047456"/>
+              <a:gd name="connsiteX0" fmla="*/ 778427 w 1774414"/>
+              <a:gd name="connsiteY0" fmla="*/ 1840 h 2094162"/>
+              <a:gd name="connsiteX1" fmla="*/ 43136 w 1774414"/>
+              <a:gd name="connsiteY1" fmla="*/ 275217 h 2094162"/>
+              <a:gd name="connsiteX2" fmla="*/ 109124 w 1774414"/>
+              <a:gd name="connsiteY2" fmla="*/ 906813 h 2094162"/>
+              <a:gd name="connsiteX3" fmla="*/ 297660 w 1774414"/>
+              <a:gd name="connsiteY3" fmla="*/ 1321592 h 2094162"/>
+              <a:gd name="connsiteX4" fmla="*/ 14856 w 1774414"/>
+              <a:gd name="connsiteY4" fmla="*/ 1840066 h 2094162"/>
+              <a:gd name="connsiteX5" fmla="*/ 1711681 w 1774414"/>
+              <a:gd name="connsiteY5" fmla="*/ 2047456 h 2094162"/>
+              <a:gd name="connsiteX6" fmla="*/ 1438303 w 1774414"/>
+              <a:gd name="connsiteY6" fmla="*/ 963374 h 2094162"/>
+              <a:gd name="connsiteX7" fmla="*/ 1721107 w 1774414"/>
+              <a:gd name="connsiteY7" fmla="*/ 199802 h 2094162"/>
+              <a:gd name="connsiteX8" fmla="*/ 778427 w 1774414"/>
+              <a:gd name="connsiteY8" fmla="*/ 1840 h 2094162"/>
+              <a:gd name="connsiteX0" fmla="*/ 826336 w 1822323"/>
+              <a:gd name="connsiteY0" fmla="*/ 1840 h 2094161"/>
+              <a:gd name="connsiteX1" fmla="*/ 91045 w 1822323"/>
+              <a:gd name="connsiteY1" fmla="*/ 275217 h 2094161"/>
+              <a:gd name="connsiteX2" fmla="*/ 157033 w 1822323"/>
+              <a:gd name="connsiteY2" fmla="*/ 906813 h 2094161"/>
+              <a:gd name="connsiteX3" fmla="*/ 345569 w 1822323"/>
+              <a:gd name="connsiteY3" fmla="*/ 1321592 h 2094161"/>
+              <a:gd name="connsiteX4" fmla="*/ 62765 w 1822323"/>
+              <a:gd name="connsiteY4" fmla="*/ 1840066 h 2094161"/>
+              <a:gd name="connsiteX5" fmla="*/ 1759590 w 1822323"/>
+              <a:gd name="connsiteY5" fmla="*/ 2047456 h 2094161"/>
+              <a:gd name="connsiteX6" fmla="*/ 1486212 w 1822323"/>
+              <a:gd name="connsiteY6" fmla="*/ 963374 h 2094161"/>
+              <a:gd name="connsiteX7" fmla="*/ 1769016 w 1822323"/>
+              <a:gd name="connsiteY7" fmla="*/ 199802 h 2094161"/>
+              <a:gd name="connsiteX8" fmla="*/ 826336 w 1822323"/>
+              <a:gd name="connsiteY8" fmla="*/ 1840 h 2094161"/>
+              <a:gd name="connsiteX0" fmla="*/ 819976 w 1815963"/>
+              <a:gd name="connsiteY0" fmla="*/ 1840 h 2094161"/>
+              <a:gd name="connsiteX1" fmla="*/ 84685 w 1815963"/>
+              <a:gd name="connsiteY1" fmla="*/ 275217 h 2094161"/>
+              <a:gd name="connsiteX2" fmla="*/ 150673 w 1815963"/>
+              <a:gd name="connsiteY2" fmla="*/ 906813 h 2094161"/>
+              <a:gd name="connsiteX3" fmla="*/ 339209 w 1815963"/>
+              <a:gd name="connsiteY3" fmla="*/ 1321592 h 2094161"/>
+              <a:gd name="connsiteX4" fmla="*/ 56405 w 1815963"/>
+              <a:gd name="connsiteY4" fmla="*/ 1840066 h 2094161"/>
+              <a:gd name="connsiteX5" fmla="*/ 1753230 w 1815963"/>
+              <a:gd name="connsiteY5" fmla="*/ 2047456 h 2094161"/>
+              <a:gd name="connsiteX6" fmla="*/ 1479852 w 1815963"/>
+              <a:gd name="connsiteY6" fmla="*/ 963374 h 2094161"/>
+              <a:gd name="connsiteX7" fmla="*/ 1762656 w 1815963"/>
+              <a:gd name="connsiteY7" fmla="*/ 199802 h 2094161"/>
+              <a:gd name="connsiteX8" fmla="*/ 819976 w 1815963"/>
+              <a:gd name="connsiteY8" fmla="*/ 1840 h 2094161"/>
+              <a:gd name="connsiteX0" fmla="*/ 819976 w 1815963"/>
+              <a:gd name="connsiteY0" fmla="*/ 1840 h 2094161"/>
+              <a:gd name="connsiteX1" fmla="*/ 84685 w 1815963"/>
+              <a:gd name="connsiteY1" fmla="*/ 275217 h 2094161"/>
+              <a:gd name="connsiteX2" fmla="*/ 150673 w 1815963"/>
+              <a:gd name="connsiteY2" fmla="*/ 906813 h 2094161"/>
+              <a:gd name="connsiteX3" fmla="*/ 339209 w 1815963"/>
+              <a:gd name="connsiteY3" fmla="*/ 1321592 h 2094161"/>
+              <a:gd name="connsiteX4" fmla="*/ 56405 w 1815963"/>
+              <a:gd name="connsiteY4" fmla="*/ 1840066 h 2094161"/>
+              <a:gd name="connsiteX5" fmla="*/ 1753230 w 1815963"/>
+              <a:gd name="connsiteY5" fmla="*/ 2047456 h 2094161"/>
+              <a:gd name="connsiteX6" fmla="*/ 1479852 w 1815963"/>
+              <a:gd name="connsiteY6" fmla="*/ 963374 h 2094161"/>
+              <a:gd name="connsiteX7" fmla="*/ 1762656 w 1815963"/>
+              <a:gd name="connsiteY7" fmla="*/ 199802 h 2094161"/>
+              <a:gd name="connsiteX8" fmla="*/ 819976 w 1815963"/>
+              <a:gd name="connsiteY8" fmla="*/ 1840 h 2094161"/>
             </a:gdLst>
             <a:ahLst/>
             <a:cxnLst>
@@ -1889,34 +2370,48 @@
             </a:cxnLst>
             <a:rect l="l" t="t" r="r" b="b"/>
             <a:pathLst>
-              <a:path w="1706251" h="2045616">
+              <a:path w="1815963" h="2094161">
                 <a:moveTo>
-                  <a:pt x="763571" y="0"/>
+                  <a:pt x="819976" y="1840"/>
                 </a:moveTo>
+                <a:cubicBezTo>
+                  <a:pt x="540314" y="14409"/>
+                  <a:pt x="196236" y="124388"/>
+                  <a:pt x="84685" y="275217"/>
+                </a:cubicBezTo>
+                <a:cubicBezTo>
+                  <a:pt x="-26866" y="426046"/>
+                  <a:pt x="76404" y="743419"/>
+                  <a:pt x="150673" y="906813"/>
+                </a:cubicBezTo>
                 <a:lnTo>
-                  <a:pt x="28280" y="273377"/>
+                  <a:pt x="339209" y="1321592"/>
                 </a:lnTo>
-                <a:lnTo>
-                  <a:pt x="94268" y="904973"/>
-                </a:lnTo>
-                <a:lnTo>
-                  <a:pt x="282804" y="1319752"/>
-                </a:lnTo>
-                <a:lnTo>
-                  <a:pt x="0" y="1838226"/>
-                </a:lnTo>
-                <a:lnTo>
-                  <a:pt x="1696825" y="2045616"/>
-                </a:lnTo>
-                <a:lnTo>
-                  <a:pt x="1423447" y="961534"/>
-                </a:lnTo>
-                <a:lnTo>
-                  <a:pt x="1706251" y="197962"/>
-                </a:lnTo>
-                <a:lnTo>
-                  <a:pt x="763571" y="0"/>
-                </a:lnTo>
+                <a:cubicBezTo>
+                  <a:pt x="403900" y="1463913"/>
+                  <a:pt x="-179265" y="1719089"/>
+                  <a:pt x="56405" y="1840066"/>
+                </a:cubicBezTo>
+                <a:cubicBezTo>
+                  <a:pt x="292075" y="1961043"/>
+                  <a:pt x="1515989" y="2193571"/>
+                  <a:pt x="1753230" y="2047456"/>
+                </a:cubicBezTo>
+                <a:cubicBezTo>
+                  <a:pt x="1990471" y="1901341"/>
+                  <a:pt x="1478281" y="1271316"/>
+                  <a:pt x="1479852" y="963374"/>
+                </a:cubicBezTo>
+                <a:cubicBezTo>
+                  <a:pt x="1481423" y="655432"/>
+                  <a:pt x="1872635" y="360058"/>
+                  <a:pt x="1762656" y="199802"/>
+                </a:cubicBezTo>
+                <a:cubicBezTo>
+                  <a:pt x="1652677" y="39546"/>
+                  <a:pt x="1099638" y="-10729"/>
+                  <a:pt x="819976" y="1840"/>
+                </a:cubicBezTo>
                 <a:close/>
               </a:path>
             </a:pathLst>
@@ -2330,184 +2825,13 @@
       </p:sp>
       <p:sp>
         <p:nvSpPr>
-          <p:cNvPr id="15" name="Freihandform 14"/>
-          <p:cNvSpPr/>
-          <p:nvPr/>
-        </p:nvSpPr>
-        <p:spPr>
-          <a:xfrm>
-            <a:off x="3868350" y="1918636"/>
-            <a:ext cx="1706251" cy="1475029"/>
-          </a:xfrm>
-          <a:custGeom>
-            <a:avLst/>
-            <a:gdLst>
-              <a:gd name="connsiteX0" fmla="*/ 763571 w 1696825"/>
-              <a:gd name="connsiteY0" fmla="*/ 0 h 2045616"/>
-              <a:gd name="connsiteX1" fmla="*/ 28280 w 1696825"/>
-              <a:gd name="connsiteY1" fmla="*/ 273377 h 2045616"/>
-              <a:gd name="connsiteX2" fmla="*/ 94268 w 1696825"/>
-              <a:gd name="connsiteY2" fmla="*/ 904973 h 2045616"/>
-              <a:gd name="connsiteX3" fmla="*/ 282804 w 1696825"/>
-              <a:gd name="connsiteY3" fmla="*/ 1319752 h 2045616"/>
-              <a:gd name="connsiteX4" fmla="*/ 0 w 1696825"/>
-              <a:gd name="connsiteY4" fmla="*/ 1838226 h 2045616"/>
-              <a:gd name="connsiteX5" fmla="*/ 1696825 w 1696825"/>
-              <a:gd name="connsiteY5" fmla="*/ 2045616 h 2045616"/>
-              <a:gd name="connsiteX6" fmla="*/ 1131216 w 1696825"/>
-              <a:gd name="connsiteY6" fmla="*/ 895546 h 2045616"/>
-              <a:gd name="connsiteX7" fmla="*/ 1366886 w 1696825"/>
-              <a:gd name="connsiteY7" fmla="*/ 226243 h 2045616"/>
-              <a:gd name="connsiteX8" fmla="*/ 763571 w 1696825"/>
-              <a:gd name="connsiteY8" fmla="*/ 0 h 2045616"/>
-              <a:gd name="connsiteX0" fmla="*/ 763571 w 1696825"/>
-              <a:gd name="connsiteY0" fmla="*/ 0 h 2045616"/>
-              <a:gd name="connsiteX1" fmla="*/ 28280 w 1696825"/>
-              <a:gd name="connsiteY1" fmla="*/ 273377 h 2045616"/>
-              <a:gd name="connsiteX2" fmla="*/ 94268 w 1696825"/>
-              <a:gd name="connsiteY2" fmla="*/ 904973 h 2045616"/>
-              <a:gd name="connsiteX3" fmla="*/ 282804 w 1696825"/>
-              <a:gd name="connsiteY3" fmla="*/ 1319752 h 2045616"/>
-              <a:gd name="connsiteX4" fmla="*/ 0 w 1696825"/>
-              <a:gd name="connsiteY4" fmla="*/ 1838226 h 2045616"/>
-              <a:gd name="connsiteX5" fmla="*/ 1696825 w 1696825"/>
-              <a:gd name="connsiteY5" fmla="*/ 2045616 h 2045616"/>
-              <a:gd name="connsiteX6" fmla="*/ 1423447 w 1696825"/>
-              <a:gd name="connsiteY6" fmla="*/ 961534 h 2045616"/>
-              <a:gd name="connsiteX7" fmla="*/ 1366886 w 1696825"/>
-              <a:gd name="connsiteY7" fmla="*/ 226243 h 2045616"/>
-              <a:gd name="connsiteX8" fmla="*/ 763571 w 1696825"/>
-              <a:gd name="connsiteY8" fmla="*/ 0 h 2045616"/>
-              <a:gd name="connsiteX0" fmla="*/ 763571 w 1706251"/>
-              <a:gd name="connsiteY0" fmla="*/ 0 h 2045616"/>
-              <a:gd name="connsiteX1" fmla="*/ 28280 w 1706251"/>
-              <a:gd name="connsiteY1" fmla="*/ 273377 h 2045616"/>
-              <a:gd name="connsiteX2" fmla="*/ 94268 w 1706251"/>
-              <a:gd name="connsiteY2" fmla="*/ 904973 h 2045616"/>
-              <a:gd name="connsiteX3" fmla="*/ 282804 w 1706251"/>
-              <a:gd name="connsiteY3" fmla="*/ 1319752 h 2045616"/>
-              <a:gd name="connsiteX4" fmla="*/ 0 w 1706251"/>
-              <a:gd name="connsiteY4" fmla="*/ 1838226 h 2045616"/>
-              <a:gd name="connsiteX5" fmla="*/ 1696825 w 1706251"/>
-              <a:gd name="connsiteY5" fmla="*/ 2045616 h 2045616"/>
-              <a:gd name="connsiteX6" fmla="*/ 1423447 w 1706251"/>
-              <a:gd name="connsiteY6" fmla="*/ 961534 h 2045616"/>
-              <a:gd name="connsiteX7" fmla="*/ 1706251 w 1706251"/>
-              <a:gd name="connsiteY7" fmla="*/ 197962 h 2045616"/>
-              <a:gd name="connsiteX8" fmla="*/ 763571 w 1706251"/>
-              <a:gd name="connsiteY8" fmla="*/ 0 h 2045616"/>
-            </a:gdLst>
-            <a:ahLst/>
-            <a:cxnLst>
-              <a:cxn ang="0">
-                <a:pos x="connsiteX0" y="connsiteY0"/>
-              </a:cxn>
-              <a:cxn ang="0">
-                <a:pos x="connsiteX1" y="connsiteY1"/>
-              </a:cxn>
-              <a:cxn ang="0">
-                <a:pos x="connsiteX2" y="connsiteY2"/>
-              </a:cxn>
-              <a:cxn ang="0">
-                <a:pos x="connsiteX3" y="connsiteY3"/>
-              </a:cxn>
-              <a:cxn ang="0">
-                <a:pos x="connsiteX4" y="connsiteY4"/>
-              </a:cxn>
-              <a:cxn ang="0">
-                <a:pos x="connsiteX5" y="connsiteY5"/>
-              </a:cxn>
-              <a:cxn ang="0">
-                <a:pos x="connsiteX6" y="connsiteY6"/>
-              </a:cxn>
-              <a:cxn ang="0">
-                <a:pos x="connsiteX7" y="connsiteY7"/>
-              </a:cxn>
-              <a:cxn ang="0">
-                <a:pos x="connsiteX8" y="connsiteY8"/>
-              </a:cxn>
-            </a:cxnLst>
-            <a:rect l="l" t="t" r="r" b="b"/>
-            <a:pathLst>
-              <a:path w="1706251" h="2045616">
-                <a:moveTo>
-                  <a:pt x="763571" y="0"/>
-                </a:moveTo>
-                <a:lnTo>
-                  <a:pt x="28280" y="273377"/>
-                </a:lnTo>
-                <a:lnTo>
-                  <a:pt x="94268" y="904973"/>
-                </a:lnTo>
-                <a:lnTo>
-                  <a:pt x="282804" y="1319752"/>
-                </a:lnTo>
-                <a:lnTo>
-                  <a:pt x="0" y="1838226"/>
-                </a:lnTo>
-                <a:lnTo>
-                  <a:pt x="1696825" y="2045616"/>
-                </a:lnTo>
-                <a:lnTo>
-                  <a:pt x="1423447" y="961534"/>
-                </a:lnTo>
-                <a:lnTo>
-                  <a:pt x="1706251" y="197962"/>
-                </a:lnTo>
-                <a:lnTo>
-                  <a:pt x="763571" y="0"/>
-                </a:lnTo>
-                <a:close/>
-              </a:path>
-            </a:pathLst>
-          </a:custGeom>
-          <a:solidFill>
-            <a:schemeClr val="bg1">
-              <a:lumMod val="95000"/>
-            </a:schemeClr>
-          </a:solidFill>
-          <a:ln w="28575">
-            <a:solidFill>
-              <a:schemeClr val="bg2">
-                <a:lumMod val="50000"/>
-              </a:schemeClr>
-            </a:solidFill>
-          </a:ln>
-        </p:spPr>
-        <p:style>
-          <a:lnRef idx="2">
-            <a:schemeClr val="accent1">
-              <a:shade val="50000"/>
-            </a:schemeClr>
-          </a:lnRef>
-          <a:fillRef idx="1">
-            <a:schemeClr val="accent1"/>
-          </a:fillRef>
-          <a:effectRef idx="0">
-            <a:schemeClr val="accent1"/>
-          </a:effectRef>
-          <a:fontRef idx="minor">
-            <a:schemeClr val="lt1"/>
-          </a:fontRef>
-        </p:style>
-        <p:txBody>
-          <a:bodyPr rtlCol="0" anchor="ctr"/>
-          <a:lstStyle/>
-          <a:p>
-            <a:pPr algn="ctr"/>
-            <a:endParaRPr lang="en-GB" dirty="0"/>
-          </a:p>
-        </p:txBody>
-      </p:sp>
-      <p:sp>
-        <p:nvSpPr>
           <p:cNvPr id="16" name="Textfeld 15"/>
           <p:cNvSpPr txBox="1"/>
           <p:nvPr/>
         </p:nvSpPr>
         <p:spPr>
           <a:xfrm>
-            <a:off x="3989544" y="1114704"/>
+            <a:off x="6823251" y="1114704"/>
             <a:ext cx="1463862" cy="584775"/>
           </a:xfrm>
           <a:prstGeom prst="rect">
@@ -2541,7 +2865,7 @@
         </p:nvGrpSpPr>
         <p:grpSpPr>
           <a:xfrm>
-            <a:off x="4262441" y="2049803"/>
+            <a:off x="7096148" y="2049803"/>
             <a:ext cx="975811" cy="1157533"/>
             <a:chOff x="681708" y="1929123"/>
             <a:chExt cx="975811" cy="1157533"/>
@@ -2823,7 +3147,7 @@
         </p:nvSpPr>
         <p:spPr>
           <a:xfrm>
-            <a:off x="3489929" y="3517417"/>
+            <a:off x="6323636" y="3517417"/>
             <a:ext cx="2686808" cy="830997"/>
           </a:xfrm>
           <a:prstGeom prst="rect">
@@ -2846,350 +3170,346 @@
           </a:p>
         </p:txBody>
       </p:sp>
-      <p:cxnSp>
-        <p:nvCxnSpPr>
-          <p:cNvPr id="26" name="Gerader Verbinder 25"/>
-          <p:cNvCxnSpPr>
-            <a:stCxn id="19" idx="6"/>
-            <a:endCxn id="18" idx="2"/>
-          </p:cNvCxnSpPr>
+      <p:grpSp>
+        <p:nvGrpSpPr>
+          <p:cNvPr id="29" name="Gruppieren 28"/>
+          <p:cNvGrpSpPr/>
           <p:nvPr/>
-        </p:nvCxnSpPr>
-        <p:spPr>
+        </p:nvGrpSpPr>
+        <p:grpSpPr>
           <a:xfrm>
-            <a:off x="4346824" y="3150837"/>
-            <a:ext cx="807045" cy="14308"/>
+            <a:off x="7138340" y="2091995"/>
+            <a:ext cx="891428" cy="1073150"/>
+            <a:chOff x="7138340" y="2091995"/>
+            <a:chExt cx="891428" cy="1073150"/>
           </a:xfrm>
-          <a:prstGeom prst="line">
-            <a:avLst/>
-          </a:prstGeom>
-          <a:ln w="38100">
-            <a:solidFill>
-              <a:srgbClr val="C00000"/>
-            </a:solidFill>
-          </a:ln>
-        </p:spPr>
-        <p:style>
-          <a:lnRef idx="1">
-            <a:schemeClr val="accent1"/>
-          </a:lnRef>
-          <a:fillRef idx="0">
-            <a:schemeClr val="accent1"/>
-          </a:fillRef>
-          <a:effectRef idx="0">
-            <a:schemeClr val="accent1"/>
-          </a:effectRef>
-          <a:fontRef idx="minor">
-            <a:schemeClr val="tx1"/>
-          </a:fontRef>
-        </p:style>
-      </p:cxnSp>
-      <p:cxnSp>
-        <p:nvCxnSpPr>
-          <p:cNvPr id="34" name="Gerader Verbinder 33"/>
-          <p:cNvCxnSpPr>
-            <a:stCxn id="18" idx="0"/>
-            <a:endCxn id="20" idx="4"/>
-          </p:cNvCxnSpPr>
+        </p:grpSpPr>
+        <p:cxnSp>
+          <p:nvCxnSpPr>
+            <p:cNvPr id="26" name="Gerader Verbinder 25"/>
+            <p:cNvCxnSpPr>
+              <a:stCxn id="19" idx="6"/>
+              <a:endCxn id="18" idx="2"/>
+            </p:cNvCxnSpPr>
+            <p:nvPr/>
+          </p:nvCxnSpPr>
+          <p:spPr>
+            <a:xfrm>
+              <a:off x="7180531" y="3150837"/>
+              <a:ext cx="807045" cy="14308"/>
+            </a:xfrm>
+            <a:prstGeom prst="line">
+              <a:avLst/>
+            </a:prstGeom>
+            <a:ln w="38100">
+              <a:solidFill>
+                <a:srgbClr val="C00000"/>
+              </a:solidFill>
+            </a:ln>
+          </p:spPr>
+          <p:style>
+            <a:lnRef idx="1">
+              <a:schemeClr val="accent1"/>
+            </a:lnRef>
+            <a:fillRef idx="0">
+              <a:schemeClr val="accent1"/>
+            </a:fillRef>
+            <a:effectRef idx="0">
+              <a:schemeClr val="accent1"/>
+            </a:effectRef>
+            <a:fontRef idx="minor">
+              <a:schemeClr val="tx1"/>
+            </a:fontRef>
+          </p:style>
+        </p:cxnSp>
+        <p:cxnSp>
+          <p:nvCxnSpPr>
+            <p:cNvPr id="34" name="Gerader Verbinder 33"/>
+            <p:cNvCxnSpPr>
+              <a:stCxn id="18" idx="0"/>
+              <a:endCxn id="20" idx="4"/>
+            </p:cNvCxnSpPr>
+            <p:nvPr/>
+          </p:nvCxnSpPr>
+          <p:spPr>
+            <a:xfrm flipH="1" flipV="1">
+              <a:off x="7945385" y="2315163"/>
+              <a:ext cx="84383" cy="807790"/>
+            </a:xfrm>
+            <a:prstGeom prst="line">
+              <a:avLst/>
+            </a:prstGeom>
+            <a:ln w="38100">
+              <a:solidFill>
+                <a:srgbClr val="C00000"/>
+              </a:solidFill>
+            </a:ln>
+          </p:spPr>
+          <p:style>
+            <a:lnRef idx="1">
+              <a:schemeClr val="accent1"/>
+            </a:lnRef>
+            <a:fillRef idx="0">
+              <a:schemeClr val="accent1"/>
+            </a:fillRef>
+            <a:effectRef idx="0">
+              <a:schemeClr val="accent1"/>
+            </a:effectRef>
+            <a:fontRef idx="minor">
+              <a:schemeClr val="tx1"/>
+            </a:fontRef>
+          </p:style>
+        </p:cxnSp>
+        <p:cxnSp>
+          <p:nvCxnSpPr>
+            <p:cNvPr id="38" name="Gerader Verbinder 37"/>
+            <p:cNvCxnSpPr>
+              <a:stCxn id="20" idx="1"/>
+              <a:endCxn id="21" idx="6"/>
+            </p:cNvCxnSpPr>
+            <p:nvPr/>
+          </p:nvCxnSpPr>
+          <p:spPr>
+            <a:xfrm flipH="1" flipV="1">
+              <a:off x="7400000" y="2091995"/>
+              <a:ext cx="515551" cy="151143"/>
+            </a:xfrm>
+            <a:prstGeom prst="line">
+              <a:avLst/>
+            </a:prstGeom>
+            <a:ln w="38100">
+              <a:solidFill>
+                <a:srgbClr val="C00000"/>
+              </a:solidFill>
+            </a:ln>
+          </p:spPr>
+          <p:style>
+            <a:lnRef idx="1">
+              <a:schemeClr val="accent1"/>
+            </a:lnRef>
+            <a:fillRef idx="0">
+              <a:schemeClr val="accent1"/>
+            </a:fillRef>
+            <a:effectRef idx="0">
+              <a:schemeClr val="accent1"/>
+            </a:effectRef>
+            <a:fontRef idx="minor">
+              <a:schemeClr val="tx1"/>
+            </a:fontRef>
+          </p:style>
+        </p:cxnSp>
+        <p:cxnSp>
+          <p:nvCxnSpPr>
+            <p:cNvPr id="40" name="Gerader Verbinder 39"/>
+            <p:cNvCxnSpPr>
+              <a:stCxn id="21" idx="3"/>
+              <a:endCxn id="22" idx="0"/>
+            </p:cNvCxnSpPr>
+            <p:nvPr/>
+          </p:nvCxnSpPr>
+          <p:spPr>
+            <a:xfrm flipH="1">
+              <a:off x="7138340" y="2121828"/>
+              <a:ext cx="189635" cy="307429"/>
+            </a:xfrm>
+            <a:prstGeom prst="line">
+              <a:avLst/>
+            </a:prstGeom>
+            <a:ln w="38100">
+              <a:solidFill>
+                <a:srgbClr val="C00000"/>
+              </a:solidFill>
+            </a:ln>
+          </p:spPr>
+          <p:style>
+            <a:lnRef idx="1">
+              <a:schemeClr val="accent1"/>
+            </a:lnRef>
+            <a:fillRef idx="0">
+              <a:schemeClr val="accent1"/>
+            </a:fillRef>
+            <a:effectRef idx="0">
+              <a:schemeClr val="accent1"/>
+            </a:effectRef>
+            <a:fontRef idx="minor">
+              <a:schemeClr val="tx1"/>
+            </a:fontRef>
+          </p:style>
+        </p:cxnSp>
+        <p:cxnSp>
+          <p:nvCxnSpPr>
+            <p:cNvPr id="43" name="Gerader Verbinder 42"/>
+            <p:cNvCxnSpPr>
+              <a:stCxn id="22" idx="5"/>
+              <a:endCxn id="23" idx="1"/>
+            </p:cNvCxnSpPr>
+            <p:nvPr/>
+          </p:nvCxnSpPr>
+          <p:spPr>
+            <a:xfrm>
+              <a:off x="7168173" y="2501282"/>
+              <a:ext cx="340419" cy="167226"/>
+            </a:xfrm>
+            <a:prstGeom prst="line">
+              <a:avLst/>
+            </a:prstGeom>
+            <a:ln w="38100">
+              <a:solidFill>
+                <a:srgbClr val="C00000"/>
+              </a:solidFill>
+            </a:ln>
+          </p:spPr>
+          <p:style>
+            <a:lnRef idx="1">
+              <a:schemeClr val="accent1"/>
+            </a:lnRef>
+            <a:fillRef idx="0">
+              <a:schemeClr val="accent1"/>
+            </a:fillRef>
+            <a:effectRef idx="0">
+              <a:schemeClr val="accent1"/>
+            </a:effectRef>
+            <a:fontRef idx="minor">
+              <a:schemeClr val="tx1"/>
+            </a:fontRef>
+          </p:style>
+        </p:cxnSp>
+        <p:cxnSp>
+          <p:nvCxnSpPr>
+            <p:cNvPr id="46" name="Gerader Verbinder 45"/>
+            <p:cNvCxnSpPr>
+              <a:stCxn id="23" idx="3"/>
+              <a:endCxn id="19" idx="7"/>
+            </p:cNvCxnSpPr>
+            <p:nvPr/>
+          </p:nvCxnSpPr>
+          <p:spPr>
+            <a:xfrm flipH="1">
+              <a:off x="7168173" y="2728175"/>
+              <a:ext cx="340419" cy="392828"/>
+            </a:xfrm>
+            <a:prstGeom prst="line">
+              <a:avLst/>
+            </a:prstGeom>
+            <a:ln w="38100">
+              <a:solidFill>
+                <a:srgbClr val="C00000"/>
+              </a:solidFill>
+            </a:ln>
+          </p:spPr>
+          <p:style>
+            <a:lnRef idx="1">
+              <a:schemeClr val="accent1"/>
+            </a:lnRef>
+            <a:fillRef idx="0">
+              <a:schemeClr val="accent1"/>
+            </a:fillRef>
+            <a:effectRef idx="0">
+              <a:schemeClr val="accent1"/>
+            </a:effectRef>
+            <a:fontRef idx="minor">
+              <a:schemeClr val="tx1"/>
+            </a:fontRef>
+          </p:style>
+        </p:cxnSp>
+      </p:grpSp>
+      <p:grpSp>
+        <p:nvGrpSpPr>
+          <p:cNvPr id="30" name="Gruppieren 29"/>
+          <p:cNvGrpSpPr/>
           <p:nvPr/>
-        </p:nvCxnSpPr>
-        <p:spPr>
-          <a:xfrm flipH="1" flipV="1">
-            <a:off x="5111678" y="2315163"/>
-            <a:ext cx="84383" cy="807790"/>
+        </p:nvGrpSpPr>
+        <p:grpSpPr>
+          <a:xfrm>
+            <a:off x="2626642" y="2071375"/>
+            <a:ext cx="3729029" cy="584775"/>
+            <a:chOff x="2626642" y="2071375"/>
+            <a:chExt cx="3729029" cy="584775"/>
           </a:xfrm>
-          <a:prstGeom prst="line">
-            <a:avLst/>
-          </a:prstGeom>
-          <a:ln w="38100">
-            <a:solidFill>
-              <a:srgbClr val="C00000"/>
-            </a:solidFill>
-          </a:ln>
-        </p:spPr>
-        <p:style>
-          <a:lnRef idx="1">
-            <a:schemeClr val="accent1"/>
-          </a:lnRef>
-          <a:fillRef idx="0">
-            <a:schemeClr val="accent1"/>
-          </a:fillRef>
-          <a:effectRef idx="0">
-            <a:schemeClr val="accent1"/>
-          </a:effectRef>
-          <a:fontRef idx="minor">
-            <a:schemeClr val="tx1"/>
-          </a:fontRef>
-        </p:style>
-      </p:cxnSp>
-      <p:cxnSp>
-        <p:nvCxnSpPr>
-          <p:cNvPr id="38" name="Gerader Verbinder 37"/>
-          <p:cNvCxnSpPr>
-            <a:stCxn id="20" idx="1"/>
-            <a:endCxn id="21" idx="6"/>
-          </p:cNvCxnSpPr>
-          <p:nvPr/>
-        </p:nvCxnSpPr>
-        <p:spPr>
-          <a:xfrm flipH="1" flipV="1">
-            <a:off x="4566293" y="2091995"/>
-            <a:ext cx="515551" cy="151143"/>
-          </a:xfrm>
-          <a:prstGeom prst="line">
-            <a:avLst/>
-          </a:prstGeom>
-          <a:ln w="38100">
-            <a:solidFill>
-              <a:srgbClr val="C00000"/>
-            </a:solidFill>
-          </a:ln>
-        </p:spPr>
-        <p:style>
-          <a:lnRef idx="1">
-            <a:schemeClr val="accent1"/>
-          </a:lnRef>
-          <a:fillRef idx="0">
-            <a:schemeClr val="accent1"/>
-          </a:fillRef>
-          <a:effectRef idx="0">
-            <a:schemeClr val="accent1"/>
-          </a:effectRef>
-          <a:fontRef idx="minor">
-            <a:schemeClr val="tx1"/>
-          </a:fontRef>
-        </p:style>
-      </p:cxnSp>
-      <p:cxnSp>
-        <p:nvCxnSpPr>
-          <p:cNvPr id="40" name="Gerader Verbinder 39"/>
-          <p:cNvCxnSpPr>
-            <a:stCxn id="21" idx="3"/>
-            <a:endCxn id="22" idx="0"/>
-          </p:cNvCxnSpPr>
-          <p:nvPr/>
-        </p:nvCxnSpPr>
-        <p:spPr>
-          <a:xfrm flipH="1">
-            <a:off x="4304633" y="2121828"/>
-            <a:ext cx="189635" cy="307429"/>
-          </a:xfrm>
-          <a:prstGeom prst="line">
-            <a:avLst/>
-          </a:prstGeom>
-          <a:ln w="38100">
-            <a:solidFill>
-              <a:srgbClr val="C00000"/>
-            </a:solidFill>
-          </a:ln>
-        </p:spPr>
-        <p:style>
-          <a:lnRef idx="1">
-            <a:schemeClr val="accent1"/>
-          </a:lnRef>
-          <a:fillRef idx="0">
-            <a:schemeClr val="accent1"/>
-          </a:fillRef>
-          <a:effectRef idx="0">
-            <a:schemeClr val="accent1"/>
-          </a:effectRef>
-          <a:fontRef idx="minor">
-            <a:schemeClr val="tx1"/>
-          </a:fontRef>
-        </p:style>
-      </p:cxnSp>
-      <p:cxnSp>
-        <p:nvCxnSpPr>
-          <p:cNvPr id="43" name="Gerader Verbinder 42"/>
-          <p:cNvCxnSpPr>
-            <a:stCxn id="22" idx="5"/>
-            <a:endCxn id="23" idx="1"/>
-          </p:cNvCxnSpPr>
-          <p:nvPr/>
-        </p:nvCxnSpPr>
-        <p:spPr>
-          <a:xfrm>
-            <a:off x="4334466" y="2501282"/>
-            <a:ext cx="340419" cy="167226"/>
-          </a:xfrm>
-          <a:prstGeom prst="line">
-            <a:avLst/>
-          </a:prstGeom>
-          <a:ln w="38100">
-            <a:solidFill>
-              <a:srgbClr val="C00000"/>
-            </a:solidFill>
-          </a:ln>
-        </p:spPr>
-        <p:style>
-          <a:lnRef idx="1">
-            <a:schemeClr val="accent1"/>
-          </a:lnRef>
-          <a:fillRef idx="0">
-            <a:schemeClr val="accent1"/>
-          </a:fillRef>
-          <a:effectRef idx="0">
-            <a:schemeClr val="accent1"/>
-          </a:effectRef>
-          <a:fontRef idx="minor">
-            <a:schemeClr val="tx1"/>
-          </a:fontRef>
-        </p:style>
-      </p:cxnSp>
-      <p:cxnSp>
-        <p:nvCxnSpPr>
-          <p:cNvPr id="46" name="Gerader Verbinder 45"/>
-          <p:cNvCxnSpPr>
-            <a:stCxn id="23" idx="3"/>
-            <a:endCxn id="19" idx="7"/>
-          </p:cNvCxnSpPr>
-          <p:nvPr/>
-        </p:nvCxnSpPr>
-        <p:spPr>
-          <a:xfrm flipH="1">
-            <a:off x="4334466" y="2728175"/>
-            <a:ext cx="340419" cy="392828"/>
-          </a:xfrm>
-          <a:prstGeom prst="line">
-            <a:avLst/>
-          </a:prstGeom>
-          <a:ln w="38100">
-            <a:solidFill>
-              <a:srgbClr val="C00000"/>
-            </a:solidFill>
-          </a:ln>
-        </p:spPr>
-        <p:style>
-          <a:lnRef idx="1">
-            <a:schemeClr val="accent1"/>
-          </a:lnRef>
-          <a:fillRef idx="0">
-            <a:schemeClr val="accent1"/>
-          </a:fillRef>
-          <a:effectRef idx="0">
-            <a:schemeClr val="accent1"/>
-          </a:effectRef>
-          <a:fontRef idx="minor">
-            <a:schemeClr val="tx1"/>
-          </a:fontRef>
-        </p:style>
-      </p:cxnSp>
-      <p:cxnSp>
-        <p:nvCxnSpPr>
-          <p:cNvPr id="50" name="Gekrümmte Verbindung 49"/>
-          <p:cNvCxnSpPr/>
-          <p:nvPr/>
-        </p:nvCxnSpPr>
-        <p:spPr>
-          <a:xfrm rot="1500000" flipV="1">
-            <a:off x="2665634" y="2405403"/>
-            <a:ext cx="912127" cy="386742"/>
-          </a:xfrm>
-          <a:prstGeom prst="curvedConnector3">
-            <a:avLst>
-              <a:gd name="adj1" fmla="val 50000"/>
-            </a:avLst>
-          </a:prstGeom>
-          <a:ln w="38100">
-            <a:solidFill>
-              <a:schemeClr val="accent5">
-                <a:lumMod val="75000"/>
-              </a:schemeClr>
-            </a:solidFill>
-            <a:tailEnd type="triangle"/>
-          </a:ln>
-        </p:spPr>
-        <p:style>
-          <a:lnRef idx="1">
-            <a:schemeClr val="accent1"/>
-          </a:lnRef>
-          <a:fillRef idx="0">
-            <a:schemeClr val="accent1"/>
-          </a:fillRef>
-          <a:effectRef idx="0">
-            <a:schemeClr val="accent1"/>
-          </a:effectRef>
-          <a:fontRef idx="minor">
-            <a:schemeClr val="tx1"/>
-          </a:fontRef>
-        </p:style>
-      </p:cxnSp>
-      <p:sp>
-        <p:nvSpPr>
-          <p:cNvPr id="55" name="Textfeld 54"/>
-          <p:cNvSpPr txBox="1"/>
-          <p:nvPr/>
-        </p:nvSpPr>
-        <p:spPr>
-          <a:xfrm>
-            <a:off x="2760398" y="1980583"/>
-            <a:ext cx="712503" cy="584775"/>
-          </a:xfrm>
-          <a:prstGeom prst="rect">
-            <a:avLst/>
-          </a:prstGeom>
-          <a:noFill/>
-        </p:spPr>
-        <p:txBody>
-          <a:bodyPr wrap="none" rtlCol="0">
-            <a:spAutoFit/>
-          </a:bodyPr>
-          <a:lstStyle/>
-          <a:p>
-            <a:r>
-              <a:rPr lang="de-DE" sz="3200" cap="small" dirty="0" smtClean="0">
+        </p:grpSpPr>
+        <p:cxnSp>
+          <p:nvCxnSpPr>
+            <p:cNvPr id="50" name="Gekrümmte Verbindung 49"/>
+            <p:cNvCxnSpPr/>
+            <p:nvPr/>
+          </p:nvCxnSpPr>
+          <p:spPr>
+            <a:xfrm>
+              <a:off x="2626642" y="2581288"/>
+              <a:ext cx="3729029" cy="3607"/>
+            </a:xfrm>
+            <a:prstGeom prst="curvedConnector3">
+              <a:avLst>
+                <a:gd name="adj1" fmla="val 50000"/>
+              </a:avLst>
+            </a:prstGeom>
+            <a:ln w="38100">
+              <a:solidFill>
+                <a:schemeClr val="accent5">
+                  <a:lumMod val="75000"/>
+                </a:schemeClr>
+              </a:solidFill>
+              <a:tailEnd type="triangle"/>
+            </a:ln>
+          </p:spPr>
+          <p:style>
+            <a:lnRef idx="1">
+              <a:schemeClr val="accent1"/>
+            </a:lnRef>
+            <a:fillRef idx="0">
+              <a:schemeClr val="accent1"/>
+            </a:fillRef>
+            <a:effectRef idx="0">
+              <a:schemeClr val="accent1"/>
+            </a:effectRef>
+            <a:fontRef idx="minor">
+              <a:schemeClr val="tx1"/>
+            </a:fontRef>
+          </p:style>
+        </p:cxnSp>
+        <p:sp>
+          <p:nvSpPr>
+            <p:cNvPr id="55" name="Textfeld 54"/>
+            <p:cNvSpPr txBox="1"/>
+            <p:nvPr/>
+          </p:nvSpPr>
+          <p:spPr>
+            <a:xfrm>
+              <a:off x="4134904" y="2071375"/>
+              <a:ext cx="712503" cy="584775"/>
+            </a:xfrm>
+            <a:prstGeom prst="rect">
+              <a:avLst/>
+            </a:prstGeom>
+            <a:noFill/>
+          </p:spPr>
+          <p:txBody>
+            <a:bodyPr wrap="none" rtlCol="0">
+              <a:spAutoFit/>
+            </a:bodyPr>
+            <a:lstStyle/>
+            <a:p>
+              <a:r>
+                <a:rPr lang="de-DE" sz="3200" cap="small" dirty="0" smtClean="0">
+                  <a:solidFill>
+                    <a:schemeClr val="accent5">
+                      <a:lumMod val="75000"/>
+                    </a:schemeClr>
+                  </a:solidFill>
+                </a:rPr>
+                <a:t>alg</a:t>
+              </a:r>
+              <a:endParaRPr lang="de-DE" sz="3200" cap="small" dirty="0">
                 <a:solidFill>
                   <a:schemeClr val="accent5">
                     <a:lumMod val="75000"/>
                   </a:schemeClr>
                 </a:solidFill>
-              </a:rPr>
-              <a:t>alg</a:t>
-            </a:r>
-            <a:endParaRPr lang="de-DE" sz="3200" cap="small" dirty="0">
-              <a:solidFill>
-                <a:schemeClr val="accent5">
-                  <a:lumMod val="75000"/>
-                </a:schemeClr>
-              </a:solidFill>
-            </a:endParaRPr>
-          </a:p>
-        </p:txBody>
-      </p:sp>
-      <p:sp>
-        <p:nvSpPr>
-          <p:cNvPr id="56" name="Textfeld 55"/>
-          <p:cNvSpPr txBox="1"/>
-          <p:nvPr/>
-        </p:nvSpPr>
-        <p:spPr>
-          <a:xfrm>
-            <a:off x="7198410" y="1120442"/>
-            <a:ext cx="1121013" cy="584775"/>
-          </a:xfrm>
-          <a:prstGeom prst="rect">
-            <a:avLst/>
-          </a:prstGeom>
-          <a:noFill/>
-        </p:spPr>
-        <p:txBody>
-          <a:bodyPr wrap="none" rtlCol="0">
-            <a:spAutoFit/>
-          </a:bodyPr>
-          <a:lstStyle/>
-          <a:p>
-            <a:r>
-              <a:rPr lang="en-GB" sz="3200" cap="small" dirty="0" smtClean="0"/>
-              <a:t>Facts</a:t>
-            </a:r>
-            <a:r>
-              <a:rPr lang="en-GB" sz="2800" cap="small" dirty="0" smtClean="0"/>
-              <a:t>:</a:t>
-            </a:r>
-            <a:endParaRPr lang="en-GB" sz="2800" cap="small" dirty="0"/>
-          </a:p>
-        </p:txBody>
-      </p:sp>
+              </a:endParaRPr>
+            </a:p>
+          </p:txBody>
+        </p:sp>
+      </p:grpSp>
       <p:sp>
         <p:nvSpPr>
           <p:cNvPr id="57" name="Textfeld 56"/>
@@ -3198,7 +3518,7 @@
         </p:nvSpPr>
         <p:spPr>
           <a:xfrm>
-            <a:off x="6230125" y="1904295"/>
+            <a:off x="3299930" y="2966769"/>
             <a:ext cx="2913875" cy="646331"/>
           </a:xfrm>
           <a:prstGeom prst="rect">
@@ -3240,6 +3560,60 @@
               <a:t>algorithms</a:t>
             </a:r>
             <a:endParaRPr lang="de-DE" dirty="0"/>
+          </a:p>
+        </p:txBody>
+      </p:sp>
+      <p:sp>
+        <p:nvSpPr>
+          <p:cNvPr id="31" name="Textfeld 30"/>
+          <p:cNvSpPr txBox="1"/>
+          <p:nvPr/>
+        </p:nvSpPr>
+        <p:spPr>
+          <a:xfrm>
+            <a:off x="4787772" y="611302"/>
+            <a:ext cx="1178464" cy="461665"/>
+          </a:xfrm>
+          <a:prstGeom prst="rect">
+            <a:avLst/>
+          </a:prstGeom>
+          <a:noFill/>
+        </p:spPr>
+        <p:txBody>
+          <a:bodyPr wrap="none" rtlCol="0">
+            <a:spAutoFit/>
+          </a:bodyPr>
+          <a:lstStyle/>
+          <a:p>
+            <a:r>
+              <a:rPr lang="de-DE" sz="2400" dirty="0" smtClean="0">
+                <a:solidFill>
+                  <a:srgbClr val="C00000"/>
+                </a:solidFill>
+              </a:rPr>
+              <a:t>(</a:t>
+            </a:r>
+            <a:r>
+              <a:rPr lang="de-DE" sz="2400" dirty="0" err="1" smtClean="0">
+                <a:solidFill>
+                  <a:srgbClr val="C00000"/>
+                </a:solidFill>
+              </a:rPr>
+              <a:t>metric</a:t>
+            </a:r>
+            <a:r>
+              <a:rPr lang="de-DE" sz="2400" dirty="0" smtClean="0">
+                <a:solidFill>
+                  <a:srgbClr val="C00000"/>
+                </a:solidFill>
+              </a:rPr>
+              <a:t>)</a:t>
+            </a:r>
+            <a:endParaRPr lang="de-DE" sz="2400" dirty="0">
+              <a:solidFill>
+                <a:srgbClr val="C00000"/>
+              </a:solidFill>
+            </a:endParaRPr>
           </a:p>
         </p:txBody>
       </p:sp>
@@ -3308,6 +3682,664 @@
                                   </p:childTnLst>
                                 </p:cTn>
                               </p:par>
+                              <p:par>
+                                <p:cTn id="8" presetID="10" presetClass="entr" presetSubtype="0" fill="hold" grpId="0" nodeType="withEffect">
+                                  <p:stCondLst>
+                                    <p:cond delay="500"/>
+                                  </p:stCondLst>
+                                  <p:childTnLst>
+                                    <p:set>
+                                      <p:cBhvr>
+                                        <p:cTn id="9" dur="1" fill="hold">
+                                          <p:stCondLst>
+                                            <p:cond delay="0"/>
+                                          </p:stCondLst>
+                                        </p:cTn>
+                                        <p:tgtEl>
+                                          <p:spTgt spid="31"/>
+                                        </p:tgtEl>
+                                        <p:attrNameLst>
+                                          <p:attrName>style.visibility</p:attrName>
+                                        </p:attrNameLst>
+                                      </p:cBhvr>
+                                      <p:to>
+                                        <p:strVal val="visible"/>
+                                      </p:to>
+                                    </p:set>
+                                    <p:animEffect transition="in" filter="fade">
+                                      <p:cBhvr>
+                                        <p:cTn id="10" dur="1500"/>
+                                        <p:tgtEl>
+                                          <p:spTgt spid="31"/>
+                                        </p:tgtEl>
+                                      </p:cBhvr>
+                                    </p:animEffect>
+                                  </p:childTnLst>
+                                </p:cTn>
+                              </p:par>
+                            </p:childTnLst>
+                          </p:cTn>
+                        </p:par>
+                      </p:childTnLst>
+                    </p:cTn>
+                  </p:par>
+                  <p:par>
+                    <p:cTn id="11" fill="hold">
+                      <p:stCondLst>
+                        <p:cond delay="indefinite"/>
+                      </p:stCondLst>
+                      <p:childTnLst>
+                        <p:par>
+                          <p:cTn id="12" fill="hold">
+                            <p:stCondLst>
+                              <p:cond delay="0"/>
+                            </p:stCondLst>
+                            <p:childTnLst>
+                              <p:par>
+                                <p:cTn id="13" presetID="1" presetClass="entr" presetSubtype="0" fill="hold" grpId="0" nodeType="clickEffect">
+                                  <p:stCondLst>
+                                    <p:cond delay="0"/>
+                                  </p:stCondLst>
+                                  <p:childTnLst>
+                                    <p:set>
+                                      <p:cBhvr>
+                                        <p:cTn id="14" dur="1" fill="hold">
+                                          <p:stCondLst>
+                                            <p:cond delay="0"/>
+                                          </p:stCondLst>
+                                        </p:cTn>
+                                        <p:tgtEl>
+                                          <p:spTgt spid="6"/>
+                                        </p:tgtEl>
+                                        <p:attrNameLst>
+                                          <p:attrName>style.visibility</p:attrName>
+                                        </p:attrNameLst>
+                                      </p:cBhvr>
+                                      <p:to>
+                                        <p:strVal val="visible"/>
+                                      </p:to>
+                                    </p:set>
+                                  </p:childTnLst>
+                                </p:cTn>
+                              </p:par>
+                            </p:childTnLst>
+                          </p:cTn>
+                        </p:par>
+                      </p:childTnLst>
+                    </p:cTn>
+                  </p:par>
+                  <p:par>
+                    <p:cTn id="15" fill="hold">
+                      <p:stCondLst>
+                        <p:cond delay="indefinite"/>
+                      </p:stCondLst>
+                      <p:childTnLst>
+                        <p:par>
+                          <p:cTn id="16" fill="hold">
+                            <p:stCondLst>
+                              <p:cond delay="0"/>
+                            </p:stCondLst>
+                            <p:childTnLst>
+                              <p:par>
+                                <p:cTn id="17" presetID="10" presetClass="entr" presetSubtype="0" fill="hold" grpId="0" nodeType="clickEffect">
+                                  <p:stCondLst>
+                                    <p:cond delay="0"/>
+                                  </p:stCondLst>
+                                  <p:childTnLst>
+                                    <p:set>
+                                      <p:cBhvr>
+                                        <p:cTn id="18" dur="1" fill="hold">
+                                          <p:stCondLst>
+                                            <p:cond delay="0"/>
+                                          </p:stCondLst>
+                                        </p:cTn>
+                                        <p:tgtEl>
+                                          <p:spTgt spid="5"/>
+                                        </p:tgtEl>
+                                        <p:attrNameLst>
+                                          <p:attrName>style.visibility</p:attrName>
+                                        </p:attrNameLst>
+                                      </p:cBhvr>
+                                      <p:to>
+                                        <p:strVal val="visible"/>
+                                      </p:to>
+                                    </p:set>
+                                    <p:animEffect transition="in" filter="fade">
+                                      <p:cBhvr>
+                                        <p:cTn id="19" dur="500"/>
+                                        <p:tgtEl>
+                                          <p:spTgt spid="5"/>
+                                        </p:tgtEl>
+                                      </p:cBhvr>
+                                    </p:animEffect>
+                                  </p:childTnLst>
+                                </p:cTn>
+                              </p:par>
+                              <p:par>
+                                <p:cTn id="20" presetID="10" presetClass="entr" presetSubtype="0" fill="hold" grpId="0" nodeType="withEffect">
+                                  <p:stCondLst>
+                                    <p:cond delay="0"/>
+                                  </p:stCondLst>
+                                  <p:childTnLst>
+                                    <p:set>
+                                      <p:cBhvr>
+                                        <p:cTn id="21" dur="1" fill="hold">
+                                          <p:stCondLst>
+                                            <p:cond delay="0"/>
+                                          </p:stCondLst>
+                                        </p:cTn>
+                                        <p:tgtEl>
+                                          <p:spTgt spid="14">
+                                            <p:txEl>
+                                              <p:pRg st="0" end="0"/>
+                                            </p:txEl>
+                                          </p:spTgt>
+                                        </p:tgtEl>
+                                        <p:attrNameLst>
+                                          <p:attrName>style.visibility</p:attrName>
+                                        </p:attrNameLst>
+                                      </p:cBhvr>
+                                      <p:to>
+                                        <p:strVal val="visible"/>
+                                      </p:to>
+                                    </p:set>
+                                    <p:animEffect transition="in" filter="fade">
+                                      <p:cBhvr>
+                                        <p:cTn id="22" dur="500"/>
+                                        <p:tgtEl>
+                                          <p:spTgt spid="14">
+                                            <p:txEl>
+                                              <p:pRg st="0" end="0"/>
+                                            </p:txEl>
+                                          </p:spTgt>
+                                        </p:tgtEl>
+                                      </p:cBhvr>
+                                    </p:animEffect>
+                                  </p:childTnLst>
+                                </p:cTn>
+                              </p:par>
+                            </p:childTnLst>
+                          </p:cTn>
+                        </p:par>
+                      </p:childTnLst>
+                    </p:cTn>
+                  </p:par>
+                  <p:par>
+                    <p:cTn id="23" fill="hold">
+                      <p:stCondLst>
+                        <p:cond delay="indefinite"/>
+                      </p:stCondLst>
+                      <p:childTnLst>
+                        <p:par>
+                          <p:cTn id="24" fill="hold">
+                            <p:stCondLst>
+                              <p:cond delay="0"/>
+                            </p:stCondLst>
+                            <p:childTnLst>
+                              <p:par>
+                                <p:cTn id="25" presetID="10" presetClass="entr" presetSubtype="0" fill="hold" nodeType="clickEffect">
+                                  <p:stCondLst>
+                                    <p:cond delay="0"/>
+                                  </p:stCondLst>
+                                  <p:childTnLst>
+                                    <p:set>
+                                      <p:cBhvr>
+                                        <p:cTn id="26" dur="1" fill="hold">
+                                          <p:stCondLst>
+                                            <p:cond delay="0"/>
+                                          </p:stCondLst>
+                                        </p:cTn>
+                                        <p:tgtEl>
+                                          <p:spTgt spid="13"/>
+                                        </p:tgtEl>
+                                        <p:attrNameLst>
+                                          <p:attrName>style.visibility</p:attrName>
+                                        </p:attrNameLst>
+                                      </p:cBhvr>
+                                      <p:to>
+                                        <p:strVal val="visible"/>
+                                      </p:to>
+                                    </p:set>
+                                    <p:animEffect transition="in" filter="fade">
+                                      <p:cBhvr>
+                                        <p:cTn id="27" dur="500"/>
+                                        <p:tgtEl>
+                                          <p:spTgt spid="13"/>
+                                        </p:tgtEl>
+                                      </p:cBhvr>
+                                    </p:animEffect>
+                                  </p:childTnLst>
+                                </p:cTn>
+                              </p:par>
+                              <p:par>
+                                <p:cTn id="28" presetID="10" presetClass="entr" presetSubtype="0" fill="hold" grpId="0" nodeType="withEffect">
+                                  <p:stCondLst>
+                                    <p:cond delay="0"/>
+                                  </p:stCondLst>
+                                  <p:childTnLst>
+                                    <p:set>
+                                      <p:cBhvr>
+                                        <p:cTn id="29" dur="1" fill="hold">
+                                          <p:stCondLst>
+                                            <p:cond delay="0"/>
+                                          </p:stCondLst>
+                                        </p:cTn>
+                                        <p:tgtEl>
+                                          <p:spTgt spid="14">
+                                            <p:txEl>
+                                              <p:pRg st="1" end="1"/>
+                                            </p:txEl>
+                                          </p:spTgt>
+                                        </p:tgtEl>
+                                        <p:attrNameLst>
+                                          <p:attrName>style.visibility</p:attrName>
+                                        </p:attrNameLst>
+                                      </p:cBhvr>
+                                      <p:to>
+                                        <p:strVal val="visible"/>
+                                      </p:to>
+                                    </p:set>
+                                    <p:animEffect transition="in" filter="fade">
+                                      <p:cBhvr>
+                                        <p:cTn id="30" dur="500"/>
+                                        <p:tgtEl>
+                                          <p:spTgt spid="14">
+                                            <p:txEl>
+                                              <p:pRg st="1" end="1"/>
+                                            </p:txEl>
+                                          </p:spTgt>
+                                        </p:tgtEl>
+                                      </p:cBhvr>
+                                    </p:animEffect>
+                                  </p:childTnLst>
+                                </p:cTn>
+                              </p:par>
+                            </p:childTnLst>
+                          </p:cTn>
+                        </p:par>
+                      </p:childTnLst>
+                    </p:cTn>
+                  </p:par>
+                  <p:par>
+                    <p:cTn id="31" fill="hold">
+                      <p:stCondLst>
+                        <p:cond delay="indefinite"/>
+                      </p:stCondLst>
+                      <p:childTnLst>
+                        <p:par>
+                          <p:cTn id="32" fill="hold">
+                            <p:stCondLst>
+                              <p:cond delay="0"/>
+                            </p:stCondLst>
+                            <p:childTnLst>
+                              <p:par>
+                                <p:cTn id="33" presetID="10" presetClass="entr" presetSubtype="0" fill="hold" grpId="0" nodeType="clickEffect">
+                                  <p:stCondLst>
+                                    <p:cond delay="0"/>
+                                  </p:stCondLst>
+                                  <p:childTnLst>
+                                    <p:set>
+                                      <p:cBhvr>
+                                        <p:cTn id="34" dur="1" fill="hold">
+                                          <p:stCondLst>
+                                            <p:cond delay="0"/>
+                                          </p:stCondLst>
+                                        </p:cTn>
+                                        <p:tgtEl>
+                                          <p:spTgt spid="16"/>
+                                        </p:tgtEl>
+                                        <p:attrNameLst>
+                                          <p:attrName>style.visibility</p:attrName>
+                                        </p:attrNameLst>
+                                      </p:cBhvr>
+                                      <p:to>
+                                        <p:strVal val="visible"/>
+                                      </p:to>
+                                    </p:set>
+                                    <p:animEffect transition="in" filter="fade">
+                                      <p:cBhvr>
+                                        <p:cTn id="35" dur="500"/>
+                                        <p:tgtEl>
+                                          <p:spTgt spid="16"/>
+                                        </p:tgtEl>
+                                      </p:cBhvr>
+                                    </p:animEffect>
+                                  </p:childTnLst>
+                                </p:cTn>
+                              </p:par>
+                              <p:par>
+                                <p:cTn id="36" presetID="10" presetClass="entr" presetSubtype="0" fill="hold" grpId="0" nodeType="withEffect">
+                                  <p:stCondLst>
+                                    <p:cond delay="0"/>
+                                  </p:stCondLst>
+                                  <p:childTnLst>
+                                    <p:set>
+                                      <p:cBhvr>
+                                        <p:cTn id="37" dur="1" fill="hold">
+                                          <p:stCondLst>
+                                            <p:cond delay="0"/>
+                                          </p:stCondLst>
+                                        </p:cTn>
+                                        <p:tgtEl>
+                                          <p:spTgt spid="35"/>
+                                        </p:tgtEl>
+                                        <p:attrNameLst>
+                                          <p:attrName>style.visibility</p:attrName>
+                                        </p:attrNameLst>
+                                      </p:cBhvr>
+                                      <p:to>
+                                        <p:strVal val="visible"/>
+                                      </p:to>
+                                    </p:set>
+                                    <p:animEffect transition="in" filter="fade">
+                                      <p:cBhvr>
+                                        <p:cTn id="38" dur="500"/>
+                                        <p:tgtEl>
+                                          <p:spTgt spid="35"/>
+                                        </p:tgtEl>
+                                      </p:cBhvr>
+                                    </p:animEffect>
+                                  </p:childTnLst>
+                                </p:cTn>
+                              </p:par>
+                              <p:par>
+                                <p:cTn id="39" presetID="10" presetClass="entr" presetSubtype="0" fill="hold" nodeType="withEffect">
+                                  <p:stCondLst>
+                                    <p:cond delay="0"/>
+                                  </p:stCondLst>
+                                  <p:childTnLst>
+                                    <p:set>
+                                      <p:cBhvr>
+                                        <p:cTn id="40" dur="1" fill="hold">
+                                          <p:stCondLst>
+                                            <p:cond delay="0"/>
+                                          </p:stCondLst>
+                                        </p:cTn>
+                                        <p:tgtEl>
+                                          <p:spTgt spid="17"/>
+                                        </p:tgtEl>
+                                        <p:attrNameLst>
+                                          <p:attrName>style.visibility</p:attrName>
+                                        </p:attrNameLst>
+                                      </p:cBhvr>
+                                      <p:to>
+                                        <p:strVal val="visible"/>
+                                      </p:to>
+                                    </p:set>
+                                    <p:animEffect transition="in" filter="fade">
+                                      <p:cBhvr>
+                                        <p:cTn id="41" dur="500"/>
+                                        <p:tgtEl>
+                                          <p:spTgt spid="17"/>
+                                        </p:tgtEl>
+                                      </p:cBhvr>
+                                    </p:animEffect>
+                                  </p:childTnLst>
+                                </p:cTn>
+                              </p:par>
+                            </p:childTnLst>
+                          </p:cTn>
+                        </p:par>
+                      </p:childTnLst>
+                    </p:cTn>
+                  </p:par>
+                  <p:par>
+                    <p:cTn id="42" fill="hold">
+                      <p:stCondLst>
+                        <p:cond delay="indefinite"/>
+                      </p:stCondLst>
+                      <p:childTnLst>
+                        <p:par>
+                          <p:cTn id="43" fill="hold">
+                            <p:stCondLst>
+                              <p:cond delay="0"/>
+                            </p:stCondLst>
+                            <p:childTnLst>
+                              <p:par>
+                                <p:cTn id="44" presetID="10" presetClass="entr" presetSubtype="0" fill="hold" nodeType="clickEffect">
+                                  <p:stCondLst>
+                                    <p:cond delay="0"/>
+                                  </p:stCondLst>
+                                  <p:childTnLst>
+                                    <p:set>
+                                      <p:cBhvr>
+                                        <p:cTn id="45" dur="1" fill="hold">
+                                          <p:stCondLst>
+                                            <p:cond delay="0"/>
+                                          </p:stCondLst>
+                                        </p:cTn>
+                                        <p:tgtEl>
+                                          <p:spTgt spid="29"/>
+                                        </p:tgtEl>
+                                        <p:attrNameLst>
+                                          <p:attrName>style.visibility</p:attrName>
+                                        </p:attrNameLst>
+                                      </p:cBhvr>
+                                      <p:to>
+                                        <p:strVal val="visible"/>
+                                      </p:to>
+                                    </p:set>
+                                    <p:animEffect transition="in" filter="fade">
+                                      <p:cBhvr>
+                                        <p:cTn id="46" dur="500"/>
+                                        <p:tgtEl>
+                                          <p:spTgt spid="29"/>
+                                        </p:tgtEl>
+                                      </p:cBhvr>
+                                    </p:animEffect>
+                                  </p:childTnLst>
+                                </p:cTn>
+                              </p:par>
+                              <p:par>
+                                <p:cTn id="47" presetID="10" presetClass="entr" presetSubtype="0" fill="hold" grpId="0" nodeType="withEffect">
+                                  <p:stCondLst>
+                                    <p:cond delay="0"/>
+                                  </p:stCondLst>
+                                  <p:childTnLst>
+                                    <p:set>
+                                      <p:cBhvr>
+                                        <p:cTn id="48" dur="1" fill="hold">
+                                          <p:stCondLst>
+                                            <p:cond delay="0"/>
+                                          </p:stCondLst>
+                                        </p:cTn>
+                                        <p:tgtEl>
+                                          <p:spTgt spid="24"/>
+                                        </p:tgtEl>
+                                        <p:attrNameLst>
+                                          <p:attrName>style.visibility</p:attrName>
+                                        </p:attrNameLst>
+                                      </p:cBhvr>
+                                      <p:to>
+                                        <p:strVal val="visible"/>
+                                      </p:to>
+                                    </p:set>
+                                    <p:animEffect transition="in" filter="fade">
+                                      <p:cBhvr>
+                                        <p:cTn id="49" dur="500"/>
+                                        <p:tgtEl>
+                                          <p:spTgt spid="24"/>
+                                        </p:tgtEl>
+                                      </p:cBhvr>
+                                    </p:animEffect>
+                                  </p:childTnLst>
+                                </p:cTn>
+                              </p:par>
+                            </p:childTnLst>
+                          </p:cTn>
+                        </p:par>
+                      </p:childTnLst>
+                    </p:cTn>
+                  </p:par>
+                  <p:par>
+                    <p:cTn id="50" fill="hold">
+                      <p:stCondLst>
+                        <p:cond delay="indefinite"/>
+                      </p:stCondLst>
+                      <p:childTnLst>
+                        <p:par>
+                          <p:cTn id="51" fill="hold">
+                            <p:stCondLst>
+                              <p:cond delay="0"/>
+                            </p:stCondLst>
+                            <p:childTnLst>
+                              <p:par>
+                                <p:cTn id="52" presetID="22" presetClass="entr" presetSubtype="8" fill="hold" nodeType="clickEffect">
+                                  <p:stCondLst>
+                                    <p:cond delay="0"/>
+                                  </p:stCondLst>
+                                  <p:childTnLst>
+                                    <p:set>
+                                      <p:cBhvr>
+                                        <p:cTn id="53" dur="1" fill="hold">
+                                          <p:stCondLst>
+                                            <p:cond delay="0"/>
+                                          </p:stCondLst>
+                                        </p:cTn>
+                                        <p:tgtEl>
+                                          <p:spTgt spid="30"/>
+                                        </p:tgtEl>
+                                        <p:attrNameLst>
+                                          <p:attrName>style.visibility</p:attrName>
+                                        </p:attrNameLst>
+                                      </p:cBhvr>
+                                      <p:to>
+                                        <p:strVal val="visible"/>
+                                      </p:to>
+                                    </p:set>
+                                    <p:animEffect transition="in" filter="wipe(left)">
+                                      <p:cBhvr>
+                                        <p:cTn id="54" dur="500"/>
+                                        <p:tgtEl>
+                                          <p:spTgt spid="30"/>
+                                        </p:tgtEl>
+                                      </p:cBhvr>
+                                    </p:animEffect>
+                                  </p:childTnLst>
+                                </p:cTn>
+                              </p:par>
+                            </p:childTnLst>
+                          </p:cTn>
+                        </p:par>
+                      </p:childTnLst>
+                    </p:cTn>
+                  </p:par>
+                  <p:par>
+                    <p:cTn id="55" fill="hold">
+                      <p:stCondLst>
+                        <p:cond delay="indefinite"/>
+                      </p:stCondLst>
+                      <p:childTnLst>
+                        <p:par>
+                          <p:cTn id="56" fill="hold">
+                            <p:stCondLst>
+                              <p:cond delay="0"/>
+                            </p:stCondLst>
+                            <p:childTnLst>
+                              <p:par>
+                                <p:cTn id="57" presetID="10" presetClass="entr" presetSubtype="0" fill="hold" grpId="0" nodeType="clickEffect">
+                                  <p:stCondLst>
+                                    <p:cond delay="0"/>
+                                  </p:stCondLst>
+                                  <p:childTnLst>
+                                    <p:set>
+                                      <p:cBhvr>
+                                        <p:cTn id="58" dur="1" fill="hold">
+                                          <p:stCondLst>
+                                            <p:cond delay="0"/>
+                                          </p:stCondLst>
+                                        </p:cTn>
+                                        <p:tgtEl>
+                                          <p:spTgt spid="57">
+                                            <p:txEl>
+                                              <p:pRg st="0" end="0"/>
+                                            </p:txEl>
+                                          </p:spTgt>
+                                        </p:tgtEl>
+                                        <p:attrNameLst>
+                                          <p:attrName>style.visibility</p:attrName>
+                                        </p:attrNameLst>
+                                      </p:cBhvr>
+                                      <p:to>
+                                        <p:strVal val="visible"/>
+                                      </p:to>
+                                    </p:set>
+                                    <p:animEffect transition="in" filter="fade">
+                                      <p:cBhvr>
+                                        <p:cTn id="59" dur="500"/>
+                                        <p:tgtEl>
+                                          <p:spTgt spid="57">
+                                            <p:txEl>
+                                              <p:pRg st="0" end="0"/>
+                                            </p:txEl>
+                                          </p:spTgt>
+                                        </p:tgtEl>
+                                      </p:cBhvr>
+                                    </p:animEffect>
+                                  </p:childTnLst>
+                                </p:cTn>
+                              </p:par>
+                            </p:childTnLst>
+                          </p:cTn>
+                        </p:par>
+                      </p:childTnLst>
+                    </p:cTn>
+                  </p:par>
+                  <p:par>
+                    <p:cTn id="60" fill="hold">
+                      <p:stCondLst>
+                        <p:cond delay="indefinite"/>
+                      </p:stCondLst>
+                      <p:childTnLst>
+                        <p:par>
+                          <p:cTn id="61" fill="hold">
+                            <p:stCondLst>
+                              <p:cond delay="0"/>
+                            </p:stCondLst>
+                            <p:childTnLst>
+                              <p:par>
+                                <p:cTn id="62" presetID="10" presetClass="entr" presetSubtype="0" fill="hold" grpId="0" nodeType="clickEffect">
+                                  <p:stCondLst>
+                                    <p:cond delay="0"/>
+                                  </p:stCondLst>
+                                  <p:childTnLst>
+                                    <p:set>
+                                      <p:cBhvr>
+                                        <p:cTn id="63" dur="1" fill="hold">
+                                          <p:stCondLst>
+                                            <p:cond delay="0"/>
+                                          </p:stCondLst>
+                                        </p:cTn>
+                                        <p:tgtEl>
+                                          <p:spTgt spid="57">
+                                            <p:txEl>
+                                              <p:pRg st="1" end="1"/>
+                                            </p:txEl>
+                                          </p:spTgt>
+                                        </p:tgtEl>
+                                        <p:attrNameLst>
+                                          <p:attrName>style.visibility</p:attrName>
+                                        </p:attrNameLst>
+                                      </p:cBhvr>
+                                      <p:to>
+                                        <p:strVal val="visible"/>
+                                      </p:to>
+                                    </p:set>
+                                    <p:animEffect transition="in" filter="fade">
+                                      <p:cBhvr>
+                                        <p:cTn id="64" dur="500"/>
+                                        <p:tgtEl>
+                                          <p:spTgt spid="57">
+                                            <p:txEl>
+                                              <p:pRg st="1" end="1"/>
+                                            </p:txEl>
+                                          </p:spTgt>
+                                        </p:tgtEl>
+                                      </p:cBhvr>
+                                    </p:animEffect>
+                                  </p:childTnLst>
+                                </p:cTn>
+                              </p:par>
                             </p:childTnLst>
                           </p:cTn>
                         </p:par>
@@ -3336,7 +4368,15 @@
       </p:par>
     </p:tnLst>
     <p:bldLst>
+      <p:bldP spid="35" grpId="0" animBg="1"/>
       <p:bldP spid="3" grpId="0"/>
+      <p:bldP spid="5" grpId="0" animBg="1"/>
+      <p:bldP spid="6" grpId="0"/>
+      <p:bldP spid="14" grpId="0" uiExpand="1" build="p"/>
+      <p:bldP spid="16" grpId="0"/>
+      <p:bldP spid="24" grpId="0"/>
+      <p:bldP spid="57" grpId="0" build="p"/>
+      <p:bldP spid="31" grpId="0"/>
     </p:bldLst>
   </p:timing>
 </p:sld>

--- a/Präsentation43.pptx
+++ b/Präsentation43.pptx
@@ -8,9 +8,21 @@
   <p:sldIdLst>
     <p:sldId id="256" r:id="rId3"/>
     <p:sldId id="257" r:id="rId4"/>
-    <p:sldId id="259" r:id="rId5"/>
-    <p:sldId id="261" r:id="rId6"/>
-    <p:sldId id="260" r:id="rId7"/>
+    <p:sldId id="266" r:id="rId5"/>
+    <p:sldId id="259" r:id="rId6"/>
+    <p:sldId id="261" r:id="rId7"/>
+    <p:sldId id="260" r:id="rId8"/>
+    <p:sldId id="267" r:id="rId9"/>
+    <p:sldId id="268" r:id="rId10"/>
+    <p:sldId id="262" r:id="rId11"/>
+    <p:sldId id="269" r:id="rId12"/>
+    <p:sldId id="263" r:id="rId13"/>
+    <p:sldId id="270" r:id="rId14"/>
+    <p:sldId id="271" r:id="rId15"/>
+    <p:sldId id="264" r:id="rId16"/>
+    <p:sldId id="272" r:id="rId17"/>
+    <p:sldId id="265" r:id="rId18"/>
+    <p:sldId id="273" r:id="rId19"/>
   </p:sldIdLst>
   <p:sldSz cx="9144000" cy="6858000" type="screen4x3"/>
   <p:notesSz cx="6858000" cy="9144000"/>
@@ -120,13 +132,41 @@
         <p14:section name="Einleitung" id="{D943B1A2-9B33-477D-A48A-E0EFE650149A}">
           <p14:sldIdLst>
             <p14:sldId id="257"/>
+            <p14:sldId id="266"/>
             <p14:sldId id="259"/>
             <p14:sldId id="261"/>
           </p14:sldIdLst>
         </p14:section>
-        <p14:section name="I - Algrothms" id="{EF57F5C4-EE04-49BF-8E7F-3B23674A80CD}">
+        <p14:section name="I - Algorithms A" id="{EF57F5C4-EE04-49BF-8E7F-3B23674A80CD}">
           <p14:sldIdLst>
             <p14:sldId id="260"/>
+            <p14:sldId id="267"/>
+            <p14:sldId id="268"/>
+          </p14:sldIdLst>
+        </p14:section>
+        <p14:section name="II - Lower Bounds" id="{8FF7A1A5-678F-48DA-B9D2-792DF24AF142}">
+          <p14:sldIdLst>
+            <p14:sldId id="262"/>
+            <p14:sldId id="269"/>
+          </p14:sldIdLst>
+        </p14:section>
+        <p14:section name="I - Algorithms B" id="{AEEB55B3-9E63-4B59-A617-086307ACB17D}">
+          <p14:sldIdLst>
+            <p14:sldId id="263"/>
+            <p14:sldId id="270"/>
+            <p14:sldId id="271"/>
+          </p14:sldIdLst>
+        </p14:section>
+        <p14:section name="III - Polynomial Algorithms" id="{882CACD4-5592-4EEC-A46F-76B828647F41}">
+          <p14:sldIdLst>
+            <p14:sldId id="264"/>
+            <p14:sldId id="272"/>
+          </p14:sldIdLst>
+        </p14:section>
+        <p14:section name="IV - The Real Line" id="{DD7B1686-CAFE-47EA-80E9-5D6666466728}">
+          <p14:sldIdLst>
+            <p14:sldId id="265"/>
+            <p14:sldId id="273"/>
           </p14:sldIdLst>
         </p14:section>
       </p14:sectionLst>
@@ -172,11 +212,7 @@
           <a:p>
             <a:r>
               <a:rPr lang="de-DE" dirty="0" smtClean="0"/>
-              <a:t>Titelmasterformat </a:t>
-            </a:r>
-            <a:r>
-              <a:rPr lang="de-DE" dirty="0" smtClean="0"/>
-              <a:t>bearbeiten</a:t>
+              <a:t>Titelmasterformat bearbeiten</a:t>
             </a:r>
             <a:endParaRPr lang="de-DE" dirty="0"/>
           </a:p>
@@ -190,8 +226,8 @@
         </p:nvSpPr>
         <p:spPr>
           <a:xfrm>
-            <a:off x="0" y="5703216"/>
-            <a:ext cx="9144000" cy="1154784"/>
+            <a:off x="0" y="5707780"/>
+            <a:ext cx="9144000" cy="1150219"/>
           </a:xfrm>
           <a:prstGeom prst="rect">
             <a:avLst/>
@@ -238,6 +274,18 @@
   <p:clrMapOvr>
     <a:masterClrMapping/>
   </p:clrMapOvr>
+  <mc:AlternateContent xmlns:mc="http://schemas.openxmlformats.org/markup-compatibility/2006">
+    <mc:Choice xmlns:p14="http://schemas.microsoft.com/office/powerpoint/2010/main" Requires="p14">
+      <p:transition spd="med" p14:dur="700">
+        <p:fade/>
+      </p:transition>
+    </mc:Choice>
+    <mc:Fallback>
+      <p:transition spd="med">
+        <p:fade/>
+      </p:transition>
+    </mc:Fallback>
+  </mc:AlternateContent>
   <p:timing>
     <p:tnLst>
       <p:par>
@@ -296,8 +344,8 @@
         </p:nvSpPr>
         <p:spPr>
           <a:xfrm>
-            <a:off x="0" y="5703216"/>
-            <a:ext cx="9144000" cy="1154784"/>
+            <a:off x="0" y="5712642"/>
+            <a:ext cx="9143999" cy="1145357"/>
           </a:xfrm>
           <a:prstGeom prst="rect">
             <a:avLst/>
@@ -392,7 +440,7 @@
           <p:nvPr userDrawn="1"/>
         </p:nvSpPr>
         <p:spPr>
-          <a:xfrm flipV="1">
+          <a:xfrm rot="10800000" flipV="1">
             <a:off x="0" y="5382704"/>
             <a:ext cx="2276572" cy="329939"/>
           </a:xfrm>
@@ -427,20 +475,28 @@
           <a:lstStyle/>
           <a:p>
             <a:pPr algn="ctr"/>
+            <a:r>
+              <a:rPr lang="de-DE" dirty="0" smtClean="0"/>
+              <a:t>I. </a:t>
+            </a:r>
+            <a:r>
+              <a:rPr lang="de-DE" dirty="0" err="1" smtClean="0"/>
+              <a:t>Algorithms</a:t>
+            </a:r>
             <a:endParaRPr lang="de-DE" dirty="0"/>
           </a:p>
         </p:txBody>
       </p:sp>
       <p:sp>
         <p:nvSpPr>
-          <p:cNvPr id="6" name="Rechteck 5"/>
+          <p:cNvPr id="9" name="Rechteck 8"/>
           <p:cNvSpPr>
             <a:spLocks/>
           </p:cNvSpPr>
           <p:nvPr userDrawn="1"/>
         </p:nvSpPr>
         <p:spPr>
-          <a:xfrm flipV="1">
+          <a:xfrm rot="10800000" flipV="1">
             <a:off x="2276572" y="5382704"/>
             <a:ext cx="2276572" cy="329939"/>
           </a:xfrm>
@@ -448,7 +504,259 @@
             <a:avLst/>
           </a:prstGeom>
           <a:solidFill>
-            <a:srgbClr val="C00000"/>
+            <a:schemeClr val="bg1">
+              <a:lumMod val="50000"/>
+            </a:schemeClr>
+          </a:solidFill>
+          <a:ln>
+            <a:noFill/>
+          </a:ln>
+        </p:spPr>
+        <p:style>
+          <a:lnRef idx="2">
+            <a:schemeClr val="accent1">
+              <a:shade val="50000"/>
+            </a:schemeClr>
+          </a:lnRef>
+          <a:fillRef idx="1">
+            <a:schemeClr val="accent1"/>
+          </a:fillRef>
+          <a:effectRef idx="0">
+            <a:schemeClr val="accent1"/>
+          </a:effectRef>
+          <a:fontRef idx="minor">
+            <a:schemeClr val="lt1"/>
+          </a:fontRef>
+        </p:style>
+        <p:txBody>
+          <a:bodyPr rtlCol="0" anchor="ctr"/>
+          <a:lstStyle/>
+          <a:p>
+            <a:pPr algn="ctr"/>
+            <a:r>
+              <a:rPr lang="de-DE" dirty="0" smtClean="0"/>
+              <a:t>II. </a:t>
+            </a:r>
+            <a:r>
+              <a:rPr lang="de-DE" dirty="0" err="1" smtClean="0"/>
+              <a:t>Lower</a:t>
+            </a:r>
+            <a:r>
+              <a:rPr lang="de-DE" dirty="0" smtClean="0"/>
+              <a:t> </a:t>
+            </a:r>
+            <a:r>
+              <a:rPr lang="de-DE" dirty="0" err="1" smtClean="0"/>
+              <a:t>Bounds</a:t>
+            </a:r>
+            <a:endParaRPr lang="de-DE" dirty="0"/>
+          </a:p>
+        </p:txBody>
+      </p:sp>
+      <p:sp>
+        <p:nvSpPr>
+          <p:cNvPr id="10" name="Rechteck 9"/>
+          <p:cNvSpPr>
+            <a:spLocks/>
+          </p:cNvSpPr>
+          <p:nvPr userDrawn="1"/>
+        </p:nvSpPr>
+        <p:spPr>
+          <a:xfrm rot="10800000" flipV="1">
+            <a:off x="4553143" y="5382704"/>
+            <a:ext cx="2276572" cy="329939"/>
+          </a:xfrm>
+          <a:prstGeom prst="rect">
+            <a:avLst/>
+          </a:prstGeom>
+          <a:solidFill>
+            <a:schemeClr val="bg1">
+              <a:lumMod val="50000"/>
+            </a:schemeClr>
+          </a:solidFill>
+          <a:ln>
+            <a:noFill/>
+          </a:ln>
+        </p:spPr>
+        <p:style>
+          <a:lnRef idx="2">
+            <a:schemeClr val="accent1">
+              <a:shade val="50000"/>
+            </a:schemeClr>
+          </a:lnRef>
+          <a:fillRef idx="1">
+            <a:schemeClr val="accent1"/>
+          </a:fillRef>
+          <a:effectRef idx="0">
+            <a:schemeClr val="accent1"/>
+          </a:effectRef>
+          <a:fontRef idx="minor">
+            <a:schemeClr val="lt1"/>
+          </a:fontRef>
+        </p:style>
+        <p:txBody>
+          <a:bodyPr rtlCol="0" anchor="ctr"/>
+          <a:lstStyle/>
+          <a:p>
+            <a:pPr algn="ctr"/>
+            <a:r>
+              <a:rPr lang="de-DE" dirty="0" smtClean="0"/>
+              <a:t>III. </a:t>
+            </a:r>
+            <a:r>
+              <a:rPr lang="de-DE" dirty="0" err="1" smtClean="0"/>
+              <a:t>Polynomial</a:t>
+            </a:r>
+            <a:r>
+              <a:rPr lang="de-DE" dirty="0" smtClean="0"/>
+              <a:t> Alg.</a:t>
+            </a:r>
+            <a:endParaRPr lang="de-DE" dirty="0"/>
+          </a:p>
+        </p:txBody>
+      </p:sp>
+      <p:sp>
+        <p:nvSpPr>
+          <p:cNvPr id="11" name="Rechteck 10"/>
+          <p:cNvSpPr>
+            <a:spLocks/>
+          </p:cNvSpPr>
+          <p:nvPr userDrawn="1"/>
+        </p:nvSpPr>
+        <p:spPr>
+          <a:xfrm rot="10800000" flipV="1">
+            <a:off x="6829713" y="5382704"/>
+            <a:ext cx="2276572" cy="329939"/>
+          </a:xfrm>
+          <a:prstGeom prst="rect">
+            <a:avLst/>
+          </a:prstGeom>
+          <a:solidFill>
+            <a:schemeClr val="bg1">
+              <a:lumMod val="50000"/>
+            </a:schemeClr>
+          </a:solidFill>
+          <a:ln>
+            <a:noFill/>
+          </a:ln>
+        </p:spPr>
+        <p:style>
+          <a:lnRef idx="2">
+            <a:schemeClr val="accent1">
+              <a:shade val="50000"/>
+            </a:schemeClr>
+          </a:lnRef>
+          <a:fillRef idx="1">
+            <a:schemeClr val="accent1"/>
+          </a:fillRef>
+          <a:effectRef idx="0">
+            <a:schemeClr val="accent1"/>
+          </a:effectRef>
+          <a:fontRef idx="minor">
+            <a:schemeClr val="lt1"/>
+          </a:fontRef>
+        </p:style>
+        <p:txBody>
+          <a:bodyPr rtlCol="0" anchor="ctr"/>
+          <a:lstStyle/>
+          <a:p>
+            <a:pPr algn="ctr"/>
+            <a:r>
+              <a:rPr lang="de-DE" dirty="0" smtClean="0"/>
+              <a:t>IV. Real Line</a:t>
+            </a:r>
+            <a:endParaRPr lang="de-DE" dirty="0"/>
+          </a:p>
+        </p:txBody>
+      </p:sp>
+    </p:spTree>
+    <p:extLst>
+      <p:ext uri="{BB962C8B-B14F-4D97-AF65-F5344CB8AC3E}">
+        <p14:creationId xmlns:p14="http://schemas.microsoft.com/office/powerpoint/2010/main" val="3152403212"/>
+      </p:ext>
+    </p:extLst>
+  </p:cSld>
+  <p:clrMapOvr>
+    <a:masterClrMapping/>
+  </p:clrMapOvr>
+  <mc:AlternateContent xmlns:mc="http://schemas.openxmlformats.org/markup-compatibility/2006">
+    <mc:Choice xmlns:p14="http://schemas.microsoft.com/office/powerpoint/2010/main" Requires="p14">
+      <p:transition spd="med" p14:dur="700">
+        <p:fade/>
+      </p:transition>
+    </mc:Choice>
+    <mc:Fallback>
+      <p:transition spd="med">
+        <p:fade/>
+      </p:transition>
+    </mc:Fallback>
+  </mc:AlternateContent>
+  <p:timing>
+    <p:tnLst>
+      <p:par>
+        <p:cTn id="1" dur="indefinite" restart="never" nodeType="tmRoot"/>
+      </p:par>
+    </p:tnLst>
+  </p:timing>
+</p:sldLayout>
+</file>
+
+<file path=ppt/slideLayouts/slideLayout3.xml><?xml version="1.0" encoding="utf-8"?>
+<p:sldLayout xmlns:a="http://schemas.openxmlformats.org/drawingml/2006/main" xmlns:r="http://schemas.openxmlformats.org/officeDocument/2006/relationships" xmlns:p="http://schemas.openxmlformats.org/presentationml/2006/main" preserve="1" userDrawn="1">
+  <p:cSld name="Teil II">
+    <p:spTree>
+      <p:nvGrpSpPr>
+        <p:cNvPr id="1" name=""/>
+        <p:cNvGrpSpPr/>
+        <p:nvPr/>
+      </p:nvGrpSpPr>
+      <p:grpSpPr>
+        <a:xfrm>
+          <a:off x="0" y="0"/>
+          <a:ext cx="0" cy="0"/>
+          <a:chOff x="0" y="0"/>
+          <a:chExt cx="0" cy="0"/>
+        </a:xfrm>
+      </p:grpSpPr>
+      <p:sp>
+        <p:nvSpPr>
+          <p:cNvPr id="2" name="Titel 1"/>
+          <p:cNvSpPr>
+            <a:spLocks noGrp="1"/>
+          </p:cNvSpPr>
+          <p:nvPr>
+            <p:ph type="title" hasCustomPrompt="1"/>
+          </p:nvPr>
+        </p:nvSpPr>
+        <p:spPr/>
+        <p:txBody>
+          <a:bodyPr/>
+          <a:lstStyle/>
+          <a:p>
+            <a:r>
+              <a:rPr lang="de-DE" dirty="0" smtClean="0"/>
+              <a:t>Titelmasterformat bearbeiten</a:t>
+            </a:r>
+            <a:endParaRPr lang="de-DE" dirty="0"/>
+          </a:p>
+        </p:txBody>
+      </p:sp>
+      <p:sp>
+        <p:nvSpPr>
+          <p:cNvPr id="3" name="Rechteck 2"/>
+          <p:cNvSpPr/>
+          <p:nvPr userDrawn="1"/>
+        </p:nvSpPr>
+        <p:spPr>
+          <a:xfrm>
+            <a:off x="0" y="5703216"/>
+            <a:ext cx="9144000" cy="1154784"/>
+          </a:xfrm>
+          <a:prstGeom prst="rect">
+            <a:avLst/>
+          </a:prstGeom>
+          <a:solidFill>
+            <a:schemeClr val="tx1"/>
           </a:solidFill>
           <a:ln>
             <a:noFill/>
@@ -479,24 +787,381 @@
           </a:p>
         </p:txBody>
       </p:sp>
+      <p:cxnSp>
+        <p:nvCxnSpPr>
+          <p:cNvPr id="4" name="Gerader Verbinder 3"/>
+          <p:cNvCxnSpPr/>
+          <p:nvPr userDrawn="1"/>
+        </p:nvCxnSpPr>
+        <p:spPr>
+          <a:xfrm>
+            <a:off x="-18856" y="666947"/>
+            <a:ext cx="9144000" cy="0"/>
+          </a:xfrm>
+          <a:prstGeom prst="line">
+            <a:avLst/>
+          </a:prstGeom>
+          <a:ln w="76200">
+            <a:gradFill>
+              <a:gsLst>
+                <a:gs pos="15000">
+                  <a:srgbClr val="6600CC"/>
+                </a:gs>
+                <a:gs pos="0">
+                  <a:schemeClr val="bg1"/>
+                </a:gs>
+                <a:gs pos="85000">
+                  <a:srgbClr val="6600CC"/>
+                </a:gs>
+                <a:gs pos="100000">
+                  <a:schemeClr val="bg1"/>
+                </a:gs>
+              </a:gsLst>
+              <a:lin ang="0" scaled="0"/>
+            </a:gradFill>
+          </a:ln>
+        </p:spPr>
+        <p:style>
+          <a:lnRef idx="1">
+            <a:schemeClr val="accent1"/>
+          </a:lnRef>
+          <a:fillRef idx="0">
+            <a:schemeClr val="accent1"/>
+          </a:fillRef>
+          <a:effectRef idx="0">
+            <a:schemeClr val="accent1"/>
+          </a:effectRef>
+          <a:fontRef idx="minor">
+            <a:schemeClr val="tx1"/>
+          </a:fontRef>
+        </p:style>
+      </p:cxnSp>
       <p:sp>
         <p:nvSpPr>
-          <p:cNvPr id="7" name="Rechteck 6"/>
+          <p:cNvPr id="9" name="Rechteck 8"/>
           <p:cNvSpPr>
             <a:spLocks/>
           </p:cNvSpPr>
           <p:nvPr userDrawn="1"/>
         </p:nvSpPr>
         <p:spPr>
-          <a:xfrm flipV="1">
-            <a:off x="4553144" y="5382704"/>
+          <a:xfrm rot="10800000" flipV="1">
+            <a:off x="0" y="5382704"/>
             <a:ext cx="2276572" cy="329939"/>
           </a:xfrm>
           <a:prstGeom prst="rect">
             <a:avLst/>
           </a:prstGeom>
           <a:solidFill>
-            <a:srgbClr val="C00000"/>
+            <a:schemeClr val="bg1">
+              <a:lumMod val="50000"/>
+            </a:schemeClr>
+          </a:solidFill>
+          <a:ln>
+            <a:noFill/>
+          </a:ln>
+        </p:spPr>
+        <p:style>
+          <a:lnRef idx="2">
+            <a:schemeClr val="accent1">
+              <a:shade val="50000"/>
+            </a:schemeClr>
+          </a:lnRef>
+          <a:fillRef idx="1">
+            <a:schemeClr val="accent1"/>
+          </a:fillRef>
+          <a:effectRef idx="0">
+            <a:schemeClr val="accent1"/>
+          </a:effectRef>
+          <a:fontRef idx="minor">
+            <a:schemeClr val="lt1"/>
+          </a:fontRef>
+        </p:style>
+        <p:txBody>
+          <a:bodyPr rtlCol="0" anchor="ctr"/>
+          <a:lstStyle/>
+          <a:p>
+            <a:pPr algn="ctr"/>
+            <a:r>
+              <a:rPr lang="de-DE" dirty="0" smtClean="0"/>
+              <a:t>I. </a:t>
+            </a:r>
+            <a:r>
+              <a:rPr lang="de-DE" dirty="0" err="1" smtClean="0"/>
+              <a:t>Algorithms</a:t>
+            </a:r>
+            <a:endParaRPr lang="de-DE" dirty="0"/>
+          </a:p>
+        </p:txBody>
+      </p:sp>
+      <p:sp>
+        <p:nvSpPr>
+          <p:cNvPr id="10" name="Rechteck 9"/>
+          <p:cNvSpPr>
+            <a:spLocks/>
+          </p:cNvSpPr>
+          <p:nvPr userDrawn="1"/>
+        </p:nvSpPr>
+        <p:spPr>
+          <a:xfrm rot="10800000" flipV="1">
+            <a:off x="2276572" y="5382704"/>
+            <a:ext cx="2276572" cy="329939"/>
+          </a:xfrm>
+          <a:prstGeom prst="rect">
+            <a:avLst/>
+          </a:prstGeom>
+          <a:solidFill>
+            <a:srgbClr val="6600CC"/>
+          </a:solidFill>
+          <a:ln>
+            <a:noFill/>
+          </a:ln>
+        </p:spPr>
+        <p:style>
+          <a:lnRef idx="2">
+            <a:schemeClr val="accent1">
+              <a:shade val="50000"/>
+            </a:schemeClr>
+          </a:lnRef>
+          <a:fillRef idx="1">
+            <a:schemeClr val="accent1"/>
+          </a:fillRef>
+          <a:effectRef idx="0">
+            <a:schemeClr val="accent1"/>
+          </a:effectRef>
+          <a:fontRef idx="minor">
+            <a:schemeClr val="lt1"/>
+          </a:fontRef>
+        </p:style>
+        <p:txBody>
+          <a:bodyPr rtlCol="0" anchor="ctr"/>
+          <a:lstStyle/>
+          <a:p>
+            <a:pPr algn="ctr"/>
+            <a:r>
+              <a:rPr lang="de-DE" dirty="0" smtClean="0"/>
+              <a:t>II. </a:t>
+            </a:r>
+            <a:r>
+              <a:rPr lang="de-DE" dirty="0" err="1" smtClean="0"/>
+              <a:t>Lower</a:t>
+            </a:r>
+            <a:r>
+              <a:rPr lang="de-DE" dirty="0" smtClean="0"/>
+              <a:t> </a:t>
+            </a:r>
+            <a:r>
+              <a:rPr lang="de-DE" dirty="0" err="1" smtClean="0"/>
+              <a:t>Bounds</a:t>
+            </a:r>
+            <a:endParaRPr lang="de-DE" dirty="0"/>
+          </a:p>
+        </p:txBody>
+      </p:sp>
+      <p:sp>
+        <p:nvSpPr>
+          <p:cNvPr id="11" name="Rechteck 10"/>
+          <p:cNvSpPr>
+            <a:spLocks/>
+          </p:cNvSpPr>
+          <p:nvPr userDrawn="1"/>
+        </p:nvSpPr>
+        <p:spPr>
+          <a:xfrm rot="10800000" flipV="1">
+            <a:off x="4553143" y="5382704"/>
+            <a:ext cx="2276572" cy="329939"/>
+          </a:xfrm>
+          <a:prstGeom prst="rect">
+            <a:avLst/>
+          </a:prstGeom>
+          <a:solidFill>
+            <a:schemeClr val="bg1">
+              <a:lumMod val="50000"/>
+            </a:schemeClr>
+          </a:solidFill>
+          <a:ln>
+            <a:noFill/>
+          </a:ln>
+        </p:spPr>
+        <p:style>
+          <a:lnRef idx="2">
+            <a:schemeClr val="accent1">
+              <a:shade val="50000"/>
+            </a:schemeClr>
+          </a:lnRef>
+          <a:fillRef idx="1">
+            <a:schemeClr val="accent1"/>
+          </a:fillRef>
+          <a:effectRef idx="0">
+            <a:schemeClr val="accent1"/>
+          </a:effectRef>
+          <a:fontRef idx="minor">
+            <a:schemeClr val="lt1"/>
+          </a:fontRef>
+        </p:style>
+        <p:txBody>
+          <a:bodyPr rtlCol="0" anchor="ctr"/>
+          <a:lstStyle/>
+          <a:p>
+            <a:pPr algn="ctr"/>
+            <a:r>
+              <a:rPr lang="de-DE" dirty="0" smtClean="0"/>
+              <a:t>III. </a:t>
+            </a:r>
+            <a:r>
+              <a:rPr lang="de-DE" dirty="0" err="1" smtClean="0"/>
+              <a:t>Polynomial</a:t>
+            </a:r>
+            <a:r>
+              <a:rPr lang="de-DE" dirty="0" smtClean="0"/>
+              <a:t> Alg.</a:t>
+            </a:r>
+            <a:endParaRPr lang="de-DE" dirty="0"/>
+          </a:p>
+        </p:txBody>
+      </p:sp>
+      <p:sp>
+        <p:nvSpPr>
+          <p:cNvPr id="12" name="Rechteck 11"/>
+          <p:cNvSpPr>
+            <a:spLocks/>
+          </p:cNvSpPr>
+          <p:nvPr userDrawn="1"/>
+        </p:nvSpPr>
+        <p:spPr>
+          <a:xfrm rot="10800000" flipV="1">
+            <a:off x="6829712" y="5382704"/>
+            <a:ext cx="2314287" cy="329939"/>
+          </a:xfrm>
+          <a:prstGeom prst="rect">
+            <a:avLst/>
+          </a:prstGeom>
+          <a:solidFill>
+            <a:schemeClr val="bg1">
+              <a:lumMod val="50000"/>
+            </a:schemeClr>
+          </a:solidFill>
+          <a:ln>
+            <a:noFill/>
+          </a:ln>
+        </p:spPr>
+        <p:style>
+          <a:lnRef idx="2">
+            <a:schemeClr val="accent1">
+              <a:shade val="50000"/>
+            </a:schemeClr>
+          </a:lnRef>
+          <a:fillRef idx="1">
+            <a:schemeClr val="accent1"/>
+          </a:fillRef>
+          <a:effectRef idx="0">
+            <a:schemeClr val="accent1"/>
+          </a:effectRef>
+          <a:fontRef idx="minor">
+            <a:schemeClr val="lt1"/>
+          </a:fontRef>
+        </p:style>
+        <p:txBody>
+          <a:bodyPr rtlCol="0" anchor="ctr"/>
+          <a:lstStyle/>
+          <a:p>
+            <a:pPr algn="ctr"/>
+            <a:r>
+              <a:rPr lang="de-DE" dirty="0" smtClean="0"/>
+              <a:t>IV. Real Line</a:t>
+            </a:r>
+            <a:endParaRPr lang="de-DE" dirty="0"/>
+          </a:p>
+        </p:txBody>
+      </p:sp>
+    </p:spTree>
+    <p:extLst>
+      <p:ext uri="{BB962C8B-B14F-4D97-AF65-F5344CB8AC3E}">
+        <p14:creationId xmlns:p14="http://schemas.microsoft.com/office/powerpoint/2010/main" val="1461188574"/>
+      </p:ext>
+    </p:extLst>
+  </p:cSld>
+  <p:clrMapOvr>
+    <a:masterClrMapping/>
+  </p:clrMapOvr>
+  <mc:AlternateContent xmlns:mc="http://schemas.openxmlformats.org/markup-compatibility/2006">
+    <mc:Choice xmlns:p14="http://schemas.microsoft.com/office/powerpoint/2010/main" Requires="p14">
+      <p:transition spd="med" p14:dur="700">
+        <p:fade/>
+      </p:transition>
+    </mc:Choice>
+    <mc:Fallback>
+      <p:transition spd="med">
+        <p:fade/>
+      </p:transition>
+    </mc:Fallback>
+  </mc:AlternateContent>
+  <p:timing>
+    <p:tnLst>
+      <p:par>
+        <p:cTn id="1" dur="indefinite" restart="never" nodeType="tmRoot"/>
+      </p:par>
+    </p:tnLst>
+  </p:timing>
+</p:sldLayout>
+</file>
+
+<file path=ppt/slideLayouts/slideLayout4.xml><?xml version="1.0" encoding="utf-8"?>
+<p:sldLayout xmlns:a="http://schemas.openxmlformats.org/drawingml/2006/main" xmlns:r="http://schemas.openxmlformats.org/officeDocument/2006/relationships" xmlns:p="http://schemas.openxmlformats.org/presentationml/2006/main" preserve="1" userDrawn="1">
+  <p:cSld name="Teil III">
+    <p:spTree>
+      <p:nvGrpSpPr>
+        <p:cNvPr id="1" name=""/>
+        <p:cNvGrpSpPr/>
+        <p:nvPr/>
+      </p:nvGrpSpPr>
+      <p:grpSpPr>
+        <a:xfrm>
+          <a:off x="0" y="0"/>
+          <a:ext cx="0" cy="0"/>
+          <a:chOff x="0" y="0"/>
+          <a:chExt cx="0" cy="0"/>
+        </a:xfrm>
+      </p:grpSpPr>
+      <p:sp>
+        <p:nvSpPr>
+          <p:cNvPr id="2" name="Titel 1"/>
+          <p:cNvSpPr>
+            <a:spLocks noGrp="1"/>
+          </p:cNvSpPr>
+          <p:nvPr>
+            <p:ph type="title" hasCustomPrompt="1"/>
+          </p:nvPr>
+        </p:nvSpPr>
+        <p:spPr/>
+        <p:txBody>
+          <a:bodyPr/>
+          <a:lstStyle/>
+          <a:p>
+            <a:r>
+              <a:rPr lang="de-DE" dirty="0" smtClean="0"/>
+              <a:t>Titelmasterformat bearbeiten</a:t>
+            </a:r>
+            <a:endParaRPr lang="de-DE" dirty="0"/>
+          </a:p>
+        </p:txBody>
+      </p:sp>
+      <p:sp>
+        <p:nvSpPr>
+          <p:cNvPr id="3" name="Rechteck 2"/>
+          <p:cNvSpPr/>
+          <p:nvPr userDrawn="1"/>
+        </p:nvSpPr>
+        <p:spPr>
+          <a:xfrm>
+            <a:off x="0" y="5703216"/>
+            <a:ext cx="9143999" cy="1154784"/>
+          </a:xfrm>
+          <a:prstGeom prst="rect">
+            <a:avLst/>
+          </a:prstGeom>
+          <a:solidFill>
+            <a:schemeClr val="tx1"/>
           </a:solidFill>
           <a:ln>
             <a:noFill/>
@@ -527,24 +1192,668 @@
           </a:p>
         </p:txBody>
       </p:sp>
+      <p:cxnSp>
+        <p:nvCxnSpPr>
+          <p:cNvPr id="4" name="Gerader Verbinder 3"/>
+          <p:cNvCxnSpPr/>
+          <p:nvPr userDrawn="1"/>
+        </p:nvCxnSpPr>
+        <p:spPr>
+          <a:xfrm>
+            <a:off x="-18856" y="666947"/>
+            <a:ext cx="9144000" cy="0"/>
+          </a:xfrm>
+          <a:prstGeom prst="line">
+            <a:avLst/>
+          </a:prstGeom>
+          <a:ln w="76200">
+            <a:gradFill>
+              <a:gsLst>
+                <a:gs pos="15000">
+                  <a:srgbClr val="000099"/>
+                </a:gs>
+                <a:gs pos="0">
+                  <a:schemeClr val="bg1"/>
+                </a:gs>
+                <a:gs pos="85000">
+                  <a:srgbClr val="000099"/>
+                </a:gs>
+                <a:gs pos="100000">
+                  <a:schemeClr val="bg1"/>
+                </a:gs>
+              </a:gsLst>
+              <a:lin ang="0" scaled="0"/>
+            </a:gradFill>
+          </a:ln>
+        </p:spPr>
+        <p:style>
+          <a:lnRef idx="1">
+            <a:schemeClr val="accent1"/>
+          </a:lnRef>
+          <a:fillRef idx="0">
+            <a:schemeClr val="accent1"/>
+          </a:fillRef>
+          <a:effectRef idx="0">
+            <a:schemeClr val="accent1"/>
+          </a:effectRef>
+          <a:fontRef idx="minor">
+            <a:schemeClr val="tx1"/>
+          </a:fontRef>
+        </p:style>
+      </p:cxnSp>
       <p:sp>
         <p:nvSpPr>
-          <p:cNvPr id="8" name="Rechteck 7"/>
+          <p:cNvPr id="9" name="Rechteck 8"/>
           <p:cNvSpPr>
             <a:spLocks/>
           </p:cNvSpPr>
           <p:nvPr userDrawn="1"/>
         </p:nvSpPr>
         <p:spPr>
-          <a:xfrm flipV="1">
-            <a:off x="6829716" y="5382704"/>
-            <a:ext cx="2314284" cy="329939"/>
+          <a:xfrm rot="10800000" flipV="1">
+            <a:off x="0" y="5382704"/>
+            <a:ext cx="2276572" cy="329939"/>
           </a:xfrm>
           <a:prstGeom prst="rect">
             <a:avLst/>
           </a:prstGeom>
           <a:solidFill>
-            <a:srgbClr val="C00000"/>
+            <a:schemeClr val="bg1">
+              <a:lumMod val="50000"/>
+            </a:schemeClr>
+          </a:solidFill>
+          <a:ln>
+            <a:noFill/>
+          </a:ln>
+        </p:spPr>
+        <p:style>
+          <a:lnRef idx="2">
+            <a:schemeClr val="accent1">
+              <a:shade val="50000"/>
+            </a:schemeClr>
+          </a:lnRef>
+          <a:fillRef idx="1">
+            <a:schemeClr val="accent1"/>
+          </a:fillRef>
+          <a:effectRef idx="0">
+            <a:schemeClr val="accent1"/>
+          </a:effectRef>
+          <a:fontRef idx="minor">
+            <a:schemeClr val="lt1"/>
+          </a:fontRef>
+        </p:style>
+        <p:txBody>
+          <a:bodyPr rtlCol="0" anchor="ctr"/>
+          <a:lstStyle/>
+          <a:p>
+            <a:pPr algn="ctr"/>
+            <a:r>
+              <a:rPr lang="de-DE" dirty="0" smtClean="0"/>
+              <a:t>I. </a:t>
+            </a:r>
+            <a:r>
+              <a:rPr lang="de-DE" dirty="0" err="1" smtClean="0"/>
+              <a:t>Algorithms</a:t>
+            </a:r>
+            <a:endParaRPr lang="de-DE" dirty="0"/>
+          </a:p>
+        </p:txBody>
+      </p:sp>
+      <p:sp>
+        <p:nvSpPr>
+          <p:cNvPr id="10" name="Rechteck 9"/>
+          <p:cNvSpPr>
+            <a:spLocks/>
+          </p:cNvSpPr>
+          <p:nvPr userDrawn="1"/>
+        </p:nvSpPr>
+        <p:spPr>
+          <a:xfrm rot="10800000" flipV="1">
+            <a:off x="2276572" y="5382704"/>
+            <a:ext cx="2276572" cy="329939"/>
+          </a:xfrm>
+          <a:prstGeom prst="rect">
+            <a:avLst/>
+          </a:prstGeom>
+          <a:solidFill>
+            <a:schemeClr val="bg1">
+              <a:lumMod val="50000"/>
+            </a:schemeClr>
+          </a:solidFill>
+          <a:ln>
+            <a:noFill/>
+          </a:ln>
+        </p:spPr>
+        <p:style>
+          <a:lnRef idx="2">
+            <a:schemeClr val="accent1">
+              <a:shade val="50000"/>
+            </a:schemeClr>
+          </a:lnRef>
+          <a:fillRef idx="1">
+            <a:schemeClr val="accent1"/>
+          </a:fillRef>
+          <a:effectRef idx="0">
+            <a:schemeClr val="accent1"/>
+          </a:effectRef>
+          <a:fontRef idx="minor">
+            <a:schemeClr val="lt1"/>
+          </a:fontRef>
+        </p:style>
+        <p:txBody>
+          <a:bodyPr rtlCol="0" anchor="ctr"/>
+          <a:lstStyle/>
+          <a:p>
+            <a:pPr algn="ctr"/>
+            <a:r>
+              <a:rPr lang="de-DE" dirty="0" smtClean="0"/>
+              <a:t>II. </a:t>
+            </a:r>
+            <a:r>
+              <a:rPr lang="de-DE" dirty="0" err="1" smtClean="0"/>
+              <a:t>Lower</a:t>
+            </a:r>
+            <a:r>
+              <a:rPr lang="de-DE" dirty="0" smtClean="0"/>
+              <a:t> </a:t>
+            </a:r>
+            <a:r>
+              <a:rPr lang="de-DE" dirty="0" err="1" smtClean="0"/>
+              <a:t>Bounds</a:t>
+            </a:r>
+            <a:endParaRPr lang="de-DE" dirty="0"/>
+          </a:p>
+        </p:txBody>
+      </p:sp>
+      <p:sp>
+        <p:nvSpPr>
+          <p:cNvPr id="11" name="Rechteck 10"/>
+          <p:cNvSpPr>
+            <a:spLocks/>
+          </p:cNvSpPr>
+          <p:nvPr userDrawn="1"/>
+        </p:nvSpPr>
+        <p:spPr>
+          <a:xfrm rot="10800000" flipV="1">
+            <a:off x="4553143" y="5382704"/>
+            <a:ext cx="2276572" cy="329939"/>
+          </a:xfrm>
+          <a:prstGeom prst="rect">
+            <a:avLst/>
+          </a:prstGeom>
+          <a:solidFill>
+            <a:srgbClr val="000099"/>
+          </a:solidFill>
+          <a:ln>
+            <a:noFill/>
+          </a:ln>
+        </p:spPr>
+        <p:style>
+          <a:lnRef idx="2">
+            <a:schemeClr val="accent1">
+              <a:shade val="50000"/>
+            </a:schemeClr>
+          </a:lnRef>
+          <a:fillRef idx="1">
+            <a:schemeClr val="accent1"/>
+          </a:fillRef>
+          <a:effectRef idx="0">
+            <a:schemeClr val="accent1"/>
+          </a:effectRef>
+          <a:fontRef idx="minor">
+            <a:schemeClr val="lt1"/>
+          </a:fontRef>
+        </p:style>
+        <p:txBody>
+          <a:bodyPr rtlCol="0" anchor="ctr"/>
+          <a:lstStyle/>
+          <a:p>
+            <a:pPr algn="ctr"/>
+            <a:r>
+              <a:rPr lang="de-DE" dirty="0" smtClean="0"/>
+              <a:t>III. </a:t>
+            </a:r>
+            <a:r>
+              <a:rPr lang="de-DE" dirty="0" err="1" smtClean="0"/>
+              <a:t>Polynomial</a:t>
+            </a:r>
+            <a:r>
+              <a:rPr lang="de-DE" dirty="0" smtClean="0"/>
+              <a:t> Alg.</a:t>
+            </a:r>
+            <a:endParaRPr lang="de-DE" dirty="0"/>
+          </a:p>
+        </p:txBody>
+      </p:sp>
+      <p:sp>
+        <p:nvSpPr>
+          <p:cNvPr id="12" name="Rechteck 11"/>
+          <p:cNvSpPr>
+            <a:spLocks/>
+          </p:cNvSpPr>
+          <p:nvPr userDrawn="1"/>
+        </p:nvSpPr>
+        <p:spPr>
+          <a:xfrm rot="10800000" flipV="1">
+            <a:off x="6829712" y="5382704"/>
+            <a:ext cx="2314287" cy="329939"/>
+          </a:xfrm>
+          <a:prstGeom prst="rect">
+            <a:avLst/>
+          </a:prstGeom>
+          <a:solidFill>
+            <a:schemeClr val="bg1">
+              <a:lumMod val="50000"/>
+            </a:schemeClr>
+          </a:solidFill>
+          <a:ln>
+            <a:noFill/>
+          </a:ln>
+        </p:spPr>
+        <p:style>
+          <a:lnRef idx="2">
+            <a:schemeClr val="accent1">
+              <a:shade val="50000"/>
+            </a:schemeClr>
+          </a:lnRef>
+          <a:fillRef idx="1">
+            <a:schemeClr val="accent1"/>
+          </a:fillRef>
+          <a:effectRef idx="0">
+            <a:schemeClr val="accent1"/>
+          </a:effectRef>
+          <a:fontRef idx="minor">
+            <a:schemeClr val="lt1"/>
+          </a:fontRef>
+        </p:style>
+        <p:txBody>
+          <a:bodyPr rtlCol="0" anchor="ctr"/>
+          <a:lstStyle/>
+          <a:p>
+            <a:pPr algn="ctr"/>
+            <a:r>
+              <a:rPr lang="de-DE" dirty="0" smtClean="0"/>
+              <a:t>IV. Real Line</a:t>
+            </a:r>
+            <a:endParaRPr lang="de-DE" dirty="0"/>
+          </a:p>
+        </p:txBody>
+      </p:sp>
+    </p:spTree>
+    <p:extLst>
+      <p:ext uri="{BB962C8B-B14F-4D97-AF65-F5344CB8AC3E}">
+        <p14:creationId xmlns:p14="http://schemas.microsoft.com/office/powerpoint/2010/main" val="3255893345"/>
+      </p:ext>
+    </p:extLst>
+  </p:cSld>
+  <p:clrMapOvr>
+    <a:masterClrMapping/>
+  </p:clrMapOvr>
+  <mc:AlternateContent xmlns:mc="http://schemas.openxmlformats.org/markup-compatibility/2006">
+    <mc:Choice xmlns:p14="http://schemas.microsoft.com/office/powerpoint/2010/main" Requires="p14">
+      <p:transition spd="med" p14:dur="700">
+        <p:fade/>
+      </p:transition>
+    </mc:Choice>
+    <mc:Fallback>
+      <p:transition spd="med">
+        <p:fade/>
+      </p:transition>
+    </mc:Fallback>
+  </mc:AlternateContent>
+  <p:timing>
+    <p:tnLst>
+      <p:par>
+        <p:cTn id="1" dur="indefinite" restart="never" nodeType="tmRoot"/>
+      </p:par>
+    </p:tnLst>
+  </p:timing>
+</p:sldLayout>
+</file>
+
+<file path=ppt/slideLayouts/slideLayout5.xml><?xml version="1.0" encoding="utf-8"?>
+<p:sldLayout xmlns:a="http://schemas.openxmlformats.org/drawingml/2006/main" xmlns:r="http://schemas.openxmlformats.org/officeDocument/2006/relationships" xmlns:p="http://schemas.openxmlformats.org/presentationml/2006/main" preserve="1" userDrawn="1">
+  <p:cSld name="Teil IV">
+    <p:spTree>
+      <p:nvGrpSpPr>
+        <p:cNvPr id="1" name=""/>
+        <p:cNvGrpSpPr/>
+        <p:nvPr/>
+      </p:nvGrpSpPr>
+      <p:grpSpPr>
+        <a:xfrm>
+          <a:off x="0" y="0"/>
+          <a:ext cx="0" cy="0"/>
+          <a:chOff x="0" y="0"/>
+          <a:chExt cx="0" cy="0"/>
+        </a:xfrm>
+      </p:grpSpPr>
+      <p:sp>
+        <p:nvSpPr>
+          <p:cNvPr id="2" name="Titel 1"/>
+          <p:cNvSpPr>
+            <a:spLocks noGrp="1"/>
+          </p:cNvSpPr>
+          <p:nvPr>
+            <p:ph type="title" hasCustomPrompt="1"/>
+          </p:nvPr>
+        </p:nvSpPr>
+        <p:spPr/>
+        <p:txBody>
+          <a:bodyPr/>
+          <a:lstStyle/>
+          <a:p>
+            <a:r>
+              <a:rPr lang="de-DE" dirty="0" smtClean="0"/>
+              <a:t>Titelmasterformat bearbeiten</a:t>
+            </a:r>
+            <a:endParaRPr lang="de-DE" dirty="0"/>
+          </a:p>
+        </p:txBody>
+      </p:sp>
+      <p:cxnSp>
+        <p:nvCxnSpPr>
+          <p:cNvPr id="4" name="Gerader Verbinder 3"/>
+          <p:cNvCxnSpPr/>
+          <p:nvPr userDrawn="1"/>
+        </p:nvCxnSpPr>
+        <p:spPr>
+          <a:xfrm>
+            <a:off x="-18856" y="666947"/>
+            <a:ext cx="9144000" cy="0"/>
+          </a:xfrm>
+          <a:prstGeom prst="line">
+            <a:avLst/>
+          </a:prstGeom>
+          <a:ln w="76200">
+            <a:gradFill>
+              <a:gsLst>
+                <a:gs pos="15000">
+                  <a:srgbClr val="006600"/>
+                </a:gs>
+                <a:gs pos="0">
+                  <a:schemeClr val="bg1"/>
+                </a:gs>
+                <a:gs pos="85000">
+                  <a:srgbClr val="006600"/>
+                </a:gs>
+                <a:gs pos="100000">
+                  <a:schemeClr val="bg1"/>
+                </a:gs>
+              </a:gsLst>
+              <a:lin ang="0" scaled="0"/>
+            </a:gradFill>
+          </a:ln>
+        </p:spPr>
+        <p:style>
+          <a:lnRef idx="1">
+            <a:schemeClr val="accent1"/>
+          </a:lnRef>
+          <a:fillRef idx="0">
+            <a:schemeClr val="accent1"/>
+          </a:fillRef>
+          <a:effectRef idx="0">
+            <a:schemeClr val="accent1"/>
+          </a:effectRef>
+          <a:fontRef idx="minor">
+            <a:schemeClr val="tx1"/>
+          </a:fontRef>
+        </p:style>
+      </p:cxnSp>
+      <p:sp>
+        <p:nvSpPr>
+          <p:cNvPr id="9" name="Rechteck 8"/>
+          <p:cNvSpPr>
+            <a:spLocks/>
+          </p:cNvSpPr>
+          <p:nvPr userDrawn="1"/>
+        </p:nvSpPr>
+        <p:spPr>
+          <a:xfrm rot="10800000" flipV="1">
+            <a:off x="0" y="5382704"/>
+            <a:ext cx="2276572" cy="329939"/>
+          </a:xfrm>
+          <a:prstGeom prst="rect">
+            <a:avLst/>
+          </a:prstGeom>
+          <a:solidFill>
+            <a:schemeClr val="bg1">
+              <a:lumMod val="50000"/>
+            </a:schemeClr>
+          </a:solidFill>
+          <a:ln>
+            <a:noFill/>
+          </a:ln>
+        </p:spPr>
+        <p:style>
+          <a:lnRef idx="2">
+            <a:schemeClr val="accent1">
+              <a:shade val="50000"/>
+            </a:schemeClr>
+          </a:lnRef>
+          <a:fillRef idx="1">
+            <a:schemeClr val="accent1"/>
+          </a:fillRef>
+          <a:effectRef idx="0">
+            <a:schemeClr val="accent1"/>
+          </a:effectRef>
+          <a:fontRef idx="minor">
+            <a:schemeClr val="lt1"/>
+          </a:fontRef>
+        </p:style>
+        <p:txBody>
+          <a:bodyPr rtlCol="0" anchor="ctr"/>
+          <a:lstStyle/>
+          <a:p>
+            <a:pPr algn="ctr"/>
+            <a:r>
+              <a:rPr lang="de-DE" dirty="0" smtClean="0"/>
+              <a:t>I. </a:t>
+            </a:r>
+            <a:r>
+              <a:rPr lang="de-DE" dirty="0" err="1" smtClean="0"/>
+              <a:t>Algorithms</a:t>
+            </a:r>
+            <a:endParaRPr lang="de-DE" dirty="0"/>
+          </a:p>
+        </p:txBody>
+      </p:sp>
+      <p:sp>
+        <p:nvSpPr>
+          <p:cNvPr id="10" name="Rechteck 9"/>
+          <p:cNvSpPr>
+            <a:spLocks/>
+          </p:cNvSpPr>
+          <p:nvPr userDrawn="1"/>
+        </p:nvSpPr>
+        <p:spPr>
+          <a:xfrm rot="10800000" flipV="1">
+            <a:off x="2276572" y="5382704"/>
+            <a:ext cx="2276572" cy="329939"/>
+          </a:xfrm>
+          <a:prstGeom prst="rect">
+            <a:avLst/>
+          </a:prstGeom>
+          <a:solidFill>
+            <a:schemeClr val="bg1">
+              <a:lumMod val="50000"/>
+            </a:schemeClr>
+          </a:solidFill>
+          <a:ln>
+            <a:noFill/>
+          </a:ln>
+        </p:spPr>
+        <p:style>
+          <a:lnRef idx="2">
+            <a:schemeClr val="accent1">
+              <a:shade val="50000"/>
+            </a:schemeClr>
+          </a:lnRef>
+          <a:fillRef idx="1">
+            <a:schemeClr val="accent1"/>
+          </a:fillRef>
+          <a:effectRef idx="0">
+            <a:schemeClr val="accent1"/>
+          </a:effectRef>
+          <a:fontRef idx="minor">
+            <a:schemeClr val="lt1"/>
+          </a:fontRef>
+        </p:style>
+        <p:txBody>
+          <a:bodyPr rtlCol="0" anchor="ctr"/>
+          <a:lstStyle/>
+          <a:p>
+            <a:pPr algn="ctr"/>
+            <a:r>
+              <a:rPr lang="de-DE" dirty="0" smtClean="0"/>
+              <a:t>II. </a:t>
+            </a:r>
+            <a:r>
+              <a:rPr lang="de-DE" dirty="0" err="1" smtClean="0"/>
+              <a:t>Lower</a:t>
+            </a:r>
+            <a:r>
+              <a:rPr lang="de-DE" dirty="0" smtClean="0"/>
+              <a:t> </a:t>
+            </a:r>
+            <a:r>
+              <a:rPr lang="de-DE" dirty="0" err="1" smtClean="0"/>
+              <a:t>Bounds</a:t>
+            </a:r>
+            <a:endParaRPr lang="de-DE" dirty="0"/>
+          </a:p>
+        </p:txBody>
+      </p:sp>
+      <p:sp>
+        <p:nvSpPr>
+          <p:cNvPr id="11" name="Rechteck 10"/>
+          <p:cNvSpPr>
+            <a:spLocks/>
+          </p:cNvSpPr>
+          <p:nvPr userDrawn="1"/>
+        </p:nvSpPr>
+        <p:spPr>
+          <a:xfrm rot="10800000" flipV="1">
+            <a:off x="4553143" y="5382704"/>
+            <a:ext cx="2276572" cy="329939"/>
+          </a:xfrm>
+          <a:prstGeom prst="rect">
+            <a:avLst/>
+          </a:prstGeom>
+          <a:solidFill>
+            <a:schemeClr val="bg1">
+              <a:lumMod val="50000"/>
+            </a:schemeClr>
+          </a:solidFill>
+          <a:ln>
+            <a:noFill/>
+          </a:ln>
+        </p:spPr>
+        <p:style>
+          <a:lnRef idx="2">
+            <a:schemeClr val="accent1">
+              <a:shade val="50000"/>
+            </a:schemeClr>
+          </a:lnRef>
+          <a:fillRef idx="1">
+            <a:schemeClr val="accent1"/>
+          </a:fillRef>
+          <a:effectRef idx="0">
+            <a:schemeClr val="accent1"/>
+          </a:effectRef>
+          <a:fontRef idx="minor">
+            <a:schemeClr val="lt1"/>
+          </a:fontRef>
+        </p:style>
+        <p:txBody>
+          <a:bodyPr rtlCol="0" anchor="ctr"/>
+          <a:lstStyle/>
+          <a:p>
+            <a:pPr algn="ctr"/>
+            <a:r>
+              <a:rPr lang="de-DE" dirty="0" smtClean="0"/>
+              <a:t>III. </a:t>
+            </a:r>
+            <a:r>
+              <a:rPr lang="de-DE" dirty="0" err="1" smtClean="0"/>
+              <a:t>Polynomial</a:t>
+            </a:r>
+            <a:r>
+              <a:rPr lang="de-DE" dirty="0" smtClean="0"/>
+              <a:t> Alg.</a:t>
+            </a:r>
+            <a:endParaRPr lang="de-DE" dirty="0"/>
+          </a:p>
+        </p:txBody>
+      </p:sp>
+      <p:sp>
+        <p:nvSpPr>
+          <p:cNvPr id="12" name="Rechteck 11"/>
+          <p:cNvSpPr>
+            <a:spLocks/>
+          </p:cNvSpPr>
+          <p:nvPr userDrawn="1"/>
+        </p:nvSpPr>
+        <p:spPr>
+          <a:xfrm rot="10800000" flipV="1">
+            <a:off x="6829712" y="5382704"/>
+            <a:ext cx="2314287" cy="329939"/>
+          </a:xfrm>
+          <a:prstGeom prst="rect">
+            <a:avLst/>
+          </a:prstGeom>
+          <a:solidFill>
+            <a:srgbClr val="006600"/>
+          </a:solidFill>
+          <a:ln>
+            <a:noFill/>
+          </a:ln>
+        </p:spPr>
+        <p:style>
+          <a:lnRef idx="2">
+            <a:schemeClr val="accent1">
+              <a:shade val="50000"/>
+            </a:schemeClr>
+          </a:lnRef>
+          <a:fillRef idx="1">
+            <a:schemeClr val="accent1"/>
+          </a:fillRef>
+          <a:effectRef idx="0">
+            <a:schemeClr val="accent1"/>
+          </a:effectRef>
+          <a:fontRef idx="minor">
+            <a:schemeClr val="lt1"/>
+          </a:fontRef>
+        </p:style>
+        <p:txBody>
+          <a:bodyPr rtlCol="0" anchor="ctr"/>
+          <a:lstStyle/>
+          <a:p>
+            <a:pPr algn="ctr"/>
+            <a:r>
+              <a:rPr lang="de-DE" dirty="0" smtClean="0"/>
+              <a:t>IV. Real Line</a:t>
+            </a:r>
+            <a:endParaRPr lang="de-DE" dirty="0"/>
+          </a:p>
+        </p:txBody>
+      </p:sp>
+      <p:sp>
+        <p:nvSpPr>
+          <p:cNvPr id="13" name="Rechteck 12"/>
+          <p:cNvSpPr/>
+          <p:nvPr userDrawn="1"/>
+        </p:nvSpPr>
+        <p:spPr>
+          <a:xfrm>
+            <a:off x="0" y="5703216"/>
+            <a:ext cx="9143999" cy="1154784"/>
+          </a:xfrm>
+          <a:prstGeom prst="rect">
+            <a:avLst/>
+          </a:prstGeom>
+          <a:solidFill>
+            <a:schemeClr val="tx1"/>
           </a:solidFill>
           <a:ln>
             <a:noFill/>
@@ -578,13 +1887,25 @@
     </p:spTree>
     <p:extLst>
       <p:ext uri="{BB962C8B-B14F-4D97-AF65-F5344CB8AC3E}">
-        <p14:creationId xmlns:p14="http://schemas.microsoft.com/office/powerpoint/2010/main" val="1461188574"/>
+        <p14:creationId xmlns:p14="http://schemas.microsoft.com/office/powerpoint/2010/main" val="706893138"/>
       </p:ext>
     </p:extLst>
   </p:cSld>
   <p:clrMapOvr>
     <a:masterClrMapping/>
   </p:clrMapOvr>
+  <mc:AlternateContent xmlns:mc="http://schemas.openxmlformats.org/markup-compatibility/2006">
+    <mc:Choice xmlns:p14="http://schemas.microsoft.com/office/powerpoint/2010/main" Requires="p14">
+      <p:transition spd="med" p14:dur="700">
+        <p:fade/>
+      </p:transition>
+    </mc:Choice>
+    <mc:Fallback>
+      <p:transition spd="med">
+        <p:fade/>
+      </p:transition>
+    </mc:Fallback>
+  </mc:AlternateContent>
   <p:timing>
     <p:tnLst>
       <p:par>
@@ -595,7 +1916,7 @@
 </p:sldLayout>
 </file>
 
-<file path=ppt/slideLayouts/slideLayout3.xml><?xml version="1.0" encoding="utf-8"?>
+<file path=ppt/slideLayouts/slideLayout6.xml><?xml version="1.0" encoding="utf-8"?>
 <p:sldLayout xmlns:a="http://schemas.openxmlformats.org/drawingml/2006/main" xmlns:r="http://schemas.openxmlformats.org/officeDocument/2006/relationships" xmlns:p="http://schemas.openxmlformats.org/presentationml/2006/main" preserve="1" userDrawn="1">
   <p:cSld name="Leer">
     <p:spTree>
@@ -622,6 +1943,18 @@
   <p:clrMapOvr>
     <a:masterClrMapping/>
   </p:clrMapOvr>
+  <mc:AlternateContent xmlns:mc="http://schemas.openxmlformats.org/markup-compatibility/2006">
+    <mc:Choice xmlns:p14="http://schemas.microsoft.com/office/powerpoint/2010/main" Requires="p14">
+      <p:transition spd="med" p14:dur="700">
+        <p:fade/>
+      </p:transition>
+    </mc:Choice>
+    <mc:Fallback>
+      <p:transition spd="med">
+        <p:fade/>
+      </p:transition>
+    </mc:Fallback>
+  </mc:AlternateContent>
   <p:timing>
     <p:tnLst>
       <p:par>
@@ -681,11 +2014,7 @@
           <a:p>
             <a:r>
               <a:rPr lang="de-DE" dirty="0" smtClean="0"/>
-              <a:t>Titelmasterformat </a:t>
-            </a:r>
-            <a:r>
-              <a:rPr lang="de-DE" dirty="0" smtClean="0"/>
-              <a:t>bearbeiten</a:t>
+              <a:t>Titelmasterformat bearbeiten</a:t>
             </a:r>
             <a:endParaRPr lang="de-DE" dirty="0"/>
           </a:p>
@@ -954,8 +2283,23 @@
   <p:clrMap bg1="lt1" tx1="dk1" bg2="lt2" tx2="dk2" accent1="accent1" accent2="accent2" accent3="accent3" accent4="accent4" accent5="accent5" accent6="accent6" hlink="hlink" folHlink="folHlink"/>
   <p:sldLayoutIdLst>
     <p:sldLayoutId id="2147483665" r:id="rId1"/>
-    <p:sldLayoutId id="2147483664" r:id="rId2"/>
+    <p:sldLayoutId id="2147483668" r:id="rId2"/>
+    <p:sldLayoutId id="2147483664" r:id="rId3"/>
+    <p:sldLayoutId id="2147483669" r:id="rId4"/>
+    <p:sldLayoutId id="2147483670" r:id="rId5"/>
   </p:sldLayoutIdLst>
+  <mc:AlternateContent xmlns:mc="http://schemas.openxmlformats.org/markup-compatibility/2006">
+    <mc:Choice xmlns:p14="http://schemas.microsoft.com/office/powerpoint/2010/main" Requires="p14">
+      <p:transition spd="med" p14:dur="700">
+        <p:fade/>
+      </p:transition>
+    </mc:Choice>
+    <mc:Fallback>
+      <p:transition spd="med">
+        <p:fade/>
+      </p:transition>
+    </mc:Fallback>
+  </mc:AlternateContent>
   <p:timing>
     <p:tnLst>
       <p:par>
@@ -1325,6 +2669,18 @@
   <p:sldLayoutIdLst>
     <p:sldLayoutId id="2147483667" r:id="rId1"/>
   </p:sldLayoutIdLst>
+  <mc:AlternateContent xmlns:mc="http://schemas.openxmlformats.org/markup-compatibility/2006">
+    <mc:Choice xmlns:p14="http://schemas.microsoft.com/office/powerpoint/2010/main" Requires="p14">
+      <p:transition spd="med" p14:dur="700">
+        <p:fade/>
+      </p:transition>
+    </mc:Choice>
+    <mc:Fallback>
+      <p:transition spd="med">
+        <p:fade/>
+      </p:transition>
+    </mc:Fallback>
+  </mc:AlternateContent>
   <p:timing>
     <p:tnLst>
       <p:par>
@@ -1632,6 +2988,35 @@
           <a:chExt cx="0" cy="0"/>
         </a:xfrm>
       </p:grpSpPr>
+      <p:pic>
+        <p:nvPicPr>
+          <p:cNvPr id="2" name="Grafik 1"/>
+          <p:cNvPicPr>
+            <a:picLocks noChangeAspect="1"/>
+          </p:cNvPicPr>
+          <p:nvPr/>
+        </p:nvPicPr>
+        <p:blipFill rotWithShape="1">
+          <a:blip r:embed="rId2">
+            <a:extLst>
+              <a:ext uri="{28A0092B-C50C-407E-A947-70E740481C1C}">
+                <a14:useLocalDpi xmlns:a14="http://schemas.microsoft.com/office/drawing/2010/main" val="0"/>
+              </a:ext>
+            </a:extLst>
+          </a:blip>
+          <a:srcRect t="1547" b="4960"/>
+          <a:stretch/>
+        </p:blipFill>
+        <p:spPr>
+          <a:xfrm>
+            <a:off x="0" y="0"/>
+            <a:ext cx="9144000" cy="5693790"/>
+          </a:xfrm>
+          <a:prstGeom prst="rect">
+            <a:avLst/>
+          </a:prstGeom>
+        </p:spPr>
+      </p:pic>
       <p:sp>
         <p:nvSpPr>
           <p:cNvPr id="6" name="Textfeld 5"/>
@@ -1640,17 +3025,39 @@
         </p:nvSpPr>
         <p:spPr>
           <a:xfrm>
-            <a:off x="1782064" y="1949859"/>
-            <a:ext cx="5644879" cy="1569660"/>
+            <a:off x="787138" y="0"/>
+            <a:ext cx="7569723" cy="2226756"/>
           </a:xfrm>
           <a:prstGeom prst="rect">
             <a:avLst/>
           </a:prstGeom>
-          <a:noFill/>
+          <a:gradFill flip="none" rotWithShape="1">
+            <a:gsLst>
+              <a:gs pos="0">
+                <a:schemeClr val="bg1">
+                  <a:alpha val="75000"/>
+                </a:schemeClr>
+              </a:gs>
+              <a:gs pos="66000">
+                <a:schemeClr val="bg1">
+                  <a:alpha val="75000"/>
+                </a:schemeClr>
+              </a:gs>
+              <a:gs pos="100000">
+                <a:schemeClr val="bg1">
+                  <a:alpha val="0"/>
+                </a:schemeClr>
+              </a:gs>
+            </a:gsLst>
+            <a:path path="rect">
+              <a:fillToRect l="50000" t="50000" r="50000" b="50000"/>
+            </a:path>
+            <a:tileRect/>
+          </a:gradFill>
         </p:spPr>
         <p:txBody>
-          <a:bodyPr wrap="none" rtlCol="0">
-            <a:spAutoFit/>
+          <a:bodyPr wrap="square" rtlCol="0" anchor="ctr">
+            <a:noAutofit/>
           </a:bodyPr>
           <a:lstStyle/>
           <a:p>
@@ -1673,6 +3080,18 @@
   <p:clrMapOvr>
     <a:masterClrMapping/>
   </p:clrMapOvr>
+  <mc:AlternateContent xmlns:mc="http://schemas.openxmlformats.org/markup-compatibility/2006">
+    <mc:Choice xmlns:p14="http://schemas.microsoft.com/office/powerpoint/2010/main" Requires="p14">
+      <p:transition spd="med" p14:dur="700">
+        <p:fade/>
+      </p:transition>
+    </mc:Choice>
+    <mc:Fallback>
+      <p:transition spd="med">
+        <p:fade/>
+      </p:transition>
+    </mc:Fallback>
+  </mc:AlternateContent>
   <p:timing>
     <p:tnLst>
       <p:par>
@@ -1680,6 +3099,706 @@
       </p:par>
     </p:tnLst>
   </p:timing>
+</p:sld>
+</file>
+
+<file path=ppt/slides/slide10.xml><?xml version="1.0" encoding="utf-8"?>
+<p:sld xmlns:a="http://schemas.openxmlformats.org/drawingml/2006/main" xmlns:r="http://schemas.openxmlformats.org/officeDocument/2006/relationships" xmlns:p="http://schemas.openxmlformats.org/presentationml/2006/main">
+  <p:cSld>
+    <p:spTree>
+      <p:nvGrpSpPr>
+        <p:cNvPr id="1" name=""/>
+        <p:cNvGrpSpPr/>
+        <p:nvPr/>
+      </p:nvGrpSpPr>
+      <p:grpSpPr>
+        <a:xfrm>
+          <a:off x="0" y="0"/>
+          <a:ext cx="0" cy="0"/>
+          <a:chOff x="0" y="0"/>
+          <a:chExt cx="0" cy="0"/>
+        </a:xfrm>
+      </p:grpSpPr>
+      <p:sp>
+        <p:nvSpPr>
+          <p:cNvPr id="2" name="Titel 1"/>
+          <p:cNvSpPr>
+            <a:spLocks noGrp="1"/>
+          </p:cNvSpPr>
+          <p:nvPr>
+            <p:ph type="title"/>
+          </p:nvPr>
+        </p:nvSpPr>
+        <p:spPr/>
+        <p:txBody>
+          <a:bodyPr/>
+          <a:lstStyle/>
+          <a:p>
+            <a:r>
+              <a:rPr lang="en-GB" dirty="0" smtClean="0"/>
+              <a:t>Lower Bound for H-OLTSP</a:t>
+            </a:r>
+            <a:endParaRPr lang="en-GB" dirty="0"/>
+          </a:p>
+        </p:txBody>
+      </p:sp>
+    </p:spTree>
+    <p:extLst>
+      <p:ext uri="{BB962C8B-B14F-4D97-AF65-F5344CB8AC3E}">
+        <p14:creationId xmlns:p14="http://schemas.microsoft.com/office/powerpoint/2010/main" val="134223616"/>
+      </p:ext>
+    </p:extLst>
+  </p:cSld>
+  <p:clrMapOvr>
+    <a:masterClrMapping/>
+  </p:clrMapOvr>
+  <mc:AlternateContent xmlns:mc="http://schemas.openxmlformats.org/markup-compatibility/2006">
+    <mc:Choice xmlns:p14="http://schemas.microsoft.com/office/powerpoint/2010/main" Requires="p14">
+      <p:transition spd="med" p14:dur="700">
+        <p:fade/>
+      </p:transition>
+    </mc:Choice>
+    <mc:Fallback>
+      <p:transition spd="med">
+        <p:fade/>
+      </p:transition>
+    </mc:Fallback>
+  </mc:AlternateContent>
+  <p:timing>
+    <p:tnLst>
+      <p:par>
+        <p:cTn id="1" dur="indefinite" restart="never" nodeType="tmRoot"/>
+      </p:par>
+    </p:tnLst>
+  </p:timing>
+</p:sld>
+</file>
+
+<file path=ppt/slides/slide11.xml><?xml version="1.0" encoding="utf-8"?>
+<p:sld xmlns:a="http://schemas.openxmlformats.org/drawingml/2006/main" xmlns:r="http://schemas.openxmlformats.org/officeDocument/2006/relationships" xmlns:p="http://schemas.openxmlformats.org/presentationml/2006/main">
+  <p:cSld>
+    <p:spTree>
+      <p:nvGrpSpPr>
+        <p:cNvPr id="1" name=""/>
+        <p:cNvGrpSpPr/>
+        <p:nvPr/>
+      </p:nvGrpSpPr>
+      <p:grpSpPr>
+        <a:xfrm>
+          <a:off x="0" y="0"/>
+          <a:ext cx="0" cy="0"/>
+          <a:chOff x="0" y="0"/>
+          <a:chExt cx="0" cy="0"/>
+        </a:xfrm>
+      </p:grpSpPr>
+      <p:sp>
+        <p:nvSpPr>
+          <p:cNvPr id="3" name="Titel 2"/>
+          <p:cNvSpPr>
+            <a:spLocks noGrp="1"/>
+          </p:cNvSpPr>
+          <p:nvPr>
+            <p:ph type="title"/>
+          </p:nvPr>
+        </p:nvSpPr>
+        <p:spPr/>
+        <p:txBody>
+          <a:bodyPr/>
+          <a:lstStyle/>
+          <a:p>
+            <a:r>
+              <a:rPr lang="en-GB" dirty="0" smtClean="0"/>
+              <a:t>Plan At Home-Algorithm</a:t>
+            </a:r>
+            <a:endParaRPr lang="en-GB" dirty="0"/>
+          </a:p>
+        </p:txBody>
+      </p:sp>
+    </p:spTree>
+    <p:extLst>
+      <p:ext uri="{BB962C8B-B14F-4D97-AF65-F5344CB8AC3E}">
+        <p14:creationId xmlns:p14="http://schemas.microsoft.com/office/powerpoint/2010/main" val="4158110914"/>
+      </p:ext>
+    </p:extLst>
+  </p:cSld>
+  <p:clrMapOvr>
+    <a:masterClrMapping/>
+  </p:clrMapOvr>
+  <mc:AlternateContent xmlns:mc="http://schemas.openxmlformats.org/markup-compatibility/2006">
+    <mc:Choice xmlns:p14="http://schemas.microsoft.com/office/powerpoint/2010/main" Requires="p14">
+      <p:transition spd="med" p14:dur="700">
+        <p:fade/>
+      </p:transition>
+    </mc:Choice>
+    <mc:Fallback>
+      <p:transition spd="med">
+        <p:fade/>
+      </p:transition>
+    </mc:Fallback>
+  </mc:AlternateContent>
+  <p:timing>
+    <p:tnLst>
+      <p:par>
+        <p:cTn id="1" dur="indefinite" restart="never" nodeType="tmRoot"/>
+      </p:par>
+    </p:tnLst>
+  </p:timing>
+</p:sld>
+</file>
+
+<file path=ppt/slides/slide12.xml><?xml version="1.0" encoding="utf-8"?>
+<p:sld xmlns:a="http://schemas.openxmlformats.org/drawingml/2006/main" xmlns:r="http://schemas.openxmlformats.org/officeDocument/2006/relationships" xmlns:p="http://schemas.openxmlformats.org/presentationml/2006/main">
+  <p:cSld>
+    <p:spTree>
+      <p:nvGrpSpPr>
+        <p:cNvPr id="1" name=""/>
+        <p:cNvGrpSpPr/>
+        <p:nvPr/>
+      </p:nvGrpSpPr>
+      <p:grpSpPr>
+        <a:xfrm>
+          <a:off x="0" y="0"/>
+          <a:ext cx="0" cy="0"/>
+          <a:chOff x="0" y="0"/>
+          <a:chExt cx="0" cy="0"/>
+        </a:xfrm>
+      </p:grpSpPr>
+      <p:sp>
+        <p:nvSpPr>
+          <p:cNvPr id="2" name="Titel 1"/>
+          <p:cNvSpPr>
+            <a:spLocks noGrp="1"/>
+          </p:cNvSpPr>
+          <p:nvPr>
+            <p:ph type="title"/>
+          </p:nvPr>
+        </p:nvSpPr>
+        <p:spPr/>
+        <p:txBody>
+          <a:bodyPr/>
+          <a:lstStyle/>
+          <a:p>
+            <a:endParaRPr lang="en-GB"/>
+          </a:p>
+        </p:txBody>
+      </p:sp>
+      <p:sp>
+        <p:nvSpPr>
+          <p:cNvPr id="3" name="Textfeld 2"/>
+          <p:cNvSpPr txBox="1"/>
+          <p:nvPr/>
+        </p:nvSpPr>
+        <p:spPr>
+          <a:xfrm>
+            <a:off x="3979333" y="2895600"/>
+            <a:ext cx="1094980" cy="584775"/>
+          </a:xfrm>
+          <a:prstGeom prst="rect">
+            <a:avLst/>
+          </a:prstGeom>
+          <a:noFill/>
+        </p:spPr>
+        <p:txBody>
+          <a:bodyPr wrap="none" rtlCol="0">
+            <a:spAutoFit/>
+          </a:bodyPr>
+          <a:lstStyle/>
+          <a:p>
+            <a:r>
+              <a:rPr lang="en-GB" sz="3200" dirty="0" smtClean="0"/>
+              <a:t>proof</a:t>
+            </a:r>
+            <a:endParaRPr lang="en-GB" sz="3200" dirty="0"/>
+          </a:p>
+        </p:txBody>
+      </p:sp>
+    </p:spTree>
+    <p:extLst>
+      <p:ext uri="{BB962C8B-B14F-4D97-AF65-F5344CB8AC3E}">
+        <p14:creationId xmlns:p14="http://schemas.microsoft.com/office/powerpoint/2010/main" val="3043207893"/>
+      </p:ext>
+    </p:extLst>
+  </p:cSld>
+  <p:clrMapOvr>
+    <a:masterClrMapping/>
+  </p:clrMapOvr>
+  <mc:AlternateContent xmlns:mc="http://schemas.openxmlformats.org/markup-compatibility/2006">
+    <mc:Choice xmlns:p14="http://schemas.microsoft.com/office/powerpoint/2010/main" Requires="p14">
+      <p:transition spd="med" p14:dur="700">
+        <p:fade/>
+      </p:transition>
+    </mc:Choice>
+    <mc:Fallback>
+      <p:transition spd="med">
+        <p:fade/>
+      </p:transition>
+    </mc:Fallback>
+  </mc:AlternateContent>
+  <p:timing>
+    <p:tnLst>
+      <p:par>
+        <p:cTn id="1" dur="indefinite" restart="never" nodeType="tmRoot"/>
+      </p:par>
+    </p:tnLst>
+  </p:timing>
+</p:sld>
+</file>
+
+<file path=ppt/slides/slide13.xml><?xml version="1.0" encoding="utf-8"?>
+<p:sld xmlns:a="http://schemas.openxmlformats.org/drawingml/2006/main" xmlns:r="http://schemas.openxmlformats.org/officeDocument/2006/relationships" xmlns:p="http://schemas.openxmlformats.org/presentationml/2006/main">
+  <p:cSld>
+    <p:spTree>
+      <p:nvGrpSpPr>
+        <p:cNvPr id="1" name=""/>
+        <p:cNvGrpSpPr/>
+        <p:nvPr/>
+      </p:nvGrpSpPr>
+      <p:grpSpPr>
+        <a:xfrm>
+          <a:off x="0" y="0"/>
+          <a:ext cx="0" cy="0"/>
+          <a:chOff x="0" y="0"/>
+          <a:chExt cx="0" cy="0"/>
+        </a:xfrm>
+      </p:grpSpPr>
+      <p:sp>
+        <p:nvSpPr>
+          <p:cNvPr id="2" name="Titel 1"/>
+          <p:cNvSpPr>
+            <a:spLocks noGrp="1"/>
+          </p:cNvSpPr>
+          <p:nvPr>
+            <p:ph type="title"/>
+          </p:nvPr>
+        </p:nvSpPr>
+        <p:spPr/>
+        <p:txBody>
+          <a:bodyPr/>
+          <a:lstStyle/>
+          <a:p>
+            <a:endParaRPr lang="en-GB"/>
+          </a:p>
+        </p:txBody>
+      </p:sp>
+      <p:sp>
+        <p:nvSpPr>
+          <p:cNvPr id="3" name="Textfeld 2"/>
+          <p:cNvSpPr txBox="1"/>
+          <p:nvPr/>
+        </p:nvSpPr>
+        <p:spPr>
+          <a:xfrm>
+            <a:off x="4024510" y="2895600"/>
+            <a:ext cx="2171813" cy="1077218"/>
+          </a:xfrm>
+          <a:prstGeom prst="rect">
+            <a:avLst/>
+          </a:prstGeom>
+          <a:noFill/>
+        </p:spPr>
+        <p:txBody>
+          <a:bodyPr wrap="none" rtlCol="0">
+            <a:spAutoFit/>
+          </a:bodyPr>
+          <a:lstStyle/>
+          <a:p>
+            <a:r>
+              <a:rPr lang="en-GB" sz="3200" dirty="0" smtClean="0"/>
+              <a:t>Optimal!</a:t>
+            </a:r>
+          </a:p>
+          <a:p>
+            <a:r>
+              <a:rPr lang="en-GB" sz="3200" dirty="0" err="1" smtClean="0"/>
+              <a:t>Thightness</a:t>
+            </a:r>
+            <a:r>
+              <a:rPr lang="en-GB" sz="3200" dirty="0" smtClean="0"/>
+              <a:t>?</a:t>
+            </a:r>
+            <a:endParaRPr lang="en-GB" sz="3200" dirty="0"/>
+          </a:p>
+        </p:txBody>
+      </p:sp>
+    </p:spTree>
+    <p:extLst>
+      <p:ext uri="{BB962C8B-B14F-4D97-AF65-F5344CB8AC3E}">
+        <p14:creationId xmlns:p14="http://schemas.microsoft.com/office/powerpoint/2010/main" val="3496315828"/>
+      </p:ext>
+    </p:extLst>
+  </p:cSld>
+  <p:clrMapOvr>
+    <a:masterClrMapping/>
+  </p:clrMapOvr>
+  <mc:AlternateContent xmlns:mc="http://schemas.openxmlformats.org/markup-compatibility/2006">
+    <mc:Choice xmlns:p14="http://schemas.microsoft.com/office/powerpoint/2010/main" Requires="p14">
+      <p:transition spd="med" p14:dur="700">
+        <p:fade/>
+      </p:transition>
+    </mc:Choice>
+    <mc:Fallback>
+      <p:transition spd="med">
+        <p:fade/>
+      </p:transition>
+    </mc:Fallback>
+  </mc:AlternateContent>
+  <p:timing>
+    <p:tnLst>
+      <p:par>
+        <p:cTn id="1" dur="indefinite" restart="never" nodeType="tmRoot"/>
+      </p:par>
+    </p:tnLst>
+  </p:timing>
+</p:sld>
+</file>
+
+<file path=ppt/slides/slide14.xml><?xml version="1.0" encoding="utf-8"?>
+<p:sld xmlns:a="http://schemas.openxmlformats.org/drawingml/2006/main" xmlns:r="http://schemas.openxmlformats.org/officeDocument/2006/relationships" xmlns:p="http://schemas.openxmlformats.org/presentationml/2006/main">
+  <p:cSld>
+    <p:spTree>
+      <p:nvGrpSpPr>
+        <p:cNvPr id="1" name=""/>
+        <p:cNvGrpSpPr/>
+        <p:nvPr/>
+      </p:nvGrpSpPr>
+      <p:grpSpPr>
+        <a:xfrm>
+          <a:off x="0" y="0"/>
+          <a:ext cx="0" cy="0"/>
+          <a:chOff x="0" y="0"/>
+          <a:chExt cx="0" cy="0"/>
+        </a:xfrm>
+      </p:grpSpPr>
+      <p:sp>
+        <p:nvSpPr>
+          <p:cNvPr id="3" name="Titel 2"/>
+          <p:cNvSpPr>
+            <a:spLocks noGrp="1"/>
+          </p:cNvSpPr>
+          <p:nvPr>
+            <p:ph type="title"/>
+          </p:nvPr>
+        </p:nvSpPr>
+        <p:spPr/>
+        <p:txBody>
+          <a:bodyPr/>
+          <a:lstStyle/>
+          <a:p>
+            <a:r>
+              <a:rPr lang="en-GB" dirty="0" smtClean="0"/>
+              <a:t>Polynomial Algorithm for H-OLTSP</a:t>
+            </a:r>
+            <a:endParaRPr lang="en-GB" dirty="0"/>
+          </a:p>
+        </p:txBody>
+      </p:sp>
+    </p:spTree>
+    <p:extLst>
+      <p:ext uri="{BB962C8B-B14F-4D97-AF65-F5344CB8AC3E}">
+        <p14:creationId xmlns:p14="http://schemas.microsoft.com/office/powerpoint/2010/main" val="1719834352"/>
+      </p:ext>
+    </p:extLst>
+  </p:cSld>
+  <p:clrMapOvr>
+    <a:masterClrMapping/>
+  </p:clrMapOvr>
+  <mc:AlternateContent xmlns:mc="http://schemas.openxmlformats.org/markup-compatibility/2006">
+    <mc:Choice xmlns:p14="http://schemas.microsoft.com/office/powerpoint/2010/main" Requires="p14">
+      <p:transition spd="med" p14:dur="700">
+        <p:fade/>
+      </p:transition>
+    </mc:Choice>
+    <mc:Fallback>
+      <p:transition spd="med">
+        <p:fade/>
+      </p:transition>
+    </mc:Fallback>
+  </mc:AlternateContent>
+  <p:timing>
+    <p:tnLst>
+      <p:par>
+        <p:cTn id="1" dur="indefinite" restart="never" nodeType="tmRoot"/>
+      </p:par>
+    </p:tnLst>
+  </p:timing>
+</p:sld>
+</file>
+
+<file path=ppt/slides/slide15.xml><?xml version="1.0" encoding="utf-8"?>
+<p:sld xmlns:a="http://schemas.openxmlformats.org/drawingml/2006/main" xmlns:r="http://schemas.openxmlformats.org/officeDocument/2006/relationships" xmlns:p="http://schemas.openxmlformats.org/presentationml/2006/main">
+  <p:cSld>
+    <p:spTree>
+      <p:nvGrpSpPr>
+        <p:cNvPr id="1" name=""/>
+        <p:cNvGrpSpPr/>
+        <p:nvPr/>
+      </p:nvGrpSpPr>
+      <p:grpSpPr>
+        <a:xfrm>
+          <a:off x="0" y="0"/>
+          <a:ext cx="0" cy="0"/>
+          <a:chOff x="0" y="0"/>
+          <a:chExt cx="0" cy="0"/>
+        </a:xfrm>
+      </p:grpSpPr>
+      <p:sp>
+        <p:nvSpPr>
+          <p:cNvPr id="2" name="Titel 1"/>
+          <p:cNvSpPr>
+            <a:spLocks noGrp="1"/>
+          </p:cNvSpPr>
+          <p:nvPr>
+            <p:ph type="title"/>
+          </p:nvPr>
+        </p:nvSpPr>
+        <p:spPr/>
+        <p:txBody>
+          <a:bodyPr/>
+          <a:lstStyle/>
+          <a:p>
+            <a:endParaRPr lang="en-GB"/>
+          </a:p>
+        </p:txBody>
+      </p:sp>
+      <p:sp>
+        <p:nvSpPr>
+          <p:cNvPr id="3" name="Textfeld 2"/>
+          <p:cNvSpPr txBox="1"/>
+          <p:nvPr/>
+        </p:nvSpPr>
+        <p:spPr>
+          <a:xfrm>
+            <a:off x="3979333" y="2895600"/>
+            <a:ext cx="1094980" cy="584775"/>
+          </a:xfrm>
+          <a:prstGeom prst="rect">
+            <a:avLst/>
+          </a:prstGeom>
+          <a:noFill/>
+        </p:spPr>
+        <p:txBody>
+          <a:bodyPr wrap="none" rtlCol="0">
+            <a:spAutoFit/>
+          </a:bodyPr>
+          <a:lstStyle/>
+          <a:p>
+            <a:r>
+              <a:rPr lang="en-GB" sz="3200" dirty="0" smtClean="0"/>
+              <a:t>proof</a:t>
+            </a:r>
+            <a:endParaRPr lang="en-GB" sz="3200" dirty="0"/>
+          </a:p>
+        </p:txBody>
+      </p:sp>
+    </p:spTree>
+    <p:extLst>
+      <p:ext uri="{BB962C8B-B14F-4D97-AF65-F5344CB8AC3E}">
+        <p14:creationId xmlns:p14="http://schemas.microsoft.com/office/powerpoint/2010/main" val="639827302"/>
+      </p:ext>
+    </p:extLst>
+  </p:cSld>
+  <p:clrMapOvr>
+    <a:masterClrMapping/>
+  </p:clrMapOvr>
+  <mc:AlternateContent xmlns:mc="http://schemas.openxmlformats.org/markup-compatibility/2006">
+    <mc:Choice xmlns:p14="http://schemas.microsoft.com/office/powerpoint/2010/main" Requires="p14">
+      <p:transition spd="med" p14:dur="700">
+        <p:fade/>
+      </p:transition>
+    </mc:Choice>
+    <mc:Fallback>
+      <p:transition spd="med">
+        <p:fade/>
+      </p:transition>
+    </mc:Fallback>
+  </mc:AlternateContent>
+  <p:timing>
+    <p:tnLst>
+      <p:par>
+        <p:cTn id="1" dur="indefinite" restart="never" nodeType="tmRoot"/>
+      </p:par>
+    </p:tnLst>
+  </p:timing>
+</p:sld>
+</file>
+
+<file path=ppt/slides/slide16.xml><?xml version="1.0" encoding="utf-8"?>
+<p:sld xmlns:a="http://schemas.openxmlformats.org/drawingml/2006/main" xmlns:r="http://schemas.openxmlformats.org/officeDocument/2006/relationships" xmlns:p="http://schemas.openxmlformats.org/presentationml/2006/main">
+  <p:cSld>
+    <p:spTree>
+      <p:nvGrpSpPr>
+        <p:cNvPr id="1" name=""/>
+        <p:cNvGrpSpPr/>
+        <p:nvPr/>
+      </p:nvGrpSpPr>
+      <p:grpSpPr>
+        <a:xfrm>
+          <a:off x="0" y="0"/>
+          <a:ext cx="0" cy="0"/>
+          <a:chOff x="0" y="0"/>
+          <a:chExt cx="0" cy="0"/>
+        </a:xfrm>
+      </p:grpSpPr>
+      <p:sp>
+        <p:nvSpPr>
+          <p:cNvPr id="3" name="Titel 2"/>
+          <p:cNvSpPr>
+            <a:spLocks noGrp="1"/>
+          </p:cNvSpPr>
+          <p:nvPr>
+            <p:ph type="title"/>
+          </p:nvPr>
+        </p:nvSpPr>
+        <p:spPr/>
+        <p:txBody>
+          <a:bodyPr/>
+          <a:lstStyle/>
+          <a:p>
+            <a:endParaRPr lang="en-GB" dirty="0"/>
+          </a:p>
+        </p:txBody>
+      </p:sp>
+    </p:spTree>
+    <p:extLst>
+      <p:ext uri="{BB962C8B-B14F-4D97-AF65-F5344CB8AC3E}">
+        <p14:creationId xmlns:p14="http://schemas.microsoft.com/office/powerpoint/2010/main" val="745476325"/>
+      </p:ext>
+    </p:extLst>
+  </p:cSld>
+  <p:clrMapOvr>
+    <a:masterClrMapping/>
+  </p:clrMapOvr>
+  <mc:AlternateContent xmlns:mc="http://schemas.openxmlformats.org/markup-compatibility/2006">
+    <mc:Choice xmlns:p14="http://schemas.microsoft.com/office/powerpoint/2010/main" Requires="p14">
+      <p:transition spd="med" p14:dur="700">
+        <p:fade/>
+      </p:transition>
+    </mc:Choice>
+    <mc:Fallback>
+      <p:transition spd="med">
+        <p:fade/>
+      </p:transition>
+    </mc:Fallback>
+  </mc:AlternateContent>
+  <p:timing>
+    <p:tnLst>
+      <p:par>
+        <p:cTn id="1" dur="indefinite" restart="never" nodeType="tmRoot"/>
+      </p:par>
+    </p:tnLst>
+  </p:timing>
+</p:sld>
+</file>
+
+<file path=ppt/slides/slide17.xml><?xml version="1.0" encoding="utf-8"?>
+<p:sld xmlns:a="http://schemas.openxmlformats.org/drawingml/2006/main" xmlns:r="http://schemas.openxmlformats.org/officeDocument/2006/relationships" xmlns:p="http://schemas.openxmlformats.org/presentationml/2006/main">
+  <p:cSld>
+    <p:spTree>
+      <p:nvGrpSpPr>
+        <p:cNvPr id="1" name=""/>
+        <p:cNvGrpSpPr/>
+        <p:nvPr/>
+      </p:nvGrpSpPr>
+      <p:grpSpPr>
+        <a:xfrm>
+          <a:off x="0" y="0"/>
+          <a:ext cx="0" cy="0"/>
+          <a:chOff x="0" y="0"/>
+          <a:chExt cx="0" cy="0"/>
+        </a:xfrm>
+      </p:grpSpPr>
+      <p:sp>
+        <p:nvSpPr>
+          <p:cNvPr id="3" name="Titel 2"/>
+          <p:cNvSpPr>
+            <a:spLocks noGrp="1"/>
+          </p:cNvSpPr>
+          <p:nvPr>
+            <p:ph type="title"/>
+          </p:nvPr>
+        </p:nvSpPr>
+        <p:spPr/>
+        <p:txBody>
+          <a:bodyPr/>
+          <a:lstStyle/>
+          <a:p>
+            <a:r>
+              <a:rPr lang="en-GB" dirty="0" smtClean="0"/>
+              <a:t>Credits &amp; References</a:t>
+            </a:r>
+            <a:endParaRPr lang="en-GB" dirty="0"/>
+          </a:p>
+        </p:txBody>
+      </p:sp>
+      <p:sp>
+        <p:nvSpPr>
+          <p:cNvPr id="4" name="Textfeld 3"/>
+          <p:cNvSpPr txBox="1"/>
+          <p:nvPr/>
+        </p:nvSpPr>
+        <p:spPr>
+          <a:xfrm>
+            <a:off x="1508289" y="1791093"/>
+            <a:ext cx="7178312" cy="646331"/>
+          </a:xfrm>
+          <a:prstGeom prst="rect">
+            <a:avLst/>
+          </a:prstGeom>
+          <a:noFill/>
+        </p:spPr>
+        <p:txBody>
+          <a:bodyPr wrap="none" rtlCol="0">
+            <a:spAutoFit/>
+          </a:bodyPr>
+          <a:lstStyle/>
+          <a:p>
+            <a:pPr marL="285750" indent="-285750">
+              <a:buFont typeface="Arial" panose="020B0604020202020204" pitchFamily="34" charset="0"/>
+              <a:buChar char="•"/>
+            </a:pPr>
+            <a:r>
+              <a:rPr lang="en-GB" dirty="0" smtClean="0"/>
+              <a:t>Paper…</a:t>
+            </a:r>
+          </a:p>
+          <a:p>
+            <a:pPr marL="285750" indent="-285750">
+              <a:buFont typeface="Arial" panose="020B0604020202020204" pitchFamily="34" charset="0"/>
+              <a:buChar char="•"/>
+            </a:pPr>
+            <a:r>
+              <a:rPr lang="en-GB" dirty="0" smtClean="0"/>
+              <a:t>Map</a:t>
+            </a:r>
+            <a:r>
+              <a:rPr lang="en-GB" dirty="0"/>
+              <a:t>: http://awoiaf.westeros.org/index.php/File:WorldofIceandFire.png</a:t>
+            </a:r>
+          </a:p>
+        </p:txBody>
+      </p:sp>
+    </p:spTree>
+    <p:extLst>
+      <p:ext uri="{BB962C8B-B14F-4D97-AF65-F5344CB8AC3E}">
+        <p14:creationId xmlns:p14="http://schemas.microsoft.com/office/powerpoint/2010/main" val="3729361656"/>
+      </p:ext>
+    </p:extLst>
+  </p:cSld>
+  <p:clrMapOvr>
+    <a:masterClrMapping/>
+  </p:clrMapOvr>
+  <mc:AlternateContent xmlns:mc="http://schemas.openxmlformats.org/markup-compatibility/2006">
+    <mc:Choice xmlns:p14="http://schemas.microsoft.com/office/powerpoint/2010/main" Requires="p14">
+      <p:transition spd="med" p14:dur="700">
+        <p:fade/>
+      </p:transition>
+    </mc:Choice>
+    <mc:Fallback>
+      <p:transition spd="med">
+        <p:fade/>
+      </p:transition>
+    </mc:Fallback>
+  </mc:AlternateContent>
 </p:sld>
 </file>
 
@@ -3627,6 +5746,18 @@
   <p:clrMapOvr>
     <a:masterClrMapping/>
   </p:clrMapOvr>
+  <mc:AlternateContent xmlns:mc="http://schemas.openxmlformats.org/markup-compatibility/2006">
+    <mc:Choice xmlns:p14="http://schemas.microsoft.com/office/powerpoint/2010/main" Requires="p14">
+      <p:transition spd="med" p14:dur="700">
+        <p:fade/>
+      </p:transition>
+    </mc:Choice>
+    <mc:Fallback>
+      <p:transition spd="med">
+        <p:fade/>
+      </p:transition>
+    </mc:Fallback>
+  </mc:AlternateContent>
   <p:timing>
     <p:tnLst>
       <p:par>
@@ -4476,6 +6607,3059 @@
           </a:lstStyle>
           <a:p>
             <a:r>
+              <a:rPr lang="en-GB" dirty="0" smtClean="0"/>
+              <a:t>             </a:t>
+            </a:r>
+            <a:r>
+              <a:rPr lang="en-GB" dirty="0" smtClean="0">
+                <a:solidFill>
+                  <a:srgbClr val="C00000"/>
+                </a:solidFill>
+              </a:rPr>
+              <a:t>TSP</a:t>
+            </a:r>
+            <a:endParaRPr lang="en-GB" dirty="0">
+              <a:solidFill>
+                <a:srgbClr val="C00000"/>
+              </a:solidFill>
+            </a:endParaRPr>
+          </a:p>
+        </p:txBody>
+      </p:sp>
+      <p:sp>
+        <p:nvSpPr>
+          <p:cNvPr id="31" name="Textfeld 30"/>
+          <p:cNvSpPr txBox="1"/>
+          <p:nvPr/>
+        </p:nvSpPr>
+        <p:spPr>
+          <a:xfrm>
+            <a:off x="4787772" y="611302"/>
+            <a:ext cx="1178464" cy="461665"/>
+          </a:xfrm>
+          <a:prstGeom prst="rect">
+            <a:avLst/>
+          </a:prstGeom>
+          <a:noFill/>
+        </p:spPr>
+        <p:txBody>
+          <a:bodyPr wrap="none" rtlCol="0">
+            <a:spAutoFit/>
+          </a:bodyPr>
+          <a:lstStyle/>
+          <a:p>
+            <a:r>
+              <a:rPr lang="de-DE" sz="2400" dirty="0" smtClean="0">
+                <a:solidFill>
+                  <a:srgbClr val="C00000"/>
+                </a:solidFill>
+              </a:rPr>
+              <a:t>(</a:t>
+            </a:r>
+            <a:r>
+              <a:rPr lang="de-DE" sz="2400" dirty="0" err="1" smtClean="0">
+                <a:solidFill>
+                  <a:srgbClr val="C00000"/>
+                </a:solidFill>
+              </a:rPr>
+              <a:t>metric</a:t>
+            </a:r>
+            <a:r>
+              <a:rPr lang="de-DE" sz="2400" dirty="0" smtClean="0">
+                <a:solidFill>
+                  <a:srgbClr val="C00000"/>
+                </a:solidFill>
+              </a:rPr>
+              <a:t>)</a:t>
+            </a:r>
+            <a:endParaRPr lang="de-DE" sz="2400" dirty="0">
+              <a:solidFill>
+                <a:srgbClr val="C00000"/>
+              </a:solidFill>
+            </a:endParaRPr>
+          </a:p>
+        </p:txBody>
+      </p:sp>
+      <p:sp>
+        <p:nvSpPr>
+          <p:cNvPr id="4" name="Rechteck 3"/>
+          <p:cNvSpPr/>
+          <p:nvPr/>
+        </p:nvSpPr>
+        <p:spPr>
+          <a:xfrm>
+            <a:off x="628650" y="1217726"/>
+            <a:ext cx="8154185" cy="3781837"/>
+          </a:xfrm>
+          <a:prstGeom prst="rect">
+            <a:avLst/>
+          </a:prstGeom>
+          <a:solidFill>
+            <a:schemeClr val="bg1"/>
+          </a:solidFill>
+          <a:ln w="19050">
+            <a:solidFill>
+              <a:schemeClr val="bg1">
+                <a:lumMod val="65000"/>
+              </a:schemeClr>
+            </a:solidFill>
+          </a:ln>
+          <a:effectLst>
+            <a:outerShdw blurRad="50800" dist="38100" dir="2700000" algn="tl" rotWithShape="0">
+              <a:prstClr val="black">
+                <a:alpha val="40000"/>
+              </a:prstClr>
+            </a:outerShdw>
+          </a:effectLst>
+        </p:spPr>
+        <p:style>
+          <a:lnRef idx="2">
+            <a:schemeClr val="accent1">
+              <a:shade val="50000"/>
+            </a:schemeClr>
+          </a:lnRef>
+          <a:fillRef idx="1">
+            <a:schemeClr val="accent1"/>
+          </a:fillRef>
+          <a:effectRef idx="0">
+            <a:schemeClr val="accent1"/>
+          </a:effectRef>
+          <a:fontRef idx="minor">
+            <a:schemeClr val="lt1"/>
+          </a:fontRef>
+        </p:style>
+        <p:txBody>
+          <a:bodyPr rtlCol="0" anchor="t"/>
+          <a:lstStyle/>
+          <a:p>
+            <a:pPr marL="457200" indent="-457200">
+              <a:buFont typeface="Arial" panose="020B0604020202020204" pitchFamily="34" charset="0"/>
+              <a:buChar char="•"/>
+            </a:pPr>
+            <a:endParaRPr lang="en-GB" sz="2800" dirty="0" smtClean="0">
+              <a:solidFill>
+                <a:schemeClr val="tx1"/>
+              </a:solidFill>
+            </a:endParaRPr>
+          </a:p>
+        </p:txBody>
+      </p:sp>
+      <p:sp>
+        <p:nvSpPr>
+          <p:cNvPr id="15" name="Textfeld 14"/>
+          <p:cNvSpPr txBox="1"/>
+          <p:nvPr/>
+        </p:nvSpPr>
+        <p:spPr>
+          <a:xfrm>
+            <a:off x="783042" y="1277373"/>
+            <a:ext cx="4494805" cy="3231654"/>
+          </a:xfrm>
+          <a:prstGeom prst="rect">
+            <a:avLst/>
+          </a:prstGeom>
+          <a:noFill/>
+        </p:spPr>
+        <p:txBody>
+          <a:bodyPr wrap="square" rtlCol="0">
+            <a:spAutoFit/>
+          </a:bodyPr>
+          <a:lstStyle/>
+          <a:p>
+            <a:r>
+              <a:rPr lang="en-GB" sz="3600" dirty="0" smtClean="0"/>
+              <a:t>Christofides</a:t>
+            </a:r>
+            <a:r>
+              <a:rPr lang="en-GB" sz="3600" dirty="0"/>
+              <a:t> </a:t>
+            </a:r>
+            <a:r>
+              <a:rPr lang="en-GB" sz="3600" dirty="0" smtClean="0"/>
+              <a:t>Algorithm</a:t>
+            </a:r>
+            <a:r>
+              <a:rPr lang="en-GB" sz="3600" dirty="0"/>
+              <a:t>:</a:t>
+            </a:r>
+          </a:p>
+          <a:p>
+            <a:pPr marL="457200" indent="-457200">
+              <a:buFont typeface="Arial" panose="020B0604020202020204" pitchFamily="34" charset="0"/>
+              <a:buChar char="•"/>
+            </a:pPr>
+            <a:r>
+              <a:rPr lang="en-GB" sz="2800" dirty="0" smtClean="0"/>
+              <a:t>minimal spanning tree</a:t>
+            </a:r>
+            <a:endParaRPr lang="en-GB" sz="2800" dirty="0"/>
+          </a:p>
+          <a:p>
+            <a:pPr marL="457200" indent="-457200">
+              <a:buFont typeface="Arial" panose="020B0604020202020204" pitchFamily="34" charset="0"/>
+              <a:buChar char="•"/>
+            </a:pPr>
+            <a:r>
+              <a:rPr lang="en-GB" sz="2800" dirty="0" smtClean="0"/>
+              <a:t>minimal weighted matching </a:t>
+            </a:r>
+            <a:r>
+              <a:rPr lang="en-GB" sz="2800" dirty="0"/>
+              <a:t>of odd </a:t>
+            </a:r>
+            <a:r>
+              <a:rPr lang="en-GB" sz="2800" dirty="0" err="1"/>
+              <a:t>vetices</a:t>
+            </a:r>
+            <a:endParaRPr lang="en-GB" sz="2800" dirty="0"/>
+          </a:p>
+          <a:p>
+            <a:pPr marL="457200" indent="-457200">
+              <a:buFont typeface="Arial" panose="020B0604020202020204" pitchFamily="34" charset="0"/>
+              <a:buChar char="•"/>
+            </a:pPr>
+            <a:r>
+              <a:rPr lang="en-GB" sz="2800" dirty="0" smtClean="0"/>
+              <a:t>Euler </a:t>
+            </a:r>
+            <a:r>
+              <a:rPr lang="en-GB" sz="2800" dirty="0"/>
+              <a:t>tour</a:t>
+            </a:r>
+          </a:p>
+          <a:p>
+            <a:pPr marL="457200" indent="-457200">
+              <a:buFont typeface="Arial" panose="020B0604020202020204" pitchFamily="34" charset="0"/>
+              <a:buChar char="•"/>
+            </a:pPr>
+            <a:r>
+              <a:rPr lang="en-GB" sz="2800" dirty="0"/>
+              <a:t>Skip double visited </a:t>
+            </a:r>
+            <a:r>
+              <a:rPr lang="en-GB" sz="2800" dirty="0" smtClean="0"/>
+              <a:t>vertices</a:t>
+            </a:r>
+            <a:endParaRPr lang="en-GB" dirty="0" smtClean="0"/>
+          </a:p>
+        </p:txBody>
+      </p:sp>
+      <p:sp>
+        <p:nvSpPr>
+          <p:cNvPr id="39" name="Freihandform 38"/>
+          <p:cNvSpPr/>
+          <p:nvPr/>
+        </p:nvSpPr>
+        <p:spPr>
+          <a:xfrm>
+            <a:off x="5761573" y="1331646"/>
+            <a:ext cx="2753777" cy="3120034"/>
+          </a:xfrm>
+          <a:custGeom>
+            <a:avLst/>
+            <a:gdLst>
+              <a:gd name="connsiteX0" fmla="*/ 763571 w 1696825"/>
+              <a:gd name="connsiteY0" fmla="*/ 0 h 2045616"/>
+              <a:gd name="connsiteX1" fmla="*/ 28280 w 1696825"/>
+              <a:gd name="connsiteY1" fmla="*/ 273377 h 2045616"/>
+              <a:gd name="connsiteX2" fmla="*/ 94268 w 1696825"/>
+              <a:gd name="connsiteY2" fmla="*/ 904973 h 2045616"/>
+              <a:gd name="connsiteX3" fmla="*/ 282804 w 1696825"/>
+              <a:gd name="connsiteY3" fmla="*/ 1319752 h 2045616"/>
+              <a:gd name="connsiteX4" fmla="*/ 0 w 1696825"/>
+              <a:gd name="connsiteY4" fmla="*/ 1838226 h 2045616"/>
+              <a:gd name="connsiteX5" fmla="*/ 1696825 w 1696825"/>
+              <a:gd name="connsiteY5" fmla="*/ 2045616 h 2045616"/>
+              <a:gd name="connsiteX6" fmla="*/ 1131216 w 1696825"/>
+              <a:gd name="connsiteY6" fmla="*/ 895546 h 2045616"/>
+              <a:gd name="connsiteX7" fmla="*/ 1366886 w 1696825"/>
+              <a:gd name="connsiteY7" fmla="*/ 226243 h 2045616"/>
+              <a:gd name="connsiteX8" fmla="*/ 763571 w 1696825"/>
+              <a:gd name="connsiteY8" fmla="*/ 0 h 2045616"/>
+              <a:gd name="connsiteX0" fmla="*/ 763571 w 1696825"/>
+              <a:gd name="connsiteY0" fmla="*/ 0 h 2045616"/>
+              <a:gd name="connsiteX1" fmla="*/ 28280 w 1696825"/>
+              <a:gd name="connsiteY1" fmla="*/ 273377 h 2045616"/>
+              <a:gd name="connsiteX2" fmla="*/ 94268 w 1696825"/>
+              <a:gd name="connsiteY2" fmla="*/ 904973 h 2045616"/>
+              <a:gd name="connsiteX3" fmla="*/ 282804 w 1696825"/>
+              <a:gd name="connsiteY3" fmla="*/ 1319752 h 2045616"/>
+              <a:gd name="connsiteX4" fmla="*/ 0 w 1696825"/>
+              <a:gd name="connsiteY4" fmla="*/ 1838226 h 2045616"/>
+              <a:gd name="connsiteX5" fmla="*/ 1696825 w 1696825"/>
+              <a:gd name="connsiteY5" fmla="*/ 2045616 h 2045616"/>
+              <a:gd name="connsiteX6" fmla="*/ 1423447 w 1696825"/>
+              <a:gd name="connsiteY6" fmla="*/ 961534 h 2045616"/>
+              <a:gd name="connsiteX7" fmla="*/ 1366886 w 1696825"/>
+              <a:gd name="connsiteY7" fmla="*/ 226243 h 2045616"/>
+              <a:gd name="connsiteX8" fmla="*/ 763571 w 1696825"/>
+              <a:gd name="connsiteY8" fmla="*/ 0 h 2045616"/>
+              <a:gd name="connsiteX0" fmla="*/ 763571 w 1706251"/>
+              <a:gd name="connsiteY0" fmla="*/ 0 h 2045616"/>
+              <a:gd name="connsiteX1" fmla="*/ 28280 w 1706251"/>
+              <a:gd name="connsiteY1" fmla="*/ 273377 h 2045616"/>
+              <a:gd name="connsiteX2" fmla="*/ 94268 w 1706251"/>
+              <a:gd name="connsiteY2" fmla="*/ 904973 h 2045616"/>
+              <a:gd name="connsiteX3" fmla="*/ 282804 w 1706251"/>
+              <a:gd name="connsiteY3" fmla="*/ 1319752 h 2045616"/>
+              <a:gd name="connsiteX4" fmla="*/ 0 w 1706251"/>
+              <a:gd name="connsiteY4" fmla="*/ 1838226 h 2045616"/>
+              <a:gd name="connsiteX5" fmla="*/ 1696825 w 1706251"/>
+              <a:gd name="connsiteY5" fmla="*/ 2045616 h 2045616"/>
+              <a:gd name="connsiteX6" fmla="*/ 1423447 w 1706251"/>
+              <a:gd name="connsiteY6" fmla="*/ 961534 h 2045616"/>
+              <a:gd name="connsiteX7" fmla="*/ 1706251 w 1706251"/>
+              <a:gd name="connsiteY7" fmla="*/ 197962 h 2045616"/>
+              <a:gd name="connsiteX8" fmla="*/ 763571 w 1706251"/>
+              <a:gd name="connsiteY8" fmla="*/ 0 h 2045616"/>
+              <a:gd name="connsiteX0" fmla="*/ 778427 w 1721107"/>
+              <a:gd name="connsiteY0" fmla="*/ 0 h 2045616"/>
+              <a:gd name="connsiteX1" fmla="*/ 43136 w 1721107"/>
+              <a:gd name="connsiteY1" fmla="*/ 273377 h 2045616"/>
+              <a:gd name="connsiteX2" fmla="*/ 109124 w 1721107"/>
+              <a:gd name="connsiteY2" fmla="*/ 904973 h 2045616"/>
+              <a:gd name="connsiteX3" fmla="*/ 297660 w 1721107"/>
+              <a:gd name="connsiteY3" fmla="*/ 1319752 h 2045616"/>
+              <a:gd name="connsiteX4" fmla="*/ 14856 w 1721107"/>
+              <a:gd name="connsiteY4" fmla="*/ 1838226 h 2045616"/>
+              <a:gd name="connsiteX5" fmla="*/ 1711681 w 1721107"/>
+              <a:gd name="connsiteY5" fmla="*/ 2045616 h 2045616"/>
+              <a:gd name="connsiteX6" fmla="*/ 1438303 w 1721107"/>
+              <a:gd name="connsiteY6" fmla="*/ 961534 h 2045616"/>
+              <a:gd name="connsiteX7" fmla="*/ 1721107 w 1721107"/>
+              <a:gd name="connsiteY7" fmla="*/ 197962 h 2045616"/>
+              <a:gd name="connsiteX8" fmla="*/ 778427 w 1721107"/>
+              <a:gd name="connsiteY8" fmla="*/ 0 h 2045616"/>
+              <a:gd name="connsiteX0" fmla="*/ 778427 w 1721107"/>
+              <a:gd name="connsiteY0" fmla="*/ 1840 h 2047456"/>
+              <a:gd name="connsiteX1" fmla="*/ 43136 w 1721107"/>
+              <a:gd name="connsiteY1" fmla="*/ 275217 h 2047456"/>
+              <a:gd name="connsiteX2" fmla="*/ 109124 w 1721107"/>
+              <a:gd name="connsiteY2" fmla="*/ 906813 h 2047456"/>
+              <a:gd name="connsiteX3" fmla="*/ 297660 w 1721107"/>
+              <a:gd name="connsiteY3" fmla="*/ 1321592 h 2047456"/>
+              <a:gd name="connsiteX4" fmla="*/ 14856 w 1721107"/>
+              <a:gd name="connsiteY4" fmla="*/ 1840066 h 2047456"/>
+              <a:gd name="connsiteX5" fmla="*/ 1711681 w 1721107"/>
+              <a:gd name="connsiteY5" fmla="*/ 2047456 h 2047456"/>
+              <a:gd name="connsiteX6" fmla="*/ 1438303 w 1721107"/>
+              <a:gd name="connsiteY6" fmla="*/ 963374 h 2047456"/>
+              <a:gd name="connsiteX7" fmla="*/ 1721107 w 1721107"/>
+              <a:gd name="connsiteY7" fmla="*/ 199802 h 2047456"/>
+              <a:gd name="connsiteX8" fmla="*/ 778427 w 1721107"/>
+              <a:gd name="connsiteY8" fmla="*/ 1840 h 2047456"/>
+              <a:gd name="connsiteX0" fmla="*/ 778427 w 1740599"/>
+              <a:gd name="connsiteY0" fmla="*/ 1840 h 2047456"/>
+              <a:gd name="connsiteX1" fmla="*/ 43136 w 1740599"/>
+              <a:gd name="connsiteY1" fmla="*/ 275217 h 2047456"/>
+              <a:gd name="connsiteX2" fmla="*/ 109124 w 1740599"/>
+              <a:gd name="connsiteY2" fmla="*/ 906813 h 2047456"/>
+              <a:gd name="connsiteX3" fmla="*/ 297660 w 1740599"/>
+              <a:gd name="connsiteY3" fmla="*/ 1321592 h 2047456"/>
+              <a:gd name="connsiteX4" fmla="*/ 14856 w 1740599"/>
+              <a:gd name="connsiteY4" fmla="*/ 1840066 h 2047456"/>
+              <a:gd name="connsiteX5" fmla="*/ 1711681 w 1740599"/>
+              <a:gd name="connsiteY5" fmla="*/ 2047456 h 2047456"/>
+              <a:gd name="connsiteX6" fmla="*/ 1438303 w 1740599"/>
+              <a:gd name="connsiteY6" fmla="*/ 963374 h 2047456"/>
+              <a:gd name="connsiteX7" fmla="*/ 1721107 w 1740599"/>
+              <a:gd name="connsiteY7" fmla="*/ 199802 h 2047456"/>
+              <a:gd name="connsiteX8" fmla="*/ 778427 w 1740599"/>
+              <a:gd name="connsiteY8" fmla="*/ 1840 h 2047456"/>
+              <a:gd name="connsiteX0" fmla="*/ 778427 w 1774414"/>
+              <a:gd name="connsiteY0" fmla="*/ 1840 h 2047456"/>
+              <a:gd name="connsiteX1" fmla="*/ 43136 w 1774414"/>
+              <a:gd name="connsiteY1" fmla="*/ 275217 h 2047456"/>
+              <a:gd name="connsiteX2" fmla="*/ 109124 w 1774414"/>
+              <a:gd name="connsiteY2" fmla="*/ 906813 h 2047456"/>
+              <a:gd name="connsiteX3" fmla="*/ 297660 w 1774414"/>
+              <a:gd name="connsiteY3" fmla="*/ 1321592 h 2047456"/>
+              <a:gd name="connsiteX4" fmla="*/ 14856 w 1774414"/>
+              <a:gd name="connsiteY4" fmla="*/ 1840066 h 2047456"/>
+              <a:gd name="connsiteX5" fmla="*/ 1711681 w 1774414"/>
+              <a:gd name="connsiteY5" fmla="*/ 2047456 h 2047456"/>
+              <a:gd name="connsiteX6" fmla="*/ 1438303 w 1774414"/>
+              <a:gd name="connsiteY6" fmla="*/ 963374 h 2047456"/>
+              <a:gd name="connsiteX7" fmla="*/ 1721107 w 1774414"/>
+              <a:gd name="connsiteY7" fmla="*/ 199802 h 2047456"/>
+              <a:gd name="connsiteX8" fmla="*/ 778427 w 1774414"/>
+              <a:gd name="connsiteY8" fmla="*/ 1840 h 2047456"/>
+              <a:gd name="connsiteX0" fmla="*/ 778427 w 1774414"/>
+              <a:gd name="connsiteY0" fmla="*/ 1840 h 2094162"/>
+              <a:gd name="connsiteX1" fmla="*/ 43136 w 1774414"/>
+              <a:gd name="connsiteY1" fmla="*/ 275217 h 2094162"/>
+              <a:gd name="connsiteX2" fmla="*/ 109124 w 1774414"/>
+              <a:gd name="connsiteY2" fmla="*/ 906813 h 2094162"/>
+              <a:gd name="connsiteX3" fmla="*/ 297660 w 1774414"/>
+              <a:gd name="connsiteY3" fmla="*/ 1321592 h 2094162"/>
+              <a:gd name="connsiteX4" fmla="*/ 14856 w 1774414"/>
+              <a:gd name="connsiteY4" fmla="*/ 1840066 h 2094162"/>
+              <a:gd name="connsiteX5" fmla="*/ 1711681 w 1774414"/>
+              <a:gd name="connsiteY5" fmla="*/ 2047456 h 2094162"/>
+              <a:gd name="connsiteX6" fmla="*/ 1438303 w 1774414"/>
+              <a:gd name="connsiteY6" fmla="*/ 963374 h 2094162"/>
+              <a:gd name="connsiteX7" fmla="*/ 1721107 w 1774414"/>
+              <a:gd name="connsiteY7" fmla="*/ 199802 h 2094162"/>
+              <a:gd name="connsiteX8" fmla="*/ 778427 w 1774414"/>
+              <a:gd name="connsiteY8" fmla="*/ 1840 h 2094162"/>
+              <a:gd name="connsiteX0" fmla="*/ 826336 w 1822323"/>
+              <a:gd name="connsiteY0" fmla="*/ 1840 h 2094161"/>
+              <a:gd name="connsiteX1" fmla="*/ 91045 w 1822323"/>
+              <a:gd name="connsiteY1" fmla="*/ 275217 h 2094161"/>
+              <a:gd name="connsiteX2" fmla="*/ 157033 w 1822323"/>
+              <a:gd name="connsiteY2" fmla="*/ 906813 h 2094161"/>
+              <a:gd name="connsiteX3" fmla="*/ 345569 w 1822323"/>
+              <a:gd name="connsiteY3" fmla="*/ 1321592 h 2094161"/>
+              <a:gd name="connsiteX4" fmla="*/ 62765 w 1822323"/>
+              <a:gd name="connsiteY4" fmla="*/ 1840066 h 2094161"/>
+              <a:gd name="connsiteX5" fmla="*/ 1759590 w 1822323"/>
+              <a:gd name="connsiteY5" fmla="*/ 2047456 h 2094161"/>
+              <a:gd name="connsiteX6" fmla="*/ 1486212 w 1822323"/>
+              <a:gd name="connsiteY6" fmla="*/ 963374 h 2094161"/>
+              <a:gd name="connsiteX7" fmla="*/ 1769016 w 1822323"/>
+              <a:gd name="connsiteY7" fmla="*/ 199802 h 2094161"/>
+              <a:gd name="connsiteX8" fmla="*/ 826336 w 1822323"/>
+              <a:gd name="connsiteY8" fmla="*/ 1840 h 2094161"/>
+              <a:gd name="connsiteX0" fmla="*/ 819976 w 1815963"/>
+              <a:gd name="connsiteY0" fmla="*/ 1840 h 2094161"/>
+              <a:gd name="connsiteX1" fmla="*/ 84685 w 1815963"/>
+              <a:gd name="connsiteY1" fmla="*/ 275217 h 2094161"/>
+              <a:gd name="connsiteX2" fmla="*/ 150673 w 1815963"/>
+              <a:gd name="connsiteY2" fmla="*/ 906813 h 2094161"/>
+              <a:gd name="connsiteX3" fmla="*/ 339209 w 1815963"/>
+              <a:gd name="connsiteY3" fmla="*/ 1321592 h 2094161"/>
+              <a:gd name="connsiteX4" fmla="*/ 56405 w 1815963"/>
+              <a:gd name="connsiteY4" fmla="*/ 1840066 h 2094161"/>
+              <a:gd name="connsiteX5" fmla="*/ 1753230 w 1815963"/>
+              <a:gd name="connsiteY5" fmla="*/ 2047456 h 2094161"/>
+              <a:gd name="connsiteX6" fmla="*/ 1479852 w 1815963"/>
+              <a:gd name="connsiteY6" fmla="*/ 963374 h 2094161"/>
+              <a:gd name="connsiteX7" fmla="*/ 1762656 w 1815963"/>
+              <a:gd name="connsiteY7" fmla="*/ 199802 h 2094161"/>
+              <a:gd name="connsiteX8" fmla="*/ 819976 w 1815963"/>
+              <a:gd name="connsiteY8" fmla="*/ 1840 h 2094161"/>
+              <a:gd name="connsiteX0" fmla="*/ 819976 w 1815963"/>
+              <a:gd name="connsiteY0" fmla="*/ 1840 h 2094161"/>
+              <a:gd name="connsiteX1" fmla="*/ 84685 w 1815963"/>
+              <a:gd name="connsiteY1" fmla="*/ 275217 h 2094161"/>
+              <a:gd name="connsiteX2" fmla="*/ 150673 w 1815963"/>
+              <a:gd name="connsiteY2" fmla="*/ 906813 h 2094161"/>
+              <a:gd name="connsiteX3" fmla="*/ 339209 w 1815963"/>
+              <a:gd name="connsiteY3" fmla="*/ 1321592 h 2094161"/>
+              <a:gd name="connsiteX4" fmla="*/ 56405 w 1815963"/>
+              <a:gd name="connsiteY4" fmla="*/ 1840066 h 2094161"/>
+              <a:gd name="connsiteX5" fmla="*/ 1753230 w 1815963"/>
+              <a:gd name="connsiteY5" fmla="*/ 2047456 h 2094161"/>
+              <a:gd name="connsiteX6" fmla="*/ 1479852 w 1815963"/>
+              <a:gd name="connsiteY6" fmla="*/ 963374 h 2094161"/>
+              <a:gd name="connsiteX7" fmla="*/ 1762656 w 1815963"/>
+              <a:gd name="connsiteY7" fmla="*/ 199802 h 2094161"/>
+              <a:gd name="connsiteX8" fmla="*/ 819976 w 1815963"/>
+              <a:gd name="connsiteY8" fmla="*/ 1840 h 2094161"/>
+            </a:gdLst>
+            <a:ahLst/>
+            <a:cxnLst>
+              <a:cxn ang="0">
+                <a:pos x="connsiteX0" y="connsiteY0"/>
+              </a:cxn>
+              <a:cxn ang="0">
+                <a:pos x="connsiteX1" y="connsiteY1"/>
+              </a:cxn>
+              <a:cxn ang="0">
+                <a:pos x="connsiteX2" y="connsiteY2"/>
+              </a:cxn>
+              <a:cxn ang="0">
+                <a:pos x="connsiteX3" y="connsiteY3"/>
+              </a:cxn>
+              <a:cxn ang="0">
+                <a:pos x="connsiteX4" y="connsiteY4"/>
+              </a:cxn>
+              <a:cxn ang="0">
+                <a:pos x="connsiteX5" y="connsiteY5"/>
+              </a:cxn>
+              <a:cxn ang="0">
+                <a:pos x="connsiteX6" y="connsiteY6"/>
+              </a:cxn>
+              <a:cxn ang="0">
+                <a:pos x="connsiteX7" y="connsiteY7"/>
+              </a:cxn>
+              <a:cxn ang="0">
+                <a:pos x="connsiteX8" y="connsiteY8"/>
+              </a:cxn>
+            </a:cxnLst>
+            <a:rect l="l" t="t" r="r" b="b"/>
+            <a:pathLst>
+              <a:path w="1815963" h="2094161">
+                <a:moveTo>
+                  <a:pt x="819976" y="1840"/>
+                </a:moveTo>
+                <a:cubicBezTo>
+                  <a:pt x="540314" y="14409"/>
+                  <a:pt x="196236" y="124388"/>
+                  <a:pt x="84685" y="275217"/>
+                </a:cubicBezTo>
+                <a:cubicBezTo>
+                  <a:pt x="-26866" y="426046"/>
+                  <a:pt x="76404" y="743419"/>
+                  <a:pt x="150673" y="906813"/>
+                </a:cubicBezTo>
+                <a:lnTo>
+                  <a:pt x="339209" y="1321592"/>
+                </a:lnTo>
+                <a:cubicBezTo>
+                  <a:pt x="403900" y="1463913"/>
+                  <a:pt x="-179265" y="1719089"/>
+                  <a:pt x="56405" y="1840066"/>
+                </a:cubicBezTo>
+                <a:cubicBezTo>
+                  <a:pt x="292075" y="1961043"/>
+                  <a:pt x="1515989" y="2193571"/>
+                  <a:pt x="1753230" y="2047456"/>
+                </a:cubicBezTo>
+                <a:cubicBezTo>
+                  <a:pt x="1990471" y="1901341"/>
+                  <a:pt x="1478281" y="1271316"/>
+                  <a:pt x="1479852" y="963374"/>
+                </a:cubicBezTo>
+                <a:cubicBezTo>
+                  <a:pt x="1481423" y="655432"/>
+                  <a:pt x="1872635" y="360058"/>
+                  <a:pt x="1762656" y="199802"/>
+                </a:cubicBezTo>
+                <a:cubicBezTo>
+                  <a:pt x="1652677" y="39546"/>
+                  <a:pt x="1099638" y="-10729"/>
+                  <a:pt x="819976" y="1840"/>
+                </a:cubicBezTo>
+                <a:close/>
+              </a:path>
+            </a:pathLst>
+          </a:custGeom>
+          <a:solidFill>
+            <a:schemeClr val="bg1">
+              <a:lumMod val="95000"/>
+            </a:schemeClr>
+          </a:solidFill>
+          <a:ln w="28575">
+            <a:solidFill>
+              <a:schemeClr val="bg2">
+                <a:lumMod val="50000"/>
+              </a:schemeClr>
+            </a:solidFill>
+          </a:ln>
+        </p:spPr>
+        <p:style>
+          <a:lnRef idx="2">
+            <a:schemeClr val="accent1">
+              <a:shade val="50000"/>
+            </a:schemeClr>
+          </a:lnRef>
+          <a:fillRef idx="1">
+            <a:schemeClr val="accent1"/>
+          </a:fillRef>
+          <a:effectRef idx="0">
+            <a:schemeClr val="accent1"/>
+          </a:effectRef>
+          <a:fontRef idx="minor">
+            <a:schemeClr val="lt1"/>
+          </a:fontRef>
+        </p:style>
+        <p:txBody>
+          <a:bodyPr rtlCol="0" anchor="ctr"/>
+          <a:lstStyle/>
+          <a:p>
+            <a:pPr algn="ctr"/>
+            <a:endParaRPr lang="en-GB" dirty="0"/>
+          </a:p>
+        </p:txBody>
+      </p:sp>
+      <p:grpSp>
+        <p:nvGrpSpPr>
+          <p:cNvPr id="76" name="MST"/>
+          <p:cNvGrpSpPr/>
+          <p:nvPr/>
+        </p:nvGrpSpPr>
+        <p:grpSpPr>
+          <a:xfrm>
+            <a:off x="6485850" y="1593015"/>
+            <a:ext cx="1326469" cy="2294472"/>
+            <a:chOff x="6416906" y="1779323"/>
+            <a:chExt cx="1326469" cy="2294472"/>
+          </a:xfrm>
+        </p:grpSpPr>
+        <p:cxnSp>
+          <p:nvCxnSpPr>
+            <p:cNvPr id="28" name="Gerader Verbinder 27"/>
+            <p:cNvCxnSpPr>
+              <a:stCxn id="44" idx="3"/>
+              <a:endCxn id="63" idx="0"/>
+            </p:cNvCxnSpPr>
+            <p:nvPr/>
+          </p:nvCxnSpPr>
+          <p:spPr>
+            <a:xfrm>
+              <a:off x="6416906" y="2022888"/>
+              <a:ext cx="314475" cy="560400"/>
+            </a:xfrm>
+            <a:prstGeom prst="line">
+              <a:avLst/>
+            </a:prstGeom>
+            <a:ln w="25400">
+              <a:solidFill>
+                <a:schemeClr val="accent1">
+                  <a:lumMod val="75000"/>
+                </a:schemeClr>
+              </a:solidFill>
+            </a:ln>
+          </p:spPr>
+          <p:style>
+            <a:lnRef idx="1">
+              <a:schemeClr val="accent1"/>
+            </a:lnRef>
+            <a:fillRef idx="0">
+              <a:schemeClr val="accent1"/>
+            </a:fillRef>
+            <a:effectRef idx="0">
+              <a:schemeClr val="accent1"/>
+            </a:effectRef>
+            <a:fontRef idx="minor">
+              <a:schemeClr val="tx1"/>
+            </a:fontRef>
+          </p:style>
+        </p:cxnSp>
+        <p:cxnSp>
+          <p:nvCxnSpPr>
+            <p:cNvPr id="33" name="Gerader Verbinder 32"/>
+            <p:cNvCxnSpPr>
+              <a:stCxn id="63" idx="7"/>
+              <a:endCxn id="52" idx="1"/>
+            </p:cNvCxnSpPr>
+            <p:nvPr/>
+          </p:nvCxnSpPr>
+          <p:spPr>
+            <a:xfrm flipV="1">
+              <a:off x="6736599" y="2385009"/>
+              <a:ext cx="1001557" cy="196117"/>
+            </a:xfrm>
+            <a:prstGeom prst="line">
+              <a:avLst/>
+            </a:prstGeom>
+            <a:ln w="25400">
+              <a:solidFill>
+                <a:schemeClr val="accent1">
+                  <a:lumMod val="75000"/>
+                </a:schemeClr>
+              </a:solidFill>
+            </a:ln>
+          </p:spPr>
+          <p:style>
+            <a:lnRef idx="1">
+              <a:schemeClr val="accent1"/>
+            </a:lnRef>
+            <a:fillRef idx="0">
+              <a:schemeClr val="accent1"/>
+            </a:fillRef>
+            <a:effectRef idx="0">
+              <a:schemeClr val="accent1"/>
+            </a:effectRef>
+            <a:fontRef idx="minor">
+              <a:schemeClr val="tx1"/>
+            </a:fontRef>
+          </p:style>
+        </p:cxnSp>
+        <p:cxnSp>
+          <p:nvCxnSpPr>
+            <p:cNvPr id="67" name="Gerader Verbinder 66"/>
+            <p:cNvCxnSpPr>
+              <a:stCxn id="52" idx="0"/>
+              <a:endCxn id="48" idx="1"/>
+            </p:cNvCxnSpPr>
+            <p:nvPr/>
+          </p:nvCxnSpPr>
+          <p:spPr>
+            <a:xfrm flipH="1" flipV="1">
+              <a:off x="7301744" y="1779323"/>
+              <a:ext cx="441631" cy="607848"/>
+            </a:xfrm>
+            <a:prstGeom prst="line">
+              <a:avLst/>
+            </a:prstGeom>
+            <a:ln w="25400">
+              <a:solidFill>
+                <a:schemeClr val="accent1">
+                  <a:lumMod val="75000"/>
+                </a:schemeClr>
+              </a:solidFill>
+            </a:ln>
+          </p:spPr>
+          <p:style>
+            <a:lnRef idx="1">
+              <a:schemeClr val="accent1"/>
+            </a:lnRef>
+            <a:fillRef idx="0">
+              <a:schemeClr val="accent1"/>
+            </a:fillRef>
+            <a:effectRef idx="0">
+              <a:schemeClr val="accent1"/>
+            </a:effectRef>
+            <a:fontRef idx="minor">
+              <a:schemeClr val="tx1"/>
+            </a:fontRef>
+          </p:style>
+        </p:cxnSp>
+        <p:cxnSp>
+          <p:nvCxnSpPr>
+            <p:cNvPr id="70" name="Gerader Verbinder 69"/>
+            <p:cNvCxnSpPr>
+              <a:stCxn id="63" idx="0"/>
+              <a:endCxn id="66" idx="5"/>
+            </p:cNvCxnSpPr>
+            <p:nvPr/>
+          </p:nvCxnSpPr>
+          <p:spPr>
+            <a:xfrm flipH="1">
+              <a:off x="6459689" y="2583288"/>
+              <a:ext cx="271692" cy="810888"/>
+            </a:xfrm>
+            <a:prstGeom prst="line">
+              <a:avLst/>
+            </a:prstGeom>
+            <a:ln w="25400">
+              <a:solidFill>
+                <a:schemeClr val="accent1">
+                  <a:lumMod val="75000"/>
+                </a:schemeClr>
+              </a:solidFill>
+            </a:ln>
+          </p:spPr>
+          <p:style>
+            <a:lnRef idx="1">
+              <a:schemeClr val="accent1"/>
+            </a:lnRef>
+            <a:fillRef idx="0">
+              <a:schemeClr val="accent1"/>
+            </a:fillRef>
+            <a:effectRef idx="0">
+              <a:schemeClr val="accent1"/>
+            </a:effectRef>
+            <a:fontRef idx="minor">
+              <a:schemeClr val="tx1"/>
+            </a:fontRef>
+          </p:style>
+        </p:cxnSp>
+        <p:cxnSp>
+          <p:nvCxnSpPr>
+            <p:cNvPr id="72" name="Gerader Verbinder 71"/>
+            <p:cNvCxnSpPr>
+              <a:stCxn id="66" idx="7"/>
+              <a:endCxn id="60" idx="3"/>
+            </p:cNvCxnSpPr>
+            <p:nvPr/>
+          </p:nvCxnSpPr>
+          <p:spPr>
+            <a:xfrm>
+              <a:off x="6459689" y="3404613"/>
+              <a:ext cx="417515" cy="663964"/>
+            </a:xfrm>
+            <a:prstGeom prst="line">
+              <a:avLst/>
+            </a:prstGeom>
+            <a:ln w="25400">
+              <a:solidFill>
+                <a:schemeClr val="accent1">
+                  <a:lumMod val="75000"/>
+                </a:schemeClr>
+              </a:solidFill>
+            </a:ln>
+          </p:spPr>
+          <p:style>
+            <a:lnRef idx="1">
+              <a:schemeClr val="accent1"/>
+            </a:lnRef>
+            <a:fillRef idx="0">
+              <a:schemeClr val="accent1"/>
+            </a:fillRef>
+            <a:effectRef idx="0">
+              <a:schemeClr val="accent1"/>
+            </a:effectRef>
+            <a:fontRef idx="minor">
+              <a:schemeClr val="tx1"/>
+            </a:fontRef>
+          </p:style>
+        </p:cxnSp>
+        <p:cxnSp>
+          <p:nvCxnSpPr>
+            <p:cNvPr id="74" name="Gerader Verbinder 73"/>
+            <p:cNvCxnSpPr>
+              <a:stCxn id="60" idx="2"/>
+              <a:endCxn id="56" idx="4"/>
+            </p:cNvCxnSpPr>
+            <p:nvPr/>
+          </p:nvCxnSpPr>
+          <p:spPr>
+            <a:xfrm flipV="1">
+              <a:off x="6875042" y="3870742"/>
+              <a:ext cx="865804" cy="203053"/>
+            </a:xfrm>
+            <a:prstGeom prst="line">
+              <a:avLst/>
+            </a:prstGeom>
+            <a:ln w="25400">
+              <a:solidFill>
+                <a:schemeClr val="accent1">
+                  <a:lumMod val="75000"/>
+                </a:schemeClr>
+              </a:solidFill>
+            </a:ln>
+          </p:spPr>
+          <p:style>
+            <a:lnRef idx="1">
+              <a:schemeClr val="accent1"/>
+            </a:lnRef>
+            <a:fillRef idx="0">
+              <a:schemeClr val="accent1"/>
+            </a:fillRef>
+            <a:effectRef idx="0">
+              <a:schemeClr val="accent1"/>
+            </a:effectRef>
+            <a:fontRef idx="minor">
+              <a:schemeClr val="tx1"/>
+            </a:fontRef>
+          </p:style>
+        </p:cxnSp>
+      </p:grpSp>
+      <p:grpSp>
+        <p:nvGrpSpPr>
+          <p:cNvPr id="81" name="MWM"/>
+          <p:cNvGrpSpPr/>
+          <p:nvPr/>
+        </p:nvGrpSpPr>
+        <p:grpSpPr>
+          <a:xfrm>
+            <a:off x="6491069" y="1582578"/>
+            <a:ext cx="1318721" cy="2101856"/>
+            <a:chOff x="6422125" y="1768886"/>
+            <a:chExt cx="1318721" cy="2101856"/>
+          </a:xfrm>
+        </p:grpSpPr>
+        <p:cxnSp>
+          <p:nvCxnSpPr>
+            <p:cNvPr id="78" name="Gerader Verbinder 77"/>
+            <p:cNvCxnSpPr>
+              <a:stCxn id="44" idx="4"/>
+              <a:endCxn id="48" idx="5"/>
+            </p:cNvCxnSpPr>
+            <p:nvPr/>
+          </p:nvCxnSpPr>
+          <p:spPr>
+            <a:xfrm flipV="1">
+              <a:off x="6422125" y="1768886"/>
+              <a:ext cx="890056" cy="251840"/>
+            </a:xfrm>
+            <a:prstGeom prst="line">
+              <a:avLst/>
+            </a:prstGeom>
+            <a:ln w="25400">
+              <a:solidFill>
+                <a:srgbClr val="C00000"/>
+              </a:solidFill>
+            </a:ln>
+          </p:spPr>
+          <p:style>
+            <a:lnRef idx="1">
+              <a:schemeClr val="accent1"/>
+            </a:lnRef>
+            <a:fillRef idx="0">
+              <a:schemeClr val="accent1"/>
+            </a:fillRef>
+            <a:effectRef idx="0">
+              <a:schemeClr val="accent1"/>
+            </a:effectRef>
+            <a:fontRef idx="minor">
+              <a:schemeClr val="tx1"/>
+            </a:fontRef>
+          </p:style>
+        </p:cxnSp>
+        <p:cxnSp>
+          <p:nvCxnSpPr>
+            <p:cNvPr id="80" name="Gerader Verbinder 79"/>
+            <p:cNvCxnSpPr>
+              <a:stCxn id="63" idx="4"/>
+              <a:endCxn id="56" idx="4"/>
+            </p:cNvCxnSpPr>
+            <p:nvPr/>
+          </p:nvCxnSpPr>
+          <p:spPr>
+            <a:xfrm>
+              <a:off x="6731381" y="2568527"/>
+              <a:ext cx="1009465" cy="1302215"/>
+            </a:xfrm>
+            <a:prstGeom prst="line">
+              <a:avLst/>
+            </a:prstGeom>
+            <a:ln w="25400">
+              <a:solidFill>
+                <a:srgbClr val="C00000"/>
+              </a:solidFill>
+            </a:ln>
+          </p:spPr>
+          <p:style>
+            <a:lnRef idx="1">
+              <a:schemeClr val="accent1"/>
+            </a:lnRef>
+            <a:fillRef idx="0">
+              <a:schemeClr val="accent1"/>
+            </a:fillRef>
+            <a:effectRef idx="0">
+              <a:schemeClr val="accent1"/>
+            </a:effectRef>
+            <a:fontRef idx="minor">
+              <a:schemeClr val="tx1"/>
+            </a:fontRef>
+          </p:style>
+        </p:cxnSp>
+      </p:grpSp>
+      <p:grpSp>
+        <p:nvGrpSpPr>
+          <p:cNvPr id="103" name="Euler Tour"/>
+          <p:cNvGrpSpPr/>
+          <p:nvPr/>
+        </p:nvGrpSpPr>
+        <p:grpSpPr>
+          <a:xfrm>
+            <a:off x="6485850" y="1580416"/>
+            <a:ext cx="1333849" cy="2301853"/>
+            <a:chOff x="6416906" y="1766724"/>
+            <a:chExt cx="1333849" cy="2301853"/>
+          </a:xfrm>
+        </p:grpSpPr>
+        <p:cxnSp>
+          <p:nvCxnSpPr>
+            <p:cNvPr id="85" name="Gerade Verbindung mit Pfeil 84"/>
+            <p:cNvCxnSpPr>
+              <a:stCxn id="48" idx="5"/>
+              <a:endCxn id="44" idx="3"/>
+            </p:cNvCxnSpPr>
+            <p:nvPr/>
+          </p:nvCxnSpPr>
+          <p:spPr>
+            <a:xfrm flipH="1">
+              <a:off x="6416906" y="1768886"/>
+              <a:ext cx="895275" cy="254002"/>
+            </a:xfrm>
+            <a:prstGeom prst="straightConnector1">
+              <a:avLst/>
+            </a:prstGeom>
+            <a:ln w="25400">
+              <a:solidFill>
+                <a:schemeClr val="accent1">
+                  <a:lumMod val="75000"/>
+                </a:schemeClr>
+              </a:solidFill>
+              <a:tailEnd type="triangle" w="lg" len="lg"/>
+            </a:ln>
+          </p:spPr>
+          <p:style>
+            <a:lnRef idx="1">
+              <a:schemeClr val="accent1"/>
+            </a:lnRef>
+            <a:fillRef idx="0">
+              <a:schemeClr val="accent1"/>
+            </a:fillRef>
+            <a:effectRef idx="0">
+              <a:schemeClr val="accent1"/>
+            </a:effectRef>
+            <a:fontRef idx="minor">
+              <a:schemeClr val="tx1"/>
+            </a:fontRef>
+          </p:style>
+        </p:cxnSp>
+        <p:cxnSp>
+          <p:nvCxnSpPr>
+            <p:cNvPr id="88" name="Gerade Verbindung mit Pfeil 87"/>
+            <p:cNvCxnSpPr>
+              <a:stCxn id="44" idx="0"/>
+              <a:endCxn id="63" idx="2"/>
+            </p:cNvCxnSpPr>
+            <p:nvPr/>
+          </p:nvCxnSpPr>
+          <p:spPr>
+            <a:xfrm>
+              <a:off x="6422125" y="2035487"/>
+              <a:ext cx="301875" cy="540420"/>
+            </a:xfrm>
+            <a:prstGeom prst="straightConnector1">
+              <a:avLst/>
+            </a:prstGeom>
+            <a:ln w="25400">
+              <a:solidFill>
+                <a:schemeClr val="accent1">
+                  <a:lumMod val="75000"/>
+                </a:schemeClr>
+              </a:solidFill>
+              <a:tailEnd type="triangle" w="lg" len="lg"/>
+            </a:ln>
+          </p:spPr>
+          <p:style>
+            <a:lnRef idx="1">
+              <a:schemeClr val="accent1"/>
+            </a:lnRef>
+            <a:fillRef idx="0">
+              <a:schemeClr val="accent1"/>
+            </a:fillRef>
+            <a:effectRef idx="0">
+              <a:schemeClr val="accent1"/>
+            </a:effectRef>
+            <a:fontRef idx="minor">
+              <a:schemeClr val="tx1"/>
+            </a:fontRef>
+          </p:style>
+        </p:cxnSp>
+        <p:cxnSp>
+          <p:nvCxnSpPr>
+            <p:cNvPr id="90" name="Gerade Verbindung mit Pfeil 89"/>
+            <p:cNvCxnSpPr>
+              <a:stCxn id="63" idx="2"/>
+              <a:endCxn id="66" idx="2"/>
+            </p:cNvCxnSpPr>
+            <p:nvPr/>
+          </p:nvCxnSpPr>
+          <p:spPr>
+            <a:xfrm flipH="1">
+              <a:off x="6447090" y="2575907"/>
+              <a:ext cx="276910" cy="823487"/>
+            </a:xfrm>
+            <a:prstGeom prst="straightConnector1">
+              <a:avLst/>
+            </a:prstGeom>
+            <a:ln w="25400">
+              <a:solidFill>
+                <a:schemeClr val="accent1">
+                  <a:lumMod val="75000"/>
+                </a:schemeClr>
+              </a:solidFill>
+              <a:tailEnd type="triangle" w="lg" len="lg"/>
+            </a:ln>
+          </p:spPr>
+          <p:style>
+            <a:lnRef idx="1">
+              <a:schemeClr val="accent1"/>
+            </a:lnRef>
+            <a:fillRef idx="0">
+              <a:schemeClr val="accent1"/>
+            </a:fillRef>
+            <a:effectRef idx="0">
+              <a:schemeClr val="accent1"/>
+            </a:effectRef>
+            <a:fontRef idx="minor">
+              <a:schemeClr val="tx1"/>
+            </a:fontRef>
+          </p:style>
+        </p:cxnSp>
+        <p:cxnSp>
+          <p:nvCxnSpPr>
+            <p:cNvPr id="92" name="Gerade Verbindung mit Pfeil 91"/>
+            <p:cNvCxnSpPr>
+              <a:stCxn id="66" idx="2"/>
+              <a:endCxn id="60" idx="3"/>
+            </p:cNvCxnSpPr>
+            <p:nvPr/>
+          </p:nvCxnSpPr>
+          <p:spPr>
+            <a:xfrm>
+              <a:off x="6447090" y="3399394"/>
+              <a:ext cx="430114" cy="669183"/>
+            </a:xfrm>
+            <a:prstGeom prst="straightConnector1">
+              <a:avLst/>
+            </a:prstGeom>
+            <a:ln w="25400">
+              <a:solidFill>
+                <a:schemeClr val="accent1">
+                  <a:lumMod val="75000"/>
+                </a:schemeClr>
+              </a:solidFill>
+              <a:tailEnd type="triangle" w="lg" len="lg"/>
+            </a:ln>
+          </p:spPr>
+          <p:style>
+            <a:lnRef idx="1">
+              <a:schemeClr val="accent1"/>
+            </a:lnRef>
+            <a:fillRef idx="0">
+              <a:schemeClr val="accent1"/>
+            </a:fillRef>
+            <a:effectRef idx="0">
+              <a:schemeClr val="accent1"/>
+            </a:effectRef>
+            <a:fontRef idx="minor">
+              <a:schemeClr val="tx1"/>
+            </a:fontRef>
+          </p:style>
+        </p:cxnSp>
+        <p:cxnSp>
+          <p:nvCxnSpPr>
+            <p:cNvPr id="94" name="Gerade Verbindung mit Pfeil 93"/>
+            <p:cNvCxnSpPr>
+              <a:stCxn id="60" idx="4"/>
+              <a:endCxn id="56" idx="5"/>
+            </p:cNvCxnSpPr>
+            <p:nvPr/>
+          </p:nvCxnSpPr>
+          <p:spPr>
+            <a:xfrm flipV="1">
+              <a:off x="6882423" y="3872904"/>
+              <a:ext cx="863641" cy="193511"/>
+            </a:xfrm>
+            <a:prstGeom prst="straightConnector1">
+              <a:avLst/>
+            </a:prstGeom>
+            <a:ln w="25400">
+              <a:solidFill>
+                <a:schemeClr val="accent1">
+                  <a:lumMod val="75000"/>
+                </a:schemeClr>
+              </a:solidFill>
+              <a:tailEnd type="triangle" w="lg" len="lg"/>
+            </a:ln>
+          </p:spPr>
+          <p:style>
+            <a:lnRef idx="1">
+              <a:schemeClr val="accent1"/>
+            </a:lnRef>
+            <a:fillRef idx="0">
+              <a:schemeClr val="accent1"/>
+            </a:fillRef>
+            <a:effectRef idx="0">
+              <a:schemeClr val="accent1"/>
+            </a:effectRef>
+            <a:fontRef idx="minor">
+              <a:schemeClr val="tx1"/>
+            </a:fontRef>
+          </p:style>
+        </p:cxnSp>
+        <p:cxnSp>
+          <p:nvCxnSpPr>
+            <p:cNvPr id="96" name="Gerade Verbindung mit Pfeil 95"/>
+            <p:cNvCxnSpPr>
+              <a:stCxn id="54" idx="1"/>
+              <a:endCxn id="63" idx="7"/>
+            </p:cNvCxnSpPr>
+            <p:nvPr/>
+          </p:nvCxnSpPr>
+          <p:spPr>
+            <a:xfrm flipH="1" flipV="1">
+              <a:off x="6736599" y="2581126"/>
+              <a:ext cx="952058" cy="1243988"/>
+            </a:xfrm>
+            <a:prstGeom prst="straightConnector1">
+              <a:avLst/>
+            </a:prstGeom>
+            <a:ln w="25400">
+              <a:solidFill>
+                <a:schemeClr val="accent1">
+                  <a:lumMod val="75000"/>
+                </a:schemeClr>
+              </a:solidFill>
+              <a:tailEnd type="triangle" w="lg" len="lg"/>
+            </a:ln>
+          </p:spPr>
+          <p:style>
+            <a:lnRef idx="1">
+              <a:schemeClr val="accent1"/>
+            </a:lnRef>
+            <a:fillRef idx="0">
+              <a:schemeClr val="accent1"/>
+            </a:fillRef>
+            <a:effectRef idx="0">
+              <a:schemeClr val="accent1"/>
+            </a:effectRef>
+            <a:fontRef idx="minor">
+              <a:schemeClr val="tx1"/>
+            </a:fontRef>
+          </p:style>
+        </p:cxnSp>
+        <p:cxnSp>
+          <p:nvCxnSpPr>
+            <p:cNvPr id="99" name="Gerade Verbindung mit Pfeil 98"/>
+            <p:cNvCxnSpPr>
+              <a:stCxn id="63" idx="0"/>
+              <a:endCxn id="52" idx="3"/>
+            </p:cNvCxnSpPr>
+            <p:nvPr/>
+          </p:nvCxnSpPr>
+          <p:spPr>
+            <a:xfrm flipV="1">
+              <a:off x="6731381" y="2374572"/>
+              <a:ext cx="1006775" cy="208716"/>
+            </a:xfrm>
+            <a:prstGeom prst="straightConnector1">
+              <a:avLst/>
+            </a:prstGeom>
+            <a:ln w="25400">
+              <a:solidFill>
+                <a:schemeClr val="accent1">
+                  <a:lumMod val="75000"/>
+                </a:schemeClr>
+              </a:solidFill>
+              <a:tailEnd type="triangle" w="lg" len="lg"/>
+            </a:ln>
+          </p:spPr>
+          <p:style>
+            <a:lnRef idx="1">
+              <a:schemeClr val="accent1"/>
+            </a:lnRef>
+            <a:fillRef idx="0">
+              <a:schemeClr val="accent1"/>
+            </a:fillRef>
+            <a:effectRef idx="0">
+              <a:schemeClr val="accent1"/>
+            </a:effectRef>
+            <a:fontRef idx="minor">
+              <a:schemeClr val="tx1"/>
+            </a:fontRef>
+          </p:style>
+        </p:cxnSp>
+        <p:cxnSp>
+          <p:nvCxnSpPr>
+            <p:cNvPr id="102" name="Gerade Verbindung mit Pfeil 101"/>
+            <p:cNvCxnSpPr>
+              <a:stCxn id="52" idx="6"/>
+              <a:endCxn id="48" idx="4"/>
+            </p:cNvCxnSpPr>
+            <p:nvPr/>
+          </p:nvCxnSpPr>
+          <p:spPr>
+            <a:xfrm flipH="1" flipV="1">
+              <a:off x="7306963" y="1766724"/>
+              <a:ext cx="443792" cy="613066"/>
+            </a:xfrm>
+            <a:prstGeom prst="straightConnector1">
+              <a:avLst/>
+            </a:prstGeom>
+            <a:ln w="25400">
+              <a:solidFill>
+                <a:schemeClr val="accent1">
+                  <a:lumMod val="75000"/>
+                </a:schemeClr>
+              </a:solidFill>
+              <a:tailEnd type="triangle" w="lg" len="lg"/>
+            </a:ln>
+          </p:spPr>
+          <p:style>
+            <a:lnRef idx="1">
+              <a:schemeClr val="accent1"/>
+            </a:lnRef>
+            <a:fillRef idx="0">
+              <a:schemeClr val="accent1"/>
+            </a:fillRef>
+            <a:effectRef idx="0">
+              <a:schemeClr val="accent1"/>
+            </a:effectRef>
+            <a:fontRef idx="minor">
+              <a:schemeClr val="tx1"/>
+            </a:fontRef>
+          </p:style>
+        </p:cxnSp>
+      </p:grpSp>
+      <p:grpSp>
+        <p:nvGrpSpPr>
+          <p:cNvPr id="109" name="Tour"/>
+          <p:cNvGrpSpPr/>
+          <p:nvPr/>
+        </p:nvGrpSpPr>
+        <p:grpSpPr>
+          <a:xfrm>
+            <a:off x="6483321" y="1573036"/>
+            <a:ext cx="1333849" cy="2301853"/>
+            <a:chOff x="6416906" y="1766724"/>
+            <a:chExt cx="1333849" cy="2301853"/>
+          </a:xfrm>
+        </p:grpSpPr>
+        <p:cxnSp>
+          <p:nvCxnSpPr>
+            <p:cNvPr id="110" name="Gerade Verbindung mit Pfeil 109"/>
+            <p:cNvCxnSpPr/>
+            <p:nvPr/>
+          </p:nvCxnSpPr>
+          <p:spPr>
+            <a:xfrm flipH="1">
+              <a:off x="6416906" y="1768886"/>
+              <a:ext cx="895275" cy="254002"/>
+            </a:xfrm>
+            <a:prstGeom prst="straightConnector1">
+              <a:avLst/>
+            </a:prstGeom>
+            <a:ln w="25400">
+              <a:solidFill>
+                <a:schemeClr val="accent1">
+                  <a:lumMod val="75000"/>
+                </a:schemeClr>
+              </a:solidFill>
+              <a:tailEnd type="triangle" w="lg" len="lg"/>
+            </a:ln>
+          </p:spPr>
+          <p:style>
+            <a:lnRef idx="1">
+              <a:schemeClr val="accent1"/>
+            </a:lnRef>
+            <a:fillRef idx="0">
+              <a:schemeClr val="accent1"/>
+            </a:fillRef>
+            <a:effectRef idx="0">
+              <a:schemeClr val="accent1"/>
+            </a:effectRef>
+            <a:fontRef idx="minor">
+              <a:schemeClr val="tx1"/>
+            </a:fontRef>
+          </p:style>
+        </p:cxnSp>
+        <p:cxnSp>
+          <p:nvCxnSpPr>
+            <p:cNvPr id="111" name="Gerade Verbindung mit Pfeil 110"/>
+            <p:cNvCxnSpPr/>
+            <p:nvPr/>
+          </p:nvCxnSpPr>
+          <p:spPr>
+            <a:xfrm>
+              <a:off x="6422125" y="2035487"/>
+              <a:ext cx="301875" cy="540420"/>
+            </a:xfrm>
+            <a:prstGeom prst="straightConnector1">
+              <a:avLst/>
+            </a:prstGeom>
+            <a:ln w="25400">
+              <a:solidFill>
+                <a:schemeClr val="accent1">
+                  <a:lumMod val="75000"/>
+                </a:schemeClr>
+              </a:solidFill>
+              <a:tailEnd type="triangle" w="lg" len="lg"/>
+            </a:ln>
+          </p:spPr>
+          <p:style>
+            <a:lnRef idx="1">
+              <a:schemeClr val="accent1"/>
+            </a:lnRef>
+            <a:fillRef idx="0">
+              <a:schemeClr val="accent1"/>
+            </a:fillRef>
+            <a:effectRef idx="0">
+              <a:schemeClr val="accent1"/>
+            </a:effectRef>
+            <a:fontRef idx="minor">
+              <a:schemeClr val="tx1"/>
+            </a:fontRef>
+          </p:style>
+        </p:cxnSp>
+        <p:cxnSp>
+          <p:nvCxnSpPr>
+            <p:cNvPr id="112" name="Gerade Verbindung mit Pfeil 111"/>
+            <p:cNvCxnSpPr/>
+            <p:nvPr/>
+          </p:nvCxnSpPr>
+          <p:spPr>
+            <a:xfrm flipH="1">
+              <a:off x="6447090" y="2575907"/>
+              <a:ext cx="276910" cy="823487"/>
+            </a:xfrm>
+            <a:prstGeom prst="straightConnector1">
+              <a:avLst/>
+            </a:prstGeom>
+            <a:ln w="25400">
+              <a:solidFill>
+                <a:schemeClr val="accent1">
+                  <a:lumMod val="75000"/>
+                </a:schemeClr>
+              </a:solidFill>
+              <a:tailEnd type="triangle" w="lg" len="lg"/>
+            </a:ln>
+          </p:spPr>
+          <p:style>
+            <a:lnRef idx="1">
+              <a:schemeClr val="accent1"/>
+            </a:lnRef>
+            <a:fillRef idx="0">
+              <a:schemeClr val="accent1"/>
+            </a:fillRef>
+            <a:effectRef idx="0">
+              <a:schemeClr val="accent1"/>
+            </a:effectRef>
+            <a:fontRef idx="minor">
+              <a:schemeClr val="tx1"/>
+            </a:fontRef>
+          </p:style>
+        </p:cxnSp>
+        <p:cxnSp>
+          <p:nvCxnSpPr>
+            <p:cNvPr id="113" name="Gerade Verbindung mit Pfeil 112"/>
+            <p:cNvCxnSpPr/>
+            <p:nvPr/>
+          </p:nvCxnSpPr>
+          <p:spPr>
+            <a:xfrm>
+              <a:off x="6447090" y="3399394"/>
+              <a:ext cx="430114" cy="669183"/>
+            </a:xfrm>
+            <a:prstGeom prst="straightConnector1">
+              <a:avLst/>
+            </a:prstGeom>
+            <a:ln w="25400">
+              <a:solidFill>
+                <a:schemeClr val="accent1">
+                  <a:lumMod val="75000"/>
+                </a:schemeClr>
+              </a:solidFill>
+              <a:tailEnd type="triangle" w="lg" len="lg"/>
+            </a:ln>
+          </p:spPr>
+          <p:style>
+            <a:lnRef idx="1">
+              <a:schemeClr val="accent1"/>
+            </a:lnRef>
+            <a:fillRef idx="0">
+              <a:schemeClr val="accent1"/>
+            </a:fillRef>
+            <a:effectRef idx="0">
+              <a:schemeClr val="accent1"/>
+            </a:effectRef>
+            <a:fontRef idx="minor">
+              <a:schemeClr val="tx1"/>
+            </a:fontRef>
+          </p:style>
+        </p:cxnSp>
+        <p:cxnSp>
+          <p:nvCxnSpPr>
+            <p:cNvPr id="114" name="Gerade Verbindung mit Pfeil 113"/>
+            <p:cNvCxnSpPr/>
+            <p:nvPr/>
+          </p:nvCxnSpPr>
+          <p:spPr>
+            <a:xfrm flipV="1">
+              <a:off x="6882423" y="3872904"/>
+              <a:ext cx="863641" cy="193511"/>
+            </a:xfrm>
+            <a:prstGeom prst="straightConnector1">
+              <a:avLst/>
+            </a:prstGeom>
+            <a:ln w="25400">
+              <a:solidFill>
+                <a:schemeClr val="accent1">
+                  <a:lumMod val="75000"/>
+                </a:schemeClr>
+              </a:solidFill>
+              <a:tailEnd type="triangle" w="lg" len="lg"/>
+            </a:ln>
+          </p:spPr>
+          <p:style>
+            <a:lnRef idx="1">
+              <a:schemeClr val="accent1"/>
+            </a:lnRef>
+            <a:fillRef idx="0">
+              <a:schemeClr val="accent1"/>
+            </a:fillRef>
+            <a:effectRef idx="0">
+              <a:schemeClr val="accent1"/>
+            </a:effectRef>
+            <a:fontRef idx="minor">
+              <a:schemeClr val="tx1"/>
+            </a:fontRef>
+          </p:style>
+        </p:cxnSp>
+        <p:cxnSp>
+          <p:nvCxnSpPr>
+            <p:cNvPr id="116" name="Gerade Verbindung mit Pfeil 115"/>
+            <p:cNvCxnSpPr/>
+            <p:nvPr/>
+          </p:nvCxnSpPr>
+          <p:spPr>
+            <a:xfrm flipH="1" flipV="1">
+              <a:off x="7743374" y="2413786"/>
+              <a:ext cx="5218" cy="1436304"/>
+            </a:xfrm>
+            <a:prstGeom prst="straightConnector1">
+              <a:avLst/>
+            </a:prstGeom>
+            <a:ln w="25400">
+              <a:solidFill>
+                <a:schemeClr val="accent1">
+                  <a:lumMod val="75000"/>
+                </a:schemeClr>
+              </a:solidFill>
+              <a:tailEnd type="triangle" w="lg" len="lg"/>
+            </a:ln>
+          </p:spPr>
+          <p:style>
+            <a:lnRef idx="1">
+              <a:schemeClr val="accent1"/>
+            </a:lnRef>
+            <a:fillRef idx="0">
+              <a:schemeClr val="accent1"/>
+            </a:fillRef>
+            <a:effectRef idx="0">
+              <a:schemeClr val="accent1"/>
+            </a:effectRef>
+            <a:fontRef idx="minor">
+              <a:schemeClr val="tx1"/>
+            </a:fontRef>
+          </p:style>
+        </p:cxnSp>
+        <p:cxnSp>
+          <p:nvCxnSpPr>
+            <p:cNvPr id="117" name="Gerade Verbindung mit Pfeil 116"/>
+            <p:cNvCxnSpPr/>
+            <p:nvPr/>
+          </p:nvCxnSpPr>
+          <p:spPr>
+            <a:xfrm flipH="1" flipV="1">
+              <a:off x="7306963" y="1766724"/>
+              <a:ext cx="443792" cy="613066"/>
+            </a:xfrm>
+            <a:prstGeom prst="straightConnector1">
+              <a:avLst/>
+            </a:prstGeom>
+            <a:ln w="25400">
+              <a:solidFill>
+                <a:schemeClr val="accent1">
+                  <a:lumMod val="75000"/>
+                </a:schemeClr>
+              </a:solidFill>
+              <a:tailEnd type="triangle" w="lg" len="lg"/>
+            </a:ln>
+          </p:spPr>
+          <p:style>
+            <a:lnRef idx="1">
+              <a:schemeClr val="accent1"/>
+            </a:lnRef>
+            <a:fillRef idx="0">
+              <a:schemeClr val="accent1"/>
+            </a:fillRef>
+            <a:effectRef idx="0">
+              <a:schemeClr val="accent1"/>
+            </a:effectRef>
+            <a:fontRef idx="minor">
+              <a:schemeClr val="tx1"/>
+            </a:fontRef>
+          </p:style>
+        </p:cxnSp>
+      </p:grpSp>
+      <p:grpSp>
+        <p:nvGrpSpPr>
+          <p:cNvPr id="25" name="Places"/>
+          <p:cNvGrpSpPr/>
+          <p:nvPr/>
+        </p:nvGrpSpPr>
+        <p:grpSpPr>
+          <a:xfrm>
+            <a:off x="6417263" y="1513171"/>
+            <a:ext cx="1468860" cy="2447301"/>
+            <a:chOff x="6348319" y="1699479"/>
+            <a:chExt cx="1468860" cy="2447301"/>
+          </a:xfrm>
+        </p:grpSpPr>
+        <p:grpSp>
+          <p:nvGrpSpPr>
+            <p:cNvPr id="41" name="Gruppieren 40"/>
+            <p:cNvGrpSpPr/>
+            <p:nvPr/>
+          </p:nvGrpSpPr>
+          <p:grpSpPr>
+            <a:xfrm>
+              <a:off x="6348319" y="1953481"/>
+              <a:ext cx="147610" cy="147610"/>
+              <a:chOff x="2730500" y="2292350"/>
+              <a:chExt cx="457200" cy="457200"/>
+            </a:xfrm>
+            <a:solidFill>
+              <a:schemeClr val="tx1"/>
+            </a:solidFill>
+          </p:grpSpPr>
+          <p:sp>
+            <p:nvSpPr>
+              <p:cNvPr id="42" name="Ellipse 41"/>
+              <p:cNvSpPr/>
+              <p:nvPr/>
+            </p:nvSpPr>
+            <p:spPr>
+              <a:xfrm>
+                <a:off x="2730500" y="2292350"/>
+                <a:ext cx="457200" cy="457200"/>
+              </a:xfrm>
+              <a:prstGeom prst="ellipse">
+                <a:avLst/>
+              </a:prstGeom>
+              <a:grpFill/>
+              <a:ln>
+                <a:noFill/>
+              </a:ln>
+            </p:spPr>
+            <p:style>
+              <a:lnRef idx="2">
+                <a:schemeClr val="accent1">
+                  <a:shade val="50000"/>
+                </a:schemeClr>
+              </a:lnRef>
+              <a:fillRef idx="1">
+                <a:schemeClr val="accent1"/>
+              </a:fillRef>
+              <a:effectRef idx="0">
+                <a:schemeClr val="accent1"/>
+              </a:effectRef>
+              <a:fontRef idx="minor">
+                <a:schemeClr val="lt1"/>
+              </a:fontRef>
+            </p:style>
+            <p:txBody>
+              <a:bodyPr rtlCol="0" anchor="ctr"/>
+              <a:lstStyle/>
+              <a:p>
+                <a:pPr algn="ctr"/>
+                <a:endParaRPr lang="en-GB"/>
+              </a:p>
+            </p:txBody>
+          </p:sp>
+          <p:sp>
+            <p:nvSpPr>
+              <p:cNvPr id="44" name="Ellipse 43"/>
+              <p:cNvSpPr/>
+              <p:nvPr/>
+            </p:nvSpPr>
+            <p:spPr>
+              <a:xfrm flipV="1">
+                <a:off x="2936240" y="2500631"/>
+                <a:ext cx="45719" cy="45719"/>
+              </a:xfrm>
+              <a:prstGeom prst="ellipse">
+                <a:avLst/>
+              </a:prstGeom>
+              <a:grpFill/>
+              <a:ln>
+                <a:noFill/>
+              </a:ln>
+            </p:spPr>
+            <p:style>
+              <a:lnRef idx="2">
+                <a:schemeClr val="accent1">
+                  <a:shade val="50000"/>
+                </a:schemeClr>
+              </a:lnRef>
+              <a:fillRef idx="1">
+                <a:schemeClr val="accent1"/>
+              </a:fillRef>
+              <a:effectRef idx="0">
+                <a:schemeClr val="accent1"/>
+              </a:effectRef>
+              <a:fontRef idx="minor">
+                <a:schemeClr val="lt1"/>
+              </a:fontRef>
+            </p:style>
+            <p:txBody>
+              <a:bodyPr rtlCol="0" anchor="ctr"/>
+              <a:lstStyle/>
+              <a:p>
+                <a:pPr algn="ctr"/>
+                <a:endParaRPr lang="en-GB"/>
+              </a:p>
+            </p:txBody>
+          </p:sp>
+        </p:grpSp>
+        <p:grpSp>
+          <p:nvGrpSpPr>
+            <p:cNvPr id="45" name="Gruppieren 44"/>
+            <p:cNvGrpSpPr/>
+            <p:nvPr/>
+          </p:nvGrpSpPr>
+          <p:grpSpPr>
+            <a:xfrm>
+              <a:off x="7233157" y="1699479"/>
+              <a:ext cx="147610" cy="147610"/>
+              <a:chOff x="2730500" y="2292350"/>
+              <a:chExt cx="457200" cy="457200"/>
+            </a:xfrm>
+            <a:solidFill>
+              <a:schemeClr val="tx1"/>
+            </a:solidFill>
+          </p:grpSpPr>
+          <p:sp>
+            <p:nvSpPr>
+              <p:cNvPr id="47" name="Ellipse 46"/>
+              <p:cNvSpPr/>
+              <p:nvPr/>
+            </p:nvSpPr>
+            <p:spPr>
+              <a:xfrm>
+                <a:off x="2730500" y="2292350"/>
+                <a:ext cx="457200" cy="457200"/>
+              </a:xfrm>
+              <a:prstGeom prst="ellipse">
+                <a:avLst/>
+              </a:prstGeom>
+              <a:grpFill/>
+              <a:ln>
+                <a:noFill/>
+              </a:ln>
+            </p:spPr>
+            <p:style>
+              <a:lnRef idx="2">
+                <a:schemeClr val="accent1">
+                  <a:shade val="50000"/>
+                </a:schemeClr>
+              </a:lnRef>
+              <a:fillRef idx="1">
+                <a:schemeClr val="accent1"/>
+              </a:fillRef>
+              <a:effectRef idx="0">
+                <a:schemeClr val="accent1"/>
+              </a:effectRef>
+              <a:fontRef idx="minor">
+                <a:schemeClr val="lt1"/>
+              </a:fontRef>
+            </p:style>
+            <p:txBody>
+              <a:bodyPr rtlCol="0" anchor="ctr"/>
+              <a:lstStyle/>
+              <a:p>
+                <a:pPr algn="ctr"/>
+                <a:endParaRPr lang="en-GB"/>
+              </a:p>
+            </p:txBody>
+          </p:sp>
+          <p:sp>
+            <p:nvSpPr>
+              <p:cNvPr id="48" name="Ellipse 47"/>
+              <p:cNvSpPr/>
+              <p:nvPr/>
+            </p:nvSpPr>
+            <p:spPr>
+              <a:xfrm flipV="1">
+                <a:off x="2936242" y="2500631"/>
+                <a:ext cx="45720" cy="45720"/>
+              </a:xfrm>
+              <a:prstGeom prst="ellipse">
+                <a:avLst/>
+              </a:prstGeom>
+              <a:grpFill/>
+              <a:ln>
+                <a:noFill/>
+              </a:ln>
+            </p:spPr>
+            <p:style>
+              <a:lnRef idx="2">
+                <a:schemeClr val="accent1">
+                  <a:shade val="50000"/>
+                </a:schemeClr>
+              </a:lnRef>
+              <a:fillRef idx="1">
+                <a:schemeClr val="accent1"/>
+              </a:fillRef>
+              <a:effectRef idx="0">
+                <a:schemeClr val="accent1"/>
+              </a:effectRef>
+              <a:fontRef idx="minor">
+                <a:schemeClr val="lt1"/>
+              </a:fontRef>
+            </p:style>
+            <p:txBody>
+              <a:bodyPr rtlCol="0" anchor="ctr"/>
+              <a:lstStyle/>
+              <a:p>
+                <a:pPr algn="ctr"/>
+                <a:endParaRPr lang="en-GB"/>
+              </a:p>
+            </p:txBody>
+          </p:sp>
+        </p:grpSp>
+        <p:grpSp>
+          <p:nvGrpSpPr>
+            <p:cNvPr id="49" name="Gruppieren 48"/>
+            <p:cNvGrpSpPr/>
+            <p:nvPr/>
+          </p:nvGrpSpPr>
+          <p:grpSpPr>
+            <a:xfrm>
+              <a:off x="7669569" y="2305165"/>
+              <a:ext cx="147610" cy="147610"/>
+              <a:chOff x="2730500" y="2292350"/>
+              <a:chExt cx="457200" cy="457200"/>
+            </a:xfrm>
+            <a:solidFill>
+              <a:schemeClr val="tx1"/>
+            </a:solidFill>
+          </p:grpSpPr>
+          <p:sp>
+            <p:nvSpPr>
+              <p:cNvPr id="51" name="Ellipse 50"/>
+              <p:cNvSpPr/>
+              <p:nvPr/>
+            </p:nvSpPr>
+            <p:spPr>
+              <a:xfrm>
+                <a:off x="2730500" y="2292350"/>
+                <a:ext cx="457200" cy="457200"/>
+              </a:xfrm>
+              <a:prstGeom prst="ellipse">
+                <a:avLst/>
+              </a:prstGeom>
+              <a:grpFill/>
+              <a:ln>
+                <a:noFill/>
+              </a:ln>
+            </p:spPr>
+            <p:style>
+              <a:lnRef idx="2">
+                <a:schemeClr val="accent1">
+                  <a:shade val="50000"/>
+                </a:schemeClr>
+              </a:lnRef>
+              <a:fillRef idx="1">
+                <a:schemeClr val="accent1"/>
+              </a:fillRef>
+              <a:effectRef idx="0">
+                <a:schemeClr val="accent1"/>
+              </a:effectRef>
+              <a:fontRef idx="minor">
+                <a:schemeClr val="lt1"/>
+              </a:fontRef>
+            </p:style>
+            <p:txBody>
+              <a:bodyPr rtlCol="0" anchor="ctr"/>
+              <a:lstStyle/>
+              <a:p>
+                <a:pPr algn="ctr"/>
+                <a:endParaRPr lang="en-GB"/>
+              </a:p>
+            </p:txBody>
+          </p:sp>
+          <p:sp>
+            <p:nvSpPr>
+              <p:cNvPr id="52" name="Ellipse 51"/>
+              <p:cNvSpPr/>
+              <p:nvPr/>
+            </p:nvSpPr>
+            <p:spPr>
+              <a:xfrm flipV="1">
+                <a:off x="2936240" y="2500631"/>
+                <a:ext cx="45719" cy="45719"/>
+              </a:xfrm>
+              <a:prstGeom prst="ellipse">
+                <a:avLst/>
+              </a:prstGeom>
+              <a:grpFill/>
+              <a:ln>
+                <a:noFill/>
+              </a:ln>
+            </p:spPr>
+            <p:style>
+              <a:lnRef idx="2">
+                <a:schemeClr val="accent1">
+                  <a:shade val="50000"/>
+                </a:schemeClr>
+              </a:lnRef>
+              <a:fillRef idx="1">
+                <a:schemeClr val="accent1"/>
+              </a:fillRef>
+              <a:effectRef idx="0">
+                <a:schemeClr val="accent1"/>
+              </a:effectRef>
+              <a:fontRef idx="minor">
+                <a:schemeClr val="lt1"/>
+              </a:fontRef>
+            </p:style>
+            <p:txBody>
+              <a:bodyPr rtlCol="0" anchor="ctr"/>
+              <a:lstStyle/>
+              <a:p>
+                <a:pPr algn="ctr"/>
+                <a:endParaRPr lang="en-GB"/>
+              </a:p>
+            </p:txBody>
+          </p:sp>
+        </p:grpSp>
+        <p:grpSp>
+          <p:nvGrpSpPr>
+            <p:cNvPr id="53" name="Gruppieren 52"/>
+            <p:cNvGrpSpPr/>
+            <p:nvPr/>
+          </p:nvGrpSpPr>
+          <p:grpSpPr>
+            <a:xfrm>
+              <a:off x="7667040" y="3803497"/>
+              <a:ext cx="147610" cy="147610"/>
+              <a:chOff x="2730500" y="2292350"/>
+              <a:chExt cx="457200" cy="457200"/>
+            </a:xfrm>
+            <a:solidFill>
+              <a:schemeClr val="tx1"/>
+            </a:solidFill>
+          </p:grpSpPr>
+          <p:sp>
+            <p:nvSpPr>
+              <p:cNvPr id="54" name="Ellipse 53"/>
+              <p:cNvSpPr/>
+              <p:nvPr/>
+            </p:nvSpPr>
+            <p:spPr>
+              <a:xfrm>
+                <a:off x="2730500" y="2292350"/>
+                <a:ext cx="457200" cy="457200"/>
+              </a:xfrm>
+              <a:prstGeom prst="ellipse">
+                <a:avLst/>
+              </a:prstGeom>
+              <a:grpFill/>
+              <a:ln>
+                <a:noFill/>
+              </a:ln>
+            </p:spPr>
+            <p:style>
+              <a:lnRef idx="2">
+                <a:schemeClr val="accent1">
+                  <a:shade val="50000"/>
+                </a:schemeClr>
+              </a:lnRef>
+              <a:fillRef idx="1">
+                <a:schemeClr val="accent1"/>
+              </a:fillRef>
+              <a:effectRef idx="0">
+                <a:schemeClr val="accent1"/>
+              </a:effectRef>
+              <a:fontRef idx="minor">
+                <a:schemeClr val="lt1"/>
+              </a:fontRef>
+            </p:style>
+            <p:txBody>
+              <a:bodyPr rtlCol="0" anchor="ctr"/>
+              <a:lstStyle/>
+              <a:p>
+                <a:pPr algn="ctr"/>
+                <a:endParaRPr lang="en-GB"/>
+              </a:p>
+            </p:txBody>
+          </p:sp>
+          <p:sp>
+            <p:nvSpPr>
+              <p:cNvPr id="56" name="Ellipse 55"/>
+              <p:cNvSpPr/>
+              <p:nvPr/>
+            </p:nvSpPr>
+            <p:spPr>
+              <a:xfrm flipV="1">
+                <a:off x="2936240" y="2500631"/>
+                <a:ext cx="45719" cy="45719"/>
+              </a:xfrm>
+              <a:prstGeom prst="ellipse">
+                <a:avLst/>
+              </a:prstGeom>
+              <a:grpFill/>
+              <a:ln>
+                <a:noFill/>
+              </a:ln>
+            </p:spPr>
+            <p:style>
+              <a:lnRef idx="2">
+                <a:schemeClr val="accent1">
+                  <a:shade val="50000"/>
+                </a:schemeClr>
+              </a:lnRef>
+              <a:fillRef idx="1">
+                <a:schemeClr val="accent1"/>
+              </a:fillRef>
+              <a:effectRef idx="0">
+                <a:schemeClr val="accent1"/>
+              </a:effectRef>
+              <a:fontRef idx="minor">
+                <a:schemeClr val="lt1"/>
+              </a:fontRef>
+            </p:style>
+            <p:txBody>
+              <a:bodyPr rtlCol="0" anchor="ctr"/>
+              <a:lstStyle/>
+              <a:p>
+                <a:pPr algn="ctr"/>
+                <a:endParaRPr lang="en-GB"/>
+              </a:p>
+            </p:txBody>
+          </p:sp>
+        </p:grpSp>
+        <p:grpSp>
+          <p:nvGrpSpPr>
+            <p:cNvPr id="58" name="Gruppieren 57"/>
+            <p:cNvGrpSpPr/>
+            <p:nvPr/>
+          </p:nvGrpSpPr>
+          <p:grpSpPr>
+            <a:xfrm>
+              <a:off x="6808617" y="3999170"/>
+              <a:ext cx="147610" cy="147610"/>
+              <a:chOff x="2730500" y="2292350"/>
+              <a:chExt cx="457200" cy="457200"/>
+            </a:xfrm>
+            <a:solidFill>
+              <a:schemeClr val="tx1"/>
+            </a:solidFill>
+          </p:grpSpPr>
+          <p:sp>
+            <p:nvSpPr>
+              <p:cNvPr id="59" name="Ellipse 58"/>
+              <p:cNvSpPr/>
+              <p:nvPr/>
+            </p:nvSpPr>
+            <p:spPr>
+              <a:xfrm>
+                <a:off x="2730500" y="2292350"/>
+                <a:ext cx="457200" cy="457200"/>
+              </a:xfrm>
+              <a:prstGeom prst="ellipse">
+                <a:avLst/>
+              </a:prstGeom>
+              <a:grpFill/>
+              <a:ln>
+                <a:noFill/>
+              </a:ln>
+            </p:spPr>
+            <p:style>
+              <a:lnRef idx="2">
+                <a:schemeClr val="accent1">
+                  <a:shade val="50000"/>
+                </a:schemeClr>
+              </a:lnRef>
+              <a:fillRef idx="1">
+                <a:schemeClr val="accent1"/>
+              </a:fillRef>
+              <a:effectRef idx="0">
+                <a:schemeClr val="accent1"/>
+              </a:effectRef>
+              <a:fontRef idx="minor">
+                <a:schemeClr val="lt1"/>
+              </a:fontRef>
+            </p:style>
+            <p:txBody>
+              <a:bodyPr rtlCol="0" anchor="ctr"/>
+              <a:lstStyle/>
+              <a:p>
+                <a:pPr algn="ctr"/>
+                <a:endParaRPr lang="en-GB"/>
+              </a:p>
+            </p:txBody>
+          </p:sp>
+          <p:sp>
+            <p:nvSpPr>
+              <p:cNvPr id="60" name="Ellipse 59"/>
+              <p:cNvSpPr/>
+              <p:nvPr/>
+            </p:nvSpPr>
+            <p:spPr>
+              <a:xfrm flipV="1">
+                <a:off x="2936240" y="2500631"/>
+                <a:ext cx="45719" cy="45719"/>
+              </a:xfrm>
+              <a:prstGeom prst="ellipse">
+                <a:avLst/>
+              </a:prstGeom>
+              <a:grpFill/>
+              <a:ln>
+                <a:noFill/>
+              </a:ln>
+            </p:spPr>
+            <p:style>
+              <a:lnRef idx="2">
+                <a:schemeClr val="accent1">
+                  <a:shade val="50000"/>
+                </a:schemeClr>
+              </a:lnRef>
+              <a:fillRef idx="1">
+                <a:schemeClr val="accent1"/>
+              </a:fillRef>
+              <a:effectRef idx="0">
+                <a:schemeClr val="accent1"/>
+              </a:effectRef>
+              <a:fontRef idx="minor">
+                <a:schemeClr val="lt1"/>
+              </a:fontRef>
+            </p:style>
+            <p:txBody>
+              <a:bodyPr rtlCol="0" anchor="ctr"/>
+              <a:lstStyle/>
+              <a:p>
+                <a:pPr algn="ctr"/>
+                <a:endParaRPr lang="en-GB"/>
+              </a:p>
+            </p:txBody>
+          </p:sp>
+        </p:grpSp>
+        <p:grpSp>
+          <p:nvGrpSpPr>
+            <p:cNvPr id="61" name="Gruppieren 60"/>
+            <p:cNvGrpSpPr/>
+            <p:nvPr/>
+          </p:nvGrpSpPr>
+          <p:grpSpPr>
+            <a:xfrm>
+              <a:off x="6657575" y="2501282"/>
+              <a:ext cx="147610" cy="147610"/>
+              <a:chOff x="2730500" y="2292350"/>
+              <a:chExt cx="457200" cy="457200"/>
+            </a:xfrm>
+            <a:solidFill>
+              <a:schemeClr val="tx1"/>
+            </a:solidFill>
+          </p:grpSpPr>
+          <p:sp>
+            <p:nvSpPr>
+              <p:cNvPr id="62" name="Ellipse 61"/>
+              <p:cNvSpPr/>
+              <p:nvPr/>
+            </p:nvSpPr>
+            <p:spPr>
+              <a:xfrm>
+                <a:off x="2730500" y="2292350"/>
+                <a:ext cx="457200" cy="457200"/>
+              </a:xfrm>
+              <a:prstGeom prst="ellipse">
+                <a:avLst/>
+              </a:prstGeom>
+              <a:grpFill/>
+              <a:ln>
+                <a:noFill/>
+              </a:ln>
+            </p:spPr>
+            <p:style>
+              <a:lnRef idx="2">
+                <a:schemeClr val="accent1">
+                  <a:shade val="50000"/>
+                </a:schemeClr>
+              </a:lnRef>
+              <a:fillRef idx="1">
+                <a:schemeClr val="accent1"/>
+              </a:fillRef>
+              <a:effectRef idx="0">
+                <a:schemeClr val="accent1"/>
+              </a:effectRef>
+              <a:fontRef idx="minor">
+                <a:schemeClr val="lt1"/>
+              </a:fontRef>
+            </p:style>
+            <p:txBody>
+              <a:bodyPr rtlCol="0" anchor="ctr"/>
+              <a:lstStyle/>
+              <a:p>
+                <a:pPr algn="ctr"/>
+                <a:endParaRPr lang="en-GB"/>
+              </a:p>
+            </p:txBody>
+          </p:sp>
+          <p:sp>
+            <p:nvSpPr>
+              <p:cNvPr id="63" name="Ellipse 62"/>
+              <p:cNvSpPr/>
+              <p:nvPr/>
+            </p:nvSpPr>
+            <p:spPr>
+              <a:xfrm flipV="1">
+                <a:off x="2936240" y="2500631"/>
+                <a:ext cx="45719" cy="45719"/>
+              </a:xfrm>
+              <a:prstGeom prst="ellipse">
+                <a:avLst/>
+              </a:prstGeom>
+              <a:grpFill/>
+              <a:ln>
+                <a:noFill/>
+              </a:ln>
+            </p:spPr>
+            <p:style>
+              <a:lnRef idx="2">
+                <a:schemeClr val="accent1">
+                  <a:shade val="50000"/>
+                </a:schemeClr>
+              </a:lnRef>
+              <a:fillRef idx="1">
+                <a:schemeClr val="accent1"/>
+              </a:fillRef>
+              <a:effectRef idx="0">
+                <a:schemeClr val="accent1"/>
+              </a:effectRef>
+              <a:fontRef idx="minor">
+                <a:schemeClr val="lt1"/>
+              </a:fontRef>
+            </p:style>
+            <p:txBody>
+              <a:bodyPr rtlCol="0" anchor="ctr"/>
+              <a:lstStyle/>
+              <a:p>
+                <a:pPr algn="ctr"/>
+                <a:endParaRPr lang="en-GB"/>
+              </a:p>
+            </p:txBody>
+          </p:sp>
+        </p:grpSp>
+        <p:grpSp>
+          <p:nvGrpSpPr>
+            <p:cNvPr id="64" name="Gruppieren 63"/>
+            <p:cNvGrpSpPr/>
+            <p:nvPr/>
+          </p:nvGrpSpPr>
+          <p:grpSpPr>
+            <a:xfrm>
+              <a:off x="6380665" y="3324769"/>
+              <a:ext cx="147610" cy="147610"/>
+              <a:chOff x="2730500" y="2292350"/>
+              <a:chExt cx="457200" cy="457200"/>
+            </a:xfrm>
+            <a:solidFill>
+              <a:schemeClr val="tx1"/>
+            </a:solidFill>
+          </p:grpSpPr>
+          <p:sp>
+            <p:nvSpPr>
+              <p:cNvPr id="65" name="Ellipse 64"/>
+              <p:cNvSpPr/>
+              <p:nvPr/>
+            </p:nvSpPr>
+            <p:spPr>
+              <a:xfrm>
+                <a:off x="2730500" y="2292350"/>
+                <a:ext cx="457200" cy="457200"/>
+              </a:xfrm>
+              <a:prstGeom prst="ellipse">
+                <a:avLst/>
+              </a:prstGeom>
+              <a:grpFill/>
+              <a:ln>
+                <a:noFill/>
+              </a:ln>
+            </p:spPr>
+            <p:style>
+              <a:lnRef idx="2">
+                <a:schemeClr val="accent1">
+                  <a:shade val="50000"/>
+                </a:schemeClr>
+              </a:lnRef>
+              <a:fillRef idx="1">
+                <a:schemeClr val="accent1"/>
+              </a:fillRef>
+              <a:effectRef idx="0">
+                <a:schemeClr val="accent1"/>
+              </a:effectRef>
+              <a:fontRef idx="minor">
+                <a:schemeClr val="lt1"/>
+              </a:fontRef>
+            </p:style>
+            <p:txBody>
+              <a:bodyPr rtlCol="0" anchor="ctr"/>
+              <a:lstStyle/>
+              <a:p>
+                <a:pPr algn="ctr"/>
+                <a:endParaRPr lang="en-GB"/>
+              </a:p>
+            </p:txBody>
+          </p:sp>
+          <p:sp>
+            <p:nvSpPr>
+              <p:cNvPr id="66" name="Ellipse 65"/>
+              <p:cNvSpPr/>
+              <p:nvPr/>
+            </p:nvSpPr>
+            <p:spPr>
+              <a:xfrm flipV="1">
+                <a:off x="2936240" y="2500631"/>
+                <a:ext cx="45719" cy="45719"/>
+              </a:xfrm>
+              <a:prstGeom prst="ellipse">
+                <a:avLst/>
+              </a:prstGeom>
+              <a:grpFill/>
+              <a:ln>
+                <a:noFill/>
+              </a:ln>
+            </p:spPr>
+            <p:style>
+              <a:lnRef idx="2">
+                <a:schemeClr val="accent1">
+                  <a:shade val="50000"/>
+                </a:schemeClr>
+              </a:lnRef>
+              <a:fillRef idx="1">
+                <a:schemeClr val="accent1"/>
+              </a:fillRef>
+              <a:effectRef idx="0">
+                <a:schemeClr val="accent1"/>
+              </a:effectRef>
+              <a:fontRef idx="minor">
+                <a:schemeClr val="lt1"/>
+              </a:fontRef>
+            </p:style>
+            <p:txBody>
+              <a:bodyPr rtlCol="0" anchor="ctr"/>
+              <a:lstStyle/>
+              <a:p>
+                <a:pPr algn="ctr"/>
+                <a:endParaRPr lang="en-GB"/>
+              </a:p>
+            </p:txBody>
+          </p:sp>
+        </p:grpSp>
+      </p:grpSp>
+      <p:grpSp>
+        <p:nvGrpSpPr>
+          <p:cNvPr id="108" name="Odd vertices"/>
+          <p:cNvGrpSpPr/>
+          <p:nvPr/>
+        </p:nvGrpSpPr>
+        <p:grpSpPr>
+          <a:xfrm>
+            <a:off x="6417522" y="1513171"/>
+            <a:ext cx="1466072" cy="2251628"/>
+            <a:chOff x="6348578" y="1699479"/>
+            <a:chExt cx="1466072" cy="2251628"/>
+          </a:xfrm>
+        </p:grpSpPr>
+        <p:sp>
+          <p:nvSpPr>
+            <p:cNvPr id="104" name="Ellipse 103"/>
+            <p:cNvSpPr/>
+            <p:nvPr/>
+          </p:nvSpPr>
+          <p:spPr>
+            <a:xfrm>
+              <a:off x="7233157" y="1699479"/>
+              <a:ext cx="147610" cy="147610"/>
+            </a:xfrm>
+            <a:prstGeom prst="ellipse">
+              <a:avLst/>
+            </a:prstGeom>
+            <a:solidFill>
+              <a:srgbClr val="C00000"/>
+            </a:solidFill>
+            <a:ln>
+              <a:noFill/>
+            </a:ln>
+          </p:spPr>
+          <p:style>
+            <a:lnRef idx="2">
+              <a:schemeClr val="accent1">
+                <a:shade val="50000"/>
+              </a:schemeClr>
+            </a:lnRef>
+            <a:fillRef idx="1">
+              <a:schemeClr val="accent1"/>
+            </a:fillRef>
+            <a:effectRef idx="0">
+              <a:schemeClr val="accent1"/>
+            </a:effectRef>
+            <a:fontRef idx="minor">
+              <a:schemeClr val="lt1"/>
+            </a:fontRef>
+          </p:style>
+          <p:txBody>
+            <a:bodyPr rtlCol="0" anchor="ctr"/>
+            <a:lstStyle/>
+            <a:p>
+              <a:pPr algn="ctr"/>
+              <a:endParaRPr lang="en-GB"/>
+            </a:p>
+          </p:txBody>
+        </p:sp>
+        <p:sp>
+          <p:nvSpPr>
+            <p:cNvPr id="105" name="Ellipse 104"/>
+            <p:cNvSpPr/>
+            <p:nvPr/>
+          </p:nvSpPr>
+          <p:spPr>
+            <a:xfrm>
+              <a:off x="6348578" y="1953481"/>
+              <a:ext cx="147610" cy="147610"/>
+            </a:xfrm>
+            <a:prstGeom prst="ellipse">
+              <a:avLst/>
+            </a:prstGeom>
+            <a:solidFill>
+              <a:srgbClr val="C00000"/>
+            </a:solidFill>
+            <a:ln>
+              <a:noFill/>
+            </a:ln>
+          </p:spPr>
+          <p:style>
+            <a:lnRef idx="2">
+              <a:schemeClr val="accent1">
+                <a:shade val="50000"/>
+              </a:schemeClr>
+            </a:lnRef>
+            <a:fillRef idx="1">
+              <a:schemeClr val="accent1"/>
+            </a:fillRef>
+            <a:effectRef idx="0">
+              <a:schemeClr val="accent1"/>
+            </a:effectRef>
+            <a:fontRef idx="minor">
+              <a:schemeClr val="lt1"/>
+            </a:fontRef>
+          </p:style>
+          <p:txBody>
+            <a:bodyPr rtlCol="0" anchor="ctr"/>
+            <a:lstStyle/>
+            <a:p>
+              <a:pPr algn="ctr"/>
+              <a:endParaRPr lang="en-GB"/>
+            </a:p>
+          </p:txBody>
+        </p:sp>
+        <p:sp>
+          <p:nvSpPr>
+            <p:cNvPr id="106" name="Ellipse 105"/>
+            <p:cNvSpPr/>
+            <p:nvPr/>
+          </p:nvSpPr>
+          <p:spPr>
+            <a:xfrm>
+              <a:off x="6657616" y="2501022"/>
+              <a:ext cx="147610" cy="147610"/>
+            </a:xfrm>
+            <a:prstGeom prst="ellipse">
+              <a:avLst/>
+            </a:prstGeom>
+            <a:solidFill>
+              <a:srgbClr val="C00000"/>
+            </a:solidFill>
+            <a:ln>
+              <a:noFill/>
+            </a:ln>
+          </p:spPr>
+          <p:style>
+            <a:lnRef idx="2">
+              <a:schemeClr val="accent1">
+                <a:shade val="50000"/>
+              </a:schemeClr>
+            </a:lnRef>
+            <a:fillRef idx="1">
+              <a:schemeClr val="accent1"/>
+            </a:fillRef>
+            <a:effectRef idx="0">
+              <a:schemeClr val="accent1"/>
+            </a:effectRef>
+            <a:fontRef idx="minor">
+              <a:schemeClr val="lt1"/>
+            </a:fontRef>
+          </p:style>
+          <p:txBody>
+            <a:bodyPr rtlCol="0" anchor="ctr"/>
+            <a:lstStyle/>
+            <a:p>
+              <a:pPr algn="ctr"/>
+              <a:endParaRPr lang="en-GB"/>
+            </a:p>
+          </p:txBody>
+        </p:sp>
+        <p:sp>
+          <p:nvSpPr>
+            <p:cNvPr id="107" name="Ellipse 106"/>
+            <p:cNvSpPr/>
+            <p:nvPr/>
+          </p:nvSpPr>
+          <p:spPr>
+            <a:xfrm>
+              <a:off x="7667040" y="3803497"/>
+              <a:ext cx="147610" cy="147610"/>
+            </a:xfrm>
+            <a:prstGeom prst="ellipse">
+              <a:avLst/>
+            </a:prstGeom>
+            <a:solidFill>
+              <a:srgbClr val="C00000"/>
+            </a:solidFill>
+            <a:ln>
+              <a:noFill/>
+            </a:ln>
+          </p:spPr>
+          <p:style>
+            <a:lnRef idx="2">
+              <a:schemeClr val="accent1">
+                <a:shade val="50000"/>
+              </a:schemeClr>
+            </a:lnRef>
+            <a:fillRef idx="1">
+              <a:schemeClr val="accent1"/>
+            </a:fillRef>
+            <a:effectRef idx="0">
+              <a:schemeClr val="accent1"/>
+            </a:effectRef>
+            <a:fontRef idx="minor">
+              <a:schemeClr val="lt1"/>
+            </a:fontRef>
+          </p:style>
+          <p:txBody>
+            <a:bodyPr rtlCol="0" anchor="ctr"/>
+            <a:lstStyle/>
+            <a:p>
+              <a:pPr algn="ctr"/>
+              <a:endParaRPr lang="en-GB"/>
+            </a:p>
+          </p:txBody>
+        </p:sp>
+      </p:grpSp>
+      <mc:AlternateContent xmlns:mc="http://schemas.openxmlformats.org/markup-compatibility/2006" xmlns:a14="http://schemas.microsoft.com/office/drawing/2010/main">
+        <mc:Choice Requires="a14">
+          <p:sp>
+            <p:nvSpPr>
+              <p:cNvPr id="120" name="Textfeld 119"/>
+              <p:cNvSpPr txBox="1"/>
+              <p:nvPr/>
+            </p:nvSpPr>
+            <p:spPr>
+              <a:xfrm>
+                <a:off x="2444546" y="4458099"/>
+                <a:ext cx="4522392" cy="523220"/>
+              </a:xfrm>
+              <a:prstGeom prst="rect">
+                <a:avLst/>
+              </a:prstGeom>
+              <a:noFill/>
+            </p:spPr>
+            <p:txBody>
+              <a:bodyPr wrap="none" rtlCol="0">
+                <a:spAutoFit/>
+              </a:bodyPr>
+              <a:lstStyle/>
+              <a:p>
+                <a14:m>
+                  <m:oMath xmlns:m="http://schemas.openxmlformats.org/officeDocument/2006/math">
+                    <m:r>
+                      <a:rPr lang="de-DE" sz="2800" i="1">
+                        <a:latin typeface="Cambria Math" panose="02040503050406030204" pitchFamily="18" charset="0"/>
+                      </a:rPr>
+                      <m:t>⇒1,5</m:t>
+                    </m:r>
+                  </m:oMath>
+                </a14:m>
+                <a:r>
+                  <a:rPr lang="en-GB" sz="2800" dirty="0" smtClean="0"/>
+                  <a:t>-</a:t>
+                </a:r>
+                <a:r>
+                  <a:rPr lang="en-GB" sz="2800" dirty="0" err="1" smtClean="0"/>
+                  <a:t>approximative</a:t>
+                </a:r>
+                <a:r>
+                  <a:rPr lang="en-GB" sz="2800" dirty="0" smtClean="0"/>
+                  <a:t> solution</a:t>
+                </a:r>
+                <a:endParaRPr lang="en-GB" sz="2800" dirty="0"/>
+              </a:p>
+            </p:txBody>
+          </p:sp>
+        </mc:Choice>
+        <mc:Fallback xmlns="">
+          <p:sp>
+            <p:nvSpPr>
+              <p:cNvPr id="120" name="Textfeld 119"/>
+              <p:cNvSpPr txBox="1">
+                <a:spLocks noRot="1" noChangeAspect="1" noMove="1" noResize="1" noEditPoints="1" noAdjustHandles="1" noChangeArrowheads="1" noChangeShapeType="1" noTextEdit="1"/>
+              </p:cNvSpPr>
+              <p:nvPr/>
+            </p:nvSpPr>
+            <p:spPr>
+              <a:xfrm>
+                <a:off x="2444546" y="4458099"/>
+                <a:ext cx="4522392" cy="523220"/>
+              </a:xfrm>
+              <a:prstGeom prst="rect">
+                <a:avLst/>
+              </a:prstGeom>
+              <a:blipFill rotWithShape="0">
+                <a:blip r:embed="rId2"/>
+                <a:stretch>
+                  <a:fillRect t="-10465" r="-1482" b="-32558"/>
+                </a:stretch>
+              </a:blipFill>
+            </p:spPr>
+            <p:txBody>
+              <a:bodyPr/>
+              <a:lstStyle/>
+              <a:p>
+                <a:r>
+                  <a:rPr lang="en-GB">
+                    <a:noFill/>
+                  </a:rPr>
+                  <a:t> </a:t>
+                </a:r>
+              </a:p>
+            </p:txBody>
+          </p:sp>
+        </mc:Fallback>
+      </mc:AlternateContent>
+    </p:spTree>
+    <p:extLst>
+      <p:ext uri="{BB962C8B-B14F-4D97-AF65-F5344CB8AC3E}">
+        <p14:creationId xmlns:p14="http://schemas.microsoft.com/office/powerpoint/2010/main" val="3412255799"/>
+      </p:ext>
+    </p:extLst>
+  </p:cSld>
+  <p:clrMapOvr>
+    <a:masterClrMapping/>
+  </p:clrMapOvr>
+  <mc:AlternateContent xmlns:mc="http://schemas.openxmlformats.org/markup-compatibility/2006">
+    <mc:Choice xmlns:p14="http://schemas.microsoft.com/office/powerpoint/2010/main" Requires="p14">
+      <p:transition spd="med" p14:dur="700">
+        <p:fade/>
+      </p:transition>
+    </mc:Choice>
+    <mc:Fallback>
+      <p:transition spd="med">
+        <p:fade/>
+      </p:transition>
+    </mc:Fallback>
+  </mc:AlternateContent>
+  <p:timing>
+    <p:tnLst>
+      <p:par>
+        <p:cTn id="1" dur="indefinite" restart="never" nodeType="tmRoot">
+          <p:childTnLst>
+            <p:seq concurrent="1" nextAc="seek">
+              <p:cTn id="2" dur="indefinite" nodeType="mainSeq">
+                <p:childTnLst>
+                  <p:par>
+                    <p:cTn id="3" fill="hold">
+                      <p:stCondLst>
+                        <p:cond delay="indefinite"/>
+                        <p:cond evt="onBegin" delay="0">
+                          <p:tn val="2"/>
+                        </p:cond>
+                      </p:stCondLst>
+                      <p:childTnLst>
+                        <p:par>
+                          <p:cTn id="4" fill="hold">
+                            <p:stCondLst>
+                              <p:cond delay="0"/>
+                            </p:stCondLst>
+                            <p:childTnLst>
+                              <p:par>
+                                <p:cTn id="5" presetID="10" presetClass="entr" presetSubtype="0" fill="hold" nodeType="withEffect">
+                                  <p:stCondLst>
+                                    <p:cond delay="0"/>
+                                  </p:stCondLst>
+                                  <p:childTnLst>
+                                    <p:set>
+                                      <p:cBhvr>
+                                        <p:cTn id="6" dur="1" fill="hold">
+                                          <p:stCondLst>
+                                            <p:cond delay="0"/>
+                                          </p:stCondLst>
+                                        </p:cTn>
+                                        <p:tgtEl>
+                                          <p:spTgt spid="76"/>
+                                        </p:tgtEl>
+                                        <p:attrNameLst>
+                                          <p:attrName>style.visibility</p:attrName>
+                                        </p:attrNameLst>
+                                      </p:cBhvr>
+                                      <p:to>
+                                        <p:strVal val="visible"/>
+                                      </p:to>
+                                    </p:set>
+                                    <p:animEffect transition="in" filter="fade">
+                                      <p:cBhvr>
+                                        <p:cTn id="7" dur="500"/>
+                                        <p:tgtEl>
+                                          <p:spTgt spid="76"/>
+                                        </p:tgtEl>
+                                      </p:cBhvr>
+                                    </p:animEffect>
+                                  </p:childTnLst>
+                                </p:cTn>
+                              </p:par>
+                            </p:childTnLst>
+                          </p:cTn>
+                        </p:par>
+                      </p:childTnLst>
+                    </p:cTn>
+                  </p:par>
+                  <p:par>
+                    <p:cTn id="8" fill="hold">
+                      <p:stCondLst>
+                        <p:cond delay="indefinite"/>
+                      </p:stCondLst>
+                      <p:childTnLst>
+                        <p:par>
+                          <p:cTn id="9" fill="hold">
+                            <p:stCondLst>
+                              <p:cond delay="0"/>
+                            </p:stCondLst>
+                            <p:childTnLst>
+                              <p:par>
+                                <p:cTn id="10" presetID="10" presetClass="entr" presetSubtype="0" fill="hold" nodeType="clickEffect">
+                                  <p:stCondLst>
+                                    <p:cond delay="0"/>
+                                  </p:stCondLst>
+                                  <p:childTnLst>
+                                    <p:set>
+                                      <p:cBhvr>
+                                        <p:cTn id="11" dur="1" fill="hold">
+                                          <p:stCondLst>
+                                            <p:cond delay="0"/>
+                                          </p:stCondLst>
+                                        </p:cTn>
+                                        <p:tgtEl>
+                                          <p:spTgt spid="108"/>
+                                        </p:tgtEl>
+                                        <p:attrNameLst>
+                                          <p:attrName>style.visibility</p:attrName>
+                                        </p:attrNameLst>
+                                      </p:cBhvr>
+                                      <p:to>
+                                        <p:strVal val="visible"/>
+                                      </p:to>
+                                    </p:set>
+                                    <p:animEffect transition="in" filter="fade">
+                                      <p:cBhvr>
+                                        <p:cTn id="12" dur="500"/>
+                                        <p:tgtEl>
+                                          <p:spTgt spid="108"/>
+                                        </p:tgtEl>
+                                      </p:cBhvr>
+                                    </p:animEffect>
+                                  </p:childTnLst>
+                                </p:cTn>
+                              </p:par>
+                              <p:par>
+                                <p:cTn id="13" presetID="10" presetClass="entr" presetSubtype="0" fill="hold" nodeType="withEffect">
+                                  <p:stCondLst>
+                                    <p:cond delay="0"/>
+                                  </p:stCondLst>
+                                  <p:childTnLst>
+                                    <p:set>
+                                      <p:cBhvr>
+                                        <p:cTn id="14" dur="1" fill="hold">
+                                          <p:stCondLst>
+                                            <p:cond delay="0"/>
+                                          </p:stCondLst>
+                                        </p:cTn>
+                                        <p:tgtEl>
+                                          <p:spTgt spid="81"/>
+                                        </p:tgtEl>
+                                        <p:attrNameLst>
+                                          <p:attrName>style.visibility</p:attrName>
+                                        </p:attrNameLst>
+                                      </p:cBhvr>
+                                      <p:to>
+                                        <p:strVal val="visible"/>
+                                      </p:to>
+                                    </p:set>
+                                    <p:animEffect transition="in" filter="fade">
+                                      <p:cBhvr>
+                                        <p:cTn id="15" dur="500"/>
+                                        <p:tgtEl>
+                                          <p:spTgt spid="81"/>
+                                        </p:tgtEl>
+                                      </p:cBhvr>
+                                    </p:animEffect>
+                                  </p:childTnLst>
+                                </p:cTn>
+                              </p:par>
+                              <p:par>
+                                <p:cTn id="16" presetID="1" presetClass="exit" presetSubtype="0" fill="hold" nodeType="withEffect">
+                                  <p:stCondLst>
+                                    <p:cond delay="0"/>
+                                  </p:stCondLst>
+                                  <p:childTnLst>
+                                    <p:set>
+                                      <p:cBhvr>
+                                        <p:cTn id="17" dur="1" fill="hold">
+                                          <p:stCondLst>
+                                            <p:cond delay="0"/>
+                                          </p:stCondLst>
+                                        </p:cTn>
+                                        <p:tgtEl>
+                                          <p:spTgt spid="81"/>
+                                        </p:tgtEl>
+                                        <p:attrNameLst>
+                                          <p:attrName>style.visibility</p:attrName>
+                                        </p:attrNameLst>
+                                      </p:cBhvr>
+                                      <p:to>
+                                        <p:strVal val="hidden"/>
+                                      </p:to>
+                                    </p:set>
+                                  </p:childTnLst>
+                                </p:cTn>
+                              </p:par>
+                              <p:par>
+                                <p:cTn id="18" presetID="1" presetClass="exit" presetSubtype="0" fill="hold" nodeType="withEffect">
+                                  <p:stCondLst>
+                                    <p:cond delay="0"/>
+                                  </p:stCondLst>
+                                  <p:childTnLst>
+                                    <p:set>
+                                      <p:cBhvr>
+                                        <p:cTn id="19" dur="1" fill="hold">
+                                          <p:stCondLst>
+                                            <p:cond delay="0"/>
+                                          </p:stCondLst>
+                                        </p:cTn>
+                                        <p:tgtEl>
+                                          <p:spTgt spid="76"/>
+                                        </p:tgtEl>
+                                        <p:attrNameLst>
+                                          <p:attrName>style.visibility</p:attrName>
+                                        </p:attrNameLst>
+                                      </p:cBhvr>
+                                      <p:to>
+                                        <p:strVal val="hidden"/>
+                                      </p:to>
+                                    </p:set>
+                                  </p:childTnLst>
+                                </p:cTn>
+                              </p:par>
+                              <p:par>
+                                <p:cTn id="20" presetID="1" presetClass="exit" presetSubtype="0" fill="hold" nodeType="withEffect">
+                                  <p:stCondLst>
+                                    <p:cond delay="0"/>
+                                  </p:stCondLst>
+                                  <p:childTnLst>
+                                    <p:set>
+                                      <p:cBhvr>
+                                        <p:cTn id="21" dur="1" fill="hold">
+                                          <p:stCondLst>
+                                            <p:cond delay="0"/>
+                                          </p:stCondLst>
+                                        </p:cTn>
+                                        <p:tgtEl>
+                                          <p:spTgt spid="108"/>
+                                        </p:tgtEl>
+                                        <p:attrNameLst>
+                                          <p:attrName>style.visibility</p:attrName>
+                                        </p:attrNameLst>
+                                      </p:cBhvr>
+                                      <p:to>
+                                        <p:strVal val="hidden"/>
+                                      </p:to>
+                                    </p:set>
+                                  </p:childTnLst>
+                                </p:cTn>
+                              </p:par>
+                              <p:par>
+                                <p:cTn id="22" presetID="1" presetClass="entr" presetSubtype="0" fill="hold" nodeType="withEffect">
+                                  <p:stCondLst>
+                                    <p:cond delay="0"/>
+                                  </p:stCondLst>
+                                  <p:childTnLst>
+                                    <p:set>
+                                      <p:cBhvr>
+                                        <p:cTn id="23" dur="1" fill="hold">
+                                          <p:stCondLst>
+                                            <p:cond delay="0"/>
+                                          </p:stCondLst>
+                                        </p:cTn>
+                                        <p:tgtEl>
+                                          <p:spTgt spid="103"/>
+                                        </p:tgtEl>
+                                        <p:attrNameLst>
+                                          <p:attrName>style.visibility</p:attrName>
+                                        </p:attrNameLst>
+                                      </p:cBhvr>
+                                      <p:to>
+                                        <p:strVal val="visible"/>
+                                      </p:to>
+                                    </p:set>
+                                  </p:childTnLst>
+                                </p:cTn>
+                              </p:par>
+                              <p:par>
+                                <p:cTn id="24" presetID="10" presetClass="exit" presetSubtype="0" fill="hold" nodeType="withEffect">
+                                  <p:stCondLst>
+                                    <p:cond delay="0"/>
+                                  </p:stCondLst>
+                                  <p:childTnLst>
+                                    <p:animEffect transition="out" filter="fade">
+                                      <p:cBhvr>
+                                        <p:cTn id="25" dur="500"/>
+                                        <p:tgtEl>
+                                          <p:spTgt spid="103"/>
+                                        </p:tgtEl>
+                                      </p:cBhvr>
+                                    </p:animEffect>
+                                    <p:set>
+                                      <p:cBhvr>
+                                        <p:cTn id="26" dur="1" fill="hold">
+                                          <p:stCondLst>
+                                            <p:cond delay="499"/>
+                                          </p:stCondLst>
+                                        </p:cTn>
+                                        <p:tgtEl>
+                                          <p:spTgt spid="103"/>
+                                        </p:tgtEl>
+                                        <p:attrNameLst>
+                                          <p:attrName>style.visibility</p:attrName>
+                                        </p:attrNameLst>
+                                      </p:cBhvr>
+                                      <p:to>
+                                        <p:strVal val="hidden"/>
+                                      </p:to>
+                                    </p:set>
+                                  </p:childTnLst>
+                                </p:cTn>
+                              </p:par>
+                              <p:par>
+                                <p:cTn id="27" presetID="10" presetClass="entr" presetSubtype="0" fill="hold" nodeType="withEffect">
+                                  <p:stCondLst>
+                                    <p:cond delay="0"/>
+                                  </p:stCondLst>
+                                  <p:childTnLst>
+                                    <p:set>
+                                      <p:cBhvr>
+                                        <p:cTn id="28" dur="1" fill="hold">
+                                          <p:stCondLst>
+                                            <p:cond delay="0"/>
+                                          </p:stCondLst>
+                                        </p:cTn>
+                                        <p:tgtEl>
+                                          <p:spTgt spid="109"/>
+                                        </p:tgtEl>
+                                        <p:attrNameLst>
+                                          <p:attrName>style.visibility</p:attrName>
+                                        </p:attrNameLst>
+                                      </p:cBhvr>
+                                      <p:to>
+                                        <p:strVal val="visible"/>
+                                      </p:to>
+                                    </p:set>
+                                    <p:animEffect transition="in" filter="fade">
+                                      <p:cBhvr>
+                                        <p:cTn id="29" dur="500"/>
+                                        <p:tgtEl>
+                                          <p:spTgt spid="109"/>
+                                        </p:tgtEl>
+                                      </p:cBhvr>
+                                    </p:animEffect>
+                                  </p:childTnLst>
+                                </p:cTn>
+                              </p:par>
+                            </p:childTnLst>
+                          </p:cTn>
+                        </p:par>
+                      </p:childTnLst>
+                    </p:cTn>
+                  </p:par>
+                </p:childTnLst>
+              </p:cTn>
+              <p:prevCondLst>
+                <p:cond evt="onPrev" delay="0">
+                  <p:tgtEl>
+                    <p:sldTgt/>
+                  </p:tgtEl>
+                </p:cond>
+              </p:prevCondLst>
+              <p:nextCondLst>
+                <p:cond evt="onNext" delay="0">
+                  <p:tgtEl>
+                    <p:sldTgt/>
+                  </p:tgtEl>
+                </p:cond>
+              </p:nextCondLst>
+            </p:seq>
+          </p:childTnLst>
+        </p:cTn>
+      </p:par>
+    </p:tnLst>
+  </p:timing>
+</p:sld>
+</file>
+
+<file path=ppt/slides/slide4.xml><?xml version="1.0" encoding="utf-8"?>
+<p:sld xmlns:a="http://schemas.openxmlformats.org/drawingml/2006/main" xmlns:r="http://schemas.openxmlformats.org/officeDocument/2006/relationships" xmlns:p="http://schemas.openxmlformats.org/presentationml/2006/main">
+  <p:cSld>
+    <p:spTree>
+      <p:nvGrpSpPr>
+        <p:cNvPr id="1" name=""/>
+        <p:cNvGrpSpPr/>
+        <p:nvPr/>
+      </p:nvGrpSpPr>
+      <p:grpSpPr>
+        <a:xfrm>
+          <a:off x="0" y="0"/>
+          <a:ext cx="0" cy="0"/>
+          <a:chOff x="0" y="0"/>
+          <a:chExt cx="0" cy="0"/>
+        </a:xfrm>
+      </p:grpSpPr>
+      <p:sp>
+        <p:nvSpPr>
+          <p:cNvPr id="2" name="Titel 1"/>
+          <p:cNvSpPr>
+            <a:spLocks noGrp="1"/>
+          </p:cNvSpPr>
+          <p:nvPr>
+            <p:ph type="title"/>
+          </p:nvPr>
+        </p:nvSpPr>
+        <p:spPr/>
+        <p:txBody>
+          <a:bodyPr/>
+          <a:lstStyle/>
+          <a:p>
+            <a:r>
+              <a:rPr lang="en-GB" dirty="0" smtClean="0"/>
+              <a:t>Online-</a:t>
+            </a:r>
+            <a:r>
+              <a:rPr lang="en-GB" dirty="0" smtClean="0">
+                <a:solidFill>
+                  <a:sysClr val="windowText" lastClr="000000"/>
+                </a:solidFill>
+              </a:rPr>
+              <a:t>TSP</a:t>
+            </a:r>
+            <a:endParaRPr lang="en-GB" dirty="0">
+              <a:solidFill>
+                <a:sysClr val="windowText" lastClr="000000"/>
+              </a:solidFill>
+            </a:endParaRPr>
+          </a:p>
+        </p:txBody>
+      </p:sp>
+      <p:sp>
+        <p:nvSpPr>
+          <p:cNvPr id="3" name="Titel 1"/>
+          <p:cNvSpPr txBox="1">
+            <a:spLocks/>
+          </p:cNvSpPr>
+          <p:nvPr/>
+        </p:nvSpPr>
+        <p:spPr>
+          <a:xfrm>
+            <a:off x="628650" y="1"/>
+            <a:ext cx="7886700" cy="895546"/>
+          </a:xfrm>
+          <a:prstGeom prst="rect">
+            <a:avLst/>
+          </a:prstGeom>
+        </p:spPr>
+        <p:txBody>
+          <a:bodyPr vert="horz" lIns="91440" tIns="45720" rIns="91440" bIns="45720" rtlCol="0" anchor="ctr">
+            <a:normAutofit/>
+          </a:bodyPr>
+          <a:lstStyle>
+            <a:lvl1pPr algn="ctr" defTabSz="685800" rtl="0" eaLnBrk="1" latinLnBrk="0" hangingPunct="1">
+              <a:lnSpc>
+                <a:spcPct val="90000"/>
+              </a:lnSpc>
+              <a:spcBef>
+                <a:spcPct val="0"/>
+              </a:spcBef>
+              <a:buNone/>
+              <a:defRPr sz="4400" b="1" kern="1200">
+                <a:solidFill>
+                  <a:schemeClr val="tx1"/>
+                </a:solidFill>
+                <a:latin typeface="+mj-lt"/>
+                <a:ea typeface="+mj-ea"/>
+                <a:cs typeface="+mj-cs"/>
+              </a:defRPr>
+            </a:lvl1pPr>
+          </a:lstStyle>
+          <a:p>
+            <a:r>
               <a:rPr lang="en-GB" dirty="0" smtClean="0">
                 <a:solidFill>
                   <a:srgbClr val="C00000"/>
@@ -4488,6 +9672,723 @@
               <a:t>-TSP</a:t>
             </a:r>
             <a:endParaRPr lang="en-GB" dirty="0"/>
+          </a:p>
+        </p:txBody>
+      </p:sp>
+      <p:sp>
+        <p:nvSpPr>
+          <p:cNvPr id="39" name="Textfeld 38"/>
+          <p:cNvSpPr txBox="1"/>
+          <p:nvPr/>
+        </p:nvSpPr>
+        <p:spPr>
+          <a:xfrm>
+            <a:off x="423333" y="895547"/>
+            <a:ext cx="1181734" cy="646331"/>
+          </a:xfrm>
+          <a:prstGeom prst="rect">
+            <a:avLst/>
+          </a:prstGeom>
+          <a:noFill/>
+        </p:spPr>
+        <p:txBody>
+          <a:bodyPr wrap="none" rtlCol="0">
+            <a:spAutoFit/>
+          </a:bodyPr>
+          <a:lstStyle/>
+          <a:p>
+            <a:r>
+              <a:rPr lang="en-GB" sz="3600" dirty="0" smtClean="0"/>
+              <a:t>Input</a:t>
+            </a:r>
+            <a:endParaRPr lang="en-GB" sz="3600" dirty="0"/>
+          </a:p>
+        </p:txBody>
+      </p:sp>
+      <p:sp>
+        <p:nvSpPr>
+          <p:cNvPr id="40" name="Freihandform 39"/>
+          <p:cNvSpPr/>
+          <p:nvPr/>
+        </p:nvSpPr>
+        <p:spPr>
+          <a:xfrm>
+            <a:off x="6423377" y="1121441"/>
+            <a:ext cx="1815963" cy="1510033"/>
+          </a:xfrm>
+          <a:custGeom>
+            <a:avLst/>
+            <a:gdLst>
+              <a:gd name="connsiteX0" fmla="*/ 763571 w 1696825"/>
+              <a:gd name="connsiteY0" fmla="*/ 0 h 2045616"/>
+              <a:gd name="connsiteX1" fmla="*/ 28280 w 1696825"/>
+              <a:gd name="connsiteY1" fmla="*/ 273377 h 2045616"/>
+              <a:gd name="connsiteX2" fmla="*/ 94268 w 1696825"/>
+              <a:gd name="connsiteY2" fmla="*/ 904973 h 2045616"/>
+              <a:gd name="connsiteX3" fmla="*/ 282804 w 1696825"/>
+              <a:gd name="connsiteY3" fmla="*/ 1319752 h 2045616"/>
+              <a:gd name="connsiteX4" fmla="*/ 0 w 1696825"/>
+              <a:gd name="connsiteY4" fmla="*/ 1838226 h 2045616"/>
+              <a:gd name="connsiteX5" fmla="*/ 1696825 w 1696825"/>
+              <a:gd name="connsiteY5" fmla="*/ 2045616 h 2045616"/>
+              <a:gd name="connsiteX6" fmla="*/ 1131216 w 1696825"/>
+              <a:gd name="connsiteY6" fmla="*/ 895546 h 2045616"/>
+              <a:gd name="connsiteX7" fmla="*/ 1366886 w 1696825"/>
+              <a:gd name="connsiteY7" fmla="*/ 226243 h 2045616"/>
+              <a:gd name="connsiteX8" fmla="*/ 763571 w 1696825"/>
+              <a:gd name="connsiteY8" fmla="*/ 0 h 2045616"/>
+              <a:gd name="connsiteX0" fmla="*/ 763571 w 1696825"/>
+              <a:gd name="connsiteY0" fmla="*/ 0 h 2045616"/>
+              <a:gd name="connsiteX1" fmla="*/ 28280 w 1696825"/>
+              <a:gd name="connsiteY1" fmla="*/ 273377 h 2045616"/>
+              <a:gd name="connsiteX2" fmla="*/ 94268 w 1696825"/>
+              <a:gd name="connsiteY2" fmla="*/ 904973 h 2045616"/>
+              <a:gd name="connsiteX3" fmla="*/ 282804 w 1696825"/>
+              <a:gd name="connsiteY3" fmla="*/ 1319752 h 2045616"/>
+              <a:gd name="connsiteX4" fmla="*/ 0 w 1696825"/>
+              <a:gd name="connsiteY4" fmla="*/ 1838226 h 2045616"/>
+              <a:gd name="connsiteX5" fmla="*/ 1696825 w 1696825"/>
+              <a:gd name="connsiteY5" fmla="*/ 2045616 h 2045616"/>
+              <a:gd name="connsiteX6" fmla="*/ 1423447 w 1696825"/>
+              <a:gd name="connsiteY6" fmla="*/ 961534 h 2045616"/>
+              <a:gd name="connsiteX7" fmla="*/ 1366886 w 1696825"/>
+              <a:gd name="connsiteY7" fmla="*/ 226243 h 2045616"/>
+              <a:gd name="connsiteX8" fmla="*/ 763571 w 1696825"/>
+              <a:gd name="connsiteY8" fmla="*/ 0 h 2045616"/>
+              <a:gd name="connsiteX0" fmla="*/ 763571 w 1706251"/>
+              <a:gd name="connsiteY0" fmla="*/ 0 h 2045616"/>
+              <a:gd name="connsiteX1" fmla="*/ 28280 w 1706251"/>
+              <a:gd name="connsiteY1" fmla="*/ 273377 h 2045616"/>
+              <a:gd name="connsiteX2" fmla="*/ 94268 w 1706251"/>
+              <a:gd name="connsiteY2" fmla="*/ 904973 h 2045616"/>
+              <a:gd name="connsiteX3" fmla="*/ 282804 w 1706251"/>
+              <a:gd name="connsiteY3" fmla="*/ 1319752 h 2045616"/>
+              <a:gd name="connsiteX4" fmla="*/ 0 w 1706251"/>
+              <a:gd name="connsiteY4" fmla="*/ 1838226 h 2045616"/>
+              <a:gd name="connsiteX5" fmla="*/ 1696825 w 1706251"/>
+              <a:gd name="connsiteY5" fmla="*/ 2045616 h 2045616"/>
+              <a:gd name="connsiteX6" fmla="*/ 1423447 w 1706251"/>
+              <a:gd name="connsiteY6" fmla="*/ 961534 h 2045616"/>
+              <a:gd name="connsiteX7" fmla="*/ 1706251 w 1706251"/>
+              <a:gd name="connsiteY7" fmla="*/ 197962 h 2045616"/>
+              <a:gd name="connsiteX8" fmla="*/ 763571 w 1706251"/>
+              <a:gd name="connsiteY8" fmla="*/ 0 h 2045616"/>
+              <a:gd name="connsiteX0" fmla="*/ 778427 w 1721107"/>
+              <a:gd name="connsiteY0" fmla="*/ 0 h 2045616"/>
+              <a:gd name="connsiteX1" fmla="*/ 43136 w 1721107"/>
+              <a:gd name="connsiteY1" fmla="*/ 273377 h 2045616"/>
+              <a:gd name="connsiteX2" fmla="*/ 109124 w 1721107"/>
+              <a:gd name="connsiteY2" fmla="*/ 904973 h 2045616"/>
+              <a:gd name="connsiteX3" fmla="*/ 297660 w 1721107"/>
+              <a:gd name="connsiteY3" fmla="*/ 1319752 h 2045616"/>
+              <a:gd name="connsiteX4" fmla="*/ 14856 w 1721107"/>
+              <a:gd name="connsiteY4" fmla="*/ 1838226 h 2045616"/>
+              <a:gd name="connsiteX5" fmla="*/ 1711681 w 1721107"/>
+              <a:gd name="connsiteY5" fmla="*/ 2045616 h 2045616"/>
+              <a:gd name="connsiteX6" fmla="*/ 1438303 w 1721107"/>
+              <a:gd name="connsiteY6" fmla="*/ 961534 h 2045616"/>
+              <a:gd name="connsiteX7" fmla="*/ 1721107 w 1721107"/>
+              <a:gd name="connsiteY7" fmla="*/ 197962 h 2045616"/>
+              <a:gd name="connsiteX8" fmla="*/ 778427 w 1721107"/>
+              <a:gd name="connsiteY8" fmla="*/ 0 h 2045616"/>
+              <a:gd name="connsiteX0" fmla="*/ 778427 w 1721107"/>
+              <a:gd name="connsiteY0" fmla="*/ 1840 h 2047456"/>
+              <a:gd name="connsiteX1" fmla="*/ 43136 w 1721107"/>
+              <a:gd name="connsiteY1" fmla="*/ 275217 h 2047456"/>
+              <a:gd name="connsiteX2" fmla="*/ 109124 w 1721107"/>
+              <a:gd name="connsiteY2" fmla="*/ 906813 h 2047456"/>
+              <a:gd name="connsiteX3" fmla="*/ 297660 w 1721107"/>
+              <a:gd name="connsiteY3" fmla="*/ 1321592 h 2047456"/>
+              <a:gd name="connsiteX4" fmla="*/ 14856 w 1721107"/>
+              <a:gd name="connsiteY4" fmla="*/ 1840066 h 2047456"/>
+              <a:gd name="connsiteX5" fmla="*/ 1711681 w 1721107"/>
+              <a:gd name="connsiteY5" fmla="*/ 2047456 h 2047456"/>
+              <a:gd name="connsiteX6" fmla="*/ 1438303 w 1721107"/>
+              <a:gd name="connsiteY6" fmla="*/ 963374 h 2047456"/>
+              <a:gd name="connsiteX7" fmla="*/ 1721107 w 1721107"/>
+              <a:gd name="connsiteY7" fmla="*/ 199802 h 2047456"/>
+              <a:gd name="connsiteX8" fmla="*/ 778427 w 1721107"/>
+              <a:gd name="connsiteY8" fmla="*/ 1840 h 2047456"/>
+              <a:gd name="connsiteX0" fmla="*/ 778427 w 1740599"/>
+              <a:gd name="connsiteY0" fmla="*/ 1840 h 2047456"/>
+              <a:gd name="connsiteX1" fmla="*/ 43136 w 1740599"/>
+              <a:gd name="connsiteY1" fmla="*/ 275217 h 2047456"/>
+              <a:gd name="connsiteX2" fmla="*/ 109124 w 1740599"/>
+              <a:gd name="connsiteY2" fmla="*/ 906813 h 2047456"/>
+              <a:gd name="connsiteX3" fmla="*/ 297660 w 1740599"/>
+              <a:gd name="connsiteY3" fmla="*/ 1321592 h 2047456"/>
+              <a:gd name="connsiteX4" fmla="*/ 14856 w 1740599"/>
+              <a:gd name="connsiteY4" fmla="*/ 1840066 h 2047456"/>
+              <a:gd name="connsiteX5" fmla="*/ 1711681 w 1740599"/>
+              <a:gd name="connsiteY5" fmla="*/ 2047456 h 2047456"/>
+              <a:gd name="connsiteX6" fmla="*/ 1438303 w 1740599"/>
+              <a:gd name="connsiteY6" fmla="*/ 963374 h 2047456"/>
+              <a:gd name="connsiteX7" fmla="*/ 1721107 w 1740599"/>
+              <a:gd name="connsiteY7" fmla="*/ 199802 h 2047456"/>
+              <a:gd name="connsiteX8" fmla="*/ 778427 w 1740599"/>
+              <a:gd name="connsiteY8" fmla="*/ 1840 h 2047456"/>
+              <a:gd name="connsiteX0" fmla="*/ 778427 w 1774414"/>
+              <a:gd name="connsiteY0" fmla="*/ 1840 h 2047456"/>
+              <a:gd name="connsiteX1" fmla="*/ 43136 w 1774414"/>
+              <a:gd name="connsiteY1" fmla="*/ 275217 h 2047456"/>
+              <a:gd name="connsiteX2" fmla="*/ 109124 w 1774414"/>
+              <a:gd name="connsiteY2" fmla="*/ 906813 h 2047456"/>
+              <a:gd name="connsiteX3" fmla="*/ 297660 w 1774414"/>
+              <a:gd name="connsiteY3" fmla="*/ 1321592 h 2047456"/>
+              <a:gd name="connsiteX4" fmla="*/ 14856 w 1774414"/>
+              <a:gd name="connsiteY4" fmla="*/ 1840066 h 2047456"/>
+              <a:gd name="connsiteX5" fmla="*/ 1711681 w 1774414"/>
+              <a:gd name="connsiteY5" fmla="*/ 2047456 h 2047456"/>
+              <a:gd name="connsiteX6" fmla="*/ 1438303 w 1774414"/>
+              <a:gd name="connsiteY6" fmla="*/ 963374 h 2047456"/>
+              <a:gd name="connsiteX7" fmla="*/ 1721107 w 1774414"/>
+              <a:gd name="connsiteY7" fmla="*/ 199802 h 2047456"/>
+              <a:gd name="connsiteX8" fmla="*/ 778427 w 1774414"/>
+              <a:gd name="connsiteY8" fmla="*/ 1840 h 2047456"/>
+              <a:gd name="connsiteX0" fmla="*/ 778427 w 1774414"/>
+              <a:gd name="connsiteY0" fmla="*/ 1840 h 2094162"/>
+              <a:gd name="connsiteX1" fmla="*/ 43136 w 1774414"/>
+              <a:gd name="connsiteY1" fmla="*/ 275217 h 2094162"/>
+              <a:gd name="connsiteX2" fmla="*/ 109124 w 1774414"/>
+              <a:gd name="connsiteY2" fmla="*/ 906813 h 2094162"/>
+              <a:gd name="connsiteX3" fmla="*/ 297660 w 1774414"/>
+              <a:gd name="connsiteY3" fmla="*/ 1321592 h 2094162"/>
+              <a:gd name="connsiteX4" fmla="*/ 14856 w 1774414"/>
+              <a:gd name="connsiteY4" fmla="*/ 1840066 h 2094162"/>
+              <a:gd name="connsiteX5" fmla="*/ 1711681 w 1774414"/>
+              <a:gd name="connsiteY5" fmla="*/ 2047456 h 2094162"/>
+              <a:gd name="connsiteX6" fmla="*/ 1438303 w 1774414"/>
+              <a:gd name="connsiteY6" fmla="*/ 963374 h 2094162"/>
+              <a:gd name="connsiteX7" fmla="*/ 1721107 w 1774414"/>
+              <a:gd name="connsiteY7" fmla="*/ 199802 h 2094162"/>
+              <a:gd name="connsiteX8" fmla="*/ 778427 w 1774414"/>
+              <a:gd name="connsiteY8" fmla="*/ 1840 h 2094162"/>
+              <a:gd name="connsiteX0" fmla="*/ 826336 w 1822323"/>
+              <a:gd name="connsiteY0" fmla="*/ 1840 h 2094161"/>
+              <a:gd name="connsiteX1" fmla="*/ 91045 w 1822323"/>
+              <a:gd name="connsiteY1" fmla="*/ 275217 h 2094161"/>
+              <a:gd name="connsiteX2" fmla="*/ 157033 w 1822323"/>
+              <a:gd name="connsiteY2" fmla="*/ 906813 h 2094161"/>
+              <a:gd name="connsiteX3" fmla="*/ 345569 w 1822323"/>
+              <a:gd name="connsiteY3" fmla="*/ 1321592 h 2094161"/>
+              <a:gd name="connsiteX4" fmla="*/ 62765 w 1822323"/>
+              <a:gd name="connsiteY4" fmla="*/ 1840066 h 2094161"/>
+              <a:gd name="connsiteX5" fmla="*/ 1759590 w 1822323"/>
+              <a:gd name="connsiteY5" fmla="*/ 2047456 h 2094161"/>
+              <a:gd name="connsiteX6" fmla="*/ 1486212 w 1822323"/>
+              <a:gd name="connsiteY6" fmla="*/ 963374 h 2094161"/>
+              <a:gd name="connsiteX7" fmla="*/ 1769016 w 1822323"/>
+              <a:gd name="connsiteY7" fmla="*/ 199802 h 2094161"/>
+              <a:gd name="connsiteX8" fmla="*/ 826336 w 1822323"/>
+              <a:gd name="connsiteY8" fmla="*/ 1840 h 2094161"/>
+              <a:gd name="connsiteX0" fmla="*/ 819976 w 1815963"/>
+              <a:gd name="connsiteY0" fmla="*/ 1840 h 2094161"/>
+              <a:gd name="connsiteX1" fmla="*/ 84685 w 1815963"/>
+              <a:gd name="connsiteY1" fmla="*/ 275217 h 2094161"/>
+              <a:gd name="connsiteX2" fmla="*/ 150673 w 1815963"/>
+              <a:gd name="connsiteY2" fmla="*/ 906813 h 2094161"/>
+              <a:gd name="connsiteX3" fmla="*/ 339209 w 1815963"/>
+              <a:gd name="connsiteY3" fmla="*/ 1321592 h 2094161"/>
+              <a:gd name="connsiteX4" fmla="*/ 56405 w 1815963"/>
+              <a:gd name="connsiteY4" fmla="*/ 1840066 h 2094161"/>
+              <a:gd name="connsiteX5" fmla="*/ 1753230 w 1815963"/>
+              <a:gd name="connsiteY5" fmla="*/ 2047456 h 2094161"/>
+              <a:gd name="connsiteX6" fmla="*/ 1479852 w 1815963"/>
+              <a:gd name="connsiteY6" fmla="*/ 963374 h 2094161"/>
+              <a:gd name="connsiteX7" fmla="*/ 1762656 w 1815963"/>
+              <a:gd name="connsiteY7" fmla="*/ 199802 h 2094161"/>
+              <a:gd name="connsiteX8" fmla="*/ 819976 w 1815963"/>
+              <a:gd name="connsiteY8" fmla="*/ 1840 h 2094161"/>
+              <a:gd name="connsiteX0" fmla="*/ 819976 w 1815963"/>
+              <a:gd name="connsiteY0" fmla="*/ 1840 h 2094161"/>
+              <a:gd name="connsiteX1" fmla="*/ 84685 w 1815963"/>
+              <a:gd name="connsiteY1" fmla="*/ 275217 h 2094161"/>
+              <a:gd name="connsiteX2" fmla="*/ 150673 w 1815963"/>
+              <a:gd name="connsiteY2" fmla="*/ 906813 h 2094161"/>
+              <a:gd name="connsiteX3" fmla="*/ 339209 w 1815963"/>
+              <a:gd name="connsiteY3" fmla="*/ 1321592 h 2094161"/>
+              <a:gd name="connsiteX4" fmla="*/ 56405 w 1815963"/>
+              <a:gd name="connsiteY4" fmla="*/ 1840066 h 2094161"/>
+              <a:gd name="connsiteX5" fmla="*/ 1753230 w 1815963"/>
+              <a:gd name="connsiteY5" fmla="*/ 2047456 h 2094161"/>
+              <a:gd name="connsiteX6" fmla="*/ 1479852 w 1815963"/>
+              <a:gd name="connsiteY6" fmla="*/ 963374 h 2094161"/>
+              <a:gd name="connsiteX7" fmla="*/ 1762656 w 1815963"/>
+              <a:gd name="connsiteY7" fmla="*/ 199802 h 2094161"/>
+              <a:gd name="connsiteX8" fmla="*/ 819976 w 1815963"/>
+              <a:gd name="connsiteY8" fmla="*/ 1840 h 2094161"/>
+            </a:gdLst>
+            <a:ahLst/>
+            <a:cxnLst>
+              <a:cxn ang="0">
+                <a:pos x="connsiteX0" y="connsiteY0"/>
+              </a:cxn>
+              <a:cxn ang="0">
+                <a:pos x="connsiteX1" y="connsiteY1"/>
+              </a:cxn>
+              <a:cxn ang="0">
+                <a:pos x="connsiteX2" y="connsiteY2"/>
+              </a:cxn>
+              <a:cxn ang="0">
+                <a:pos x="connsiteX3" y="connsiteY3"/>
+              </a:cxn>
+              <a:cxn ang="0">
+                <a:pos x="connsiteX4" y="connsiteY4"/>
+              </a:cxn>
+              <a:cxn ang="0">
+                <a:pos x="connsiteX5" y="connsiteY5"/>
+              </a:cxn>
+              <a:cxn ang="0">
+                <a:pos x="connsiteX6" y="connsiteY6"/>
+              </a:cxn>
+              <a:cxn ang="0">
+                <a:pos x="connsiteX7" y="connsiteY7"/>
+              </a:cxn>
+              <a:cxn ang="0">
+                <a:pos x="connsiteX8" y="connsiteY8"/>
+              </a:cxn>
+            </a:cxnLst>
+            <a:rect l="l" t="t" r="r" b="b"/>
+            <a:pathLst>
+              <a:path w="1815963" h="2094161">
+                <a:moveTo>
+                  <a:pt x="819976" y="1840"/>
+                </a:moveTo>
+                <a:cubicBezTo>
+                  <a:pt x="540314" y="14409"/>
+                  <a:pt x="196236" y="124388"/>
+                  <a:pt x="84685" y="275217"/>
+                </a:cubicBezTo>
+                <a:cubicBezTo>
+                  <a:pt x="-26866" y="426046"/>
+                  <a:pt x="76404" y="743419"/>
+                  <a:pt x="150673" y="906813"/>
+                </a:cubicBezTo>
+                <a:lnTo>
+                  <a:pt x="339209" y="1321592"/>
+                </a:lnTo>
+                <a:cubicBezTo>
+                  <a:pt x="403900" y="1463913"/>
+                  <a:pt x="-179265" y="1719089"/>
+                  <a:pt x="56405" y="1840066"/>
+                </a:cubicBezTo>
+                <a:cubicBezTo>
+                  <a:pt x="292075" y="1961043"/>
+                  <a:pt x="1515989" y="2193571"/>
+                  <a:pt x="1753230" y="2047456"/>
+                </a:cubicBezTo>
+                <a:cubicBezTo>
+                  <a:pt x="1990471" y="1901341"/>
+                  <a:pt x="1478281" y="1271316"/>
+                  <a:pt x="1479852" y="963374"/>
+                </a:cubicBezTo>
+                <a:cubicBezTo>
+                  <a:pt x="1481423" y="655432"/>
+                  <a:pt x="1872635" y="360058"/>
+                  <a:pt x="1762656" y="199802"/>
+                </a:cubicBezTo>
+                <a:cubicBezTo>
+                  <a:pt x="1652677" y="39546"/>
+                  <a:pt x="1099638" y="-10729"/>
+                  <a:pt x="819976" y="1840"/>
+                </a:cubicBezTo>
+                <a:close/>
+              </a:path>
+            </a:pathLst>
+          </a:custGeom>
+          <a:solidFill>
+            <a:schemeClr val="bg1">
+              <a:lumMod val="95000"/>
+            </a:schemeClr>
+          </a:solidFill>
+          <a:ln w="28575">
+            <a:solidFill>
+              <a:schemeClr val="bg2">
+                <a:lumMod val="50000"/>
+              </a:schemeClr>
+            </a:solidFill>
+          </a:ln>
+        </p:spPr>
+        <p:style>
+          <a:lnRef idx="2">
+            <a:schemeClr val="accent1">
+              <a:shade val="50000"/>
+            </a:schemeClr>
+          </a:lnRef>
+          <a:fillRef idx="1">
+            <a:schemeClr val="accent1"/>
+          </a:fillRef>
+          <a:effectRef idx="0">
+            <a:schemeClr val="accent1"/>
+          </a:effectRef>
+          <a:fontRef idx="minor">
+            <a:schemeClr val="lt1"/>
+          </a:fontRef>
+        </p:style>
+        <p:txBody>
+          <a:bodyPr rtlCol="0" anchor="ctr"/>
+          <a:lstStyle/>
+          <a:p>
+            <a:pPr algn="ctr"/>
+            <a:endParaRPr lang="en-GB" dirty="0"/>
+          </a:p>
+        </p:txBody>
+      </p:sp>
+      <p:grpSp>
+        <p:nvGrpSpPr>
+          <p:cNvPr id="41" name="Gruppieren 40"/>
+          <p:cNvGrpSpPr/>
+          <p:nvPr/>
+        </p:nvGrpSpPr>
+        <p:grpSpPr>
+          <a:xfrm>
+            <a:off x="6873873" y="1253936"/>
+            <a:ext cx="975811" cy="1157533"/>
+            <a:chOff x="681708" y="1929123"/>
+            <a:chExt cx="975811" cy="1157533"/>
+          </a:xfrm>
+        </p:grpSpPr>
+        <p:sp>
+          <p:nvSpPr>
+            <p:cNvPr id="42" name="Ellipse 41"/>
+            <p:cNvSpPr/>
+            <p:nvPr/>
+          </p:nvSpPr>
+          <p:spPr>
+            <a:xfrm>
+              <a:off x="1573136" y="3002273"/>
+              <a:ext cx="84383" cy="84383"/>
+            </a:xfrm>
+            <a:prstGeom prst="ellipse">
+              <a:avLst/>
+            </a:prstGeom>
+            <a:solidFill>
+              <a:srgbClr val="C00000"/>
+            </a:solidFill>
+            <a:ln>
+              <a:noFill/>
+            </a:ln>
+          </p:spPr>
+          <p:style>
+            <a:lnRef idx="2">
+              <a:schemeClr val="accent1">
+                <a:shade val="50000"/>
+              </a:schemeClr>
+            </a:lnRef>
+            <a:fillRef idx="1">
+              <a:schemeClr val="accent1"/>
+            </a:fillRef>
+            <a:effectRef idx="0">
+              <a:schemeClr val="accent1"/>
+            </a:effectRef>
+            <a:fontRef idx="minor">
+              <a:schemeClr val="lt1"/>
+            </a:fontRef>
+          </p:style>
+          <p:txBody>
+            <a:bodyPr rtlCol="0" anchor="ctr"/>
+            <a:lstStyle/>
+            <a:p>
+              <a:pPr algn="ctr"/>
+              <a:endParaRPr lang="en-GB" dirty="0"/>
+            </a:p>
+          </p:txBody>
+        </p:sp>
+        <p:sp>
+          <p:nvSpPr>
+            <p:cNvPr id="43" name="Ellipse 42"/>
+            <p:cNvSpPr/>
+            <p:nvPr/>
+          </p:nvSpPr>
+          <p:spPr>
+            <a:xfrm>
+              <a:off x="681708" y="2987965"/>
+              <a:ext cx="84383" cy="84383"/>
+            </a:xfrm>
+            <a:prstGeom prst="ellipse">
+              <a:avLst/>
+            </a:prstGeom>
+            <a:solidFill>
+              <a:srgbClr val="C00000"/>
+            </a:solidFill>
+            <a:ln>
+              <a:noFill/>
+            </a:ln>
+          </p:spPr>
+          <p:style>
+            <a:lnRef idx="2">
+              <a:schemeClr val="accent1">
+                <a:shade val="50000"/>
+              </a:schemeClr>
+            </a:lnRef>
+            <a:fillRef idx="1">
+              <a:schemeClr val="accent1"/>
+            </a:fillRef>
+            <a:effectRef idx="0">
+              <a:schemeClr val="accent1"/>
+            </a:effectRef>
+            <a:fontRef idx="minor">
+              <a:schemeClr val="lt1"/>
+            </a:fontRef>
+          </p:style>
+          <p:txBody>
+            <a:bodyPr rtlCol="0" anchor="ctr"/>
+            <a:lstStyle/>
+            <a:p>
+              <a:pPr algn="ctr"/>
+              <a:endParaRPr lang="en-GB" dirty="0"/>
+            </a:p>
+          </p:txBody>
+        </p:sp>
+        <p:sp>
+          <p:nvSpPr>
+            <p:cNvPr id="44" name="Ellipse 43"/>
+            <p:cNvSpPr/>
+            <p:nvPr/>
+          </p:nvSpPr>
+          <p:spPr>
+            <a:xfrm>
+              <a:off x="1488753" y="2110100"/>
+              <a:ext cx="84383" cy="84383"/>
+            </a:xfrm>
+            <a:prstGeom prst="ellipse">
+              <a:avLst/>
+            </a:prstGeom>
+            <a:solidFill>
+              <a:srgbClr val="C00000"/>
+            </a:solidFill>
+            <a:ln>
+              <a:noFill/>
+            </a:ln>
+          </p:spPr>
+          <p:style>
+            <a:lnRef idx="2">
+              <a:schemeClr val="accent1">
+                <a:shade val="50000"/>
+              </a:schemeClr>
+            </a:lnRef>
+            <a:fillRef idx="1">
+              <a:schemeClr val="accent1"/>
+            </a:fillRef>
+            <a:effectRef idx="0">
+              <a:schemeClr val="accent1"/>
+            </a:effectRef>
+            <a:fontRef idx="minor">
+              <a:schemeClr val="lt1"/>
+            </a:fontRef>
+          </p:style>
+          <p:txBody>
+            <a:bodyPr rtlCol="0" anchor="ctr"/>
+            <a:lstStyle/>
+            <a:p>
+              <a:pPr algn="ctr"/>
+              <a:endParaRPr lang="en-GB" dirty="0"/>
+            </a:p>
+          </p:txBody>
+        </p:sp>
+        <p:sp>
+          <p:nvSpPr>
+            <p:cNvPr id="45" name="Ellipse 44"/>
+            <p:cNvSpPr/>
+            <p:nvPr/>
+          </p:nvSpPr>
+          <p:spPr>
+            <a:xfrm>
+              <a:off x="901177" y="1929123"/>
+              <a:ext cx="84383" cy="84383"/>
+            </a:xfrm>
+            <a:prstGeom prst="ellipse">
+              <a:avLst/>
+            </a:prstGeom>
+            <a:solidFill>
+              <a:srgbClr val="C00000"/>
+            </a:solidFill>
+            <a:ln>
+              <a:noFill/>
+            </a:ln>
+          </p:spPr>
+          <p:style>
+            <a:lnRef idx="2">
+              <a:schemeClr val="accent1">
+                <a:shade val="50000"/>
+              </a:schemeClr>
+            </a:lnRef>
+            <a:fillRef idx="1">
+              <a:schemeClr val="accent1"/>
+            </a:fillRef>
+            <a:effectRef idx="0">
+              <a:schemeClr val="accent1"/>
+            </a:effectRef>
+            <a:fontRef idx="minor">
+              <a:schemeClr val="lt1"/>
+            </a:fontRef>
+          </p:style>
+          <p:txBody>
+            <a:bodyPr rtlCol="0" anchor="ctr"/>
+            <a:lstStyle/>
+            <a:p>
+              <a:pPr algn="ctr"/>
+              <a:endParaRPr lang="en-GB" dirty="0"/>
+            </a:p>
+          </p:txBody>
+        </p:sp>
+        <p:sp>
+          <p:nvSpPr>
+            <p:cNvPr id="46" name="Ellipse 45"/>
+            <p:cNvSpPr/>
+            <p:nvPr/>
+          </p:nvSpPr>
+          <p:spPr>
+            <a:xfrm>
+              <a:off x="681708" y="2308577"/>
+              <a:ext cx="84383" cy="84383"/>
+            </a:xfrm>
+            <a:prstGeom prst="ellipse">
+              <a:avLst/>
+            </a:prstGeom>
+            <a:solidFill>
+              <a:srgbClr val="C00000"/>
+            </a:solidFill>
+            <a:ln>
+              <a:noFill/>
+            </a:ln>
+          </p:spPr>
+          <p:style>
+            <a:lnRef idx="2">
+              <a:schemeClr val="accent1">
+                <a:shade val="50000"/>
+              </a:schemeClr>
+            </a:lnRef>
+            <a:fillRef idx="1">
+              <a:schemeClr val="accent1"/>
+            </a:fillRef>
+            <a:effectRef idx="0">
+              <a:schemeClr val="accent1"/>
+            </a:effectRef>
+            <a:fontRef idx="minor">
+              <a:schemeClr val="lt1"/>
+            </a:fontRef>
+          </p:style>
+          <p:txBody>
+            <a:bodyPr rtlCol="0" anchor="ctr"/>
+            <a:lstStyle/>
+            <a:p>
+              <a:pPr algn="ctr"/>
+              <a:endParaRPr lang="en-GB" dirty="0"/>
+            </a:p>
+          </p:txBody>
+        </p:sp>
+        <p:sp>
+          <p:nvSpPr>
+            <p:cNvPr id="47" name="Ellipse 46"/>
+            <p:cNvSpPr/>
+            <p:nvPr/>
+          </p:nvSpPr>
+          <p:spPr>
+            <a:xfrm>
+              <a:off x="1081794" y="2535470"/>
+              <a:ext cx="84383" cy="84383"/>
+            </a:xfrm>
+            <a:prstGeom prst="ellipse">
+              <a:avLst/>
+            </a:prstGeom>
+            <a:solidFill>
+              <a:srgbClr val="C00000"/>
+            </a:solidFill>
+            <a:ln>
+              <a:noFill/>
+            </a:ln>
+          </p:spPr>
+          <p:style>
+            <a:lnRef idx="2">
+              <a:schemeClr val="accent1">
+                <a:shade val="50000"/>
+              </a:schemeClr>
+            </a:lnRef>
+            <a:fillRef idx="1">
+              <a:schemeClr val="accent1"/>
+            </a:fillRef>
+            <a:effectRef idx="0">
+              <a:schemeClr val="accent1"/>
+            </a:effectRef>
+            <a:fontRef idx="minor">
+              <a:schemeClr val="lt1"/>
+            </a:fontRef>
+          </p:style>
+          <p:txBody>
+            <a:bodyPr rtlCol="0" anchor="ctr"/>
+            <a:lstStyle/>
+            <a:p>
+              <a:pPr algn="ctr"/>
+              <a:endParaRPr lang="en-GB" dirty="0"/>
+            </a:p>
+          </p:txBody>
+        </p:sp>
+      </p:grpSp>
+      <p:sp>
+        <p:nvSpPr>
+          <p:cNvPr id="48" name="Textfeld 47"/>
+          <p:cNvSpPr txBox="1"/>
+          <p:nvPr/>
+        </p:nvSpPr>
+        <p:spPr>
+          <a:xfrm>
+            <a:off x="3022505" y="3124200"/>
+            <a:ext cx="3098990" cy="523220"/>
+          </a:xfrm>
+          <a:prstGeom prst="rect">
+            <a:avLst/>
+          </a:prstGeom>
+          <a:noFill/>
+        </p:spPr>
+        <p:txBody>
+          <a:bodyPr wrap="none" rtlCol="0">
+            <a:spAutoFit/>
+          </a:bodyPr>
+          <a:lstStyle/>
+          <a:p>
+            <a:pPr algn="ctr"/>
+            <a:r>
+              <a:rPr lang="en-GB" sz="2800" dirty="0" smtClean="0"/>
+              <a:t>N-OLTSP vs H-OLTSP</a:t>
+            </a:r>
+            <a:endParaRPr lang="en-GB" sz="2800" dirty="0"/>
+          </a:p>
+        </p:txBody>
+      </p:sp>
+      <p:sp>
+        <p:nvSpPr>
+          <p:cNvPr id="49" name="Textfeld 48"/>
+          <p:cNvSpPr txBox="1"/>
+          <p:nvPr/>
+        </p:nvSpPr>
+        <p:spPr>
+          <a:xfrm>
+            <a:off x="1014200" y="4428067"/>
+            <a:ext cx="3601627" cy="523220"/>
+          </a:xfrm>
+          <a:prstGeom prst="rect">
+            <a:avLst/>
+          </a:prstGeom>
+          <a:noFill/>
+        </p:spPr>
+        <p:txBody>
+          <a:bodyPr wrap="none" rtlCol="0">
+            <a:spAutoFit/>
+          </a:bodyPr>
+          <a:lstStyle/>
+          <a:p>
+            <a:r>
+              <a:rPr lang="en-GB" sz="2800" dirty="0" smtClean="0"/>
+              <a:t>ALG r-competitive </a:t>
+            </a:r>
+            <a:r>
+              <a:rPr lang="en-GB" sz="2800" dirty="0" smtClean="0">
+                <a:sym typeface="Wingdings" panose="05000000000000000000" pitchFamily="2" charset="2"/>
+              </a:rPr>
+              <a:t> …</a:t>
+            </a:r>
+            <a:endParaRPr lang="en-GB" sz="2800" dirty="0"/>
           </a:p>
         </p:txBody>
       </p:sp>
@@ -4501,6 +10402,18 @@
   <p:clrMapOvr>
     <a:masterClrMapping/>
   </p:clrMapOvr>
+  <mc:AlternateContent xmlns:mc="http://schemas.openxmlformats.org/markup-compatibility/2006">
+    <mc:Choice xmlns:p14="http://schemas.microsoft.com/office/powerpoint/2010/main" Requires="p14">
+      <p:transition spd="med" p14:dur="700">
+        <p:fade/>
+      </p:transition>
+    </mc:Choice>
+    <mc:Fallback>
+      <p:transition spd="med">
+        <p:fade/>
+      </p:transition>
+    </mc:Fallback>
+  </mc:AlternateContent>
   <p:timing>
     <p:tnLst>
       <p:par>
@@ -4562,6 +10475,112 @@
                       </p:childTnLst>
                     </p:cTn>
                   </p:par>
+                  <p:par>
+                    <p:cTn id="8" fill="hold">
+                      <p:stCondLst>
+                        <p:cond delay="indefinite"/>
+                      </p:stCondLst>
+                      <p:childTnLst>
+                        <p:par>
+                          <p:cTn id="9" fill="hold">
+                            <p:stCondLst>
+                              <p:cond delay="0"/>
+                            </p:stCondLst>
+                            <p:childTnLst>
+                              <p:par>
+                                <p:cTn id="10" presetID="10" presetClass="entr" presetSubtype="0" fill="hold" grpId="0" nodeType="clickEffect">
+                                  <p:stCondLst>
+                                    <p:cond delay="0"/>
+                                  </p:stCondLst>
+                                  <p:childTnLst>
+                                    <p:set>
+                                      <p:cBhvr>
+                                        <p:cTn id="11" dur="1" fill="hold">
+                                          <p:stCondLst>
+                                            <p:cond delay="0"/>
+                                          </p:stCondLst>
+                                        </p:cTn>
+                                        <p:tgtEl>
+                                          <p:spTgt spid="40"/>
+                                        </p:tgtEl>
+                                        <p:attrNameLst>
+                                          <p:attrName>style.visibility</p:attrName>
+                                        </p:attrNameLst>
+                                      </p:cBhvr>
+                                      <p:to>
+                                        <p:strVal val="visible"/>
+                                      </p:to>
+                                    </p:set>
+                                    <p:animEffect transition="in" filter="fade">
+                                      <p:cBhvr>
+                                        <p:cTn id="12" dur="500"/>
+                                        <p:tgtEl>
+                                          <p:spTgt spid="40"/>
+                                        </p:tgtEl>
+                                      </p:cBhvr>
+                                    </p:animEffect>
+                                  </p:childTnLst>
+                                </p:cTn>
+                              </p:par>
+                            </p:childTnLst>
+                          </p:cTn>
+                        </p:par>
+                      </p:childTnLst>
+                    </p:cTn>
+                  </p:par>
+                  <p:par>
+                    <p:cTn id="13" fill="hold">
+                      <p:stCondLst>
+                        <p:cond delay="indefinite"/>
+                      </p:stCondLst>
+                      <p:childTnLst>
+                        <p:par>
+                          <p:cTn id="14" fill="hold">
+                            <p:stCondLst>
+                              <p:cond delay="0"/>
+                            </p:stCondLst>
+                            <p:childTnLst>
+                              <p:par>
+                                <p:cTn id="15" presetID="10" presetClass="entr" presetSubtype="0" fill="hold" nodeType="clickEffect">
+                                  <p:stCondLst>
+                                    <p:cond delay="0"/>
+                                  </p:stCondLst>
+                                  <p:childTnLst>
+                                    <p:set>
+                                      <p:cBhvr>
+                                        <p:cTn id="16" dur="1" fill="hold">
+                                          <p:stCondLst>
+                                            <p:cond delay="0"/>
+                                          </p:stCondLst>
+                                        </p:cTn>
+                                        <p:tgtEl>
+                                          <p:spTgt spid="41"/>
+                                        </p:tgtEl>
+                                        <p:attrNameLst>
+                                          <p:attrName>style.visibility</p:attrName>
+                                        </p:attrNameLst>
+                                      </p:cBhvr>
+                                      <p:to>
+                                        <p:strVal val="visible"/>
+                                      </p:to>
+                                    </p:set>
+                                    <p:animEffect transition="in" filter="fade">
+                                      <p:cBhvr>
+                                        <p:cTn id="17" dur="500"/>
+                                        <p:tgtEl>
+                                          <p:spTgt spid="41"/>
+                                        </p:tgtEl>
+                                      </p:cBhvr>
+                                    </p:animEffect>
+                                  </p:childTnLst>
+                                </p:cTn>
+                              </p:par>
+                            </p:childTnLst>
+                          </p:cTn>
+                        </p:par>
+                      </p:childTnLst>
+                    </p:cTn>
+                  </p:par>
                 </p:childTnLst>
               </p:cTn>
               <p:prevCondLst>
@@ -4585,12 +10604,13 @@
     </p:tnLst>
     <p:bldLst>
       <p:bldP spid="3" grpId="0"/>
+      <p:bldP spid="40" grpId="0" animBg="1"/>
     </p:bldLst>
   </p:timing>
 </p:sld>
 </file>
 
-<file path=ppt/slides/slide4.xml><?xml version="1.0" encoding="utf-8"?>
+<file path=ppt/slides/slide5.xml><?xml version="1.0" encoding="utf-8"?>
 <p:sld xmlns:a="http://schemas.openxmlformats.org/drawingml/2006/main" xmlns:r="http://schemas.openxmlformats.org/officeDocument/2006/relationships" xmlns:p="http://schemas.openxmlformats.org/presentationml/2006/main">
   <p:cSld>
     <p:spTree>
@@ -4623,10 +10643,362 @@
           <a:lstStyle/>
           <a:p>
             <a:r>
+              <a:rPr lang="en-GB" dirty="0" smtClean="0"/>
+              <a:t>Goals</a:t>
+            </a:r>
+            <a:endParaRPr lang="en-GB" dirty="0"/>
+          </a:p>
+        </p:txBody>
+      </p:sp>
+      <p:sp>
+        <p:nvSpPr>
+          <p:cNvPr id="2" name="Textfeld 1"/>
+          <p:cNvSpPr txBox="1"/>
+          <p:nvPr/>
+        </p:nvSpPr>
+        <p:spPr>
+          <a:xfrm>
+            <a:off x="1138624" y="895547"/>
+            <a:ext cx="5744650" cy="3539430"/>
+          </a:xfrm>
+          <a:prstGeom prst="rect">
+            <a:avLst/>
+          </a:prstGeom>
+          <a:noFill/>
+        </p:spPr>
+        <p:txBody>
+          <a:bodyPr wrap="none" rtlCol="0">
+            <a:spAutoFit/>
+          </a:bodyPr>
+          <a:lstStyle/>
+          <a:p>
+            <a:pPr marL="571500" indent="-571500">
+              <a:lnSpc>
+                <a:spcPct val="200000"/>
+              </a:lnSpc>
+              <a:buFont typeface="+mj-lt"/>
+              <a:buAutoNum type="romanUcPeriod"/>
+            </a:pPr>
+            <a:r>
+              <a:rPr lang="en-GB" sz="2800" dirty="0" smtClean="0"/>
+              <a:t>Find online-algorithms</a:t>
+            </a:r>
+          </a:p>
+          <a:p>
+            <a:pPr marL="571500" indent="-571500">
+              <a:lnSpc>
+                <a:spcPct val="200000"/>
+              </a:lnSpc>
+              <a:buFont typeface="+mj-lt"/>
+              <a:buAutoNum type="romanUcPeriod"/>
+            </a:pPr>
+            <a:r>
+              <a:rPr lang="en-GB" sz="2800" dirty="0" smtClean="0"/>
+              <a:t>Find lower bounds</a:t>
+            </a:r>
+          </a:p>
+          <a:p>
+            <a:pPr marL="571500" indent="-571500">
+              <a:lnSpc>
+                <a:spcPct val="200000"/>
+              </a:lnSpc>
+              <a:buFont typeface="+mj-lt"/>
+              <a:buAutoNum type="romanUcPeriod"/>
+            </a:pPr>
+            <a:r>
+              <a:rPr lang="en-GB" sz="2800" dirty="0" smtClean="0"/>
+              <a:t>Find </a:t>
+            </a:r>
+            <a:r>
+              <a:rPr lang="en-GB" sz="2800" i="1" dirty="0" smtClean="0"/>
+              <a:t>polynomial</a:t>
+            </a:r>
+            <a:r>
+              <a:rPr lang="en-GB" sz="2800" dirty="0" smtClean="0"/>
+              <a:t> online-algorithms</a:t>
+            </a:r>
+          </a:p>
+          <a:p>
+            <a:pPr marL="571500" indent="-571500">
+              <a:lnSpc>
+                <a:spcPct val="200000"/>
+              </a:lnSpc>
+              <a:buFont typeface="+mj-lt"/>
+              <a:buAutoNum type="romanUcPeriod"/>
+            </a:pPr>
+            <a:r>
+              <a:rPr lang="en-GB" sz="2800" dirty="0" smtClean="0"/>
+              <a:t>The real line</a:t>
+            </a:r>
+          </a:p>
+        </p:txBody>
+      </p:sp>
+      <p:sp>
+        <p:nvSpPr>
+          <p:cNvPr id="4" name="Rechteck 3"/>
+          <p:cNvSpPr>
+            <a:spLocks/>
+          </p:cNvSpPr>
+          <p:nvPr/>
+        </p:nvSpPr>
+        <p:spPr>
+          <a:xfrm rot="10800000" flipV="1">
+            <a:off x="0" y="5382704"/>
+            <a:ext cx="2276572" cy="329939"/>
+          </a:xfrm>
+          <a:prstGeom prst="rect">
+            <a:avLst/>
+          </a:prstGeom>
+          <a:solidFill>
+            <a:srgbClr val="C00000"/>
+          </a:solidFill>
+          <a:ln>
+            <a:noFill/>
+          </a:ln>
+        </p:spPr>
+        <p:style>
+          <a:lnRef idx="2">
+            <a:schemeClr val="accent1">
+              <a:shade val="50000"/>
+            </a:schemeClr>
+          </a:lnRef>
+          <a:fillRef idx="1">
+            <a:schemeClr val="accent1"/>
+          </a:fillRef>
+          <a:effectRef idx="0">
+            <a:schemeClr val="accent1"/>
+          </a:effectRef>
+          <a:fontRef idx="minor">
+            <a:schemeClr val="lt1"/>
+          </a:fontRef>
+        </p:style>
+        <p:txBody>
+          <a:bodyPr rtlCol="0" anchor="ctr"/>
+          <a:lstStyle/>
+          <a:p>
+            <a:pPr algn="ctr"/>
+            <a:r>
               <a:rPr lang="de-DE" dirty="0" smtClean="0"/>
-              <a:t>Goals</a:t>
+              <a:t>I. </a:t>
+            </a:r>
+            <a:r>
+              <a:rPr lang="de-DE" dirty="0" err="1" smtClean="0"/>
+              <a:t>Algorithms</a:t>
             </a:r>
             <a:endParaRPr lang="de-DE" dirty="0"/>
+          </a:p>
+        </p:txBody>
+      </p:sp>
+      <p:sp>
+        <p:nvSpPr>
+          <p:cNvPr id="5" name="Rechteck 4"/>
+          <p:cNvSpPr>
+            <a:spLocks/>
+          </p:cNvSpPr>
+          <p:nvPr/>
+        </p:nvSpPr>
+        <p:spPr>
+          <a:xfrm rot="10800000" flipV="1">
+            <a:off x="2276572" y="5382704"/>
+            <a:ext cx="2276572" cy="329939"/>
+          </a:xfrm>
+          <a:prstGeom prst="rect">
+            <a:avLst/>
+          </a:prstGeom>
+          <a:solidFill>
+            <a:srgbClr val="6600CC"/>
+          </a:solidFill>
+          <a:ln>
+            <a:noFill/>
+          </a:ln>
+        </p:spPr>
+        <p:style>
+          <a:lnRef idx="2">
+            <a:schemeClr val="accent1">
+              <a:shade val="50000"/>
+            </a:schemeClr>
+          </a:lnRef>
+          <a:fillRef idx="1">
+            <a:schemeClr val="accent1"/>
+          </a:fillRef>
+          <a:effectRef idx="0">
+            <a:schemeClr val="accent1"/>
+          </a:effectRef>
+          <a:fontRef idx="minor">
+            <a:schemeClr val="lt1"/>
+          </a:fontRef>
+        </p:style>
+        <p:txBody>
+          <a:bodyPr rtlCol="0" anchor="ctr"/>
+          <a:lstStyle/>
+          <a:p>
+            <a:pPr algn="ctr"/>
+            <a:r>
+              <a:rPr lang="de-DE" dirty="0" smtClean="0"/>
+              <a:t>II. </a:t>
+            </a:r>
+            <a:r>
+              <a:rPr lang="de-DE" dirty="0" err="1" smtClean="0"/>
+              <a:t>Lower</a:t>
+            </a:r>
+            <a:r>
+              <a:rPr lang="de-DE" dirty="0" smtClean="0"/>
+              <a:t> </a:t>
+            </a:r>
+            <a:r>
+              <a:rPr lang="de-DE" dirty="0" err="1" smtClean="0"/>
+              <a:t>Bounds</a:t>
+            </a:r>
+            <a:endParaRPr lang="de-DE" dirty="0"/>
+          </a:p>
+        </p:txBody>
+      </p:sp>
+      <p:sp>
+        <p:nvSpPr>
+          <p:cNvPr id="6" name="Rechteck 5"/>
+          <p:cNvSpPr>
+            <a:spLocks/>
+          </p:cNvSpPr>
+          <p:nvPr/>
+        </p:nvSpPr>
+        <p:spPr>
+          <a:xfrm rot="10800000" flipV="1">
+            <a:off x="4553143" y="5382704"/>
+            <a:ext cx="2276572" cy="329939"/>
+          </a:xfrm>
+          <a:prstGeom prst="rect">
+            <a:avLst/>
+          </a:prstGeom>
+          <a:solidFill>
+            <a:srgbClr val="000099"/>
+          </a:solidFill>
+          <a:ln>
+            <a:noFill/>
+          </a:ln>
+        </p:spPr>
+        <p:style>
+          <a:lnRef idx="2">
+            <a:schemeClr val="accent1">
+              <a:shade val="50000"/>
+            </a:schemeClr>
+          </a:lnRef>
+          <a:fillRef idx="1">
+            <a:schemeClr val="accent1"/>
+          </a:fillRef>
+          <a:effectRef idx="0">
+            <a:schemeClr val="accent1"/>
+          </a:effectRef>
+          <a:fontRef idx="minor">
+            <a:schemeClr val="lt1"/>
+          </a:fontRef>
+        </p:style>
+        <p:txBody>
+          <a:bodyPr rtlCol="0" anchor="ctr"/>
+          <a:lstStyle/>
+          <a:p>
+            <a:pPr algn="ctr"/>
+            <a:r>
+              <a:rPr lang="de-DE" dirty="0" smtClean="0"/>
+              <a:t>III. </a:t>
+            </a:r>
+            <a:r>
+              <a:rPr lang="de-DE" dirty="0" err="1" smtClean="0"/>
+              <a:t>Polynomial</a:t>
+            </a:r>
+            <a:r>
+              <a:rPr lang="de-DE" dirty="0" smtClean="0"/>
+              <a:t> Alg.</a:t>
+            </a:r>
+            <a:endParaRPr lang="de-DE" dirty="0"/>
+          </a:p>
+        </p:txBody>
+      </p:sp>
+      <p:sp>
+        <p:nvSpPr>
+          <p:cNvPr id="7" name="Rechteck 6"/>
+          <p:cNvSpPr>
+            <a:spLocks/>
+          </p:cNvSpPr>
+          <p:nvPr/>
+        </p:nvSpPr>
+        <p:spPr>
+          <a:xfrm rot="10800000" flipV="1">
+            <a:off x="6829712" y="5382704"/>
+            <a:ext cx="2314287" cy="329939"/>
+          </a:xfrm>
+          <a:prstGeom prst="rect">
+            <a:avLst/>
+          </a:prstGeom>
+          <a:solidFill>
+            <a:srgbClr val="006600"/>
+          </a:solidFill>
+          <a:ln>
+            <a:noFill/>
+          </a:ln>
+        </p:spPr>
+        <p:style>
+          <a:lnRef idx="2">
+            <a:schemeClr val="accent1">
+              <a:shade val="50000"/>
+            </a:schemeClr>
+          </a:lnRef>
+          <a:fillRef idx="1">
+            <a:schemeClr val="accent1"/>
+          </a:fillRef>
+          <a:effectRef idx="0">
+            <a:schemeClr val="accent1"/>
+          </a:effectRef>
+          <a:fontRef idx="minor">
+            <a:schemeClr val="lt1"/>
+          </a:fontRef>
+        </p:style>
+        <p:txBody>
+          <a:bodyPr rtlCol="0" anchor="ctr"/>
+          <a:lstStyle/>
+          <a:p>
+            <a:pPr algn="ctr"/>
+            <a:r>
+              <a:rPr lang="de-DE" dirty="0" smtClean="0"/>
+              <a:t>IV. Real Line</a:t>
+            </a:r>
+            <a:endParaRPr lang="de-DE" dirty="0"/>
+          </a:p>
+        </p:txBody>
+      </p:sp>
+      <p:sp>
+        <p:nvSpPr>
+          <p:cNvPr id="8" name="Textfeld 7"/>
+          <p:cNvSpPr txBox="1"/>
+          <p:nvPr/>
+        </p:nvSpPr>
+        <p:spPr>
+          <a:xfrm>
+            <a:off x="4957238" y="1193534"/>
+            <a:ext cx="3010761" cy="523220"/>
+          </a:xfrm>
+          <a:prstGeom prst="rect">
+            <a:avLst/>
+          </a:prstGeom>
+          <a:noFill/>
+        </p:spPr>
+        <p:txBody>
+          <a:bodyPr wrap="none" rtlCol="0">
+            <a:spAutoFit/>
+          </a:bodyPr>
+          <a:lstStyle/>
+          <a:p>
+            <a:r>
+              <a:rPr lang="en-GB" sz="2800" dirty="0"/>
+              <a:t> (</a:t>
+            </a:r>
+            <a:r>
+              <a:rPr lang="en-GB" sz="2800" dirty="0" err="1"/>
+              <a:t>superpolynomial</a:t>
+            </a:r>
+            <a:r>
+              <a:rPr lang="en-GB" sz="2800" dirty="0"/>
+              <a:t>) </a:t>
+            </a:r>
           </a:p>
         </p:txBody>
       </p:sp>
@@ -4640,17 +11012,627 @@
   <p:clrMapOvr>
     <a:masterClrMapping/>
   </p:clrMapOvr>
+  <mc:AlternateContent xmlns:mc="http://schemas.openxmlformats.org/markup-compatibility/2006">
+    <mc:Choice xmlns:p14="http://schemas.microsoft.com/office/powerpoint/2010/main" Requires="p14">
+      <p:transition spd="med" p14:dur="700">
+        <p:fade/>
+      </p:transition>
+    </mc:Choice>
+    <mc:Fallback>
+      <p:transition spd="med">
+        <p:fade/>
+      </p:transition>
+    </mc:Fallback>
+  </mc:AlternateContent>
   <p:timing>
     <p:tnLst>
       <p:par>
-        <p:cTn id="1" dur="indefinite" restart="never" nodeType="tmRoot"/>
+        <p:cTn id="1" dur="indefinite" restart="never" nodeType="tmRoot">
+          <p:childTnLst>
+            <p:seq concurrent="1" nextAc="seek">
+              <p:cTn id="2" dur="indefinite" nodeType="mainSeq">
+                <p:childTnLst>
+                  <p:par>
+                    <p:cTn id="3" fill="hold">
+                      <p:stCondLst>
+                        <p:cond delay="indefinite"/>
+                      </p:stCondLst>
+                      <p:childTnLst>
+                        <p:par>
+                          <p:cTn id="4" fill="hold">
+                            <p:stCondLst>
+                              <p:cond delay="0"/>
+                            </p:stCondLst>
+                            <p:childTnLst>
+                              <p:par>
+                                <p:cTn id="5" presetID="10" presetClass="entr" presetSubtype="0" fill="hold" grpId="0" nodeType="clickEffect">
+                                  <p:stCondLst>
+                                    <p:cond delay="0"/>
+                                  </p:stCondLst>
+                                  <p:childTnLst>
+                                    <p:set>
+                                      <p:cBhvr>
+                                        <p:cTn id="6" dur="1" fill="hold">
+                                          <p:stCondLst>
+                                            <p:cond delay="0"/>
+                                          </p:stCondLst>
+                                        </p:cTn>
+                                        <p:tgtEl>
+                                          <p:spTgt spid="2">
+                                            <p:txEl>
+                                              <p:pRg st="0" end="0"/>
+                                            </p:txEl>
+                                          </p:spTgt>
+                                        </p:tgtEl>
+                                        <p:attrNameLst>
+                                          <p:attrName>style.visibility</p:attrName>
+                                        </p:attrNameLst>
+                                      </p:cBhvr>
+                                      <p:to>
+                                        <p:strVal val="visible"/>
+                                      </p:to>
+                                    </p:set>
+                                    <p:animEffect transition="in" filter="fade">
+                                      <p:cBhvr>
+                                        <p:cTn id="7" dur="500"/>
+                                        <p:tgtEl>
+                                          <p:spTgt spid="2">
+                                            <p:txEl>
+                                              <p:pRg st="0" end="0"/>
+                                            </p:txEl>
+                                          </p:spTgt>
+                                        </p:tgtEl>
+                                      </p:cBhvr>
+                                    </p:animEffect>
+                                  </p:childTnLst>
+                                </p:cTn>
+                              </p:par>
+                              <p:par>
+                                <p:cTn id="8" presetID="1" presetClass="entr" presetSubtype="0" fill="hold" grpId="0" nodeType="withEffect">
+                                  <p:stCondLst>
+                                    <p:cond delay="0"/>
+                                  </p:stCondLst>
+                                  <p:childTnLst>
+                                    <p:set>
+                                      <p:cBhvr>
+                                        <p:cTn id="9" dur="1" fill="hold">
+                                          <p:stCondLst>
+                                            <p:cond delay="0"/>
+                                          </p:stCondLst>
+                                        </p:cTn>
+                                        <p:tgtEl>
+                                          <p:spTgt spid="4"/>
+                                        </p:tgtEl>
+                                        <p:attrNameLst>
+                                          <p:attrName>style.visibility</p:attrName>
+                                        </p:attrNameLst>
+                                      </p:cBhvr>
+                                      <p:to>
+                                        <p:strVal val="visible"/>
+                                      </p:to>
+                                    </p:set>
+                                  </p:childTnLst>
+                                </p:cTn>
+                              </p:par>
+                            </p:childTnLst>
+                          </p:cTn>
+                        </p:par>
+                      </p:childTnLst>
+                    </p:cTn>
+                  </p:par>
+                  <p:par>
+                    <p:cTn id="10" fill="hold">
+                      <p:stCondLst>
+                        <p:cond delay="indefinite"/>
+                      </p:stCondLst>
+                      <p:childTnLst>
+                        <p:par>
+                          <p:cTn id="11" fill="hold">
+                            <p:stCondLst>
+                              <p:cond delay="0"/>
+                            </p:stCondLst>
+                            <p:childTnLst>
+                              <p:par>
+                                <p:cTn id="12" presetID="10" presetClass="entr" presetSubtype="0" fill="hold" grpId="0" nodeType="clickEffect">
+                                  <p:stCondLst>
+                                    <p:cond delay="0"/>
+                                  </p:stCondLst>
+                                  <p:childTnLst>
+                                    <p:set>
+                                      <p:cBhvr>
+                                        <p:cTn id="13" dur="1" fill="hold">
+                                          <p:stCondLst>
+                                            <p:cond delay="0"/>
+                                          </p:stCondLst>
+                                        </p:cTn>
+                                        <p:tgtEl>
+                                          <p:spTgt spid="8"/>
+                                        </p:tgtEl>
+                                        <p:attrNameLst>
+                                          <p:attrName>style.visibility</p:attrName>
+                                        </p:attrNameLst>
+                                      </p:cBhvr>
+                                      <p:to>
+                                        <p:strVal val="visible"/>
+                                      </p:to>
+                                    </p:set>
+                                    <p:animEffect transition="in" filter="fade">
+                                      <p:cBhvr>
+                                        <p:cTn id="14" dur="500"/>
+                                        <p:tgtEl>
+                                          <p:spTgt spid="8"/>
+                                        </p:tgtEl>
+                                      </p:cBhvr>
+                                    </p:animEffect>
+                                  </p:childTnLst>
+                                </p:cTn>
+                              </p:par>
+                            </p:childTnLst>
+                          </p:cTn>
+                        </p:par>
+                      </p:childTnLst>
+                    </p:cTn>
+                  </p:par>
+                  <p:par>
+                    <p:cTn id="15" fill="hold">
+                      <p:stCondLst>
+                        <p:cond delay="indefinite"/>
+                      </p:stCondLst>
+                      <p:childTnLst>
+                        <p:par>
+                          <p:cTn id="16" fill="hold">
+                            <p:stCondLst>
+                              <p:cond delay="0"/>
+                            </p:stCondLst>
+                            <p:childTnLst>
+                              <p:par>
+                                <p:cTn id="17" presetID="10" presetClass="entr" presetSubtype="0" fill="hold" grpId="0" nodeType="clickEffect">
+                                  <p:stCondLst>
+                                    <p:cond delay="0"/>
+                                  </p:stCondLst>
+                                  <p:iterate type="wd">
+                                    <p:tmPct val="10000"/>
+                                  </p:iterate>
+                                  <p:childTnLst>
+                                    <p:set>
+                                      <p:cBhvr>
+                                        <p:cTn id="18" dur="1" fill="hold">
+                                          <p:stCondLst>
+                                            <p:cond delay="0"/>
+                                          </p:stCondLst>
+                                        </p:cTn>
+                                        <p:tgtEl>
+                                          <p:spTgt spid="2">
+                                            <p:txEl>
+                                              <p:pRg st="1" end="1"/>
+                                            </p:txEl>
+                                          </p:spTgt>
+                                        </p:tgtEl>
+                                        <p:attrNameLst>
+                                          <p:attrName>style.visibility</p:attrName>
+                                        </p:attrNameLst>
+                                      </p:cBhvr>
+                                      <p:to>
+                                        <p:strVal val="visible"/>
+                                      </p:to>
+                                    </p:set>
+                                    <p:animEffect transition="in" filter="fade">
+                                      <p:cBhvr>
+                                        <p:cTn id="19" dur="500"/>
+                                        <p:tgtEl>
+                                          <p:spTgt spid="2">
+                                            <p:txEl>
+                                              <p:pRg st="1" end="1"/>
+                                            </p:txEl>
+                                          </p:spTgt>
+                                        </p:tgtEl>
+                                      </p:cBhvr>
+                                    </p:animEffect>
+                                  </p:childTnLst>
+                                </p:cTn>
+                              </p:par>
+                              <p:par>
+                                <p:cTn id="20" presetID="1" presetClass="emph" presetSubtype="2" fill="hold" nodeType="withEffect">
+                                  <p:stCondLst>
+                                    <p:cond delay="0"/>
+                                  </p:stCondLst>
+                                  <p:childTnLst>
+                                    <p:animClr clrSpc="rgb" dir="cw">
+                                      <p:cBhvr>
+                                        <p:cTn id="21" dur="250" fill="hold"/>
+                                        <p:tgtEl>
+                                          <p:spTgt spid="4"/>
+                                        </p:tgtEl>
+                                        <p:attrNameLst>
+                                          <p:attrName>fillcolor</p:attrName>
+                                        </p:attrNameLst>
+                                      </p:cBhvr>
+                                      <p:to>
+                                        <a:srgbClr val="7F7F7F"/>
+                                      </p:to>
+                                    </p:animClr>
+                                    <p:set>
+                                      <p:cBhvr>
+                                        <p:cTn id="22" dur="250" fill="hold"/>
+                                        <p:tgtEl>
+                                          <p:spTgt spid="4"/>
+                                        </p:tgtEl>
+                                        <p:attrNameLst>
+                                          <p:attrName>fill.type</p:attrName>
+                                        </p:attrNameLst>
+                                      </p:cBhvr>
+                                      <p:to>
+                                        <p:strVal val="solid"/>
+                                      </p:to>
+                                    </p:set>
+                                    <p:set>
+                                      <p:cBhvr>
+                                        <p:cTn id="23" dur="250" fill="hold"/>
+                                        <p:tgtEl>
+                                          <p:spTgt spid="4"/>
+                                        </p:tgtEl>
+                                        <p:attrNameLst>
+                                          <p:attrName>fill.on</p:attrName>
+                                        </p:attrNameLst>
+                                      </p:cBhvr>
+                                      <p:to>
+                                        <p:strVal val="true"/>
+                                      </p:to>
+                                    </p:set>
+                                  </p:childTnLst>
+                                </p:cTn>
+                              </p:par>
+                              <p:par>
+                                <p:cTn id="24" presetID="1" presetClass="entr" presetSubtype="0" fill="hold" grpId="0" nodeType="withEffect">
+                                  <p:stCondLst>
+                                    <p:cond delay="0"/>
+                                  </p:stCondLst>
+                                  <p:childTnLst>
+                                    <p:set>
+                                      <p:cBhvr>
+                                        <p:cTn id="25" dur="1" fill="hold">
+                                          <p:stCondLst>
+                                            <p:cond delay="0"/>
+                                          </p:stCondLst>
+                                        </p:cTn>
+                                        <p:tgtEl>
+                                          <p:spTgt spid="5"/>
+                                        </p:tgtEl>
+                                        <p:attrNameLst>
+                                          <p:attrName>style.visibility</p:attrName>
+                                        </p:attrNameLst>
+                                      </p:cBhvr>
+                                      <p:to>
+                                        <p:strVal val="visible"/>
+                                      </p:to>
+                                    </p:set>
+                                  </p:childTnLst>
+                                </p:cTn>
+                              </p:par>
+                            </p:childTnLst>
+                          </p:cTn>
+                        </p:par>
+                      </p:childTnLst>
+                    </p:cTn>
+                  </p:par>
+                  <p:par>
+                    <p:cTn id="26" fill="hold">
+                      <p:stCondLst>
+                        <p:cond delay="indefinite"/>
+                      </p:stCondLst>
+                      <p:childTnLst>
+                        <p:par>
+                          <p:cTn id="27" fill="hold">
+                            <p:stCondLst>
+                              <p:cond delay="0"/>
+                            </p:stCondLst>
+                            <p:childTnLst>
+                              <p:par>
+                                <p:cTn id="28" presetID="10" presetClass="entr" presetSubtype="0" fill="hold" grpId="0" nodeType="clickEffect">
+                                  <p:stCondLst>
+                                    <p:cond delay="0"/>
+                                  </p:stCondLst>
+                                  <p:iterate type="wd">
+                                    <p:tmPct val="10000"/>
+                                  </p:iterate>
+                                  <p:childTnLst>
+                                    <p:set>
+                                      <p:cBhvr>
+                                        <p:cTn id="29" dur="1" fill="hold">
+                                          <p:stCondLst>
+                                            <p:cond delay="0"/>
+                                          </p:stCondLst>
+                                        </p:cTn>
+                                        <p:tgtEl>
+                                          <p:spTgt spid="2">
+                                            <p:txEl>
+                                              <p:pRg st="2" end="2"/>
+                                            </p:txEl>
+                                          </p:spTgt>
+                                        </p:tgtEl>
+                                        <p:attrNameLst>
+                                          <p:attrName>style.visibility</p:attrName>
+                                        </p:attrNameLst>
+                                      </p:cBhvr>
+                                      <p:to>
+                                        <p:strVal val="visible"/>
+                                      </p:to>
+                                    </p:set>
+                                    <p:animEffect transition="in" filter="fade">
+                                      <p:cBhvr>
+                                        <p:cTn id="30" dur="500"/>
+                                        <p:tgtEl>
+                                          <p:spTgt spid="2">
+                                            <p:txEl>
+                                              <p:pRg st="2" end="2"/>
+                                            </p:txEl>
+                                          </p:spTgt>
+                                        </p:tgtEl>
+                                      </p:cBhvr>
+                                    </p:animEffect>
+                                  </p:childTnLst>
+                                </p:cTn>
+                              </p:par>
+                              <p:par>
+                                <p:cTn id="31" presetID="1" presetClass="entr" presetSubtype="0" fill="hold" grpId="0" nodeType="withEffect">
+                                  <p:stCondLst>
+                                    <p:cond delay="0"/>
+                                  </p:stCondLst>
+                                  <p:childTnLst>
+                                    <p:set>
+                                      <p:cBhvr>
+                                        <p:cTn id="32" dur="1" fill="hold">
+                                          <p:stCondLst>
+                                            <p:cond delay="0"/>
+                                          </p:stCondLst>
+                                        </p:cTn>
+                                        <p:tgtEl>
+                                          <p:spTgt spid="6"/>
+                                        </p:tgtEl>
+                                        <p:attrNameLst>
+                                          <p:attrName>style.visibility</p:attrName>
+                                        </p:attrNameLst>
+                                      </p:cBhvr>
+                                      <p:to>
+                                        <p:strVal val="visible"/>
+                                      </p:to>
+                                    </p:set>
+                                  </p:childTnLst>
+                                </p:cTn>
+                              </p:par>
+                              <p:par>
+                                <p:cTn id="33" presetID="1" presetClass="emph" presetSubtype="2" fill="hold" nodeType="withEffect">
+                                  <p:stCondLst>
+                                    <p:cond delay="0"/>
+                                  </p:stCondLst>
+                                  <p:childTnLst>
+                                    <p:animClr clrSpc="rgb" dir="cw">
+                                      <p:cBhvr>
+                                        <p:cTn id="34" dur="250" fill="hold"/>
+                                        <p:tgtEl>
+                                          <p:spTgt spid="5"/>
+                                        </p:tgtEl>
+                                        <p:attrNameLst>
+                                          <p:attrName>fillcolor</p:attrName>
+                                        </p:attrNameLst>
+                                      </p:cBhvr>
+                                      <p:to>
+                                        <a:srgbClr val="7F7F7F"/>
+                                      </p:to>
+                                    </p:animClr>
+                                    <p:set>
+                                      <p:cBhvr>
+                                        <p:cTn id="35" dur="250" fill="hold"/>
+                                        <p:tgtEl>
+                                          <p:spTgt spid="5"/>
+                                        </p:tgtEl>
+                                        <p:attrNameLst>
+                                          <p:attrName>fill.type</p:attrName>
+                                        </p:attrNameLst>
+                                      </p:cBhvr>
+                                      <p:to>
+                                        <p:strVal val="solid"/>
+                                      </p:to>
+                                    </p:set>
+                                    <p:set>
+                                      <p:cBhvr>
+                                        <p:cTn id="36" dur="250" fill="hold"/>
+                                        <p:tgtEl>
+                                          <p:spTgt spid="5"/>
+                                        </p:tgtEl>
+                                        <p:attrNameLst>
+                                          <p:attrName>fill.on</p:attrName>
+                                        </p:attrNameLst>
+                                      </p:cBhvr>
+                                      <p:to>
+                                        <p:strVal val="true"/>
+                                      </p:to>
+                                    </p:set>
+                                  </p:childTnLst>
+                                </p:cTn>
+                              </p:par>
+                            </p:childTnLst>
+                          </p:cTn>
+                        </p:par>
+                      </p:childTnLst>
+                    </p:cTn>
+                  </p:par>
+                  <p:par>
+                    <p:cTn id="37" fill="hold">
+                      <p:stCondLst>
+                        <p:cond delay="indefinite"/>
+                      </p:stCondLst>
+                      <p:childTnLst>
+                        <p:par>
+                          <p:cTn id="38" fill="hold">
+                            <p:stCondLst>
+                              <p:cond delay="0"/>
+                            </p:stCondLst>
+                            <p:childTnLst>
+                              <p:par>
+                                <p:cTn id="39" presetID="10" presetClass="entr" presetSubtype="0" fill="hold" grpId="0" nodeType="clickEffect">
+                                  <p:stCondLst>
+                                    <p:cond delay="0"/>
+                                  </p:stCondLst>
+                                  <p:iterate type="wd">
+                                    <p:tmPct val="10000"/>
+                                  </p:iterate>
+                                  <p:childTnLst>
+                                    <p:set>
+                                      <p:cBhvr>
+                                        <p:cTn id="40" dur="1" fill="hold">
+                                          <p:stCondLst>
+                                            <p:cond delay="0"/>
+                                          </p:stCondLst>
+                                        </p:cTn>
+                                        <p:tgtEl>
+                                          <p:spTgt spid="2">
+                                            <p:txEl>
+                                              <p:pRg st="3" end="3"/>
+                                            </p:txEl>
+                                          </p:spTgt>
+                                        </p:tgtEl>
+                                        <p:attrNameLst>
+                                          <p:attrName>style.visibility</p:attrName>
+                                        </p:attrNameLst>
+                                      </p:cBhvr>
+                                      <p:to>
+                                        <p:strVal val="visible"/>
+                                      </p:to>
+                                    </p:set>
+                                    <p:animEffect transition="in" filter="fade">
+                                      <p:cBhvr>
+                                        <p:cTn id="41" dur="500"/>
+                                        <p:tgtEl>
+                                          <p:spTgt spid="2">
+                                            <p:txEl>
+                                              <p:pRg st="3" end="3"/>
+                                            </p:txEl>
+                                          </p:spTgt>
+                                        </p:tgtEl>
+                                      </p:cBhvr>
+                                    </p:animEffect>
+                                  </p:childTnLst>
+                                </p:cTn>
+                              </p:par>
+                              <p:par>
+                                <p:cTn id="42" presetID="1" presetClass="entr" presetSubtype="0" fill="hold" grpId="0" nodeType="withEffect">
+                                  <p:stCondLst>
+                                    <p:cond delay="0"/>
+                                  </p:stCondLst>
+                                  <p:childTnLst>
+                                    <p:set>
+                                      <p:cBhvr>
+                                        <p:cTn id="43" dur="1" fill="hold">
+                                          <p:stCondLst>
+                                            <p:cond delay="0"/>
+                                          </p:stCondLst>
+                                        </p:cTn>
+                                        <p:tgtEl>
+                                          <p:spTgt spid="7"/>
+                                        </p:tgtEl>
+                                        <p:attrNameLst>
+                                          <p:attrName>style.visibility</p:attrName>
+                                        </p:attrNameLst>
+                                      </p:cBhvr>
+                                      <p:to>
+                                        <p:strVal val="visible"/>
+                                      </p:to>
+                                    </p:set>
+                                  </p:childTnLst>
+                                </p:cTn>
+                              </p:par>
+                              <p:par>
+                                <p:cTn id="44" presetID="1" presetClass="emph" presetSubtype="2" fill="hold" nodeType="withEffect">
+                                  <p:stCondLst>
+                                    <p:cond delay="0"/>
+                                  </p:stCondLst>
+                                  <p:childTnLst>
+                                    <p:animClr clrSpc="rgb" dir="cw">
+                                      <p:cBhvr>
+                                        <p:cTn id="45" dur="250" fill="hold"/>
+                                        <p:tgtEl>
+                                          <p:spTgt spid="6"/>
+                                        </p:tgtEl>
+                                        <p:attrNameLst>
+                                          <p:attrName>fillcolor</p:attrName>
+                                        </p:attrNameLst>
+                                      </p:cBhvr>
+                                      <p:to>
+                                        <a:srgbClr val="7F7F7F"/>
+                                      </p:to>
+                                    </p:animClr>
+                                    <p:set>
+                                      <p:cBhvr>
+                                        <p:cTn id="46" dur="250" fill="hold"/>
+                                        <p:tgtEl>
+                                          <p:spTgt spid="6"/>
+                                        </p:tgtEl>
+                                        <p:attrNameLst>
+                                          <p:attrName>fill.type</p:attrName>
+                                        </p:attrNameLst>
+                                      </p:cBhvr>
+                                      <p:to>
+                                        <p:strVal val="solid"/>
+                                      </p:to>
+                                    </p:set>
+                                    <p:set>
+                                      <p:cBhvr>
+                                        <p:cTn id="47" dur="250" fill="hold"/>
+                                        <p:tgtEl>
+                                          <p:spTgt spid="6"/>
+                                        </p:tgtEl>
+                                        <p:attrNameLst>
+                                          <p:attrName>fill.on</p:attrName>
+                                        </p:attrNameLst>
+                                      </p:cBhvr>
+                                      <p:to>
+                                        <p:strVal val="true"/>
+                                      </p:to>
+                                    </p:set>
+                                  </p:childTnLst>
+                                </p:cTn>
+                              </p:par>
+                            </p:childTnLst>
+                          </p:cTn>
+                        </p:par>
+                      </p:childTnLst>
+                    </p:cTn>
+                  </p:par>
+                </p:childTnLst>
+              </p:cTn>
+              <p:prevCondLst>
+                <p:cond evt="onPrev" delay="0">
+                  <p:tgtEl>
+                    <p:sldTgt/>
+                  </p:tgtEl>
+                </p:cond>
+              </p:prevCondLst>
+              <p:nextCondLst>
+                <p:cond evt="onNext" delay="0">
+                  <p:tgtEl>
+                    <p:sldTgt/>
+                  </p:tgtEl>
+                </p:cond>
+              </p:nextCondLst>
+            </p:seq>
+          </p:childTnLst>
+        </p:cTn>
       </p:par>
     </p:tnLst>
+    <p:bldLst>
+      <p:bldP spid="2" grpId="0" uiExpand="1" build="p"/>
+      <p:bldP spid="4" grpId="0" animBg="1"/>
+      <p:bldP spid="5" grpId="0" animBg="1"/>
+      <p:bldP spid="6" grpId="0" animBg="1"/>
+      <p:bldP spid="7" grpId="0" animBg="1"/>
+      <p:bldP spid="8" grpId="0"/>
+    </p:bldLst>
   </p:timing>
 </p:sld>
 </file>
 
-<file path=ppt/slides/slide5.xml><?xml version="1.0" encoding="utf-8"?>
+<file path=ppt/slides/slide6.xml><?xml version="1.0" encoding="utf-8"?>
 <p:sld xmlns:a="http://schemas.openxmlformats.org/drawingml/2006/main" xmlns:r="http://schemas.openxmlformats.org/officeDocument/2006/relationships" xmlns:p="http://schemas.openxmlformats.org/presentationml/2006/main">
   <p:cSld>
     <p:spTree>
@@ -4702,6 +11684,36 @@
           </a:p>
         </p:txBody>
       </p:sp>
+      <p:sp>
+        <p:nvSpPr>
+          <p:cNvPr id="4" name="Textfeld 3"/>
+          <p:cNvSpPr txBox="1"/>
+          <p:nvPr/>
+        </p:nvSpPr>
+        <p:spPr>
+          <a:xfrm>
+            <a:off x="3979333" y="2895600"/>
+            <a:ext cx="865558" cy="584775"/>
+          </a:xfrm>
+          <a:prstGeom prst="rect">
+            <a:avLst/>
+          </a:prstGeom>
+          <a:noFill/>
+        </p:spPr>
+        <p:txBody>
+          <a:bodyPr wrap="none" rtlCol="0">
+            <a:spAutoFit/>
+          </a:bodyPr>
+          <a:lstStyle/>
+          <a:p>
+            <a:r>
+              <a:rPr lang="en-GB" sz="3200" dirty="0" smtClean="0"/>
+              <a:t>GTR</a:t>
+            </a:r>
+            <a:endParaRPr lang="en-GB" sz="3200" dirty="0"/>
+          </a:p>
+        </p:txBody>
+      </p:sp>
     </p:spTree>
     <p:extLst>
       <p:ext uri="{BB962C8B-B14F-4D97-AF65-F5344CB8AC3E}">
@@ -4712,6 +11724,286 @@
   <p:clrMapOvr>
     <a:masterClrMapping/>
   </p:clrMapOvr>
+  <mc:AlternateContent xmlns:mc="http://schemas.openxmlformats.org/markup-compatibility/2006">
+    <mc:Choice xmlns:p14="http://schemas.microsoft.com/office/powerpoint/2010/main" Requires="p14">
+      <p:transition spd="med" p14:dur="700">
+        <p:fade/>
+      </p:transition>
+    </mc:Choice>
+    <mc:Fallback>
+      <p:transition spd="med">
+        <p:fade/>
+      </p:transition>
+    </mc:Fallback>
+  </mc:AlternateContent>
+  <p:timing>
+    <p:tnLst>
+      <p:par>
+        <p:cTn id="1" dur="indefinite" restart="never" nodeType="tmRoot"/>
+      </p:par>
+    </p:tnLst>
+  </p:timing>
+</p:sld>
+</file>
+
+<file path=ppt/slides/slide7.xml><?xml version="1.0" encoding="utf-8"?>
+<p:sld xmlns:a="http://schemas.openxmlformats.org/drawingml/2006/main" xmlns:r="http://schemas.openxmlformats.org/officeDocument/2006/relationships" xmlns:p="http://schemas.openxmlformats.org/presentationml/2006/main">
+  <p:cSld>
+    <p:spTree>
+      <p:nvGrpSpPr>
+        <p:cNvPr id="1" name=""/>
+        <p:cNvGrpSpPr/>
+        <p:nvPr/>
+      </p:nvGrpSpPr>
+      <p:grpSpPr>
+        <a:xfrm>
+          <a:off x="0" y="0"/>
+          <a:ext cx="0" cy="0"/>
+          <a:chOff x="0" y="0"/>
+          <a:chExt cx="0" cy="0"/>
+        </a:xfrm>
+      </p:grpSpPr>
+      <p:sp>
+        <p:nvSpPr>
+          <p:cNvPr id="2" name="Titel 1"/>
+          <p:cNvSpPr>
+            <a:spLocks noGrp="1"/>
+          </p:cNvSpPr>
+          <p:nvPr>
+            <p:ph type="title"/>
+          </p:nvPr>
+        </p:nvSpPr>
+        <p:spPr/>
+        <p:txBody>
+          <a:bodyPr/>
+          <a:lstStyle/>
+          <a:p>
+            <a:endParaRPr lang="en-GB"/>
+          </a:p>
+        </p:txBody>
+      </p:sp>
+      <p:sp>
+        <p:nvSpPr>
+          <p:cNvPr id="3" name="Textfeld 2"/>
+          <p:cNvSpPr txBox="1"/>
+          <p:nvPr/>
+        </p:nvSpPr>
+        <p:spPr>
+          <a:xfrm>
+            <a:off x="3979333" y="2895600"/>
+            <a:ext cx="1094980" cy="584775"/>
+          </a:xfrm>
+          <a:prstGeom prst="rect">
+            <a:avLst/>
+          </a:prstGeom>
+          <a:noFill/>
+        </p:spPr>
+        <p:txBody>
+          <a:bodyPr wrap="none" rtlCol="0">
+            <a:spAutoFit/>
+          </a:bodyPr>
+          <a:lstStyle/>
+          <a:p>
+            <a:r>
+              <a:rPr lang="en-GB" sz="3200" dirty="0" smtClean="0"/>
+              <a:t>proof</a:t>
+            </a:r>
+            <a:endParaRPr lang="en-GB" sz="3200" dirty="0"/>
+          </a:p>
+        </p:txBody>
+      </p:sp>
+    </p:spTree>
+    <p:extLst>
+      <p:ext uri="{BB962C8B-B14F-4D97-AF65-F5344CB8AC3E}">
+        <p14:creationId xmlns:p14="http://schemas.microsoft.com/office/powerpoint/2010/main" val="482768124"/>
+      </p:ext>
+    </p:extLst>
+  </p:cSld>
+  <p:clrMapOvr>
+    <a:masterClrMapping/>
+  </p:clrMapOvr>
+  <mc:AlternateContent xmlns:mc="http://schemas.openxmlformats.org/markup-compatibility/2006">
+    <mc:Choice xmlns:p14="http://schemas.microsoft.com/office/powerpoint/2010/main" Requires="p14">
+      <p:transition spd="med" p14:dur="700">
+        <p:fade/>
+      </p:transition>
+    </mc:Choice>
+    <mc:Fallback>
+      <p:transition spd="med">
+        <p:fade/>
+      </p:transition>
+    </mc:Fallback>
+  </mc:AlternateContent>
+  <p:timing>
+    <p:tnLst>
+      <p:par>
+        <p:cTn id="1" dur="indefinite" restart="never" nodeType="tmRoot"/>
+      </p:par>
+    </p:tnLst>
+  </p:timing>
+</p:sld>
+</file>
+
+<file path=ppt/slides/slide8.xml><?xml version="1.0" encoding="utf-8"?>
+<p:sld xmlns:a="http://schemas.openxmlformats.org/drawingml/2006/main" xmlns:r="http://schemas.openxmlformats.org/officeDocument/2006/relationships" xmlns:p="http://schemas.openxmlformats.org/presentationml/2006/main">
+  <p:cSld>
+    <p:spTree>
+      <p:nvGrpSpPr>
+        <p:cNvPr id="1" name=""/>
+        <p:cNvGrpSpPr/>
+        <p:nvPr/>
+      </p:nvGrpSpPr>
+      <p:grpSpPr>
+        <a:xfrm>
+          <a:off x="0" y="0"/>
+          <a:ext cx="0" cy="0"/>
+          <a:chOff x="0" y="0"/>
+          <a:chExt cx="0" cy="0"/>
+        </a:xfrm>
+      </p:grpSpPr>
+      <p:sp>
+        <p:nvSpPr>
+          <p:cNvPr id="2" name="Titel 1"/>
+          <p:cNvSpPr>
+            <a:spLocks noGrp="1"/>
+          </p:cNvSpPr>
+          <p:nvPr>
+            <p:ph type="title"/>
+          </p:nvPr>
+        </p:nvSpPr>
+        <p:spPr/>
+        <p:txBody>
+          <a:bodyPr/>
+          <a:lstStyle/>
+          <a:p>
+            <a:endParaRPr lang="en-GB"/>
+          </a:p>
+        </p:txBody>
+      </p:sp>
+      <p:sp>
+        <p:nvSpPr>
+          <p:cNvPr id="3" name="Textfeld 2"/>
+          <p:cNvSpPr txBox="1"/>
+          <p:nvPr/>
+        </p:nvSpPr>
+        <p:spPr>
+          <a:xfrm>
+            <a:off x="3979333" y="2895600"/>
+            <a:ext cx="1918539" cy="584775"/>
+          </a:xfrm>
+          <a:prstGeom prst="rect">
+            <a:avLst/>
+          </a:prstGeom>
+          <a:noFill/>
+        </p:spPr>
+        <p:txBody>
+          <a:bodyPr wrap="none" rtlCol="0">
+            <a:spAutoFit/>
+          </a:bodyPr>
+          <a:lstStyle/>
+          <a:p>
+            <a:r>
+              <a:rPr lang="en-GB" sz="3200" dirty="0" err="1" smtClean="0"/>
+              <a:t>thightness</a:t>
+            </a:r>
+            <a:endParaRPr lang="en-GB" sz="3200" dirty="0"/>
+          </a:p>
+        </p:txBody>
+      </p:sp>
+    </p:spTree>
+    <p:extLst>
+      <p:ext uri="{BB962C8B-B14F-4D97-AF65-F5344CB8AC3E}">
+        <p14:creationId xmlns:p14="http://schemas.microsoft.com/office/powerpoint/2010/main" val="1795982678"/>
+      </p:ext>
+    </p:extLst>
+  </p:cSld>
+  <p:clrMapOvr>
+    <a:masterClrMapping/>
+  </p:clrMapOvr>
+  <mc:AlternateContent xmlns:mc="http://schemas.openxmlformats.org/markup-compatibility/2006">
+    <mc:Choice xmlns:p14="http://schemas.microsoft.com/office/powerpoint/2010/main" Requires="p14">
+      <p:transition spd="med" p14:dur="700">
+        <p:fade/>
+      </p:transition>
+    </mc:Choice>
+    <mc:Fallback>
+      <p:transition spd="med">
+        <p:fade/>
+      </p:transition>
+    </mc:Fallback>
+  </mc:AlternateContent>
+  <p:timing>
+    <p:tnLst>
+      <p:par>
+        <p:cTn id="1" dur="indefinite" restart="never" nodeType="tmRoot"/>
+      </p:par>
+    </p:tnLst>
+  </p:timing>
+</p:sld>
+</file>
+
+<file path=ppt/slides/slide9.xml><?xml version="1.0" encoding="utf-8"?>
+<p:sld xmlns:a="http://schemas.openxmlformats.org/drawingml/2006/main" xmlns:r="http://schemas.openxmlformats.org/officeDocument/2006/relationships" xmlns:p="http://schemas.openxmlformats.org/presentationml/2006/main">
+  <p:cSld>
+    <p:spTree>
+      <p:nvGrpSpPr>
+        <p:cNvPr id="1" name=""/>
+        <p:cNvGrpSpPr/>
+        <p:nvPr/>
+      </p:nvGrpSpPr>
+      <p:grpSpPr>
+        <a:xfrm>
+          <a:off x="0" y="0"/>
+          <a:ext cx="0" cy="0"/>
+          <a:chOff x="0" y="0"/>
+          <a:chExt cx="0" cy="0"/>
+        </a:xfrm>
+      </p:grpSpPr>
+      <p:sp>
+        <p:nvSpPr>
+          <p:cNvPr id="2" name="Titel 1"/>
+          <p:cNvSpPr>
+            <a:spLocks noGrp="1"/>
+          </p:cNvSpPr>
+          <p:nvPr>
+            <p:ph type="title"/>
+          </p:nvPr>
+        </p:nvSpPr>
+        <p:spPr/>
+        <p:txBody>
+          <a:bodyPr/>
+          <a:lstStyle/>
+          <a:p>
+            <a:r>
+              <a:rPr lang="en-GB" dirty="0" smtClean="0"/>
+              <a:t>Lower Bound for N-OLTSP</a:t>
+            </a:r>
+            <a:endParaRPr lang="en-GB" dirty="0"/>
+          </a:p>
+        </p:txBody>
+      </p:sp>
+    </p:spTree>
+    <p:extLst>
+      <p:ext uri="{BB962C8B-B14F-4D97-AF65-F5344CB8AC3E}">
+        <p14:creationId xmlns:p14="http://schemas.microsoft.com/office/powerpoint/2010/main" val="2549683868"/>
+      </p:ext>
+    </p:extLst>
+  </p:cSld>
+  <p:clrMapOvr>
+    <a:masterClrMapping/>
+  </p:clrMapOvr>
+  <mc:AlternateContent xmlns:mc="http://schemas.openxmlformats.org/markup-compatibility/2006">
+    <mc:Choice xmlns:p14="http://schemas.microsoft.com/office/powerpoint/2010/main" Requires="p14">
+      <p:transition spd="med" p14:dur="700">
+        <p:fade/>
+      </p:transition>
+    </mc:Choice>
+    <mc:Fallback>
+      <p:transition spd="med">
+        <p:fade/>
+      </p:transition>
+    </mc:Fallback>
+  </mc:AlternateContent>
   <p:timing>
     <p:tnLst>
       <p:par>

--- a/Präsentation43.pptx
+++ b/Präsentation43.pptx
@@ -274,13 +274,13 @@
   <p:clrMapOvr>
     <a:masterClrMapping/>
   </p:clrMapOvr>
-  <mc:AlternateContent xmlns:mc="http://schemas.openxmlformats.org/markup-compatibility/2006">
-    <mc:Choice xmlns:p14="http://schemas.microsoft.com/office/powerpoint/2010/main" Requires="p14">
+  <mc:AlternateContent xmlns:mc="http://schemas.openxmlformats.org/markup-compatibility/2006" xmlns:p14="http://schemas.microsoft.com/office/powerpoint/2010/main">
+    <mc:Choice Requires="p14">
       <p:transition spd="med" p14:dur="700">
         <p:fade/>
       </p:transition>
     </mc:Choice>
-    <mc:Fallback>
+    <mc:Fallback xmlns="">
       <p:transition spd="med">
         <p:fade/>
       </p:transition>
@@ -679,13 +679,13 @@
   <p:clrMapOvr>
     <a:masterClrMapping/>
   </p:clrMapOvr>
-  <mc:AlternateContent xmlns:mc="http://schemas.openxmlformats.org/markup-compatibility/2006">
-    <mc:Choice xmlns:p14="http://schemas.microsoft.com/office/powerpoint/2010/main" Requires="p14">
+  <mc:AlternateContent xmlns:mc="http://schemas.openxmlformats.org/markup-compatibility/2006" xmlns:p14="http://schemas.microsoft.com/office/powerpoint/2010/main">
+    <mc:Choice Requires="p14">
       <p:transition spd="med" p14:dur="700">
         <p:fade/>
       </p:transition>
     </mc:Choice>
-    <mc:Fallback>
+    <mc:Fallback xmlns="">
       <p:transition spd="med">
         <p:fade/>
       </p:transition>
@@ -1084,13 +1084,13 @@
   <p:clrMapOvr>
     <a:masterClrMapping/>
   </p:clrMapOvr>
-  <mc:AlternateContent xmlns:mc="http://schemas.openxmlformats.org/markup-compatibility/2006">
-    <mc:Choice xmlns:p14="http://schemas.microsoft.com/office/powerpoint/2010/main" Requires="p14">
+  <mc:AlternateContent xmlns:mc="http://schemas.openxmlformats.org/markup-compatibility/2006" xmlns:p14="http://schemas.microsoft.com/office/powerpoint/2010/main">
+    <mc:Choice Requires="p14">
       <p:transition spd="med" p14:dur="700">
         <p:fade/>
       </p:transition>
     </mc:Choice>
-    <mc:Fallback>
+    <mc:Fallback xmlns="">
       <p:transition spd="med">
         <p:fade/>
       </p:transition>
@@ -1489,13 +1489,13 @@
   <p:clrMapOvr>
     <a:masterClrMapping/>
   </p:clrMapOvr>
-  <mc:AlternateContent xmlns:mc="http://schemas.openxmlformats.org/markup-compatibility/2006">
-    <mc:Choice xmlns:p14="http://schemas.microsoft.com/office/powerpoint/2010/main" Requires="p14">
+  <mc:AlternateContent xmlns:mc="http://schemas.openxmlformats.org/markup-compatibility/2006" xmlns:p14="http://schemas.microsoft.com/office/powerpoint/2010/main">
+    <mc:Choice Requires="p14">
       <p:transition spd="med" p14:dur="700">
         <p:fade/>
       </p:transition>
     </mc:Choice>
-    <mc:Fallback>
+    <mc:Fallback xmlns="">
       <p:transition spd="med">
         <p:fade/>
       </p:transition>
@@ -1894,13 +1894,13 @@
   <p:clrMapOvr>
     <a:masterClrMapping/>
   </p:clrMapOvr>
-  <mc:AlternateContent xmlns:mc="http://schemas.openxmlformats.org/markup-compatibility/2006">
-    <mc:Choice xmlns:p14="http://schemas.microsoft.com/office/powerpoint/2010/main" Requires="p14">
+  <mc:AlternateContent xmlns:mc="http://schemas.openxmlformats.org/markup-compatibility/2006" xmlns:p14="http://schemas.microsoft.com/office/powerpoint/2010/main">
+    <mc:Choice Requires="p14">
       <p:transition spd="med" p14:dur="700">
         <p:fade/>
       </p:transition>
     </mc:Choice>
-    <mc:Fallback>
+    <mc:Fallback xmlns="">
       <p:transition spd="med">
         <p:fade/>
       </p:transition>
@@ -1943,13 +1943,13 @@
   <p:clrMapOvr>
     <a:masterClrMapping/>
   </p:clrMapOvr>
-  <mc:AlternateContent xmlns:mc="http://schemas.openxmlformats.org/markup-compatibility/2006">
-    <mc:Choice xmlns:p14="http://schemas.microsoft.com/office/powerpoint/2010/main" Requires="p14">
+  <mc:AlternateContent xmlns:mc="http://schemas.openxmlformats.org/markup-compatibility/2006" xmlns:p14="http://schemas.microsoft.com/office/powerpoint/2010/main">
+    <mc:Choice Requires="p14">
       <p:transition spd="med" p14:dur="700">
         <p:fade/>
       </p:transition>
     </mc:Choice>
-    <mc:Fallback>
+    <mc:Fallback xmlns="">
       <p:transition spd="med">
         <p:fade/>
       </p:transition>
@@ -2288,13 +2288,13 @@
     <p:sldLayoutId id="2147483669" r:id="rId4"/>
     <p:sldLayoutId id="2147483670" r:id="rId5"/>
   </p:sldLayoutIdLst>
-  <mc:AlternateContent xmlns:mc="http://schemas.openxmlformats.org/markup-compatibility/2006">
-    <mc:Choice xmlns:p14="http://schemas.microsoft.com/office/powerpoint/2010/main" Requires="p14">
+  <mc:AlternateContent xmlns:mc="http://schemas.openxmlformats.org/markup-compatibility/2006" xmlns:p14="http://schemas.microsoft.com/office/powerpoint/2010/main">
+    <mc:Choice Requires="p14">
       <p:transition spd="med" p14:dur="700">
         <p:fade/>
       </p:transition>
     </mc:Choice>
-    <mc:Fallback>
+    <mc:Fallback xmlns="">
       <p:transition spd="med">
         <p:fade/>
       </p:transition>
@@ -2669,13 +2669,13 @@
   <p:sldLayoutIdLst>
     <p:sldLayoutId id="2147483667" r:id="rId1"/>
   </p:sldLayoutIdLst>
-  <mc:AlternateContent xmlns:mc="http://schemas.openxmlformats.org/markup-compatibility/2006">
-    <mc:Choice xmlns:p14="http://schemas.microsoft.com/office/powerpoint/2010/main" Requires="p14">
+  <mc:AlternateContent xmlns:mc="http://schemas.openxmlformats.org/markup-compatibility/2006" xmlns:p14="http://schemas.microsoft.com/office/powerpoint/2010/main">
+    <mc:Choice Requires="p14">
       <p:transition spd="med" p14:dur="700">
         <p:fade/>
       </p:transition>
     </mc:Choice>
-    <mc:Fallback>
+    <mc:Fallback xmlns="">
       <p:transition spd="med">
         <p:fade/>
       </p:transition>
@@ -3080,13 +3080,13 @@
   <p:clrMapOvr>
     <a:masterClrMapping/>
   </p:clrMapOvr>
-  <mc:AlternateContent xmlns:mc="http://schemas.openxmlformats.org/markup-compatibility/2006">
-    <mc:Choice xmlns:p14="http://schemas.microsoft.com/office/powerpoint/2010/main" Requires="p14">
+  <mc:AlternateContent xmlns:mc="http://schemas.openxmlformats.org/markup-compatibility/2006" xmlns:p14="http://schemas.microsoft.com/office/powerpoint/2010/main">
+    <mc:Choice Requires="p14">
       <p:transition spd="med" p14:dur="700">
         <p:fade/>
       </p:transition>
     </mc:Choice>
-    <mc:Fallback>
+    <mc:Fallback xmlns="">
       <p:transition spd="med">
         <p:fade/>
       </p:transition>
@@ -3152,13 +3152,13 @@
   <p:clrMapOvr>
     <a:masterClrMapping/>
   </p:clrMapOvr>
-  <mc:AlternateContent xmlns:mc="http://schemas.openxmlformats.org/markup-compatibility/2006">
-    <mc:Choice xmlns:p14="http://schemas.microsoft.com/office/powerpoint/2010/main" Requires="p14">
+  <mc:AlternateContent xmlns:mc="http://schemas.openxmlformats.org/markup-compatibility/2006" xmlns:p14="http://schemas.microsoft.com/office/powerpoint/2010/main">
+    <mc:Choice Requires="p14">
       <p:transition spd="med" p14:dur="700">
         <p:fade/>
       </p:transition>
     </mc:Choice>
-    <mc:Fallback>
+    <mc:Fallback xmlns="">
       <p:transition spd="med">
         <p:fade/>
       </p:transition>
@@ -3224,13 +3224,13 @@
   <p:clrMapOvr>
     <a:masterClrMapping/>
   </p:clrMapOvr>
-  <mc:AlternateContent xmlns:mc="http://schemas.openxmlformats.org/markup-compatibility/2006">
-    <mc:Choice xmlns:p14="http://schemas.microsoft.com/office/powerpoint/2010/main" Requires="p14">
+  <mc:AlternateContent xmlns:mc="http://schemas.openxmlformats.org/markup-compatibility/2006" xmlns:p14="http://schemas.microsoft.com/office/powerpoint/2010/main">
+    <mc:Choice Requires="p14">
       <p:transition spd="med" p14:dur="700">
         <p:fade/>
       </p:transition>
     </mc:Choice>
-    <mc:Fallback>
+    <mc:Fallback xmlns="">
       <p:transition spd="med">
         <p:fade/>
       </p:transition>
@@ -3322,13 +3322,13 @@
   <p:clrMapOvr>
     <a:masterClrMapping/>
   </p:clrMapOvr>
-  <mc:AlternateContent xmlns:mc="http://schemas.openxmlformats.org/markup-compatibility/2006">
-    <mc:Choice xmlns:p14="http://schemas.microsoft.com/office/powerpoint/2010/main" Requires="p14">
+  <mc:AlternateContent xmlns:mc="http://schemas.openxmlformats.org/markup-compatibility/2006" xmlns:p14="http://schemas.microsoft.com/office/powerpoint/2010/main">
+    <mc:Choice Requires="p14">
       <p:transition spd="med" p14:dur="700">
         <p:fade/>
       </p:transition>
     </mc:Choice>
-    <mc:Fallback>
+    <mc:Fallback xmlns="">
       <p:transition spd="med">
         <p:fade/>
       </p:transition>
@@ -3430,13 +3430,13 @@
   <p:clrMapOvr>
     <a:masterClrMapping/>
   </p:clrMapOvr>
-  <mc:AlternateContent xmlns:mc="http://schemas.openxmlformats.org/markup-compatibility/2006">
-    <mc:Choice xmlns:p14="http://schemas.microsoft.com/office/powerpoint/2010/main" Requires="p14">
+  <mc:AlternateContent xmlns:mc="http://schemas.openxmlformats.org/markup-compatibility/2006" xmlns:p14="http://schemas.microsoft.com/office/powerpoint/2010/main">
+    <mc:Choice Requires="p14">
       <p:transition spd="med" p14:dur="700">
         <p:fade/>
       </p:transition>
     </mc:Choice>
-    <mc:Fallback>
+    <mc:Fallback xmlns="">
       <p:transition spd="med">
         <p:fade/>
       </p:transition>
@@ -3502,13 +3502,13 @@
   <p:clrMapOvr>
     <a:masterClrMapping/>
   </p:clrMapOvr>
-  <mc:AlternateContent xmlns:mc="http://schemas.openxmlformats.org/markup-compatibility/2006">
-    <mc:Choice xmlns:p14="http://schemas.microsoft.com/office/powerpoint/2010/main" Requires="p14">
+  <mc:AlternateContent xmlns:mc="http://schemas.openxmlformats.org/markup-compatibility/2006" xmlns:p14="http://schemas.microsoft.com/office/powerpoint/2010/main">
+    <mc:Choice Requires="p14">
       <p:transition spd="med" p14:dur="700">
         <p:fade/>
       </p:transition>
     </mc:Choice>
-    <mc:Fallback>
+    <mc:Fallback xmlns="">
       <p:transition spd="med">
         <p:fade/>
       </p:transition>
@@ -3600,13 +3600,13 @@
   <p:clrMapOvr>
     <a:masterClrMapping/>
   </p:clrMapOvr>
-  <mc:AlternateContent xmlns:mc="http://schemas.openxmlformats.org/markup-compatibility/2006">
-    <mc:Choice xmlns:p14="http://schemas.microsoft.com/office/powerpoint/2010/main" Requires="p14">
+  <mc:AlternateContent xmlns:mc="http://schemas.openxmlformats.org/markup-compatibility/2006" xmlns:p14="http://schemas.microsoft.com/office/powerpoint/2010/main">
+    <mc:Choice Requires="p14">
       <p:transition spd="med" p14:dur="700">
         <p:fade/>
       </p:transition>
     </mc:Choice>
-    <mc:Fallback>
+    <mc:Fallback xmlns="">
       <p:transition spd="med">
         <p:fade/>
       </p:transition>
@@ -3668,13 +3668,13 @@
   <p:clrMapOvr>
     <a:masterClrMapping/>
   </p:clrMapOvr>
-  <mc:AlternateContent xmlns:mc="http://schemas.openxmlformats.org/markup-compatibility/2006">
-    <mc:Choice xmlns:p14="http://schemas.microsoft.com/office/powerpoint/2010/main" Requires="p14">
+  <mc:AlternateContent xmlns:mc="http://schemas.openxmlformats.org/markup-compatibility/2006" xmlns:p14="http://schemas.microsoft.com/office/powerpoint/2010/main">
+    <mc:Choice Requires="p14">
       <p:transition spd="med" p14:dur="700">
         <p:fade/>
       </p:transition>
     </mc:Choice>
-    <mc:Fallback>
+    <mc:Fallback xmlns="">
       <p:transition spd="med">
         <p:fade/>
       </p:transition>
@@ -3787,13 +3787,13 @@
   <p:clrMapOvr>
     <a:masterClrMapping/>
   </p:clrMapOvr>
-  <mc:AlternateContent xmlns:mc="http://schemas.openxmlformats.org/markup-compatibility/2006">
-    <mc:Choice xmlns:p14="http://schemas.microsoft.com/office/powerpoint/2010/main" Requires="p14">
+  <mc:AlternateContent xmlns:mc="http://schemas.openxmlformats.org/markup-compatibility/2006" xmlns:p14="http://schemas.microsoft.com/office/powerpoint/2010/main">
+    <mc:Choice Requires="p14">
       <p:transition spd="med" p14:dur="700">
         <p:fade/>
       </p:transition>
     </mc:Choice>
-    <mc:Fallback>
+    <mc:Fallback xmlns="">
       <p:transition spd="med">
         <p:fade/>
       </p:transition>
@@ -5746,13 +5746,13 @@
   <p:clrMapOvr>
     <a:masterClrMapping/>
   </p:clrMapOvr>
-  <mc:AlternateContent xmlns:mc="http://schemas.openxmlformats.org/markup-compatibility/2006">
-    <mc:Choice xmlns:p14="http://schemas.microsoft.com/office/powerpoint/2010/main" Requires="p14">
+  <mc:AlternateContent xmlns:mc="http://schemas.openxmlformats.org/markup-compatibility/2006" xmlns:p14="http://schemas.microsoft.com/office/powerpoint/2010/main">
+    <mc:Choice Requires="p14">
       <p:transition spd="med" p14:dur="700">
         <p:fade/>
       </p:transition>
     </mc:Choice>
-    <mc:Fallback>
+    <mc:Fallback xmlns="">
       <p:transition spd="med">
         <p:fade/>
       </p:transition>
@@ -6688,8 +6688,8 @@
         </p:nvSpPr>
         <p:spPr>
           <a:xfrm>
-            <a:off x="628650" y="1217726"/>
-            <a:ext cx="8154185" cy="3781837"/>
+            <a:off x="301658" y="1217726"/>
+            <a:ext cx="8481177" cy="3781837"/>
           </a:xfrm>
           <a:prstGeom prst="rect">
             <a:avLst/>
@@ -6752,8 +6752,8 @@
         </p:nvSpPr>
         <p:spPr>
           <a:xfrm>
-            <a:off x="783042" y="1277373"/>
-            <a:ext cx="4494805" cy="3231654"/>
+            <a:off x="372731" y="1276647"/>
+            <a:ext cx="4494805" cy="3031599"/>
           </a:xfrm>
           <a:prstGeom prst="rect">
             <a:avLst/>
@@ -6784,63 +6784,134 @@
             </a:r>
           </a:p>
           <a:p>
-            <a:pPr marL="457200" indent="-457200">
+            <a:pPr marL="288000" indent="-288000">
+              <a:spcBef>
+                <a:spcPts val="600"/>
+              </a:spcBef>
+              <a:spcAft>
+                <a:spcPts val="600"/>
+              </a:spcAft>
               <a:buFont typeface="Arial" panose="020B0604020202020204" pitchFamily="34" charset="0"/>
               <a:buChar char="•"/>
             </a:pPr>
             <a:r>
-              <a:rPr lang="en-GB" sz="2800" dirty="0" smtClean="0"/>
+              <a:rPr lang="en-GB" sz="2000" b="1" dirty="0" smtClean="0">
+                <a:latin typeface="Courier New" panose="02070309020205020404" pitchFamily="49" charset="0"/>
+                <a:cs typeface="Courier New" panose="02070309020205020404" pitchFamily="49" charset="0"/>
+              </a:rPr>
               <a:t>minimal spanning tree</a:t>
             </a:r>
-            <a:endParaRPr lang="en-GB" sz="2800" dirty="0"/>
+            <a:endParaRPr lang="en-GB" sz="2000" b="1" dirty="0">
+              <a:latin typeface="Courier New" panose="02070309020205020404" pitchFamily="49" charset="0"/>
+              <a:cs typeface="Courier New" panose="02070309020205020404" pitchFamily="49" charset="0"/>
+            </a:endParaRPr>
           </a:p>
           <a:p>
-            <a:pPr marL="457200" indent="-457200">
+            <a:pPr marL="288000" indent="-288000">
+              <a:spcBef>
+                <a:spcPts val="600"/>
+              </a:spcBef>
+              <a:spcAft>
+                <a:spcPts val="600"/>
+              </a:spcAft>
               <a:buFont typeface="Arial" panose="020B0604020202020204" pitchFamily="34" charset="0"/>
               <a:buChar char="•"/>
             </a:pPr>
             <a:r>
-              <a:rPr lang="en-GB" sz="2800" dirty="0" smtClean="0"/>
-              <a:t>minimal weighted matching </a:t>
+              <a:rPr lang="en-GB" sz="2000" b="1" dirty="0" smtClean="0">
+                <a:latin typeface="Courier New" panose="02070309020205020404" pitchFamily="49" charset="0"/>
+                <a:cs typeface="Courier New" panose="02070309020205020404" pitchFamily="49" charset="0"/>
+              </a:rPr>
+              <a:t>minimum </a:t>
             </a:r>
             <a:r>
-              <a:rPr lang="en-GB" sz="2800" dirty="0"/>
-              <a:t>of odd </a:t>
+              <a:rPr lang="en-GB" sz="2000" b="1" dirty="0" smtClean="0">
+                <a:latin typeface="Courier New" panose="02070309020205020404" pitchFamily="49" charset="0"/>
+                <a:cs typeface="Courier New" panose="02070309020205020404" pitchFamily="49" charset="0"/>
+              </a:rPr>
+              <a:t>weighted matching </a:t>
             </a:r>
             <a:r>
-              <a:rPr lang="en-GB" sz="2800" dirty="0" err="1"/>
-              <a:t>vetices</a:t>
+              <a:rPr lang="en-GB" sz="2000" b="1" dirty="0" smtClean="0">
+                <a:latin typeface="Courier New" panose="02070309020205020404" pitchFamily="49" charset="0"/>
+                <a:cs typeface="Courier New" panose="02070309020205020404" pitchFamily="49" charset="0"/>
+              </a:rPr>
+              <a:t>   of </a:t>
             </a:r>
-            <a:endParaRPr lang="en-GB" sz="2800" dirty="0"/>
+            <a:r>
+              <a:rPr lang="en-GB" sz="2000" b="1" dirty="0">
+                <a:latin typeface="Courier New" panose="02070309020205020404" pitchFamily="49" charset="0"/>
+                <a:cs typeface="Courier New" panose="02070309020205020404" pitchFamily="49" charset="0"/>
+              </a:rPr>
+              <a:t>odd </a:t>
+            </a:r>
+            <a:r>
+              <a:rPr lang="en-GB" sz="2000" b="1" dirty="0" smtClean="0">
+                <a:latin typeface="Courier New" panose="02070309020205020404" pitchFamily="49" charset="0"/>
+                <a:cs typeface="Courier New" panose="02070309020205020404" pitchFamily="49" charset="0"/>
+              </a:rPr>
+              <a:t>vertices</a:t>
+            </a:r>
+            <a:endParaRPr lang="en-GB" sz="2000" b="1" dirty="0">
+              <a:latin typeface="Courier New" panose="02070309020205020404" pitchFamily="49" charset="0"/>
+              <a:cs typeface="Courier New" panose="02070309020205020404" pitchFamily="49" charset="0"/>
+            </a:endParaRPr>
           </a:p>
           <a:p>
-            <a:pPr marL="457200" indent="-457200">
+            <a:pPr marL="288000" indent="-288000">
+              <a:spcBef>
+                <a:spcPts val="600"/>
+              </a:spcBef>
+              <a:spcAft>
+                <a:spcPts val="600"/>
+              </a:spcAft>
               <a:buFont typeface="Arial" panose="020B0604020202020204" pitchFamily="34" charset="0"/>
               <a:buChar char="•"/>
             </a:pPr>
             <a:r>
-              <a:rPr lang="en-GB" sz="2800" dirty="0" smtClean="0"/>
+              <a:rPr lang="en-GB" sz="2000" b="1" dirty="0" smtClean="0">
+                <a:latin typeface="Courier New" panose="02070309020205020404" pitchFamily="49" charset="0"/>
+                <a:cs typeface="Courier New" panose="02070309020205020404" pitchFamily="49" charset="0"/>
+              </a:rPr>
               <a:t>Euler </a:t>
             </a:r>
             <a:r>
-              <a:rPr lang="en-GB" sz="2800" dirty="0"/>
+              <a:rPr lang="en-GB" sz="2000" b="1" dirty="0">
+                <a:latin typeface="Courier New" panose="02070309020205020404" pitchFamily="49" charset="0"/>
+                <a:cs typeface="Courier New" panose="02070309020205020404" pitchFamily="49" charset="0"/>
+              </a:rPr>
               <a:t>tour</a:t>
             </a:r>
           </a:p>
           <a:p>
-            <a:pPr marL="457200" indent="-457200">
+            <a:pPr marL="288000" indent="-288000">
+              <a:spcBef>
+                <a:spcPts val="600"/>
+              </a:spcBef>
+              <a:spcAft>
+                <a:spcPts val="600"/>
+              </a:spcAft>
               <a:buFont typeface="Arial" panose="020B0604020202020204" pitchFamily="34" charset="0"/>
               <a:buChar char="•"/>
             </a:pPr>
             <a:r>
-              <a:rPr lang="en-GB" sz="2800" dirty="0"/>
+              <a:rPr lang="en-GB" sz="2000" b="1" dirty="0">
+                <a:latin typeface="Courier New" panose="02070309020205020404" pitchFamily="49" charset="0"/>
+                <a:cs typeface="Courier New" panose="02070309020205020404" pitchFamily="49" charset="0"/>
+              </a:rPr>
               <a:t>Skip double visited </a:t>
             </a:r>
             <a:r>
-              <a:rPr lang="en-GB" sz="2800" dirty="0" smtClean="0"/>
+              <a:rPr lang="en-GB" sz="2000" b="1" dirty="0" smtClean="0">
+                <a:latin typeface="Courier New" panose="02070309020205020404" pitchFamily="49" charset="0"/>
+                <a:cs typeface="Courier New" panose="02070309020205020404" pitchFamily="49" charset="0"/>
+              </a:rPr>
               <a:t>vertices</a:t>
             </a:r>
-            <a:endParaRPr lang="en-GB" dirty="0" smtClean="0"/>
+            <a:endParaRPr lang="en-GB" sz="1400" b="1" dirty="0" smtClean="0">
+              <a:latin typeface="Courier New" panose="02070309020205020404" pitchFamily="49" charset="0"/>
+              <a:cs typeface="Courier New" panose="02070309020205020404" pitchFamily="49" charset="0"/>
+            </a:endParaRPr>
           </a:p>
         </p:txBody>
       </p:sp>
@@ -9099,8 +9170,8 @@
           </p:txBody>
         </p:sp>
       </p:grpSp>
-      <mc:AlternateContent xmlns:mc="http://schemas.openxmlformats.org/markup-compatibility/2006" xmlns:a14="http://schemas.microsoft.com/office/drawing/2010/main">
-        <mc:Choice Requires="a14">
+      <mc:AlternateContent xmlns:mc="http://schemas.openxmlformats.org/markup-compatibility/2006">
+        <mc:Choice xmlns:a14="http://schemas.microsoft.com/office/drawing/2010/main" Requires="a14">
           <p:sp>
             <p:nvSpPr>
               <p:cNvPr id="120" name="Textfeld 119"/>
@@ -9109,8 +9180,8 @@
             </p:nvSpPr>
             <p:spPr>
               <a:xfrm>
-                <a:off x="2444546" y="4458099"/>
-                <a:ext cx="4522392" cy="523220"/>
+                <a:off x="3032680" y="4455832"/>
+                <a:ext cx="4111638" cy="523220"/>
               </a:xfrm>
               <a:prstGeom prst="rect">
                 <a:avLst/>
@@ -9129,7 +9200,7 @@
                       <a:rPr lang="de-DE" sz="2800" i="1">
                         <a:latin typeface="Cambria Math" panose="02040503050406030204" pitchFamily="18" charset="0"/>
                       </a:rPr>
-                      <m:t>⇒1,5</m:t>
+                      <m:t>1,5</m:t>
                     </m:r>
                   </m:oMath>
                 </a14:m>
@@ -9150,7 +9221,7 @@
             </p:txBody>
           </p:sp>
         </mc:Choice>
-        <mc:Fallback xmlns="">
+        <mc:Fallback>
           <p:sp>
             <p:nvSpPr>
               <p:cNvPr id="120" name="Textfeld 119"/>
@@ -9161,8 +9232,8 @@
             </p:nvSpPr>
             <p:spPr>
               <a:xfrm>
-                <a:off x="2444546" y="4458099"/>
-                <a:ext cx="4522392" cy="523220"/>
+                <a:off x="3032680" y="4455832"/>
+                <a:ext cx="4111638" cy="523220"/>
               </a:xfrm>
               <a:prstGeom prst="rect">
                 <a:avLst/>
@@ -9170,7 +9241,7 @@
               <a:blipFill rotWithShape="0">
                 <a:blip r:embed="rId2"/>
                 <a:stretch>
-                  <a:fillRect t="-10465" r="-1482" b="-32558"/>
+                  <a:fillRect t="-11628" r="-1778" b="-32558"/>
                 </a:stretch>
               </a:blipFill>
             </p:spPr>
@@ -9189,6 +9260,434 @@
           </p:sp>
         </mc:Fallback>
       </mc:AlternateContent>
+      <mc:AlternateContent xmlns:mc="http://schemas.openxmlformats.org/markup-compatibility/2006">
+        <mc:Choice xmlns:a14="http://schemas.microsoft.com/office/drawing/2010/main" Requires="a14">
+          <p:sp>
+            <p:nvSpPr>
+              <p:cNvPr id="68" name="Textfeld 67"/>
+              <p:cNvSpPr txBox="1"/>
+              <p:nvPr/>
+            </p:nvSpPr>
+            <p:spPr>
+              <a:xfrm>
+                <a:off x="4496876" y="1914783"/>
+                <a:ext cx="1182054" cy="461665"/>
+              </a:xfrm>
+              <a:prstGeom prst="rect">
+                <a:avLst/>
+              </a:prstGeom>
+              <a:noFill/>
+            </p:spPr>
+            <p:txBody>
+              <a:bodyPr wrap="none" rtlCol="0">
+                <a:spAutoFit/>
+              </a:bodyPr>
+              <a:lstStyle/>
+              <a:p>
+                <a14:m>
+                  <m:oMathPara xmlns:m="http://schemas.openxmlformats.org/officeDocument/2006/math">
+                    <m:oMathParaPr>
+                      <m:jc m:val="centerGroup"/>
+                    </m:oMathParaPr>
+                    <m:oMath xmlns:m="http://schemas.openxmlformats.org/officeDocument/2006/math">
+                      <m:r>
+                        <a:rPr lang="de-DE" sz="2400" b="0" i="1" smtClean="0">
+                          <a:latin typeface="Cambria Math" panose="02040503050406030204" pitchFamily="18" charset="0"/>
+                        </a:rPr>
+                        <m:t>≤1⋅</m:t>
+                      </m:r>
+                      <m:r>
+                        <a:rPr lang="de-DE" sz="2400" b="0" i="1" smtClean="0">
+                          <a:latin typeface="Cambria Math" panose="02040503050406030204" pitchFamily="18" charset="0"/>
+                        </a:rPr>
+                        <m:t>𝒯</m:t>
+                      </m:r>
+                    </m:oMath>
+                  </m:oMathPara>
+                </a14:m>
+                <a:endParaRPr lang="en-GB" sz="2400" dirty="0"/>
+              </a:p>
+            </p:txBody>
+          </p:sp>
+        </mc:Choice>
+        <mc:Fallback>
+          <p:sp>
+            <p:nvSpPr>
+              <p:cNvPr id="68" name="Textfeld 67"/>
+              <p:cNvSpPr txBox="1">
+                <a:spLocks noRot="1" noChangeAspect="1" noMove="1" noResize="1" noEditPoints="1" noAdjustHandles="1" noChangeArrowheads="1" noChangeShapeType="1" noTextEdit="1"/>
+              </p:cNvSpPr>
+              <p:nvPr/>
+            </p:nvSpPr>
+            <p:spPr>
+              <a:xfrm>
+                <a:off x="4496876" y="1914783"/>
+                <a:ext cx="1182054" cy="461665"/>
+              </a:xfrm>
+              <a:prstGeom prst="rect">
+                <a:avLst/>
+              </a:prstGeom>
+              <a:blipFill rotWithShape="0">
+                <a:blip r:embed="rId3"/>
+                <a:stretch>
+                  <a:fillRect/>
+                </a:stretch>
+              </a:blipFill>
+            </p:spPr>
+            <p:txBody>
+              <a:bodyPr/>
+              <a:lstStyle/>
+              <a:p>
+                <a:r>
+                  <a:rPr lang="en-GB">
+                    <a:noFill/>
+                  </a:rPr>
+                  <a:t> </a:t>
+                </a:r>
+              </a:p>
+            </p:txBody>
+          </p:sp>
+        </mc:Fallback>
+      </mc:AlternateContent>
+      <mc:AlternateContent xmlns:mc="http://schemas.openxmlformats.org/markup-compatibility/2006">
+        <mc:Choice xmlns:a14="http://schemas.microsoft.com/office/drawing/2010/main" Requires="a14">
+          <p:sp>
+            <p:nvSpPr>
+              <p:cNvPr id="69" name="Textfeld 68"/>
+              <p:cNvSpPr txBox="1"/>
+              <p:nvPr/>
+            </p:nvSpPr>
+            <p:spPr>
+              <a:xfrm>
+                <a:off x="4518331" y="2552523"/>
+                <a:ext cx="1141979" cy="523092"/>
+              </a:xfrm>
+              <a:prstGeom prst="rect">
+                <a:avLst/>
+              </a:prstGeom>
+              <a:noFill/>
+            </p:spPr>
+            <p:txBody>
+              <a:bodyPr wrap="none" rtlCol="0">
+                <a:spAutoFit/>
+              </a:bodyPr>
+              <a:lstStyle/>
+              <a:p>
+                <a14:m>
+                  <m:oMathPara xmlns:m="http://schemas.openxmlformats.org/officeDocument/2006/math">
+                    <m:oMathParaPr>
+                      <m:jc m:val="centerGroup"/>
+                    </m:oMathParaPr>
+                    <m:oMath xmlns:m="http://schemas.openxmlformats.org/officeDocument/2006/math">
+                      <m:r>
+                        <a:rPr lang="de-DE" sz="2400" b="0" i="1" smtClean="0">
+                          <a:latin typeface="Cambria Math" panose="02040503050406030204" pitchFamily="18" charset="0"/>
+                        </a:rPr>
+                        <m:t>≤</m:t>
+                      </m:r>
+                      <m:box>
+                        <m:boxPr>
+                          <m:ctrlPr>
+                            <a:rPr lang="de-DE" sz="2400" b="0" i="1" smtClean="0">
+                              <a:latin typeface="Cambria Math" panose="02040503050406030204" pitchFamily="18" charset="0"/>
+                            </a:rPr>
+                          </m:ctrlPr>
+                        </m:boxPr>
+                        <m:e>
+                          <m:argPr>
+                            <m:argSz m:val="-1"/>
+                          </m:argPr>
+                          <m:f>
+                            <m:fPr>
+                              <m:ctrlPr>
+                                <a:rPr lang="de-DE" sz="2400" b="0" i="1" smtClean="0">
+                                  <a:latin typeface="Cambria Math" panose="02040503050406030204" pitchFamily="18" charset="0"/>
+                                </a:rPr>
+                              </m:ctrlPr>
+                            </m:fPr>
+                            <m:num>
+                              <m:r>
+                                <a:rPr lang="de-DE" sz="2400" b="0" i="1" smtClean="0">
+                                  <a:latin typeface="Cambria Math" panose="02040503050406030204" pitchFamily="18" charset="0"/>
+                                </a:rPr>
+                                <m:t>1</m:t>
+                              </m:r>
+                            </m:num>
+                            <m:den>
+                              <m:r>
+                                <a:rPr lang="de-DE" sz="2400" b="0" i="1" smtClean="0">
+                                  <a:latin typeface="Cambria Math" panose="02040503050406030204" pitchFamily="18" charset="0"/>
+                                </a:rPr>
+                                <m:t>2</m:t>
+                              </m:r>
+                            </m:den>
+                          </m:f>
+                        </m:e>
+                      </m:box>
+                      <m:r>
+                        <a:rPr lang="de-DE" sz="2400" b="0" i="1" smtClean="0">
+                          <a:latin typeface="Cambria Math" panose="02040503050406030204" pitchFamily="18" charset="0"/>
+                        </a:rPr>
+                        <m:t>⋅</m:t>
+                      </m:r>
+                      <m:r>
+                        <a:rPr lang="de-DE" sz="2400" b="0" i="1" smtClean="0">
+                          <a:latin typeface="Cambria Math" panose="02040503050406030204" pitchFamily="18" charset="0"/>
+                        </a:rPr>
+                        <m:t>𝒯</m:t>
+                      </m:r>
+                    </m:oMath>
+                  </m:oMathPara>
+                </a14:m>
+                <a:endParaRPr lang="en-GB" sz="2400" dirty="0"/>
+              </a:p>
+            </p:txBody>
+          </p:sp>
+        </mc:Choice>
+        <mc:Fallback>
+          <p:sp>
+            <p:nvSpPr>
+              <p:cNvPr id="69" name="Textfeld 68"/>
+              <p:cNvSpPr txBox="1">
+                <a:spLocks noRot="1" noChangeAspect="1" noMove="1" noResize="1" noEditPoints="1" noAdjustHandles="1" noChangeArrowheads="1" noChangeShapeType="1" noTextEdit="1"/>
+              </p:cNvSpPr>
+              <p:nvPr/>
+            </p:nvSpPr>
+            <p:spPr>
+              <a:xfrm>
+                <a:off x="4518331" y="2552523"/>
+                <a:ext cx="1141979" cy="523092"/>
+              </a:xfrm>
+              <a:prstGeom prst="rect">
+                <a:avLst/>
+              </a:prstGeom>
+              <a:blipFill rotWithShape="0">
+                <a:blip r:embed="rId4"/>
+                <a:stretch>
+                  <a:fillRect/>
+                </a:stretch>
+              </a:blipFill>
+            </p:spPr>
+            <p:txBody>
+              <a:bodyPr/>
+              <a:lstStyle/>
+              <a:p>
+                <a:r>
+                  <a:rPr lang="en-GB">
+                    <a:noFill/>
+                  </a:rPr>
+                  <a:t> </a:t>
+                </a:r>
+              </a:p>
+            </p:txBody>
+          </p:sp>
+        </mc:Fallback>
+      </mc:AlternateContent>
+      <mc:AlternateContent xmlns:mc="http://schemas.openxmlformats.org/markup-compatibility/2006">
+        <mc:Choice xmlns:a14="http://schemas.microsoft.com/office/drawing/2010/main" Requires="a14">
+          <p:sp>
+            <p:nvSpPr>
+              <p:cNvPr id="71" name="Textfeld 70"/>
+              <p:cNvSpPr txBox="1"/>
+              <p:nvPr/>
+            </p:nvSpPr>
+            <p:spPr>
+              <a:xfrm>
+                <a:off x="4491680" y="3220467"/>
+                <a:ext cx="1141979" cy="523861"/>
+              </a:xfrm>
+              <a:prstGeom prst="rect">
+                <a:avLst/>
+              </a:prstGeom>
+              <a:noFill/>
+            </p:spPr>
+            <p:txBody>
+              <a:bodyPr wrap="none" rtlCol="0">
+                <a:spAutoFit/>
+              </a:bodyPr>
+              <a:lstStyle/>
+              <a:p>
+                <a14:m>
+                  <m:oMathPara xmlns:m="http://schemas.openxmlformats.org/officeDocument/2006/math">
+                    <m:oMathParaPr>
+                      <m:jc m:val="centerGroup"/>
+                    </m:oMathParaPr>
+                    <m:oMath xmlns:m="http://schemas.openxmlformats.org/officeDocument/2006/math">
+                      <m:r>
+                        <a:rPr lang="de-DE" sz="2400" b="0" i="1" smtClean="0">
+                          <a:latin typeface="Cambria Math" panose="02040503050406030204" pitchFamily="18" charset="0"/>
+                        </a:rPr>
+                        <m:t>≤</m:t>
+                      </m:r>
+                      <m:box>
+                        <m:boxPr>
+                          <m:ctrlPr>
+                            <a:rPr lang="de-DE" sz="2400" b="0" i="1" smtClean="0">
+                              <a:latin typeface="Cambria Math" panose="02040503050406030204" pitchFamily="18" charset="0"/>
+                            </a:rPr>
+                          </m:ctrlPr>
+                        </m:boxPr>
+                        <m:e>
+                          <m:argPr>
+                            <m:argSz m:val="-1"/>
+                          </m:argPr>
+                          <m:f>
+                            <m:fPr>
+                              <m:ctrlPr>
+                                <a:rPr lang="de-DE" sz="2400" b="0" i="1" smtClean="0">
+                                  <a:latin typeface="Cambria Math" panose="02040503050406030204" pitchFamily="18" charset="0"/>
+                                </a:rPr>
+                              </m:ctrlPr>
+                            </m:fPr>
+                            <m:num>
+                              <m:r>
+                                <a:rPr lang="de-DE" sz="2400" b="0" i="1" smtClean="0">
+                                  <a:latin typeface="Cambria Math" panose="02040503050406030204" pitchFamily="18" charset="0"/>
+                                </a:rPr>
+                                <m:t>3</m:t>
+                              </m:r>
+                            </m:num>
+                            <m:den>
+                              <m:r>
+                                <a:rPr lang="de-DE" sz="2400" b="0" i="1" smtClean="0">
+                                  <a:latin typeface="Cambria Math" panose="02040503050406030204" pitchFamily="18" charset="0"/>
+                                </a:rPr>
+                                <m:t>2</m:t>
+                              </m:r>
+                            </m:den>
+                          </m:f>
+                        </m:e>
+                      </m:box>
+                      <m:r>
+                        <a:rPr lang="de-DE" sz="2400" b="0" i="1" smtClean="0">
+                          <a:latin typeface="Cambria Math" panose="02040503050406030204" pitchFamily="18" charset="0"/>
+                        </a:rPr>
+                        <m:t>⋅</m:t>
+                      </m:r>
+                      <m:r>
+                        <a:rPr lang="de-DE" sz="2400" b="0" i="1" smtClean="0">
+                          <a:latin typeface="Cambria Math" panose="02040503050406030204" pitchFamily="18" charset="0"/>
+                        </a:rPr>
+                        <m:t>𝒯</m:t>
+                      </m:r>
+                    </m:oMath>
+                  </m:oMathPara>
+                </a14:m>
+                <a:endParaRPr lang="en-GB" sz="2400" dirty="0"/>
+              </a:p>
+            </p:txBody>
+          </p:sp>
+        </mc:Choice>
+        <mc:Fallback>
+          <p:sp>
+            <p:nvSpPr>
+              <p:cNvPr id="71" name="Textfeld 70"/>
+              <p:cNvSpPr txBox="1">
+                <a:spLocks noRot="1" noChangeAspect="1" noMove="1" noResize="1" noEditPoints="1" noAdjustHandles="1" noChangeArrowheads="1" noChangeShapeType="1" noTextEdit="1"/>
+              </p:cNvSpPr>
+              <p:nvPr/>
+            </p:nvSpPr>
+            <p:spPr>
+              <a:xfrm>
+                <a:off x="4491680" y="3220467"/>
+                <a:ext cx="1141979" cy="523861"/>
+              </a:xfrm>
+              <a:prstGeom prst="rect">
+                <a:avLst/>
+              </a:prstGeom>
+              <a:blipFill rotWithShape="0">
+                <a:blip r:embed="rId5"/>
+                <a:stretch>
+                  <a:fillRect/>
+                </a:stretch>
+              </a:blipFill>
+            </p:spPr>
+            <p:txBody>
+              <a:bodyPr/>
+              <a:lstStyle/>
+              <a:p>
+                <a:r>
+                  <a:rPr lang="en-GB">
+                    <a:noFill/>
+                  </a:rPr>
+                  <a:t> </a:t>
+                </a:r>
+              </a:p>
+            </p:txBody>
+          </p:sp>
+        </mc:Fallback>
+      </mc:AlternateContent>
+      <p:cxnSp>
+        <p:nvCxnSpPr>
+          <p:cNvPr id="9" name="Gerader Verbinder 8"/>
+          <p:cNvCxnSpPr/>
+          <p:nvPr/>
+        </p:nvCxnSpPr>
+        <p:spPr>
+          <a:xfrm>
+            <a:off x="4279769" y="3138461"/>
+            <a:ext cx="1481804" cy="0"/>
+          </a:xfrm>
+          <a:prstGeom prst="line">
+            <a:avLst/>
+          </a:prstGeom>
+          <a:ln w="28575">
+            <a:solidFill>
+              <a:schemeClr val="tx1"/>
+            </a:solidFill>
+          </a:ln>
+        </p:spPr>
+        <p:style>
+          <a:lnRef idx="1">
+            <a:schemeClr val="accent1"/>
+          </a:lnRef>
+          <a:fillRef idx="0">
+            <a:schemeClr val="accent1"/>
+          </a:fillRef>
+          <a:effectRef idx="0">
+            <a:schemeClr val="accent1"/>
+          </a:effectRef>
+          <a:fontRef idx="minor">
+            <a:schemeClr val="tx1"/>
+          </a:fontRef>
+        </p:style>
+      </p:cxnSp>
+      <p:cxnSp>
+        <p:nvCxnSpPr>
+          <p:cNvPr id="16" name="Gerade Verbindung mit Pfeil 15"/>
+          <p:cNvCxnSpPr/>
+          <p:nvPr/>
+        </p:nvCxnSpPr>
+        <p:spPr>
+          <a:xfrm>
+            <a:off x="5087903" y="3812862"/>
+            <a:ext cx="0" cy="638818"/>
+          </a:xfrm>
+          <a:prstGeom prst="straightConnector1">
+            <a:avLst/>
+          </a:prstGeom>
+          <a:ln w="127000" cmpd="dbl">
+            <a:solidFill>
+              <a:schemeClr val="tx1"/>
+            </a:solidFill>
+            <a:tailEnd type="triangle" w="med" len="sm"/>
+          </a:ln>
+        </p:spPr>
+        <p:style>
+          <a:lnRef idx="1">
+            <a:schemeClr val="accent1"/>
+          </a:lnRef>
+          <a:fillRef idx="0">
+            <a:schemeClr val="accent1"/>
+          </a:fillRef>
+          <a:effectRef idx="0">
+            <a:schemeClr val="accent1"/>
+          </a:effectRef>
+          <a:fontRef idx="minor">
+            <a:schemeClr val="tx1"/>
+          </a:fontRef>
+        </p:style>
+      </p:cxnSp>
     </p:spTree>
     <p:extLst>
       <p:ext uri="{BB962C8B-B14F-4D97-AF65-F5344CB8AC3E}">
@@ -9199,13 +9698,13 @@
   <p:clrMapOvr>
     <a:masterClrMapping/>
   </p:clrMapOvr>
-  <mc:AlternateContent xmlns:mc="http://schemas.openxmlformats.org/markup-compatibility/2006">
-    <mc:Choice xmlns:p14="http://schemas.microsoft.com/office/powerpoint/2010/main" Requires="p14">
+  <mc:AlternateContent xmlns:mc="http://schemas.openxmlformats.org/markup-compatibility/2006" xmlns:p14="http://schemas.microsoft.com/office/powerpoint/2010/main">
+    <mc:Choice Requires="p14">
       <p:transition spd="med" p14:dur="700">
         <p:fade/>
       </p:transition>
     </mc:Choice>
-    <mc:Fallback>
+    <mc:Fallback xmlns="">
       <p:transition spd="med">
         <p:fade/>
       </p:transition>
@@ -9223,9 +9722,6 @@
                     <p:cTn id="3" fill="hold">
                       <p:stCondLst>
                         <p:cond delay="indefinite"/>
-                        <p:cond evt="onBegin" delay="0">
-                          <p:tn val="2"/>
-                        </p:cond>
                       </p:stCondLst>
                       <p:childTnLst>
                         <p:par>
@@ -9235,7 +9731,7 @@
                             </p:stCondLst>
                             <p:childTnLst>
                               <p:par>
-                                <p:cTn id="5" presetID="10" presetClass="entr" presetSubtype="0" fill="hold" nodeType="withEffect">
+                                <p:cTn id="5" presetID="1" presetClass="entr" presetSubtype="0" fill="hold" nodeType="clickEffect">
                                   <p:stCondLst>
                                     <p:cond delay="0"/>
                                   </p:stCondLst>
@@ -9243,6 +9739,37 @@
                                     <p:set>
                                       <p:cBhvr>
                                         <p:cTn id="6" dur="1" fill="hold">
+                                          <p:stCondLst>
+                                            <p:cond delay="0"/>
+                                          </p:stCondLst>
+                                        </p:cTn>
+                                        <p:tgtEl>
+                                          <p:spTgt spid="15">
+                                            <p:txEl>
+                                              <p:pRg st="1" end="1"/>
+                                            </p:txEl>
+                                          </p:spTgt>
+                                        </p:tgtEl>
+                                        <p:attrNameLst>
+                                          <p:attrName>style.visibility</p:attrName>
+                                        </p:attrNameLst>
+                                      </p:cBhvr>
+                                      <p:to>
+                                        <p:strVal val="visible"/>
+                                      </p:to>
+                                    </p:set>
+                                  </p:childTnLst>
+                                </p:cTn>
+                              </p:par>
+                              <p:par>
+                                <p:cTn id="7" presetID="10" presetClass="entr" presetSubtype="0" fill="hold" nodeType="withEffect">
+                                  <p:stCondLst>
+                                    <p:cond delay="0"/>
+                                  </p:stCondLst>
+                                  <p:childTnLst>
+                                    <p:set>
+                                      <p:cBhvr>
+                                        <p:cTn id="8" dur="1" fill="hold">
                                           <p:stCondLst>
                                             <p:cond delay="0"/>
                                           </p:stCondLst>
@@ -9260,7 +9787,7 @@
                                     </p:set>
                                     <p:animEffect transition="in" filter="fade">
                                       <p:cBhvr>
-                                        <p:cTn id="7" dur="500"/>
+                                        <p:cTn id="9" dur="500"/>
                                         <p:tgtEl>
                                           <p:spTgt spid="76"/>
                                         </p:tgtEl>
@@ -9276,26 +9803,26 @@
                     </p:cTn>
                   </p:par>
                   <p:par>
-                    <p:cTn id="8" fill="hold">
+                    <p:cTn id="10" fill="hold">
                       <p:stCondLst>
                         <p:cond delay="indefinite"/>
                       </p:stCondLst>
                       <p:childTnLst>
                         <p:par>
-                          <p:cTn id="9" fill="hold">
+                          <p:cTn id="11" fill="hold">
                             <p:stCondLst>
                               <p:cond delay="0"/>
                             </p:stCondLst>
                             <p:childTnLst>
                               <p:par>
-                                <p:cTn id="10" presetID="10" presetClass="entr" presetSubtype="0" fill="hold" nodeType="clickEffect">
+                                <p:cTn id="12" presetID="10" presetClass="entr" presetSubtype="0" fill="hold" nodeType="clickEffect">
                                   <p:stCondLst>
                                     <p:cond delay="0"/>
                                   </p:stCondLst>
                                   <p:childTnLst>
                                     <p:set>
                                       <p:cBhvr>
-                                        <p:cTn id="11" dur="1" fill="hold">
+                                        <p:cTn id="13" dur="1" fill="hold">
                                           <p:stCondLst>
                                             <p:cond delay="0"/>
                                           </p:stCondLst>
@@ -9313,7 +9840,7 @@
                                     </p:set>
                                     <p:animEffect transition="in" filter="fade">
                                       <p:cBhvr>
-                                        <p:cTn id="12" dur="500"/>
+                                        <p:cTn id="14" dur="500"/>
                                         <p:tgtEl>
                                           <p:spTgt spid="108"/>
                                         </p:tgtEl>
@@ -9322,15 +9849,64 @@
                                   </p:childTnLst>
                                 </p:cTn>
                               </p:par>
+                            </p:childTnLst>
+                          </p:cTn>
+                        </p:par>
+                      </p:childTnLst>
+                    </p:cTn>
+                  </p:par>
+                  <p:par>
+                    <p:cTn id="15" fill="hold">
+                      <p:stCondLst>
+                        <p:cond delay="indefinite"/>
+                      </p:stCondLst>
+                      <p:childTnLst>
+                        <p:par>
+                          <p:cTn id="16" fill="hold">
+                            <p:stCondLst>
+                              <p:cond delay="0"/>
+                            </p:stCondLst>
+                            <p:childTnLst>
                               <p:par>
-                                <p:cTn id="13" presetID="10" presetClass="entr" presetSubtype="0" fill="hold" nodeType="withEffect">
+                                <p:cTn id="17" presetID="1" presetClass="entr" presetSubtype="0" fill="hold" nodeType="clickEffect">
                                   <p:stCondLst>
                                     <p:cond delay="0"/>
                                   </p:stCondLst>
                                   <p:childTnLst>
                                     <p:set>
                                       <p:cBhvr>
-                                        <p:cTn id="14" dur="1" fill="hold">
+                                        <p:cTn id="18" dur="1" fill="hold">
+                                          <p:stCondLst>
+                                            <p:cond delay="0"/>
+                                          </p:stCondLst>
+                                        </p:cTn>
+                                        <p:tgtEl>
+                                          <p:spTgt spid="15">
+                                            <p:txEl>
+                                              <p:pRg st="2" end="2"/>
+                                            </p:txEl>
+                                          </p:spTgt>
+                                        </p:tgtEl>
+                                        <p:attrNameLst>
+                                          <p:attrName>style.visibility</p:attrName>
+                                        </p:attrNameLst>
+                                      </p:cBhvr>
+                                      <p:to>
+                                        <p:strVal val="visible"/>
+                                      </p:to>
+                                    </p:set>
+                                  </p:childTnLst>
+                                </p:cTn>
+                              </p:par>
+                              <p:par>
+                                <p:cTn id="19" presetID="10" presetClass="entr" presetSubtype="0" fill="hold" nodeType="withEffect">
+                                  <p:stCondLst>
+                                    <p:cond delay="0"/>
+                                  </p:stCondLst>
+                                  <p:childTnLst>
+                                    <p:set>
+                                      <p:cBhvr>
+                                        <p:cTn id="20" dur="1" fill="hold">
                                           <p:stCondLst>
                                             <p:cond delay="0"/>
                                           </p:stCondLst>
@@ -9348,7 +9924,7 @@
                                     </p:set>
                                     <p:animEffect transition="in" filter="fade">
                                       <p:cBhvr>
-                                        <p:cTn id="15" dur="500"/>
+                                        <p:cTn id="21" dur="500"/>
                                         <p:tgtEl>
                                           <p:spTgt spid="81"/>
                                         </p:tgtEl>
@@ -9357,15 +9933,64 @@
                                   </p:childTnLst>
                                 </p:cTn>
                               </p:par>
+                            </p:childTnLst>
+                          </p:cTn>
+                        </p:par>
+                      </p:childTnLst>
+                    </p:cTn>
+                  </p:par>
+                  <p:par>
+                    <p:cTn id="22" fill="hold">
+                      <p:stCondLst>
+                        <p:cond delay="indefinite"/>
+                      </p:stCondLst>
+                      <p:childTnLst>
+                        <p:par>
+                          <p:cTn id="23" fill="hold">
+                            <p:stCondLst>
+                              <p:cond delay="0"/>
+                            </p:stCondLst>
+                            <p:childTnLst>
                               <p:par>
-                                <p:cTn id="16" presetID="1" presetClass="exit" presetSubtype="0" fill="hold" nodeType="withEffect">
+                                <p:cTn id="24" presetID="1" presetClass="entr" presetSubtype="0" fill="hold" nodeType="clickEffect">
                                   <p:stCondLst>
                                     <p:cond delay="0"/>
                                   </p:stCondLst>
                                   <p:childTnLst>
                                     <p:set>
                                       <p:cBhvr>
-                                        <p:cTn id="17" dur="1" fill="hold">
+                                        <p:cTn id="25" dur="1" fill="hold">
+                                          <p:stCondLst>
+                                            <p:cond delay="0"/>
+                                          </p:stCondLst>
+                                        </p:cTn>
+                                        <p:tgtEl>
+                                          <p:spTgt spid="15">
+                                            <p:txEl>
+                                              <p:pRg st="3" end="3"/>
+                                            </p:txEl>
+                                          </p:spTgt>
+                                        </p:tgtEl>
+                                        <p:attrNameLst>
+                                          <p:attrName>style.visibility</p:attrName>
+                                        </p:attrNameLst>
+                                      </p:cBhvr>
+                                      <p:to>
+                                        <p:strVal val="visible"/>
+                                      </p:to>
+                                    </p:set>
+                                  </p:childTnLst>
+                                </p:cTn>
+                              </p:par>
+                              <p:par>
+                                <p:cTn id="26" presetID="1" presetClass="exit" presetSubtype="0" fill="hold" nodeType="withEffect">
+                                  <p:stCondLst>
+                                    <p:cond delay="0"/>
+                                  </p:stCondLst>
+                                  <p:childTnLst>
+                                    <p:set>
+                                      <p:cBhvr>
+                                        <p:cTn id="27" dur="1" fill="hold">
                                           <p:stCondLst>
                                             <p:cond delay="0"/>
                                           </p:stCondLst>
@@ -9385,14 +10010,14 @@
                                 </p:cTn>
                               </p:par>
                               <p:par>
-                                <p:cTn id="18" presetID="1" presetClass="exit" presetSubtype="0" fill="hold" nodeType="withEffect">
+                                <p:cTn id="28" presetID="1" presetClass="exit" presetSubtype="0" fill="hold" nodeType="withEffect">
                                   <p:stCondLst>
                                     <p:cond delay="0"/>
                                   </p:stCondLst>
                                   <p:childTnLst>
                                     <p:set>
                                       <p:cBhvr>
-                                        <p:cTn id="19" dur="1" fill="hold">
+                                        <p:cTn id="29" dur="1" fill="hold">
                                           <p:stCondLst>
                                             <p:cond delay="0"/>
                                           </p:stCondLst>
@@ -9412,14 +10037,14 @@
                                 </p:cTn>
                               </p:par>
                               <p:par>
-                                <p:cTn id="20" presetID="1" presetClass="exit" presetSubtype="0" fill="hold" nodeType="withEffect">
+                                <p:cTn id="30" presetID="1" presetClass="exit" presetSubtype="0" fill="hold" nodeType="withEffect">
                                   <p:stCondLst>
                                     <p:cond delay="0"/>
                                   </p:stCondLst>
                                   <p:childTnLst>
                                     <p:set>
                                       <p:cBhvr>
-                                        <p:cTn id="21" dur="1" fill="hold">
+                                        <p:cTn id="31" dur="1" fill="hold">
                                           <p:stCondLst>
                                             <p:cond delay="0"/>
                                           </p:stCondLst>
@@ -9439,14 +10064,14 @@
                                 </p:cTn>
                               </p:par>
                               <p:par>
-                                <p:cTn id="22" presetID="1" presetClass="entr" presetSubtype="0" fill="hold" nodeType="withEffect">
+                                <p:cTn id="32" presetID="1" presetClass="entr" presetSubtype="0" fill="hold" nodeType="withEffect">
                                   <p:stCondLst>
                                     <p:cond delay="0"/>
                                   </p:stCondLst>
                                   <p:childTnLst>
                                     <p:set>
                                       <p:cBhvr>
-                                        <p:cTn id="23" dur="1" fill="hold">
+                                        <p:cTn id="33" dur="1" fill="hold">
                                           <p:stCondLst>
                                             <p:cond delay="0"/>
                                           </p:stCondLst>
@@ -9465,15 +10090,64 @@
                                   </p:childTnLst>
                                 </p:cTn>
                               </p:par>
+                            </p:childTnLst>
+                          </p:cTn>
+                        </p:par>
+                      </p:childTnLst>
+                    </p:cTn>
+                  </p:par>
+                  <p:par>
+                    <p:cTn id="34" fill="hold">
+                      <p:stCondLst>
+                        <p:cond delay="indefinite"/>
+                      </p:stCondLst>
+                      <p:childTnLst>
+                        <p:par>
+                          <p:cTn id="35" fill="hold">
+                            <p:stCondLst>
+                              <p:cond delay="0"/>
+                            </p:stCondLst>
+                            <p:childTnLst>
                               <p:par>
-                                <p:cTn id="24" presetID="10" presetClass="exit" presetSubtype="0" fill="hold" nodeType="withEffect">
+                                <p:cTn id="36" presetID="1" presetClass="entr" presetSubtype="0" fill="hold" nodeType="clickEffect">
+                                  <p:stCondLst>
+                                    <p:cond delay="0"/>
+                                  </p:stCondLst>
+                                  <p:childTnLst>
+                                    <p:set>
+                                      <p:cBhvr>
+                                        <p:cTn id="37" dur="1" fill="hold">
+                                          <p:stCondLst>
+                                            <p:cond delay="0"/>
+                                          </p:stCondLst>
+                                        </p:cTn>
+                                        <p:tgtEl>
+                                          <p:spTgt spid="15">
+                                            <p:txEl>
+                                              <p:pRg st="4" end="4"/>
+                                            </p:txEl>
+                                          </p:spTgt>
+                                        </p:tgtEl>
+                                        <p:attrNameLst>
+                                          <p:attrName>style.visibility</p:attrName>
+                                        </p:attrNameLst>
+                                      </p:cBhvr>
+                                      <p:to>
+                                        <p:strVal val="visible"/>
+                                      </p:to>
+                                    </p:set>
+                                  </p:childTnLst>
+                                </p:cTn>
+                              </p:par>
+                              <p:par>
+                                <p:cTn id="38" presetID="10" presetClass="exit" presetSubtype="0" fill="hold" nodeType="withEffect">
                                   <p:stCondLst>
                                     <p:cond delay="0"/>
                                   </p:stCondLst>
                                   <p:childTnLst>
                                     <p:animEffect transition="out" filter="fade">
                                       <p:cBhvr>
-                                        <p:cTn id="25" dur="500"/>
+                                        <p:cTn id="39" dur="500"/>
                                         <p:tgtEl>
                                           <p:spTgt spid="103"/>
                                         </p:tgtEl>
@@ -9481,7 +10155,7 @@
                                     </p:animEffect>
                                     <p:set>
                                       <p:cBhvr>
-                                        <p:cTn id="26" dur="1" fill="hold">
+                                        <p:cTn id="40" dur="1" fill="hold">
                                           <p:stCondLst>
                                             <p:cond delay="499"/>
                                           </p:stCondLst>
@@ -9501,14 +10175,14 @@
                                 </p:cTn>
                               </p:par>
                               <p:par>
-                                <p:cTn id="27" presetID="10" presetClass="entr" presetSubtype="0" fill="hold" nodeType="withEffect">
+                                <p:cTn id="41" presetID="10" presetClass="entr" presetSubtype="0" fill="hold" nodeType="withEffect">
                                   <p:stCondLst>
                                     <p:cond delay="0"/>
                                   </p:stCondLst>
                                   <p:childTnLst>
                                     <p:set>
                                       <p:cBhvr>
-                                        <p:cTn id="28" dur="1" fill="hold">
+                                        <p:cTn id="42" dur="1" fill="hold">
                                           <p:stCondLst>
                                             <p:cond delay="0"/>
                                           </p:stCondLst>
@@ -9526,12 +10200,311 @@
                                     </p:set>
                                     <p:animEffect transition="in" filter="fade">
                                       <p:cBhvr>
-                                        <p:cTn id="29" dur="500"/>
+                                        <p:cTn id="43" dur="500"/>
                                         <p:tgtEl>
                                           <p:spTgt spid="109"/>
                                         </p:tgtEl>
                                       </p:cBhvr>
                                     </p:animEffect>
+                                  </p:childTnLst>
+                                </p:cTn>
+                              </p:par>
+                            </p:childTnLst>
+                          </p:cTn>
+                        </p:par>
+                      </p:childTnLst>
+                    </p:cTn>
+                  </p:par>
+                  <p:par>
+                    <p:cTn id="44" fill="hold">
+                      <p:stCondLst>
+                        <p:cond delay="indefinite"/>
+                      </p:stCondLst>
+                      <p:childTnLst>
+                        <p:par>
+                          <p:cTn id="45" fill="hold">
+                            <p:stCondLst>
+                              <p:cond delay="0"/>
+                            </p:stCondLst>
+                            <p:childTnLst>
+                              <p:par>
+                                <p:cTn id="46" presetID="1" presetClass="entr" presetSubtype="0" fill="hold" grpId="0" nodeType="clickEffect">
+                                  <p:stCondLst>
+                                    <p:cond delay="0"/>
+                                  </p:stCondLst>
+                                  <p:childTnLst>
+                                    <p:set>
+                                      <p:cBhvr>
+                                        <p:cTn id="47" dur="1" fill="hold">
+                                          <p:stCondLst>
+                                            <p:cond delay="0"/>
+                                          </p:stCondLst>
+                                        </p:cTn>
+                                        <p:tgtEl>
+                                          <p:spTgt spid="68"/>
+                                        </p:tgtEl>
+                                        <p:attrNameLst>
+                                          <p:attrName>style.visibility</p:attrName>
+                                        </p:attrNameLst>
+                                      </p:cBhvr>
+                                      <p:to>
+                                        <p:strVal val="visible"/>
+                                      </p:to>
+                                    </p:set>
+                                  </p:childTnLst>
+                                </p:cTn>
+                              </p:par>
+                            </p:childTnLst>
+                          </p:cTn>
+                        </p:par>
+                      </p:childTnLst>
+                    </p:cTn>
+                  </p:par>
+                  <p:par>
+                    <p:cTn id="48" fill="hold">
+                      <p:stCondLst>
+                        <p:cond delay="indefinite"/>
+                      </p:stCondLst>
+                      <p:childTnLst>
+                        <p:par>
+                          <p:cTn id="49" fill="hold">
+                            <p:stCondLst>
+                              <p:cond delay="0"/>
+                            </p:stCondLst>
+                            <p:childTnLst>
+                              <p:par>
+                                <p:cTn id="50" presetID="1" presetClass="entr" presetSubtype="0" fill="hold" grpId="0" nodeType="clickEffect">
+                                  <p:stCondLst>
+                                    <p:cond delay="0"/>
+                                  </p:stCondLst>
+                                  <p:childTnLst>
+                                    <p:set>
+                                      <p:cBhvr>
+                                        <p:cTn id="51" dur="1" fill="hold">
+                                          <p:stCondLst>
+                                            <p:cond delay="0"/>
+                                          </p:stCondLst>
+                                        </p:cTn>
+                                        <p:tgtEl>
+                                          <p:spTgt spid="69"/>
+                                        </p:tgtEl>
+                                        <p:attrNameLst>
+                                          <p:attrName>style.visibility</p:attrName>
+                                        </p:attrNameLst>
+                                      </p:cBhvr>
+                                      <p:to>
+                                        <p:strVal val="visible"/>
+                                      </p:to>
+                                    </p:set>
+                                  </p:childTnLst>
+                                </p:cTn>
+                              </p:par>
+                              <p:par>
+                                <p:cTn id="52" presetID="3" presetClass="emph" presetSubtype="2" fill="hold" nodeType="withEffect">
+                                  <p:stCondLst>
+                                    <p:cond delay="0"/>
+                                  </p:stCondLst>
+                                  <p:childTnLst>
+                                    <p:animClr clrSpc="rgb" dir="cw">
+                                      <p:cBhvr override="childStyle">
+                                        <p:cTn id="53" dur="250" fill="hold"/>
+                                        <p:tgtEl>
+                                          <p:spTgt spid="15">
+                                            <p:txEl>
+                                              <p:pRg st="2" end="2"/>
+                                            </p:txEl>
+                                          </p:spTgt>
+                                        </p:tgtEl>
+                                        <p:attrNameLst>
+                                          <p:attrName>style.color</p:attrName>
+                                        </p:attrNameLst>
+                                      </p:cBhvr>
+                                      <p:to>
+                                        <a:srgbClr val="2E75B5"/>
+                                      </p:to>
+                                    </p:animClr>
+                                  </p:childTnLst>
+                                  <p:subTnLst>
+                                    <p:animClr clrSpc="rgb" dir="cw">
+                                      <p:cBhvr override="childStyle">
+                                        <p:cTn dur="1" fill="hold" display="0" masterRel="nextClick" afterEffect="1"/>
+                                        <p:tgtEl>
+                                          <p:spTgt spid="15">
+                                            <p:txEl>
+                                              <p:pRg st="2" end="2"/>
+                                            </p:txEl>
+                                          </p:spTgt>
+                                        </p:tgtEl>
+                                        <p:attrNameLst>
+                                          <p:attrName>ppt_c</p:attrName>
+                                        </p:attrNameLst>
+                                      </p:cBhvr>
+                                      <p:to>
+                                        <a:schemeClr val="tx1"/>
+                                      </p:to>
+                                    </p:animClr>
+                                  </p:subTnLst>
+                                </p:cTn>
+                              </p:par>
+                            </p:childTnLst>
+                          </p:cTn>
+                        </p:par>
+                      </p:childTnLst>
+                    </p:cTn>
+                  </p:par>
+                  <p:par>
+                    <p:cTn id="54" fill="hold">
+                      <p:stCondLst>
+                        <p:cond delay="indefinite"/>
+                      </p:stCondLst>
+                      <p:childTnLst>
+                        <p:par>
+                          <p:cTn id="55" fill="hold">
+                            <p:stCondLst>
+                              <p:cond delay="0"/>
+                            </p:stCondLst>
+                            <p:childTnLst>
+                              <p:par>
+                                <p:cTn id="56" presetID="1" presetClass="entr" presetSubtype="0" fill="hold" nodeType="clickEffect">
+                                  <p:stCondLst>
+                                    <p:cond delay="0"/>
+                                  </p:stCondLst>
+                                  <p:childTnLst>
+                                    <p:set>
+                                      <p:cBhvr>
+                                        <p:cTn id="57" dur="1" fill="hold">
+                                          <p:stCondLst>
+                                            <p:cond delay="0"/>
+                                          </p:stCondLst>
+                                        </p:cTn>
+                                        <p:tgtEl>
+                                          <p:spTgt spid="9"/>
+                                        </p:tgtEl>
+                                        <p:attrNameLst>
+                                          <p:attrName>style.visibility</p:attrName>
+                                        </p:attrNameLst>
+                                      </p:cBhvr>
+                                      <p:to>
+                                        <p:strVal val="visible"/>
+                                      </p:to>
+                                    </p:set>
+                                  </p:childTnLst>
+                                </p:cTn>
+                              </p:par>
+                            </p:childTnLst>
+                          </p:cTn>
+                        </p:par>
+                        <p:par>
+                          <p:cTn id="58" fill="hold">
+                            <p:stCondLst>
+                              <p:cond delay="0"/>
+                            </p:stCondLst>
+                            <p:childTnLst>
+                              <p:par>
+                                <p:cTn id="59" presetID="1" presetClass="entr" presetSubtype="0" fill="hold" grpId="0" nodeType="afterEffect">
+                                  <p:stCondLst>
+                                    <p:cond delay="250"/>
+                                  </p:stCondLst>
+                                  <p:childTnLst>
+                                    <p:set>
+                                      <p:cBhvr>
+                                        <p:cTn id="60" dur="1" fill="hold">
+                                          <p:stCondLst>
+                                            <p:cond delay="0"/>
+                                          </p:stCondLst>
+                                        </p:cTn>
+                                        <p:tgtEl>
+                                          <p:spTgt spid="71"/>
+                                        </p:tgtEl>
+                                        <p:attrNameLst>
+                                          <p:attrName>style.visibility</p:attrName>
+                                        </p:attrNameLst>
+                                      </p:cBhvr>
+                                      <p:to>
+                                        <p:strVal val="visible"/>
+                                      </p:to>
+                                    </p:set>
+                                  </p:childTnLst>
+                                </p:cTn>
+                              </p:par>
+                            </p:childTnLst>
+                          </p:cTn>
+                        </p:par>
+                      </p:childTnLst>
+                    </p:cTn>
+                  </p:par>
+                  <p:par>
+                    <p:cTn id="61" fill="hold">
+                      <p:stCondLst>
+                        <p:cond delay="indefinite"/>
+                      </p:stCondLst>
+                      <p:childTnLst>
+                        <p:par>
+                          <p:cTn id="62" fill="hold">
+                            <p:stCondLst>
+                              <p:cond delay="0"/>
+                            </p:stCondLst>
+                            <p:childTnLst>
+                              <p:par>
+                                <p:cTn id="63" presetID="1" presetClass="entr" presetSubtype="0" fill="hold" nodeType="clickEffect">
+                                  <p:stCondLst>
+                                    <p:cond delay="0"/>
+                                  </p:stCondLst>
+                                  <p:childTnLst>
+                                    <p:set>
+                                      <p:cBhvr>
+                                        <p:cTn id="64" dur="1" fill="hold">
+                                          <p:stCondLst>
+                                            <p:cond delay="0"/>
+                                          </p:stCondLst>
+                                        </p:cTn>
+                                        <p:tgtEl>
+                                          <p:spTgt spid="16"/>
+                                        </p:tgtEl>
+                                        <p:attrNameLst>
+                                          <p:attrName>style.visibility</p:attrName>
+                                        </p:attrNameLst>
+                                      </p:cBhvr>
+                                      <p:to>
+                                        <p:strVal val="visible"/>
+                                      </p:to>
+                                    </p:set>
+                                  </p:childTnLst>
+                                </p:cTn>
+                              </p:par>
+                            </p:childTnLst>
+                          </p:cTn>
+                        </p:par>
+                        <p:par>
+                          <p:cTn id="65" fill="hold">
+                            <p:stCondLst>
+                              <p:cond delay="0"/>
+                            </p:stCondLst>
+                            <p:childTnLst>
+                              <p:par>
+                                <p:cTn id="66" presetID="1" presetClass="entr" presetSubtype="0" fill="hold" grpId="0" nodeType="afterEffect">
+                                  <p:stCondLst>
+                                    <p:cond delay="250"/>
+                                  </p:stCondLst>
+                                  <p:childTnLst>
+                                    <p:set>
+                                      <p:cBhvr>
+                                        <p:cTn id="67" dur="1" fill="hold">
+                                          <p:stCondLst>
+                                            <p:cond delay="0"/>
+                                          </p:stCondLst>
+                                        </p:cTn>
+                                        <p:tgtEl>
+                                          <p:spTgt spid="120"/>
+                                        </p:tgtEl>
+                                        <p:attrNameLst>
+                                          <p:attrName>style.visibility</p:attrName>
+                                        </p:attrNameLst>
+                                      </p:cBhvr>
+                                      <p:to>
+                                        <p:strVal val="visible"/>
+                                      </p:to>
+                                    </p:set>
                                   </p:childTnLst>
                                 </p:cTn>
                               </p:par>
@@ -9562,6 +10535,12 @@
         </p:cTn>
       </p:par>
     </p:tnLst>
+    <p:bldLst>
+      <p:bldP spid="120" grpId="0"/>
+      <p:bldP spid="68" grpId="0"/>
+      <p:bldP spid="69" grpId="0"/>
+      <p:bldP spid="71" grpId="0"/>
+    </p:bldLst>
   </p:timing>
 </p:sld>
 </file>
@@ -10402,13 +11381,13 @@
   <p:clrMapOvr>
     <a:masterClrMapping/>
   </p:clrMapOvr>
-  <mc:AlternateContent xmlns:mc="http://schemas.openxmlformats.org/markup-compatibility/2006">
-    <mc:Choice xmlns:p14="http://schemas.microsoft.com/office/powerpoint/2010/main" Requires="p14">
+  <mc:AlternateContent xmlns:mc="http://schemas.openxmlformats.org/markup-compatibility/2006" xmlns:p14="http://schemas.microsoft.com/office/powerpoint/2010/main">
+    <mc:Choice Requires="p14">
       <p:transition spd="med" p14:dur="700">
         <p:fade/>
       </p:transition>
     </mc:Choice>
-    <mc:Fallback>
+    <mc:Fallback xmlns="">
       <p:transition spd="med">
         <p:fade/>
       </p:transition>
@@ -10728,7 +11707,11 @@
             </a:pPr>
             <a:r>
               <a:rPr lang="en-GB" sz="2800" dirty="0" smtClean="0"/>
-              <a:t>The real line</a:t>
+              <a:t>Bonus: The </a:t>
+            </a:r>
+            <a:r>
+              <a:rPr lang="en-GB" sz="2800" dirty="0" smtClean="0"/>
+              <a:t>real line</a:t>
             </a:r>
           </a:p>
         </p:txBody>
@@ -11012,13 +11995,13 @@
   <p:clrMapOvr>
     <a:masterClrMapping/>
   </p:clrMapOvr>
-  <mc:AlternateContent xmlns:mc="http://schemas.openxmlformats.org/markup-compatibility/2006">
-    <mc:Choice xmlns:p14="http://schemas.microsoft.com/office/powerpoint/2010/main" Requires="p14">
+  <mc:AlternateContent xmlns:mc="http://schemas.openxmlformats.org/markup-compatibility/2006" xmlns:p14="http://schemas.microsoft.com/office/powerpoint/2010/main">
+    <mc:Choice Requires="p14">
       <p:transition spd="med" p14:dur="700">
         <p:fade/>
       </p:transition>
     </mc:Choice>
-    <mc:Fallback>
+    <mc:Fallback xmlns="">
       <p:transition spd="med">
         <p:fade/>
       </p:transition>
@@ -11724,13 +12707,13 @@
   <p:clrMapOvr>
     <a:masterClrMapping/>
   </p:clrMapOvr>
-  <mc:AlternateContent xmlns:mc="http://schemas.openxmlformats.org/markup-compatibility/2006">
-    <mc:Choice xmlns:p14="http://schemas.microsoft.com/office/powerpoint/2010/main" Requires="p14">
+  <mc:AlternateContent xmlns:mc="http://schemas.openxmlformats.org/markup-compatibility/2006" xmlns:p14="http://schemas.microsoft.com/office/powerpoint/2010/main">
+    <mc:Choice Requires="p14">
       <p:transition spd="med" p14:dur="700">
         <p:fade/>
       </p:transition>
     </mc:Choice>
-    <mc:Fallback>
+    <mc:Fallback xmlns="">
       <p:transition spd="med">
         <p:fade/>
       </p:transition>
@@ -11822,13 +12805,13 @@
   <p:clrMapOvr>
     <a:masterClrMapping/>
   </p:clrMapOvr>
-  <mc:AlternateContent xmlns:mc="http://schemas.openxmlformats.org/markup-compatibility/2006">
-    <mc:Choice xmlns:p14="http://schemas.microsoft.com/office/powerpoint/2010/main" Requires="p14">
+  <mc:AlternateContent xmlns:mc="http://schemas.openxmlformats.org/markup-compatibility/2006" xmlns:p14="http://schemas.microsoft.com/office/powerpoint/2010/main">
+    <mc:Choice Requires="p14">
       <p:transition spd="med" p14:dur="700">
         <p:fade/>
       </p:transition>
     </mc:Choice>
-    <mc:Fallback>
+    <mc:Fallback xmlns="">
       <p:transition spd="med">
         <p:fade/>
       </p:transition>
@@ -11920,13 +12903,13 @@
   <p:clrMapOvr>
     <a:masterClrMapping/>
   </p:clrMapOvr>
-  <mc:AlternateContent xmlns:mc="http://schemas.openxmlformats.org/markup-compatibility/2006">
-    <mc:Choice xmlns:p14="http://schemas.microsoft.com/office/powerpoint/2010/main" Requires="p14">
+  <mc:AlternateContent xmlns:mc="http://schemas.openxmlformats.org/markup-compatibility/2006" xmlns:p14="http://schemas.microsoft.com/office/powerpoint/2010/main">
+    <mc:Choice Requires="p14">
       <p:transition spd="med" p14:dur="700">
         <p:fade/>
       </p:transition>
     </mc:Choice>
-    <mc:Fallback>
+    <mc:Fallback xmlns="">
       <p:transition spd="med">
         <p:fade/>
       </p:transition>
@@ -11992,13 +12975,13 @@
   <p:clrMapOvr>
     <a:masterClrMapping/>
   </p:clrMapOvr>
-  <mc:AlternateContent xmlns:mc="http://schemas.openxmlformats.org/markup-compatibility/2006">
-    <mc:Choice xmlns:p14="http://schemas.microsoft.com/office/powerpoint/2010/main" Requires="p14">
+  <mc:AlternateContent xmlns:mc="http://schemas.openxmlformats.org/markup-compatibility/2006" xmlns:p14="http://schemas.microsoft.com/office/powerpoint/2010/main">
+    <mc:Choice Requires="p14">
       <p:transition spd="med" p14:dur="700">
         <p:fade/>
       </p:transition>
     </mc:Choice>
-    <mc:Fallback>
+    <mc:Fallback xmlns="">
       <p:transition spd="med">
         <p:fade/>
       </p:transition>

--- a/Präsentation43.pptx
+++ b/Präsentation43.pptx
@@ -6784,134 +6784,158 @@
             </a:r>
           </a:p>
           <a:p>
-            <a:pPr marL="288000" indent="-288000">
+            <a:pPr marL="360000" indent="-360000">
               <a:spcBef>
                 <a:spcPts val="600"/>
               </a:spcBef>
               <a:spcAft>
                 <a:spcPts val="600"/>
               </a:spcAft>
-              <a:buFont typeface="Arial" panose="020B0604020202020204" pitchFamily="34" charset="0"/>
-              <a:buChar char="•"/>
+              <a:buClr>
+                <a:schemeClr val="bg1">
+                  <a:lumMod val="50000"/>
+                </a:schemeClr>
+              </a:buClr>
+              <a:buSzPct val="66000"/>
+              <a:buFont typeface="+mj-lt"/>
+              <a:buAutoNum type="arabicParenBoth"/>
             </a:pPr>
             <a:r>
-              <a:rPr lang="en-GB" sz="2000" b="1" dirty="0" smtClean="0">
-                <a:latin typeface="Courier New" panose="02070309020205020404" pitchFamily="49" charset="0"/>
+              <a:rPr lang="en-GB" sz="2400" dirty="0" smtClean="0">
+                <a:latin typeface="Cambria Math" panose="02040503050406030204" pitchFamily="18" charset="0"/>
+                <a:ea typeface="Cambria Math" panose="02040503050406030204" pitchFamily="18" charset="0"/>
                 <a:cs typeface="Courier New" panose="02070309020205020404" pitchFamily="49" charset="0"/>
               </a:rPr>
               <a:t>minimal spanning tree</a:t>
             </a:r>
-            <a:endParaRPr lang="en-GB" sz="2000" b="1" dirty="0">
-              <a:latin typeface="Courier New" panose="02070309020205020404" pitchFamily="49" charset="0"/>
+            <a:endParaRPr lang="en-GB" sz="2400" dirty="0">
+              <a:latin typeface="Cambria Math" panose="02040503050406030204" pitchFamily="18" charset="0"/>
+              <a:ea typeface="Cambria Math" panose="02040503050406030204" pitchFamily="18" charset="0"/>
               <a:cs typeface="Courier New" panose="02070309020205020404" pitchFamily="49" charset="0"/>
             </a:endParaRPr>
           </a:p>
           <a:p>
-            <a:pPr marL="288000" indent="-288000">
+            <a:pPr marL="360000" indent="-360000">
               <a:spcBef>
                 <a:spcPts val="600"/>
               </a:spcBef>
               <a:spcAft>
                 <a:spcPts val="600"/>
               </a:spcAft>
-              <a:buFont typeface="Arial" panose="020B0604020202020204" pitchFamily="34" charset="0"/>
-              <a:buChar char="•"/>
+              <a:buClr>
+                <a:schemeClr val="bg1">
+                  <a:lumMod val="50000"/>
+                </a:schemeClr>
+              </a:buClr>
+              <a:buSzPct val="66000"/>
+              <a:buFont typeface="+mj-lt"/>
+              <a:buAutoNum type="arabicParenBoth"/>
             </a:pPr>
             <a:r>
-              <a:rPr lang="en-GB" sz="2000" b="1" dirty="0" smtClean="0">
-                <a:latin typeface="Courier New" panose="02070309020205020404" pitchFamily="49" charset="0"/>
+              <a:rPr lang="en-GB" sz="2400" dirty="0" smtClean="0">
+                <a:latin typeface="Cambria Math" panose="02040503050406030204" pitchFamily="18" charset="0"/>
+                <a:ea typeface="Cambria Math" panose="02040503050406030204" pitchFamily="18" charset="0"/>
                 <a:cs typeface="Courier New" panose="02070309020205020404" pitchFamily="49" charset="0"/>
               </a:rPr>
-              <a:t>minimum </a:t>
+              <a:t>minimum weighted matching    </a:t>
             </a:r>
             <a:r>
-              <a:rPr lang="en-GB" sz="2000" b="1" dirty="0" smtClean="0">
-                <a:latin typeface="Courier New" panose="02070309020205020404" pitchFamily="49" charset="0"/>
-                <a:cs typeface="Courier New" panose="02070309020205020404" pitchFamily="49" charset="0"/>
-              </a:rPr>
-              <a:t>weighted matching </a:t>
-            </a:r>
-            <a:r>
-              <a:rPr lang="en-GB" sz="2000" b="1" dirty="0" smtClean="0">
-                <a:latin typeface="Courier New" panose="02070309020205020404" pitchFamily="49" charset="0"/>
+              <a:rPr lang="en-GB" sz="2400" dirty="0" smtClean="0">
+                <a:latin typeface="Cambria Math" panose="02040503050406030204" pitchFamily="18" charset="0"/>
+                <a:ea typeface="Cambria Math" panose="02040503050406030204" pitchFamily="18" charset="0"/>
                 <a:cs typeface="Courier New" panose="02070309020205020404" pitchFamily="49" charset="0"/>
               </a:rPr>
               <a:t>   of </a:t>
             </a:r>
             <a:r>
-              <a:rPr lang="en-GB" sz="2000" b="1" dirty="0">
-                <a:latin typeface="Courier New" panose="02070309020205020404" pitchFamily="49" charset="0"/>
+              <a:rPr lang="en-GB" sz="2400" dirty="0">
+                <a:latin typeface="Cambria Math" panose="02040503050406030204" pitchFamily="18" charset="0"/>
+                <a:ea typeface="Cambria Math" panose="02040503050406030204" pitchFamily="18" charset="0"/>
                 <a:cs typeface="Courier New" panose="02070309020205020404" pitchFamily="49" charset="0"/>
               </a:rPr>
               <a:t>odd </a:t>
             </a:r>
             <a:r>
-              <a:rPr lang="en-GB" sz="2000" b="1" dirty="0" smtClean="0">
-                <a:latin typeface="Courier New" panose="02070309020205020404" pitchFamily="49" charset="0"/>
+              <a:rPr lang="en-GB" sz="2400" dirty="0" smtClean="0">
+                <a:latin typeface="Cambria Math" panose="02040503050406030204" pitchFamily="18" charset="0"/>
+                <a:ea typeface="Cambria Math" panose="02040503050406030204" pitchFamily="18" charset="0"/>
                 <a:cs typeface="Courier New" panose="02070309020205020404" pitchFamily="49" charset="0"/>
               </a:rPr>
               <a:t>vertices</a:t>
             </a:r>
-            <a:endParaRPr lang="en-GB" sz="2000" b="1" dirty="0">
-              <a:latin typeface="Courier New" panose="02070309020205020404" pitchFamily="49" charset="0"/>
+            <a:endParaRPr lang="en-GB" sz="2400" dirty="0">
+              <a:latin typeface="Cambria Math" panose="02040503050406030204" pitchFamily="18" charset="0"/>
+              <a:ea typeface="Cambria Math" panose="02040503050406030204" pitchFamily="18" charset="0"/>
               <a:cs typeface="Courier New" panose="02070309020205020404" pitchFamily="49" charset="0"/>
             </a:endParaRPr>
           </a:p>
           <a:p>
-            <a:pPr marL="288000" indent="-288000">
+            <a:pPr marL="360000" indent="-360000">
               <a:spcBef>
                 <a:spcPts val="600"/>
               </a:spcBef>
               <a:spcAft>
                 <a:spcPts val="600"/>
               </a:spcAft>
-              <a:buFont typeface="Arial" panose="020B0604020202020204" pitchFamily="34" charset="0"/>
-              <a:buChar char="•"/>
+              <a:buClr>
+                <a:schemeClr val="bg1">
+                  <a:lumMod val="50000"/>
+                </a:schemeClr>
+              </a:buClr>
+              <a:buSzPct val="66000"/>
+              <a:buFont typeface="+mj-lt"/>
+              <a:buAutoNum type="arabicParenBoth"/>
             </a:pPr>
             <a:r>
-              <a:rPr lang="en-GB" sz="2000" b="1" dirty="0" smtClean="0">
-                <a:latin typeface="Courier New" panose="02070309020205020404" pitchFamily="49" charset="0"/>
+              <a:rPr lang="en-GB" sz="2400" dirty="0" smtClean="0">
+                <a:latin typeface="Cambria Math" panose="02040503050406030204" pitchFamily="18" charset="0"/>
+                <a:ea typeface="Cambria Math" panose="02040503050406030204" pitchFamily="18" charset="0"/>
                 <a:cs typeface="Courier New" panose="02070309020205020404" pitchFamily="49" charset="0"/>
               </a:rPr>
               <a:t>Euler </a:t>
             </a:r>
             <a:r>
-              <a:rPr lang="en-GB" sz="2000" b="1" dirty="0">
-                <a:latin typeface="Courier New" panose="02070309020205020404" pitchFamily="49" charset="0"/>
+              <a:rPr lang="en-GB" sz="2400" dirty="0">
+                <a:latin typeface="Cambria Math" panose="02040503050406030204" pitchFamily="18" charset="0"/>
+                <a:ea typeface="Cambria Math" panose="02040503050406030204" pitchFamily="18" charset="0"/>
                 <a:cs typeface="Courier New" panose="02070309020205020404" pitchFamily="49" charset="0"/>
               </a:rPr>
               <a:t>tour</a:t>
             </a:r>
           </a:p>
           <a:p>
-            <a:pPr marL="288000" indent="-288000">
+            <a:pPr marL="360000" indent="-360000">
               <a:spcBef>
                 <a:spcPts val="600"/>
               </a:spcBef>
               <a:spcAft>
                 <a:spcPts val="600"/>
               </a:spcAft>
-              <a:buFont typeface="Arial" panose="020B0604020202020204" pitchFamily="34" charset="0"/>
-              <a:buChar char="•"/>
+              <a:buClr>
+                <a:schemeClr val="bg1">
+                  <a:lumMod val="50000"/>
+                </a:schemeClr>
+              </a:buClr>
+              <a:buSzPct val="66000"/>
+              <a:buFont typeface="+mj-lt"/>
+              <a:buAutoNum type="arabicParenBoth"/>
             </a:pPr>
             <a:r>
-              <a:rPr lang="en-GB" sz="2000" b="1" dirty="0">
-                <a:latin typeface="Courier New" panose="02070309020205020404" pitchFamily="49" charset="0"/>
+              <a:rPr lang="en-GB" sz="2400" dirty="0">
+                <a:latin typeface="Cambria Math" panose="02040503050406030204" pitchFamily="18" charset="0"/>
+                <a:ea typeface="Cambria Math" panose="02040503050406030204" pitchFamily="18" charset="0"/>
                 <a:cs typeface="Courier New" panose="02070309020205020404" pitchFamily="49" charset="0"/>
               </a:rPr>
               <a:t>Skip double visited </a:t>
             </a:r>
             <a:r>
-              <a:rPr lang="en-GB" sz="2000" b="1" dirty="0" smtClean="0">
-                <a:latin typeface="Courier New" panose="02070309020205020404" pitchFamily="49" charset="0"/>
+              <a:rPr lang="en-GB" sz="2400" dirty="0" smtClean="0">
+                <a:latin typeface="Cambria Math" panose="02040503050406030204" pitchFamily="18" charset="0"/>
+                <a:ea typeface="Cambria Math" panose="02040503050406030204" pitchFamily="18" charset="0"/>
                 <a:cs typeface="Courier New" panose="02070309020205020404" pitchFamily="49" charset="0"/>
               </a:rPr>
               <a:t>vertices</a:t>
             </a:r>
-            <a:endParaRPr lang="en-GB" sz="1400" b="1" dirty="0" smtClean="0">
-              <a:latin typeface="Courier New" panose="02070309020205020404" pitchFamily="49" charset="0"/>
-              <a:cs typeface="Courier New" panose="02070309020205020404" pitchFamily="49" charset="0"/>
-            </a:endParaRPr>
           </a:p>
         </p:txBody>
       </p:sp>
@@ -9170,524 +9194,542 @@
           </p:txBody>
         </p:sp>
       </p:grpSp>
-      <mc:AlternateContent xmlns:mc="http://schemas.openxmlformats.org/markup-compatibility/2006">
-        <mc:Choice xmlns:a14="http://schemas.microsoft.com/office/drawing/2010/main" Requires="a14">
-          <p:sp>
-            <p:nvSpPr>
-              <p:cNvPr id="120" name="Textfeld 119"/>
-              <p:cNvSpPr txBox="1"/>
-              <p:nvPr/>
-            </p:nvSpPr>
-            <p:spPr>
-              <a:xfrm>
-                <a:off x="3032680" y="4455832"/>
-                <a:ext cx="4111638" cy="523220"/>
-              </a:xfrm>
-              <a:prstGeom prst="rect">
-                <a:avLst/>
-              </a:prstGeom>
-              <a:noFill/>
-            </p:spPr>
-            <p:txBody>
-              <a:bodyPr wrap="none" rtlCol="0">
-                <a:spAutoFit/>
-              </a:bodyPr>
-              <a:lstStyle/>
-              <a:p>
-                <a14:m>
-                  <m:oMath xmlns:m="http://schemas.openxmlformats.org/officeDocument/2006/math">
-                    <m:r>
-                      <a:rPr lang="de-DE" sz="2800" i="1">
-                        <a:latin typeface="Cambria Math" panose="02040503050406030204" pitchFamily="18" charset="0"/>
-                      </a:rPr>
-                      <m:t>1,5</m:t>
-                    </m:r>
-                  </m:oMath>
-                </a14:m>
-                <a:r>
-                  <a:rPr lang="en-GB" sz="2800" dirty="0" smtClean="0"/>
-                  <a:t>-</a:t>
-                </a:r>
-                <a:r>
-                  <a:rPr lang="en-GB" sz="2800" dirty="0" err="1" smtClean="0"/>
-                  <a:t>approximative</a:t>
-                </a:r>
-                <a:r>
-                  <a:rPr lang="en-GB" sz="2800" dirty="0" smtClean="0"/>
-                  <a:t> solution</a:t>
-                </a:r>
-                <a:endParaRPr lang="en-GB" sz="2800" dirty="0"/>
-              </a:p>
-            </p:txBody>
-          </p:sp>
-        </mc:Choice>
-        <mc:Fallback>
-          <p:sp>
-            <p:nvSpPr>
-              <p:cNvPr id="120" name="Textfeld 119"/>
-              <p:cNvSpPr txBox="1">
-                <a:spLocks noRot="1" noChangeAspect="1" noMove="1" noResize="1" noEditPoints="1" noAdjustHandles="1" noChangeArrowheads="1" noChangeShapeType="1" noTextEdit="1"/>
-              </p:cNvSpPr>
-              <p:nvPr/>
-            </p:nvSpPr>
-            <p:spPr>
-              <a:xfrm>
-                <a:off x="3032680" y="4455832"/>
-                <a:ext cx="4111638" cy="523220"/>
-              </a:xfrm>
-              <a:prstGeom prst="rect">
-                <a:avLst/>
-              </a:prstGeom>
-              <a:blipFill rotWithShape="0">
-                <a:blip r:embed="rId2"/>
-                <a:stretch>
-                  <a:fillRect t="-11628" r="-1778" b="-32558"/>
-                </a:stretch>
-              </a:blipFill>
-            </p:spPr>
-            <p:txBody>
-              <a:bodyPr/>
-              <a:lstStyle/>
-              <a:p>
-                <a:r>
-                  <a:rPr lang="en-GB">
-                    <a:noFill/>
-                  </a:rPr>
-                  <a:t> </a:t>
-                </a:r>
-              </a:p>
-            </p:txBody>
-          </p:sp>
-        </mc:Fallback>
-      </mc:AlternateContent>
-      <mc:AlternateContent xmlns:mc="http://schemas.openxmlformats.org/markup-compatibility/2006">
-        <mc:Choice xmlns:a14="http://schemas.microsoft.com/office/drawing/2010/main" Requires="a14">
-          <p:sp>
-            <p:nvSpPr>
-              <p:cNvPr id="68" name="Textfeld 67"/>
-              <p:cNvSpPr txBox="1"/>
-              <p:nvPr/>
-            </p:nvSpPr>
-            <p:spPr>
-              <a:xfrm>
-                <a:off x="4496876" y="1914783"/>
-                <a:ext cx="1182054" cy="461665"/>
-              </a:xfrm>
-              <a:prstGeom prst="rect">
-                <a:avLst/>
-              </a:prstGeom>
-              <a:noFill/>
-            </p:spPr>
-            <p:txBody>
-              <a:bodyPr wrap="none" rtlCol="0">
-                <a:spAutoFit/>
-              </a:bodyPr>
-              <a:lstStyle/>
-              <a:p>
-                <a14:m>
-                  <m:oMathPara xmlns:m="http://schemas.openxmlformats.org/officeDocument/2006/math">
-                    <m:oMathParaPr>
-                      <m:jc m:val="centerGroup"/>
-                    </m:oMathParaPr>
+      <p:grpSp>
+        <p:nvGrpSpPr>
+          <p:cNvPr id="5" name="Gruppieren 4"/>
+          <p:cNvGrpSpPr/>
+          <p:nvPr/>
+        </p:nvGrpSpPr>
+        <p:grpSpPr>
+          <a:xfrm>
+            <a:off x="3230773" y="1896939"/>
+            <a:ext cx="4111638" cy="3064269"/>
+            <a:chOff x="3032680" y="1914783"/>
+            <a:chExt cx="4111638" cy="3064269"/>
+          </a:xfrm>
+        </p:grpSpPr>
+        <mc:AlternateContent xmlns:mc="http://schemas.openxmlformats.org/markup-compatibility/2006" xmlns:a14="http://schemas.microsoft.com/office/drawing/2010/main">
+          <mc:Choice Requires="a14">
+            <p:sp>
+              <p:nvSpPr>
+                <p:cNvPr id="120" name="Textfeld 119"/>
+                <p:cNvSpPr txBox="1"/>
+                <p:nvPr/>
+              </p:nvSpPr>
+              <p:spPr>
+                <a:xfrm>
+                  <a:off x="3032680" y="4455832"/>
+                  <a:ext cx="4111638" cy="523220"/>
+                </a:xfrm>
+                <a:prstGeom prst="rect">
+                  <a:avLst/>
+                </a:prstGeom>
+                <a:noFill/>
+              </p:spPr>
+              <p:txBody>
+                <a:bodyPr wrap="none" rtlCol="0">
+                  <a:spAutoFit/>
+                </a:bodyPr>
+                <a:lstStyle/>
+                <a:p>
+                  <a14:m>
                     <m:oMath xmlns:m="http://schemas.openxmlformats.org/officeDocument/2006/math">
                       <m:r>
-                        <a:rPr lang="de-DE" sz="2400" b="0" i="1" smtClean="0">
+                        <a:rPr lang="de-DE" sz="2800" i="1">
                           <a:latin typeface="Cambria Math" panose="02040503050406030204" pitchFamily="18" charset="0"/>
                         </a:rPr>
-                        <m:t>≤1⋅</m:t>
-                      </m:r>
-                      <m:r>
-                        <a:rPr lang="de-DE" sz="2400" b="0" i="1" smtClean="0">
-                          <a:latin typeface="Cambria Math" panose="02040503050406030204" pitchFamily="18" charset="0"/>
-                        </a:rPr>
-                        <m:t>𝒯</m:t>
+                        <m:t>1,5</m:t>
                       </m:r>
                     </m:oMath>
-                  </m:oMathPara>
-                </a14:m>
-                <a:endParaRPr lang="en-GB" sz="2400" dirty="0"/>
-              </a:p>
-            </p:txBody>
-          </p:sp>
-        </mc:Choice>
-        <mc:Fallback>
-          <p:sp>
-            <p:nvSpPr>
-              <p:cNvPr id="68" name="Textfeld 67"/>
-              <p:cNvSpPr txBox="1">
-                <a:spLocks noRot="1" noChangeAspect="1" noMove="1" noResize="1" noEditPoints="1" noAdjustHandles="1" noChangeArrowheads="1" noChangeShapeType="1" noTextEdit="1"/>
-              </p:cNvSpPr>
-              <p:nvPr/>
-            </p:nvSpPr>
-            <p:spPr>
-              <a:xfrm>
-                <a:off x="4496876" y="1914783"/>
-                <a:ext cx="1182054" cy="461665"/>
-              </a:xfrm>
-              <a:prstGeom prst="rect">
-                <a:avLst/>
-              </a:prstGeom>
-              <a:blipFill rotWithShape="0">
-                <a:blip r:embed="rId3"/>
-                <a:stretch>
-                  <a:fillRect/>
-                </a:stretch>
-              </a:blipFill>
-            </p:spPr>
-            <p:txBody>
-              <a:bodyPr/>
-              <a:lstStyle/>
-              <a:p>
-                <a:r>
-                  <a:rPr lang="en-GB">
-                    <a:noFill/>
-                  </a:rPr>
-                  <a:t> </a:t>
-                </a:r>
-              </a:p>
-            </p:txBody>
-          </p:sp>
-        </mc:Fallback>
-      </mc:AlternateContent>
-      <mc:AlternateContent xmlns:mc="http://schemas.openxmlformats.org/markup-compatibility/2006">
-        <mc:Choice xmlns:a14="http://schemas.microsoft.com/office/drawing/2010/main" Requires="a14">
-          <p:sp>
-            <p:nvSpPr>
-              <p:cNvPr id="69" name="Textfeld 68"/>
-              <p:cNvSpPr txBox="1"/>
-              <p:nvPr/>
-            </p:nvSpPr>
-            <p:spPr>
-              <a:xfrm>
-                <a:off x="4518331" y="2552523"/>
-                <a:ext cx="1141979" cy="523092"/>
-              </a:xfrm>
-              <a:prstGeom prst="rect">
-                <a:avLst/>
-              </a:prstGeom>
-              <a:noFill/>
-            </p:spPr>
-            <p:txBody>
-              <a:bodyPr wrap="none" rtlCol="0">
-                <a:spAutoFit/>
-              </a:bodyPr>
-              <a:lstStyle/>
-              <a:p>
-                <a14:m>
-                  <m:oMathPara xmlns:m="http://schemas.openxmlformats.org/officeDocument/2006/math">
-                    <m:oMathParaPr>
-                      <m:jc m:val="centerGroup"/>
-                    </m:oMathParaPr>
-                    <m:oMath xmlns:m="http://schemas.openxmlformats.org/officeDocument/2006/math">
-                      <m:r>
-                        <a:rPr lang="de-DE" sz="2400" b="0" i="1" smtClean="0">
-                          <a:latin typeface="Cambria Math" panose="02040503050406030204" pitchFamily="18" charset="0"/>
-                        </a:rPr>
-                        <m:t>≤</m:t>
-                      </m:r>
-                      <m:box>
-                        <m:boxPr>
-                          <m:ctrlPr>
-                            <a:rPr lang="de-DE" sz="2400" b="0" i="1" smtClean="0">
-                              <a:latin typeface="Cambria Math" panose="02040503050406030204" pitchFamily="18" charset="0"/>
-                            </a:rPr>
-                          </m:ctrlPr>
-                        </m:boxPr>
-                        <m:e>
-                          <m:argPr>
-                            <m:argSz m:val="-1"/>
-                          </m:argPr>
-                          <m:f>
-                            <m:fPr>
-                              <m:ctrlPr>
-                                <a:rPr lang="de-DE" sz="2400" b="0" i="1" smtClean="0">
-                                  <a:latin typeface="Cambria Math" panose="02040503050406030204" pitchFamily="18" charset="0"/>
-                                </a:rPr>
-                              </m:ctrlPr>
-                            </m:fPr>
-                            <m:num>
-                              <m:r>
-                                <a:rPr lang="de-DE" sz="2400" b="0" i="1" smtClean="0">
-                                  <a:latin typeface="Cambria Math" panose="02040503050406030204" pitchFamily="18" charset="0"/>
-                                </a:rPr>
-                                <m:t>1</m:t>
-                              </m:r>
-                            </m:num>
-                            <m:den>
-                              <m:r>
-                                <a:rPr lang="de-DE" sz="2400" b="0" i="1" smtClean="0">
-                                  <a:latin typeface="Cambria Math" panose="02040503050406030204" pitchFamily="18" charset="0"/>
-                                </a:rPr>
-                                <m:t>2</m:t>
-                              </m:r>
-                            </m:den>
-                          </m:f>
-                        </m:e>
-                      </m:box>
-                      <m:r>
-                        <a:rPr lang="de-DE" sz="2400" b="0" i="1" smtClean="0">
-                          <a:latin typeface="Cambria Math" panose="02040503050406030204" pitchFamily="18" charset="0"/>
-                        </a:rPr>
-                        <m:t>⋅</m:t>
-                      </m:r>
-                      <m:r>
-                        <a:rPr lang="de-DE" sz="2400" b="0" i="1" smtClean="0">
-                          <a:latin typeface="Cambria Math" panose="02040503050406030204" pitchFamily="18" charset="0"/>
-                        </a:rPr>
-                        <m:t>𝒯</m:t>
-                      </m:r>
-                    </m:oMath>
-                  </m:oMathPara>
-                </a14:m>
-                <a:endParaRPr lang="en-GB" sz="2400" dirty="0"/>
-              </a:p>
-            </p:txBody>
-          </p:sp>
-        </mc:Choice>
-        <mc:Fallback>
-          <p:sp>
-            <p:nvSpPr>
-              <p:cNvPr id="69" name="Textfeld 68"/>
-              <p:cNvSpPr txBox="1">
-                <a:spLocks noRot="1" noChangeAspect="1" noMove="1" noResize="1" noEditPoints="1" noAdjustHandles="1" noChangeArrowheads="1" noChangeShapeType="1" noTextEdit="1"/>
-              </p:cNvSpPr>
-              <p:nvPr/>
-            </p:nvSpPr>
-            <p:spPr>
-              <a:xfrm>
-                <a:off x="4518331" y="2552523"/>
-                <a:ext cx="1141979" cy="523092"/>
-              </a:xfrm>
-              <a:prstGeom prst="rect">
-                <a:avLst/>
-              </a:prstGeom>
-              <a:blipFill rotWithShape="0">
-                <a:blip r:embed="rId4"/>
-                <a:stretch>
-                  <a:fillRect/>
-                </a:stretch>
-              </a:blipFill>
-            </p:spPr>
-            <p:txBody>
-              <a:bodyPr/>
-              <a:lstStyle/>
-              <a:p>
-                <a:r>
-                  <a:rPr lang="en-GB">
-                    <a:noFill/>
-                  </a:rPr>
-                  <a:t> </a:t>
-                </a:r>
-              </a:p>
-            </p:txBody>
-          </p:sp>
-        </mc:Fallback>
-      </mc:AlternateContent>
-      <mc:AlternateContent xmlns:mc="http://schemas.openxmlformats.org/markup-compatibility/2006">
-        <mc:Choice xmlns:a14="http://schemas.microsoft.com/office/drawing/2010/main" Requires="a14">
-          <p:sp>
-            <p:nvSpPr>
-              <p:cNvPr id="71" name="Textfeld 70"/>
-              <p:cNvSpPr txBox="1"/>
-              <p:nvPr/>
-            </p:nvSpPr>
-            <p:spPr>
-              <a:xfrm>
-                <a:off x="4491680" y="3220467"/>
-                <a:ext cx="1141979" cy="523861"/>
-              </a:xfrm>
-              <a:prstGeom prst="rect">
-                <a:avLst/>
-              </a:prstGeom>
-              <a:noFill/>
-            </p:spPr>
-            <p:txBody>
-              <a:bodyPr wrap="none" rtlCol="0">
-                <a:spAutoFit/>
-              </a:bodyPr>
-              <a:lstStyle/>
-              <a:p>
-                <a14:m>
-                  <m:oMathPara xmlns:m="http://schemas.openxmlformats.org/officeDocument/2006/math">
-                    <m:oMathParaPr>
-                      <m:jc m:val="centerGroup"/>
-                    </m:oMathParaPr>
-                    <m:oMath xmlns:m="http://schemas.openxmlformats.org/officeDocument/2006/math">
-                      <m:r>
-                        <a:rPr lang="de-DE" sz="2400" b="0" i="1" smtClean="0">
-                          <a:latin typeface="Cambria Math" panose="02040503050406030204" pitchFamily="18" charset="0"/>
-                        </a:rPr>
-                        <m:t>≤</m:t>
-                      </m:r>
-                      <m:box>
-                        <m:boxPr>
-                          <m:ctrlPr>
-                            <a:rPr lang="de-DE" sz="2400" b="0" i="1" smtClean="0">
-                              <a:latin typeface="Cambria Math" panose="02040503050406030204" pitchFamily="18" charset="0"/>
-                            </a:rPr>
-                          </m:ctrlPr>
-                        </m:boxPr>
-                        <m:e>
-                          <m:argPr>
-                            <m:argSz m:val="-1"/>
-                          </m:argPr>
-                          <m:f>
-                            <m:fPr>
-                              <m:ctrlPr>
-                                <a:rPr lang="de-DE" sz="2400" b="0" i="1" smtClean="0">
-                                  <a:latin typeface="Cambria Math" panose="02040503050406030204" pitchFamily="18" charset="0"/>
-                                </a:rPr>
-                              </m:ctrlPr>
-                            </m:fPr>
-                            <m:num>
-                              <m:r>
-                                <a:rPr lang="de-DE" sz="2400" b="0" i="1" smtClean="0">
-                                  <a:latin typeface="Cambria Math" panose="02040503050406030204" pitchFamily="18" charset="0"/>
-                                </a:rPr>
-                                <m:t>3</m:t>
-                              </m:r>
-                            </m:num>
-                            <m:den>
-                              <m:r>
-                                <a:rPr lang="de-DE" sz="2400" b="0" i="1" smtClean="0">
-                                  <a:latin typeface="Cambria Math" panose="02040503050406030204" pitchFamily="18" charset="0"/>
-                                </a:rPr>
-                                <m:t>2</m:t>
-                              </m:r>
-                            </m:den>
-                          </m:f>
-                        </m:e>
-                      </m:box>
-                      <m:r>
-                        <a:rPr lang="de-DE" sz="2400" b="0" i="1" smtClean="0">
-                          <a:latin typeface="Cambria Math" panose="02040503050406030204" pitchFamily="18" charset="0"/>
-                        </a:rPr>
-                        <m:t>⋅</m:t>
-                      </m:r>
-                      <m:r>
-                        <a:rPr lang="de-DE" sz="2400" b="0" i="1" smtClean="0">
-                          <a:latin typeface="Cambria Math" panose="02040503050406030204" pitchFamily="18" charset="0"/>
-                        </a:rPr>
-                        <m:t>𝒯</m:t>
-                      </m:r>
-                    </m:oMath>
-                  </m:oMathPara>
-                </a14:m>
-                <a:endParaRPr lang="en-GB" sz="2400" dirty="0"/>
-              </a:p>
-            </p:txBody>
-          </p:sp>
-        </mc:Choice>
-        <mc:Fallback>
-          <p:sp>
-            <p:nvSpPr>
-              <p:cNvPr id="71" name="Textfeld 70"/>
-              <p:cNvSpPr txBox="1">
-                <a:spLocks noRot="1" noChangeAspect="1" noMove="1" noResize="1" noEditPoints="1" noAdjustHandles="1" noChangeArrowheads="1" noChangeShapeType="1" noTextEdit="1"/>
-              </p:cNvSpPr>
-              <p:nvPr/>
-            </p:nvSpPr>
-            <p:spPr>
-              <a:xfrm>
-                <a:off x="4491680" y="3220467"/>
-                <a:ext cx="1141979" cy="523861"/>
-              </a:xfrm>
-              <a:prstGeom prst="rect">
-                <a:avLst/>
-              </a:prstGeom>
-              <a:blipFill rotWithShape="0">
-                <a:blip r:embed="rId5"/>
-                <a:stretch>
-                  <a:fillRect/>
-                </a:stretch>
-              </a:blipFill>
-            </p:spPr>
-            <p:txBody>
-              <a:bodyPr/>
-              <a:lstStyle/>
-              <a:p>
-                <a:r>
-                  <a:rPr lang="en-GB">
-                    <a:noFill/>
-                  </a:rPr>
-                  <a:t> </a:t>
-                </a:r>
-              </a:p>
-            </p:txBody>
-          </p:sp>
-        </mc:Fallback>
-      </mc:AlternateContent>
-      <p:cxnSp>
-        <p:nvCxnSpPr>
-          <p:cNvPr id="9" name="Gerader Verbinder 8"/>
-          <p:cNvCxnSpPr/>
-          <p:nvPr/>
-        </p:nvCxnSpPr>
-        <p:spPr>
-          <a:xfrm>
-            <a:off x="4279769" y="3138461"/>
-            <a:ext cx="1481804" cy="0"/>
-          </a:xfrm>
-          <a:prstGeom prst="line">
-            <a:avLst/>
-          </a:prstGeom>
-          <a:ln w="28575">
-            <a:solidFill>
+                  </a14:m>
+                  <a:r>
+                    <a:rPr lang="en-GB" sz="2800" dirty="0" smtClean="0"/>
+                    <a:t>-</a:t>
+                  </a:r>
+                  <a:r>
+                    <a:rPr lang="en-GB" sz="2800" dirty="0" err="1" smtClean="0"/>
+                    <a:t>approximative</a:t>
+                  </a:r>
+                  <a:r>
+                    <a:rPr lang="en-GB" sz="2800" dirty="0" smtClean="0"/>
+                    <a:t> solution</a:t>
+                  </a:r>
+                  <a:endParaRPr lang="en-GB" sz="2800" dirty="0"/>
+                </a:p>
+              </p:txBody>
+            </p:sp>
+          </mc:Choice>
+          <mc:Fallback xmlns="">
+            <p:sp>
+              <p:nvSpPr>
+                <p:cNvPr id="120" name="Textfeld 119"/>
+                <p:cNvSpPr txBox="1">
+                  <a:spLocks noRot="1" noChangeAspect="1" noMove="1" noResize="1" noEditPoints="1" noAdjustHandles="1" noChangeArrowheads="1" noChangeShapeType="1" noTextEdit="1"/>
+                </p:cNvSpPr>
+                <p:nvPr/>
+              </p:nvSpPr>
+              <p:spPr>
+                <a:xfrm>
+                  <a:off x="3032680" y="4455832"/>
+                  <a:ext cx="4111638" cy="523220"/>
+                </a:xfrm>
+                <a:prstGeom prst="rect">
+                  <a:avLst/>
+                </a:prstGeom>
+                <a:blipFill rotWithShape="0">
+                  <a:blip r:embed="rId2"/>
+                  <a:stretch>
+                    <a:fillRect t="-11628" r="-1778" b="-32558"/>
+                  </a:stretch>
+                </a:blipFill>
+              </p:spPr>
+              <p:txBody>
+                <a:bodyPr/>
+                <a:lstStyle/>
+                <a:p>
+                  <a:r>
+                    <a:rPr lang="en-GB">
+                      <a:noFill/>
+                    </a:rPr>
+                    <a:t> </a:t>
+                  </a:r>
+                </a:p>
+              </p:txBody>
+            </p:sp>
+          </mc:Fallback>
+        </mc:AlternateContent>
+        <mc:AlternateContent xmlns:mc="http://schemas.openxmlformats.org/markup-compatibility/2006" xmlns:a14="http://schemas.microsoft.com/office/drawing/2010/main">
+          <mc:Choice Requires="a14">
+            <p:sp>
+              <p:nvSpPr>
+                <p:cNvPr id="68" name="Textfeld 67"/>
+                <p:cNvSpPr txBox="1"/>
+                <p:nvPr/>
+              </p:nvSpPr>
+              <p:spPr>
+                <a:xfrm>
+                  <a:off x="4496876" y="1914783"/>
+                  <a:ext cx="1182054" cy="461665"/>
+                </a:xfrm>
+                <a:prstGeom prst="rect">
+                  <a:avLst/>
+                </a:prstGeom>
+                <a:noFill/>
+              </p:spPr>
+              <p:txBody>
+                <a:bodyPr wrap="none" rtlCol="0">
+                  <a:spAutoFit/>
+                </a:bodyPr>
+                <a:lstStyle/>
+                <a:p>
+                  <a:pPr/>
+                  <a14:m>
+                    <m:oMathPara xmlns:m="http://schemas.openxmlformats.org/officeDocument/2006/math">
+                      <m:oMathParaPr>
+                        <m:jc m:val="centerGroup"/>
+                      </m:oMathParaPr>
+                      <m:oMath xmlns:m="http://schemas.openxmlformats.org/officeDocument/2006/math">
+                        <m:r>
+                          <a:rPr lang="de-DE" sz="2400" b="0" i="1" smtClean="0">
+                            <a:latin typeface="Cambria Math" panose="02040503050406030204" pitchFamily="18" charset="0"/>
+                          </a:rPr>
+                          <m:t>≤1⋅</m:t>
+                        </m:r>
+                        <m:r>
+                          <a:rPr lang="de-DE" sz="2400" b="0" i="1" smtClean="0">
+                            <a:latin typeface="Cambria Math" panose="02040503050406030204" pitchFamily="18" charset="0"/>
+                          </a:rPr>
+                          <m:t>𝒯</m:t>
+                        </m:r>
+                      </m:oMath>
+                    </m:oMathPara>
+                  </a14:m>
+                  <a:endParaRPr lang="en-GB" sz="2400" dirty="0"/>
+                </a:p>
+              </p:txBody>
+            </p:sp>
+          </mc:Choice>
+          <mc:Fallback xmlns="">
+            <p:sp>
+              <p:nvSpPr>
+                <p:cNvPr id="68" name="Textfeld 67"/>
+                <p:cNvSpPr txBox="1">
+                  <a:spLocks noRot="1" noChangeAspect="1" noMove="1" noResize="1" noEditPoints="1" noAdjustHandles="1" noChangeArrowheads="1" noChangeShapeType="1" noTextEdit="1"/>
+                </p:cNvSpPr>
+                <p:nvPr/>
+              </p:nvSpPr>
+              <p:spPr>
+                <a:xfrm>
+                  <a:off x="4496876" y="1914783"/>
+                  <a:ext cx="1182054" cy="461665"/>
+                </a:xfrm>
+                <a:prstGeom prst="rect">
+                  <a:avLst/>
+                </a:prstGeom>
+                <a:blipFill rotWithShape="0">
+                  <a:blip r:embed="rId3"/>
+                  <a:stretch>
+                    <a:fillRect/>
+                  </a:stretch>
+                </a:blipFill>
+              </p:spPr>
+              <p:txBody>
+                <a:bodyPr/>
+                <a:lstStyle/>
+                <a:p>
+                  <a:r>
+                    <a:rPr lang="en-GB">
+                      <a:noFill/>
+                    </a:rPr>
+                    <a:t> </a:t>
+                  </a:r>
+                </a:p>
+              </p:txBody>
+            </p:sp>
+          </mc:Fallback>
+        </mc:AlternateContent>
+        <mc:AlternateContent xmlns:mc="http://schemas.openxmlformats.org/markup-compatibility/2006">
+          <mc:Choice xmlns:a14="http://schemas.microsoft.com/office/drawing/2010/main" Requires="a14">
+            <p:sp>
+              <p:nvSpPr>
+                <p:cNvPr id="69" name="Textfeld 68"/>
+                <p:cNvSpPr txBox="1"/>
+                <p:nvPr/>
+              </p:nvSpPr>
+              <p:spPr>
+                <a:xfrm>
+                  <a:off x="4516913" y="2669341"/>
+                  <a:ext cx="1141979" cy="523092"/>
+                </a:xfrm>
+                <a:prstGeom prst="rect">
+                  <a:avLst/>
+                </a:prstGeom>
+                <a:noFill/>
+              </p:spPr>
+              <p:txBody>
+                <a:bodyPr wrap="none" rtlCol="0">
+                  <a:spAutoFit/>
+                </a:bodyPr>
+                <a:lstStyle/>
+                <a:p>
+                  <a:pPr/>
+                  <a14:m>
+                    <m:oMathPara xmlns:m="http://schemas.openxmlformats.org/officeDocument/2006/math">
+                      <m:oMathParaPr>
+                        <m:jc m:val="centerGroup"/>
+                      </m:oMathParaPr>
+                      <m:oMath xmlns:m="http://schemas.openxmlformats.org/officeDocument/2006/math">
+                        <m:r>
+                          <a:rPr lang="de-DE" sz="2400" b="0" i="1" smtClean="0">
+                            <a:latin typeface="Cambria Math" panose="02040503050406030204" pitchFamily="18" charset="0"/>
+                          </a:rPr>
+                          <m:t>≤</m:t>
+                        </m:r>
+                        <m:box>
+                          <m:boxPr>
+                            <m:ctrlPr>
+                              <a:rPr lang="de-DE" sz="2400" b="0" i="1" smtClean="0">
+                                <a:latin typeface="Cambria Math" panose="02040503050406030204" pitchFamily="18" charset="0"/>
+                              </a:rPr>
+                            </m:ctrlPr>
+                          </m:boxPr>
+                          <m:e>
+                            <m:argPr>
+                              <m:argSz m:val="-1"/>
+                            </m:argPr>
+                            <m:f>
+                              <m:fPr>
+                                <m:ctrlPr>
+                                  <a:rPr lang="de-DE" sz="2400" b="0" i="1" smtClean="0">
+                                    <a:latin typeface="Cambria Math" panose="02040503050406030204" pitchFamily="18" charset="0"/>
+                                  </a:rPr>
+                                </m:ctrlPr>
+                              </m:fPr>
+                              <m:num>
+                                <m:r>
+                                  <a:rPr lang="de-DE" sz="2400" b="0" i="1" smtClean="0">
+                                    <a:latin typeface="Cambria Math" panose="02040503050406030204" pitchFamily="18" charset="0"/>
+                                  </a:rPr>
+                                  <m:t>1</m:t>
+                                </m:r>
+                              </m:num>
+                              <m:den>
+                                <m:r>
+                                  <a:rPr lang="de-DE" sz="2400" b="0" i="1" smtClean="0">
+                                    <a:latin typeface="Cambria Math" panose="02040503050406030204" pitchFamily="18" charset="0"/>
+                                  </a:rPr>
+                                  <m:t>2</m:t>
+                                </m:r>
+                              </m:den>
+                            </m:f>
+                          </m:e>
+                        </m:box>
+                        <m:r>
+                          <a:rPr lang="de-DE" sz="2400" b="0" i="1" smtClean="0">
+                            <a:latin typeface="Cambria Math" panose="02040503050406030204" pitchFamily="18" charset="0"/>
+                          </a:rPr>
+                          <m:t>⋅</m:t>
+                        </m:r>
+                        <m:r>
+                          <a:rPr lang="de-DE" sz="2400" b="0" i="1" smtClean="0">
+                            <a:latin typeface="Cambria Math" panose="02040503050406030204" pitchFamily="18" charset="0"/>
+                          </a:rPr>
+                          <m:t>𝒯</m:t>
+                        </m:r>
+                      </m:oMath>
+                    </m:oMathPara>
+                  </a14:m>
+                  <a:endParaRPr lang="en-GB" sz="2400" dirty="0"/>
+                </a:p>
+              </p:txBody>
+            </p:sp>
+          </mc:Choice>
+          <mc:Fallback>
+            <p:sp>
+              <p:nvSpPr>
+                <p:cNvPr id="69" name="Textfeld 68"/>
+                <p:cNvSpPr txBox="1">
+                  <a:spLocks noRot="1" noChangeAspect="1" noMove="1" noResize="1" noEditPoints="1" noAdjustHandles="1" noChangeArrowheads="1" noChangeShapeType="1" noTextEdit="1"/>
+                </p:cNvSpPr>
+                <p:nvPr/>
+              </p:nvSpPr>
+              <p:spPr>
+                <a:xfrm>
+                  <a:off x="4516913" y="2669341"/>
+                  <a:ext cx="1141979" cy="523092"/>
+                </a:xfrm>
+                <a:prstGeom prst="rect">
+                  <a:avLst/>
+                </a:prstGeom>
+                <a:blipFill rotWithShape="0">
+                  <a:blip r:embed="rId4"/>
+                  <a:stretch>
+                    <a:fillRect/>
+                  </a:stretch>
+                </a:blipFill>
+              </p:spPr>
+              <p:txBody>
+                <a:bodyPr/>
+                <a:lstStyle/>
+                <a:p>
+                  <a:r>
+                    <a:rPr lang="en-GB">
+                      <a:noFill/>
+                    </a:rPr>
+                    <a:t> </a:t>
+                  </a:r>
+                </a:p>
+              </p:txBody>
+            </p:sp>
+          </mc:Fallback>
+        </mc:AlternateContent>
+        <mc:AlternateContent xmlns:mc="http://schemas.openxmlformats.org/markup-compatibility/2006">
+          <mc:Choice xmlns:a14="http://schemas.microsoft.com/office/drawing/2010/main" Requires="a14">
+            <p:sp>
+              <p:nvSpPr>
+                <p:cNvPr id="71" name="Textfeld 70"/>
+                <p:cNvSpPr txBox="1"/>
+                <p:nvPr/>
+              </p:nvSpPr>
+              <p:spPr>
+                <a:xfrm>
+                  <a:off x="4490763" y="3352085"/>
+                  <a:ext cx="1141979" cy="523861"/>
+                </a:xfrm>
+                <a:prstGeom prst="rect">
+                  <a:avLst/>
+                </a:prstGeom>
+                <a:noFill/>
+              </p:spPr>
+              <p:txBody>
+                <a:bodyPr wrap="none" rtlCol="0">
+                  <a:spAutoFit/>
+                </a:bodyPr>
+                <a:lstStyle/>
+                <a:p>
+                  <a:pPr/>
+                  <a14:m>
+                    <m:oMathPara xmlns:m="http://schemas.openxmlformats.org/officeDocument/2006/math">
+                      <m:oMathParaPr>
+                        <m:jc m:val="centerGroup"/>
+                      </m:oMathParaPr>
+                      <m:oMath xmlns:m="http://schemas.openxmlformats.org/officeDocument/2006/math">
+                        <m:r>
+                          <a:rPr lang="de-DE" sz="2400" b="0" i="1" smtClean="0">
+                            <a:latin typeface="Cambria Math" panose="02040503050406030204" pitchFamily="18" charset="0"/>
+                          </a:rPr>
+                          <m:t>≤</m:t>
+                        </m:r>
+                        <m:box>
+                          <m:boxPr>
+                            <m:ctrlPr>
+                              <a:rPr lang="de-DE" sz="2400" b="0" i="1" smtClean="0">
+                                <a:latin typeface="Cambria Math" panose="02040503050406030204" pitchFamily="18" charset="0"/>
+                              </a:rPr>
+                            </m:ctrlPr>
+                          </m:boxPr>
+                          <m:e>
+                            <m:argPr>
+                              <m:argSz m:val="-1"/>
+                            </m:argPr>
+                            <m:f>
+                              <m:fPr>
+                                <m:ctrlPr>
+                                  <a:rPr lang="de-DE" sz="2400" b="0" i="1" smtClean="0">
+                                    <a:latin typeface="Cambria Math" panose="02040503050406030204" pitchFamily="18" charset="0"/>
+                                  </a:rPr>
+                                </m:ctrlPr>
+                              </m:fPr>
+                              <m:num>
+                                <m:r>
+                                  <a:rPr lang="de-DE" sz="2400" b="0" i="1" smtClean="0">
+                                    <a:latin typeface="Cambria Math" panose="02040503050406030204" pitchFamily="18" charset="0"/>
+                                  </a:rPr>
+                                  <m:t>3</m:t>
+                                </m:r>
+                              </m:num>
+                              <m:den>
+                                <m:r>
+                                  <a:rPr lang="de-DE" sz="2400" b="0" i="1" smtClean="0">
+                                    <a:latin typeface="Cambria Math" panose="02040503050406030204" pitchFamily="18" charset="0"/>
+                                  </a:rPr>
+                                  <m:t>2</m:t>
+                                </m:r>
+                              </m:den>
+                            </m:f>
+                          </m:e>
+                        </m:box>
+                        <m:r>
+                          <a:rPr lang="de-DE" sz="2400" b="0" i="1" smtClean="0">
+                            <a:latin typeface="Cambria Math" panose="02040503050406030204" pitchFamily="18" charset="0"/>
+                          </a:rPr>
+                          <m:t>⋅</m:t>
+                        </m:r>
+                        <m:r>
+                          <a:rPr lang="de-DE" sz="2400" b="0" i="1" smtClean="0">
+                            <a:latin typeface="Cambria Math" panose="02040503050406030204" pitchFamily="18" charset="0"/>
+                          </a:rPr>
+                          <m:t>𝒯</m:t>
+                        </m:r>
+                      </m:oMath>
+                    </m:oMathPara>
+                  </a14:m>
+                  <a:endParaRPr lang="en-GB" sz="2400" dirty="0"/>
+                </a:p>
+              </p:txBody>
+            </p:sp>
+          </mc:Choice>
+          <mc:Fallback>
+            <p:sp>
+              <p:nvSpPr>
+                <p:cNvPr id="71" name="Textfeld 70"/>
+                <p:cNvSpPr txBox="1">
+                  <a:spLocks noRot="1" noChangeAspect="1" noMove="1" noResize="1" noEditPoints="1" noAdjustHandles="1" noChangeArrowheads="1" noChangeShapeType="1" noTextEdit="1"/>
+                </p:cNvSpPr>
+                <p:nvPr/>
+              </p:nvSpPr>
+              <p:spPr>
+                <a:xfrm>
+                  <a:off x="4490763" y="3352085"/>
+                  <a:ext cx="1141979" cy="523861"/>
+                </a:xfrm>
+                <a:prstGeom prst="rect">
+                  <a:avLst/>
+                </a:prstGeom>
+                <a:blipFill rotWithShape="0">
+                  <a:blip r:embed="rId5"/>
+                  <a:stretch>
+                    <a:fillRect/>
+                  </a:stretch>
+                </a:blipFill>
+              </p:spPr>
+              <p:txBody>
+                <a:bodyPr/>
+                <a:lstStyle/>
+                <a:p>
+                  <a:r>
+                    <a:rPr lang="en-GB">
+                      <a:noFill/>
+                    </a:rPr>
+                    <a:t> </a:t>
+                  </a:r>
+                </a:p>
+              </p:txBody>
+            </p:sp>
+          </mc:Fallback>
+        </mc:AlternateContent>
+        <p:cxnSp>
+          <p:nvCxnSpPr>
+            <p:cNvPr id="9" name="Gerader Verbinder 8"/>
+            <p:cNvCxnSpPr/>
+            <p:nvPr/>
+          </p:nvCxnSpPr>
+          <p:spPr>
+            <a:xfrm>
+              <a:off x="4197126" y="3298582"/>
+              <a:ext cx="1481804" cy="0"/>
+            </a:xfrm>
+            <a:prstGeom prst="line">
+              <a:avLst/>
+            </a:prstGeom>
+            <a:ln w="28575">
+              <a:solidFill>
+                <a:schemeClr val="tx1"/>
+              </a:solidFill>
+            </a:ln>
+          </p:spPr>
+          <p:style>
+            <a:lnRef idx="1">
+              <a:schemeClr val="accent1"/>
+            </a:lnRef>
+            <a:fillRef idx="0">
+              <a:schemeClr val="accent1"/>
+            </a:fillRef>
+            <a:effectRef idx="0">
+              <a:schemeClr val="accent1"/>
+            </a:effectRef>
+            <a:fontRef idx="minor">
               <a:schemeClr val="tx1"/>
-            </a:solidFill>
-          </a:ln>
-        </p:spPr>
-        <p:style>
-          <a:lnRef idx="1">
-            <a:schemeClr val="accent1"/>
-          </a:lnRef>
-          <a:fillRef idx="0">
-            <a:schemeClr val="accent1"/>
-          </a:fillRef>
-          <a:effectRef idx="0">
-            <a:schemeClr val="accent1"/>
-          </a:effectRef>
-          <a:fontRef idx="minor">
-            <a:schemeClr val="tx1"/>
-          </a:fontRef>
-        </p:style>
-      </p:cxnSp>
-      <p:cxnSp>
-        <p:nvCxnSpPr>
-          <p:cNvPr id="16" name="Gerade Verbindung mit Pfeil 15"/>
-          <p:cNvCxnSpPr/>
-          <p:nvPr/>
-        </p:nvCxnSpPr>
-        <p:spPr>
-          <a:xfrm>
-            <a:off x="5087903" y="3812862"/>
-            <a:ext cx="0" cy="638818"/>
-          </a:xfrm>
-          <a:prstGeom prst="straightConnector1">
-            <a:avLst/>
-          </a:prstGeom>
-          <a:ln w="127000" cmpd="dbl">
-            <a:solidFill>
+            </a:fontRef>
+          </p:style>
+        </p:cxnSp>
+        <p:cxnSp>
+          <p:nvCxnSpPr>
+            <p:cNvPr id="16" name="Gerade Verbindung mit Pfeil 15"/>
+            <p:cNvCxnSpPr/>
+            <p:nvPr/>
+          </p:nvCxnSpPr>
+          <p:spPr>
+            <a:xfrm>
+              <a:off x="5087903" y="3912712"/>
+              <a:ext cx="0" cy="538968"/>
+            </a:xfrm>
+            <a:prstGeom prst="straightConnector1">
+              <a:avLst/>
+            </a:prstGeom>
+            <a:ln w="127000" cmpd="dbl">
+              <a:solidFill>
+                <a:schemeClr val="tx1"/>
+              </a:solidFill>
+              <a:tailEnd type="triangle" w="med" len="sm"/>
+            </a:ln>
+          </p:spPr>
+          <p:style>
+            <a:lnRef idx="1">
+              <a:schemeClr val="accent1"/>
+            </a:lnRef>
+            <a:fillRef idx="0">
+              <a:schemeClr val="accent1"/>
+            </a:fillRef>
+            <a:effectRef idx="0">
+              <a:schemeClr val="accent1"/>
+            </a:effectRef>
+            <a:fontRef idx="minor">
               <a:schemeClr val="tx1"/>
-            </a:solidFill>
-            <a:tailEnd type="triangle" w="med" len="sm"/>
-          </a:ln>
-        </p:spPr>
-        <p:style>
-          <a:lnRef idx="1">
-            <a:schemeClr val="accent1"/>
-          </a:lnRef>
-          <a:fillRef idx="0">
-            <a:schemeClr val="accent1"/>
-          </a:fillRef>
-          <a:effectRef idx="0">
-            <a:schemeClr val="accent1"/>
-          </a:effectRef>
-          <a:fontRef idx="minor">
-            <a:schemeClr val="tx1"/>
-          </a:fontRef>
-        </p:style>
-      </p:cxnSp>
+            </a:fontRef>
+          </p:style>
+        </p:cxnSp>
+      </p:grpSp>
     </p:spTree>
     <p:extLst>
       <p:ext uri="{BB962C8B-B14F-4D97-AF65-F5344CB8AC3E}">
@@ -10209,105 +10251,15 @@
                                   </p:childTnLst>
                                 </p:cTn>
                               </p:par>
-                            </p:childTnLst>
-                          </p:cTn>
-                        </p:par>
-                      </p:childTnLst>
-                    </p:cTn>
-                  </p:par>
-                  <p:par>
-                    <p:cTn id="44" fill="hold">
-                      <p:stCondLst>
-                        <p:cond delay="indefinite"/>
-                      </p:stCondLst>
-                      <p:childTnLst>
-                        <p:par>
-                          <p:cTn id="45" fill="hold">
-                            <p:stCondLst>
-                              <p:cond delay="0"/>
-                            </p:stCondLst>
-                            <p:childTnLst>
                               <p:par>
-                                <p:cTn id="46" presetID="1" presetClass="entr" presetSubtype="0" fill="hold" grpId="0" nodeType="clickEffect">
-                                  <p:stCondLst>
-                                    <p:cond delay="0"/>
-                                  </p:stCondLst>
-                                  <p:childTnLst>
-                                    <p:set>
-                                      <p:cBhvr>
-                                        <p:cTn id="47" dur="1" fill="hold">
-                                          <p:stCondLst>
-                                            <p:cond delay="0"/>
-                                          </p:stCondLst>
-                                        </p:cTn>
-                                        <p:tgtEl>
-                                          <p:spTgt spid="68"/>
-                                        </p:tgtEl>
-                                        <p:attrNameLst>
-                                          <p:attrName>style.visibility</p:attrName>
-                                        </p:attrNameLst>
-                                      </p:cBhvr>
-                                      <p:to>
-                                        <p:strVal val="visible"/>
-                                      </p:to>
-                                    </p:set>
-                                  </p:childTnLst>
-                                </p:cTn>
-                              </p:par>
-                            </p:childTnLst>
-                          </p:cTn>
-                        </p:par>
-                      </p:childTnLst>
-                    </p:cTn>
-                  </p:par>
-                  <p:par>
-                    <p:cTn id="48" fill="hold">
-                      <p:stCondLst>
-                        <p:cond delay="indefinite"/>
-                      </p:stCondLst>
-                      <p:childTnLst>
-                        <p:par>
-                          <p:cTn id="49" fill="hold">
-                            <p:stCondLst>
-                              <p:cond delay="0"/>
-                            </p:stCondLst>
-                            <p:childTnLst>
-                              <p:par>
-                                <p:cTn id="50" presetID="1" presetClass="entr" presetSubtype="0" fill="hold" grpId="0" nodeType="clickEffect">
-                                  <p:stCondLst>
-                                    <p:cond delay="0"/>
-                                  </p:stCondLst>
-                                  <p:childTnLst>
-                                    <p:set>
-                                      <p:cBhvr>
-                                        <p:cTn id="51" dur="1" fill="hold">
-                                          <p:stCondLst>
-                                            <p:cond delay="0"/>
-                                          </p:stCondLst>
-                                        </p:cTn>
-                                        <p:tgtEl>
-                                          <p:spTgt spid="69"/>
-                                        </p:tgtEl>
-                                        <p:attrNameLst>
-                                          <p:attrName>style.visibility</p:attrName>
-                                        </p:attrNameLst>
-                                      </p:cBhvr>
-                                      <p:to>
-                                        <p:strVal val="visible"/>
-                                      </p:to>
-                                    </p:set>
-                                  </p:childTnLst>
-                                </p:cTn>
-                              </p:par>
-                              <p:par>
-                                <p:cTn id="52" presetID="3" presetClass="emph" presetSubtype="2" fill="hold" nodeType="withEffect">
+                                <p:cTn id="44" presetID="3" presetClass="emph" presetSubtype="2" fill="hold" nodeType="withEffect">
                                   <p:stCondLst>
                                     <p:cond delay="0"/>
                                   </p:stCondLst>
                                   <p:childTnLst>
                                     <p:animClr clrSpc="rgb" dir="cw">
                                       <p:cBhvr override="childStyle">
-                                        <p:cTn id="53" dur="250" fill="hold"/>
+                                        <p:cTn id="45" dur="250" fill="hold"/>
                                         <p:tgtEl>
                                           <p:spTgt spid="15">
                                             <p:txEl>
@@ -10352,168 +10304,6 @@
                       </p:childTnLst>
                     </p:cTn>
                   </p:par>
-                  <p:par>
-                    <p:cTn id="54" fill="hold">
-                      <p:stCondLst>
-                        <p:cond delay="indefinite"/>
-                      </p:stCondLst>
-                      <p:childTnLst>
-                        <p:par>
-                          <p:cTn id="55" fill="hold">
-                            <p:stCondLst>
-                              <p:cond delay="0"/>
-                            </p:stCondLst>
-                            <p:childTnLst>
-                              <p:par>
-                                <p:cTn id="56" presetID="1" presetClass="entr" presetSubtype="0" fill="hold" nodeType="clickEffect">
-                                  <p:stCondLst>
-                                    <p:cond delay="0"/>
-                                  </p:stCondLst>
-                                  <p:childTnLst>
-                                    <p:set>
-                                      <p:cBhvr>
-                                        <p:cTn id="57" dur="1" fill="hold">
-                                          <p:stCondLst>
-                                            <p:cond delay="0"/>
-                                          </p:stCondLst>
-                                        </p:cTn>
-                                        <p:tgtEl>
-                                          <p:spTgt spid="9"/>
-                                        </p:tgtEl>
-                                        <p:attrNameLst>
-                                          <p:attrName>style.visibility</p:attrName>
-                                        </p:attrNameLst>
-                                      </p:cBhvr>
-                                      <p:to>
-                                        <p:strVal val="visible"/>
-                                      </p:to>
-                                    </p:set>
-                                  </p:childTnLst>
-                                </p:cTn>
-                              </p:par>
-                            </p:childTnLst>
-                          </p:cTn>
-                        </p:par>
-                        <p:par>
-                          <p:cTn id="58" fill="hold">
-                            <p:stCondLst>
-                              <p:cond delay="0"/>
-                            </p:stCondLst>
-                            <p:childTnLst>
-                              <p:par>
-                                <p:cTn id="59" presetID="1" presetClass="entr" presetSubtype="0" fill="hold" grpId="0" nodeType="afterEffect">
-                                  <p:stCondLst>
-                                    <p:cond delay="250"/>
-                                  </p:stCondLst>
-                                  <p:childTnLst>
-                                    <p:set>
-                                      <p:cBhvr>
-                                        <p:cTn id="60" dur="1" fill="hold">
-                                          <p:stCondLst>
-                                            <p:cond delay="0"/>
-                                          </p:stCondLst>
-                                        </p:cTn>
-                                        <p:tgtEl>
-                                          <p:spTgt spid="71"/>
-                                        </p:tgtEl>
-                                        <p:attrNameLst>
-                                          <p:attrName>style.visibility</p:attrName>
-                                        </p:attrNameLst>
-                                      </p:cBhvr>
-                                      <p:to>
-                                        <p:strVal val="visible"/>
-                                      </p:to>
-                                    </p:set>
-                                  </p:childTnLst>
-                                </p:cTn>
-                              </p:par>
-                            </p:childTnLst>
-                          </p:cTn>
-                        </p:par>
-                      </p:childTnLst>
-                    </p:cTn>
-                  </p:par>
-                  <p:par>
-                    <p:cTn id="61" fill="hold">
-                      <p:stCondLst>
-                        <p:cond delay="indefinite"/>
-                      </p:stCondLst>
-                      <p:childTnLst>
-                        <p:par>
-                          <p:cTn id="62" fill="hold">
-                            <p:stCondLst>
-                              <p:cond delay="0"/>
-                            </p:stCondLst>
-                            <p:childTnLst>
-                              <p:par>
-                                <p:cTn id="63" presetID="1" presetClass="entr" presetSubtype="0" fill="hold" nodeType="clickEffect">
-                                  <p:stCondLst>
-                                    <p:cond delay="0"/>
-                                  </p:stCondLst>
-                                  <p:childTnLst>
-                                    <p:set>
-                                      <p:cBhvr>
-                                        <p:cTn id="64" dur="1" fill="hold">
-                                          <p:stCondLst>
-                                            <p:cond delay="0"/>
-                                          </p:stCondLst>
-                                        </p:cTn>
-                                        <p:tgtEl>
-                                          <p:spTgt spid="16"/>
-                                        </p:tgtEl>
-                                        <p:attrNameLst>
-                                          <p:attrName>style.visibility</p:attrName>
-                                        </p:attrNameLst>
-                                      </p:cBhvr>
-                                      <p:to>
-                                        <p:strVal val="visible"/>
-                                      </p:to>
-                                    </p:set>
-                                  </p:childTnLst>
-                                </p:cTn>
-                              </p:par>
-                            </p:childTnLst>
-                          </p:cTn>
-                        </p:par>
-                        <p:par>
-                          <p:cTn id="65" fill="hold">
-                            <p:stCondLst>
-                              <p:cond delay="0"/>
-                            </p:stCondLst>
-                            <p:childTnLst>
-                              <p:par>
-                                <p:cTn id="66" presetID="1" presetClass="entr" presetSubtype="0" fill="hold" grpId="0" nodeType="afterEffect">
-                                  <p:stCondLst>
-                                    <p:cond delay="250"/>
-                                  </p:stCondLst>
-                                  <p:childTnLst>
-                                    <p:set>
-                                      <p:cBhvr>
-                                        <p:cTn id="67" dur="1" fill="hold">
-                                          <p:stCondLst>
-                                            <p:cond delay="0"/>
-                                          </p:stCondLst>
-                                        </p:cTn>
-                                        <p:tgtEl>
-                                          <p:spTgt spid="120"/>
-                                        </p:tgtEl>
-                                        <p:attrNameLst>
-                                          <p:attrName>style.visibility</p:attrName>
-                                        </p:attrNameLst>
-                                      </p:cBhvr>
-                                      <p:to>
-                                        <p:strVal val="visible"/>
-                                      </p:to>
-                                    </p:set>
-                                  </p:childTnLst>
-                                </p:cTn>
-                              </p:par>
-                            </p:childTnLst>
-                          </p:cTn>
-                        </p:par>
-                      </p:childTnLst>
-                    </p:cTn>
-                  </p:par>
                 </p:childTnLst>
               </p:cTn>
               <p:prevCondLst>
@@ -10535,12 +10325,6 @@
         </p:cTn>
       </p:par>
     </p:tnLst>
-    <p:bldLst>
-      <p:bldP spid="120" grpId="0"/>
-      <p:bldP spid="68" grpId="0"/>
-      <p:bldP spid="69" grpId="0"/>
-      <p:bldP spid="71" grpId="0"/>
-    </p:bldLst>
   </p:timing>
 </p:sld>
 </file>
@@ -11707,11 +11491,7 @@
             </a:pPr>
             <a:r>
               <a:rPr lang="en-GB" sz="2800" dirty="0" smtClean="0"/>
-              <a:t>Bonus: The </a:t>
-            </a:r>
-            <a:r>
-              <a:rPr lang="en-GB" sz="2800" dirty="0" smtClean="0"/>
-              <a:t>real line</a:t>
+              <a:t>Bonus: The real line</a:t>
             </a:r>
           </a:p>
         </p:txBody>
@@ -12648,8 +12428,12 @@
           <a:lstStyle/>
           <a:p>
             <a:r>
+              <a:rPr lang="de-DE" dirty="0" smtClean="0"/>
+              <a:t>An </a:t>
+            </a:r>
+            <a:r>
               <a:rPr lang="de-DE" dirty="0" err="1" smtClean="0"/>
-              <a:t>Algorithm</a:t>
+              <a:t>algorithm</a:t>
             </a:r>
             <a:r>
               <a:rPr lang="de-DE" dirty="0" smtClean="0"/>
@@ -12669,14 +12453,14 @@
       </p:sp>
       <p:sp>
         <p:nvSpPr>
-          <p:cNvPr id="4" name="Textfeld 3"/>
+          <p:cNvPr id="5" name="Textfeld 4"/>
           <p:cNvSpPr txBox="1"/>
           <p:nvPr/>
         </p:nvSpPr>
         <p:spPr>
           <a:xfrm>
-            <a:off x="3979333" y="2895600"/>
-            <a:ext cx="865558" cy="584775"/>
+            <a:off x="317599" y="1124247"/>
+            <a:ext cx="8508802" cy="646331"/>
           </a:xfrm>
           <a:prstGeom prst="rect">
             <a:avLst/>
@@ -12684,19 +12468,1975 @@
           <a:noFill/>
         </p:spPr>
         <p:txBody>
-          <a:bodyPr wrap="none" rtlCol="0">
+          <a:bodyPr wrap="square" rtlCol="0">
             <a:spAutoFit/>
           </a:bodyPr>
           <a:lstStyle/>
           <a:p>
             <a:r>
-              <a:rPr lang="en-GB" sz="3200" dirty="0" smtClean="0"/>
-              <a:t>GTR</a:t>
+              <a:rPr lang="en-GB" sz="3600" dirty="0" smtClean="0"/>
+              <a:t>Greedily Travelling between Requests (GTR):</a:t>
             </a:r>
-            <a:endParaRPr lang="en-GB" sz="3200" dirty="0"/>
+            <a:endParaRPr lang="en-GB" sz="3600" dirty="0"/>
           </a:p>
         </p:txBody>
       </p:sp>
+      <mc:AlternateContent xmlns:mc="http://schemas.openxmlformats.org/markup-compatibility/2006">
+        <mc:Choice xmlns:a14="http://schemas.microsoft.com/office/drawing/2010/main" Requires="a14">
+          <p:sp>
+            <p:nvSpPr>
+              <p:cNvPr id="3" name="Textfeld 2"/>
+              <p:cNvSpPr txBox="1"/>
+              <p:nvPr/>
+            </p:nvSpPr>
+            <p:spPr>
+              <a:xfrm>
+                <a:off x="317599" y="1883263"/>
+                <a:ext cx="7317772" cy="2769989"/>
+              </a:xfrm>
+              <a:prstGeom prst="rect">
+                <a:avLst/>
+              </a:prstGeom>
+              <a:noFill/>
+            </p:spPr>
+            <p:txBody>
+              <a:bodyPr wrap="none" rtlCol="0">
+                <a:spAutoFit/>
+              </a:bodyPr>
+              <a:lstStyle/>
+              <a:p>
+                <a:pPr lvl="0">
+                  <a:spcBef>
+                    <a:spcPts val="600"/>
+                  </a:spcBef>
+                  <a:spcAft>
+                    <a:spcPts val="600"/>
+                  </a:spcAft>
+                  <a:buClr>
+                    <a:prstClr val="white">
+                      <a:lumMod val="50000"/>
+                    </a:prstClr>
+                  </a:buClr>
+                  <a:buSzPct val="66000"/>
+                </a:pPr>
+                <a:r>
+                  <a:rPr lang="en-GB" sz="2400" i="1" dirty="0" smtClean="0">
+                    <a:latin typeface="Cambria Math" panose="02040503050406030204" pitchFamily="18" charset="0"/>
+                    <a:ea typeface="Cambria Math" panose="02040503050406030204" pitchFamily="18" charset="0"/>
+                    <a:cs typeface="Courier New" panose="02070309020205020404" pitchFamily="49" charset="0"/>
+                  </a:rPr>
+                  <a:t>Invariant: </a:t>
+                </a:r>
+                <a:r>
+                  <a:rPr lang="en-GB" sz="2400" dirty="0" smtClean="0">
+                    <a:latin typeface="Cambria Math" panose="02040503050406030204" pitchFamily="18" charset="0"/>
+                    <a:ea typeface="Cambria Math" panose="02040503050406030204" pitchFamily="18" charset="0"/>
+                    <a:cs typeface="Courier New" panose="02070309020205020404" pitchFamily="49" charset="0"/>
+                  </a:rPr>
+                  <a:t>always on shortest path between points in </a:t>
+                </a:r>
+                <a14:m>
+                  <m:oMath xmlns:m="http://schemas.openxmlformats.org/officeDocument/2006/math">
+                    <m:r>
+                      <a:rPr lang="de-DE" sz="2400" b="0" i="1" smtClean="0">
+                        <a:latin typeface="Cambria Math" panose="02040503050406030204" pitchFamily="18" charset="0"/>
+                        <a:ea typeface="Cambria Math" panose="02040503050406030204" pitchFamily="18" charset="0"/>
+                        <a:cs typeface="Courier New" panose="02070309020205020404" pitchFamily="49" charset="0"/>
+                      </a:rPr>
+                      <m:t>𝒮</m:t>
+                    </m:r>
+                  </m:oMath>
+                </a14:m>
+                <a:endParaRPr lang="en-GB" sz="2400" dirty="0" smtClean="0">
+                  <a:latin typeface="Cambria Math" panose="02040503050406030204" pitchFamily="18" charset="0"/>
+                  <a:ea typeface="Cambria Math" panose="02040503050406030204" pitchFamily="18" charset="0"/>
+                  <a:cs typeface="Courier New" panose="02070309020205020404" pitchFamily="49" charset="0"/>
+                </a:endParaRPr>
+              </a:p>
+              <a:p>
+                <a:pPr marL="360000" lvl="0" indent="-360000">
+                  <a:spcBef>
+                    <a:spcPts val="600"/>
+                  </a:spcBef>
+                  <a:spcAft>
+                    <a:spcPts val="600"/>
+                  </a:spcAft>
+                  <a:buClr>
+                    <a:prstClr val="white">
+                      <a:lumMod val="50000"/>
+                    </a:prstClr>
+                  </a:buClr>
+                  <a:buSzPct val="66000"/>
+                  <a:buFont typeface="+mj-lt"/>
+                  <a:buAutoNum type="arabicParenBoth"/>
+                </a:pPr>
+                <a:r>
+                  <a:rPr lang="en-GB" sz="2400" dirty="0" smtClean="0">
+                    <a:solidFill>
+                      <a:srgbClr val="C00000"/>
+                    </a:solidFill>
+                    <a:latin typeface="Cambria Math" panose="02040503050406030204" pitchFamily="18" charset="0"/>
+                    <a:ea typeface="Cambria Math" panose="02040503050406030204" pitchFamily="18" charset="0"/>
+                    <a:cs typeface="Courier New" panose="02070309020205020404" pitchFamily="49" charset="0"/>
+                  </a:rPr>
+                  <a:t>New request </a:t>
+                </a:r>
+                <a14:m>
+                  <m:oMath xmlns:m="http://schemas.openxmlformats.org/officeDocument/2006/math">
+                    <m:r>
+                      <a:rPr lang="en-GB" sz="2400" i="1" dirty="0" smtClean="0">
+                        <a:solidFill>
+                          <a:srgbClr val="C00000"/>
+                        </a:solidFill>
+                        <a:latin typeface="Cambria Math" panose="02040503050406030204" pitchFamily="18" charset="0"/>
+                        <a:ea typeface="Cambria Math" panose="02040503050406030204" pitchFamily="18" charset="0"/>
+                        <a:cs typeface="Courier New" panose="02070309020205020404" pitchFamily="49" charset="0"/>
+                      </a:rPr>
+                      <m:t>(</m:t>
+                    </m:r>
+                    <m:r>
+                      <a:rPr lang="en-GB" sz="2400" i="1" dirty="0" smtClean="0">
+                        <a:solidFill>
+                          <a:srgbClr val="C00000"/>
+                        </a:solidFill>
+                        <a:latin typeface="Cambria Math" panose="02040503050406030204" pitchFamily="18" charset="0"/>
+                        <a:ea typeface="Cambria Math" panose="02040503050406030204" pitchFamily="18" charset="0"/>
+                        <a:cs typeface="Courier New" panose="02070309020205020404" pitchFamily="49" charset="0"/>
+                      </a:rPr>
+                      <m:t>𝑧</m:t>
+                    </m:r>
+                    <m:r>
+                      <a:rPr lang="en-GB" sz="2400" i="1" dirty="0" smtClean="0">
+                        <a:solidFill>
+                          <a:srgbClr val="C00000"/>
+                        </a:solidFill>
+                        <a:latin typeface="Cambria Math" panose="02040503050406030204" pitchFamily="18" charset="0"/>
+                        <a:ea typeface="Cambria Math" panose="02040503050406030204" pitchFamily="18" charset="0"/>
+                        <a:cs typeface="Courier New" panose="02070309020205020404" pitchFamily="49" charset="0"/>
+                      </a:rPr>
+                      <m:t>, </m:t>
+                    </m:r>
+                    <m:r>
+                      <a:rPr lang="en-GB" sz="2400" i="1" dirty="0" smtClean="0">
+                        <a:solidFill>
+                          <a:srgbClr val="C00000"/>
+                        </a:solidFill>
+                        <a:latin typeface="Cambria Math" panose="02040503050406030204" pitchFamily="18" charset="0"/>
+                        <a:ea typeface="Cambria Math" panose="02040503050406030204" pitchFamily="18" charset="0"/>
+                        <a:cs typeface="Courier New" panose="02070309020205020404" pitchFamily="49" charset="0"/>
+                      </a:rPr>
+                      <m:t>𝑡</m:t>
+                    </m:r>
+                    <m:r>
+                      <a:rPr lang="en-GB" sz="2400" i="1" dirty="0" smtClean="0">
+                        <a:solidFill>
+                          <a:srgbClr val="C00000"/>
+                        </a:solidFill>
+                        <a:latin typeface="Cambria Math" panose="02040503050406030204" pitchFamily="18" charset="0"/>
+                        <a:ea typeface="Cambria Math" panose="02040503050406030204" pitchFamily="18" charset="0"/>
+                        <a:cs typeface="Courier New" panose="02070309020205020404" pitchFamily="49" charset="0"/>
+                      </a:rPr>
+                      <m:t>) </m:t>
+                    </m:r>
+                  </m:oMath>
+                </a14:m>
+                <a:r>
+                  <a:rPr lang="en-GB" sz="2400" dirty="0">
+                    <a:solidFill>
+                      <a:prstClr val="black"/>
+                    </a:solidFill>
+                    <a:latin typeface="Cambria Math" panose="02040503050406030204" pitchFamily="18" charset="0"/>
+                    <a:ea typeface="Cambria Math" panose="02040503050406030204" pitchFamily="18" charset="0"/>
+                    <a:cs typeface="Courier New" panose="02070309020205020404" pitchFamily="49" charset="0"/>
+                  </a:rPr>
+                  <a:t>at time </a:t>
+                </a:r>
+                <a:r>
+                  <a:rPr lang="en-GB" sz="2400" dirty="0" smtClean="0">
+                    <a:solidFill>
+                      <a:prstClr val="black"/>
+                    </a:solidFill>
+                    <a:latin typeface="Cambria Math" panose="02040503050406030204" pitchFamily="18" charset="0"/>
+                    <a:ea typeface="Cambria Math" panose="02040503050406030204" pitchFamily="18" charset="0"/>
+                    <a:cs typeface="Courier New" panose="02070309020205020404" pitchFamily="49" charset="0"/>
+                  </a:rPr>
+                  <a:t>t</a:t>
+                </a:r>
+                <a:br>
+                  <a:rPr lang="en-GB" sz="2400" dirty="0" smtClean="0">
+                    <a:solidFill>
+                      <a:prstClr val="black"/>
+                    </a:solidFill>
+                    <a:latin typeface="Cambria Math" panose="02040503050406030204" pitchFamily="18" charset="0"/>
+                    <a:ea typeface="Cambria Math" panose="02040503050406030204" pitchFamily="18" charset="0"/>
+                    <a:cs typeface="Courier New" panose="02070309020205020404" pitchFamily="49" charset="0"/>
+                  </a:rPr>
+                </a:br>
+                <a:r>
+                  <a:rPr lang="en-GB" sz="2400" dirty="0" smtClean="0">
+                    <a:solidFill>
+                      <a:prstClr val="black"/>
+                    </a:solidFill>
+                    <a:latin typeface="Cambria Math" panose="02040503050406030204" pitchFamily="18" charset="0"/>
+                    <a:ea typeface="Cambria Math" panose="02040503050406030204" pitchFamily="18" charset="0"/>
+                    <a:cs typeface="Courier New" panose="02070309020205020404" pitchFamily="49" charset="0"/>
+                  </a:rPr>
+                  <a:t>and </a:t>
+                </a:r>
+                <a:r>
+                  <a:rPr lang="en-GB" sz="2400" cap="small" dirty="0" err="1" smtClean="0">
+                    <a:solidFill>
+                      <a:prstClr val="black"/>
+                    </a:solidFill>
+                    <a:latin typeface="Cambria Math" panose="02040503050406030204" pitchFamily="18" charset="0"/>
+                    <a:ea typeface="Cambria Math" panose="02040503050406030204" pitchFamily="18" charset="0"/>
+                    <a:cs typeface="Courier New" panose="02070309020205020404" pitchFamily="49" charset="0"/>
+                  </a:rPr>
+                  <a:t>alg</a:t>
+                </a:r>
+                <a:r>
+                  <a:rPr lang="en-GB" sz="2400" dirty="0" smtClean="0">
+                    <a:solidFill>
+                      <a:prstClr val="black"/>
+                    </a:solidFill>
+                    <a:latin typeface="Cambria Math" panose="02040503050406030204" pitchFamily="18" charset="0"/>
+                    <a:ea typeface="Cambria Math" panose="02040503050406030204" pitchFamily="18" charset="0"/>
+                    <a:cs typeface="Courier New" panose="02070309020205020404" pitchFamily="49" charset="0"/>
+                  </a:rPr>
+                  <a:t> </a:t>
+                </a:r>
+                <a:r>
+                  <a:rPr lang="en-GB" sz="2400" dirty="0">
+                    <a:solidFill>
+                      <a:prstClr val="black"/>
+                    </a:solidFill>
+                    <a:latin typeface="Cambria Math" panose="02040503050406030204" pitchFamily="18" charset="0"/>
+                    <a:ea typeface="Cambria Math" panose="02040503050406030204" pitchFamily="18" charset="0"/>
+                    <a:cs typeface="Courier New" panose="02070309020205020404" pitchFamily="49" charset="0"/>
+                  </a:rPr>
+                  <a:t>between </a:t>
+                </a:r>
+                <a14:m>
+                  <m:oMath xmlns:m="http://schemas.openxmlformats.org/officeDocument/2006/math">
+                    <m:r>
+                      <a:rPr lang="en-GB" sz="2400" i="1" dirty="0" smtClean="0">
+                        <a:solidFill>
+                          <a:prstClr val="black"/>
+                        </a:solidFill>
+                        <a:latin typeface="Cambria Math" panose="02040503050406030204" pitchFamily="18" charset="0"/>
+                        <a:ea typeface="Cambria Math" panose="02040503050406030204" pitchFamily="18" charset="0"/>
+                        <a:cs typeface="Courier New" panose="02070309020205020404" pitchFamily="49" charset="0"/>
+                      </a:rPr>
+                      <m:t>𝑥</m:t>
+                    </m:r>
+                  </m:oMath>
+                </a14:m>
+                <a:r>
+                  <a:rPr lang="en-GB" sz="2400" dirty="0">
+                    <a:solidFill>
+                      <a:prstClr val="black"/>
+                    </a:solidFill>
+                    <a:latin typeface="Cambria Math" panose="02040503050406030204" pitchFamily="18" charset="0"/>
+                    <a:ea typeface="Cambria Math" panose="02040503050406030204" pitchFamily="18" charset="0"/>
+                    <a:cs typeface="Courier New" panose="02070309020205020404" pitchFamily="49" charset="0"/>
+                  </a:rPr>
+                  <a:t> and </a:t>
+                </a:r>
+                <a14:m>
+                  <m:oMath xmlns:m="http://schemas.openxmlformats.org/officeDocument/2006/math">
+                    <m:r>
+                      <a:rPr lang="en-GB" sz="2400" i="1" dirty="0" smtClean="0">
+                        <a:solidFill>
+                          <a:prstClr val="black"/>
+                        </a:solidFill>
+                        <a:latin typeface="Cambria Math" panose="02040503050406030204" pitchFamily="18" charset="0"/>
+                        <a:ea typeface="Cambria Math" panose="02040503050406030204" pitchFamily="18" charset="0"/>
+                        <a:cs typeface="Courier New" panose="02070309020205020404" pitchFamily="49" charset="0"/>
+                      </a:rPr>
+                      <m:t>𝑦</m:t>
+                    </m:r>
+                  </m:oMath>
+                </a14:m>
+                <a:endParaRPr lang="en-GB" sz="2400" dirty="0">
+                  <a:solidFill>
+                    <a:prstClr val="black"/>
+                  </a:solidFill>
+                  <a:latin typeface="Cambria Math" panose="02040503050406030204" pitchFamily="18" charset="0"/>
+                  <a:ea typeface="Cambria Math" panose="02040503050406030204" pitchFamily="18" charset="0"/>
+                  <a:cs typeface="Courier New" panose="02070309020205020404" pitchFamily="49" charset="0"/>
+                </a:endParaRPr>
+              </a:p>
+              <a:p>
+                <a:pPr marL="360000" lvl="0" indent="-360000">
+                  <a:spcBef>
+                    <a:spcPts val="600"/>
+                  </a:spcBef>
+                  <a:spcAft>
+                    <a:spcPts val="600"/>
+                  </a:spcAft>
+                  <a:buClr>
+                    <a:prstClr val="white">
+                      <a:lumMod val="50000"/>
+                    </a:prstClr>
+                  </a:buClr>
+                  <a:buSzPct val="66000"/>
+                  <a:buFont typeface="+mj-lt"/>
+                  <a:buAutoNum type="arabicParenBoth"/>
+                </a:pPr>
+                <a:r>
+                  <a:rPr lang="en-GB" sz="2400" dirty="0">
+                    <a:solidFill>
+                      <a:prstClr val="black"/>
+                    </a:solidFill>
+                    <a:latin typeface="Cambria Math" panose="02040503050406030204" pitchFamily="18" charset="0"/>
+                    <a:ea typeface="Cambria Math" panose="02040503050406030204" pitchFamily="18" charset="0"/>
+                    <a:cs typeface="Courier New" panose="02070309020205020404" pitchFamily="49" charset="0"/>
+                  </a:rPr>
+                  <a:t>Add </a:t>
+                </a:r>
+                <a14:m>
+                  <m:oMath xmlns:m="http://schemas.openxmlformats.org/officeDocument/2006/math">
+                    <m:r>
+                      <a:rPr lang="en-GB" sz="2400" i="1" dirty="0" smtClean="0">
+                        <a:solidFill>
+                          <a:prstClr val="black"/>
+                        </a:solidFill>
+                        <a:latin typeface="Cambria Math" panose="02040503050406030204" pitchFamily="18" charset="0"/>
+                        <a:ea typeface="Cambria Math" panose="02040503050406030204" pitchFamily="18" charset="0"/>
+                        <a:cs typeface="Courier New" panose="02070309020205020404" pitchFamily="49" charset="0"/>
+                      </a:rPr>
+                      <m:t>𝑧</m:t>
+                    </m:r>
+                  </m:oMath>
+                </a14:m>
+                <a:r>
+                  <a:rPr lang="en-GB" sz="2400" dirty="0">
+                    <a:solidFill>
+                      <a:prstClr val="black"/>
+                    </a:solidFill>
+                    <a:latin typeface="Cambria Math" panose="02040503050406030204" pitchFamily="18" charset="0"/>
+                    <a:ea typeface="Cambria Math" panose="02040503050406030204" pitchFamily="18" charset="0"/>
+                    <a:cs typeface="Courier New" panose="02070309020205020404" pitchFamily="49" charset="0"/>
+                  </a:rPr>
+                  <a:t> to </a:t>
+                </a:r>
+                <a14:m>
+                  <m:oMath xmlns:m="http://schemas.openxmlformats.org/officeDocument/2006/math">
+                    <m:r>
+                      <a:rPr lang="de-DE" sz="2400" b="0" i="1" dirty="0" smtClean="0">
+                        <a:solidFill>
+                          <a:prstClr val="black"/>
+                        </a:solidFill>
+                        <a:latin typeface="Cambria Math" panose="02040503050406030204" pitchFamily="18" charset="0"/>
+                        <a:ea typeface="Cambria Math" panose="02040503050406030204" pitchFamily="18" charset="0"/>
+                        <a:cs typeface="Courier New" panose="02070309020205020404" pitchFamily="49" charset="0"/>
+                      </a:rPr>
+                      <m:t>𝒰</m:t>
+                    </m:r>
+                  </m:oMath>
+                </a14:m>
+                <a:r>
+                  <a:rPr lang="en-GB" sz="2400" dirty="0">
+                    <a:solidFill>
+                      <a:prstClr val="black"/>
+                    </a:solidFill>
+                    <a:latin typeface="Cambria Math" panose="02040503050406030204" pitchFamily="18" charset="0"/>
+                    <a:ea typeface="Cambria Math" panose="02040503050406030204" pitchFamily="18" charset="0"/>
+                    <a:cs typeface="Courier New" panose="02070309020205020404" pitchFamily="49" charset="0"/>
+                  </a:rPr>
+                  <a:t> </a:t>
+                </a:r>
+                <a:r>
+                  <a:rPr lang="en-GB" sz="2400" dirty="0" smtClean="0">
+                    <a:solidFill>
+                      <a:prstClr val="black"/>
+                    </a:solidFill>
+                    <a:latin typeface="Cambria Math" panose="02040503050406030204" pitchFamily="18" charset="0"/>
+                    <a:ea typeface="Cambria Math" panose="02040503050406030204" pitchFamily="18" charset="0"/>
+                    <a:cs typeface="Courier New" panose="02070309020205020404" pitchFamily="49" charset="0"/>
+                  </a:rPr>
+                  <a:t>and </a:t>
+                </a:r>
+                <a14:m>
+                  <m:oMath xmlns:m="http://schemas.openxmlformats.org/officeDocument/2006/math">
+                    <m:r>
+                      <a:rPr lang="de-DE" sz="2400" b="0" i="1" dirty="0" smtClean="0">
+                        <a:solidFill>
+                          <a:prstClr val="black"/>
+                        </a:solidFill>
+                        <a:latin typeface="Cambria Math" panose="02040503050406030204" pitchFamily="18" charset="0"/>
+                        <a:ea typeface="Cambria Math" panose="02040503050406030204" pitchFamily="18" charset="0"/>
+                        <a:cs typeface="Courier New" panose="02070309020205020404" pitchFamily="49" charset="0"/>
+                      </a:rPr>
+                      <m:t>𝒮</m:t>
+                    </m:r>
+                  </m:oMath>
+                </a14:m>
+                <a:endParaRPr lang="en-GB" sz="2400" dirty="0">
+                  <a:solidFill>
+                    <a:prstClr val="black"/>
+                  </a:solidFill>
+                  <a:latin typeface="Cambria Math" panose="02040503050406030204" pitchFamily="18" charset="0"/>
+                  <a:ea typeface="Cambria Math" panose="02040503050406030204" pitchFamily="18" charset="0"/>
+                  <a:cs typeface="Courier New" panose="02070309020205020404" pitchFamily="49" charset="0"/>
+                </a:endParaRPr>
+              </a:p>
+              <a:p>
+                <a:pPr marL="360000" lvl="0" indent="-360000">
+                  <a:spcBef>
+                    <a:spcPts val="600"/>
+                  </a:spcBef>
+                  <a:spcAft>
+                    <a:spcPts val="600"/>
+                  </a:spcAft>
+                  <a:buClr>
+                    <a:prstClr val="white">
+                      <a:lumMod val="50000"/>
+                    </a:prstClr>
+                  </a:buClr>
+                  <a:buSzPct val="66000"/>
+                  <a:buFont typeface="+mj-lt"/>
+                  <a:buAutoNum type="arabicParenBoth"/>
+                </a:pPr>
+                <a:r>
+                  <a:rPr lang="en-GB" sz="2400" dirty="0">
+                    <a:solidFill>
+                      <a:prstClr val="black"/>
+                    </a:solidFill>
+                    <a:latin typeface="Cambria Math" panose="02040503050406030204" pitchFamily="18" charset="0"/>
+                    <a:ea typeface="Cambria Math" panose="02040503050406030204" pitchFamily="18" charset="0"/>
+                    <a:cs typeface="Courier New" panose="02070309020205020404" pitchFamily="49" charset="0"/>
+                  </a:rPr>
+                  <a:t>Follow shortest path through </a:t>
+                </a:r>
+                <a14:m>
+                  <m:oMath xmlns:m="http://schemas.openxmlformats.org/officeDocument/2006/math">
+                    <m:r>
+                      <a:rPr lang="de-DE" sz="2400" i="1" dirty="0">
+                        <a:solidFill>
+                          <a:prstClr val="black"/>
+                        </a:solidFill>
+                        <a:latin typeface="Cambria Math" panose="02040503050406030204" pitchFamily="18" charset="0"/>
+                        <a:ea typeface="Cambria Math" panose="02040503050406030204" pitchFamily="18" charset="0"/>
+                        <a:cs typeface="Courier New" panose="02070309020205020404" pitchFamily="49" charset="0"/>
+                      </a:rPr>
+                      <m:t>𝒰</m:t>
+                    </m:r>
+                  </m:oMath>
+                </a14:m>
+                <a:r>
+                  <a:rPr lang="en-GB" sz="2400" dirty="0">
+                    <a:solidFill>
+                      <a:prstClr val="black"/>
+                    </a:solidFill>
+                    <a:latin typeface="Cambria Math" panose="02040503050406030204" pitchFamily="18" charset="0"/>
+                    <a:ea typeface="Cambria Math" panose="02040503050406030204" pitchFamily="18" charset="0"/>
+                    <a:cs typeface="Courier New" panose="02070309020205020404" pitchFamily="49" charset="0"/>
+                  </a:rPr>
+                  <a:t/>
+                </a:r>
+                <a:br>
+                  <a:rPr lang="en-GB" sz="2400" dirty="0">
+                    <a:solidFill>
+                      <a:prstClr val="black"/>
+                    </a:solidFill>
+                    <a:latin typeface="Cambria Math" panose="02040503050406030204" pitchFamily="18" charset="0"/>
+                    <a:ea typeface="Cambria Math" panose="02040503050406030204" pitchFamily="18" charset="0"/>
+                    <a:cs typeface="Courier New" panose="02070309020205020404" pitchFamily="49" charset="0"/>
+                  </a:rPr>
+                </a:br>
+                <a:r>
+                  <a:rPr lang="en-GB" sz="2400" dirty="0">
+                    <a:solidFill>
+                      <a:prstClr val="black"/>
+                    </a:solidFill>
+                    <a:latin typeface="Cambria Math" panose="02040503050406030204" pitchFamily="18" charset="0"/>
+                    <a:ea typeface="Cambria Math" panose="02040503050406030204" pitchFamily="18" charset="0"/>
+                    <a:cs typeface="Courier New" panose="02070309020205020404" pitchFamily="49" charset="0"/>
+                  </a:rPr>
+                  <a:t>beginning with </a:t>
+                </a:r>
+                <a14:m>
+                  <m:oMath xmlns:m="http://schemas.openxmlformats.org/officeDocument/2006/math">
+                    <m:r>
+                      <a:rPr lang="en-GB" sz="2400" i="1" dirty="0" smtClean="0">
+                        <a:solidFill>
+                          <a:prstClr val="black"/>
+                        </a:solidFill>
+                        <a:latin typeface="Cambria Math" panose="02040503050406030204" pitchFamily="18" charset="0"/>
+                        <a:ea typeface="Cambria Math" panose="02040503050406030204" pitchFamily="18" charset="0"/>
+                        <a:cs typeface="Courier New" panose="02070309020205020404" pitchFamily="49" charset="0"/>
+                      </a:rPr>
+                      <m:t>𝑥</m:t>
+                    </m:r>
+                  </m:oMath>
+                </a14:m>
+                <a:r>
+                  <a:rPr lang="en-GB" sz="2400" dirty="0">
+                    <a:solidFill>
+                      <a:prstClr val="black"/>
+                    </a:solidFill>
+                    <a:latin typeface="Cambria Math" panose="02040503050406030204" pitchFamily="18" charset="0"/>
+                    <a:ea typeface="Cambria Math" panose="02040503050406030204" pitchFamily="18" charset="0"/>
+                    <a:cs typeface="Courier New" panose="02070309020205020404" pitchFamily="49" charset="0"/>
+                  </a:rPr>
+                  <a:t> or </a:t>
+                </a:r>
+                <a14:m>
+                  <m:oMath xmlns:m="http://schemas.openxmlformats.org/officeDocument/2006/math">
+                    <m:r>
+                      <a:rPr lang="en-GB" sz="2400" i="1" dirty="0" smtClean="0">
+                        <a:solidFill>
+                          <a:prstClr val="black"/>
+                        </a:solidFill>
+                        <a:latin typeface="Cambria Math" panose="02040503050406030204" pitchFamily="18" charset="0"/>
+                        <a:ea typeface="Cambria Math" panose="02040503050406030204" pitchFamily="18" charset="0"/>
+                        <a:cs typeface="Courier New" panose="02070309020205020404" pitchFamily="49" charset="0"/>
+                      </a:rPr>
+                      <m:t>𝑦</m:t>
+                    </m:r>
+                  </m:oMath>
+                </a14:m>
+                <a:endParaRPr lang="en-GB" dirty="0"/>
+              </a:p>
+            </p:txBody>
+          </p:sp>
+        </mc:Choice>
+        <mc:Fallback>
+          <p:sp>
+            <p:nvSpPr>
+              <p:cNvPr id="3" name="Textfeld 2"/>
+              <p:cNvSpPr txBox="1">
+                <a:spLocks noRot="1" noChangeAspect="1" noMove="1" noResize="1" noEditPoints="1" noAdjustHandles="1" noChangeArrowheads="1" noChangeShapeType="1" noTextEdit="1"/>
+              </p:cNvSpPr>
+              <p:nvPr/>
+            </p:nvSpPr>
+            <p:spPr>
+              <a:xfrm>
+                <a:off x="317599" y="1883263"/>
+                <a:ext cx="7317772" cy="2769989"/>
+              </a:xfrm>
+              <a:prstGeom prst="rect">
+                <a:avLst/>
+              </a:prstGeom>
+              <a:blipFill rotWithShape="0">
+                <a:blip r:embed="rId2"/>
+                <a:stretch>
+                  <a:fillRect l="-1249" t="-1762" b="-3744"/>
+                </a:stretch>
+              </a:blipFill>
+            </p:spPr>
+            <p:txBody>
+              <a:bodyPr/>
+              <a:lstStyle/>
+              <a:p>
+                <a:r>
+                  <a:rPr lang="en-GB">
+                    <a:noFill/>
+                  </a:rPr>
+                  <a:t> </a:t>
+                </a:r>
+              </a:p>
+            </p:txBody>
+          </p:sp>
+        </mc:Fallback>
+      </mc:AlternateContent>
+      <p:sp>
+        <p:nvSpPr>
+          <p:cNvPr id="8" name="Ellipse 7"/>
+          <p:cNvSpPr/>
+          <p:nvPr/>
+        </p:nvSpPr>
+        <p:spPr>
+          <a:xfrm>
+            <a:off x="6363656" y="3296807"/>
+            <a:ext cx="147610" cy="147610"/>
+          </a:xfrm>
+          <a:prstGeom prst="ellipse">
+            <a:avLst/>
+          </a:prstGeom>
+          <a:solidFill>
+            <a:schemeClr val="bg1">
+              <a:lumMod val="50000"/>
+            </a:schemeClr>
+          </a:solidFill>
+          <a:ln>
+            <a:noFill/>
+          </a:ln>
+        </p:spPr>
+        <p:style>
+          <a:lnRef idx="2">
+            <a:schemeClr val="accent1">
+              <a:shade val="50000"/>
+            </a:schemeClr>
+          </a:lnRef>
+          <a:fillRef idx="1">
+            <a:schemeClr val="accent1"/>
+          </a:fillRef>
+          <a:effectRef idx="0">
+            <a:schemeClr val="accent1"/>
+          </a:effectRef>
+          <a:fontRef idx="minor">
+            <a:schemeClr val="lt1"/>
+          </a:fontRef>
+        </p:style>
+        <p:txBody>
+          <a:bodyPr rtlCol="0" anchor="ctr"/>
+          <a:lstStyle/>
+          <a:p>
+            <a:pPr algn="ctr"/>
+            <a:endParaRPr lang="en-GB"/>
+          </a:p>
+        </p:txBody>
+      </p:sp>
+      <p:sp>
+        <p:nvSpPr>
+          <p:cNvPr id="10" name="Ellipse 9"/>
+          <p:cNvSpPr/>
+          <p:nvPr/>
+        </p:nvSpPr>
+        <p:spPr>
+          <a:xfrm>
+            <a:off x="7963856" y="3610073"/>
+            <a:ext cx="147610" cy="147610"/>
+          </a:xfrm>
+          <a:prstGeom prst="ellipse">
+            <a:avLst/>
+          </a:prstGeom>
+          <a:solidFill>
+            <a:schemeClr val="accent1">
+              <a:lumMod val="75000"/>
+            </a:schemeClr>
+          </a:solidFill>
+          <a:ln>
+            <a:noFill/>
+          </a:ln>
+        </p:spPr>
+        <p:style>
+          <a:lnRef idx="2">
+            <a:schemeClr val="accent1">
+              <a:shade val="50000"/>
+            </a:schemeClr>
+          </a:lnRef>
+          <a:fillRef idx="1">
+            <a:schemeClr val="accent1"/>
+          </a:fillRef>
+          <a:effectRef idx="0">
+            <a:schemeClr val="accent1"/>
+          </a:effectRef>
+          <a:fontRef idx="minor">
+            <a:schemeClr val="lt1"/>
+          </a:fontRef>
+        </p:style>
+        <p:txBody>
+          <a:bodyPr rtlCol="0" anchor="ctr"/>
+          <a:lstStyle/>
+          <a:p>
+            <a:pPr algn="ctr"/>
+            <a:endParaRPr lang="en-GB">
+              <a:solidFill>
+                <a:srgbClr val="000099"/>
+              </a:solidFill>
+            </a:endParaRPr>
+          </a:p>
+        </p:txBody>
+      </p:sp>
+      <p:sp>
+        <p:nvSpPr>
+          <p:cNvPr id="11" name="Ellipse 10"/>
+          <p:cNvSpPr/>
+          <p:nvPr/>
+        </p:nvSpPr>
+        <p:spPr>
+          <a:xfrm>
+            <a:off x="5754056" y="3757683"/>
+            <a:ext cx="147610" cy="147610"/>
+          </a:xfrm>
+          <a:prstGeom prst="ellipse">
+            <a:avLst/>
+          </a:prstGeom>
+          <a:solidFill>
+            <a:schemeClr val="bg1">
+              <a:lumMod val="50000"/>
+            </a:schemeClr>
+          </a:solidFill>
+          <a:ln>
+            <a:noFill/>
+          </a:ln>
+        </p:spPr>
+        <p:style>
+          <a:lnRef idx="2">
+            <a:schemeClr val="accent1">
+              <a:shade val="50000"/>
+            </a:schemeClr>
+          </a:lnRef>
+          <a:fillRef idx="1">
+            <a:schemeClr val="accent1"/>
+          </a:fillRef>
+          <a:effectRef idx="0">
+            <a:schemeClr val="accent1"/>
+          </a:effectRef>
+          <a:fontRef idx="minor">
+            <a:schemeClr val="lt1"/>
+          </a:fontRef>
+        </p:style>
+        <p:txBody>
+          <a:bodyPr rtlCol="0" anchor="ctr"/>
+          <a:lstStyle/>
+          <a:p>
+            <a:pPr algn="ctr"/>
+            <a:endParaRPr lang="en-GB"/>
+          </a:p>
+        </p:txBody>
+      </p:sp>
+      <p:sp>
+        <p:nvSpPr>
+          <p:cNvPr id="12" name="Ellipse 11"/>
+          <p:cNvSpPr/>
+          <p:nvPr/>
+        </p:nvSpPr>
+        <p:spPr>
+          <a:xfrm>
+            <a:off x="5505177" y="3055102"/>
+            <a:ext cx="147610" cy="147610"/>
+          </a:xfrm>
+          <a:prstGeom prst="ellipse">
+            <a:avLst/>
+          </a:prstGeom>
+          <a:solidFill>
+            <a:schemeClr val="bg1">
+              <a:lumMod val="50000"/>
+            </a:schemeClr>
+          </a:solidFill>
+          <a:ln>
+            <a:noFill/>
+          </a:ln>
+        </p:spPr>
+        <p:style>
+          <a:lnRef idx="2">
+            <a:schemeClr val="accent1">
+              <a:shade val="50000"/>
+            </a:schemeClr>
+          </a:lnRef>
+          <a:fillRef idx="1">
+            <a:schemeClr val="accent1"/>
+          </a:fillRef>
+          <a:effectRef idx="0">
+            <a:schemeClr val="accent1"/>
+          </a:effectRef>
+          <a:fontRef idx="minor">
+            <a:schemeClr val="lt1"/>
+          </a:fontRef>
+        </p:style>
+        <p:txBody>
+          <a:bodyPr rtlCol="0" anchor="ctr"/>
+          <a:lstStyle/>
+          <a:p>
+            <a:pPr algn="ctr"/>
+            <a:endParaRPr lang="en-GB"/>
+          </a:p>
+        </p:txBody>
+      </p:sp>
+      <p:sp>
+        <p:nvSpPr>
+          <p:cNvPr id="13" name="Ellipse 12"/>
+          <p:cNvSpPr/>
+          <p:nvPr/>
+        </p:nvSpPr>
+        <p:spPr>
+          <a:xfrm>
+            <a:off x="8681586" y="2981297"/>
+            <a:ext cx="147610" cy="147610"/>
+          </a:xfrm>
+          <a:prstGeom prst="ellipse">
+            <a:avLst/>
+          </a:prstGeom>
+          <a:solidFill>
+            <a:schemeClr val="accent1">
+              <a:lumMod val="75000"/>
+            </a:schemeClr>
+          </a:solidFill>
+          <a:ln>
+            <a:noFill/>
+          </a:ln>
+        </p:spPr>
+        <p:style>
+          <a:lnRef idx="2">
+            <a:schemeClr val="accent1">
+              <a:shade val="50000"/>
+            </a:schemeClr>
+          </a:lnRef>
+          <a:fillRef idx="1">
+            <a:schemeClr val="accent1"/>
+          </a:fillRef>
+          <a:effectRef idx="0">
+            <a:schemeClr val="accent1"/>
+          </a:effectRef>
+          <a:fontRef idx="minor">
+            <a:schemeClr val="lt1"/>
+          </a:fontRef>
+        </p:style>
+        <p:txBody>
+          <a:bodyPr rtlCol="0" anchor="ctr"/>
+          <a:lstStyle/>
+          <a:p>
+            <a:pPr algn="ctr"/>
+            <a:endParaRPr lang="en-GB">
+              <a:solidFill>
+                <a:srgbClr val="000099"/>
+              </a:solidFill>
+            </a:endParaRPr>
+          </a:p>
+        </p:txBody>
+      </p:sp>
+      <p:cxnSp>
+        <p:nvCxnSpPr>
+          <p:cNvPr id="16" name="Gerader Verbinder 15"/>
+          <p:cNvCxnSpPr>
+            <a:stCxn id="8" idx="3"/>
+            <a:endCxn id="11" idx="7"/>
+          </p:cNvCxnSpPr>
+          <p:nvPr/>
+        </p:nvCxnSpPr>
+        <p:spPr>
+          <a:xfrm flipH="1">
+            <a:off x="5880049" y="3422800"/>
+            <a:ext cx="505224" cy="356500"/>
+          </a:xfrm>
+          <a:prstGeom prst="line">
+            <a:avLst/>
+          </a:prstGeom>
+          <a:ln w="28575">
+            <a:solidFill>
+              <a:schemeClr val="tx1">
+                <a:lumMod val="95000"/>
+                <a:lumOff val="5000"/>
+              </a:schemeClr>
+            </a:solidFill>
+          </a:ln>
+        </p:spPr>
+        <p:style>
+          <a:lnRef idx="1">
+            <a:schemeClr val="accent1"/>
+          </a:lnRef>
+          <a:fillRef idx="0">
+            <a:schemeClr val="accent1"/>
+          </a:fillRef>
+          <a:effectRef idx="0">
+            <a:schemeClr val="accent1"/>
+          </a:effectRef>
+          <a:fontRef idx="minor">
+            <a:schemeClr val="tx1"/>
+          </a:fontRef>
+        </p:style>
+      </p:cxnSp>
+      <p:cxnSp>
+        <p:nvCxnSpPr>
+          <p:cNvPr id="19" name="Gerader Verbinder 18"/>
+          <p:cNvCxnSpPr>
+            <a:stCxn id="12" idx="4"/>
+            <a:endCxn id="11" idx="1"/>
+          </p:cNvCxnSpPr>
+          <p:nvPr/>
+        </p:nvCxnSpPr>
+        <p:spPr>
+          <a:xfrm>
+            <a:off x="5578982" y="3202712"/>
+            <a:ext cx="196691" cy="576588"/>
+          </a:xfrm>
+          <a:prstGeom prst="line">
+            <a:avLst/>
+          </a:prstGeom>
+          <a:ln w="28575">
+            <a:solidFill>
+              <a:schemeClr val="tx1">
+                <a:lumMod val="95000"/>
+                <a:lumOff val="5000"/>
+              </a:schemeClr>
+            </a:solidFill>
+          </a:ln>
+        </p:spPr>
+        <p:style>
+          <a:lnRef idx="1">
+            <a:schemeClr val="accent1"/>
+          </a:lnRef>
+          <a:fillRef idx="0">
+            <a:schemeClr val="accent1"/>
+          </a:fillRef>
+          <a:effectRef idx="0">
+            <a:schemeClr val="accent1"/>
+          </a:effectRef>
+          <a:fontRef idx="minor">
+            <a:schemeClr val="tx1"/>
+          </a:fontRef>
+        </p:style>
+      </p:cxnSp>
+      <p:grpSp>
+        <p:nvGrpSpPr>
+          <p:cNvPr id="45" name="Gruppieren 44"/>
+          <p:cNvGrpSpPr/>
+          <p:nvPr/>
+        </p:nvGrpSpPr>
+        <p:grpSpPr>
+          <a:xfrm>
+            <a:off x="6511266" y="3108867"/>
+            <a:ext cx="2191937" cy="576588"/>
+            <a:chOff x="6511267" y="3109675"/>
+            <a:chExt cx="2191937" cy="576588"/>
+          </a:xfrm>
+        </p:grpSpPr>
+        <p:cxnSp>
+          <p:nvCxnSpPr>
+            <p:cNvPr id="15" name="Gerader Verbinder 14"/>
+            <p:cNvCxnSpPr>
+              <a:stCxn id="8" idx="6"/>
+              <a:endCxn id="10" idx="2"/>
+            </p:cNvCxnSpPr>
+            <p:nvPr/>
+          </p:nvCxnSpPr>
+          <p:spPr>
+            <a:xfrm>
+              <a:off x="6511267" y="3372997"/>
+              <a:ext cx="1452590" cy="313266"/>
+            </a:xfrm>
+            <a:prstGeom prst="line">
+              <a:avLst/>
+            </a:prstGeom>
+            <a:ln w="28575">
+              <a:solidFill>
+                <a:schemeClr val="bg1">
+                  <a:lumMod val="75000"/>
+                </a:schemeClr>
+              </a:solidFill>
+              <a:prstDash val="sysDash"/>
+            </a:ln>
+          </p:spPr>
+          <p:style>
+            <a:lnRef idx="1">
+              <a:schemeClr val="accent1"/>
+            </a:lnRef>
+            <a:fillRef idx="0">
+              <a:schemeClr val="accent1"/>
+            </a:fillRef>
+            <a:effectRef idx="0">
+              <a:schemeClr val="accent1"/>
+            </a:effectRef>
+            <a:fontRef idx="minor">
+              <a:schemeClr val="tx1"/>
+            </a:fontRef>
+          </p:style>
+        </p:cxnSp>
+        <p:cxnSp>
+          <p:nvCxnSpPr>
+            <p:cNvPr id="22" name="Gerader Verbinder 21"/>
+            <p:cNvCxnSpPr>
+              <a:stCxn id="10" idx="7"/>
+              <a:endCxn id="13" idx="3"/>
+            </p:cNvCxnSpPr>
+            <p:nvPr/>
+          </p:nvCxnSpPr>
+          <p:spPr>
+            <a:xfrm flipV="1">
+              <a:off x="8089850" y="3109675"/>
+              <a:ext cx="613354" cy="524400"/>
+            </a:xfrm>
+            <a:prstGeom prst="line">
+              <a:avLst/>
+            </a:prstGeom>
+            <a:ln w="28575">
+              <a:solidFill>
+                <a:schemeClr val="bg1">
+                  <a:lumMod val="75000"/>
+                </a:schemeClr>
+              </a:solidFill>
+              <a:prstDash val="sysDash"/>
+            </a:ln>
+          </p:spPr>
+          <p:style>
+            <a:lnRef idx="1">
+              <a:schemeClr val="accent1"/>
+            </a:lnRef>
+            <a:fillRef idx="0">
+              <a:schemeClr val="accent1"/>
+            </a:fillRef>
+            <a:effectRef idx="0">
+              <a:schemeClr val="accent1"/>
+            </a:effectRef>
+            <a:fontRef idx="minor">
+              <a:schemeClr val="tx1"/>
+            </a:fontRef>
+          </p:style>
+        </p:cxnSp>
+      </p:grpSp>
+      <p:cxnSp>
+        <p:nvCxnSpPr>
+          <p:cNvPr id="25" name="Gerader Verbinder 24"/>
+          <p:cNvCxnSpPr>
+            <a:stCxn id="8" idx="6"/>
+          </p:cNvCxnSpPr>
+          <p:nvPr/>
+        </p:nvCxnSpPr>
+        <p:spPr>
+          <a:xfrm>
+            <a:off x="6511266" y="3370612"/>
+            <a:ext cx="726295" cy="156633"/>
+          </a:xfrm>
+          <a:prstGeom prst="line">
+            <a:avLst/>
+          </a:prstGeom>
+          <a:ln w="28575">
+            <a:solidFill>
+              <a:schemeClr val="tx1">
+                <a:lumMod val="95000"/>
+                <a:lumOff val="5000"/>
+              </a:schemeClr>
+            </a:solidFill>
+          </a:ln>
+        </p:spPr>
+        <p:style>
+          <a:lnRef idx="1">
+            <a:schemeClr val="accent1"/>
+          </a:lnRef>
+          <a:fillRef idx="0">
+            <a:schemeClr val="accent1"/>
+          </a:fillRef>
+          <a:effectRef idx="0">
+            <a:schemeClr val="accent1"/>
+          </a:effectRef>
+          <a:fontRef idx="minor">
+            <a:schemeClr val="tx1"/>
+          </a:fontRef>
+        </p:style>
+      </p:cxnSp>
+      <p:cxnSp>
+        <p:nvCxnSpPr>
+          <p:cNvPr id="29" name="Gerade Verbindung mit Pfeil 28"/>
+          <p:cNvCxnSpPr/>
+          <p:nvPr/>
+        </p:nvCxnSpPr>
+        <p:spPr>
+          <a:xfrm flipV="1">
+            <a:off x="7237561" y="3527245"/>
+            <a:ext cx="0" cy="204244"/>
+          </a:xfrm>
+          <a:prstGeom prst="straightConnector1">
+            <a:avLst/>
+          </a:prstGeom>
+          <a:ln w="38100">
+            <a:solidFill>
+              <a:srgbClr val="006600"/>
+            </a:solidFill>
+            <a:tailEnd type="triangle"/>
+          </a:ln>
+        </p:spPr>
+        <p:style>
+          <a:lnRef idx="1">
+            <a:schemeClr val="accent1"/>
+          </a:lnRef>
+          <a:fillRef idx="0">
+            <a:schemeClr val="accent1"/>
+          </a:fillRef>
+          <a:effectRef idx="0">
+            <a:schemeClr val="accent1"/>
+          </a:effectRef>
+          <a:fontRef idx="minor">
+            <a:schemeClr val="tx1"/>
+          </a:fontRef>
+        </p:style>
+      </p:cxnSp>
+      <mc:AlternateContent xmlns:mc="http://schemas.openxmlformats.org/markup-compatibility/2006">
+        <mc:Choice xmlns:a14="http://schemas.microsoft.com/office/drawing/2010/main" Requires="a14">
+          <p:sp>
+            <p:nvSpPr>
+              <p:cNvPr id="30" name="Textfeld 29"/>
+              <p:cNvSpPr txBox="1"/>
+              <p:nvPr/>
+            </p:nvSpPr>
+            <p:spPr>
+              <a:xfrm>
+                <a:off x="6257897" y="2970640"/>
+                <a:ext cx="367985" cy="369332"/>
+              </a:xfrm>
+              <a:prstGeom prst="rect">
+                <a:avLst/>
+              </a:prstGeom>
+              <a:noFill/>
+            </p:spPr>
+            <p:txBody>
+              <a:bodyPr wrap="none" rtlCol="0">
+                <a:spAutoFit/>
+              </a:bodyPr>
+              <a:lstStyle/>
+              <a:p>
+                <a14:m>
+                  <m:oMathPara xmlns:m="http://schemas.openxmlformats.org/officeDocument/2006/math">
+                    <m:oMathParaPr>
+                      <m:jc m:val="centerGroup"/>
+                    </m:oMathParaPr>
+                    <m:oMath xmlns:m="http://schemas.openxmlformats.org/officeDocument/2006/math">
+                      <m:r>
+                        <a:rPr lang="en-GB" i="1" dirty="0">
+                          <a:solidFill>
+                            <a:prstClr val="black"/>
+                          </a:solidFill>
+                          <a:latin typeface="Cambria Math" panose="02040503050406030204" pitchFamily="18" charset="0"/>
+                          <a:ea typeface="Cambria Math" panose="02040503050406030204" pitchFamily="18" charset="0"/>
+                          <a:cs typeface="Courier New" panose="02070309020205020404" pitchFamily="49" charset="0"/>
+                        </a:rPr>
+                        <m:t>𝑥</m:t>
+                      </m:r>
+                    </m:oMath>
+                  </m:oMathPara>
+                </a14:m>
+                <a:endParaRPr lang="en-GB" dirty="0"/>
+              </a:p>
+            </p:txBody>
+          </p:sp>
+        </mc:Choice>
+        <mc:Fallback>
+          <p:sp>
+            <p:nvSpPr>
+              <p:cNvPr id="30" name="Textfeld 29"/>
+              <p:cNvSpPr txBox="1">
+                <a:spLocks noRot="1" noChangeAspect="1" noMove="1" noResize="1" noEditPoints="1" noAdjustHandles="1" noChangeArrowheads="1" noChangeShapeType="1" noTextEdit="1"/>
+              </p:cNvSpPr>
+              <p:nvPr/>
+            </p:nvSpPr>
+            <p:spPr>
+              <a:xfrm>
+                <a:off x="6257897" y="2970640"/>
+                <a:ext cx="367985" cy="369332"/>
+              </a:xfrm>
+              <a:prstGeom prst="rect">
+                <a:avLst/>
+              </a:prstGeom>
+              <a:blipFill rotWithShape="0">
+                <a:blip r:embed="rId3"/>
+                <a:stretch>
+                  <a:fillRect/>
+                </a:stretch>
+              </a:blipFill>
+            </p:spPr>
+            <p:txBody>
+              <a:bodyPr/>
+              <a:lstStyle/>
+              <a:p>
+                <a:r>
+                  <a:rPr lang="en-GB">
+                    <a:noFill/>
+                  </a:rPr>
+                  <a:t> </a:t>
+                </a:r>
+              </a:p>
+            </p:txBody>
+          </p:sp>
+        </mc:Fallback>
+      </mc:AlternateContent>
+      <mc:AlternateContent xmlns:mc="http://schemas.openxmlformats.org/markup-compatibility/2006">
+        <mc:Choice xmlns:a14="http://schemas.microsoft.com/office/drawing/2010/main" Requires="a14">
+          <p:sp>
+            <p:nvSpPr>
+              <p:cNvPr id="31" name="Textfeld 30"/>
+              <p:cNvSpPr txBox="1"/>
+              <p:nvPr/>
+            </p:nvSpPr>
+            <p:spPr>
+              <a:xfrm>
+                <a:off x="7838799" y="3238134"/>
+                <a:ext cx="371384" cy="369332"/>
+              </a:xfrm>
+              <a:prstGeom prst="rect">
+                <a:avLst/>
+              </a:prstGeom>
+              <a:noFill/>
+            </p:spPr>
+            <p:txBody>
+              <a:bodyPr wrap="none" rtlCol="0">
+                <a:spAutoFit/>
+              </a:bodyPr>
+              <a:lstStyle/>
+              <a:p>
+                <a14:m>
+                  <m:oMathPara xmlns:m="http://schemas.openxmlformats.org/officeDocument/2006/math">
+                    <m:oMathParaPr>
+                      <m:jc m:val="centerGroup"/>
+                    </m:oMathParaPr>
+                    <m:oMath xmlns:m="http://schemas.openxmlformats.org/officeDocument/2006/math">
+                      <m:r>
+                        <a:rPr lang="de-DE" b="0" i="1" smtClean="0">
+                          <a:solidFill>
+                            <a:schemeClr val="accent1">
+                              <a:lumMod val="75000"/>
+                            </a:schemeClr>
+                          </a:solidFill>
+                          <a:latin typeface="Cambria Math" panose="02040503050406030204" pitchFamily="18" charset="0"/>
+                        </a:rPr>
+                        <m:t>𝑦</m:t>
+                      </m:r>
+                    </m:oMath>
+                  </m:oMathPara>
+                </a14:m>
+                <a:endParaRPr lang="en-GB" dirty="0">
+                  <a:solidFill>
+                    <a:schemeClr val="accent1">
+                      <a:lumMod val="75000"/>
+                    </a:schemeClr>
+                  </a:solidFill>
+                </a:endParaRPr>
+              </a:p>
+            </p:txBody>
+          </p:sp>
+        </mc:Choice>
+        <mc:Fallback>
+          <p:sp>
+            <p:nvSpPr>
+              <p:cNvPr id="31" name="Textfeld 30"/>
+              <p:cNvSpPr txBox="1">
+                <a:spLocks noRot="1" noChangeAspect="1" noMove="1" noResize="1" noEditPoints="1" noAdjustHandles="1" noChangeArrowheads="1" noChangeShapeType="1" noTextEdit="1"/>
+              </p:cNvSpPr>
+              <p:nvPr/>
+            </p:nvSpPr>
+            <p:spPr>
+              <a:xfrm>
+                <a:off x="7838799" y="3238134"/>
+                <a:ext cx="371384" cy="369332"/>
+              </a:xfrm>
+              <a:prstGeom prst="rect">
+                <a:avLst/>
+              </a:prstGeom>
+              <a:blipFill rotWithShape="0">
+                <a:blip r:embed="rId4"/>
+                <a:stretch>
+                  <a:fillRect b="-6557"/>
+                </a:stretch>
+              </a:blipFill>
+            </p:spPr>
+            <p:txBody>
+              <a:bodyPr/>
+              <a:lstStyle/>
+              <a:p>
+                <a:r>
+                  <a:rPr lang="en-GB">
+                    <a:noFill/>
+                  </a:rPr>
+                  <a:t> </a:t>
+                </a:r>
+              </a:p>
+            </p:txBody>
+          </p:sp>
+        </mc:Fallback>
+      </mc:AlternateContent>
+      <mc:AlternateContent xmlns:mc="http://schemas.openxmlformats.org/markup-compatibility/2006">
+        <mc:Choice xmlns:a14="http://schemas.microsoft.com/office/drawing/2010/main" Requires="a14">
+          <p:sp>
+            <p:nvSpPr>
+              <p:cNvPr id="32" name="Textfeld 31"/>
+              <p:cNvSpPr txBox="1"/>
+              <p:nvPr/>
+            </p:nvSpPr>
+            <p:spPr>
+              <a:xfrm>
+                <a:off x="6914326" y="3720882"/>
+                <a:ext cx="658001" cy="369332"/>
+              </a:xfrm>
+              <a:prstGeom prst="rect">
+                <a:avLst/>
+              </a:prstGeom>
+              <a:noFill/>
+            </p:spPr>
+            <p:txBody>
+              <a:bodyPr wrap="none" rtlCol="0">
+                <a:spAutoFit/>
+              </a:bodyPr>
+              <a:lstStyle/>
+              <a:p>
+                <a14:m>
+                  <m:oMathPara xmlns:m="http://schemas.openxmlformats.org/officeDocument/2006/math">
+                    <m:oMathParaPr>
+                      <m:jc m:val="centerGroup"/>
+                    </m:oMathParaPr>
+                    <m:oMath xmlns:m="http://schemas.openxmlformats.org/officeDocument/2006/math">
+                      <m:r>
+                        <a:rPr lang="de-DE" b="0" i="1" dirty="0" smtClean="0">
+                          <a:solidFill>
+                            <a:srgbClr val="006600"/>
+                          </a:solidFill>
+                          <a:latin typeface="Cambria Math" panose="02040503050406030204" pitchFamily="18" charset="0"/>
+                          <a:ea typeface="Cambria Math" panose="02040503050406030204" pitchFamily="18" charset="0"/>
+                          <a:cs typeface="Courier New" panose="02070309020205020404" pitchFamily="49" charset="0"/>
+                        </a:rPr>
+                        <m:t>𝑝</m:t>
+                      </m:r>
+                      <m:r>
+                        <a:rPr lang="de-DE" b="0" i="1" dirty="0" smtClean="0">
+                          <a:solidFill>
+                            <a:srgbClr val="006600"/>
+                          </a:solidFill>
+                          <a:latin typeface="Cambria Math" panose="02040503050406030204" pitchFamily="18" charset="0"/>
+                          <a:ea typeface="Cambria Math" panose="02040503050406030204" pitchFamily="18" charset="0"/>
+                          <a:cs typeface="Courier New" panose="02070309020205020404" pitchFamily="49" charset="0"/>
+                        </a:rPr>
+                        <m:t>(</m:t>
+                      </m:r>
+                      <m:r>
+                        <a:rPr lang="de-DE" b="0" i="1" dirty="0" smtClean="0">
+                          <a:solidFill>
+                            <a:srgbClr val="006600"/>
+                          </a:solidFill>
+                          <a:latin typeface="Cambria Math" panose="02040503050406030204" pitchFamily="18" charset="0"/>
+                          <a:ea typeface="Cambria Math" panose="02040503050406030204" pitchFamily="18" charset="0"/>
+                          <a:cs typeface="Courier New" panose="02070309020205020404" pitchFamily="49" charset="0"/>
+                        </a:rPr>
+                        <m:t>𝑡</m:t>
+                      </m:r>
+                      <m:r>
+                        <a:rPr lang="de-DE" b="0" i="1" dirty="0" smtClean="0">
+                          <a:solidFill>
+                            <a:srgbClr val="006600"/>
+                          </a:solidFill>
+                          <a:latin typeface="Cambria Math" panose="02040503050406030204" pitchFamily="18" charset="0"/>
+                          <a:ea typeface="Cambria Math" panose="02040503050406030204" pitchFamily="18" charset="0"/>
+                          <a:cs typeface="Courier New" panose="02070309020205020404" pitchFamily="49" charset="0"/>
+                        </a:rPr>
+                        <m:t>)</m:t>
+                      </m:r>
+                    </m:oMath>
+                  </m:oMathPara>
+                </a14:m>
+                <a:endParaRPr lang="en-GB" dirty="0">
+                  <a:solidFill>
+                    <a:srgbClr val="006600"/>
+                  </a:solidFill>
+                </a:endParaRPr>
+              </a:p>
+            </p:txBody>
+          </p:sp>
+        </mc:Choice>
+        <mc:Fallback>
+          <p:sp>
+            <p:nvSpPr>
+              <p:cNvPr id="32" name="Textfeld 31"/>
+              <p:cNvSpPr txBox="1">
+                <a:spLocks noRot="1" noChangeAspect="1" noMove="1" noResize="1" noEditPoints="1" noAdjustHandles="1" noChangeArrowheads="1" noChangeShapeType="1" noTextEdit="1"/>
+              </p:cNvSpPr>
+              <p:nvPr/>
+            </p:nvSpPr>
+            <p:spPr>
+              <a:xfrm>
+                <a:off x="6914326" y="3720882"/>
+                <a:ext cx="658001" cy="369332"/>
+              </a:xfrm>
+              <a:prstGeom prst="rect">
+                <a:avLst/>
+              </a:prstGeom>
+              <a:blipFill rotWithShape="0">
+                <a:blip r:embed="rId5"/>
+                <a:stretch>
+                  <a:fillRect b="-13115"/>
+                </a:stretch>
+              </a:blipFill>
+            </p:spPr>
+            <p:txBody>
+              <a:bodyPr/>
+              <a:lstStyle/>
+              <a:p>
+                <a:r>
+                  <a:rPr lang="en-GB">
+                    <a:noFill/>
+                  </a:rPr>
+                  <a:t> </a:t>
+                </a:r>
+              </a:p>
+            </p:txBody>
+          </p:sp>
+        </mc:Fallback>
+      </mc:AlternateContent>
+      <p:sp>
+        <p:nvSpPr>
+          <p:cNvPr id="33" name="Ellipse 32"/>
+          <p:cNvSpPr/>
+          <p:nvPr/>
+        </p:nvSpPr>
+        <p:spPr>
+          <a:xfrm>
+            <a:off x="6800608" y="2869133"/>
+            <a:ext cx="147610" cy="147610"/>
+          </a:xfrm>
+          <a:prstGeom prst="ellipse">
+            <a:avLst/>
+          </a:prstGeom>
+          <a:solidFill>
+            <a:srgbClr val="C00000"/>
+          </a:solidFill>
+          <a:ln>
+            <a:noFill/>
+          </a:ln>
+        </p:spPr>
+        <p:style>
+          <a:lnRef idx="2">
+            <a:schemeClr val="accent1">
+              <a:shade val="50000"/>
+            </a:schemeClr>
+          </a:lnRef>
+          <a:fillRef idx="1">
+            <a:schemeClr val="accent1"/>
+          </a:fillRef>
+          <a:effectRef idx="0">
+            <a:schemeClr val="accent1"/>
+          </a:effectRef>
+          <a:fontRef idx="minor">
+            <a:schemeClr val="lt1"/>
+          </a:fontRef>
+        </p:style>
+        <p:txBody>
+          <a:bodyPr rtlCol="0" anchor="ctr"/>
+          <a:lstStyle/>
+          <a:p>
+            <a:pPr algn="ctr"/>
+            <a:endParaRPr lang="en-GB"/>
+          </a:p>
+        </p:txBody>
+      </p:sp>
+      <mc:AlternateContent xmlns:mc="http://schemas.openxmlformats.org/markup-compatibility/2006">
+        <mc:Choice xmlns:a14="http://schemas.microsoft.com/office/drawing/2010/main" Requires="a14">
+          <p:sp>
+            <p:nvSpPr>
+              <p:cNvPr id="34" name="Textfeld 33"/>
+              <p:cNvSpPr txBox="1"/>
+              <p:nvPr/>
+            </p:nvSpPr>
+            <p:spPr>
+              <a:xfrm>
+                <a:off x="6697538" y="2541393"/>
+                <a:ext cx="353750" cy="369332"/>
+              </a:xfrm>
+              <a:prstGeom prst="rect">
+                <a:avLst/>
+              </a:prstGeom>
+              <a:noFill/>
+            </p:spPr>
+            <p:txBody>
+              <a:bodyPr wrap="none" rtlCol="0">
+                <a:spAutoFit/>
+              </a:bodyPr>
+              <a:lstStyle/>
+              <a:p>
+                <a14:m>
+                  <m:oMathPara xmlns:m="http://schemas.openxmlformats.org/officeDocument/2006/math">
+                    <m:oMathParaPr>
+                      <m:jc m:val="centerGroup"/>
+                    </m:oMathParaPr>
+                    <m:oMath xmlns:m="http://schemas.openxmlformats.org/officeDocument/2006/math">
+                      <m:r>
+                        <a:rPr lang="de-DE" b="0" i="1" smtClean="0">
+                          <a:solidFill>
+                            <a:srgbClr val="C00000"/>
+                          </a:solidFill>
+                          <a:latin typeface="Cambria Math" panose="02040503050406030204" pitchFamily="18" charset="0"/>
+                        </a:rPr>
+                        <m:t>𝑧</m:t>
+                      </m:r>
+                    </m:oMath>
+                  </m:oMathPara>
+                </a14:m>
+                <a:endParaRPr lang="en-GB" dirty="0">
+                  <a:solidFill>
+                    <a:srgbClr val="C00000"/>
+                  </a:solidFill>
+                </a:endParaRPr>
+              </a:p>
+            </p:txBody>
+          </p:sp>
+        </mc:Choice>
+        <mc:Fallback>
+          <p:sp>
+            <p:nvSpPr>
+              <p:cNvPr id="34" name="Textfeld 33"/>
+              <p:cNvSpPr txBox="1">
+                <a:spLocks noRot="1" noChangeAspect="1" noMove="1" noResize="1" noEditPoints="1" noAdjustHandles="1" noChangeArrowheads="1" noChangeShapeType="1" noTextEdit="1"/>
+              </p:cNvSpPr>
+              <p:nvPr/>
+            </p:nvSpPr>
+            <p:spPr>
+              <a:xfrm>
+                <a:off x="6697538" y="2541393"/>
+                <a:ext cx="353750" cy="369332"/>
+              </a:xfrm>
+              <a:prstGeom prst="rect">
+                <a:avLst/>
+              </a:prstGeom>
+              <a:blipFill rotWithShape="0">
+                <a:blip r:embed="rId6"/>
+                <a:stretch>
+                  <a:fillRect/>
+                </a:stretch>
+              </a:blipFill>
+            </p:spPr>
+            <p:txBody>
+              <a:bodyPr/>
+              <a:lstStyle/>
+              <a:p>
+                <a:r>
+                  <a:rPr lang="en-GB">
+                    <a:noFill/>
+                  </a:rPr>
+                  <a:t> </a:t>
+                </a:r>
+              </a:p>
+            </p:txBody>
+          </p:sp>
+        </mc:Fallback>
+      </mc:AlternateContent>
+      <mc:AlternateContent xmlns:mc="http://schemas.openxmlformats.org/markup-compatibility/2006">
+        <mc:Choice xmlns:a14="http://schemas.microsoft.com/office/drawing/2010/main" Requires="a14">
+          <p:sp>
+            <p:nvSpPr>
+              <p:cNvPr id="36" name="Textfeld 35"/>
+              <p:cNvSpPr txBox="1"/>
+              <p:nvPr/>
+            </p:nvSpPr>
+            <p:spPr>
+              <a:xfrm>
+                <a:off x="5652787" y="4123945"/>
+                <a:ext cx="3143809" cy="646331"/>
+              </a:xfrm>
+              <a:prstGeom prst="rect">
+                <a:avLst/>
+              </a:prstGeom>
+              <a:noFill/>
+            </p:spPr>
+            <p:txBody>
+              <a:bodyPr wrap="none" rtlCol="0">
+                <a:spAutoFit/>
+              </a:bodyPr>
+              <a:lstStyle/>
+              <a:p>
+                <a14:m>
+                  <m:oMath xmlns:m="http://schemas.openxmlformats.org/officeDocument/2006/math">
+                    <m:r>
+                      <a:rPr lang="de-DE" b="0" i="1" smtClean="0">
+                        <a:latin typeface="Cambria Math" panose="02040503050406030204" pitchFamily="18" charset="0"/>
+                      </a:rPr>
+                      <m:t>𝒮</m:t>
+                    </m:r>
+                    <m:r>
+                      <a:rPr lang="de-DE" b="0" i="1" smtClean="0">
+                        <a:latin typeface="Cambria Math" panose="02040503050406030204" pitchFamily="18" charset="0"/>
+                      </a:rPr>
+                      <m:t>≔ </m:t>
+                    </m:r>
+                  </m:oMath>
+                </a14:m>
+                <a:r>
+                  <a:rPr lang="en-GB" dirty="0" smtClean="0"/>
+                  <a:t> places requested until </a:t>
+                </a:r>
+                <a14:m>
+                  <m:oMath xmlns:m="http://schemas.openxmlformats.org/officeDocument/2006/math">
+                    <m:r>
+                      <a:rPr lang="en-GB" i="1" dirty="0" smtClean="0">
+                        <a:latin typeface="Cambria Math" panose="02040503050406030204" pitchFamily="18" charset="0"/>
+                      </a:rPr>
+                      <m:t>𝑡</m:t>
+                    </m:r>
+                  </m:oMath>
+                </a14:m>
+                <a:endParaRPr lang="en-GB" dirty="0" smtClean="0"/>
+              </a:p>
+              <a:p>
+                <a14:m>
+                  <m:oMath xmlns:m="http://schemas.openxmlformats.org/officeDocument/2006/math">
+                    <m:r>
+                      <a:rPr lang="de-DE" b="0" i="1" dirty="0" smtClean="0">
+                        <a:solidFill>
+                          <a:schemeClr val="tx1"/>
+                        </a:solidFill>
+                        <a:latin typeface="Cambria Math" panose="02040503050406030204" pitchFamily="18" charset="0"/>
+                        <a:ea typeface="Cambria Math" panose="02040503050406030204" pitchFamily="18" charset="0"/>
+                        <a:cs typeface="Courier New" panose="02070309020205020404" pitchFamily="49" charset="0"/>
+                      </a:rPr>
+                      <m:t>𝒮</m:t>
+                    </m:r>
+                    <m:r>
+                      <a:rPr lang="de-DE" b="0" i="1" dirty="0" smtClean="0">
+                        <a:solidFill>
+                          <a:schemeClr val="tx1"/>
+                        </a:solidFill>
+                        <a:latin typeface="Cambria Math" panose="02040503050406030204" pitchFamily="18" charset="0"/>
+                        <a:ea typeface="Cambria Math" panose="02040503050406030204" pitchFamily="18" charset="0"/>
+                        <a:cs typeface="Courier New" panose="02070309020205020404" pitchFamily="49" charset="0"/>
+                      </a:rPr>
+                      <m:t>⊇</m:t>
+                    </m:r>
+                    <m:r>
+                      <a:rPr lang="de-DE" i="1" dirty="0">
+                        <a:solidFill>
+                          <a:schemeClr val="accent1">
+                            <a:lumMod val="75000"/>
+                          </a:schemeClr>
+                        </a:solidFill>
+                        <a:latin typeface="Cambria Math" panose="02040503050406030204" pitchFamily="18" charset="0"/>
+                        <a:ea typeface="Cambria Math" panose="02040503050406030204" pitchFamily="18" charset="0"/>
+                        <a:cs typeface="Courier New" panose="02070309020205020404" pitchFamily="49" charset="0"/>
+                      </a:rPr>
+                      <m:t>𝒰</m:t>
+                    </m:r>
+                    <m:r>
+                      <a:rPr lang="de-DE" dirty="0">
+                        <a:solidFill>
+                          <a:schemeClr val="accent1">
+                            <a:lumMod val="75000"/>
+                          </a:schemeClr>
+                        </a:solidFill>
+                        <a:latin typeface="Cambria Math" panose="02040503050406030204" pitchFamily="18" charset="0"/>
+                        <a:ea typeface="Cambria Math" panose="02040503050406030204" pitchFamily="18" charset="0"/>
+                        <a:cs typeface="Courier New" panose="02070309020205020404" pitchFamily="49" charset="0"/>
+                      </a:rPr>
+                      <m:t>≔ </m:t>
+                    </m:r>
+                  </m:oMath>
+                </a14:m>
+                <a:r>
+                  <a:rPr lang="en-GB" dirty="0">
+                    <a:solidFill>
+                      <a:schemeClr val="accent1">
+                        <a:lumMod val="75000"/>
+                      </a:schemeClr>
+                    </a:solidFill>
+                  </a:rPr>
+                  <a:t>places yet to visit at </a:t>
+                </a:r>
+                <a14:m>
+                  <m:oMath xmlns:m="http://schemas.openxmlformats.org/officeDocument/2006/math">
+                    <m:r>
+                      <a:rPr lang="en-GB" i="1" dirty="0">
+                        <a:solidFill>
+                          <a:schemeClr val="accent1">
+                            <a:lumMod val="75000"/>
+                          </a:schemeClr>
+                        </a:solidFill>
+                        <a:latin typeface="Cambria Math" panose="02040503050406030204" pitchFamily="18" charset="0"/>
+                      </a:rPr>
+                      <m:t>𝑡</m:t>
+                    </m:r>
+                  </m:oMath>
+                </a14:m>
+                <a:endParaRPr lang="en-GB" dirty="0">
+                  <a:solidFill>
+                    <a:schemeClr val="accent1">
+                      <a:lumMod val="75000"/>
+                    </a:schemeClr>
+                  </a:solidFill>
+                </a:endParaRPr>
+              </a:p>
+            </p:txBody>
+          </p:sp>
+        </mc:Choice>
+        <mc:Fallback>
+          <p:sp>
+            <p:nvSpPr>
+              <p:cNvPr id="36" name="Textfeld 35"/>
+              <p:cNvSpPr txBox="1">
+                <a:spLocks noRot="1" noChangeAspect="1" noMove="1" noResize="1" noEditPoints="1" noAdjustHandles="1" noChangeArrowheads="1" noChangeShapeType="1" noTextEdit="1"/>
+              </p:cNvSpPr>
+              <p:nvPr/>
+            </p:nvSpPr>
+            <p:spPr>
+              <a:xfrm>
+                <a:off x="5652787" y="4123945"/>
+                <a:ext cx="3143809" cy="646331"/>
+              </a:xfrm>
+              <a:prstGeom prst="rect">
+                <a:avLst/>
+              </a:prstGeom>
+              <a:blipFill rotWithShape="0">
+                <a:blip r:embed="rId7"/>
+                <a:stretch>
+                  <a:fillRect t="-5660" b="-13208"/>
+                </a:stretch>
+              </a:blipFill>
+            </p:spPr>
+            <p:txBody>
+              <a:bodyPr/>
+              <a:lstStyle/>
+              <a:p>
+                <a:r>
+                  <a:rPr lang="en-GB">
+                    <a:noFill/>
+                  </a:rPr>
+                  <a:t> </a:t>
+                </a:r>
+              </a:p>
+            </p:txBody>
+          </p:sp>
+        </mc:Fallback>
+      </mc:AlternateContent>
+      <p:grpSp>
+        <p:nvGrpSpPr>
+          <p:cNvPr id="50" name="Gruppieren 49"/>
+          <p:cNvGrpSpPr/>
+          <p:nvPr/>
+        </p:nvGrpSpPr>
+        <p:grpSpPr>
+          <a:xfrm>
+            <a:off x="6497073" y="3006741"/>
+            <a:ext cx="2213554" cy="636564"/>
+            <a:chOff x="6508448" y="3004722"/>
+            <a:chExt cx="2213554" cy="636564"/>
+          </a:xfrm>
+        </p:grpSpPr>
+        <p:cxnSp>
+          <p:nvCxnSpPr>
+            <p:cNvPr id="37" name="Gerader Verbinder 36"/>
+            <p:cNvCxnSpPr>
+              <a:endCxn id="8" idx="6"/>
+            </p:cNvCxnSpPr>
+            <p:nvPr/>
+          </p:nvCxnSpPr>
+          <p:spPr>
+            <a:xfrm flipH="1" flipV="1">
+              <a:off x="6511266" y="3370612"/>
+              <a:ext cx="735456" cy="156633"/>
+            </a:xfrm>
+            <a:prstGeom prst="line">
+              <a:avLst/>
+            </a:prstGeom>
+            <a:ln w="28575">
+              <a:solidFill>
+                <a:schemeClr val="accent1">
+                  <a:lumMod val="75000"/>
+                </a:schemeClr>
+              </a:solidFill>
+              <a:prstDash val="sysDash"/>
+            </a:ln>
+          </p:spPr>
+          <p:style>
+            <a:lnRef idx="1">
+              <a:schemeClr val="accent1"/>
+            </a:lnRef>
+            <a:fillRef idx="0">
+              <a:schemeClr val="accent1"/>
+            </a:fillRef>
+            <a:effectRef idx="0">
+              <a:schemeClr val="accent1"/>
+            </a:effectRef>
+            <a:fontRef idx="minor">
+              <a:schemeClr val="tx1"/>
+            </a:fontRef>
+          </p:style>
+        </p:cxnSp>
+        <p:cxnSp>
+          <p:nvCxnSpPr>
+            <p:cNvPr id="39" name="Gerader Verbinder 38"/>
+            <p:cNvCxnSpPr>
+              <a:stCxn id="8" idx="7"/>
+              <a:endCxn id="33" idx="3"/>
+            </p:cNvCxnSpPr>
+            <p:nvPr/>
+          </p:nvCxnSpPr>
+          <p:spPr>
+            <a:xfrm flipV="1">
+              <a:off x="6508448" y="3004722"/>
+              <a:ext cx="332576" cy="323298"/>
+            </a:xfrm>
+            <a:prstGeom prst="line">
+              <a:avLst/>
+            </a:prstGeom>
+            <a:ln w="28575">
+              <a:solidFill>
+                <a:schemeClr val="accent1">
+                  <a:lumMod val="75000"/>
+                </a:schemeClr>
+              </a:solidFill>
+              <a:prstDash val="sysDash"/>
+            </a:ln>
+          </p:spPr>
+          <p:style>
+            <a:lnRef idx="1">
+              <a:schemeClr val="accent1"/>
+            </a:lnRef>
+            <a:fillRef idx="0">
+              <a:schemeClr val="accent1"/>
+            </a:fillRef>
+            <a:effectRef idx="0">
+              <a:schemeClr val="accent1"/>
+            </a:effectRef>
+            <a:fontRef idx="minor">
+              <a:schemeClr val="tx1"/>
+            </a:fontRef>
+          </p:style>
+        </p:cxnSp>
+        <p:cxnSp>
+          <p:nvCxnSpPr>
+            <p:cNvPr id="42" name="Gerader Verbinder 41"/>
+            <p:cNvCxnSpPr>
+              <a:stCxn id="10" idx="1"/>
+              <a:endCxn id="33" idx="5"/>
+            </p:cNvCxnSpPr>
+            <p:nvPr/>
+          </p:nvCxnSpPr>
+          <p:spPr>
+            <a:xfrm flipH="1" flipV="1">
+              <a:off x="6945400" y="3004722"/>
+              <a:ext cx="1058872" cy="636564"/>
+            </a:xfrm>
+            <a:prstGeom prst="line">
+              <a:avLst/>
+            </a:prstGeom>
+            <a:ln w="28575">
+              <a:solidFill>
+                <a:schemeClr val="accent1">
+                  <a:lumMod val="75000"/>
+                </a:schemeClr>
+              </a:solidFill>
+              <a:prstDash val="sysDash"/>
+            </a:ln>
+          </p:spPr>
+          <p:style>
+            <a:lnRef idx="1">
+              <a:schemeClr val="accent1"/>
+            </a:lnRef>
+            <a:fillRef idx="0">
+              <a:schemeClr val="accent1"/>
+            </a:fillRef>
+            <a:effectRef idx="0">
+              <a:schemeClr val="accent1"/>
+            </a:effectRef>
+            <a:fontRef idx="minor">
+              <a:schemeClr val="tx1"/>
+            </a:fontRef>
+          </p:style>
+        </p:cxnSp>
+        <p:cxnSp>
+          <p:nvCxnSpPr>
+            <p:cNvPr id="46" name="Gerader Verbinder 45"/>
+            <p:cNvCxnSpPr>
+              <a:stCxn id="13" idx="3"/>
+              <a:endCxn id="10" idx="7"/>
+            </p:cNvCxnSpPr>
+            <p:nvPr/>
+          </p:nvCxnSpPr>
+          <p:spPr>
+            <a:xfrm flipH="1">
+              <a:off x="8108648" y="3116886"/>
+              <a:ext cx="613354" cy="524400"/>
+            </a:xfrm>
+            <a:prstGeom prst="line">
+              <a:avLst/>
+            </a:prstGeom>
+            <a:ln w="28575">
+              <a:solidFill>
+                <a:schemeClr val="accent1">
+                  <a:lumMod val="75000"/>
+                </a:schemeClr>
+              </a:solidFill>
+              <a:prstDash val="sysDash"/>
+            </a:ln>
+          </p:spPr>
+          <p:style>
+            <a:lnRef idx="1">
+              <a:schemeClr val="accent1"/>
+            </a:lnRef>
+            <a:fillRef idx="0">
+              <a:schemeClr val="accent1"/>
+            </a:fillRef>
+            <a:effectRef idx="0">
+              <a:schemeClr val="accent1"/>
+            </a:effectRef>
+            <a:fontRef idx="minor">
+              <a:schemeClr val="tx1"/>
+            </a:fontRef>
+          </p:style>
+        </p:cxnSp>
+      </p:grpSp>
+      <mc:AlternateContent xmlns:mc="http://schemas.openxmlformats.org/markup-compatibility/2006">
+        <mc:Choice xmlns:a14="http://schemas.microsoft.com/office/drawing/2010/main" Requires="a14">
+          <p:sp>
+            <p:nvSpPr>
+              <p:cNvPr id="51" name="Textfeld 50"/>
+              <p:cNvSpPr txBox="1"/>
+              <p:nvPr/>
+            </p:nvSpPr>
+            <p:spPr>
+              <a:xfrm>
+                <a:off x="5401871" y="2722224"/>
+                <a:ext cx="367985" cy="369332"/>
+              </a:xfrm>
+              <a:prstGeom prst="rect">
+                <a:avLst/>
+              </a:prstGeom>
+              <a:noFill/>
+            </p:spPr>
+            <p:txBody>
+              <a:bodyPr wrap="none" rtlCol="0">
+                <a:spAutoFit/>
+              </a:bodyPr>
+              <a:lstStyle/>
+              <a:p>
+                <a14:m>
+                  <m:oMathPara xmlns:m="http://schemas.openxmlformats.org/officeDocument/2006/math">
+                    <m:oMathParaPr>
+                      <m:jc m:val="centerGroup"/>
+                    </m:oMathParaPr>
+                    <m:oMath xmlns:m="http://schemas.openxmlformats.org/officeDocument/2006/math">
+                      <m:r>
+                        <a:rPr lang="de-DE" b="0" i="1" dirty="0" smtClean="0">
+                          <a:solidFill>
+                            <a:prstClr val="black"/>
+                          </a:solidFill>
+                          <a:latin typeface="Cambria Math" panose="02040503050406030204" pitchFamily="18" charset="0"/>
+                          <a:ea typeface="Cambria Math" panose="02040503050406030204" pitchFamily="18" charset="0"/>
+                          <a:cs typeface="Courier New" panose="02070309020205020404" pitchFamily="49" charset="0"/>
+                        </a:rPr>
+                        <m:t>𝑜</m:t>
+                      </m:r>
+                    </m:oMath>
+                  </m:oMathPara>
+                </a14:m>
+                <a:endParaRPr lang="en-GB" dirty="0"/>
+              </a:p>
+            </p:txBody>
+          </p:sp>
+        </mc:Choice>
+        <mc:Fallback>
+          <p:sp>
+            <p:nvSpPr>
+              <p:cNvPr id="51" name="Textfeld 50"/>
+              <p:cNvSpPr txBox="1">
+                <a:spLocks noRot="1" noChangeAspect="1" noMove="1" noResize="1" noEditPoints="1" noAdjustHandles="1" noChangeArrowheads="1" noChangeShapeType="1" noTextEdit="1"/>
+              </p:cNvSpPr>
+              <p:nvPr/>
+            </p:nvSpPr>
+            <p:spPr>
+              <a:xfrm>
+                <a:off x="5401871" y="2722224"/>
+                <a:ext cx="367985" cy="369332"/>
+              </a:xfrm>
+              <a:prstGeom prst="rect">
+                <a:avLst/>
+              </a:prstGeom>
+              <a:blipFill rotWithShape="0">
+                <a:blip r:embed="rId8"/>
+                <a:stretch>
+                  <a:fillRect/>
+                </a:stretch>
+              </a:blipFill>
+            </p:spPr>
+            <p:txBody>
+              <a:bodyPr/>
+              <a:lstStyle/>
+              <a:p>
+                <a:r>
+                  <a:rPr lang="en-GB">
+                    <a:noFill/>
+                  </a:rPr>
+                  <a:t> </a:t>
+                </a:r>
+              </a:p>
+            </p:txBody>
+          </p:sp>
+        </mc:Fallback>
+      </mc:AlternateContent>
     </p:spTree>
     <p:extLst>
       <p:ext uri="{BB962C8B-B14F-4D97-AF65-F5344CB8AC3E}">
@@ -12722,9 +14462,536 @@
   <p:timing>
     <p:tnLst>
       <p:par>
-        <p:cTn id="1" dur="indefinite" restart="never" nodeType="tmRoot"/>
+        <p:cTn id="1" dur="indefinite" restart="never" nodeType="tmRoot">
+          <p:childTnLst>
+            <p:seq concurrent="1" nextAc="seek">
+              <p:cTn id="2" dur="indefinite" nodeType="mainSeq">
+                <p:childTnLst>
+                  <p:par>
+                    <p:cTn id="3" fill="hold">
+                      <p:stCondLst>
+                        <p:cond delay="indefinite"/>
+                      </p:stCondLst>
+                      <p:childTnLst>
+                        <p:par>
+                          <p:cTn id="4" fill="hold">
+                            <p:stCondLst>
+                              <p:cond delay="0"/>
+                            </p:stCondLst>
+                            <p:childTnLst>
+                              <p:par>
+                                <p:cTn id="5" presetID="1" presetClass="entr" presetSubtype="0" fill="hold" nodeType="clickEffect">
+                                  <p:stCondLst>
+                                    <p:cond delay="0"/>
+                                  </p:stCondLst>
+                                  <p:childTnLst>
+                                    <p:set>
+                                      <p:cBhvr>
+                                        <p:cTn id="6" dur="1" fill="hold">
+                                          <p:stCondLst>
+                                            <p:cond delay="0"/>
+                                          </p:stCondLst>
+                                        </p:cTn>
+                                        <p:tgtEl>
+                                          <p:spTgt spid="3">
+                                            <p:txEl>
+                                              <p:pRg st="0" end="0"/>
+                                            </p:txEl>
+                                          </p:spTgt>
+                                        </p:tgtEl>
+                                        <p:attrNameLst>
+                                          <p:attrName>style.visibility</p:attrName>
+                                        </p:attrNameLst>
+                                      </p:cBhvr>
+                                      <p:to>
+                                        <p:strVal val="visible"/>
+                                      </p:to>
+                                    </p:set>
+                                  </p:childTnLst>
+                                </p:cTn>
+                              </p:par>
+                              <p:par>
+                                <p:cTn id="7" presetID="1" presetClass="entr" presetSubtype="0" fill="hold" nodeType="withEffect">
+                                  <p:stCondLst>
+                                    <p:cond delay="0"/>
+                                  </p:stCondLst>
+                                  <p:childTnLst>
+                                    <p:set>
+                                      <p:cBhvr>
+                                        <p:cTn id="8" dur="1" fill="hold">
+                                          <p:stCondLst>
+                                            <p:cond delay="0"/>
+                                          </p:stCondLst>
+                                        </p:cTn>
+                                        <p:tgtEl>
+                                          <p:spTgt spid="36">
+                                            <p:txEl>
+                                              <p:pRg st="0" end="0"/>
+                                            </p:txEl>
+                                          </p:spTgt>
+                                        </p:tgtEl>
+                                        <p:attrNameLst>
+                                          <p:attrName>style.visibility</p:attrName>
+                                        </p:attrNameLst>
+                                      </p:cBhvr>
+                                      <p:to>
+                                        <p:strVal val="visible"/>
+                                      </p:to>
+                                    </p:set>
+                                  </p:childTnLst>
+                                </p:cTn>
+                              </p:par>
+                            </p:childTnLst>
+                          </p:cTn>
+                        </p:par>
+                      </p:childTnLst>
+                    </p:cTn>
+                  </p:par>
+                  <p:par>
+                    <p:cTn id="9" fill="hold">
+                      <p:stCondLst>
+                        <p:cond delay="indefinite"/>
+                      </p:stCondLst>
+                      <p:childTnLst>
+                        <p:par>
+                          <p:cTn id="10" fill="hold">
+                            <p:stCondLst>
+                              <p:cond delay="0"/>
+                            </p:stCondLst>
+                            <p:childTnLst>
+                              <p:par>
+                                <p:cTn id="11" presetID="1" presetClass="entr" presetSubtype="0" fill="hold" nodeType="clickEffect">
+                                  <p:stCondLst>
+                                    <p:cond delay="0"/>
+                                  </p:stCondLst>
+                                  <p:childTnLst>
+                                    <p:set>
+                                      <p:cBhvr>
+                                        <p:cTn id="12" dur="1" fill="hold">
+                                          <p:stCondLst>
+                                            <p:cond delay="0"/>
+                                          </p:stCondLst>
+                                        </p:cTn>
+                                        <p:tgtEl>
+                                          <p:spTgt spid="3">
+                                            <p:txEl>
+                                              <p:pRg st="1" end="1"/>
+                                            </p:txEl>
+                                          </p:spTgt>
+                                        </p:tgtEl>
+                                        <p:attrNameLst>
+                                          <p:attrName>style.visibility</p:attrName>
+                                        </p:attrNameLst>
+                                      </p:cBhvr>
+                                      <p:to>
+                                        <p:strVal val="visible"/>
+                                      </p:to>
+                                    </p:set>
+                                  </p:childTnLst>
+                                </p:cTn>
+                              </p:par>
+                              <p:par>
+                                <p:cTn id="13" presetID="10" presetClass="entr" presetSubtype="0" fill="hold" grpId="2" nodeType="withEffect">
+                                  <p:stCondLst>
+                                    <p:cond delay="0"/>
+                                  </p:stCondLst>
+                                  <p:childTnLst>
+                                    <p:set>
+                                      <p:cBhvr>
+                                        <p:cTn id="14" dur="1" fill="hold">
+                                          <p:stCondLst>
+                                            <p:cond delay="0"/>
+                                          </p:stCondLst>
+                                        </p:cTn>
+                                        <p:tgtEl>
+                                          <p:spTgt spid="34"/>
+                                        </p:tgtEl>
+                                        <p:attrNameLst>
+                                          <p:attrName>style.visibility</p:attrName>
+                                        </p:attrNameLst>
+                                      </p:cBhvr>
+                                      <p:to>
+                                        <p:strVal val="visible"/>
+                                      </p:to>
+                                    </p:set>
+                                    <p:animEffect transition="in" filter="fade">
+                                      <p:cBhvr>
+                                        <p:cTn id="15" dur="500"/>
+                                        <p:tgtEl>
+                                          <p:spTgt spid="34"/>
+                                        </p:tgtEl>
+                                      </p:cBhvr>
+                                    </p:animEffect>
+                                  </p:childTnLst>
+                                </p:cTn>
+                              </p:par>
+                              <p:par>
+                                <p:cTn id="16" presetID="10" presetClass="entr" presetSubtype="0" fill="hold" grpId="1" nodeType="withEffect">
+                                  <p:stCondLst>
+                                    <p:cond delay="0"/>
+                                  </p:stCondLst>
+                                  <p:childTnLst>
+                                    <p:set>
+                                      <p:cBhvr>
+                                        <p:cTn id="17" dur="1" fill="hold">
+                                          <p:stCondLst>
+                                            <p:cond delay="0"/>
+                                          </p:stCondLst>
+                                        </p:cTn>
+                                        <p:tgtEl>
+                                          <p:spTgt spid="33"/>
+                                        </p:tgtEl>
+                                        <p:attrNameLst>
+                                          <p:attrName>style.visibility</p:attrName>
+                                        </p:attrNameLst>
+                                      </p:cBhvr>
+                                      <p:to>
+                                        <p:strVal val="visible"/>
+                                      </p:to>
+                                    </p:set>
+                                    <p:animEffect transition="in" filter="fade">
+                                      <p:cBhvr>
+                                        <p:cTn id="18" dur="500"/>
+                                        <p:tgtEl>
+                                          <p:spTgt spid="33"/>
+                                        </p:tgtEl>
+                                      </p:cBhvr>
+                                    </p:animEffect>
+                                  </p:childTnLst>
+                                </p:cTn>
+                              </p:par>
+                            </p:childTnLst>
+                          </p:cTn>
+                        </p:par>
+                      </p:childTnLst>
+                    </p:cTn>
+                  </p:par>
+                  <p:par>
+                    <p:cTn id="19" fill="hold">
+                      <p:stCondLst>
+                        <p:cond delay="indefinite"/>
+                      </p:stCondLst>
+                      <p:childTnLst>
+                        <p:par>
+                          <p:cTn id="20" fill="hold">
+                            <p:stCondLst>
+                              <p:cond delay="0"/>
+                            </p:stCondLst>
+                            <p:childTnLst>
+                              <p:par>
+                                <p:cTn id="21" presetID="1" presetClass="entr" presetSubtype="0" fill="hold" nodeType="clickEffect">
+                                  <p:stCondLst>
+                                    <p:cond delay="0"/>
+                                  </p:stCondLst>
+                                  <p:childTnLst>
+                                    <p:set>
+                                      <p:cBhvr>
+                                        <p:cTn id="22" dur="1" fill="hold">
+                                          <p:stCondLst>
+                                            <p:cond delay="0"/>
+                                          </p:stCondLst>
+                                        </p:cTn>
+                                        <p:tgtEl>
+                                          <p:spTgt spid="36">
+                                            <p:txEl>
+                                              <p:pRg st="1" end="1"/>
+                                            </p:txEl>
+                                          </p:spTgt>
+                                        </p:tgtEl>
+                                        <p:attrNameLst>
+                                          <p:attrName>style.visibility</p:attrName>
+                                        </p:attrNameLst>
+                                      </p:cBhvr>
+                                      <p:to>
+                                        <p:strVal val="visible"/>
+                                      </p:to>
+                                    </p:set>
+                                  </p:childTnLst>
+                                </p:cTn>
+                              </p:par>
+                            </p:childTnLst>
+                          </p:cTn>
+                        </p:par>
+                      </p:childTnLst>
+                    </p:cTn>
+                  </p:par>
+                  <p:par>
+                    <p:cTn id="23" fill="hold">
+                      <p:stCondLst>
+                        <p:cond delay="indefinite"/>
+                      </p:stCondLst>
+                      <p:childTnLst>
+                        <p:par>
+                          <p:cTn id="24" fill="hold">
+                            <p:stCondLst>
+                              <p:cond delay="0"/>
+                            </p:stCondLst>
+                            <p:childTnLst>
+                              <p:par>
+                                <p:cTn id="25" presetID="1" presetClass="entr" presetSubtype="0" fill="hold" nodeType="clickEffect">
+                                  <p:stCondLst>
+                                    <p:cond delay="0"/>
+                                  </p:stCondLst>
+                                  <p:childTnLst>
+                                    <p:set>
+                                      <p:cBhvr>
+                                        <p:cTn id="26" dur="1" fill="hold">
+                                          <p:stCondLst>
+                                            <p:cond delay="0"/>
+                                          </p:stCondLst>
+                                        </p:cTn>
+                                        <p:tgtEl>
+                                          <p:spTgt spid="3">
+                                            <p:txEl>
+                                              <p:pRg st="2" end="2"/>
+                                            </p:txEl>
+                                          </p:spTgt>
+                                        </p:tgtEl>
+                                        <p:attrNameLst>
+                                          <p:attrName>style.visibility</p:attrName>
+                                        </p:attrNameLst>
+                                      </p:cBhvr>
+                                      <p:to>
+                                        <p:strVal val="visible"/>
+                                      </p:to>
+                                    </p:set>
+                                  </p:childTnLst>
+                                </p:cTn>
+                              </p:par>
+                              <p:par>
+                                <p:cTn id="27" presetID="1" presetClass="emph" presetSubtype="2" fill="hold" nodeType="withEffect">
+                                  <p:stCondLst>
+                                    <p:cond delay="0"/>
+                                  </p:stCondLst>
+                                  <p:childTnLst>
+                                    <p:animClr clrSpc="rgb" dir="cw">
+                                      <p:cBhvr>
+                                        <p:cTn id="28" dur="500" fill="hold"/>
+                                        <p:tgtEl>
+                                          <p:spTgt spid="33"/>
+                                        </p:tgtEl>
+                                        <p:attrNameLst>
+                                          <p:attrName>fillcolor</p:attrName>
+                                        </p:attrNameLst>
+                                      </p:cBhvr>
+                                      <p:to>
+                                        <a:srgbClr val="2E75B5"/>
+                                      </p:to>
+                                    </p:animClr>
+                                    <p:set>
+                                      <p:cBhvr>
+                                        <p:cTn id="29" dur="500" fill="hold"/>
+                                        <p:tgtEl>
+                                          <p:spTgt spid="33"/>
+                                        </p:tgtEl>
+                                        <p:attrNameLst>
+                                          <p:attrName>fill.type</p:attrName>
+                                        </p:attrNameLst>
+                                      </p:cBhvr>
+                                      <p:to>
+                                        <p:strVal val="solid"/>
+                                      </p:to>
+                                    </p:set>
+                                    <p:set>
+                                      <p:cBhvr>
+                                        <p:cTn id="30" dur="500" fill="hold"/>
+                                        <p:tgtEl>
+                                          <p:spTgt spid="33"/>
+                                        </p:tgtEl>
+                                        <p:attrNameLst>
+                                          <p:attrName>fill.on</p:attrName>
+                                        </p:attrNameLst>
+                                      </p:cBhvr>
+                                      <p:to>
+                                        <p:strVal val="true"/>
+                                      </p:to>
+                                    </p:set>
+                                  </p:childTnLst>
+                                </p:cTn>
+                              </p:par>
+                              <p:par>
+                                <p:cTn id="31" presetID="3" presetClass="emph" presetSubtype="2" fill="hold" grpId="1" nodeType="withEffect">
+                                  <p:stCondLst>
+                                    <p:cond delay="0"/>
+                                  </p:stCondLst>
+                                  <p:childTnLst>
+                                    <p:animClr clrSpc="rgb" dir="cw">
+                                      <p:cBhvr override="childStyle">
+                                        <p:cTn id="32" dur="500" fill="hold"/>
+                                        <p:tgtEl>
+                                          <p:spTgt spid="34"/>
+                                        </p:tgtEl>
+                                        <p:attrNameLst>
+                                          <p:attrName>style.color</p:attrName>
+                                        </p:attrNameLst>
+                                      </p:cBhvr>
+                                      <p:to>
+                                        <a:srgbClr val="2E75B5"/>
+                                      </p:to>
+                                    </p:animClr>
+                                  </p:childTnLst>
+                                </p:cTn>
+                              </p:par>
+                            </p:childTnLst>
+                          </p:cTn>
+                        </p:par>
+                      </p:childTnLst>
+                    </p:cTn>
+                  </p:par>
+                  <p:par>
+                    <p:cTn id="33" fill="hold">
+                      <p:stCondLst>
+                        <p:cond delay="indefinite"/>
+                      </p:stCondLst>
+                      <p:childTnLst>
+                        <p:par>
+                          <p:cTn id="34" fill="hold">
+                            <p:stCondLst>
+                              <p:cond delay="0"/>
+                            </p:stCondLst>
+                            <p:childTnLst>
+                              <p:par>
+                                <p:cTn id="35" presetID="1" presetClass="entr" presetSubtype="0" fill="hold" nodeType="clickEffect">
+                                  <p:stCondLst>
+                                    <p:cond delay="0"/>
+                                  </p:stCondLst>
+                                  <p:childTnLst>
+                                    <p:set>
+                                      <p:cBhvr>
+                                        <p:cTn id="36" dur="1" fill="hold">
+                                          <p:stCondLst>
+                                            <p:cond delay="0"/>
+                                          </p:stCondLst>
+                                        </p:cTn>
+                                        <p:tgtEl>
+                                          <p:spTgt spid="3">
+                                            <p:txEl>
+                                              <p:pRg st="3" end="3"/>
+                                            </p:txEl>
+                                          </p:spTgt>
+                                        </p:tgtEl>
+                                        <p:attrNameLst>
+                                          <p:attrName>style.visibility</p:attrName>
+                                        </p:attrNameLst>
+                                      </p:cBhvr>
+                                      <p:to>
+                                        <p:strVal val="visible"/>
+                                      </p:to>
+                                    </p:set>
+                                  </p:childTnLst>
+                                </p:cTn>
+                              </p:par>
+                            </p:childTnLst>
+                          </p:cTn>
+                        </p:par>
+                        <p:par>
+                          <p:cTn id="37" fill="hold">
+                            <p:stCondLst>
+                              <p:cond delay="0"/>
+                            </p:stCondLst>
+                            <p:childTnLst>
+                              <p:par>
+                                <p:cTn id="38" presetID="10" presetClass="exit" presetSubtype="0" fill="hold" nodeType="afterEffect">
+                                  <p:stCondLst>
+                                    <p:cond delay="0"/>
+                                  </p:stCondLst>
+                                  <p:childTnLst>
+                                    <p:animEffect transition="out" filter="fade">
+                                      <p:cBhvr>
+                                        <p:cTn id="39" dur="1000"/>
+                                        <p:tgtEl>
+                                          <p:spTgt spid="45"/>
+                                        </p:tgtEl>
+                                      </p:cBhvr>
+                                    </p:animEffect>
+                                    <p:set>
+                                      <p:cBhvr>
+                                        <p:cTn id="40" dur="1" fill="hold">
+                                          <p:stCondLst>
+                                            <p:cond delay="999"/>
+                                          </p:stCondLst>
+                                        </p:cTn>
+                                        <p:tgtEl>
+                                          <p:spTgt spid="45"/>
+                                        </p:tgtEl>
+                                        <p:attrNameLst>
+                                          <p:attrName>style.visibility</p:attrName>
+                                        </p:attrNameLst>
+                                      </p:cBhvr>
+                                      <p:to>
+                                        <p:strVal val="hidden"/>
+                                      </p:to>
+                                    </p:set>
+                                  </p:childTnLst>
+                                </p:cTn>
+                              </p:par>
+                              <p:par>
+                                <p:cTn id="41" presetID="10" presetClass="entr" presetSubtype="0" fill="hold" nodeType="withEffect">
+                                  <p:stCondLst>
+                                    <p:cond delay="500"/>
+                                  </p:stCondLst>
+                                  <p:childTnLst>
+                                    <p:set>
+                                      <p:cBhvr>
+                                        <p:cTn id="42" dur="1" fill="hold">
+                                          <p:stCondLst>
+                                            <p:cond delay="0"/>
+                                          </p:stCondLst>
+                                        </p:cTn>
+                                        <p:tgtEl>
+                                          <p:spTgt spid="50"/>
+                                        </p:tgtEl>
+                                        <p:attrNameLst>
+                                          <p:attrName>style.visibility</p:attrName>
+                                        </p:attrNameLst>
+                                      </p:cBhvr>
+                                      <p:to>
+                                        <p:strVal val="visible"/>
+                                      </p:to>
+                                    </p:set>
+                                    <p:animEffect transition="in" filter="fade">
+                                      <p:cBhvr>
+                                        <p:cTn id="43" dur="1500"/>
+                                        <p:tgtEl>
+                                          <p:spTgt spid="50"/>
+                                        </p:tgtEl>
+                                      </p:cBhvr>
+                                    </p:animEffect>
+                                  </p:childTnLst>
+                                </p:cTn>
+                              </p:par>
+                            </p:childTnLst>
+                          </p:cTn>
+                        </p:par>
+                      </p:childTnLst>
+                    </p:cTn>
+                  </p:par>
+                </p:childTnLst>
+              </p:cTn>
+              <p:prevCondLst>
+                <p:cond evt="onPrev" delay="0">
+                  <p:tgtEl>
+                    <p:sldTgt/>
+                  </p:tgtEl>
+                </p:cond>
+              </p:prevCondLst>
+              <p:nextCondLst>
+                <p:cond evt="onNext" delay="0">
+                  <p:tgtEl>
+                    <p:sldTgt/>
+                  </p:tgtEl>
+                </p:cond>
+              </p:nextCondLst>
+            </p:seq>
+          </p:childTnLst>
+        </p:cTn>
       </p:par>
     </p:tnLst>
+    <p:bldLst>
+      <p:bldP spid="33" grpId="1" animBg="1"/>
+      <p:bldP spid="34" grpId="1"/>
+      <p:bldP spid="34" grpId="2"/>
+    </p:bldLst>
   </p:timing>
 </p:sld>
 </file>

--- a/Präsentation43.pptx
+++ b/Präsentation43.pptx
@@ -15,14 +15,15 @@
     <p:sldId id="267" r:id="rId9"/>
     <p:sldId id="274" r:id="rId10"/>
     <p:sldId id="262" r:id="rId11"/>
-    <p:sldId id="269" r:id="rId12"/>
-    <p:sldId id="263" r:id="rId13"/>
-    <p:sldId id="270" r:id="rId14"/>
-    <p:sldId id="271" r:id="rId15"/>
-    <p:sldId id="264" r:id="rId16"/>
-    <p:sldId id="272" r:id="rId17"/>
-    <p:sldId id="265" r:id="rId18"/>
-    <p:sldId id="273" r:id="rId19"/>
+    <p:sldId id="275" r:id="rId12"/>
+    <p:sldId id="269" r:id="rId13"/>
+    <p:sldId id="263" r:id="rId14"/>
+    <p:sldId id="270" r:id="rId15"/>
+    <p:sldId id="271" r:id="rId16"/>
+    <p:sldId id="264" r:id="rId17"/>
+    <p:sldId id="272" r:id="rId18"/>
+    <p:sldId id="265" r:id="rId19"/>
+    <p:sldId id="273" r:id="rId20"/>
   </p:sldIdLst>
   <p:sldSz cx="9144000" cy="6858000" type="screen4x3"/>
   <p:notesSz cx="6858000" cy="9144000"/>
@@ -147,6 +148,7 @@
         <p14:section name="II - Lower Bounds" id="{8FF7A1A5-678F-48DA-B9D2-792DF24AF142}">
           <p14:sldIdLst>
             <p14:sldId id="262"/>
+            <p14:sldId id="275"/>
             <p14:sldId id="269"/>
           </p14:sldIdLst>
         </p14:section>
@@ -3119,6 +3121,4128 @@
           <a:chExt cx="0" cy="0"/>
         </a:xfrm>
       </p:grpSpPr>
+      <p:cxnSp>
+        <p:nvCxnSpPr>
+          <p:cNvPr id="77" name="Gerader Verbinder 76"/>
+          <p:cNvCxnSpPr>
+            <a:endCxn id="74" idx="1"/>
+          </p:cNvCxnSpPr>
+          <p:nvPr/>
+        </p:nvCxnSpPr>
+        <p:spPr>
+          <a:xfrm>
+            <a:off x="7614787" y="1912371"/>
+            <a:ext cx="1080896" cy="564080"/>
+          </a:xfrm>
+          <a:prstGeom prst="line">
+            <a:avLst/>
+          </a:prstGeom>
+          <a:ln w="28575">
+            <a:solidFill>
+              <a:srgbClr val="006600"/>
+            </a:solidFill>
+          </a:ln>
+        </p:spPr>
+        <p:style>
+          <a:lnRef idx="1">
+            <a:schemeClr val="accent1"/>
+          </a:lnRef>
+          <a:fillRef idx="0">
+            <a:schemeClr val="accent1"/>
+          </a:fillRef>
+          <a:effectRef idx="0">
+            <a:schemeClr val="accent1"/>
+          </a:effectRef>
+          <a:fontRef idx="minor">
+            <a:schemeClr val="tx1"/>
+          </a:fontRef>
+        </p:style>
+      </p:cxnSp>
+      <p:cxnSp>
+        <p:nvCxnSpPr>
+          <p:cNvPr id="61" name="Gerader Verbinder 60"/>
+          <p:cNvCxnSpPr>
+            <a:stCxn id="57" idx="3"/>
+            <a:endCxn id="63" idx="1"/>
+          </p:cNvCxnSpPr>
+          <p:nvPr/>
+        </p:nvCxnSpPr>
+        <p:spPr>
+          <a:xfrm>
+            <a:off x="4038598" y="2536030"/>
+            <a:ext cx="1417838" cy="608423"/>
+          </a:xfrm>
+          <a:prstGeom prst="line">
+            <a:avLst/>
+          </a:prstGeom>
+          <a:ln w="28575">
+            <a:solidFill>
+              <a:srgbClr val="006600"/>
+            </a:solidFill>
+          </a:ln>
+        </p:spPr>
+        <p:style>
+          <a:lnRef idx="1">
+            <a:schemeClr val="accent1"/>
+          </a:lnRef>
+          <a:fillRef idx="0">
+            <a:schemeClr val="accent1"/>
+          </a:fillRef>
+          <a:effectRef idx="0">
+            <a:schemeClr val="accent1"/>
+          </a:effectRef>
+          <a:fontRef idx="minor">
+            <a:schemeClr val="tx1"/>
+          </a:fontRef>
+        </p:style>
+      </p:cxnSp>
+      <p:sp>
+        <p:nvSpPr>
+          <p:cNvPr id="57" name="Freihandform 56"/>
+          <p:cNvSpPr/>
+          <p:nvPr/>
+        </p:nvSpPr>
+        <p:spPr>
+          <a:xfrm>
+            <a:off x="3905156" y="1915160"/>
+            <a:ext cx="729215" cy="620870"/>
+          </a:xfrm>
+          <a:custGeom>
+            <a:avLst/>
+            <a:gdLst>
+              <a:gd name="connsiteX0" fmla="*/ 433647 w 709380"/>
+              <a:gd name="connsiteY0" fmla="*/ 0 h 909320"/>
+              <a:gd name="connsiteX1" fmla="*/ 692727 w 709380"/>
+              <a:gd name="connsiteY1" fmla="*/ 259080 h 909320"/>
+              <a:gd name="connsiteX2" fmla="*/ 12007 w 709380"/>
+              <a:gd name="connsiteY2" fmla="*/ 523240 h 909320"/>
+              <a:gd name="connsiteX3" fmla="*/ 240607 w 709380"/>
+              <a:gd name="connsiteY3" fmla="*/ 909320 h 909320"/>
+              <a:gd name="connsiteX4" fmla="*/ 240607 w 709380"/>
+              <a:gd name="connsiteY4" fmla="*/ 909320 h 909320"/>
+              <a:gd name="connsiteX0" fmla="*/ 433658 w 709391"/>
+              <a:gd name="connsiteY0" fmla="*/ 0 h 1046903"/>
+              <a:gd name="connsiteX1" fmla="*/ 692738 w 709391"/>
+              <a:gd name="connsiteY1" fmla="*/ 259080 h 1046903"/>
+              <a:gd name="connsiteX2" fmla="*/ 12018 w 709391"/>
+              <a:gd name="connsiteY2" fmla="*/ 523240 h 1046903"/>
+              <a:gd name="connsiteX3" fmla="*/ 240618 w 709391"/>
+              <a:gd name="connsiteY3" fmla="*/ 909320 h 1046903"/>
+              <a:gd name="connsiteX4" fmla="*/ 14135 w 709391"/>
+              <a:gd name="connsiteY4" fmla="*/ 1046903 h 1046903"/>
+              <a:gd name="connsiteX0" fmla="*/ 433658 w 709391"/>
+              <a:gd name="connsiteY0" fmla="*/ 0 h 909320"/>
+              <a:gd name="connsiteX1" fmla="*/ 692738 w 709391"/>
+              <a:gd name="connsiteY1" fmla="*/ 259080 h 909320"/>
+              <a:gd name="connsiteX2" fmla="*/ 12018 w 709391"/>
+              <a:gd name="connsiteY2" fmla="*/ 523240 h 909320"/>
+              <a:gd name="connsiteX3" fmla="*/ 240618 w 709391"/>
+              <a:gd name="connsiteY3" fmla="*/ 909320 h 909320"/>
+              <a:gd name="connsiteX0" fmla="*/ 452291 w 728024"/>
+              <a:gd name="connsiteY0" fmla="*/ 0 h 909320"/>
+              <a:gd name="connsiteX1" fmla="*/ 711371 w 728024"/>
+              <a:gd name="connsiteY1" fmla="*/ 259080 h 909320"/>
+              <a:gd name="connsiteX2" fmla="*/ 30651 w 728024"/>
+              <a:gd name="connsiteY2" fmla="*/ 523240 h 909320"/>
+              <a:gd name="connsiteX3" fmla="*/ 108968 w 728024"/>
+              <a:gd name="connsiteY3" fmla="*/ 909320 h 909320"/>
+              <a:gd name="connsiteX0" fmla="*/ 448181 w 723914"/>
+              <a:gd name="connsiteY0" fmla="*/ 0 h 915670"/>
+              <a:gd name="connsiteX1" fmla="*/ 707261 w 723914"/>
+              <a:gd name="connsiteY1" fmla="*/ 259080 h 915670"/>
+              <a:gd name="connsiteX2" fmla="*/ 26541 w 723914"/>
+              <a:gd name="connsiteY2" fmla="*/ 523240 h 915670"/>
+              <a:gd name="connsiteX3" fmla="*/ 128141 w 723914"/>
+              <a:gd name="connsiteY3" fmla="*/ 915670 h 915670"/>
+              <a:gd name="connsiteX0" fmla="*/ 453482 w 729215"/>
+              <a:gd name="connsiteY0" fmla="*/ 0 h 915670"/>
+              <a:gd name="connsiteX1" fmla="*/ 712562 w 729215"/>
+              <a:gd name="connsiteY1" fmla="*/ 259080 h 915670"/>
+              <a:gd name="connsiteX2" fmla="*/ 31842 w 729215"/>
+              <a:gd name="connsiteY2" fmla="*/ 523240 h 915670"/>
+              <a:gd name="connsiteX3" fmla="*/ 133442 w 729215"/>
+              <a:gd name="connsiteY3" fmla="*/ 915670 h 915670"/>
+            </a:gdLst>
+            <a:ahLst/>
+            <a:cxnLst>
+              <a:cxn ang="0">
+                <a:pos x="connsiteX0" y="connsiteY0"/>
+              </a:cxn>
+              <a:cxn ang="0">
+                <a:pos x="connsiteX1" y="connsiteY1"/>
+              </a:cxn>
+              <a:cxn ang="0">
+                <a:pos x="connsiteX2" y="connsiteY2"/>
+              </a:cxn>
+              <a:cxn ang="0">
+                <a:pos x="connsiteX3" y="connsiteY3"/>
+              </a:cxn>
+            </a:cxnLst>
+            <a:rect l="l" t="t" r="r" b="b"/>
+            <a:pathLst>
+              <a:path w="729215" h="915670">
+                <a:moveTo>
+                  <a:pt x="453482" y="0"/>
+                </a:moveTo>
+                <a:cubicBezTo>
+                  <a:pt x="618158" y="85936"/>
+                  <a:pt x="782835" y="171873"/>
+                  <a:pt x="712562" y="259080"/>
+                </a:cubicBezTo>
+                <a:cubicBezTo>
+                  <a:pt x="642289" y="346287"/>
+                  <a:pt x="128362" y="413808"/>
+                  <a:pt x="31842" y="523240"/>
+                </a:cubicBezTo>
+                <a:cubicBezTo>
+                  <a:pt x="-64678" y="632672"/>
+                  <a:pt x="84406" y="836859"/>
+                  <a:pt x="133442" y="915670"/>
+                </a:cubicBezTo>
+              </a:path>
+            </a:pathLst>
+          </a:custGeom>
+          <a:noFill/>
+          <a:ln w="28575">
+            <a:solidFill>
+              <a:srgbClr val="006600"/>
+            </a:solidFill>
+            <a:prstDash val="solid"/>
+          </a:ln>
+        </p:spPr>
+        <p:style>
+          <a:lnRef idx="2">
+            <a:schemeClr val="accent1">
+              <a:shade val="50000"/>
+            </a:schemeClr>
+          </a:lnRef>
+          <a:fillRef idx="1">
+            <a:schemeClr val="accent1"/>
+          </a:fillRef>
+          <a:effectRef idx="0">
+            <a:schemeClr val="accent1"/>
+          </a:effectRef>
+          <a:fontRef idx="minor">
+            <a:schemeClr val="lt1"/>
+          </a:fontRef>
+        </p:style>
+        <p:txBody>
+          <a:bodyPr rtlCol="0" anchor="ctr"/>
+          <a:lstStyle/>
+          <a:p>
+            <a:pPr algn="ctr"/>
+            <a:endParaRPr lang="en-GB"/>
+          </a:p>
+        </p:txBody>
+      </p:sp>
+      <p:sp>
+        <p:nvSpPr>
+          <p:cNvPr id="2" name="Titel 1"/>
+          <p:cNvSpPr>
+            <a:spLocks noGrp="1"/>
+          </p:cNvSpPr>
+          <p:nvPr>
+            <p:ph type="title"/>
+          </p:nvPr>
+        </p:nvSpPr>
+        <p:spPr/>
+        <p:txBody>
+          <a:bodyPr/>
+          <a:lstStyle/>
+          <a:p>
+            <a:r>
+              <a:rPr lang="en-GB" dirty="0" smtClean="0"/>
+              <a:t>Lower Bound for </a:t>
+            </a:r>
+            <a:r>
+              <a:rPr lang="en-GB" dirty="0" smtClean="0"/>
+              <a:t>H-OLTSP</a:t>
+            </a:r>
+            <a:endParaRPr lang="en-GB" dirty="0"/>
+          </a:p>
+        </p:txBody>
+      </p:sp>
+      <mc:AlternateContent xmlns:mc="http://schemas.openxmlformats.org/markup-compatibility/2006">
+        <mc:Choice xmlns:a14="http://schemas.microsoft.com/office/drawing/2010/main" Requires="a14">
+          <p:sp>
+            <p:nvSpPr>
+              <p:cNvPr id="3" name="Textfeld 2"/>
+              <p:cNvSpPr txBox="1"/>
+              <p:nvPr/>
+            </p:nvSpPr>
+            <p:spPr>
+              <a:xfrm>
+                <a:off x="118608" y="4681195"/>
+                <a:ext cx="8810938" cy="523220"/>
+              </a:xfrm>
+              <a:prstGeom prst="rect">
+                <a:avLst/>
+              </a:prstGeom>
+              <a:noFill/>
+            </p:spPr>
+            <p:txBody>
+              <a:bodyPr wrap="none" rtlCol="0">
+                <a:spAutoFit/>
+              </a:bodyPr>
+              <a:lstStyle/>
+              <a:p>
+                <a:r>
+                  <a:rPr lang="en-GB" sz="2800" cap="small" dirty="0" smtClean="0">
+                    <a:effectLst>
+                      <a:outerShdw blurRad="38100" dist="38100" dir="2700000" algn="tl">
+                        <a:srgbClr val="000000">
+                          <a:alpha val="43137"/>
+                        </a:srgbClr>
+                      </a:outerShdw>
+                    </a:effectLst>
+                  </a:rPr>
+                  <a:t>Theorem:</a:t>
+                </a:r>
+                <a:r>
+                  <a:rPr lang="en-GB" sz="2800" cap="small" dirty="0" smtClean="0"/>
+                  <a:t> 	</a:t>
+                </a:r>
+                <a:r>
+                  <a:rPr lang="en-GB" sz="2800" dirty="0" smtClean="0"/>
+                  <a:t>Any </a:t>
+                </a:r>
+                <a14:m>
+                  <m:oMath xmlns:m="http://schemas.openxmlformats.org/officeDocument/2006/math">
+                    <m:r>
+                      <a:rPr lang="de-DE" sz="2800" b="0" i="1" smtClean="0">
+                        <a:latin typeface="Cambria Math" panose="02040503050406030204" pitchFamily="18" charset="0"/>
+                      </a:rPr>
+                      <m:t>𝜌</m:t>
+                    </m:r>
+                  </m:oMath>
+                </a14:m>
+                <a:r>
+                  <a:rPr lang="en-GB" sz="2800" dirty="0" smtClean="0"/>
+                  <a:t>-competitive ALG for N-OLTSP has </a:t>
+                </a:r>
+                <a14:m>
+                  <m:oMath xmlns:m="http://schemas.openxmlformats.org/officeDocument/2006/math">
+                    <m:r>
+                      <a:rPr lang="de-DE" sz="2800" i="1">
+                        <a:latin typeface="Cambria Math" panose="02040503050406030204" pitchFamily="18" charset="0"/>
+                      </a:rPr>
+                      <m:t>𝜌</m:t>
+                    </m:r>
+                    <m:r>
+                      <a:rPr lang="de-DE" sz="2800" b="0" i="1" smtClean="0">
+                        <a:latin typeface="Cambria Math" panose="02040503050406030204" pitchFamily="18" charset="0"/>
+                      </a:rPr>
+                      <m:t>≥2.</m:t>
+                    </m:r>
+                  </m:oMath>
+                </a14:m>
+                <a:r>
+                  <a:rPr lang="en-GB" sz="2800" dirty="0" smtClean="0"/>
+                  <a:t> </a:t>
+                </a:r>
+                <a:endParaRPr lang="en-GB" sz="2800" dirty="0"/>
+              </a:p>
+            </p:txBody>
+          </p:sp>
+        </mc:Choice>
+        <mc:Fallback>
+          <p:sp>
+            <p:nvSpPr>
+              <p:cNvPr id="3" name="Textfeld 2"/>
+              <p:cNvSpPr txBox="1">
+                <a:spLocks noRot="1" noChangeAspect="1" noMove="1" noResize="1" noEditPoints="1" noAdjustHandles="1" noChangeArrowheads="1" noChangeShapeType="1" noTextEdit="1"/>
+              </p:cNvSpPr>
+              <p:nvPr/>
+            </p:nvSpPr>
+            <p:spPr>
+              <a:xfrm>
+                <a:off x="118608" y="4681195"/>
+                <a:ext cx="8810938" cy="523220"/>
+              </a:xfrm>
+              <a:prstGeom prst="rect">
+                <a:avLst/>
+              </a:prstGeom>
+              <a:blipFill rotWithShape="0">
+                <a:blip r:embed="rId2"/>
+                <a:stretch>
+                  <a:fillRect l="-1452" t="-12791" b="-38372"/>
+                </a:stretch>
+              </a:blipFill>
+            </p:spPr>
+            <p:txBody>
+              <a:bodyPr/>
+              <a:lstStyle/>
+              <a:p>
+                <a:r>
+                  <a:rPr lang="en-GB">
+                    <a:noFill/>
+                  </a:rPr>
+                  <a:t> </a:t>
+                </a:r>
+              </a:p>
+            </p:txBody>
+          </p:sp>
+        </mc:Fallback>
+      </mc:AlternateContent>
+      <p:sp>
+        <p:nvSpPr>
+          <p:cNvPr id="9" name="Textfeld 8"/>
+          <p:cNvSpPr txBox="1"/>
+          <p:nvPr/>
+        </p:nvSpPr>
+        <p:spPr>
+          <a:xfrm>
+            <a:off x="118608" y="895547"/>
+            <a:ext cx="2134752" cy="523220"/>
+          </a:xfrm>
+          <a:prstGeom prst="rect">
+            <a:avLst/>
+          </a:prstGeom>
+          <a:noFill/>
+        </p:spPr>
+        <p:txBody>
+          <a:bodyPr wrap="none" rtlCol="0">
+            <a:spAutoFit/>
+          </a:bodyPr>
+          <a:lstStyle/>
+          <a:p>
+            <a:r>
+              <a:rPr lang="en-GB" sz="2800" dirty="0" smtClean="0"/>
+              <a:t>time, request</a:t>
+            </a:r>
+            <a:endParaRPr lang="en-GB" sz="2800" dirty="0"/>
+          </a:p>
+        </p:txBody>
+      </p:sp>
+      <p:sp>
+        <p:nvSpPr>
+          <p:cNvPr id="10" name="Textfeld 9"/>
+          <p:cNvSpPr txBox="1"/>
+          <p:nvPr/>
+        </p:nvSpPr>
+        <p:spPr>
+          <a:xfrm>
+            <a:off x="3460996" y="895547"/>
+            <a:ext cx="1829090" cy="523220"/>
+          </a:xfrm>
+          <a:prstGeom prst="rect">
+            <a:avLst/>
+          </a:prstGeom>
+          <a:noFill/>
+        </p:spPr>
+        <p:txBody>
+          <a:bodyPr wrap="none" rtlCol="0">
+            <a:spAutoFit/>
+          </a:bodyPr>
+          <a:lstStyle/>
+          <a:p>
+            <a:r>
+              <a:rPr lang="en-GB" sz="2800" dirty="0" smtClean="0"/>
+              <a:t>Online-ALG</a:t>
+            </a:r>
+            <a:endParaRPr lang="en-GB" sz="2800" dirty="0"/>
+          </a:p>
+        </p:txBody>
+      </p:sp>
+      <p:sp>
+        <p:nvSpPr>
+          <p:cNvPr id="11" name="Textfeld 10"/>
+          <p:cNvSpPr txBox="1"/>
+          <p:nvPr/>
+        </p:nvSpPr>
+        <p:spPr>
+          <a:xfrm>
+            <a:off x="6662549" y="895547"/>
+            <a:ext cx="1854418" cy="523220"/>
+          </a:xfrm>
+          <a:prstGeom prst="rect">
+            <a:avLst/>
+          </a:prstGeom>
+          <a:noFill/>
+        </p:spPr>
+        <p:txBody>
+          <a:bodyPr wrap="none" rtlCol="0">
+            <a:spAutoFit/>
+          </a:bodyPr>
+          <a:lstStyle/>
+          <a:p>
+            <a:r>
+              <a:rPr lang="en-GB" sz="2800" dirty="0" smtClean="0"/>
+              <a:t>Offline-ALG</a:t>
+            </a:r>
+            <a:endParaRPr lang="en-GB" sz="2800" dirty="0"/>
+          </a:p>
+        </p:txBody>
+      </p:sp>
+      <p:grpSp>
+        <p:nvGrpSpPr>
+          <p:cNvPr id="23" name="Gruppieren 22"/>
+          <p:cNvGrpSpPr/>
+          <p:nvPr/>
+        </p:nvGrpSpPr>
+        <p:grpSpPr>
+          <a:xfrm>
+            <a:off x="3035754" y="1805792"/>
+            <a:ext cx="2679575" cy="196850"/>
+            <a:chOff x="3035754" y="1805792"/>
+            <a:chExt cx="2679575" cy="196850"/>
+          </a:xfrm>
+        </p:grpSpPr>
+        <p:cxnSp>
+          <p:nvCxnSpPr>
+            <p:cNvPr id="15" name="Gerader Verbinder 14"/>
+            <p:cNvCxnSpPr/>
+            <p:nvPr/>
+          </p:nvCxnSpPr>
+          <p:spPr>
+            <a:xfrm>
+              <a:off x="3035754" y="1904217"/>
+              <a:ext cx="2679575" cy="0"/>
+            </a:xfrm>
+            <a:prstGeom prst="line">
+              <a:avLst/>
+            </a:prstGeom>
+            <a:ln w="38100">
+              <a:solidFill>
+                <a:schemeClr val="tx1"/>
+              </a:solidFill>
+            </a:ln>
+          </p:spPr>
+          <p:style>
+            <a:lnRef idx="1">
+              <a:schemeClr val="accent1"/>
+            </a:lnRef>
+            <a:fillRef idx="0">
+              <a:schemeClr val="accent1"/>
+            </a:fillRef>
+            <a:effectRef idx="0">
+              <a:schemeClr val="accent1"/>
+            </a:effectRef>
+            <a:fontRef idx="minor">
+              <a:schemeClr val="tx1"/>
+            </a:fontRef>
+          </p:style>
+        </p:cxnSp>
+        <p:cxnSp>
+          <p:nvCxnSpPr>
+            <p:cNvPr id="17" name="Gerader Verbinder 16"/>
+            <p:cNvCxnSpPr/>
+            <p:nvPr/>
+          </p:nvCxnSpPr>
+          <p:spPr>
+            <a:xfrm>
+              <a:off x="3203575" y="1805792"/>
+              <a:ext cx="0" cy="196850"/>
+            </a:xfrm>
+            <a:prstGeom prst="line">
+              <a:avLst/>
+            </a:prstGeom>
+            <a:ln w="38100">
+              <a:solidFill>
+                <a:schemeClr val="tx1"/>
+              </a:solidFill>
+            </a:ln>
+          </p:spPr>
+          <p:style>
+            <a:lnRef idx="1">
+              <a:schemeClr val="accent1"/>
+            </a:lnRef>
+            <a:fillRef idx="0">
+              <a:schemeClr val="accent1"/>
+            </a:fillRef>
+            <a:effectRef idx="0">
+              <a:schemeClr val="accent1"/>
+            </a:effectRef>
+            <a:fontRef idx="minor">
+              <a:schemeClr val="tx1"/>
+            </a:fontRef>
+          </p:style>
+        </p:cxnSp>
+        <p:cxnSp>
+          <p:nvCxnSpPr>
+            <p:cNvPr id="18" name="Gerader Verbinder 17"/>
+            <p:cNvCxnSpPr/>
+            <p:nvPr/>
+          </p:nvCxnSpPr>
+          <p:spPr>
+            <a:xfrm>
+              <a:off x="5508625" y="1805792"/>
+              <a:ext cx="0" cy="196850"/>
+            </a:xfrm>
+            <a:prstGeom prst="line">
+              <a:avLst/>
+            </a:prstGeom>
+            <a:ln w="38100">
+              <a:solidFill>
+                <a:schemeClr val="tx1"/>
+              </a:solidFill>
+            </a:ln>
+          </p:spPr>
+          <p:style>
+            <a:lnRef idx="1">
+              <a:schemeClr val="accent1"/>
+            </a:lnRef>
+            <a:fillRef idx="0">
+              <a:schemeClr val="accent1"/>
+            </a:fillRef>
+            <a:effectRef idx="0">
+              <a:schemeClr val="accent1"/>
+            </a:effectRef>
+            <a:fontRef idx="minor">
+              <a:schemeClr val="tx1"/>
+            </a:fontRef>
+          </p:style>
+        </p:cxnSp>
+        <p:cxnSp>
+          <p:nvCxnSpPr>
+            <p:cNvPr id="19" name="Gerader Verbinder 18"/>
+            <p:cNvCxnSpPr/>
+            <p:nvPr/>
+          </p:nvCxnSpPr>
+          <p:spPr>
+            <a:xfrm>
+              <a:off x="4349750" y="1805792"/>
+              <a:ext cx="0" cy="196850"/>
+            </a:xfrm>
+            <a:prstGeom prst="line">
+              <a:avLst/>
+            </a:prstGeom>
+            <a:ln w="38100">
+              <a:solidFill>
+                <a:schemeClr val="tx1"/>
+              </a:solidFill>
+            </a:ln>
+          </p:spPr>
+          <p:style>
+            <a:lnRef idx="1">
+              <a:schemeClr val="accent1"/>
+            </a:lnRef>
+            <a:fillRef idx="0">
+              <a:schemeClr val="accent1"/>
+            </a:fillRef>
+            <a:effectRef idx="0">
+              <a:schemeClr val="accent1"/>
+            </a:effectRef>
+            <a:fontRef idx="minor">
+              <a:schemeClr val="tx1"/>
+            </a:fontRef>
+          </p:style>
+        </p:cxnSp>
+      </p:grpSp>
+      <mc:AlternateContent xmlns:mc="http://schemas.openxmlformats.org/markup-compatibility/2006">
+        <mc:Choice xmlns:a14="http://schemas.microsoft.com/office/drawing/2010/main" Requires="a14">
+          <p:sp>
+            <p:nvSpPr>
+              <p:cNvPr id="20" name="Textfeld 19"/>
+              <p:cNvSpPr txBox="1"/>
+              <p:nvPr/>
+            </p:nvSpPr>
+            <p:spPr>
+              <a:xfrm>
+                <a:off x="4166847" y="1485673"/>
+                <a:ext cx="365806" cy="369332"/>
+              </a:xfrm>
+              <a:prstGeom prst="rect">
+                <a:avLst/>
+              </a:prstGeom>
+              <a:noFill/>
+            </p:spPr>
+            <p:txBody>
+              <a:bodyPr wrap="none" rtlCol="0">
+                <a:spAutoFit/>
+              </a:bodyPr>
+              <a:lstStyle/>
+              <a:p>
+                <a:pPr/>
+                <a14:m>
+                  <m:oMathPara xmlns:m="http://schemas.openxmlformats.org/officeDocument/2006/math">
+                    <m:oMathParaPr>
+                      <m:jc m:val="center"/>
+                    </m:oMathParaPr>
+                    <m:oMath xmlns:m="http://schemas.openxmlformats.org/officeDocument/2006/math">
+                      <m:r>
+                        <a:rPr lang="en-GB" i="1" dirty="0" smtClean="0">
+                          <a:latin typeface="Cambria Math" panose="02040503050406030204" pitchFamily="18" charset="0"/>
+                        </a:rPr>
+                        <m:t>0</m:t>
+                      </m:r>
+                    </m:oMath>
+                  </m:oMathPara>
+                </a14:m>
+                <a:endParaRPr lang="en-GB" dirty="0"/>
+              </a:p>
+            </p:txBody>
+          </p:sp>
+        </mc:Choice>
+        <mc:Fallback>
+          <p:sp>
+            <p:nvSpPr>
+              <p:cNvPr id="20" name="Textfeld 19"/>
+              <p:cNvSpPr txBox="1">
+                <a:spLocks noRot="1" noChangeAspect="1" noMove="1" noResize="1" noEditPoints="1" noAdjustHandles="1" noChangeArrowheads="1" noChangeShapeType="1" noTextEdit="1"/>
+              </p:cNvSpPr>
+              <p:nvPr/>
+            </p:nvSpPr>
+            <p:spPr>
+              <a:xfrm>
+                <a:off x="4166847" y="1485673"/>
+                <a:ext cx="365806" cy="369332"/>
+              </a:xfrm>
+              <a:prstGeom prst="rect">
+                <a:avLst/>
+              </a:prstGeom>
+              <a:blipFill rotWithShape="0">
+                <a:blip r:embed="rId3"/>
+                <a:stretch>
+                  <a:fillRect/>
+                </a:stretch>
+              </a:blipFill>
+            </p:spPr>
+            <p:txBody>
+              <a:bodyPr/>
+              <a:lstStyle/>
+              <a:p>
+                <a:r>
+                  <a:rPr lang="en-GB">
+                    <a:noFill/>
+                  </a:rPr>
+                  <a:t> </a:t>
+                </a:r>
+              </a:p>
+            </p:txBody>
+          </p:sp>
+        </mc:Fallback>
+      </mc:AlternateContent>
+      <mc:AlternateContent xmlns:mc="http://schemas.openxmlformats.org/markup-compatibility/2006">
+        <mc:Choice xmlns:a14="http://schemas.microsoft.com/office/drawing/2010/main" Requires="a14">
+          <p:sp>
+            <p:nvSpPr>
+              <p:cNvPr id="21" name="Textfeld 20"/>
+              <p:cNvSpPr txBox="1"/>
+              <p:nvPr/>
+            </p:nvSpPr>
+            <p:spPr>
+              <a:xfrm>
+                <a:off x="2934110" y="1485673"/>
+                <a:ext cx="538930" cy="369332"/>
+              </a:xfrm>
+              <a:prstGeom prst="rect">
+                <a:avLst/>
+              </a:prstGeom>
+              <a:noFill/>
+            </p:spPr>
+            <p:txBody>
+              <a:bodyPr wrap="none" rtlCol="0">
+                <a:spAutoFit/>
+              </a:bodyPr>
+              <a:lstStyle/>
+              <a:p>
+                <a:pPr/>
+                <a14:m>
+                  <m:oMathPara xmlns:m="http://schemas.openxmlformats.org/officeDocument/2006/math">
+                    <m:oMathParaPr>
+                      <m:jc m:val="center"/>
+                    </m:oMathParaPr>
+                    <m:oMath xmlns:m="http://schemas.openxmlformats.org/officeDocument/2006/math">
+                      <m:r>
+                        <a:rPr lang="de-DE" b="0" i="1" dirty="0" smtClean="0">
+                          <a:latin typeface="Cambria Math" panose="02040503050406030204" pitchFamily="18" charset="0"/>
+                        </a:rPr>
+                        <m:t>−1</m:t>
+                      </m:r>
+                    </m:oMath>
+                  </m:oMathPara>
+                </a14:m>
+                <a:endParaRPr lang="en-GB" dirty="0"/>
+              </a:p>
+            </p:txBody>
+          </p:sp>
+        </mc:Choice>
+        <mc:Fallback>
+          <p:sp>
+            <p:nvSpPr>
+              <p:cNvPr id="21" name="Textfeld 20"/>
+              <p:cNvSpPr txBox="1">
+                <a:spLocks noRot="1" noChangeAspect="1" noMove="1" noResize="1" noEditPoints="1" noAdjustHandles="1" noChangeArrowheads="1" noChangeShapeType="1" noTextEdit="1"/>
+              </p:cNvSpPr>
+              <p:nvPr/>
+            </p:nvSpPr>
+            <p:spPr>
+              <a:xfrm>
+                <a:off x="2934110" y="1485673"/>
+                <a:ext cx="538930" cy="369332"/>
+              </a:xfrm>
+              <a:prstGeom prst="rect">
+                <a:avLst/>
+              </a:prstGeom>
+              <a:blipFill rotWithShape="0">
+                <a:blip r:embed="rId4"/>
+                <a:stretch>
+                  <a:fillRect/>
+                </a:stretch>
+              </a:blipFill>
+            </p:spPr>
+            <p:txBody>
+              <a:bodyPr/>
+              <a:lstStyle/>
+              <a:p>
+                <a:r>
+                  <a:rPr lang="en-GB">
+                    <a:noFill/>
+                  </a:rPr>
+                  <a:t> </a:t>
+                </a:r>
+              </a:p>
+            </p:txBody>
+          </p:sp>
+        </mc:Fallback>
+      </mc:AlternateContent>
+      <mc:AlternateContent xmlns:mc="http://schemas.openxmlformats.org/markup-compatibility/2006">
+        <mc:Choice xmlns:a14="http://schemas.microsoft.com/office/drawing/2010/main" Requires="a14">
+          <p:sp>
+            <p:nvSpPr>
+              <p:cNvPr id="22" name="Textfeld 21"/>
+              <p:cNvSpPr txBox="1"/>
+              <p:nvPr/>
+            </p:nvSpPr>
+            <p:spPr>
+              <a:xfrm>
+                <a:off x="5325722" y="1485673"/>
+                <a:ext cx="365806" cy="369332"/>
+              </a:xfrm>
+              <a:prstGeom prst="rect">
+                <a:avLst/>
+              </a:prstGeom>
+              <a:noFill/>
+            </p:spPr>
+            <p:txBody>
+              <a:bodyPr wrap="none" rtlCol="0">
+                <a:spAutoFit/>
+              </a:bodyPr>
+              <a:lstStyle/>
+              <a:p>
+                <a:pPr/>
+                <a14:m>
+                  <m:oMathPara xmlns:m="http://schemas.openxmlformats.org/officeDocument/2006/math">
+                    <m:oMathParaPr>
+                      <m:jc m:val="center"/>
+                    </m:oMathParaPr>
+                    <m:oMath xmlns:m="http://schemas.openxmlformats.org/officeDocument/2006/math">
+                      <m:r>
+                        <a:rPr lang="de-DE" b="0" i="1" dirty="0" smtClean="0">
+                          <a:latin typeface="Cambria Math" panose="02040503050406030204" pitchFamily="18" charset="0"/>
+                        </a:rPr>
+                        <m:t>1</m:t>
+                      </m:r>
+                    </m:oMath>
+                  </m:oMathPara>
+                </a14:m>
+                <a:endParaRPr lang="en-GB" dirty="0"/>
+              </a:p>
+            </p:txBody>
+          </p:sp>
+        </mc:Choice>
+        <mc:Fallback>
+          <p:sp>
+            <p:nvSpPr>
+              <p:cNvPr id="22" name="Textfeld 21"/>
+              <p:cNvSpPr txBox="1">
+                <a:spLocks noRot="1" noChangeAspect="1" noMove="1" noResize="1" noEditPoints="1" noAdjustHandles="1" noChangeArrowheads="1" noChangeShapeType="1" noTextEdit="1"/>
+              </p:cNvSpPr>
+              <p:nvPr/>
+            </p:nvSpPr>
+            <p:spPr>
+              <a:xfrm>
+                <a:off x="5325722" y="1485673"/>
+                <a:ext cx="365806" cy="369332"/>
+              </a:xfrm>
+              <a:prstGeom prst="rect">
+                <a:avLst/>
+              </a:prstGeom>
+              <a:blipFill rotWithShape="0">
+                <a:blip r:embed="rId5"/>
+                <a:stretch>
+                  <a:fillRect/>
+                </a:stretch>
+              </a:blipFill>
+            </p:spPr>
+            <p:txBody>
+              <a:bodyPr/>
+              <a:lstStyle/>
+              <a:p>
+                <a:r>
+                  <a:rPr lang="en-GB">
+                    <a:noFill/>
+                  </a:rPr>
+                  <a:t> </a:t>
+                </a:r>
+              </a:p>
+            </p:txBody>
+          </p:sp>
+        </mc:Fallback>
+      </mc:AlternateContent>
+      <p:grpSp>
+        <p:nvGrpSpPr>
+          <p:cNvPr id="25" name="Gruppieren 24"/>
+          <p:cNvGrpSpPr/>
+          <p:nvPr/>
+        </p:nvGrpSpPr>
+        <p:grpSpPr>
+          <a:xfrm>
+            <a:off x="6199148" y="1485673"/>
+            <a:ext cx="2781219" cy="516969"/>
+            <a:chOff x="2934110" y="1485673"/>
+            <a:chExt cx="2781219" cy="516969"/>
+          </a:xfrm>
+        </p:grpSpPr>
+        <p:grpSp>
+          <p:nvGrpSpPr>
+            <p:cNvPr id="26" name="Gruppieren 25"/>
+            <p:cNvGrpSpPr/>
+            <p:nvPr/>
+          </p:nvGrpSpPr>
+          <p:grpSpPr>
+            <a:xfrm>
+              <a:off x="3035754" y="1805792"/>
+              <a:ext cx="2679575" cy="196850"/>
+              <a:chOff x="3035754" y="1805792"/>
+              <a:chExt cx="2679575" cy="196850"/>
+            </a:xfrm>
+          </p:grpSpPr>
+          <p:cxnSp>
+            <p:nvCxnSpPr>
+              <p:cNvPr id="30" name="Gerader Verbinder 29"/>
+              <p:cNvCxnSpPr/>
+              <p:nvPr/>
+            </p:nvCxnSpPr>
+            <p:spPr>
+              <a:xfrm>
+                <a:off x="3035754" y="1904217"/>
+                <a:ext cx="2679575" cy="0"/>
+              </a:xfrm>
+              <a:prstGeom prst="line">
+                <a:avLst/>
+              </a:prstGeom>
+              <a:ln w="38100">
+                <a:solidFill>
+                  <a:schemeClr val="tx1"/>
+                </a:solidFill>
+              </a:ln>
+            </p:spPr>
+            <p:style>
+              <a:lnRef idx="1">
+                <a:schemeClr val="accent1"/>
+              </a:lnRef>
+              <a:fillRef idx="0">
+                <a:schemeClr val="accent1"/>
+              </a:fillRef>
+              <a:effectRef idx="0">
+                <a:schemeClr val="accent1"/>
+              </a:effectRef>
+              <a:fontRef idx="minor">
+                <a:schemeClr val="tx1"/>
+              </a:fontRef>
+            </p:style>
+          </p:cxnSp>
+          <p:cxnSp>
+            <p:nvCxnSpPr>
+              <p:cNvPr id="31" name="Gerader Verbinder 30"/>
+              <p:cNvCxnSpPr/>
+              <p:nvPr/>
+            </p:nvCxnSpPr>
+            <p:spPr>
+              <a:xfrm>
+                <a:off x="3203575" y="1805792"/>
+                <a:ext cx="0" cy="196850"/>
+              </a:xfrm>
+              <a:prstGeom prst="line">
+                <a:avLst/>
+              </a:prstGeom>
+              <a:ln w="38100">
+                <a:solidFill>
+                  <a:schemeClr val="tx1"/>
+                </a:solidFill>
+              </a:ln>
+            </p:spPr>
+            <p:style>
+              <a:lnRef idx="1">
+                <a:schemeClr val="accent1"/>
+              </a:lnRef>
+              <a:fillRef idx="0">
+                <a:schemeClr val="accent1"/>
+              </a:fillRef>
+              <a:effectRef idx="0">
+                <a:schemeClr val="accent1"/>
+              </a:effectRef>
+              <a:fontRef idx="minor">
+                <a:schemeClr val="tx1"/>
+              </a:fontRef>
+            </p:style>
+          </p:cxnSp>
+          <p:cxnSp>
+            <p:nvCxnSpPr>
+              <p:cNvPr id="32" name="Gerader Verbinder 31"/>
+              <p:cNvCxnSpPr/>
+              <p:nvPr/>
+            </p:nvCxnSpPr>
+            <p:spPr>
+              <a:xfrm>
+                <a:off x="5508625" y="1805792"/>
+                <a:ext cx="0" cy="196850"/>
+              </a:xfrm>
+              <a:prstGeom prst="line">
+                <a:avLst/>
+              </a:prstGeom>
+              <a:ln w="38100">
+                <a:solidFill>
+                  <a:schemeClr val="tx1"/>
+                </a:solidFill>
+              </a:ln>
+            </p:spPr>
+            <p:style>
+              <a:lnRef idx="1">
+                <a:schemeClr val="accent1"/>
+              </a:lnRef>
+              <a:fillRef idx="0">
+                <a:schemeClr val="accent1"/>
+              </a:fillRef>
+              <a:effectRef idx="0">
+                <a:schemeClr val="accent1"/>
+              </a:effectRef>
+              <a:fontRef idx="minor">
+                <a:schemeClr val="tx1"/>
+              </a:fontRef>
+            </p:style>
+          </p:cxnSp>
+          <p:cxnSp>
+            <p:nvCxnSpPr>
+              <p:cNvPr id="33" name="Gerader Verbinder 32"/>
+              <p:cNvCxnSpPr/>
+              <p:nvPr/>
+            </p:nvCxnSpPr>
+            <p:spPr>
+              <a:xfrm>
+                <a:off x="4349750" y="1805792"/>
+                <a:ext cx="0" cy="196850"/>
+              </a:xfrm>
+              <a:prstGeom prst="line">
+                <a:avLst/>
+              </a:prstGeom>
+              <a:ln w="38100">
+                <a:solidFill>
+                  <a:schemeClr val="tx1"/>
+                </a:solidFill>
+              </a:ln>
+            </p:spPr>
+            <p:style>
+              <a:lnRef idx="1">
+                <a:schemeClr val="accent1"/>
+              </a:lnRef>
+              <a:fillRef idx="0">
+                <a:schemeClr val="accent1"/>
+              </a:fillRef>
+              <a:effectRef idx="0">
+                <a:schemeClr val="accent1"/>
+              </a:effectRef>
+              <a:fontRef idx="minor">
+                <a:schemeClr val="tx1"/>
+              </a:fontRef>
+            </p:style>
+          </p:cxnSp>
+        </p:grpSp>
+        <mc:AlternateContent xmlns:mc="http://schemas.openxmlformats.org/markup-compatibility/2006">
+          <mc:Choice xmlns:a14="http://schemas.microsoft.com/office/drawing/2010/main" Requires="a14">
+            <p:sp>
+              <p:nvSpPr>
+                <p:cNvPr id="27" name="Textfeld 26"/>
+                <p:cNvSpPr txBox="1"/>
+                <p:nvPr/>
+              </p:nvSpPr>
+              <p:spPr>
+                <a:xfrm>
+                  <a:off x="4166847" y="1485673"/>
+                  <a:ext cx="365806" cy="369332"/>
+                </a:xfrm>
+                <a:prstGeom prst="rect">
+                  <a:avLst/>
+                </a:prstGeom>
+                <a:noFill/>
+              </p:spPr>
+              <p:txBody>
+                <a:bodyPr wrap="none" rtlCol="0">
+                  <a:spAutoFit/>
+                </a:bodyPr>
+                <a:lstStyle/>
+                <a:p>
+                  <a:pPr/>
+                  <a14:m>
+                    <m:oMathPara xmlns:m="http://schemas.openxmlformats.org/officeDocument/2006/math">
+                      <m:oMathParaPr>
+                        <m:jc m:val="center"/>
+                      </m:oMathParaPr>
+                      <m:oMath xmlns:m="http://schemas.openxmlformats.org/officeDocument/2006/math">
+                        <m:r>
+                          <a:rPr lang="en-GB" i="1" dirty="0" smtClean="0">
+                            <a:latin typeface="Cambria Math" panose="02040503050406030204" pitchFamily="18" charset="0"/>
+                          </a:rPr>
+                          <m:t>0</m:t>
+                        </m:r>
+                      </m:oMath>
+                    </m:oMathPara>
+                  </a14:m>
+                  <a:endParaRPr lang="en-GB" dirty="0"/>
+                </a:p>
+              </p:txBody>
+            </p:sp>
+          </mc:Choice>
+          <mc:Fallback>
+            <p:sp>
+              <p:nvSpPr>
+                <p:cNvPr id="27" name="Textfeld 26"/>
+                <p:cNvSpPr txBox="1">
+                  <a:spLocks noRot="1" noChangeAspect="1" noMove="1" noResize="1" noEditPoints="1" noAdjustHandles="1" noChangeArrowheads="1" noChangeShapeType="1" noTextEdit="1"/>
+                </p:cNvSpPr>
+                <p:nvPr/>
+              </p:nvSpPr>
+              <p:spPr>
+                <a:xfrm>
+                  <a:off x="4166847" y="1485673"/>
+                  <a:ext cx="365806" cy="369332"/>
+                </a:xfrm>
+                <a:prstGeom prst="rect">
+                  <a:avLst/>
+                </a:prstGeom>
+                <a:blipFill rotWithShape="0">
+                  <a:blip r:embed="rId6"/>
+                  <a:stretch>
+                    <a:fillRect/>
+                  </a:stretch>
+                </a:blipFill>
+              </p:spPr>
+              <p:txBody>
+                <a:bodyPr/>
+                <a:lstStyle/>
+                <a:p>
+                  <a:r>
+                    <a:rPr lang="en-GB">
+                      <a:noFill/>
+                    </a:rPr>
+                    <a:t> </a:t>
+                  </a:r>
+                </a:p>
+              </p:txBody>
+            </p:sp>
+          </mc:Fallback>
+        </mc:AlternateContent>
+        <mc:AlternateContent xmlns:mc="http://schemas.openxmlformats.org/markup-compatibility/2006">
+          <mc:Choice xmlns:a14="http://schemas.microsoft.com/office/drawing/2010/main" Requires="a14">
+            <p:sp>
+              <p:nvSpPr>
+                <p:cNvPr id="28" name="Textfeld 27"/>
+                <p:cNvSpPr txBox="1"/>
+                <p:nvPr/>
+              </p:nvSpPr>
+              <p:spPr>
+                <a:xfrm>
+                  <a:off x="2934110" y="1485673"/>
+                  <a:ext cx="538930" cy="369332"/>
+                </a:xfrm>
+                <a:prstGeom prst="rect">
+                  <a:avLst/>
+                </a:prstGeom>
+                <a:noFill/>
+              </p:spPr>
+              <p:txBody>
+                <a:bodyPr wrap="none" rtlCol="0">
+                  <a:spAutoFit/>
+                </a:bodyPr>
+                <a:lstStyle/>
+                <a:p>
+                  <a:pPr/>
+                  <a14:m>
+                    <m:oMathPara xmlns:m="http://schemas.openxmlformats.org/officeDocument/2006/math">
+                      <m:oMathParaPr>
+                        <m:jc m:val="center"/>
+                      </m:oMathParaPr>
+                      <m:oMath xmlns:m="http://schemas.openxmlformats.org/officeDocument/2006/math">
+                        <m:r>
+                          <a:rPr lang="de-DE" b="0" i="1" dirty="0" smtClean="0">
+                            <a:latin typeface="Cambria Math" panose="02040503050406030204" pitchFamily="18" charset="0"/>
+                          </a:rPr>
+                          <m:t>−1</m:t>
+                        </m:r>
+                      </m:oMath>
+                    </m:oMathPara>
+                  </a14:m>
+                  <a:endParaRPr lang="en-GB" dirty="0"/>
+                </a:p>
+              </p:txBody>
+            </p:sp>
+          </mc:Choice>
+          <mc:Fallback>
+            <p:sp>
+              <p:nvSpPr>
+                <p:cNvPr id="28" name="Textfeld 27"/>
+                <p:cNvSpPr txBox="1">
+                  <a:spLocks noRot="1" noChangeAspect="1" noMove="1" noResize="1" noEditPoints="1" noAdjustHandles="1" noChangeArrowheads="1" noChangeShapeType="1" noTextEdit="1"/>
+                </p:cNvSpPr>
+                <p:nvPr/>
+              </p:nvSpPr>
+              <p:spPr>
+                <a:xfrm>
+                  <a:off x="2934110" y="1485673"/>
+                  <a:ext cx="538930" cy="369332"/>
+                </a:xfrm>
+                <a:prstGeom prst="rect">
+                  <a:avLst/>
+                </a:prstGeom>
+                <a:blipFill rotWithShape="0">
+                  <a:blip r:embed="rId7"/>
+                  <a:stretch>
+                    <a:fillRect/>
+                  </a:stretch>
+                </a:blipFill>
+              </p:spPr>
+              <p:txBody>
+                <a:bodyPr/>
+                <a:lstStyle/>
+                <a:p>
+                  <a:r>
+                    <a:rPr lang="en-GB">
+                      <a:noFill/>
+                    </a:rPr>
+                    <a:t> </a:t>
+                  </a:r>
+                </a:p>
+              </p:txBody>
+            </p:sp>
+          </mc:Fallback>
+        </mc:AlternateContent>
+        <mc:AlternateContent xmlns:mc="http://schemas.openxmlformats.org/markup-compatibility/2006">
+          <mc:Choice xmlns:a14="http://schemas.microsoft.com/office/drawing/2010/main" Requires="a14">
+            <p:sp>
+              <p:nvSpPr>
+                <p:cNvPr id="29" name="Textfeld 28"/>
+                <p:cNvSpPr txBox="1"/>
+                <p:nvPr/>
+              </p:nvSpPr>
+              <p:spPr>
+                <a:xfrm>
+                  <a:off x="5325722" y="1485673"/>
+                  <a:ext cx="365806" cy="369332"/>
+                </a:xfrm>
+                <a:prstGeom prst="rect">
+                  <a:avLst/>
+                </a:prstGeom>
+                <a:noFill/>
+              </p:spPr>
+              <p:txBody>
+                <a:bodyPr wrap="none" rtlCol="0">
+                  <a:spAutoFit/>
+                </a:bodyPr>
+                <a:lstStyle/>
+                <a:p>
+                  <a:pPr/>
+                  <a14:m>
+                    <m:oMathPara xmlns:m="http://schemas.openxmlformats.org/officeDocument/2006/math">
+                      <m:oMathParaPr>
+                        <m:jc m:val="center"/>
+                      </m:oMathParaPr>
+                      <m:oMath xmlns:m="http://schemas.openxmlformats.org/officeDocument/2006/math">
+                        <m:r>
+                          <a:rPr lang="de-DE" b="0" i="1" dirty="0" smtClean="0">
+                            <a:latin typeface="Cambria Math" panose="02040503050406030204" pitchFamily="18" charset="0"/>
+                          </a:rPr>
+                          <m:t>1</m:t>
+                        </m:r>
+                      </m:oMath>
+                    </m:oMathPara>
+                  </a14:m>
+                  <a:endParaRPr lang="en-GB" dirty="0"/>
+                </a:p>
+              </p:txBody>
+            </p:sp>
+          </mc:Choice>
+          <mc:Fallback>
+            <p:sp>
+              <p:nvSpPr>
+                <p:cNvPr id="29" name="Textfeld 28"/>
+                <p:cNvSpPr txBox="1">
+                  <a:spLocks noRot="1" noChangeAspect="1" noMove="1" noResize="1" noEditPoints="1" noAdjustHandles="1" noChangeArrowheads="1" noChangeShapeType="1" noTextEdit="1"/>
+                </p:cNvSpPr>
+                <p:nvPr/>
+              </p:nvSpPr>
+              <p:spPr>
+                <a:xfrm>
+                  <a:off x="5325722" y="1485673"/>
+                  <a:ext cx="365806" cy="369332"/>
+                </a:xfrm>
+                <a:prstGeom prst="rect">
+                  <a:avLst/>
+                </a:prstGeom>
+                <a:blipFill rotWithShape="0">
+                  <a:blip r:embed="rId8"/>
+                  <a:stretch>
+                    <a:fillRect/>
+                  </a:stretch>
+                </a:blipFill>
+              </p:spPr>
+              <p:txBody>
+                <a:bodyPr/>
+                <a:lstStyle/>
+                <a:p>
+                  <a:r>
+                    <a:rPr lang="en-GB">
+                      <a:noFill/>
+                    </a:rPr>
+                    <a:t> </a:t>
+                  </a:r>
+                </a:p>
+              </p:txBody>
+            </p:sp>
+          </mc:Fallback>
+        </mc:AlternateContent>
+      </p:grpSp>
+      <mc:AlternateContent xmlns:mc="http://schemas.openxmlformats.org/markup-compatibility/2006">
+        <mc:Choice xmlns:a14="http://schemas.microsoft.com/office/drawing/2010/main" Requires="a14">
+          <p:sp>
+            <p:nvSpPr>
+              <p:cNvPr id="34" name="Textfeld 33"/>
+              <p:cNvSpPr txBox="1"/>
+              <p:nvPr/>
+            </p:nvSpPr>
+            <p:spPr>
+              <a:xfrm>
+                <a:off x="327454" y="2260679"/>
+                <a:ext cx="1455848" cy="523220"/>
+              </a:xfrm>
+              <a:prstGeom prst="rect">
+                <a:avLst/>
+              </a:prstGeom>
+              <a:noFill/>
+            </p:spPr>
+            <p:txBody>
+              <a:bodyPr wrap="none" rtlCol="0">
+                <a:spAutoFit/>
+              </a:bodyPr>
+              <a:lstStyle/>
+              <a:p>
+                <a14:m>
+                  <m:oMathPara xmlns:m="http://schemas.openxmlformats.org/officeDocument/2006/math">
+                    <m:oMathParaPr>
+                      <m:jc m:val="centerGroup"/>
+                    </m:oMathParaPr>
+                    <m:oMath xmlns:m="http://schemas.openxmlformats.org/officeDocument/2006/math">
+                      <m:r>
+                        <a:rPr lang="de-DE" sz="2800" b="0" i="1" dirty="0" smtClean="0">
+                          <a:latin typeface="Cambria Math" panose="02040503050406030204" pitchFamily="18" charset="0"/>
+                        </a:rPr>
+                        <m:t>1,  </m:t>
+                      </m:r>
+                      <m:r>
+                        <a:rPr lang="de-DE" sz="2800" b="0" i="1" dirty="0" smtClean="0">
+                          <a:solidFill>
+                            <a:srgbClr val="C00000"/>
+                          </a:solidFill>
+                          <a:latin typeface="Cambria Math" panose="02040503050406030204" pitchFamily="18" charset="0"/>
+                        </a:rPr>
+                        <m:t>1</m:t>
+                      </m:r>
+                    </m:oMath>
+                  </m:oMathPara>
+                </a14:m>
+                <a:endParaRPr lang="en-GB" sz="2800" dirty="0"/>
+              </a:p>
+            </p:txBody>
+          </p:sp>
+        </mc:Choice>
+        <mc:Fallback>
+          <p:sp>
+            <p:nvSpPr>
+              <p:cNvPr id="34" name="Textfeld 33"/>
+              <p:cNvSpPr txBox="1">
+                <a:spLocks noRot="1" noChangeAspect="1" noMove="1" noResize="1" noEditPoints="1" noAdjustHandles="1" noChangeArrowheads="1" noChangeShapeType="1" noTextEdit="1"/>
+              </p:cNvSpPr>
+              <p:nvPr/>
+            </p:nvSpPr>
+            <p:spPr>
+              <a:xfrm>
+                <a:off x="327454" y="2260679"/>
+                <a:ext cx="1455848" cy="523220"/>
+              </a:xfrm>
+              <a:prstGeom prst="rect">
+                <a:avLst/>
+              </a:prstGeom>
+              <a:blipFill rotWithShape="0">
+                <a:blip r:embed="rId9"/>
+                <a:stretch>
+                  <a:fillRect/>
+                </a:stretch>
+              </a:blipFill>
+            </p:spPr>
+            <p:txBody>
+              <a:bodyPr/>
+              <a:lstStyle/>
+              <a:p>
+                <a:r>
+                  <a:rPr lang="en-GB">
+                    <a:noFill/>
+                  </a:rPr>
+                  <a:t> </a:t>
+                </a:r>
+              </a:p>
+            </p:txBody>
+          </p:sp>
+        </mc:Fallback>
+      </mc:AlternateContent>
+      <p:grpSp>
+        <p:nvGrpSpPr>
+          <p:cNvPr id="44" name="Gruppieren 43"/>
+          <p:cNvGrpSpPr/>
+          <p:nvPr/>
+        </p:nvGrpSpPr>
+        <p:grpSpPr>
+          <a:xfrm>
+            <a:off x="3035754" y="2428148"/>
+            <a:ext cx="2679575" cy="196850"/>
+            <a:chOff x="3035754" y="1805792"/>
+            <a:chExt cx="2679575" cy="196850"/>
+          </a:xfrm>
+        </p:grpSpPr>
+        <p:cxnSp>
+          <p:nvCxnSpPr>
+            <p:cNvPr id="45" name="Gerader Verbinder 44"/>
+            <p:cNvCxnSpPr/>
+            <p:nvPr/>
+          </p:nvCxnSpPr>
+          <p:spPr>
+            <a:xfrm>
+              <a:off x="3035754" y="1904217"/>
+              <a:ext cx="2679575" cy="0"/>
+            </a:xfrm>
+            <a:prstGeom prst="line">
+              <a:avLst/>
+            </a:prstGeom>
+            <a:ln w="38100">
+              <a:solidFill>
+                <a:schemeClr val="tx1"/>
+              </a:solidFill>
+            </a:ln>
+          </p:spPr>
+          <p:style>
+            <a:lnRef idx="1">
+              <a:schemeClr val="accent1"/>
+            </a:lnRef>
+            <a:fillRef idx="0">
+              <a:schemeClr val="accent1"/>
+            </a:fillRef>
+            <a:effectRef idx="0">
+              <a:schemeClr val="accent1"/>
+            </a:effectRef>
+            <a:fontRef idx="minor">
+              <a:schemeClr val="tx1"/>
+            </a:fontRef>
+          </p:style>
+        </p:cxnSp>
+        <p:cxnSp>
+          <p:nvCxnSpPr>
+            <p:cNvPr id="46" name="Gerader Verbinder 45"/>
+            <p:cNvCxnSpPr/>
+            <p:nvPr/>
+          </p:nvCxnSpPr>
+          <p:spPr>
+            <a:xfrm>
+              <a:off x="3203575" y="1805792"/>
+              <a:ext cx="0" cy="196850"/>
+            </a:xfrm>
+            <a:prstGeom prst="line">
+              <a:avLst/>
+            </a:prstGeom>
+            <a:ln w="38100">
+              <a:solidFill>
+                <a:schemeClr val="tx1"/>
+              </a:solidFill>
+            </a:ln>
+          </p:spPr>
+          <p:style>
+            <a:lnRef idx="1">
+              <a:schemeClr val="accent1"/>
+            </a:lnRef>
+            <a:fillRef idx="0">
+              <a:schemeClr val="accent1"/>
+            </a:fillRef>
+            <a:effectRef idx="0">
+              <a:schemeClr val="accent1"/>
+            </a:effectRef>
+            <a:fontRef idx="minor">
+              <a:schemeClr val="tx1"/>
+            </a:fontRef>
+          </p:style>
+        </p:cxnSp>
+        <p:cxnSp>
+          <p:nvCxnSpPr>
+            <p:cNvPr id="47" name="Gerader Verbinder 46"/>
+            <p:cNvCxnSpPr/>
+            <p:nvPr/>
+          </p:nvCxnSpPr>
+          <p:spPr>
+            <a:xfrm>
+              <a:off x="5508625" y="1805792"/>
+              <a:ext cx="0" cy="196850"/>
+            </a:xfrm>
+            <a:prstGeom prst="line">
+              <a:avLst/>
+            </a:prstGeom>
+            <a:ln w="38100">
+              <a:solidFill>
+                <a:schemeClr val="tx1"/>
+              </a:solidFill>
+            </a:ln>
+          </p:spPr>
+          <p:style>
+            <a:lnRef idx="1">
+              <a:schemeClr val="accent1"/>
+            </a:lnRef>
+            <a:fillRef idx="0">
+              <a:schemeClr val="accent1"/>
+            </a:fillRef>
+            <a:effectRef idx="0">
+              <a:schemeClr val="accent1"/>
+            </a:effectRef>
+            <a:fontRef idx="minor">
+              <a:schemeClr val="tx1"/>
+            </a:fontRef>
+          </p:style>
+        </p:cxnSp>
+        <p:cxnSp>
+          <p:nvCxnSpPr>
+            <p:cNvPr id="48" name="Gerader Verbinder 47"/>
+            <p:cNvCxnSpPr/>
+            <p:nvPr/>
+          </p:nvCxnSpPr>
+          <p:spPr>
+            <a:xfrm>
+              <a:off x="4349750" y="1805792"/>
+              <a:ext cx="0" cy="196850"/>
+            </a:xfrm>
+            <a:prstGeom prst="line">
+              <a:avLst/>
+            </a:prstGeom>
+            <a:ln w="38100">
+              <a:solidFill>
+                <a:schemeClr val="tx1"/>
+              </a:solidFill>
+            </a:ln>
+          </p:spPr>
+          <p:style>
+            <a:lnRef idx="1">
+              <a:schemeClr val="accent1"/>
+            </a:lnRef>
+            <a:fillRef idx="0">
+              <a:schemeClr val="accent1"/>
+            </a:fillRef>
+            <a:effectRef idx="0">
+              <a:schemeClr val="accent1"/>
+            </a:effectRef>
+            <a:fontRef idx="minor">
+              <a:schemeClr val="tx1"/>
+            </a:fontRef>
+          </p:style>
+        </p:cxnSp>
+      </p:grpSp>
+      <p:grpSp>
+        <p:nvGrpSpPr>
+          <p:cNvPr id="49" name="Gruppieren 48"/>
+          <p:cNvGrpSpPr/>
+          <p:nvPr/>
+        </p:nvGrpSpPr>
+        <p:grpSpPr>
+          <a:xfrm>
+            <a:off x="3035753" y="3093738"/>
+            <a:ext cx="2679575" cy="196850"/>
+            <a:chOff x="3035754" y="1805792"/>
+            <a:chExt cx="2679575" cy="196850"/>
+          </a:xfrm>
+        </p:grpSpPr>
+        <p:cxnSp>
+          <p:nvCxnSpPr>
+            <p:cNvPr id="50" name="Gerader Verbinder 49"/>
+            <p:cNvCxnSpPr/>
+            <p:nvPr/>
+          </p:nvCxnSpPr>
+          <p:spPr>
+            <a:xfrm>
+              <a:off x="3035754" y="1904217"/>
+              <a:ext cx="2679575" cy="0"/>
+            </a:xfrm>
+            <a:prstGeom prst="line">
+              <a:avLst/>
+            </a:prstGeom>
+            <a:ln w="38100">
+              <a:solidFill>
+                <a:schemeClr val="tx1"/>
+              </a:solidFill>
+            </a:ln>
+          </p:spPr>
+          <p:style>
+            <a:lnRef idx="1">
+              <a:schemeClr val="accent1"/>
+            </a:lnRef>
+            <a:fillRef idx="0">
+              <a:schemeClr val="accent1"/>
+            </a:fillRef>
+            <a:effectRef idx="0">
+              <a:schemeClr val="accent1"/>
+            </a:effectRef>
+            <a:fontRef idx="minor">
+              <a:schemeClr val="tx1"/>
+            </a:fontRef>
+          </p:style>
+        </p:cxnSp>
+        <p:cxnSp>
+          <p:nvCxnSpPr>
+            <p:cNvPr id="51" name="Gerader Verbinder 50"/>
+            <p:cNvCxnSpPr/>
+            <p:nvPr/>
+          </p:nvCxnSpPr>
+          <p:spPr>
+            <a:xfrm>
+              <a:off x="3203575" y="1805792"/>
+              <a:ext cx="0" cy="196850"/>
+            </a:xfrm>
+            <a:prstGeom prst="line">
+              <a:avLst/>
+            </a:prstGeom>
+            <a:ln w="38100">
+              <a:solidFill>
+                <a:schemeClr val="tx1"/>
+              </a:solidFill>
+            </a:ln>
+          </p:spPr>
+          <p:style>
+            <a:lnRef idx="1">
+              <a:schemeClr val="accent1"/>
+            </a:lnRef>
+            <a:fillRef idx="0">
+              <a:schemeClr val="accent1"/>
+            </a:fillRef>
+            <a:effectRef idx="0">
+              <a:schemeClr val="accent1"/>
+            </a:effectRef>
+            <a:fontRef idx="minor">
+              <a:schemeClr val="tx1"/>
+            </a:fontRef>
+          </p:style>
+        </p:cxnSp>
+        <p:cxnSp>
+          <p:nvCxnSpPr>
+            <p:cNvPr id="52" name="Gerader Verbinder 51"/>
+            <p:cNvCxnSpPr/>
+            <p:nvPr/>
+          </p:nvCxnSpPr>
+          <p:spPr>
+            <a:xfrm>
+              <a:off x="5508625" y="1805792"/>
+              <a:ext cx="0" cy="196850"/>
+            </a:xfrm>
+            <a:prstGeom prst="line">
+              <a:avLst/>
+            </a:prstGeom>
+            <a:ln w="38100">
+              <a:solidFill>
+                <a:schemeClr val="tx1"/>
+              </a:solidFill>
+            </a:ln>
+          </p:spPr>
+          <p:style>
+            <a:lnRef idx="1">
+              <a:schemeClr val="accent1"/>
+            </a:lnRef>
+            <a:fillRef idx="0">
+              <a:schemeClr val="accent1"/>
+            </a:fillRef>
+            <a:effectRef idx="0">
+              <a:schemeClr val="accent1"/>
+            </a:effectRef>
+            <a:fontRef idx="minor">
+              <a:schemeClr val="tx1"/>
+            </a:fontRef>
+          </p:style>
+        </p:cxnSp>
+        <p:cxnSp>
+          <p:nvCxnSpPr>
+            <p:cNvPr id="53" name="Gerader Verbinder 52"/>
+            <p:cNvCxnSpPr/>
+            <p:nvPr/>
+          </p:nvCxnSpPr>
+          <p:spPr>
+            <a:xfrm>
+              <a:off x="4349750" y="1805792"/>
+              <a:ext cx="0" cy="196850"/>
+            </a:xfrm>
+            <a:prstGeom prst="line">
+              <a:avLst/>
+            </a:prstGeom>
+            <a:ln w="38100">
+              <a:solidFill>
+                <a:schemeClr val="tx1"/>
+              </a:solidFill>
+            </a:ln>
+          </p:spPr>
+          <p:style>
+            <a:lnRef idx="1">
+              <a:schemeClr val="accent1"/>
+            </a:lnRef>
+            <a:fillRef idx="0">
+              <a:schemeClr val="accent1"/>
+            </a:fillRef>
+            <a:effectRef idx="0">
+              <a:schemeClr val="accent1"/>
+            </a:effectRef>
+            <a:fontRef idx="minor">
+              <a:schemeClr val="tx1"/>
+            </a:fontRef>
+          </p:style>
+        </p:cxnSp>
+      </p:grpSp>
+      <p:cxnSp>
+        <p:nvCxnSpPr>
+          <p:cNvPr id="54" name="Gerade Verbindung mit Pfeil 53"/>
+          <p:cNvCxnSpPr/>
+          <p:nvPr/>
+        </p:nvCxnSpPr>
+        <p:spPr>
+          <a:xfrm flipV="1">
+            <a:off x="4349750" y="1912371"/>
+            <a:ext cx="0" cy="252979"/>
+          </a:xfrm>
+          <a:prstGeom prst="straightConnector1">
+            <a:avLst/>
+          </a:prstGeom>
+          <a:ln w="57150">
+            <a:solidFill>
+              <a:srgbClr val="006600"/>
+            </a:solidFill>
+            <a:tailEnd type="triangle"/>
+          </a:ln>
+        </p:spPr>
+        <p:style>
+          <a:lnRef idx="1">
+            <a:schemeClr val="accent1"/>
+          </a:lnRef>
+          <a:fillRef idx="0">
+            <a:schemeClr val="accent1"/>
+          </a:fillRef>
+          <a:effectRef idx="0">
+            <a:schemeClr val="accent1"/>
+          </a:effectRef>
+          <a:fontRef idx="minor">
+            <a:schemeClr val="tx1"/>
+          </a:fontRef>
+        </p:style>
+      </p:cxnSp>
+      <p:cxnSp>
+        <p:nvCxnSpPr>
+          <p:cNvPr id="56" name="Gerade Verbindung mit Pfeil 55"/>
+          <p:cNvCxnSpPr/>
+          <p:nvPr/>
+        </p:nvCxnSpPr>
+        <p:spPr>
+          <a:xfrm flipV="1">
+            <a:off x="4038598" y="2522289"/>
+            <a:ext cx="0" cy="252979"/>
+          </a:xfrm>
+          <a:prstGeom prst="straightConnector1">
+            <a:avLst/>
+          </a:prstGeom>
+          <a:ln w="57150">
+            <a:solidFill>
+              <a:srgbClr val="006600"/>
+            </a:solidFill>
+            <a:tailEnd type="triangle"/>
+          </a:ln>
+        </p:spPr>
+        <p:style>
+          <a:lnRef idx="1">
+            <a:schemeClr val="accent1"/>
+          </a:lnRef>
+          <a:fillRef idx="0">
+            <a:schemeClr val="accent1"/>
+          </a:fillRef>
+          <a:effectRef idx="0">
+            <a:schemeClr val="accent1"/>
+          </a:effectRef>
+          <a:fontRef idx="minor">
+            <a:schemeClr val="tx1"/>
+          </a:fontRef>
+        </p:style>
+      </p:cxnSp>
+      <mc:AlternateContent xmlns:mc="http://schemas.openxmlformats.org/markup-compatibility/2006">
+        <mc:Choice xmlns:a14="http://schemas.microsoft.com/office/drawing/2010/main" Requires="a14">
+          <p:sp>
+            <p:nvSpPr>
+              <p:cNvPr id="58" name="Textfeld 57"/>
+              <p:cNvSpPr txBox="1"/>
+              <p:nvPr/>
+            </p:nvSpPr>
+            <p:spPr>
+              <a:xfrm>
+                <a:off x="327454" y="1619139"/>
+                <a:ext cx="465192" cy="523220"/>
+              </a:xfrm>
+              <a:prstGeom prst="rect">
+                <a:avLst/>
+              </a:prstGeom>
+              <a:noFill/>
+            </p:spPr>
+            <p:txBody>
+              <a:bodyPr wrap="none" rtlCol="0">
+                <a:spAutoFit/>
+              </a:bodyPr>
+              <a:lstStyle/>
+              <a:p>
+                <a14:m>
+                  <m:oMathPara xmlns:m="http://schemas.openxmlformats.org/officeDocument/2006/math">
+                    <m:oMathParaPr>
+                      <m:jc m:val="centerGroup"/>
+                    </m:oMathParaPr>
+                    <m:oMath xmlns:m="http://schemas.openxmlformats.org/officeDocument/2006/math">
+                      <m:r>
+                        <a:rPr lang="en-GB" sz="2800" i="1" dirty="0" smtClean="0">
+                          <a:latin typeface="Cambria Math" panose="02040503050406030204" pitchFamily="18" charset="0"/>
+                        </a:rPr>
+                        <m:t>0</m:t>
+                      </m:r>
+                    </m:oMath>
+                  </m:oMathPara>
+                </a14:m>
+                <a:endParaRPr lang="en-GB" sz="2800" dirty="0"/>
+              </a:p>
+            </p:txBody>
+          </p:sp>
+        </mc:Choice>
+        <mc:Fallback>
+          <p:sp>
+            <p:nvSpPr>
+              <p:cNvPr id="58" name="Textfeld 57"/>
+              <p:cNvSpPr txBox="1">
+                <a:spLocks noRot="1" noChangeAspect="1" noMove="1" noResize="1" noEditPoints="1" noAdjustHandles="1" noChangeArrowheads="1" noChangeShapeType="1" noTextEdit="1"/>
+              </p:cNvSpPr>
+              <p:nvPr/>
+            </p:nvSpPr>
+            <p:spPr>
+              <a:xfrm>
+                <a:off x="327454" y="1619139"/>
+                <a:ext cx="465192" cy="523220"/>
+              </a:xfrm>
+              <a:prstGeom prst="rect">
+                <a:avLst/>
+              </a:prstGeom>
+              <a:blipFill rotWithShape="0">
+                <a:blip r:embed="rId10"/>
+                <a:stretch>
+                  <a:fillRect/>
+                </a:stretch>
+              </a:blipFill>
+            </p:spPr>
+            <p:txBody>
+              <a:bodyPr/>
+              <a:lstStyle/>
+              <a:p>
+                <a:r>
+                  <a:rPr lang="en-GB">
+                    <a:noFill/>
+                  </a:rPr>
+                  <a:t> </a:t>
+                </a:r>
+              </a:p>
+            </p:txBody>
+          </p:sp>
+        </mc:Fallback>
+      </mc:AlternateContent>
+      <p:sp>
+        <p:nvSpPr>
+          <p:cNvPr id="59" name="Ellipse 58"/>
+          <p:cNvSpPr/>
+          <p:nvPr/>
+        </p:nvSpPr>
+        <p:spPr>
+          <a:xfrm>
+            <a:off x="5439511" y="2452795"/>
+            <a:ext cx="147610" cy="147610"/>
+          </a:xfrm>
+          <a:prstGeom prst="ellipse">
+            <a:avLst/>
+          </a:prstGeom>
+          <a:solidFill>
+            <a:srgbClr val="C00000"/>
+          </a:solidFill>
+          <a:ln>
+            <a:noFill/>
+          </a:ln>
+        </p:spPr>
+        <p:style>
+          <a:lnRef idx="2">
+            <a:schemeClr val="accent1">
+              <a:shade val="50000"/>
+            </a:schemeClr>
+          </a:lnRef>
+          <a:fillRef idx="1">
+            <a:schemeClr val="accent1"/>
+          </a:fillRef>
+          <a:effectRef idx="0">
+            <a:schemeClr val="accent1"/>
+          </a:effectRef>
+          <a:fontRef idx="minor">
+            <a:schemeClr val="lt1"/>
+          </a:fontRef>
+        </p:style>
+        <p:txBody>
+          <a:bodyPr rtlCol="0" anchor="ctr"/>
+          <a:lstStyle/>
+          <a:p>
+            <a:pPr algn="ctr"/>
+            <a:endParaRPr lang="en-GB">
+              <a:solidFill>
+                <a:sysClr val="windowText" lastClr="000000"/>
+              </a:solidFill>
+            </a:endParaRPr>
+          </a:p>
+        </p:txBody>
+      </p:sp>
+      <p:sp>
+        <p:nvSpPr>
+          <p:cNvPr id="63" name="Ellipse 62"/>
+          <p:cNvSpPr/>
+          <p:nvPr/>
+        </p:nvSpPr>
+        <p:spPr>
+          <a:xfrm>
+            <a:off x="5434819" y="3122836"/>
+            <a:ext cx="147610" cy="147610"/>
+          </a:xfrm>
+          <a:prstGeom prst="ellipse">
+            <a:avLst/>
+          </a:prstGeom>
+          <a:solidFill>
+            <a:schemeClr val="tx1"/>
+          </a:solidFill>
+          <a:ln>
+            <a:noFill/>
+          </a:ln>
+        </p:spPr>
+        <p:style>
+          <a:lnRef idx="2">
+            <a:schemeClr val="accent1">
+              <a:shade val="50000"/>
+            </a:schemeClr>
+          </a:lnRef>
+          <a:fillRef idx="1">
+            <a:schemeClr val="accent1"/>
+          </a:fillRef>
+          <a:effectRef idx="0">
+            <a:schemeClr val="accent1"/>
+          </a:effectRef>
+          <a:fontRef idx="minor">
+            <a:schemeClr val="lt1"/>
+          </a:fontRef>
+        </p:style>
+        <p:txBody>
+          <a:bodyPr rtlCol="0" anchor="ctr"/>
+          <a:lstStyle/>
+          <a:p>
+            <a:pPr algn="ctr"/>
+            <a:endParaRPr lang="en-GB">
+              <a:solidFill>
+                <a:sysClr val="windowText" lastClr="000000"/>
+              </a:solidFill>
+            </a:endParaRPr>
+          </a:p>
+        </p:txBody>
+      </p:sp>
+      <p:cxnSp>
+        <p:nvCxnSpPr>
+          <p:cNvPr id="62" name="Gerade Verbindung mit Pfeil 61"/>
+          <p:cNvCxnSpPr/>
+          <p:nvPr/>
+        </p:nvCxnSpPr>
+        <p:spPr>
+          <a:xfrm flipV="1">
+            <a:off x="5508624" y="3192163"/>
+            <a:ext cx="0" cy="252979"/>
+          </a:xfrm>
+          <a:prstGeom prst="straightConnector1">
+            <a:avLst/>
+          </a:prstGeom>
+          <a:ln w="57150">
+            <a:solidFill>
+              <a:srgbClr val="006600"/>
+            </a:solidFill>
+            <a:tailEnd type="triangle"/>
+          </a:ln>
+        </p:spPr>
+        <p:style>
+          <a:lnRef idx="1">
+            <a:schemeClr val="accent1"/>
+          </a:lnRef>
+          <a:fillRef idx="0">
+            <a:schemeClr val="accent1"/>
+          </a:fillRef>
+          <a:effectRef idx="0">
+            <a:schemeClr val="accent1"/>
+          </a:effectRef>
+          <a:fontRef idx="minor">
+            <a:schemeClr val="tx1"/>
+          </a:fontRef>
+        </p:style>
+      </p:cxnSp>
+      <mc:AlternateContent xmlns:mc="http://schemas.openxmlformats.org/markup-compatibility/2006">
+        <mc:Choice xmlns:a14="http://schemas.microsoft.com/office/drawing/2010/main" Requires="a14">
+          <p:sp>
+            <p:nvSpPr>
+              <p:cNvPr id="68" name="Textfeld 67"/>
+              <p:cNvSpPr txBox="1"/>
+              <p:nvPr/>
+            </p:nvSpPr>
+            <p:spPr>
+              <a:xfrm>
+                <a:off x="327454" y="2988364"/>
+                <a:ext cx="1067343" cy="523220"/>
+              </a:xfrm>
+              <a:prstGeom prst="rect">
+                <a:avLst/>
+              </a:prstGeom>
+              <a:noFill/>
+            </p:spPr>
+            <p:txBody>
+              <a:bodyPr wrap="none" rtlCol="0">
+                <a:spAutoFit/>
+              </a:bodyPr>
+              <a:lstStyle/>
+              <a:p>
+                <a14:m>
+                  <m:oMathPara xmlns:m="http://schemas.openxmlformats.org/officeDocument/2006/math">
+                    <m:oMathParaPr>
+                      <m:jc m:val="centerGroup"/>
+                    </m:oMathParaPr>
+                    <m:oMath xmlns:m="http://schemas.openxmlformats.org/officeDocument/2006/math">
+                      <m:r>
+                        <a:rPr lang="de-DE" sz="2800" b="0" i="1" dirty="0" smtClean="0">
+                          <a:latin typeface="Cambria Math" panose="02040503050406030204" pitchFamily="18" charset="0"/>
+                        </a:rPr>
+                        <m:t>2+</m:t>
+                      </m:r>
+                      <m:r>
+                        <a:rPr lang="de-DE" sz="2800" b="0" i="1" dirty="0" smtClean="0">
+                          <a:latin typeface="Cambria Math" panose="02040503050406030204" pitchFamily="18" charset="0"/>
+                        </a:rPr>
+                        <m:t>𝜀</m:t>
+                      </m:r>
+                    </m:oMath>
+                  </m:oMathPara>
+                </a14:m>
+                <a:endParaRPr lang="en-GB" sz="2800" dirty="0"/>
+              </a:p>
+            </p:txBody>
+          </p:sp>
+        </mc:Choice>
+        <mc:Fallback>
+          <p:sp>
+            <p:nvSpPr>
+              <p:cNvPr id="68" name="Textfeld 67"/>
+              <p:cNvSpPr txBox="1">
+                <a:spLocks noRot="1" noChangeAspect="1" noMove="1" noResize="1" noEditPoints="1" noAdjustHandles="1" noChangeArrowheads="1" noChangeShapeType="1" noTextEdit="1"/>
+              </p:cNvSpPr>
+              <p:nvPr/>
+            </p:nvSpPr>
+            <p:spPr>
+              <a:xfrm>
+                <a:off x="327454" y="2988364"/>
+                <a:ext cx="1067343" cy="523220"/>
+              </a:xfrm>
+              <a:prstGeom prst="rect">
+                <a:avLst/>
+              </a:prstGeom>
+              <a:blipFill rotWithShape="0">
+                <a:blip r:embed="rId11"/>
+                <a:stretch>
+                  <a:fillRect/>
+                </a:stretch>
+              </a:blipFill>
+            </p:spPr>
+            <p:txBody>
+              <a:bodyPr/>
+              <a:lstStyle/>
+              <a:p>
+                <a:r>
+                  <a:rPr lang="en-GB">
+                    <a:noFill/>
+                  </a:rPr>
+                  <a:t> </a:t>
+                </a:r>
+              </a:p>
+            </p:txBody>
+          </p:sp>
+        </mc:Fallback>
+      </mc:AlternateContent>
+      <p:grpSp>
+        <p:nvGrpSpPr>
+          <p:cNvPr id="69" name="Gruppieren 68"/>
+          <p:cNvGrpSpPr/>
+          <p:nvPr/>
+        </p:nvGrpSpPr>
+        <p:grpSpPr>
+          <a:xfrm>
+            <a:off x="6275000" y="2423864"/>
+            <a:ext cx="2679575" cy="196850"/>
+            <a:chOff x="3035754" y="1805792"/>
+            <a:chExt cx="2679575" cy="196850"/>
+          </a:xfrm>
+        </p:grpSpPr>
+        <p:cxnSp>
+          <p:nvCxnSpPr>
+            <p:cNvPr id="70" name="Gerader Verbinder 69"/>
+            <p:cNvCxnSpPr/>
+            <p:nvPr/>
+          </p:nvCxnSpPr>
+          <p:spPr>
+            <a:xfrm>
+              <a:off x="3035754" y="1904217"/>
+              <a:ext cx="2679575" cy="0"/>
+            </a:xfrm>
+            <a:prstGeom prst="line">
+              <a:avLst/>
+            </a:prstGeom>
+            <a:ln w="38100">
+              <a:solidFill>
+                <a:schemeClr val="tx1"/>
+              </a:solidFill>
+            </a:ln>
+          </p:spPr>
+          <p:style>
+            <a:lnRef idx="1">
+              <a:schemeClr val="accent1"/>
+            </a:lnRef>
+            <a:fillRef idx="0">
+              <a:schemeClr val="accent1"/>
+            </a:fillRef>
+            <a:effectRef idx="0">
+              <a:schemeClr val="accent1"/>
+            </a:effectRef>
+            <a:fontRef idx="minor">
+              <a:schemeClr val="tx1"/>
+            </a:fontRef>
+          </p:style>
+        </p:cxnSp>
+        <p:cxnSp>
+          <p:nvCxnSpPr>
+            <p:cNvPr id="71" name="Gerader Verbinder 70"/>
+            <p:cNvCxnSpPr/>
+            <p:nvPr/>
+          </p:nvCxnSpPr>
+          <p:spPr>
+            <a:xfrm>
+              <a:off x="3203575" y="1805792"/>
+              <a:ext cx="0" cy="196850"/>
+            </a:xfrm>
+            <a:prstGeom prst="line">
+              <a:avLst/>
+            </a:prstGeom>
+            <a:ln w="38100">
+              <a:solidFill>
+                <a:schemeClr val="tx1"/>
+              </a:solidFill>
+            </a:ln>
+          </p:spPr>
+          <p:style>
+            <a:lnRef idx="1">
+              <a:schemeClr val="accent1"/>
+            </a:lnRef>
+            <a:fillRef idx="0">
+              <a:schemeClr val="accent1"/>
+            </a:fillRef>
+            <a:effectRef idx="0">
+              <a:schemeClr val="accent1"/>
+            </a:effectRef>
+            <a:fontRef idx="minor">
+              <a:schemeClr val="tx1"/>
+            </a:fontRef>
+          </p:style>
+        </p:cxnSp>
+        <p:cxnSp>
+          <p:nvCxnSpPr>
+            <p:cNvPr id="72" name="Gerader Verbinder 71"/>
+            <p:cNvCxnSpPr/>
+            <p:nvPr/>
+          </p:nvCxnSpPr>
+          <p:spPr>
+            <a:xfrm>
+              <a:off x="5508625" y="1805792"/>
+              <a:ext cx="0" cy="196850"/>
+            </a:xfrm>
+            <a:prstGeom prst="line">
+              <a:avLst/>
+            </a:prstGeom>
+            <a:ln w="38100">
+              <a:solidFill>
+                <a:schemeClr val="tx1"/>
+              </a:solidFill>
+            </a:ln>
+          </p:spPr>
+          <p:style>
+            <a:lnRef idx="1">
+              <a:schemeClr val="accent1"/>
+            </a:lnRef>
+            <a:fillRef idx="0">
+              <a:schemeClr val="accent1"/>
+            </a:fillRef>
+            <a:effectRef idx="0">
+              <a:schemeClr val="accent1"/>
+            </a:effectRef>
+            <a:fontRef idx="minor">
+              <a:schemeClr val="tx1"/>
+            </a:fontRef>
+          </p:style>
+        </p:cxnSp>
+        <p:cxnSp>
+          <p:nvCxnSpPr>
+            <p:cNvPr id="73" name="Gerader Verbinder 72"/>
+            <p:cNvCxnSpPr/>
+            <p:nvPr/>
+          </p:nvCxnSpPr>
+          <p:spPr>
+            <a:xfrm>
+              <a:off x="4349750" y="1805792"/>
+              <a:ext cx="0" cy="196850"/>
+            </a:xfrm>
+            <a:prstGeom prst="line">
+              <a:avLst/>
+            </a:prstGeom>
+            <a:ln w="38100">
+              <a:solidFill>
+                <a:schemeClr val="tx1"/>
+              </a:solidFill>
+            </a:ln>
+          </p:spPr>
+          <p:style>
+            <a:lnRef idx="1">
+              <a:schemeClr val="accent1"/>
+            </a:lnRef>
+            <a:fillRef idx="0">
+              <a:schemeClr val="accent1"/>
+            </a:fillRef>
+            <a:effectRef idx="0">
+              <a:schemeClr val="accent1"/>
+            </a:effectRef>
+            <a:fontRef idx="minor">
+              <a:schemeClr val="tx1"/>
+            </a:fontRef>
+          </p:style>
+        </p:cxnSp>
+      </p:grpSp>
+      <p:sp>
+        <p:nvSpPr>
+          <p:cNvPr id="74" name="Ellipse 73"/>
+          <p:cNvSpPr/>
+          <p:nvPr/>
+        </p:nvSpPr>
+        <p:spPr>
+          <a:xfrm>
+            <a:off x="8674066" y="2454834"/>
+            <a:ext cx="147610" cy="147610"/>
+          </a:xfrm>
+          <a:prstGeom prst="ellipse">
+            <a:avLst/>
+          </a:prstGeom>
+          <a:solidFill>
+            <a:schemeClr val="tx1"/>
+          </a:solidFill>
+          <a:ln>
+            <a:noFill/>
+          </a:ln>
+        </p:spPr>
+        <p:style>
+          <a:lnRef idx="2">
+            <a:schemeClr val="accent1">
+              <a:shade val="50000"/>
+            </a:schemeClr>
+          </a:lnRef>
+          <a:fillRef idx="1">
+            <a:schemeClr val="accent1"/>
+          </a:fillRef>
+          <a:effectRef idx="0">
+            <a:schemeClr val="accent1"/>
+          </a:effectRef>
+          <a:fontRef idx="minor">
+            <a:schemeClr val="lt1"/>
+          </a:fontRef>
+        </p:style>
+        <p:txBody>
+          <a:bodyPr rtlCol="0" anchor="ctr"/>
+          <a:lstStyle/>
+          <a:p>
+            <a:pPr algn="ctr"/>
+            <a:endParaRPr lang="en-GB">
+              <a:solidFill>
+                <a:sysClr val="windowText" lastClr="000000"/>
+              </a:solidFill>
+            </a:endParaRPr>
+          </a:p>
+        </p:txBody>
+      </p:sp>
+      <p:cxnSp>
+        <p:nvCxnSpPr>
+          <p:cNvPr id="75" name="Gerade Verbindung mit Pfeil 74"/>
+          <p:cNvCxnSpPr/>
+          <p:nvPr/>
+        </p:nvCxnSpPr>
+        <p:spPr>
+          <a:xfrm flipV="1">
+            <a:off x="7614787" y="1904217"/>
+            <a:ext cx="0" cy="252979"/>
+          </a:xfrm>
+          <a:prstGeom prst="straightConnector1">
+            <a:avLst/>
+          </a:prstGeom>
+          <a:ln w="57150">
+            <a:solidFill>
+              <a:srgbClr val="006600"/>
+            </a:solidFill>
+            <a:tailEnd type="triangle"/>
+          </a:ln>
+        </p:spPr>
+        <p:style>
+          <a:lnRef idx="1">
+            <a:schemeClr val="accent1"/>
+          </a:lnRef>
+          <a:fillRef idx="0">
+            <a:schemeClr val="accent1"/>
+          </a:fillRef>
+          <a:effectRef idx="0">
+            <a:schemeClr val="accent1"/>
+          </a:effectRef>
+          <a:fontRef idx="minor">
+            <a:schemeClr val="tx1"/>
+          </a:fontRef>
+        </p:style>
+      </p:cxnSp>
+      <p:cxnSp>
+        <p:nvCxnSpPr>
+          <p:cNvPr id="76" name="Gerade Verbindung mit Pfeil 75"/>
+          <p:cNvCxnSpPr/>
+          <p:nvPr/>
+        </p:nvCxnSpPr>
+        <p:spPr>
+          <a:xfrm flipV="1">
+            <a:off x="8747871" y="2530920"/>
+            <a:ext cx="0" cy="252979"/>
+          </a:xfrm>
+          <a:prstGeom prst="straightConnector1">
+            <a:avLst/>
+          </a:prstGeom>
+          <a:ln w="57150">
+            <a:solidFill>
+              <a:srgbClr val="006600"/>
+            </a:solidFill>
+            <a:tailEnd type="triangle"/>
+          </a:ln>
+        </p:spPr>
+        <p:style>
+          <a:lnRef idx="1">
+            <a:schemeClr val="accent1"/>
+          </a:lnRef>
+          <a:fillRef idx="0">
+            <a:schemeClr val="accent1"/>
+          </a:fillRef>
+          <a:effectRef idx="0">
+            <a:schemeClr val="accent1"/>
+          </a:effectRef>
+          <a:fontRef idx="minor">
+            <a:schemeClr val="tx1"/>
+          </a:fontRef>
+        </p:style>
+      </p:cxnSp>
+      <mc:AlternateContent xmlns:mc="http://schemas.openxmlformats.org/markup-compatibility/2006">
+        <mc:Choice xmlns:a14="http://schemas.microsoft.com/office/drawing/2010/main" Requires="a14">
+          <p:sp>
+            <p:nvSpPr>
+              <p:cNvPr id="83" name="Rechteck 82"/>
+              <p:cNvSpPr/>
+              <p:nvPr/>
+            </p:nvSpPr>
+            <p:spPr>
+              <a:xfrm>
+                <a:off x="6568845" y="4075875"/>
+                <a:ext cx="2040302" cy="509178"/>
+              </a:xfrm>
+              <a:prstGeom prst="rect">
+                <a:avLst/>
+              </a:prstGeom>
+            </p:spPr>
+            <p:txBody>
+              <a:bodyPr wrap="none">
+                <a:spAutoFit/>
+              </a:bodyPr>
+              <a:lstStyle/>
+              <a:p>
+                <a14:m>
+                  <m:oMathPara xmlns:m="http://schemas.openxmlformats.org/officeDocument/2006/math">
+                    <m:oMathParaPr>
+                      <m:jc m:val="centerGroup"/>
+                    </m:oMathParaPr>
+                    <m:oMath xmlns:m="http://schemas.openxmlformats.org/officeDocument/2006/math">
+                      <m:r>
+                        <a:rPr lang="de-DE" sz="2400" b="0" i="1" smtClean="0">
+                          <a:solidFill>
+                            <a:prstClr val="black"/>
+                          </a:solidFill>
+                          <a:latin typeface="Cambria Math" panose="02040503050406030204" pitchFamily="18" charset="0"/>
+                        </a:rPr>
+                        <m:t>⇒</m:t>
+                      </m:r>
+                      <m:d>
+                        <m:dPr>
+                          <m:begChr m:val="|"/>
+                          <m:endChr m:val="|"/>
+                          <m:ctrlPr>
+                            <a:rPr lang="de-DE" sz="2400" i="1">
+                              <a:solidFill>
+                                <a:prstClr val="black"/>
+                              </a:solidFill>
+                              <a:latin typeface="Cambria Math" panose="02040503050406030204" pitchFamily="18" charset="0"/>
+                            </a:rPr>
+                          </m:ctrlPr>
+                        </m:dPr>
+                        <m:e>
+                          <m:sSup>
+                            <m:sSupPr>
+                              <m:ctrlPr>
+                                <a:rPr lang="de-DE" sz="2400" i="1">
+                                  <a:solidFill>
+                                    <a:prstClr val="black"/>
+                                  </a:solidFill>
+                                  <a:latin typeface="Cambria Math" panose="02040503050406030204" pitchFamily="18" charset="0"/>
+                                </a:rPr>
+                              </m:ctrlPr>
+                            </m:sSupPr>
+                            <m:e>
+                              <m:r>
+                                <a:rPr lang="de-DE" sz="2400" i="1">
+                                  <a:solidFill>
+                                    <a:prstClr val="black"/>
+                                  </a:solidFill>
+                                  <a:latin typeface="Cambria Math" panose="02040503050406030204" pitchFamily="18" charset="0"/>
+                                </a:rPr>
+                                <m:t>𝒯</m:t>
+                              </m:r>
+                            </m:e>
+                            <m:sup>
+                              <m:r>
+                                <m:rPr>
+                                  <m:sty m:val="p"/>
+                                </m:rPr>
+                                <a:rPr lang="de-DE" sz="2400" b="0" i="0" smtClean="0">
+                                  <a:solidFill>
+                                    <a:prstClr val="black"/>
+                                  </a:solidFill>
+                                  <a:latin typeface="Cambria Math" panose="02040503050406030204" pitchFamily="18" charset="0"/>
+                                </a:rPr>
+                                <m:t>OFF</m:t>
+                              </m:r>
+                            </m:sup>
+                          </m:sSup>
+                        </m:e>
+                      </m:d>
+                      <m:r>
+                        <a:rPr lang="de-DE" sz="2400" b="0" i="1" smtClean="0">
+                          <a:solidFill>
+                            <a:prstClr val="black"/>
+                          </a:solidFill>
+                          <a:latin typeface="Cambria Math" panose="02040503050406030204" pitchFamily="18" charset="0"/>
+                        </a:rPr>
+                        <m:t>=1</m:t>
+                      </m:r>
+                    </m:oMath>
+                  </m:oMathPara>
+                </a14:m>
+                <a:endParaRPr lang="en-GB" dirty="0"/>
+              </a:p>
+            </p:txBody>
+          </p:sp>
+        </mc:Choice>
+        <mc:Fallback>
+          <p:sp>
+            <p:nvSpPr>
+              <p:cNvPr id="83" name="Rechteck 82"/>
+              <p:cNvSpPr>
+                <a:spLocks noRot="1" noChangeAspect="1" noMove="1" noResize="1" noEditPoints="1" noAdjustHandles="1" noChangeArrowheads="1" noChangeShapeType="1" noTextEdit="1"/>
+              </p:cNvSpPr>
+              <p:nvPr/>
+            </p:nvSpPr>
+            <p:spPr>
+              <a:xfrm>
+                <a:off x="6568845" y="4075875"/>
+                <a:ext cx="2040302" cy="509178"/>
+              </a:xfrm>
+              <a:prstGeom prst="rect">
+                <a:avLst/>
+              </a:prstGeom>
+              <a:blipFill rotWithShape="0">
+                <a:blip r:embed="rId12"/>
+                <a:stretch>
+                  <a:fillRect/>
+                </a:stretch>
+              </a:blipFill>
+            </p:spPr>
+            <p:txBody>
+              <a:bodyPr/>
+              <a:lstStyle/>
+              <a:p>
+                <a:r>
+                  <a:rPr lang="en-GB">
+                    <a:noFill/>
+                  </a:rPr>
+                  <a:t> </a:t>
+                </a:r>
+              </a:p>
+            </p:txBody>
+          </p:sp>
+        </mc:Fallback>
+      </mc:AlternateContent>
+      <p:grpSp>
+        <p:nvGrpSpPr>
+          <p:cNvPr id="85" name="Gruppieren 84"/>
+          <p:cNvGrpSpPr/>
+          <p:nvPr/>
+        </p:nvGrpSpPr>
+        <p:grpSpPr>
+          <a:xfrm>
+            <a:off x="6274999" y="3046482"/>
+            <a:ext cx="2679575" cy="196850"/>
+            <a:chOff x="3035754" y="1805792"/>
+            <a:chExt cx="2679575" cy="196850"/>
+          </a:xfrm>
+        </p:grpSpPr>
+        <p:cxnSp>
+          <p:nvCxnSpPr>
+            <p:cNvPr id="86" name="Gerader Verbinder 85"/>
+            <p:cNvCxnSpPr/>
+            <p:nvPr/>
+          </p:nvCxnSpPr>
+          <p:spPr>
+            <a:xfrm>
+              <a:off x="3035754" y="1904217"/>
+              <a:ext cx="2679575" cy="0"/>
+            </a:xfrm>
+            <a:prstGeom prst="line">
+              <a:avLst/>
+            </a:prstGeom>
+            <a:ln w="38100">
+              <a:solidFill>
+                <a:schemeClr val="tx1"/>
+              </a:solidFill>
+            </a:ln>
+          </p:spPr>
+          <p:style>
+            <a:lnRef idx="1">
+              <a:schemeClr val="accent1"/>
+            </a:lnRef>
+            <a:fillRef idx="0">
+              <a:schemeClr val="accent1"/>
+            </a:fillRef>
+            <a:effectRef idx="0">
+              <a:schemeClr val="accent1"/>
+            </a:effectRef>
+            <a:fontRef idx="minor">
+              <a:schemeClr val="tx1"/>
+            </a:fontRef>
+          </p:style>
+        </p:cxnSp>
+        <p:cxnSp>
+          <p:nvCxnSpPr>
+            <p:cNvPr id="87" name="Gerader Verbinder 86"/>
+            <p:cNvCxnSpPr/>
+            <p:nvPr/>
+          </p:nvCxnSpPr>
+          <p:spPr>
+            <a:xfrm>
+              <a:off x="3203575" y="1805792"/>
+              <a:ext cx="0" cy="196850"/>
+            </a:xfrm>
+            <a:prstGeom prst="line">
+              <a:avLst/>
+            </a:prstGeom>
+            <a:ln w="38100">
+              <a:solidFill>
+                <a:schemeClr val="tx1"/>
+              </a:solidFill>
+            </a:ln>
+          </p:spPr>
+          <p:style>
+            <a:lnRef idx="1">
+              <a:schemeClr val="accent1"/>
+            </a:lnRef>
+            <a:fillRef idx="0">
+              <a:schemeClr val="accent1"/>
+            </a:fillRef>
+            <a:effectRef idx="0">
+              <a:schemeClr val="accent1"/>
+            </a:effectRef>
+            <a:fontRef idx="minor">
+              <a:schemeClr val="tx1"/>
+            </a:fontRef>
+          </p:style>
+        </p:cxnSp>
+        <p:cxnSp>
+          <p:nvCxnSpPr>
+            <p:cNvPr id="88" name="Gerader Verbinder 87"/>
+            <p:cNvCxnSpPr/>
+            <p:nvPr/>
+          </p:nvCxnSpPr>
+          <p:spPr>
+            <a:xfrm>
+              <a:off x="5508625" y="1805792"/>
+              <a:ext cx="0" cy="196850"/>
+            </a:xfrm>
+            <a:prstGeom prst="line">
+              <a:avLst/>
+            </a:prstGeom>
+            <a:ln w="38100">
+              <a:solidFill>
+                <a:schemeClr val="tx1"/>
+              </a:solidFill>
+            </a:ln>
+          </p:spPr>
+          <p:style>
+            <a:lnRef idx="1">
+              <a:schemeClr val="accent1"/>
+            </a:lnRef>
+            <a:fillRef idx="0">
+              <a:schemeClr val="accent1"/>
+            </a:fillRef>
+            <a:effectRef idx="0">
+              <a:schemeClr val="accent1"/>
+            </a:effectRef>
+            <a:fontRef idx="minor">
+              <a:schemeClr val="tx1"/>
+            </a:fontRef>
+          </p:style>
+        </p:cxnSp>
+        <p:cxnSp>
+          <p:nvCxnSpPr>
+            <p:cNvPr id="89" name="Gerader Verbinder 88"/>
+            <p:cNvCxnSpPr/>
+            <p:nvPr/>
+          </p:nvCxnSpPr>
+          <p:spPr>
+            <a:xfrm>
+              <a:off x="4349750" y="1805792"/>
+              <a:ext cx="0" cy="196850"/>
+            </a:xfrm>
+            <a:prstGeom prst="line">
+              <a:avLst/>
+            </a:prstGeom>
+            <a:ln w="38100">
+              <a:solidFill>
+                <a:schemeClr val="tx1"/>
+              </a:solidFill>
+            </a:ln>
+          </p:spPr>
+          <p:style>
+            <a:lnRef idx="1">
+              <a:schemeClr val="accent1"/>
+            </a:lnRef>
+            <a:fillRef idx="0">
+              <a:schemeClr val="accent1"/>
+            </a:fillRef>
+            <a:effectRef idx="0">
+              <a:schemeClr val="accent1"/>
+            </a:effectRef>
+            <a:fontRef idx="minor">
+              <a:schemeClr val="tx1"/>
+            </a:fontRef>
+          </p:style>
+        </p:cxnSp>
+      </p:grpSp>
+      <p:cxnSp>
+        <p:nvCxnSpPr>
+          <p:cNvPr id="90" name="Gerader Verbinder 89"/>
+          <p:cNvCxnSpPr>
+            <a:endCxn id="74" idx="3"/>
+          </p:cNvCxnSpPr>
+          <p:nvPr/>
+        </p:nvCxnSpPr>
+        <p:spPr>
+          <a:xfrm flipV="1">
+            <a:off x="7588995" y="2580827"/>
+            <a:ext cx="1106688" cy="563626"/>
+          </a:xfrm>
+          <a:prstGeom prst="line">
+            <a:avLst/>
+          </a:prstGeom>
+          <a:ln w="28575">
+            <a:solidFill>
+              <a:srgbClr val="006600"/>
+            </a:solidFill>
+          </a:ln>
+        </p:spPr>
+        <p:style>
+          <a:lnRef idx="1">
+            <a:schemeClr val="accent1"/>
+          </a:lnRef>
+          <a:fillRef idx="0">
+            <a:schemeClr val="accent1"/>
+          </a:fillRef>
+          <a:effectRef idx="0">
+            <a:schemeClr val="accent1"/>
+          </a:effectRef>
+          <a:fontRef idx="minor">
+            <a:schemeClr val="tx1"/>
+          </a:fontRef>
+        </p:style>
+      </p:cxnSp>
+      <p:cxnSp>
+        <p:nvCxnSpPr>
+          <p:cNvPr id="91" name="Gerade Verbindung mit Pfeil 90"/>
+          <p:cNvCxnSpPr/>
+          <p:nvPr/>
+        </p:nvCxnSpPr>
+        <p:spPr>
+          <a:xfrm flipV="1">
+            <a:off x="7575959" y="3116842"/>
+            <a:ext cx="0" cy="252979"/>
+          </a:xfrm>
+          <a:prstGeom prst="straightConnector1">
+            <a:avLst/>
+          </a:prstGeom>
+          <a:ln w="57150">
+            <a:solidFill>
+              <a:srgbClr val="006600"/>
+            </a:solidFill>
+            <a:tailEnd type="triangle"/>
+          </a:ln>
+        </p:spPr>
+        <p:style>
+          <a:lnRef idx="1">
+            <a:schemeClr val="accent1"/>
+          </a:lnRef>
+          <a:fillRef idx="0">
+            <a:schemeClr val="accent1"/>
+          </a:fillRef>
+          <a:effectRef idx="0">
+            <a:schemeClr val="accent1"/>
+          </a:effectRef>
+          <a:fontRef idx="minor">
+            <a:schemeClr val="tx1"/>
+          </a:fontRef>
+        </p:style>
+      </p:cxnSp>
+      <mc:AlternateContent xmlns:mc="http://schemas.openxmlformats.org/markup-compatibility/2006">
+        <mc:Choice xmlns:a14="http://schemas.microsoft.com/office/drawing/2010/main" Requires="a14">
+          <p:sp>
+            <p:nvSpPr>
+              <p:cNvPr id="82" name="Rechteck 81"/>
+              <p:cNvSpPr/>
+              <p:nvPr/>
+            </p:nvSpPr>
+            <p:spPr>
+              <a:xfrm>
+                <a:off x="3145844" y="4065934"/>
+                <a:ext cx="2459391" cy="509178"/>
+              </a:xfrm>
+              <a:prstGeom prst="rect">
+                <a:avLst/>
+              </a:prstGeom>
+            </p:spPr>
+            <p:txBody>
+              <a:bodyPr wrap="none">
+                <a:spAutoFit/>
+              </a:bodyPr>
+              <a:lstStyle/>
+              <a:p>
+                <a14:m>
+                  <m:oMathPara xmlns:m="http://schemas.openxmlformats.org/officeDocument/2006/math">
+                    <m:oMathParaPr>
+                      <m:jc m:val="centerGroup"/>
+                    </m:oMathParaPr>
+                    <m:oMath xmlns:m="http://schemas.openxmlformats.org/officeDocument/2006/math">
+                      <m:r>
+                        <a:rPr lang="de-DE" sz="2400" b="0" i="1" smtClean="0">
+                          <a:solidFill>
+                            <a:prstClr val="black"/>
+                          </a:solidFill>
+                          <a:latin typeface="Cambria Math" panose="02040503050406030204" pitchFamily="18" charset="0"/>
+                        </a:rPr>
+                        <m:t>⇒</m:t>
+                      </m:r>
+                      <m:d>
+                        <m:dPr>
+                          <m:begChr m:val="|"/>
+                          <m:endChr m:val="|"/>
+                          <m:ctrlPr>
+                            <a:rPr lang="de-DE" sz="2400" i="1">
+                              <a:solidFill>
+                                <a:prstClr val="black"/>
+                              </a:solidFill>
+                              <a:latin typeface="Cambria Math" panose="02040503050406030204" pitchFamily="18" charset="0"/>
+                            </a:rPr>
+                          </m:ctrlPr>
+                        </m:dPr>
+                        <m:e>
+                          <m:sSup>
+                            <m:sSupPr>
+                              <m:ctrlPr>
+                                <a:rPr lang="de-DE" sz="2400" i="1">
+                                  <a:solidFill>
+                                    <a:prstClr val="black"/>
+                                  </a:solidFill>
+                                  <a:latin typeface="Cambria Math" panose="02040503050406030204" pitchFamily="18" charset="0"/>
+                                </a:rPr>
+                              </m:ctrlPr>
+                            </m:sSupPr>
+                            <m:e>
+                              <m:r>
+                                <a:rPr lang="de-DE" sz="2400" i="1">
+                                  <a:solidFill>
+                                    <a:prstClr val="black"/>
+                                  </a:solidFill>
+                                  <a:latin typeface="Cambria Math" panose="02040503050406030204" pitchFamily="18" charset="0"/>
+                                </a:rPr>
+                                <m:t>𝒯</m:t>
+                              </m:r>
+                            </m:e>
+                            <m:sup>
+                              <m:r>
+                                <m:rPr>
+                                  <m:sty m:val="p"/>
+                                </m:rPr>
+                                <a:rPr lang="de-DE" sz="2400" b="0" i="0" smtClean="0">
+                                  <a:solidFill>
+                                    <a:prstClr val="black"/>
+                                  </a:solidFill>
+                                  <a:latin typeface="Cambria Math" panose="02040503050406030204" pitchFamily="18" charset="0"/>
+                                </a:rPr>
+                                <m:t>ON</m:t>
+                              </m:r>
+                            </m:sup>
+                          </m:sSup>
+                        </m:e>
+                      </m:d>
+                      <m:r>
+                        <a:rPr lang="de-DE" sz="2400" b="0" i="1" smtClean="0">
+                          <a:solidFill>
+                            <a:prstClr val="black"/>
+                          </a:solidFill>
+                          <a:latin typeface="Cambria Math" panose="02040503050406030204" pitchFamily="18" charset="0"/>
+                        </a:rPr>
+                        <m:t>=2+</m:t>
+                      </m:r>
+                      <m:r>
+                        <a:rPr lang="de-DE" sz="2400" b="0" i="1" smtClean="0">
+                          <a:solidFill>
+                            <a:prstClr val="black"/>
+                          </a:solidFill>
+                          <a:latin typeface="Cambria Math" panose="02040503050406030204" pitchFamily="18" charset="0"/>
+                        </a:rPr>
+                        <m:t>𝜀</m:t>
+                      </m:r>
+                    </m:oMath>
+                  </m:oMathPara>
+                </a14:m>
+                <a:endParaRPr lang="en-GB" dirty="0"/>
+              </a:p>
+            </p:txBody>
+          </p:sp>
+        </mc:Choice>
+        <mc:Fallback>
+          <p:sp>
+            <p:nvSpPr>
+              <p:cNvPr id="82" name="Rechteck 81"/>
+              <p:cNvSpPr>
+                <a:spLocks noRot="1" noChangeAspect="1" noMove="1" noResize="1" noEditPoints="1" noAdjustHandles="1" noChangeArrowheads="1" noChangeShapeType="1" noTextEdit="1"/>
+              </p:cNvSpPr>
+              <p:nvPr/>
+            </p:nvSpPr>
+            <p:spPr>
+              <a:xfrm>
+                <a:off x="3145844" y="4065934"/>
+                <a:ext cx="2459391" cy="509178"/>
+              </a:xfrm>
+              <a:prstGeom prst="rect">
+                <a:avLst/>
+              </a:prstGeom>
+              <a:blipFill rotWithShape="0">
+                <a:blip r:embed="rId13"/>
+                <a:stretch>
+                  <a:fillRect/>
+                </a:stretch>
+              </a:blipFill>
+            </p:spPr>
+            <p:txBody>
+              <a:bodyPr/>
+              <a:lstStyle/>
+              <a:p>
+                <a:r>
+                  <a:rPr lang="en-GB">
+                    <a:noFill/>
+                  </a:rPr>
+                  <a:t> </a:t>
+                </a:r>
+              </a:p>
+            </p:txBody>
+          </p:sp>
+        </mc:Fallback>
+      </mc:AlternateContent>
+      <p:grpSp>
+        <p:nvGrpSpPr>
+          <p:cNvPr id="78" name="Gruppieren 77"/>
+          <p:cNvGrpSpPr/>
+          <p:nvPr/>
+        </p:nvGrpSpPr>
+        <p:grpSpPr>
+          <a:xfrm>
+            <a:off x="3035751" y="3714530"/>
+            <a:ext cx="2679575" cy="196850"/>
+            <a:chOff x="3035754" y="1805792"/>
+            <a:chExt cx="2679575" cy="196850"/>
+          </a:xfrm>
+        </p:grpSpPr>
+        <p:cxnSp>
+          <p:nvCxnSpPr>
+            <p:cNvPr id="79" name="Gerader Verbinder 78"/>
+            <p:cNvCxnSpPr/>
+            <p:nvPr/>
+          </p:nvCxnSpPr>
+          <p:spPr>
+            <a:xfrm>
+              <a:off x="3035754" y="1904217"/>
+              <a:ext cx="2679575" cy="0"/>
+            </a:xfrm>
+            <a:prstGeom prst="line">
+              <a:avLst/>
+            </a:prstGeom>
+            <a:ln w="38100">
+              <a:solidFill>
+                <a:schemeClr val="tx1"/>
+              </a:solidFill>
+            </a:ln>
+          </p:spPr>
+          <p:style>
+            <a:lnRef idx="1">
+              <a:schemeClr val="accent1"/>
+            </a:lnRef>
+            <a:fillRef idx="0">
+              <a:schemeClr val="accent1"/>
+            </a:fillRef>
+            <a:effectRef idx="0">
+              <a:schemeClr val="accent1"/>
+            </a:effectRef>
+            <a:fontRef idx="minor">
+              <a:schemeClr val="tx1"/>
+            </a:fontRef>
+          </p:style>
+        </p:cxnSp>
+        <p:cxnSp>
+          <p:nvCxnSpPr>
+            <p:cNvPr id="80" name="Gerader Verbinder 79"/>
+            <p:cNvCxnSpPr/>
+            <p:nvPr/>
+          </p:nvCxnSpPr>
+          <p:spPr>
+            <a:xfrm>
+              <a:off x="3203575" y="1805792"/>
+              <a:ext cx="0" cy="196850"/>
+            </a:xfrm>
+            <a:prstGeom prst="line">
+              <a:avLst/>
+            </a:prstGeom>
+            <a:ln w="38100">
+              <a:solidFill>
+                <a:schemeClr val="tx1"/>
+              </a:solidFill>
+            </a:ln>
+          </p:spPr>
+          <p:style>
+            <a:lnRef idx="1">
+              <a:schemeClr val="accent1"/>
+            </a:lnRef>
+            <a:fillRef idx="0">
+              <a:schemeClr val="accent1"/>
+            </a:fillRef>
+            <a:effectRef idx="0">
+              <a:schemeClr val="accent1"/>
+            </a:effectRef>
+            <a:fontRef idx="minor">
+              <a:schemeClr val="tx1"/>
+            </a:fontRef>
+          </p:style>
+        </p:cxnSp>
+        <p:cxnSp>
+          <p:nvCxnSpPr>
+            <p:cNvPr id="81" name="Gerader Verbinder 80"/>
+            <p:cNvCxnSpPr/>
+            <p:nvPr/>
+          </p:nvCxnSpPr>
+          <p:spPr>
+            <a:xfrm>
+              <a:off x="5508625" y="1805792"/>
+              <a:ext cx="0" cy="196850"/>
+            </a:xfrm>
+            <a:prstGeom prst="line">
+              <a:avLst/>
+            </a:prstGeom>
+            <a:ln w="38100">
+              <a:solidFill>
+                <a:schemeClr val="tx1"/>
+              </a:solidFill>
+            </a:ln>
+          </p:spPr>
+          <p:style>
+            <a:lnRef idx="1">
+              <a:schemeClr val="accent1"/>
+            </a:lnRef>
+            <a:fillRef idx="0">
+              <a:schemeClr val="accent1"/>
+            </a:fillRef>
+            <a:effectRef idx="0">
+              <a:schemeClr val="accent1"/>
+            </a:effectRef>
+            <a:fontRef idx="minor">
+              <a:schemeClr val="tx1"/>
+            </a:fontRef>
+          </p:style>
+        </p:cxnSp>
+        <p:cxnSp>
+          <p:nvCxnSpPr>
+            <p:cNvPr id="84" name="Gerader Verbinder 83"/>
+            <p:cNvCxnSpPr/>
+            <p:nvPr/>
+          </p:nvCxnSpPr>
+          <p:spPr>
+            <a:xfrm>
+              <a:off x="4349750" y="1805792"/>
+              <a:ext cx="0" cy="196850"/>
+            </a:xfrm>
+            <a:prstGeom prst="line">
+              <a:avLst/>
+            </a:prstGeom>
+            <a:ln w="38100">
+              <a:solidFill>
+                <a:schemeClr val="tx1"/>
+              </a:solidFill>
+            </a:ln>
+          </p:spPr>
+          <p:style>
+            <a:lnRef idx="1">
+              <a:schemeClr val="accent1"/>
+            </a:lnRef>
+            <a:fillRef idx="0">
+              <a:schemeClr val="accent1"/>
+            </a:fillRef>
+            <a:effectRef idx="0">
+              <a:schemeClr val="accent1"/>
+            </a:effectRef>
+            <a:fontRef idx="minor">
+              <a:schemeClr val="tx1"/>
+            </a:fontRef>
+          </p:style>
+        </p:cxnSp>
+      </p:grpSp>
+      <p:cxnSp>
+        <p:nvCxnSpPr>
+          <p:cNvPr id="92" name="Gerader Verbinder 91"/>
+          <p:cNvCxnSpPr>
+            <a:endCxn id="63" idx="3"/>
+          </p:cNvCxnSpPr>
+          <p:nvPr/>
+        </p:nvCxnSpPr>
+        <p:spPr>
+          <a:xfrm flipV="1">
+            <a:off x="4349747" y="3248829"/>
+            <a:ext cx="1106689" cy="543350"/>
+          </a:xfrm>
+          <a:prstGeom prst="line">
+            <a:avLst/>
+          </a:prstGeom>
+          <a:ln w="28575">
+            <a:solidFill>
+              <a:srgbClr val="006600"/>
+            </a:solidFill>
+          </a:ln>
+        </p:spPr>
+        <p:style>
+          <a:lnRef idx="1">
+            <a:schemeClr val="accent1"/>
+          </a:lnRef>
+          <a:fillRef idx="0">
+            <a:schemeClr val="accent1"/>
+          </a:fillRef>
+          <a:effectRef idx="0">
+            <a:schemeClr val="accent1"/>
+          </a:effectRef>
+          <a:fontRef idx="minor">
+            <a:schemeClr val="tx1"/>
+          </a:fontRef>
+        </p:style>
+      </p:cxnSp>
+      <p:cxnSp>
+        <p:nvCxnSpPr>
+          <p:cNvPr id="93" name="Gerade Verbindung mit Pfeil 92"/>
+          <p:cNvCxnSpPr/>
+          <p:nvPr/>
+        </p:nvCxnSpPr>
+        <p:spPr>
+          <a:xfrm flipV="1">
+            <a:off x="4349747" y="3784890"/>
+            <a:ext cx="0" cy="252979"/>
+          </a:xfrm>
+          <a:prstGeom prst="straightConnector1">
+            <a:avLst/>
+          </a:prstGeom>
+          <a:ln w="57150">
+            <a:solidFill>
+              <a:srgbClr val="006600"/>
+            </a:solidFill>
+            <a:tailEnd type="triangle"/>
+          </a:ln>
+        </p:spPr>
+        <p:style>
+          <a:lnRef idx="1">
+            <a:schemeClr val="accent1"/>
+          </a:lnRef>
+          <a:fillRef idx="0">
+            <a:schemeClr val="accent1"/>
+          </a:fillRef>
+          <a:effectRef idx="0">
+            <a:schemeClr val="accent1"/>
+          </a:effectRef>
+          <a:fontRef idx="minor">
+            <a:schemeClr val="tx1"/>
+          </a:fontRef>
+        </p:style>
+      </p:cxnSp>
+      <mc:AlternateContent xmlns:mc="http://schemas.openxmlformats.org/markup-compatibility/2006">
+        <mc:Choice xmlns:a14="http://schemas.microsoft.com/office/drawing/2010/main" Requires="a14">
+          <p:sp>
+            <p:nvSpPr>
+              <p:cNvPr id="94" name="Textfeld 93"/>
+              <p:cNvSpPr txBox="1"/>
+              <p:nvPr/>
+            </p:nvSpPr>
+            <p:spPr>
+              <a:xfrm>
+                <a:off x="327454" y="3573388"/>
+                <a:ext cx="1067343" cy="523220"/>
+              </a:xfrm>
+              <a:prstGeom prst="rect">
+                <a:avLst/>
+              </a:prstGeom>
+              <a:noFill/>
+            </p:spPr>
+            <p:txBody>
+              <a:bodyPr wrap="none" rtlCol="0">
+                <a:spAutoFit/>
+              </a:bodyPr>
+              <a:lstStyle/>
+              <a:p>
+                <a14:m>
+                  <m:oMathPara xmlns:m="http://schemas.openxmlformats.org/officeDocument/2006/math">
+                    <m:oMathParaPr>
+                      <m:jc m:val="centerGroup"/>
+                    </m:oMathParaPr>
+                    <m:oMath xmlns:m="http://schemas.openxmlformats.org/officeDocument/2006/math">
+                      <m:r>
+                        <a:rPr lang="de-DE" sz="2800" b="0" i="1" dirty="0" smtClean="0">
+                          <a:latin typeface="Cambria Math" panose="02040503050406030204" pitchFamily="18" charset="0"/>
+                        </a:rPr>
+                        <m:t>3+</m:t>
+                      </m:r>
+                      <m:r>
+                        <a:rPr lang="de-DE" sz="2800" b="0" i="1" dirty="0" smtClean="0">
+                          <a:latin typeface="Cambria Math" panose="02040503050406030204" pitchFamily="18" charset="0"/>
+                        </a:rPr>
+                        <m:t>𝜀</m:t>
+                      </m:r>
+                    </m:oMath>
+                  </m:oMathPara>
+                </a14:m>
+                <a:endParaRPr lang="en-GB" sz="2800" dirty="0"/>
+              </a:p>
+            </p:txBody>
+          </p:sp>
+        </mc:Choice>
+        <mc:Fallback>
+          <p:sp>
+            <p:nvSpPr>
+              <p:cNvPr id="94" name="Textfeld 93"/>
+              <p:cNvSpPr txBox="1">
+                <a:spLocks noRot="1" noChangeAspect="1" noMove="1" noResize="1" noEditPoints="1" noAdjustHandles="1" noChangeArrowheads="1" noChangeShapeType="1" noTextEdit="1"/>
+              </p:cNvSpPr>
+              <p:nvPr/>
+            </p:nvSpPr>
+            <p:spPr>
+              <a:xfrm>
+                <a:off x="327454" y="3573388"/>
+                <a:ext cx="1067343" cy="523220"/>
+              </a:xfrm>
+              <a:prstGeom prst="rect">
+                <a:avLst/>
+              </a:prstGeom>
+              <a:blipFill rotWithShape="0">
+                <a:blip r:embed="rId14"/>
+                <a:stretch>
+                  <a:fillRect/>
+                </a:stretch>
+              </a:blipFill>
+            </p:spPr>
+            <p:txBody>
+              <a:bodyPr/>
+              <a:lstStyle/>
+              <a:p>
+                <a:r>
+                  <a:rPr lang="en-GB">
+                    <a:noFill/>
+                  </a:rPr>
+                  <a:t> </a:t>
+                </a:r>
+              </a:p>
+            </p:txBody>
+          </p:sp>
+        </mc:Fallback>
+      </mc:AlternateContent>
+      <mc:AlternateContent xmlns:mc="http://schemas.openxmlformats.org/markup-compatibility/2006">
+        <mc:Choice xmlns:a14="http://schemas.microsoft.com/office/drawing/2010/main" Requires="a14">
+          <p:sp>
+            <p:nvSpPr>
+              <p:cNvPr id="95" name="Rechteck 94"/>
+              <p:cNvSpPr/>
+              <p:nvPr/>
+            </p:nvSpPr>
+            <p:spPr>
+              <a:xfrm>
+                <a:off x="3145844" y="4065934"/>
+                <a:ext cx="2459391" cy="509178"/>
+              </a:xfrm>
+              <a:prstGeom prst="rect">
+                <a:avLst/>
+              </a:prstGeom>
+              <a:solidFill>
+                <a:schemeClr val="bg1"/>
+              </a:solidFill>
+            </p:spPr>
+            <p:txBody>
+              <a:bodyPr wrap="none">
+                <a:spAutoFit/>
+              </a:bodyPr>
+              <a:lstStyle/>
+              <a:p>
+                <a14:m>
+                  <m:oMathPara xmlns:m="http://schemas.openxmlformats.org/officeDocument/2006/math">
+                    <m:oMathParaPr>
+                      <m:jc m:val="centerGroup"/>
+                    </m:oMathParaPr>
+                    <m:oMath xmlns:m="http://schemas.openxmlformats.org/officeDocument/2006/math">
+                      <m:r>
+                        <a:rPr lang="de-DE" sz="2400" b="0" i="1" smtClean="0">
+                          <a:solidFill>
+                            <a:prstClr val="black"/>
+                          </a:solidFill>
+                          <a:latin typeface="Cambria Math" panose="02040503050406030204" pitchFamily="18" charset="0"/>
+                        </a:rPr>
+                        <m:t>⇒</m:t>
+                      </m:r>
+                      <m:d>
+                        <m:dPr>
+                          <m:begChr m:val="|"/>
+                          <m:endChr m:val="|"/>
+                          <m:ctrlPr>
+                            <a:rPr lang="de-DE" sz="2400" i="1">
+                              <a:solidFill>
+                                <a:prstClr val="black"/>
+                              </a:solidFill>
+                              <a:latin typeface="Cambria Math" panose="02040503050406030204" pitchFamily="18" charset="0"/>
+                            </a:rPr>
+                          </m:ctrlPr>
+                        </m:dPr>
+                        <m:e>
+                          <m:sSup>
+                            <m:sSupPr>
+                              <m:ctrlPr>
+                                <a:rPr lang="de-DE" sz="2400" i="1">
+                                  <a:solidFill>
+                                    <a:prstClr val="black"/>
+                                  </a:solidFill>
+                                  <a:latin typeface="Cambria Math" panose="02040503050406030204" pitchFamily="18" charset="0"/>
+                                </a:rPr>
+                              </m:ctrlPr>
+                            </m:sSupPr>
+                            <m:e>
+                              <m:r>
+                                <a:rPr lang="de-DE" sz="2400" i="1">
+                                  <a:solidFill>
+                                    <a:prstClr val="black"/>
+                                  </a:solidFill>
+                                  <a:latin typeface="Cambria Math" panose="02040503050406030204" pitchFamily="18" charset="0"/>
+                                </a:rPr>
+                                <m:t>𝒯</m:t>
+                              </m:r>
+                            </m:e>
+                            <m:sup>
+                              <m:r>
+                                <m:rPr>
+                                  <m:sty m:val="p"/>
+                                </m:rPr>
+                                <a:rPr lang="de-DE" sz="2400" b="0" i="0" smtClean="0">
+                                  <a:solidFill>
+                                    <a:prstClr val="black"/>
+                                  </a:solidFill>
+                                  <a:latin typeface="Cambria Math" panose="02040503050406030204" pitchFamily="18" charset="0"/>
+                                </a:rPr>
+                                <m:t>ON</m:t>
+                              </m:r>
+                            </m:sup>
+                          </m:sSup>
+                        </m:e>
+                      </m:d>
+                      <m:r>
+                        <a:rPr lang="de-DE" sz="2400" b="0" i="1" smtClean="0">
+                          <a:solidFill>
+                            <a:prstClr val="black"/>
+                          </a:solidFill>
+                          <a:latin typeface="Cambria Math" panose="02040503050406030204" pitchFamily="18" charset="0"/>
+                        </a:rPr>
+                        <m:t>=3+</m:t>
+                      </m:r>
+                      <m:r>
+                        <a:rPr lang="de-DE" sz="2400" b="0" i="1" smtClean="0">
+                          <a:solidFill>
+                            <a:prstClr val="black"/>
+                          </a:solidFill>
+                          <a:latin typeface="Cambria Math" panose="02040503050406030204" pitchFamily="18" charset="0"/>
+                        </a:rPr>
+                        <m:t>𝜀</m:t>
+                      </m:r>
+                    </m:oMath>
+                  </m:oMathPara>
+                </a14:m>
+                <a:endParaRPr lang="en-GB" dirty="0"/>
+              </a:p>
+            </p:txBody>
+          </p:sp>
+        </mc:Choice>
+        <mc:Fallback>
+          <p:sp>
+            <p:nvSpPr>
+              <p:cNvPr id="95" name="Rechteck 94"/>
+              <p:cNvSpPr>
+                <a:spLocks noRot="1" noChangeAspect="1" noMove="1" noResize="1" noEditPoints="1" noAdjustHandles="1" noChangeArrowheads="1" noChangeShapeType="1" noTextEdit="1"/>
+              </p:cNvSpPr>
+              <p:nvPr/>
+            </p:nvSpPr>
+            <p:spPr>
+              <a:xfrm>
+                <a:off x="3145844" y="4065934"/>
+                <a:ext cx="2459391" cy="509178"/>
+              </a:xfrm>
+              <a:prstGeom prst="rect">
+                <a:avLst/>
+              </a:prstGeom>
+              <a:blipFill rotWithShape="0">
+                <a:blip r:embed="rId15"/>
+                <a:stretch>
+                  <a:fillRect/>
+                </a:stretch>
+              </a:blipFill>
+            </p:spPr>
+            <p:txBody>
+              <a:bodyPr/>
+              <a:lstStyle/>
+              <a:p>
+                <a:r>
+                  <a:rPr lang="en-GB">
+                    <a:noFill/>
+                  </a:rPr>
+                  <a:t> </a:t>
+                </a:r>
+              </a:p>
+            </p:txBody>
+          </p:sp>
+        </mc:Fallback>
+      </mc:AlternateContent>
+      <mc:AlternateContent xmlns:mc="http://schemas.openxmlformats.org/markup-compatibility/2006">
+        <mc:Choice xmlns:a14="http://schemas.microsoft.com/office/drawing/2010/main" Requires="a14">
+          <p:sp>
+            <p:nvSpPr>
+              <p:cNvPr id="96" name="Rechteck 95"/>
+              <p:cNvSpPr/>
+              <p:nvPr/>
+            </p:nvSpPr>
+            <p:spPr>
+              <a:xfrm>
+                <a:off x="6568845" y="4078315"/>
+                <a:ext cx="2040302" cy="509178"/>
+              </a:xfrm>
+              <a:prstGeom prst="rect">
+                <a:avLst/>
+              </a:prstGeom>
+              <a:solidFill>
+                <a:schemeClr val="bg1"/>
+              </a:solidFill>
+            </p:spPr>
+            <p:txBody>
+              <a:bodyPr wrap="none">
+                <a:spAutoFit/>
+              </a:bodyPr>
+              <a:lstStyle/>
+              <a:p>
+                <a14:m>
+                  <m:oMathPara xmlns:m="http://schemas.openxmlformats.org/officeDocument/2006/math">
+                    <m:oMathParaPr>
+                      <m:jc m:val="centerGroup"/>
+                    </m:oMathParaPr>
+                    <m:oMath xmlns:m="http://schemas.openxmlformats.org/officeDocument/2006/math">
+                      <m:r>
+                        <a:rPr lang="de-DE" sz="2400" b="0" i="1" smtClean="0">
+                          <a:solidFill>
+                            <a:prstClr val="black"/>
+                          </a:solidFill>
+                          <a:latin typeface="Cambria Math" panose="02040503050406030204" pitchFamily="18" charset="0"/>
+                        </a:rPr>
+                        <m:t>⇒</m:t>
+                      </m:r>
+                      <m:d>
+                        <m:dPr>
+                          <m:begChr m:val="|"/>
+                          <m:endChr m:val="|"/>
+                          <m:ctrlPr>
+                            <a:rPr lang="de-DE" sz="2400" i="1">
+                              <a:solidFill>
+                                <a:prstClr val="black"/>
+                              </a:solidFill>
+                              <a:latin typeface="Cambria Math" panose="02040503050406030204" pitchFamily="18" charset="0"/>
+                            </a:rPr>
+                          </m:ctrlPr>
+                        </m:dPr>
+                        <m:e>
+                          <m:sSup>
+                            <m:sSupPr>
+                              <m:ctrlPr>
+                                <a:rPr lang="de-DE" sz="2400" i="1">
+                                  <a:solidFill>
+                                    <a:prstClr val="black"/>
+                                  </a:solidFill>
+                                  <a:latin typeface="Cambria Math" panose="02040503050406030204" pitchFamily="18" charset="0"/>
+                                </a:rPr>
+                              </m:ctrlPr>
+                            </m:sSupPr>
+                            <m:e>
+                              <m:r>
+                                <a:rPr lang="de-DE" sz="2400" i="1">
+                                  <a:solidFill>
+                                    <a:prstClr val="black"/>
+                                  </a:solidFill>
+                                  <a:latin typeface="Cambria Math" panose="02040503050406030204" pitchFamily="18" charset="0"/>
+                                </a:rPr>
+                                <m:t>𝒯</m:t>
+                              </m:r>
+                            </m:e>
+                            <m:sup>
+                              <m:r>
+                                <m:rPr>
+                                  <m:sty m:val="p"/>
+                                </m:rPr>
+                                <a:rPr lang="de-DE" sz="2400" b="0" i="0" smtClean="0">
+                                  <a:solidFill>
+                                    <a:prstClr val="black"/>
+                                  </a:solidFill>
+                                  <a:latin typeface="Cambria Math" panose="02040503050406030204" pitchFamily="18" charset="0"/>
+                                </a:rPr>
+                                <m:t>OFF</m:t>
+                              </m:r>
+                            </m:sup>
+                          </m:sSup>
+                        </m:e>
+                      </m:d>
+                      <m:r>
+                        <a:rPr lang="de-DE" sz="2400" b="0" i="1" smtClean="0">
+                          <a:solidFill>
+                            <a:prstClr val="black"/>
+                          </a:solidFill>
+                          <a:latin typeface="Cambria Math" panose="02040503050406030204" pitchFamily="18" charset="0"/>
+                        </a:rPr>
+                        <m:t>=2</m:t>
+                      </m:r>
+                    </m:oMath>
+                  </m:oMathPara>
+                </a14:m>
+                <a:endParaRPr lang="en-GB" dirty="0"/>
+              </a:p>
+            </p:txBody>
+          </p:sp>
+        </mc:Choice>
+        <mc:Fallback>
+          <p:sp>
+            <p:nvSpPr>
+              <p:cNvPr id="96" name="Rechteck 95"/>
+              <p:cNvSpPr>
+                <a:spLocks noRot="1" noChangeAspect="1" noMove="1" noResize="1" noEditPoints="1" noAdjustHandles="1" noChangeArrowheads="1" noChangeShapeType="1" noTextEdit="1"/>
+              </p:cNvSpPr>
+              <p:nvPr/>
+            </p:nvSpPr>
+            <p:spPr>
+              <a:xfrm>
+                <a:off x="6568845" y="4078315"/>
+                <a:ext cx="2040302" cy="509178"/>
+              </a:xfrm>
+              <a:prstGeom prst="rect">
+                <a:avLst/>
+              </a:prstGeom>
+              <a:blipFill rotWithShape="0">
+                <a:blip r:embed="rId16"/>
+                <a:stretch>
+                  <a:fillRect/>
+                </a:stretch>
+              </a:blipFill>
+            </p:spPr>
+            <p:txBody>
+              <a:bodyPr/>
+              <a:lstStyle/>
+              <a:p>
+                <a:r>
+                  <a:rPr lang="en-GB">
+                    <a:noFill/>
+                  </a:rPr>
+                  <a:t> </a:t>
+                </a:r>
+              </a:p>
+            </p:txBody>
+          </p:sp>
+        </mc:Fallback>
+      </mc:AlternateContent>
+      <mc:AlternateContent xmlns:mc="http://schemas.openxmlformats.org/markup-compatibility/2006">
+        <mc:Choice xmlns:a14="http://schemas.microsoft.com/office/drawing/2010/main" Requires="a14">
+          <p:sp>
+            <p:nvSpPr>
+              <p:cNvPr id="97" name="Textfeld 96"/>
+              <p:cNvSpPr txBox="1"/>
+              <p:nvPr/>
+            </p:nvSpPr>
+            <p:spPr>
+              <a:xfrm>
+                <a:off x="118608" y="4678530"/>
+                <a:ext cx="9139297" cy="523220"/>
+              </a:xfrm>
+              <a:prstGeom prst="rect">
+                <a:avLst/>
+              </a:prstGeom>
+              <a:solidFill>
+                <a:schemeClr val="bg1"/>
+              </a:solidFill>
+            </p:spPr>
+            <p:txBody>
+              <a:bodyPr wrap="none" rtlCol="0">
+                <a:spAutoFit/>
+              </a:bodyPr>
+              <a:lstStyle/>
+              <a:p>
+                <a:r>
+                  <a:rPr lang="en-GB" sz="2800" cap="small" dirty="0" smtClean="0">
+                    <a:effectLst>
+                      <a:outerShdw blurRad="38100" dist="38100" dir="2700000" algn="tl">
+                        <a:srgbClr val="000000">
+                          <a:alpha val="43137"/>
+                        </a:srgbClr>
+                      </a:outerShdw>
+                    </a:effectLst>
+                  </a:rPr>
+                  <a:t>Theorem:</a:t>
+                </a:r>
+                <a:r>
+                  <a:rPr lang="en-GB" sz="2800" cap="small" dirty="0" smtClean="0"/>
+                  <a:t> 	</a:t>
+                </a:r>
+                <a:r>
+                  <a:rPr lang="en-GB" sz="2800" dirty="0" smtClean="0"/>
+                  <a:t>Any </a:t>
+                </a:r>
+                <a14:m>
+                  <m:oMath xmlns:m="http://schemas.openxmlformats.org/officeDocument/2006/math">
+                    <m:r>
+                      <a:rPr lang="de-DE" sz="2800" b="0" i="1" smtClean="0">
+                        <a:latin typeface="Cambria Math" panose="02040503050406030204" pitchFamily="18" charset="0"/>
+                      </a:rPr>
+                      <m:t>𝜌</m:t>
+                    </m:r>
+                  </m:oMath>
+                </a14:m>
+                <a:r>
+                  <a:rPr lang="en-GB" sz="2800" dirty="0" smtClean="0"/>
+                  <a:t>-competitive ALG for H-OLTSP has </a:t>
+                </a:r>
+                <a14:m>
+                  <m:oMath xmlns:m="http://schemas.openxmlformats.org/officeDocument/2006/math">
+                    <m:r>
+                      <a:rPr lang="de-DE" sz="2800" i="1">
+                        <a:latin typeface="Cambria Math" panose="02040503050406030204" pitchFamily="18" charset="0"/>
+                      </a:rPr>
+                      <m:t>𝜌</m:t>
+                    </m:r>
+                    <m:r>
+                      <a:rPr lang="de-DE" sz="2800" b="0" i="1" smtClean="0">
+                        <a:latin typeface="Cambria Math" panose="02040503050406030204" pitchFamily="18" charset="0"/>
+                      </a:rPr>
+                      <m:t>≥1,5.</m:t>
+                    </m:r>
+                  </m:oMath>
+                </a14:m>
+                <a:r>
+                  <a:rPr lang="en-GB" sz="2800" dirty="0" smtClean="0"/>
+                  <a:t> </a:t>
+                </a:r>
+                <a:endParaRPr lang="en-GB" sz="2800" dirty="0"/>
+              </a:p>
+            </p:txBody>
+          </p:sp>
+        </mc:Choice>
+        <mc:Fallback>
+          <p:sp>
+            <p:nvSpPr>
+              <p:cNvPr id="97" name="Textfeld 96"/>
+              <p:cNvSpPr txBox="1">
+                <a:spLocks noRot="1" noChangeAspect="1" noMove="1" noResize="1" noEditPoints="1" noAdjustHandles="1" noChangeArrowheads="1" noChangeShapeType="1" noTextEdit="1"/>
+              </p:cNvSpPr>
+              <p:nvPr/>
+            </p:nvSpPr>
+            <p:spPr>
+              <a:xfrm>
+                <a:off x="118608" y="4678530"/>
+                <a:ext cx="9139297" cy="523220"/>
+              </a:xfrm>
+              <a:prstGeom prst="rect">
+                <a:avLst/>
+              </a:prstGeom>
+              <a:blipFill rotWithShape="0">
+                <a:blip r:embed="rId17"/>
+                <a:stretch>
+                  <a:fillRect l="-1400" t="-11628" b="-39535"/>
+                </a:stretch>
+              </a:blipFill>
+            </p:spPr>
+            <p:txBody>
+              <a:bodyPr/>
+              <a:lstStyle/>
+              <a:p>
+                <a:r>
+                  <a:rPr lang="en-GB">
+                    <a:noFill/>
+                  </a:rPr>
+                  <a:t> </a:t>
+                </a:r>
+              </a:p>
+            </p:txBody>
+          </p:sp>
+        </mc:Fallback>
+      </mc:AlternateContent>
+    </p:spTree>
+    <p:extLst>
+      <p:ext uri="{BB962C8B-B14F-4D97-AF65-F5344CB8AC3E}">
+        <p14:creationId xmlns:p14="http://schemas.microsoft.com/office/powerpoint/2010/main" val="2189949178"/>
+      </p:ext>
+    </p:extLst>
+  </p:cSld>
+  <p:clrMapOvr>
+    <a:masterClrMapping/>
+  </p:clrMapOvr>
+  <mc:AlternateContent xmlns:mc="http://schemas.openxmlformats.org/markup-compatibility/2006" xmlns:p14="http://schemas.microsoft.com/office/powerpoint/2010/main">
+    <mc:Choice Requires="p14">
+      <p:transition spd="med" p14:dur="700">
+        <p:fade/>
+      </p:transition>
+    </mc:Choice>
+    <mc:Fallback xmlns="">
+      <p:transition spd="med">
+        <p:fade/>
+      </p:transition>
+    </mc:Fallback>
+  </mc:AlternateContent>
+  <p:timing>
+    <p:tnLst>
+      <p:par>
+        <p:cTn id="1" dur="indefinite" restart="never" nodeType="tmRoot">
+          <p:childTnLst>
+            <p:seq concurrent="1" nextAc="seek">
+              <p:cTn id="2" dur="indefinite" nodeType="mainSeq">
+                <p:childTnLst>
+                  <p:par>
+                    <p:cTn id="3" fill="hold">
+                      <p:stCondLst>
+                        <p:cond delay="indefinite"/>
+                      </p:stCondLst>
+                      <p:childTnLst>
+                        <p:par>
+                          <p:cTn id="4" fill="hold">
+                            <p:stCondLst>
+                              <p:cond delay="0"/>
+                            </p:stCondLst>
+                            <p:childTnLst>
+                              <p:par>
+                                <p:cTn id="5" presetID="22" presetClass="entr" presetSubtype="1" fill="hold" nodeType="clickEffect">
+                                  <p:stCondLst>
+                                    <p:cond delay="0"/>
+                                  </p:stCondLst>
+                                  <p:childTnLst>
+                                    <p:set>
+                                      <p:cBhvr>
+                                        <p:cTn id="6" dur="1" fill="hold">
+                                          <p:stCondLst>
+                                            <p:cond delay="0"/>
+                                          </p:stCondLst>
+                                        </p:cTn>
+                                        <p:tgtEl>
+                                          <p:spTgt spid="90"/>
+                                        </p:tgtEl>
+                                        <p:attrNameLst>
+                                          <p:attrName>style.visibility</p:attrName>
+                                        </p:attrNameLst>
+                                      </p:cBhvr>
+                                      <p:to>
+                                        <p:strVal val="visible"/>
+                                      </p:to>
+                                    </p:set>
+                                    <p:animEffect transition="in" filter="wipe(up)">
+                                      <p:cBhvr>
+                                        <p:cTn id="7" dur="1000"/>
+                                        <p:tgtEl>
+                                          <p:spTgt spid="90"/>
+                                        </p:tgtEl>
+                                      </p:cBhvr>
+                                    </p:animEffect>
+                                  </p:childTnLst>
+                                </p:cTn>
+                              </p:par>
+                              <p:par>
+                                <p:cTn id="8" presetID="22" presetClass="entr" presetSubtype="1" fill="hold" nodeType="withEffect">
+                                  <p:stCondLst>
+                                    <p:cond delay="750"/>
+                                  </p:stCondLst>
+                                  <p:childTnLst>
+                                    <p:set>
+                                      <p:cBhvr>
+                                        <p:cTn id="9" dur="1" fill="hold">
+                                          <p:stCondLst>
+                                            <p:cond delay="0"/>
+                                          </p:stCondLst>
+                                        </p:cTn>
+                                        <p:tgtEl>
+                                          <p:spTgt spid="85"/>
+                                        </p:tgtEl>
+                                        <p:attrNameLst>
+                                          <p:attrName>style.visibility</p:attrName>
+                                        </p:attrNameLst>
+                                      </p:cBhvr>
+                                      <p:to>
+                                        <p:strVal val="visible"/>
+                                      </p:to>
+                                    </p:set>
+                                    <p:animEffect transition="in" filter="wipe(up)">
+                                      <p:cBhvr>
+                                        <p:cTn id="10" dur="500"/>
+                                        <p:tgtEl>
+                                          <p:spTgt spid="85"/>
+                                        </p:tgtEl>
+                                      </p:cBhvr>
+                                    </p:animEffect>
+                                  </p:childTnLst>
+                                </p:cTn>
+                              </p:par>
+                              <p:par>
+                                <p:cTn id="11" presetID="22" presetClass="entr" presetSubtype="1" fill="hold" nodeType="withEffect">
+                                  <p:stCondLst>
+                                    <p:cond delay="750"/>
+                                  </p:stCondLst>
+                                  <p:childTnLst>
+                                    <p:set>
+                                      <p:cBhvr>
+                                        <p:cTn id="12" dur="1" fill="hold">
+                                          <p:stCondLst>
+                                            <p:cond delay="0"/>
+                                          </p:stCondLst>
+                                        </p:cTn>
+                                        <p:tgtEl>
+                                          <p:spTgt spid="91"/>
+                                        </p:tgtEl>
+                                        <p:attrNameLst>
+                                          <p:attrName>style.visibility</p:attrName>
+                                        </p:attrNameLst>
+                                      </p:cBhvr>
+                                      <p:to>
+                                        <p:strVal val="visible"/>
+                                      </p:to>
+                                    </p:set>
+                                    <p:animEffect transition="in" filter="wipe(up)">
+                                      <p:cBhvr>
+                                        <p:cTn id="13" dur="500"/>
+                                        <p:tgtEl>
+                                          <p:spTgt spid="91"/>
+                                        </p:tgtEl>
+                                      </p:cBhvr>
+                                    </p:animEffect>
+                                  </p:childTnLst>
+                                </p:cTn>
+                              </p:par>
+                            </p:childTnLst>
+                          </p:cTn>
+                        </p:par>
+                        <p:par>
+                          <p:cTn id="14" fill="hold">
+                            <p:stCondLst>
+                              <p:cond delay="1250"/>
+                            </p:stCondLst>
+                            <p:childTnLst>
+                              <p:par>
+                                <p:cTn id="15" presetID="10" presetClass="entr" presetSubtype="0" fill="hold" grpId="0" nodeType="afterEffect">
+                                  <p:stCondLst>
+                                    <p:cond delay="500"/>
+                                  </p:stCondLst>
+                                  <p:childTnLst>
+                                    <p:set>
+                                      <p:cBhvr>
+                                        <p:cTn id="16" dur="1" fill="hold">
+                                          <p:stCondLst>
+                                            <p:cond delay="0"/>
+                                          </p:stCondLst>
+                                        </p:cTn>
+                                        <p:tgtEl>
+                                          <p:spTgt spid="96"/>
+                                        </p:tgtEl>
+                                        <p:attrNameLst>
+                                          <p:attrName>style.visibility</p:attrName>
+                                        </p:attrNameLst>
+                                      </p:cBhvr>
+                                      <p:to>
+                                        <p:strVal val="visible"/>
+                                      </p:to>
+                                    </p:set>
+                                    <p:animEffect transition="in" filter="fade">
+                                      <p:cBhvr>
+                                        <p:cTn id="17" dur="500"/>
+                                        <p:tgtEl>
+                                          <p:spTgt spid="96"/>
+                                        </p:tgtEl>
+                                      </p:cBhvr>
+                                    </p:animEffect>
+                                  </p:childTnLst>
+                                </p:cTn>
+                              </p:par>
+                            </p:childTnLst>
+                          </p:cTn>
+                        </p:par>
+                      </p:childTnLst>
+                    </p:cTn>
+                  </p:par>
+                  <p:par>
+                    <p:cTn id="18" fill="hold">
+                      <p:stCondLst>
+                        <p:cond delay="indefinite"/>
+                      </p:stCondLst>
+                      <p:childTnLst>
+                        <p:par>
+                          <p:cTn id="19" fill="hold">
+                            <p:stCondLst>
+                              <p:cond delay="0"/>
+                            </p:stCondLst>
+                            <p:childTnLst>
+                              <p:par>
+                                <p:cTn id="20" presetID="22" presetClass="entr" presetSubtype="1" fill="hold" nodeType="clickEffect">
+                                  <p:stCondLst>
+                                    <p:cond delay="0"/>
+                                  </p:stCondLst>
+                                  <p:childTnLst>
+                                    <p:set>
+                                      <p:cBhvr>
+                                        <p:cTn id="21" dur="1" fill="hold">
+                                          <p:stCondLst>
+                                            <p:cond delay="0"/>
+                                          </p:stCondLst>
+                                        </p:cTn>
+                                        <p:tgtEl>
+                                          <p:spTgt spid="92"/>
+                                        </p:tgtEl>
+                                        <p:attrNameLst>
+                                          <p:attrName>style.visibility</p:attrName>
+                                        </p:attrNameLst>
+                                      </p:cBhvr>
+                                      <p:to>
+                                        <p:strVal val="visible"/>
+                                      </p:to>
+                                    </p:set>
+                                    <p:animEffect transition="in" filter="wipe(up)">
+                                      <p:cBhvr>
+                                        <p:cTn id="22" dur="1000"/>
+                                        <p:tgtEl>
+                                          <p:spTgt spid="92"/>
+                                        </p:tgtEl>
+                                      </p:cBhvr>
+                                    </p:animEffect>
+                                  </p:childTnLst>
+                                </p:cTn>
+                              </p:par>
+                              <p:par>
+                                <p:cTn id="23" presetID="22" presetClass="entr" presetSubtype="1" fill="hold" nodeType="withEffect">
+                                  <p:stCondLst>
+                                    <p:cond delay="750"/>
+                                  </p:stCondLst>
+                                  <p:childTnLst>
+                                    <p:set>
+                                      <p:cBhvr>
+                                        <p:cTn id="24" dur="1" fill="hold">
+                                          <p:stCondLst>
+                                            <p:cond delay="0"/>
+                                          </p:stCondLst>
+                                        </p:cTn>
+                                        <p:tgtEl>
+                                          <p:spTgt spid="78"/>
+                                        </p:tgtEl>
+                                        <p:attrNameLst>
+                                          <p:attrName>style.visibility</p:attrName>
+                                        </p:attrNameLst>
+                                      </p:cBhvr>
+                                      <p:to>
+                                        <p:strVal val="visible"/>
+                                      </p:to>
+                                    </p:set>
+                                    <p:animEffect transition="in" filter="wipe(up)">
+                                      <p:cBhvr>
+                                        <p:cTn id="25" dur="500"/>
+                                        <p:tgtEl>
+                                          <p:spTgt spid="78"/>
+                                        </p:tgtEl>
+                                      </p:cBhvr>
+                                    </p:animEffect>
+                                  </p:childTnLst>
+                                </p:cTn>
+                              </p:par>
+                              <p:par>
+                                <p:cTn id="26" presetID="22" presetClass="entr" presetSubtype="1" fill="hold" nodeType="withEffect">
+                                  <p:stCondLst>
+                                    <p:cond delay="750"/>
+                                  </p:stCondLst>
+                                  <p:childTnLst>
+                                    <p:set>
+                                      <p:cBhvr>
+                                        <p:cTn id="27" dur="1" fill="hold">
+                                          <p:stCondLst>
+                                            <p:cond delay="0"/>
+                                          </p:stCondLst>
+                                        </p:cTn>
+                                        <p:tgtEl>
+                                          <p:spTgt spid="93"/>
+                                        </p:tgtEl>
+                                        <p:attrNameLst>
+                                          <p:attrName>style.visibility</p:attrName>
+                                        </p:attrNameLst>
+                                      </p:cBhvr>
+                                      <p:to>
+                                        <p:strVal val="visible"/>
+                                      </p:to>
+                                    </p:set>
+                                    <p:animEffect transition="in" filter="wipe(up)">
+                                      <p:cBhvr>
+                                        <p:cTn id="28" dur="500"/>
+                                        <p:tgtEl>
+                                          <p:spTgt spid="93"/>
+                                        </p:tgtEl>
+                                      </p:cBhvr>
+                                    </p:animEffect>
+                                  </p:childTnLst>
+                                </p:cTn>
+                              </p:par>
+                              <p:par>
+                                <p:cTn id="29" presetID="10" presetClass="entr" presetSubtype="0" fill="hold" grpId="0" nodeType="withEffect">
+                                  <p:stCondLst>
+                                    <p:cond delay="0"/>
+                                  </p:stCondLst>
+                                  <p:childTnLst>
+                                    <p:set>
+                                      <p:cBhvr>
+                                        <p:cTn id="30" dur="1" fill="hold">
+                                          <p:stCondLst>
+                                            <p:cond delay="0"/>
+                                          </p:stCondLst>
+                                        </p:cTn>
+                                        <p:tgtEl>
+                                          <p:spTgt spid="94"/>
+                                        </p:tgtEl>
+                                        <p:attrNameLst>
+                                          <p:attrName>style.visibility</p:attrName>
+                                        </p:attrNameLst>
+                                      </p:cBhvr>
+                                      <p:to>
+                                        <p:strVal val="visible"/>
+                                      </p:to>
+                                    </p:set>
+                                    <p:animEffect transition="in" filter="fade">
+                                      <p:cBhvr>
+                                        <p:cTn id="31" dur="1000"/>
+                                        <p:tgtEl>
+                                          <p:spTgt spid="94"/>
+                                        </p:tgtEl>
+                                      </p:cBhvr>
+                                    </p:animEffect>
+                                  </p:childTnLst>
+                                </p:cTn>
+                              </p:par>
+                            </p:childTnLst>
+                          </p:cTn>
+                        </p:par>
+                        <p:par>
+                          <p:cTn id="32" fill="hold">
+                            <p:stCondLst>
+                              <p:cond delay="1250"/>
+                            </p:stCondLst>
+                            <p:childTnLst>
+                              <p:par>
+                                <p:cTn id="33" presetID="10" presetClass="entr" presetSubtype="0" fill="hold" grpId="0" nodeType="afterEffect">
+                                  <p:stCondLst>
+                                    <p:cond delay="500"/>
+                                  </p:stCondLst>
+                                  <p:childTnLst>
+                                    <p:set>
+                                      <p:cBhvr>
+                                        <p:cTn id="34" dur="1" fill="hold">
+                                          <p:stCondLst>
+                                            <p:cond delay="0"/>
+                                          </p:stCondLst>
+                                        </p:cTn>
+                                        <p:tgtEl>
+                                          <p:spTgt spid="95"/>
+                                        </p:tgtEl>
+                                        <p:attrNameLst>
+                                          <p:attrName>style.visibility</p:attrName>
+                                        </p:attrNameLst>
+                                      </p:cBhvr>
+                                      <p:to>
+                                        <p:strVal val="visible"/>
+                                      </p:to>
+                                    </p:set>
+                                    <p:animEffect transition="in" filter="fade">
+                                      <p:cBhvr>
+                                        <p:cTn id="35" dur="500"/>
+                                        <p:tgtEl>
+                                          <p:spTgt spid="95"/>
+                                        </p:tgtEl>
+                                      </p:cBhvr>
+                                    </p:animEffect>
+                                  </p:childTnLst>
+                                </p:cTn>
+                              </p:par>
+                            </p:childTnLst>
+                          </p:cTn>
+                        </p:par>
+                      </p:childTnLst>
+                    </p:cTn>
+                  </p:par>
+                  <p:par>
+                    <p:cTn id="36" fill="hold">
+                      <p:stCondLst>
+                        <p:cond delay="indefinite"/>
+                      </p:stCondLst>
+                      <p:childTnLst>
+                        <p:par>
+                          <p:cTn id="37" fill="hold">
+                            <p:stCondLst>
+                              <p:cond delay="0"/>
+                            </p:stCondLst>
+                            <p:childTnLst>
+                              <p:par>
+                                <p:cTn id="38" presetID="10" presetClass="entr" presetSubtype="0" fill="hold" grpId="0" nodeType="clickEffect">
+                                  <p:stCondLst>
+                                    <p:cond delay="0"/>
+                                  </p:stCondLst>
+                                  <p:childTnLst>
+                                    <p:set>
+                                      <p:cBhvr>
+                                        <p:cTn id="39" dur="1" fill="hold">
+                                          <p:stCondLst>
+                                            <p:cond delay="0"/>
+                                          </p:stCondLst>
+                                        </p:cTn>
+                                        <p:tgtEl>
+                                          <p:spTgt spid="97"/>
+                                        </p:tgtEl>
+                                        <p:attrNameLst>
+                                          <p:attrName>style.visibility</p:attrName>
+                                        </p:attrNameLst>
+                                      </p:cBhvr>
+                                      <p:to>
+                                        <p:strVal val="visible"/>
+                                      </p:to>
+                                    </p:set>
+                                    <p:animEffect transition="in" filter="fade">
+                                      <p:cBhvr>
+                                        <p:cTn id="40" dur="750"/>
+                                        <p:tgtEl>
+                                          <p:spTgt spid="97"/>
+                                        </p:tgtEl>
+                                      </p:cBhvr>
+                                    </p:animEffect>
+                                  </p:childTnLst>
+                                </p:cTn>
+                              </p:par>
+                            </p:childTnLst>
+                          </p:cTn>
+                        </p:par>
+                      </p:childTnLst>
+                    </p:cTn>
+                  </p:par>
+                </p:childTnLst>
+              </p:cTn>
+              <p:prevCondLst>
+                <p:cond evt="onPrev" delay="0">
+                  <p:tgtEl>
+                    <p:sldTgt/>
+                  </p:tgtEl>
+                </p:cond>
+              </p:prevCondLst>
+              <p:nextCondLst>
+                <p:cond evt="onNext" delay="0">
+                  <p:tgtEl>
+                    <p:sldTgt/>
+                  </p:tgtEl>
+                </p:cond>
+              </p:nextCondLst>
+            </p:seq>
+          </p:childTnLst>
+        </p:cTn>
+      </p:par>
+    </p:tnLst>
+    <p:bldLst>
+      <p:bldP spid="94" grpId="0"/>
+      <p:bldP spid="95" grpId="0" animBg="1"/>
+      <p:bldP spid="96" grpId="0" animBg="1"/>
+      <p:bldP spid="97" grpId="0" animBg="1"/>
+    </p:bldLst>
+  </p:timing>
+</p:sld>
+</file>
+
+<file path=ppt/slides/slide11.xml><?xml version="1.0" encoding="utf-8"?>
+<p:sld xmlns:a="http://schemas.openxmlformats.org/drawingml/2006/main" xmlns:r="http://schemas.openxmlformats.org/officeDocument/2006/relationships" xmlns:p="http://schemas.openxmlformats.org/presentationml/2006/main">
+  <p:cSld>
+    <p:spTree>
+      <p:nvGrpSpPr>
+        <p:cNvPr id="1" name=""/>
+        <p:cNvGrpSpPr/>
+        <p:nvPr/>
+      </p:nvGrpSpPr>
+      <p:grpSpPr>
+        <a:xfrm>
+          <a:off x="0" y="0"/>
+          <a:ext cx="0" cy="0"/>
+          <a:chOff x="0" y="0"/>
+          <a:chExt cx="0" cy="0"/>
+        </a:xfrm>
+      </p:grpSpPr>
       <p:sp>
         <p:nvSpPr>
           <p:cNvPr id="2" name="Titel 1"/>
@@ -3174,7 +7298,7 @@
 </p:sld>
 </file>
 
-<file path=ppt/slides/slide11.xml><?xml version="1.0" encoding="utf-8"?>
+<file path=ppt/slides/slide12.xml><?xml version="1.0" encoding="utf-8"?>
 <p:sld xmlns:a="http://schemas.openxmlformats.org/drawingml/2006/main" xmlns:r="http://schemas.openxmlformats.org/officeDocument/2006/relationships" xmlns:p="http://schemas.openxmlformats.org/presentationml/2006/main">
   <p:cSld>
     <p:spTree>
@@ -3246,7 +7370,7 @@
 </p:sld>
 </file>
 
-<file path=ppt/slides/slide12.xml><?xml version="1.0" encoding="utf-8"?>
+<file path=ppt/slides/slide13.xml><?xml version="1.0" encoding="utf-8"?>
 <p:sld xmlns:a="http://schemas.openxmlformats.org/drawingml/2006/main" xmlns:r="http://schemas.openxmlformats.org/officeDocument/2006/relationships" xmlns:p="http://schemas.openxmlformats.org/presentationml/2006/main">
   <p:cSld>
     <p:spTree>
@@ -3344,7 +7468,7 @@
 </p:sld>
 </file>
 
-<file path=ppt/slides/slide13.xml><?xml version="1.0" encoding="utf-8"?>
+<file path=ppt/slides/slide14.xml><?xml version="1.0" encoding="utf-8"?>
 <p:sld xmlns:a="http://schemas.openxmlformats.org/drawingml/2006/main" xmlns:r="http://schemas.openxmlformats.org/officeDocument/2006/relationships" xmlns:p="http://schemas.openxmlformats.org/presentationml/2006/main">
   <p:cSld>
     <p:spTree>
@@ -3452,7 +7576,7 @@
 </p:sld>
 </file>
 
-<file path=ppt/slides/slide14.xml><?xml version="1.0" encoding="utf-8"?>
+<file path=ppt/slides/slide15.xml><?xml version="1.0" encoding="utf-8"?>
 <p:sld xmlns:a="http://schemas.openxmlformats.org/drawingml/2006/main" xmlns:r="http://schemas.openxmlformats.org/officeDocument/2006/relationships" xmlns:p="http://schemas.openxmlformats.org/presentationml/2006/main">
   <p:cSld>
     <p:spTree>
@@ -3524,7 +7648,7 @@
 </p:sld>
 </file>
 
-<file path=ppt/slides/slide15.xml><?xml version="1.0" encoding="utf-8"?>
+<file path=ppt/slides/slide16.xml><?xml version="1.0" encoding="utf-8"?>
 <p:sld xmlns:a="http://schemas.openxmlformats.org/drawingml/2006/main" xmlns:r="http://schemas.openxmlformats.org/officeDocument/2006/relationships" xmlns:p="http://schemas.openxmlformats.org/presentationml/2006/main">
   <p:cSld>
     <p:spTree>
@@ -3622,7 +7746,7 @@
 </p:sld>
 </file>
 
-<file path=ppt/slides/slide16.xml><?xml version="1.0" encoding="utf-8"?>
+<file path=ppt/slides/slide17.xml><?xml version="1.0" encoding="utf-8"?>
 <p:sld xmlns:a="http://schemas.openxmlformats.org/drawingml/2006/main" xmlns:r="http://schemas.openxmlformats.org/officeDocument/2006/relationships" xmlns:p="http://schemas.openxmlformats.org/presentationml/2006/main">
   <p:cSld>
     <p:spTree>
@@ -3690,7 +7814,7 @@
 </p:sld>
 </file>
 
-<file path=ppt/slides/slide17.xml><?xml version="1.0" encoding="utf-8"?>
+<file path=ppt/slides/slide18.xml><?xml version="1.0" encoding="utf-8"?>
 <p:sld xmlns:a="http://schemas.openxmlformats.org/drawingml/2006/main" xmlns:r="http://schemas.openxmlformats.org/officeDocument/2006/relationships" xmlns:p="http://schemas.openxmlformats.org/presentationml/2006/main">
   <p:cSld>
     <p:spTree>
@@ -6837,15 +10961,7 @@
                 <a:ea typeface="Cambria Math" panose="02040503050406030204" pitchFamily="18" charset="0"/>
                 <a:cs typeface="Courier New" panose="02070309020205020404" pitchFamily="49" charset="0"/>
               </a:rPr>
-              <a:t>minimum weighted matching    </a:t>
-            </a:r>
-            <a:r>
-              <a:rPr lang="en-GB" sz="2400" dirty="0" smtClean="0">
-                <a:latin typeface="Cambria Math" panose="02040503050406030204" pitchFamily="18" charset="0"/>
-                <a:ea typeface="Cambria Math" panose="02040503050406030204" pitchFamily="18" charset="0"/>
-                <a:cs typeface="Courier New" panose="02070309020205020404" pitchFamily="49" charset="0"/>
-              </a:rPr>
-              <a:t>   of </a:t>
+              <a:t>minimum weighted matching       of </a:t>
             </a:r>
             <a:r>
               <a:rPr lang="en-GB" sz="2400" dirty="0">
@@ -9388,8 +13504,8 @@
             </p:sp>
           </mc:Fallback>
         </mc:AlternateContent>
-        <mc:AlternateContent xmlns:mc="http://schemas.openxmlformats.org/markup-compatibility/2006">
-          <mc:Choice xmlns:a14="http://schemas.microsoft.com/office/drawing/2010/main" Requires="a14">
+        <mc:AlternateContent xmlns:mc="http://schemas.openxmlformats.org/markup-compatibility/2006" xmlns:a14="http://schemas.microsoft.com/office/drawing/2010/main">
+          <mc:Choice Requires="a14">
             <p:sp>
               <p:nvSpPr>
                 <p:cNvPr id="69" name="Textfeld 68"/>
@@ -9484,7 +13600,7 @@
               </p:txBody>
             </p:sp>
           </mc:Choice>
-          <mc:Fallback>
+          <mc:Fallback xmlns="">
             <p:sp>
               <p:nvSpPr>
                 <p:cNvPr id="69" name="Textfeld 68"/>
@@ -9523,8 +13639,8 @@
             </p:sp>
           </mc:Fallback>
         </mc:AlternateContent>
-        <mc:AlternateContent xmlns:mc="http://schemas.openxmlformats.org/markup-compatibility/2006">
-          <mc:Choice xmlns:a14="http://schemas.microsoft.com/office/drawing/2010/main" Requires="a14">
+        <mc:AlternateContent xmlns:mc="http://schemas.openxmlformats.org/markup-compatibility/2006" xmlns:a14="http://schemas.microsoft.com/office/drawing/2010/main">
+          <mc:Choice Requires="a14">
             <p:sp>
               <p:nvSpPr>
                 <p:cNvPr id="71" name="Textfeld 70"/>
@@ -9619,7 +13735,7 @@
               </p:txBody>
             </p:sp>
           </mc:Choice>
-          <mc:Fallback>
+          <mc:Fallback xmlns="">
             <p:sp>
               <p:nvSpPr>
                 <p:cNvPr id="71" name="Textfeld 70"/>
@@ -12482,8 +16598,8 @@
           </a:p>
         </p:txBody>
       </p:sp>
-      <mc:AlternateContent xmlns:mc="http://schemas.openxmlformats.org/markup-compatibility/2006">
-        <mc:Choice xmlns:a14="http://schemas.microsoft.com/office/drawing/2010/main" Requires="a14">
+      <mc:AlternateContent xmlns:mc="http://schemas.openxmlformats.org/markup-compatibility/2006" xmlns:a14="http://schemas.microsoft.com/office/drawing/2010/main">
+        <mc:Choice Requires="a14">
           <p:sp>
             <p:nvSpPr>
               <p:cNvPr id="3" name="Textfeld 2"/>
@@ -12966,7 +17082,7 @@
             </p:txBody>
           </p:sp>
         </mc:Choice>
-        <mc:Fallback>
+        <mc:Fallback xmlns="">
           <p:sp>
             <p:nvSpPr>
               <p:cNvPr id="3" name="Textfeld 2"/>
@@ -13508,8 +17624,8 @@
           </a:fontRef>
         </p:style>
       </p:cxnSp>
-      <mc:AlternateContent xmlns:mc="http://schemas.openxmlformats.org/markup-compatibility/2006">
-        <mc:Choice xmlns:a14="http://schemas.microsoft.com/office/drawing/2010/main" Requires="a14">
+      <mc:AlternateContent xmlns:mc="http://schemas.openxmlformats.org/markup-compatibility/2006" xmlns:a14="http://schemas.microsoft.com/office/drawing/2010/main">
+        <mc:Choice Requires="a14">
           <p:sp>
             <p:nvSpPr>
               <p:cNvPr id="30" name="Textfeld 29"/>
@@ -13532,6 +17648,7 @@
               </a:bodyPr>
               <a:lstStyle/>
               <a:p>
+                <a:pPr/>
                 <a14:m>
                   <m:oMathPara xmlns:m="http://schemas.openxmlformats.org/officeDocument/2006/math">
                     <m:oMathParaPr>
@@ -13557,7 +17674,7 @@
             </p:txBody>
           </p:sp>
         </mc:Choice>
-        <mc:Fallback>
+        <mc:Fallback xmlns="">
           <p:sp>
             <p:nvSpPr>
               <p:cNvPr id="30" name="Textfeld 29"/>
@@ -13596,8 +17713,8 @@
           </p:sp>
         </mc:Fallback>
       </mc:AlternateContent>
-      <mc:AlternateContent xmlns:mc="http://schemas.openxmlformats.org/markup-compatibility/2006">
-        <mc:Choice xmlns:a14="http://schemas.microsoft.com/office/drawing/2010/main" Requires="a14">
+      <mc:AlternateContent xmlns:mc="http://schemas.openxmlformats.org/markup-compatibility/2006" xmlns:a14="http://schemas.microsoft.com/office/drawing/2010/main">
+        <mc:Choice Requires="a14">
           <p:sp>
             <p:nvSpPr>
               <p:cNvPr id="31" name="Textfeld 30"/>
@@ -13620,6 +17737,7 @@
               </a:bodyPr>
               <a:lstStyle/>
               <a:p>
+                <a:pPr/>
                 <a14:m>
                   <m:oMathPara xmlns:m="http://schemas.openxmlformats.org/officeDocument/2006/math">
                     <m:oMathParaPr>
@@ -13651,7 +17769,7 @@
             </p:txBody>
           </p:sp>
         </mc:Choice>
-        <mc:Fallback>
+        <mc:Fallback xmlns="">
           <p:sp>
             <p:nvSpPr>
               <p:cNvPr id="31" name="Textfeld 30"/>
@@ -13690,8 +17808,8 @@
           </p:sp>
         </mc:Fallback>
       </mc:AlternateContent>
-      <mc:AlternateContent xmlns:mc="http://schemas.openxmlformats.org/markup-compatibility/2006">
-        <mc:Choice xmlns:a14="http://schemas.microsoft.com/office/drawing/2010/main" Requires="a14">
+      <mc:AlternateContent xmlns:mc="http://schemas.openxmlformats.org/markup-compatibility/2006" xmlns:a14="http://schemas.microsoft.com/office/drawing/2010/main">
+        <mc:Choice Requires="a14">
           <p:sp>
             <p:nvSpPr>
               <p:cNvPr id="32" name="Textfeld 31"/>
@@ -13714,6 +17832,7 @@
               </a:bodyPr>
               <a:lstStyle/>
               <a:p>
+                <a:pPr/>
                 <a14:m>
                   <m:oMathPara xmlns:m="http://schemas.openxmlformats.org/officeDocument/2006/math">
                     <m:oMathParaPr>
@@ -13776,7 +17895,7 @@
             </p:txBody>
           </p:sp>
         </mc:Choice>
-        <mc:Fallback>
+        <mc:Fallback xmlns="">
           <p:sp>
             <p:nvSpPr>
               <p:cNvPr id="32" name="Textfeld 31"/>
@@ -13861,8 +17980,8 @@
           </a:p>
         </p:txBody>
       </p:sp>
-      <mc:AlternateContent xmlns:mc="http://schemas.openxmlformats.org/markup-compatibility/2006">
-        <mc:Choice xmlns:a14="http://schemas.microsoft.com/office/drawing/2010/main" Requires="a14">
+      <mc:AlternateContent xmlns:mc="http://schemas.openxmlformats.org/markup-compatibility/2006" xmlns:a14="http://schemas.microsoft.com/office/drawing/2010/main">
+        <mc:Choice Requires="a14">
           <p:sp>
             <p:nvSpPr>
               <p:cNvPr id="34" name="Textfeld 33"/>
@@ -13885,6 +18004,7 @@
               </a:bodyPr>
               <a:lstStyle/>
               <a:p>
+                <a:pPr/>
                 <a14:m>
                   <m:oMathPara xmlns:m="http://schemas.openxmlformats.org/officeDocument/2006/math">
                     <m:oMathParaPr>
@@ -13912,7 +18032,7 @@
             </p:txBody>
           </p:sp>
         </mc:Choice>
-        <mc:Fallback>
+        <mc:Fallback xmlns="">
           <p:sp>
             <p:nvSpPr>
               <p:cNvPr id="34" name="Textfeld 33"/>
@@ -13951,8 +18071,8 @@
           </p:sp>
         </mc:Fallback>
       </mc:AlternateContent>
-      <mc:AlternateContent xmlns:mc="http://schemas.openxmlformats.org/markup-compatibility/2006">
-        <mc:Choice xmlns:a14="http://schemas.microsoft.com/office/drawing/2010/main" Requires="a14">
+      <mc:AlternateContent xmlns:mc="http://schemas.openxmlformats.org/markup-compatibility/2006" xmlns:a14="http://schemas.microsoft.com/office/drawing/2010/main">
+        <mc:Choice Requires="a14">
           <p:sp>
             <p:nvSpPr>
               <p:cNvPr id="36" name="Textfeld 35"/>
@@ -14096,7 +18216,7 @@
             </p:txBody>
           </p:sp>
         </mc:Choice>
-        <mc:Fallback>
+        <mc:Fallback xmlns="">
           <p:sp>
             <p:nvSpPr>
               <p:cNvPr id="36" name="Textfeld 35"/>
@@ -14311,8 +18431,8 @@
           </p:style>
         </p:cxnSp>
       </p:grpSp>
-      <mc:AlternateContent xmlns:mc="http://schemas.openxmlformats.org/markup-compatibility/2006">
-        <mc:Choice xmlns:a14="http://schemas.microsoft.com/office/drawing/2010/main" Requires="a14">
+      <mc:AlternateContent xmlns:mc="http://schemas.openxmlformats.org/markup-compatibility/2006" xmlns:a14="http://schemas.microsoft.com/office/drawing/2010/main">
+        <mc:Choice Requires="a14">
           <p:sp>
             <p:nvSpPr>
               <p:cNvPr id="51" name="Textfeld 50"/>
@@ -14335,6 +18455,7 @@
               </a:bodyPr>
               <a:lstStyle/>
               <a:p>
+                <a:pPr/>
                 <a14:m>
                   <m:oMathPara xmlns:m="http://schemas.openxmlformats.org/officeDocument/2006/math">
                     <m:oMathParaPr>
@@ -14360,7 +18481,7 @@
             </p:txBody>
           </p:sp>
         </mc:Choice>
-        <mc:Fallback>
+        <mc:Fallback xmlns="">
           <p:sp>
             <p:nvSpPr>
               <p:cNvPr id="51" name="Textfeld 50"/>
@@ -15431,8 +19552,8 @@
               </a:p>
             </p:txBody>
           </p:sp>
-          <mc:AlternateContent xmlns:mc="http://schemas.openxmlformats.org/markup-compatibility/2006">
-            <mc:Choice xmlns:a14="http://schemas.microsoft.com/office/drawing/2010/main" Requires="a14">
+          <mc:AlternateContent xmlns:mc="http://schemas.openxmlformats.org/markup-compatibility/2006" xmlns:a14="http://schemas.microsoft.com/office/drawing/2010/main">
+            <mc:Choice Requires="a14">
               <p:sp>
                 <p:nvSpPr>
                   <p:cNvPr id="24" name="Textfeld 23"/>
@@ -15455,6 +19576,7 @@
                   </a:bodyPr>
                   <a:lstStyle/>
                   <a:p>
+                    <a:pPr/>
                     <a14:m>
                       <m:oMathPara xmlns:m="http://schemas.openxmlformats.org/officeDocument/2006/math">
                         <m:oMathParaPr>
@@ -15515,7 +19637,7 @@
                 </p:txBody>
               </p:sp>
             </mc:Choice>
-            <mc:Fallback>
+            <mc:Fallback xmlns="">
               <p:sp>
                 <p:nvSpPr>
                   <p:cNvPr id="24" name="Textfeld 23"/>
@@ -15676,8 +19798,8 @@
           </a:p>
         </p:txBody>
       </p:sp>
-      <mc:AlternateContent xmlns:mc="http://schemas.openxmlformats.org/markup-compatibility/2006">
-        <mc:Choice xmlns:a14="http://schemas.microsoft.com/office/drawing/2010/main" Requires="a14">
+      <mc:AlternateContent xmlns:mc="http://schemas.openxmlformats.org/markup-compatibility/2006" xmlns:a14="http://schemas.microsoft.com/office/drawing/2010/main">
+        <mc:Choice Requires="a14">
           <p:sp>
             <p:nvSpPr>
               <p:cNvPr id="5" name="Textfeld 4"/>
@@ -16093,7 +20215,7 @@
             </p:txBody>
           </p:sp>
         </mc:Choice>
-        <mc:Fallback>
+        <mc:Fallback xmlns="">
           <p:sp>
             <p:nvSpPr>
               <p:cNvPr id="5" name="Textfeld 4"/>
@@ -16178,8 +20300,8 @@
           </a:p>
         </p:txBody>
       </p:sp>
-      <mc:AlternateContent xmlns:mc="http://schemas.openxmlformats.org/markup-compatibility/2006">
-        <mc:Choice xmlns:a14="http://schemas.microsoft.com/office/drawing/2010/main" Requires="a14">
+      <mc:AlternateContent xmlns:mc="http://schemas.openxmlformats.org/markup-compatibility/2006" xmlns:a14="http://schemas.microsoft.com/office/drawing/2010/main">
+        <mc:Choice Requires="a14">
           <p:sp>
             <p:nvSpPr>
               <p:cNvPr id="10" name="Textfeld 9"/>
@@ -16202,6 +20324,7 @@
               </a:bodyPr>
               <a:lstStyle/>
               <a:p>
+                <a:pPr/>
                 <a14:m>
                   <m:oMathPara xmlns:m="http://schemas.openxmlformats.org/officeDocument/2006/math">
                     <m:oMathParaPr>
@@ -16227,7 +20350,7 @@
             </p:txBody>
           </p:sp>
         </mc:Choice>
-        <mc:Fallback>
+        <mc:Fallback xmlns="">
           <p:sp>
             <p:nvSpPr>
               <p:cNvPr id="10" name="Textfeld 9"/>
@@ -16266,8 +20389,8 @@
           </p:sp>
         </mc:Fallback>
       </mc:AlternateContent>
-      <mc:AlternateContent xmlns:mc="http://schemas.openxmlformats.org/markup-compatibility/2006">
-        <mc:Choice xmlns:a14="http://schemas.microsoft.com/office/drawing/2010/main" Requires="a14">
+      <mc:AlternateContent xmlns:mc="http://schemas.openxmlformats.org/markup-compatibility/2006" xmlns:a14="http://schemas.microsoft.com/office/drawing/2010/main">
+        <mc:Choice Requires="a14">
           <p:sp>
             <p:nvSpPr>
               <p:cNvPr id="11" name="Textfeld 10"/>
@@ -16290,6 +20413,7 @@
               </a:bodyPr>
               <a:lstStyle/>
               <a:p>
+                <a:pPr/>
                 <a14:m>
                   <m:oMathPara xmlns:m="http://schemas.openxmlformats.org/officeDocument/2006/math">
                     <m:oMathParaPr>
@@ -16315,7 +20439,7 @@
             </p:txBody>
           </p:sp>
         </mc:Choice>
-        <mc:Fallback>
+        <mc:Fallback xmlns="">
           <p:sp>
             <p:nvSpPr>
               <p:cNvPr id="11" name="Textfeld 10"/>
@@ -16354,8 +20478,8 @@
           </p:sp>
         </mc:Fallback>
       </mc:AlternateContent>
-      <mc:AlternateContent xmlns:mc="http://schemas.openxmlformats.org/markup-compatibility/2006">
-        <mc:Choice xmlns:a14="http://schemas.microsoft.com/office/drawing/2010/main" Requires="a14">
+      <mc:AlternateContent xmlns:mc="http://schemas.openxmlformats.org/markup-compatibility/2006" xmlns:a14="http://schemas.microsoft.com/office/drawing/2010/main">
+        <mc:Choice Requires="a14">
           <p:sp>
             <p:nvSpPr>
               <p:cNvPr id="12" name="Textfeld 11"/>
@@ -16378,6 +20502,7 @@
               </a:bodyPr>
               <a:lstStyle/>
               <a:p>
+                <a:pPr/>
                 <a14:m>
                   <m:oMathPara xmlns:m="http://schemas.openxmlformats.org/officeDocument/2006/math">
                     <m:oMathParaPr>
@@ -16405,7 +20530,7 @@
             </p:txBody>
           </p:sp>
         </mc:Choice>
-        <mc:Fallback>
+        <mc:Fallback xmlns="">
           <p:sp>
             <p:nvSpPr>
               <p:cNvPr id="12" name="Textfeld 11"/>
@@ -16494,8 +20619,8 @@
             </a:fontRef>
           </p:style>
         </p:cxnSp>
-        <mc:AlternateContent xmlns:mc="http://schemas.openxmlformats.org/markup-compatibility/2006">
-          <mc:Choice xmlns:a14="http://schemas.microsoft.com/office/drawing/2010/main" Requires="a14">
+        <mc:AlternateContent xmlns:mc="http://schemas.openxmlformats.org/markup-compatibility/2006" xmlns:a14="http://schemas.microsoft.com/office/drawing/2010/main">
+          <mc:Choice Requires="a14">
             <p:sp>
               <p:nvSpPr>
                 <p:cNvPr id="14" name="Textfeld 13"/>
@@ -16518,6 +20643,7 @@
                 </a:bodyPr>
                 <a:lstStyle/>
                 <a:p>
+                  <a:pPr/>
                   <a14:m>
                     <m:oMathPara xmlns:m="http://schemas.openxmlformats.org/officeDocument/2006/math">
                       <m:oMathParaPr>
@@ -16580,7 +20706,7 @@
               </p:txBody>
             </p:sp>
           </mc:Choice>
-          <mc:Fallback>
+          <mc:Fallback xmlns="">
             <p:sp>
               <p:nvSpPr>
                 <p:cNvPr id="14" name="Textfeld 13"/>
@@ -16857,8 +20983,8 @@
           </p:style>
         </p:cxnSp>
       </p:grpSp>
-      <mc:AlternateContent xmlns:mc="http://schemas.openxmlformats.org/markup-compatibility/2006">
-        <mc:Choice xmlns:a14="http://schemas.microsoft.com/office/drawing/2010/main" Requires="a14">
+      <mc:AlternateContent xmlns:mc="http://schemas.openxmlformats.org/markup-compatibility/2006" xmlns:a14="http://schemas.microsoft.com/office/drawing/2010/main">
+        <mc:Choice Requires="a14">
           <p:sp>
             <p:nvSpPr>
               <p:cNvPr id="42" name="Textfeld 41"/>
@@ -16881,6 +21007,7 @@
               </a:bodyPr>
               <a:lstStyle/>
               <a:p>
+                <a:pPr/>
                 <a14:m>
                   <m:oMathPara xmlns:m="http://schemas.openxmlformats.org/officeDocument/2006/math">
                     <m:oMathParaPr>
@@ -16908,7 +21035,7 @@
             </p:txBody>
           </p:sp>
         </mc:Choice>
-        <mc:Fallback>
+        <mc:Fallback xmlns="">
           <p:sp>
             <p:nvSpPr>
               <p:cNvPr id="42" name="Textfeld 41"/>
@@ -17494,8 +21621,8 @@
           </p:txBody>
         </p:sp>
       </p:grpSp>
-      <mc:AlternateContent xmlns:mc="http://schemas.openxmlformats.org/markup-compatibility/2006">
-        <mc:Choice xmlns:a14="http://schemas.microsoft.com/office/drawing/2010/main" Requires="a14">
+      <mc:AlternateContent xmlns:mc="http://schemas.openxmlformats.org/markup-compatibility/2006" xmlns:a14="http://schemas.microsoft.com/office/drawing/2010/main">
+        <mc:Choice Requires="a14">
           <p:sp>
             <p:nvSpPr>
               <p:cNvPr id="51" name="Textfeld 50"/>
@@ -17518,6 +21645,7 @@
               </a:bodyPr>
               <a:lstStyle/>
               <a:p>
+                <a:pPr/>
                 <a14:m>
                   <m:oMathPara xmlns:m="http://schemas.openxmlformats.org/officeDocument/2006/math">
                     <m:oMathParaPr>
@@ -17573,7 +21701,7 @@
             </p:txBody>
           </p:sp>
         </mc:Choice>
-        <mc:Fallback>
+        <mc:Fallback xmlns="">
           <p:sp>
             <p:nvSpPr>
               <p:cNvPr id="51" name="Textfeld 50"/>
@@ -17612,8 +21740,8 @@
           </p:sp>
         </mc:Fallback>
       </mc:AlternateContent>
-      <mc:AlternateContent xmlns:mc="http://schemas.openxmlformats.org/markup-compatibility/2006">
-        <mc:Choice xmlns:a14="http://schemas.microsoft.com/office/drawing/2010/main" Requires="a14">
+      <mc:AlternateContent xmlns:mc="http://schemas.openxmlformats.org/markup-compatibility/2006" xmlns:a14="http://schemas.microsoft.com/office/drawing/2010/main">
+        <mc:Choice Requires="a14">
           <p:sp>
             <p:nvSpPr>
               <p:cNvPr id="52" name="Textfeld 51"/>
@@ -17798,16 +21926,7 @@
                         </a:solidFill>
                         <a:latin typeface="Cambria Math" panose="02040503050406030204" pitchFamily="18" charset="0"/>
                       </a:rPr>
-                      <m:t>                               </m:t>
-                    </m:r>
-                    <m:r>
-                      <a:rPr lang="de-DE" sz="2400" b="0" i="1" smtClean="0">
-                        <a:solidFill>
-                          <a:srgbClr val="006600"/>
-                        </a:solidFill>
-                        <a:latin typeface="Cambria Math" panose="02040503050406030204" pitchFamily="18" charset="0"/>
-                      </a:rPr>
-                      <m:t>+</m:t>
+                      <m:t>                               +</m:t>
                     </m:r>
                     <m:d>
                       <m:dPr>
@@ -17870,7 +21989,7 @@
             </p:txBody>
           </p:sp>
         </mc:Choice>
-        <mc:Fallback>
+        <mc:Fallback xmlns="">
           <p:sp>
             <p:nvSpPr>
               <p:cNvPr id="52" name="Textfeld 51"/>
@@ -17909,8 +22028,8 @@
           </p:sp>
         </mc:Fallback>
       </mc:AlternateContent>
-      <mc:AlternateContent xmlns:mc="http://schemas.openxmlformats.org/markup-compatibility/2006">
-        <mc:Choice xmlns:a14="http://schemas.microsoft.com/office/drawing/2010/main" Requires="a14">
+      <mc:AlternateContent xmlns:mc="http://schemas.openxmlformats.org/markup-compatibility/2006" xmlns:a14="http://schemas.microsoft.com/office/drawing/2010/main">
+        <mc:Choice Requires="a14">
           <p:sp>
             <p:nvSpPr>
               <p:cNvPr id="53" name="Textfeld 52"/>
@@ -17999,7 +22118,7 @@
             </p:txBody>
           </p:sp>
         </mc:Choice>
-        <mc:Fallback>
+        <mc:Fallback xmlns="">
           <p:sp>
             <p:nvSpPr>
               <p:cNvPr id="53" name="Textfeld 52"/>
@@ -18084,8 +22203,8 @@
           </a:p>
         </p:txBody>
       </p:sp>
-      <mc:AlternateContent xmlns:mc="http://schemas.openxmlformats.org/markup-compatibility/2006">
-        <mc:Choice xmlns:a14="http://schemas.microsoft.com/office/drawing/2010/main" Requires="a14">
+      <mc:AlternateContent xmlns:mc="http://schemas.openxmlformats.org/markup-compatibility/2006" xmlns:a14="http://schemas.microsoft.com/office/drawing/2010/main">
+        <mc:Choice Requires="a14">
           <p:sp>
             <p:nvSpPr>
               <p:cNvPr id="55" name="Textfeld 54"/>
@@ -18156,7 +22275,7 @@
             </p:txBody>
           </p:sp>
         </mc:Choice>
-        <mc:Fallback>
+        <mc:Fallback xmlns="">
           <p:sp>
             <p:nvSpPr>
               <p:cNvPr id="55" name="Textfeld 54"/>
@@ -18195,8 +22314,8 @@
           </p:sp>
         </mc:Fallback>
       </mc:AlternateContent>
-      <mc:AlternateContent xmlns:mc="http://schemas.openxmlformats.org/markup-compatibility/2006">
-        <mc:Choice xmlns:a14="http://schemas.microsoft.com/office/drawing/2010/main" Requires="a14">
+      <mc:AlternateContent xmlns:mc="http://schemas.openxmlformats.org/markup-compatibility/2006" xmlns:a14="http://schemas.microsoft.com/office/drawing/2010/main">
+        <mc:Choice Requires="a14">
           <p:sp>
             <p:nvSpPr>
               <p:cNvPr id="56" name="Textfeld 55"/>
@@ -18567,7 +22686,7 @@
             </p:txBody>
           </p:sp>
         </mc:Choice>
-        <mc:Fallback>
+        <mc:Fallback xmlns="">
           <p:sp>
             <p:nvSpPr>
               <p:cNvPr id="56" name="Textfeld 55"/>
@@ -18606,8 +22725,8 @@
           </p:sp>
         </mc:Fallback>
       </mc:AlternateContent>
-      <mc:AlternateContent xmlns:mc="http://schemas.openxmlformats.org/markup-compatibility/2006">
-        <mc:Choice xmlns:a14="http://schemas.microsoft.com/office/drawing/2010/main" Requires="a14">
+      <mc:AlternateContent xmlns:mc="http://schemas.openxmlformats.org/markup-compatibility/2006" xmlns:a14="http://schemas.microsoft.com/office/drawing/2010/main">
+        <mc:Choice Requires="a14">
           <p:sp>
             <p:nvSpPr>
               <p:cNvPr id="57" name="Textfeld 56"/>
@@ -18630,6 +22749,7 @@
               </a:bodyPr>
               <a:lstStyle/>
               <a:p>
+                <a:pPr/>
                 <a14:m>
                   <m:oMathPara xmlns:m="http://schemas.openxmlformats.org/officeDocument/2006/math">
                     <m:oMathParaPr>
@@ -18757,7 +22877,7 @@
             </p:txBody>
           </p:sp>
         </mc:Choice>
-        <mc:Fallback>
+        <mc:Fallback xmlns="">
           <p:sp>
             <p:nvSpPr>
               <p:cNvPr id="57" name="Textfeld 56"/>
@@ -18796,8 +22916,8 @@
           </p:sp>
         </mc:Fallback>
       </mc:AlternateContent>
-      <mc:AlternateContent xmlns:mc="http://schemas.openxmlformats.org/markup-compatibility/2006">
-        <mc:Choice xmlns:a14="http://schemas.microsoft.com/office/drawing/2010/main" Requires="a14">
+      <mc:AlternateContent xmlns:mc="http://schemas.openxmlformats.org/markup-compatibility/2006" xmlns:a14="http://schemas.microsoft.com/office/drawing/2010/main">
+        <mc:Choice Requires="a14">
           <p:sp>
             <p:nvSpPr>
               <p:cNvPr id="58" name="Textfeld 57"/>
@@ -18820,6 +22940,7 @@
               </a:bodyPr>
               <a:lstStyle/>
               <a:p>
+                <a:pPr/>
                 <a14:m>
                   <m:oMathPara xmlns:m="http://schemas.openxmlformats.org/officeDocument/2006/math">
                     <m:oMathParaPr>
@@ -18956,7 +23077,7 @@
             </p:txBody>
           </p:sp>
         </mc:Choice>
-        <mc:Fallback>
+        <mc:Fallback xmlns="">
           <p:sp>
             <p:nvSpPr>
               <p:cNvPr id="58" name="Textfeld 57"/>
@@ -19076,8 +23197,8 @@
           </p:style>
         </p:cxnSp>
       </p:grpSp>
-      <mc:AlternateContent xmlns:mc="http://schemas.openxmlformats.org/markup-compatibility/2006">
-        <mc:Choice xmlns:a14="http://schemas.microsoft.com/office/drawing/2010/main" Requires="a14">
+      <mc:AlternateContent xmlns:mc="http://schemas.openxmlformats.org/markup-compatibility/2006" xmlns:a14="http://schemas.microsoft.com/office/drawing/2010/main">
+        <mc:Choice Requires="a14">
           <p:sp>
             <p:nvSpPr>
               <p:cNvPr id="71" name="Textfeld 70"/>
@@ -19388,7 +23509,7 @@
             </p:txBody>
           </p:sp>
         </mc:Choice>
-        <mc:Fallback>
+        <mc:Fallback xmlns="">
           <p:sp>
             <p:nvSpPr>
               <p:cNvPr id="71" name="Textfeld 70"/>
@@ -19427,8 +23548,8 @@
           </p:sp>
         </mc:Fallback>
       </mc:AlternateContent>
-      <mc:AlternateContent xmlns:mc="http://schemas.openxmlformats.org/markup-compatibility/2006">
-        <mc:Choice xmlns:a14="http://schemas.microsoft.com/office/drawing/2010/main" Requires="a14">
+      <mc:AlternateContent xmlns:mc="http://schemas.openxmlformats.org/markup-compatibility/2006" xmlns:a14="http://schemas.microsoft.com/office/drawing/2010/main">
+        <mc:Choice Requires="a14">
           <p:sp>
             <p:nvSpPr>
               <p:cNvPr id="72" name="Textfeld 71"/>
@@ -19453,6 +23574,7 @@
               </a:bodyPr>
               <a:lstStyle/>
               <a:p>
+                <a:pPr/>
                 <a14:m>
                   <m:oMathPara xmlns:m="http://schemas.openxmlformats.org/officeDocument/2006/math">
                     <m:oMathParaPr>
@@ -19532,7 +23654,7 @@
             </p:txBody>
           </p:sp>
         </mc:Choice>
-        <mc:Fallback>
+        <mc:Fallback xmlns="">
           <p:sp>
             <p:nvSpPr>
               <p:cNvPr id="72" name="Textfeld 71"/>
@@ -19679,10 +23801,10 @@
         </p:nvGrpSpPr>
         <p:grpSpPr>
           <a:xfrm>
-            <a:off x="-85914" y="4563173"/>
-            <a:ext cx="2382497" cy="584775"/>
-            <a:chOff x="-85914" y="4563173"/>
-            <a:chExt cx="2382497" cy="584775"/>
+            <a:off x="-175809" y="4563173"/>
+            <a:ext cx="2472392" cy="584775"/>
+            <a:chOff x="-175809" y="4563173"/>
+            <a:chExt cx="2472392" cy="584775"/>
           </a:xfrm>
         </p:grpSpPr>
         <p:sp>
@@ -19693,8 +23815,8 @@
           </p:nvSpPr>
           <p:spPr>
             <a:xfrm>
-              <a:off x="-85914" y="4563173"/>
-              <a:ext cx="1456169" cy="584775"/>
+              <a:off x="-175809" y="4563173"/>
+              <a:ext cx="1546065" cy="584775"/>
             </a:xfrm>
             <a:prstGeom prst="rect">
               <a:avLst/>
@@ -19717,7 +23839,11 @@
               <a:pPr algn="r"/>
               <a:r>
                 <a:rPr lang="en-GB" sz="1600" dirty="0" smtClean="0"/>
-                <a:t>opt. offline-alg.</a:t>
+                <a:t>opt. </a:t>
+              </a:r>
+              <a:r>
+                <a:rPr lang="en-GB" sz="1600" dirty="0" smtClean="0"/>
+                <a:t>offline-ALG</a:t>
               </a:r>
               <a:endParaRPr lang="en-GB" sz="1600" dirty="0"/>
             </a:p>
@@ -21106,8 +25232,8 @@
             </a:p>
           </p:txBody>
         </p:sp>
-        <mc:AlternateContent xmlns:mc="http://schemas.openxmlformats.org/markup-compatibility/2006">
-          <mc:Choice xmlns:a14="http://schemas.microsoft.com/office/drawing/2010/main" Requires="a14">
+        <mc:AlternateContent xmlns:mc="http://schemas.openxmlformats.org/markup-compatibility/2006" xmlns:a14="http://schemas.microsoft.com/office/drawing/2010/main">
+          <mc:Choice Requires="a14">
             <p:sp>
               <p:nvSpPr>
                 <p:cNvPr id="24" name="Textfeld 23"/>
@@ -21130,6 +25256,7 @@
                 </a:bodyPr>
                 <a:lstStyle/>
                 <a:p>
+                  <a:pPr/>
                   <a14:m>
                     <m:oMathPara xmlns:m="http://schemas.openxmlformats.org/officeDocument/2006/math">
                       <m:oMathParaPr>
@@ -21190,7 +25317,7 @@
               </p:txBody>
             </p:sp>
           </mc:Choice>
-          <mc:Fallback>
+          <mc:Fallback xmlns="">
             <p:sp>
               <p:nvSpPr>
                 <p:cNvPr id="24" name="Textfeld 23"/>
@@ -21294,8 +25421,8 @@
           </a:p>
         </p:txBody>
       </p:sp>
-      <mc:AlternateContent xmlns:mc="http://schemas.openxmlformats.org/markup-compatibility/2006">
-        <mc:Choice xmlns:a14="http://schemas.microsoft.com/office/drawing/2010/main" Requires="a14">
+      <mc:AlternateContent xmlns:mc="http://schemas.openxmlformats.org/markup-compatibility/2006" xmlns:a14="http://schemas.microsoft.com/office/drawing/2010/main">
+        <mc:Choice Requires="a14">
           <p:sp>
             <p:nvSpPr>
               <p:cNvPr id="5" name="Textfeld 4"/>
@@ -21711,7 +25838,7 @@
             </p:txBody>
           </p:sp>
         </mc:Choice>
-        <mc:Fallback>
+        <mc:Fallback xmlns="">
           <p:sp>
             <p:nvSpPr>
               <p:cNvPr id="5" name="Textfeld 4"/>
@@ -21796,8 +25923,8 @@
           </a:p>
         </p:txBody>
       </p:sp>
-      <mc:AlternateContent xmlns:mc="http://schemas.openxmlformats.org/markup-compatibility/2006">
-        <mc:Choice xmlns:a14="http://schemas.microsoft.com/office/drawing/2010/main" Requires="a14">
+      <mc:AlternateContent xmlns:mc="http://schemas.openxmlformats.org/markup-compatibility/2006" xmlns:a14="http://schemas.microsoft.com/office/drawing/2010/main">
+        <mc:Choice Requires="a14">
           <p:sp>
             <p:nvSpPr>
               <p:cNvPr id="10" name="Textfeld 9"/>
@@ -21820,6 +25947,7 @@
               </a:bodyPr>
               <a:lstStyle/>
               <a:p>
+                <a:pPr/>
                 <a14:m>
                   <m:oMathPara xmlns:m="http://schemas.openxmlformats.org/officeDocument/2006/math">
                     <m:oMathParaPr>
@@ -21845,7 +25973,7 @@
             </p:txBody>
           </p:sp>
         </mc:Choice>
-        <mc:Fallback>
+        <mc:Fallback xmlns="">
           <p:sp>
             <p:nvSpPr>
               <p:cNvPr id="10" name="Textfeld 9"/>
@@ -21884,8 +26012,8 @@
           </p:sp>
         </mc:Fallback>
       </mc:AlternateContent>
-      <mc:AlternateContent xmlns:mc="http://schemas.openxmlformats.org/markup-compatibility/2006">
-        <mc:Choice xmlns:a14="http://schemas.microsoft.com/office/drawing/2010/main" Requires="a14">
+      <mc:AlternateContent xmlns:mc="http://schemas.openxmlformats.org/markup-compatibility/2006" xmlns:a14="http://schemas.microsoft.com/office/drawing/2010/main">
+        <mc:Choice Requires="a14">
           <p:sp>
             <p:nvSpPr>
               <p:cNvPr id="11" name="Textfeld 10"/>
@@ -21908,6 +26036,7 @@
               </a:bodyPr>
               <a:lstStyle/>
               <a:p>
+                <a:pPr/>
                 <a14:m>
                   <m:oMathPara xmlns:m="http://schemas.openxmlformats.org/officeDocument/2006/math">
                     <m:oMathParaPr>
@@ -21933,7 +26062,7 @@
             </p:txBody>
           </p:sp>
         </mc:Choice>
-        <mc:Fallback>
+        <mc:Fallback xmlns="">
           <p:sp>
             <p:nvSpPr>
               <p:cNvPr id="11" name="Textfeld 10"/>
@@ -21972,8 +26101,8 @@
           </p:sp>
         </mc:Fallback>
       </mc:AlternateContent>
-      <mc:AlternateContent xmlns:mc="http://schemas.openxmlformats.org/markup-compatibility/2006">
-        <mc:Choice xmlns:a14="http://schemas.microsoft.com/office/drawing/2010/main" Requires="a14">
+      <mc:AlternateContent xmlns:mc="http://schemas.openxmlformats.org/markup-compatibility/2006" xmlns:a14="http://schemas.microsoft.com/office/drawing/2010/main">
+        <mc:Choice Requires="a14">
           <p:sp>
             <p:nvSpPr>
               <p:cNvPr id="12" name="Textfeld 11"/>
@@ -21996,6 +26125,7 @@
               </a:bodyPr>
               <a:lstStyle/>
               <a:p>
+                <a:pPr/>
                 <a14:m>
                   <m:oMathPara xmlns:m="http://schemas.openxmlformats.org/officeDocument/2006/math">
                     <m:oMathParaPr>
@@ -22023,7 +26153,7 @@
             </p:txBody>
           </p:sp>
         </mc:Choice>
-        <mc:Fallback>
+        <mc:Fallback xmlns="">
           <p:sp>
             <p:nvSpPr>
               <p:cNvPr id="12" name="Textfeld 11"/>
@@ -22112,8 +26242,8 @@
             </a:fontRef>
           </p:style>
         </p:cxnSp>
-        <mc:AlternateContent xmlns:mc="http://schemas.openxmlformats.org/markup-compatibility/2006">
-          <mc:Choice xmlns:a14="http://schemas.microsoft.com/office/drawing/2010/main" Requires="a14">
+        <mc:AlternateContent xmlns:mc="http://schemas.openxmlformats.org/markup-compatibility/2006" xmlns:a14="http://schemas.microsoft.com/office/drawing/2010/main">
+          <mc:Choice Requires="a14">
             <p:sp>
               <p:nvSpPr>
                 <p:cNvPr id="14" name="Textfeld 13"/>
@@ -22136,6 +26266,7 @@
                 </a:bodyPr>
                 <a:lstStyle/>
                 <a:p>
+                  <a:pPr/>
                   <a14:m>
                     <m:oMathPara xmlns:m="http://schemas.openxmlformats.org/officeDocument/2006/math">
                       <m:oMathParaPr>
@@ -22198,7 +26329,7 @@
               </p:txBody>
             </p:sp>
           </mc:Choice>
-          <mc:Fallback>
+          <mc:Fallback xmlns="">
             <p:sp>
               <p:nvSpPr>
                 <p:cNvPr id="14" name="Textfeld 13"/>
@@ -22475,8 +26606,8 @@
           </p:style>
         </p:cxnSp>
       </p:grpSp>
-      <mc:AlternateContent xmlns:mc="http://schemas.openxmlformats.org/markup-compatibility/2006">
-        <mc:Choice xmlns:a14="http://schemas.microsoft.com/office/drawing/2010/main" Requires="a14">
+      <mc:AlternateContent xmlns:mc="http://schemas.openxmlformats.org/markup-compatibility/2006" xmlns:a14="http://schemas.microsoft.com/office/drawing/2010/main">
+        <mc:Choice Requires="a14">
           <p:sp>
             <p:nvSpPr>
               <p:cNvPr id="42" name="Textfeld 41"/>
@@ -22499,6 +26630,7 @@
               </a:bodyPr>
               <a:lstStyle/>
               <a:p>
+                <a:pPr/>
                 <a14:m>
                   <m:oMathPara xmlns:m="http://schemas.openxmlformats.org/officeDocument/2006/math">
                     <m:oMathParaPr>
@@ -22526,7 +26658,7 @@
             </p:txBody>
           </p:sp>
         </mc:Choice>
-        <mc:Fallback>
+        <mc:Fallback xmlns="">
           <p:sp>
             <p:nvSpPr>
               <p:cNvPr id="42" name="Textfeld 41"/>
@@ -23112,8 +27244,8 @@
           </p:txBody>
         </p:sp>
       </p:grpSp>
-      <mc:AlternateContent xmlns:mc="http://schemas.openxmlformats.org/markup-compatibility/2006">
-        <mc:Choice xmlns:a14="http://schemas.microsoft.com/office/drawing/2010/main" Requires="a14">
+      <mc:AlternateContent xmlns:mc="http://schemas.openxmlformats.org/markup-compatibility/2006" xmlns:a14="http://schemas.microsoft.com/office/drawing/2010/main">
+        <mc:Choice Requires="a14">
           <p:sp>
             <p:nvSpPr>
               <p:cNvPr id="51" name="Textfeld 50"/>
@@ -23136,6 +27268,7 @@
               </a:bodyPr>
               <a:lstStyle/>
               <a:p>
+                <a:pPr/>
                 <a14:m>
                   <m:oMathPara xmlns:m="http://schemas.openxmlformats.org/officeDocument/2006/math">
                     <m:oMathParaPr>
@@ -23191,7 +27324,7 @@
             </p:txBody>
           </p:sp>
         </mc:Choice>
-        <mc:Fallback>
+        <mc:Fallback xmlns="">
           <p:sp>
             <p:nvSpPr>
               <p:cNvPr id="51" name="Textfeld 50"/>
@@ -23230,8 +27363,8 @@
           </p:sp>
         </mc:Fallback>
       </mc:AlternateContent>
-      <mc:AlternateContent xmlns:mc="http://schemas.openxmlformats.org/markup-compatibility/2006">
-        <mc:Choice xmlns:a14="http://schemas.microsoft.com/office/drawing/2010/main" Requires="a14">
+      <mc:AlternateContent xmlns:mc="http://schemas.openxmlformats.org/markup-compatibility/2006" xmlns:a14="http://schemas.microsoft.com/office/drawing/2010/main">
+        <mc:Choice Requires="a14">
           <p:sp>
             <p:nvSpPr>
               <p:cNvPr id="53" name="Textfeld 52"/>
@@ -23320,7 +27453,7 @@
             </p:txBody>
           </p:sp>
         </mc:Choice>
-        <mc:Fallback>
+        <mc:Fallback xmlns="">
           <p:sp>
             <p:nvSpPr>
               <p:cNvPr id="53" name="Textfeld 52"/>
@@ -23405,8 +27538,8 @@
           </a:p>
         </p:txBody>
       </p:sp>
-      <mc:AlternateContent xmlns:mc="http://schemas.openxmlformats.org/markup-compatibility/2006">
-        <mc:Choice xmlns:a14="http://schemas.microsoft.com/office/drawing/2010/main" Requires="a14">
+      <mc:AlternateContent xmlns:mc="http://schemas.openxmlformats.org/markup-compatibility/2006" xmlns:a14="http://schemas.microsoft.com/office/drawing/2010/main">
+        <mc:Choice Requires="a14">
           <p:sp>
             <p:nvSpPr>
               <p:cNvPr id="58" name="Textfeld 57"/>
@@ -23429,6 +27562,7 @@
               </a:bodyPr>
               <a:lstStyle/>
               <a:p>
+                <a:pPr/>
                 <a14:m>
                   <m:oMathPara xmlns:m="http://schemas.openxmlformats.org/officeDocument/2006/math">
                     <m:oMathParaPr>
@@ -23565,7 +27699,7 @@
             </p:txBody>
           </p:sp>
         </mc:Choice>
-        <mc:Fallback>
+        <mc:Fallback xmlns="">
           <p:sp>
             <p:nvSpPr>
               <p:cNvPr id="58" name="Textfeld 57"/>
@@ -23604,8 +27738,8 @@
           </p:sp>
         </mc:Fallback>
       </mc:AlternateContent>
-      <mc:AlternateContent xmlns:mc="http://schemas.openxmlformats.org/markup-compatibility/2006">
-        <mc:Choice xmlns:a14="http://schemas.microsoft.com/office/drawing/2010/main" Requires="a14">
+      <mc:AlternateContent xmlns:mc="http://schemas.openxmlformats.org/markup-compatibility/2006" xmlns:a14="http://schemas.microsoft.com/office/drawing/2010/main">
+        <mc:Choice Requires="a14">
           <p:sp>
             <p:nvSpPr>
               <p:cNvPr id="71" name="Textfeld 70"/>
@@ -23916,7 +28050,7 @@
             </p:txBody>
           </p:sp>
         </mc:Choice>
-        <mc:Fallback>
+        <mc:Fallback xmlns="">
           <p:sp>
             <p:nvSpPr>
               <p:cNvPr id="71" name="Textfeld 70"/>
@@ -23955,8 +28089,8 @@
           </p:sp>
         </mc:Fallback>
       </mc:AlternateContent>
-      <mc:AlternateContent xmlns:mc="http://schemas.openxmlformats.org/markup-compatibility/2006">
-        <mc:Choice xmlns:a14="http://schemas.microsoft.com/office/drawing/2010/main" Requires="a14">
+      <mc:AlternateContent xmlns:mc="http://schemas.openxmlformats.org/markup-compatibility/2006" xmlns:a14="http://schemas.microsoft.com/office/drawing/2010/main">
+        <mc:Choice Requires="a14">
           <p:sp>
             <p:nvSpPr>
               <p:cNvPr id="72" name="Textfeld 71"/>
@@ -23981,6 +28115,7 @@
               </a:bodyPr>
               <a:lstStyle/>
               <a:p>
+                <a:pPr/>
                 <a14:m>
                   <m:oMathPara xmlns:m="http://schemas.openxmlformats.org/officeDocument/2006/math">
                     <m:oMathParaPr>
@@ -24060,7 +28195,7 @@
             </p:txBody>
           </p:sp>
         </mc:Choice>
-        <mc:Fallback>
+        <mc:Fallback xmlns="">
           <p:sp>
             <p:nvSpPr>
               <p:cNvPr id="72" name="Textfeld 71"/>
@@ -24224,8 +28359,20 @@
               <a:lstStyle/>
               <a:p>
                 <a:r>
+                  <a:rPr lang="en-GB" sz="2800" cap="small" dirty="0" smtClean="0">
+                    <a:effectLst>
+                      <a:outerShdw blurRad="38100" dist="38100" dir="2700000" algn="tl">
+                        <a:srgbClr val="000000">
+                          <a:alpha val="43137"/>
+                        </a:srgbClr>
+                      </a:outerShdw>
+                    </a:effectLst>
+                  </a:rPr>
+                  <a:t>Theorem:</a:t>
+                </a:r>
+                <a:r>
                   <a:rPr lang="en-GB" sz="2800" cap="small" dirty="0" smtClean="0"/>
-                  <a:t>Theorem: 	</a:t>
+                  <a:t> 	</a:t>
                 </a:r>
                 <a:r>
                   <a:rPr lang="en-GB" sz="2800" cap="small" dirty="0" err="1" smtClean="0"/>
@@ -24274,7 +28421,7 @@
               <a:blipFill rotWithShape="0">
                 <a:blip r:embed="rId14"/>
                 <a:stretch>
-                  <a:fillRect l="-2468" t="-11765" r="-1528" b="-34118"/>
+                  <a:fillRect l="-2585" t="-12941" r="-1528" b="-40000"/>
                 </a:stretch>
               </a:blipFill>
             </p:spPr>
@@ -24316,8 +28463,20 @@
           <a:lstStyle/>
           <a:p>
             <a:r>
+              <a:rPr lang="en-GB" sz="2800" cap="small" dirty="0" smtClean="0">
+                <a:effectLst>
+                  <a:outerShdw blurRad="38100" dist="38100" dir="2700000" algn="tl">
+                    <a:srgbClr val="000000">
+                      <a:alpha val="43137"/>
+                    </a:srgbClr>
+                  </a:outerShdw>
+                </a:effectLst>
+              </a:rPr>
+              <a:t>Remark: </a:t>
+            </a:r>
+            <a:r>
               <a:rPr lang="en-GB" sz="2800" cap="small" dirty="0" smtClean="0"/>
-              <a:t>Remark: 	</a:t>
+              <a:t>	</a:t>
             </a:r>
             <a:r>
               <a:rPr lang="en-GB" sz="2800" dirty="0" smtClean="0"/>
@@ -24327,8 +28486,8 @@
           </a:p>
         </p:txBody>
       </p:sp>
-      <mc:AlternateContent xmlns:mc="http://schemas.openxmlformats.org/markup-compatibility/2006">
-        <mc:Choice xmlns:a14="http://schemas.microsoft.com/office/drawing/2010/main" Requires="a14">
+      <mc:AlternateContent xmlns:mc="http://schemas.openxmlformats.org/markup-compatibility/2006" xmlns:a14="http://schemas.microsoft.com/office/drawing/2010/main">
+        <mc:Choice Requires="a14">
           <p:sp>
             <p:nvSpPr>
               <p:cNvPr id="60" name="Textfeld 59"/>
@@ -24351,6 +28510,7 @@
               </a:bodyPr>
               <a:lstStyle/>
               <a:p>
+                <a:pPr/>
                 <a14:m>
                   <m:oMathPara xmlns:m="http://schemas.openxmlformats.org/officeDocument/2006/math">
                     <m:oMathParaPr>
@@ -24478,7 +28638,7 @@
             </p:txBody>
           </p:sp>
         </mc:Choice>
-        <mc:Fallback>
+        <mc:Fallback xmlns="">
           <p:sp>
             <p:nvSpPr>
               <p:cNvPr id="60" name="Textfeld 59"/>
@@ -24683,6 +28843,411 @@
           <a:chExt cx="0" cy="0"/>
         </a:xfrm>
       </p:grpSpPr>
+      <p:cxnSp>
+        <p:nvCxnSpPr>
+          <p:cNvPr id="77" name="Gerader Verbinder 76"/>
+          <p:cNvCxnSpPr>
+            <a:endCxn id="74" idx="1"/>
+          </p:cNvCxnSpPr>
+          <p:nvPr/>
+        </p:nvCxnSpPr>
+        <p:spPr>
+          <a:xfrm>
+            <a:off x="7614788" y="1921911"/>
+            <a:ext cx="1080895" cy="856731"/>
+          </a:xfrm>
+          <a:prstGeom prst="line">
+            <a:avLst/>
+          </a:prstGeom>
+          <a:ln w="28575">
+            <a:solidFill>
+              <a:srgbClr val="006600"/>
+            </a:solidFill>
+          </a:ln>
+        </p:spPr>
+        <p:style>
+          <a:lnRef idx="1">
+            <a:schemeClr val="accent1"/>
+          </a:lnRef>
+          <a:fillRef idx="0">
+            <a:schemeClr val="accent1"/>
+          </a:fillRef>
+          <a:effectRef idx="0">
+            <a:schemeClr val="accent1"/>
+          </a:effectRef>
+          <a:fontRef idx="minor">
+            <a:schemeClr val="tx1"/>
+          </a:fontRef>
+        </p:style>
+      </p:cxnSp>
+      <p:grpSp>
+        <p:nvGrpSpPr>
+          <p:cNvPr id="67" name="Gruppieren 66"/>
+          <p:cNvGrpSpPr/>
+          <p:nvPr/>
+        </p:nvGrpSpPr>
+        <p:grpSpPr>
+          <a:xfrm>
+            <a:off x="4018249" y="2328048"/>
+            <a:ext cx="350672" cy="407849"/>
+            <a:chOff x="4018249" y="2328048"/>
+            <a:chExt cx="350672" cy="407849"/>
+          </a:xfrm>
+        </p:grpSpPr>
+        <p:sp>
+          <p:nvSpPr>
+            <p:cNvPr id="64" name="Geschweifte Klammer rechts 63"/>
+            <p:cNvSpPr/>
+            <p:nvPr/>
+          </p:nvSpPr>
+          <p:spPr>
+            <a:xfrm rot="16200000">
+              <a:off x="4133050" y="2520375"/>
+              <a:ext cx="121070" cy="309973"/>
+            </a:xfrm>
+            <a:prstGeom prst="rightBrace">
+              <a:avLst>
+                <a:gd name="adj1" fmla="val 95142"/>
+                <a:gd name="adj2" fmla="val 49488"/>
+              </a:avLst>
+            </a:prstGeom>
+            <a:ln w="19050">
+              <a:solidFill>
+                <a:schemeClr val="tx1"/>
+              </a:solidFill>
+            </a:ln>
+          </p:spPr>
+          <p:style>
+            <a:lnRef idx="1">
+              <a:schemeClr val="accent1"/>
+            </a:lnRef>
+            <a:fillRef idx="0">
+              <a:schemeClr val="accent1"/>
+            </a:fillRef>
+            <a:effectRef idx="0">
+              <a:schemeClr val="accent1"/>
+            </a:effectRef>
+            <a:fontRef idx="minor">
+              <a:schemeClr val="tx1"/>
+            </a:fontRef>
+          </p:style>
+          <p:txBody>
+            <a:bodyPr rtlCol="0" anchor="ctr"/>
+            <a:lstStyle/>
+            <a:p>
+              <a:pPr algn="ctr"/>
+              <a:endParaRPr lang="en-GB"/>
+            </a:p>
+          </p:txBody>
+        </p:sp>
+        <p:sp>
+          <p:nvSpPr>
+            <p:cNvPr id="66" name="Rechteck 65"/>
+            <p:cNvSpPr/>
+            <p:nvPr/>
+          </p:nvSpPr>
+          <p:spPr>
+            <a:xfrm>
+              <a:off x="4099129" y="2464625"/>
+              <a:ext cx="188912" cy="152517"/>
+            </a:xfrm>
+            <a:prstGeom prst="rect">
+              <a:avLst/>
+            </a:prstGeom>
+            <a:solidFill>
+              <a:schemeClr val="bg1"/>
+            </a:solidFill>
+            <a:ln>
+              <a:noFill/>
+            </a:ln>
+          </p:spPr>
+          <p:style>
+            <a:lnRef idx="2">
+              <a:schemeClr val="accent1">
+                <a:shade val="50000"/>
+              </a:schemeClr>
+            </a:lnRef>
+            <a:fillRef idx="1">
+              <a:schemeClr val="accent1"/>
+            </a:fillRef>
+            <a:effectRef idx="0">
+              <a:schemeClr val="accent1"/>
+            </a:effectRef>
+            <a:fontRef idx="minor">
+              <a:schemeClr val="lt1"/>
+            </a:fontRef>
+          </p:style>
+          <p:txBody>
+            <a:bodyPr rtlCol="0" anchor="ctr"/>
+            <a:lstStyle/>
+            <a:p>
+              <a:pPr algn="ctr"/>
+              <a:endParaRPr lang="en-GB"/>
+            </a:p>
+          </p:txBody>
+        </p:sp>
+        <mc:AlternateContent xmlns:mc="http://schemas.openxmlformats.org/markup-compatibility/2006">
+          <mc:Choice xmlns:a14="http://schemas.microsoft.com/office/drawing/2010/main" Requires="a14">
+            <p:sp>
+              <p:nvSpPr>
+                <p:cNvPr id="65" name="Textfeld 64"/>
+                <p:cNvSpPr txBox="1"/>
+                <p:nvPr/>
+              </p:nvSpPr>
+              <p:spPr>
+                <a:xfrm>
+                  <a:off x="4018249" y="2328048"/>
+                  <a:ext cx="350672" cy="369332"/>
+                </a:xfrm>
+                <a:prstGeom prst="rect">
+                  <a:avLst/>
+                </a:prstGeom>
+                <a:noFill/>
+              </p:spPr>
+              <p:txBody>
+                <a:bodyPr wrap="none" rtlCol="0">
+                  <a:spAutoFit/>
+                </a:bodyPr>
+                <a:lstStyle/>
+                <a:p>
+                  <a:pPr/>
+                  <a14:m>
+                    <m:oMathPara xmlns:m="http://schemas.openxmlformats.org/officeDocument/2006/math">
+                      <m:oMathParaPr>
+                        <m:jc m:val="center"/>
+                      </m:oMathParaPr>
+                      <m:oMath xmlns:m="http://schemas.openxmlformats.org/officeDocument/2006/math">
+                        <m:r>
+                          <a:rPr lang="de-DE" b="0" i="1" dirty="0" smtClean="0">
+                            <a:latin typeface="Cambria Math" panose="02040503050406030204" pitchFamily="18" charset="0"/>
+                          </a:rPr>
+                          <m:t>𝜀</m:t>
+                        </m:r>
+                      </m:oMath>
+                    </m:oMathPara>
+                  </a14:m>
+                  <a:endParaRPr lang="en-GB" dirty="0"/>
+                </a:p>
+              </p:txBody>
+            </p:sp>
+          </mc:Choice>
+          <mc:Fallback>
+            <p:sp>
+              <p:nvSpPr>
+                <p:cNvPr id="65" name="Textfeld 64"/>
+                <p:cNvSpPr txBox="1">
+                  <a:spLocks noRot="1" noChangeAspect="1" noMove="1" noResize="1" noEditPoints="1" noAdjustHandles="1" noChangeArrowheads="1" noChangeShapeType="1" noTextEdit="1"/>
+                </p:cNvSpPr>
+                <p:nvPr/>
+              </p:nvSpPr>
+              <p:spPr>
+                <a:xfrm>
+                  <a:off x="4018249" y="2328048"/>
+                  <a:ext cx="350672" cy="369332"/>
+                </a:xfrm>
+                <a:prstGeom prst="rect">
+                  <a:avLst/>
+                </a:prstGeom>
+                <a:blipFill rotWithShape="0">
+                  <a:blip r:embed="rId2"/>
+                  <a:stretch>
+                    <a:fillRect/>
+                  </a:stretch>
+                </a:blipFill>
+              </p:spPr>
+              <p:txBody>
+                <a:bodyPr/>
+                <a:lstStyle/>
+                <a:p>
+                  <a:r>
+                    <a:rPr lang="en-GB">
+                      <a:noFill/>
+                    </a:rPr>
+                    <a:t> </a:t>
+                  </a:r>
+                </a:p>
+              </p:txBody>
+            </p:sp>
+          </mc:Fallback>
+        </mc:AlternateContent>
+      </p:grpSp>
+      <p:cxnSp>
+        <p:nvCxnSpPr>
+          <p:cNvPr id="61" name="Gerader Verbinder 60"/>
+          <p:cNvCxnSpPr>
+            <a:stCxn id="57" idx="3"/>
+            <a:endCxn id="63" idx="1"/>
+          </p:cNvCxnSpPr>
+          <p:nvPr/>
+        </p:nvCxnSpPr>
+        <p:spPr>
+          <a:xfrm>
+            <a:off x="4038598" y="2830830"/>
+            <a:ext cx="1417838" cy="877914"/>
+          </a:xfrm>
+          <a:prstGeom prst="line">
+            <a:avLst/>
+          </a:prstGeom>
+          <a:ln w="28575">
+            <a:solidFill>
+              <a:srgbClr val="006600"/>
+            </a:solidFill>
+          </a:ln>
+        </p:spPr>
+        <p:style>
+          <a:lnRef idx="1">
+            <a:schemeClr val="accent1"/>
+          </a:lnRef>
+          <a:fillRef idx="0">
+            <a:schemeClr val="accent1"/>
+          </a:fillRef>
+          <a:effectRef idx="0">
+            <a:schemeClr val="accent1"/>
+          </a:effectRef>
+          <a:fontRef idx="minor">
+            <a:schemeClr val="tx1"/>
+          </a:fontRef>
+        </p:style>
+      </p:cxnSp>
+      <p:sp>
+        <p:nvSpPr>
+          <p:cNvPr id="57" name="Freihandform 56"/>
+          <p:cNvSpPr/>
+          <p:nvPr/>
+        </p:nvSpPr>
+        <p:spPr>
+          <a:xfrm>
+            <a:off x="3905156" y="1915160"/>
+            <a:ext cx="729215" cy="915670"/>
+          </a:xfrm>
+          <a:custGeom>
+            <a:avLst/>
+            <a:gdLst>
+              <a:gd name="connsiteX0" fmla="*/ 433647 w 709380"/>
+              <a:gd name="connsiteY0" fmla="*/ 0 h 909320"/>
+              <a:gd name="connsiteX1" fmla="*/ 692727 w 709380"/>
+              <a:gd name="connsiteY1" fmla="*/ 259080 h 909320"/>
+              <a:gd name="connsiteX2" fmla="*/ 12007 w 709380"/>
+              <a:gd name="connsiteY2" fmla="*/ 523240 h 909320"/>
+              <a:gd name="connsiteX3" fmla="*/ 240607 w 709380"/>
+              <a:gd name="connsiteY3" fmla="*/ 909320 h 909320"/>
+              <a:gd name="connsiteX4" fmla="*/ 240607 w 709380"/>
+              <a:gd name="connsiteY4" fmla="*/ 909320 h 909320"/>
+              <a:gd name="connsiteX0" fmla="*/ 433658 w 709391"/>
+              <a:gd name="connsiteY0" fmla="*/ 0 h 1046903"/>
+              <a:gd name="connsiteX1" fmla="*/ 692738 w 709391"/>
+              <a:gd name="connsiteY1" fmla="*/ 259080 h 1046903"/>
+              <a:gd name="connsiteX2" fmla="*/ 12018 w 709391"/>
+              <a:gd name="connsiteY2" fmla="*/ 523240 h 1046903"/>
+              <a:gd name="connsiteX3" fmla="*/ 240618 w 709391"/>
+              <a:gd name="connsiteY3" fmla="*/ 909320 h 1046903"/>
+              <a:gd name="connsiteX4" fmla="*/ 14135 w 709391"/>
+              <a:gd name="connsiteY4" fmla="*/ 1046903 h 1046903"/>
+              <a:gd name="connsiteX0" fmla="*/ 433658 w 709391"/>
+              <a:gd name="connsiteY0" fmla="*/ 0 h 909320"/>
+              <a:gd name="connsiteX1" fmla="*/ 692738 w 709391"/>
+              <a:gd name="connsiteY1" fmla="*/ 259080 h 909320"/>
+              <a:gd name="connsiteX2" fmla="*/ 12018 w 709391"/>
+              <a:gd name="connsiteY2" fmla="*/ 523240 h 909320"/>
+              <a:gd name="connsiteX3" fmla="*/ 240618 w 709391"/>
+              <a:gd name="connsiteY3" fmla="*/ 909320 h 909320"/>
+              <a:gd name="connsiteX0" fmla="*/ 452291 w 728024"/>
+              <a:gd name="connsiteY0" fmla="*/ 0 h 909320"/>
+              <a:gd name="connsiteX1" fmla="*/ 711371 w 728024"/>
+              <a:gd name="connsiteY1" fmla="*/ 259080 h 909320"/>
+              <a:gd name="connsiteX2" fmla="*/ 30651 w 728024"/>
+              <a:gd name="connsiteY2" fmla="*/ 523240 h 909320"/>
+              <a:gd name="connsiteX3" fmla="*/ 108968 w 728024"/>
+              <a:gd name="connsiteY3" fmla="*/ 909320 h 909320"/>
+              <a:gd name="connsiteX0" fmla="*/ 448181 w 723914"/>
+              <a:gd name="connsiteY0" fmla="*/ 0 h 915670"/>
+              <a:gd name="connsiteX1" fmla="*/ 707261 w 723914"/>
+              <a:gd name="connsiteY1" fmla="*/ 259080 h 915670"/>
+              <a:gd name="connsiteX2" fmla="*/ 26541 w 723914"/>
+              <a:gd name="connsiteY2" fmla="*/ 523240 h 915670"/>
+              <a:gd name="connsiteX3" fmla="*/ 128141 w 723914"/>
+              <a:gd name="connsiteY3" fmla="*/ 915670 h 915670"/>
+              <a:gd name="connsiteX0" fmla="*/ 453482 w 729215"/>
+              <a:gd name="connsiteY0" fmla="*/ 0 h 915670"/>
+              <a:gd name="connsiteX1" fmla="*/ 712562 w 729215"/>
+              <a:gd name="connsiteY1" fmla="*/ 259080 h 915670"/>
+              <a:gd name="connsiteX2" fmla="*/ 31842 w 729215"/>
+              <a:gd name="connsiteY2" fmla="*/ 523240 h 915670"/>
+              <a:gd name="connsiteX3" fmla="*/ 133442 w 729215"/>
+              <a:gd name="connsiteY3" fmla="*/ 915670 h 915670"/>
+            </a:gdLst>
+            <a:ahLst/>
+            <a:cxnLst>
+              <a:cxn ang="0">
+                <a:pos x="connsiteX0" y="connsiteY0"/>
+              </a:cxn>
+              <a:cxn ang="0">
+                <a:pos x="connsiteX1" y="connsiteY1"/>
+              </a:cxn>
+              <a:cxn ang="0">
+                <a:pos x="connsiteX2" y="connsiteY2"/>
+              </a:cxn>
+              <a:cxn ang="0">
+                <a:pos x="connsiteX3" y="connsiteY3"/>
+              </a:cxn>
+            </a:cxnLst>
+            <a:rect l="l" t="t" r="r" b="b"/>
+            <a:pathLst>
+              <a:path w="729215" h="915670">
+                <a:moveTo>
+                  <a:pt x="453482" y="0"/>
+                </a:moveTo>
+                <a:cubicBezTo>
+                  <a:pt x="618158" y="85936"/>
+                  <a:pt x="782835" y="171873"/>
+                  <a:pt x="712562" y="259080"/>
+                </a:cubicBezTo>
+                <a:cubicBezTo>
+                  <a:pt x="642289" y="346287"/>
+                  <a:pt x="128362" y="413808"/>
+                  <a:pt x="31842" y="523240"/>
+                </a:cubicBezTo>
+                <a:cubicBezTo>
+                  <a:pt x="-64678" y="632672"/>
+                  <a:pt x="84406" y="836859"/>
+                  <a:pt x="133442" y="915670"/>
+                </a:cubicBezTo>
+              </a:path>
+            </a:pathLst>
+          </a:custGeom>
+          <a:noFill/>
+          <a:ln w="28575">
+            <a:solidFill>
+              <a:srgbClr val="006600"/>
+            </a:solidFill>
+            <a:prstDash val="solid"/>
+          </a:ln>
+        </p:spPr>
+        <p:style>
+          <a:lnRef idx="2">
+            <a:schemeClr val="accent1">
+              <a:shade val="50000"/>
+            </a:schemeClr>
+          </a:lnRef>
+          <a:fillRef idx="1">
+            <a:schemeClr val="accent1"/>
+          </a:fillRef>
+          <a:effectRef idx="0">
+            <a:schemeClr val="accent1"/>
+          </a:effectRef>
+          <a:fontRef idx="minor">
+            <a:schemeClr val="lt1"/>
+          </a:fontRef>
+        </p:style>
+        <p:txBody>
+          <a:bodyPr rtlCol="0" anchor="ctr"/>
+          <a:lstStyle/>
+          <a:p>
+            <a:pPr algn="ctr"/>
+            <a:endParaRPr lang="en-GB"/>
+          </a:p>
+        </p:txBody>
+      </p:sp>
       <p:sp>
         <p:nvSpPr>
           <p:cNvPr id="2" name="Titel 1"/>
@@ -24706,6 +29271,2492 @@
           </a:p>
         </p:txBody>
       </p:sp>
+      <mc:AlternateContent xmlns:mc="http://schemas.openxmlformats.org/markup-compatibility/2006">
+        <mc:Choice xmlns:a14="http://schemas.microsoft.com/office/drawing/2010/main" Requires="a14">
+          <p:sp>
+            <p:nvSpPr>
+              <p:cNvPr id="3" name="Textfeld 2"/>
+              <p:cNvSpPr txBox="1"/>
+              <p:nvPr/>
+            </p:nvSpPr>
+            <p:spPr>
+              <a:xfrm>
+                <a:off x="118608" y="4681195"/>
+                <a:ext cx="8810938" cy="523220"/>
+              </a:xfrm>
+              <a:prstGeom prst="rect">
+                <a:avLst/>
+              </a:prstGeom>
+              <a:noFill/>
+            </p:spPr>
+            <p:txBody>
+              <a:bodyPr wrap="none" rtlCol="0">
+                <a:spAutoFit/>
+              </a:bodyPr>
+              <a:lstStyle/>
+              <a:p>
+                <a:r>
+                  <a:rPr lang="en-GB" sz="2800" cap="small" dirty="0" smtClean="0">
+                    <a:effectLst>
+                      <a:outerShdw blurRad="38100" dist="38100" dir="2700000" algn="tl">
+                        <a:srgbClr val="000000">
+                          <a:alpha val="43137"/>
+                        </a:srgbClr>
+                      </a:outerShdw>
+                    </a:effectLst>
+                  </a:rPr>
+                  <a:t>Theorem:</a:t>
+                </a:r>
+                <a:r>
+                  <a:rPr lang="en-GB" sz="2800" cap="small" dirty="0" smtClean="0"/>
+                  <a:t> 	</a:t>
+                </a:r>
+                <a:r>
+                  <a:rPr lang="en-GB" sz="2800" dirty="0" smtClean="0"/>
+                  <a:t>Any </a:t>
+                </a:r>
+                <a14:m>
+                  <m:oMath xmlns:m="http://schemas.openxmlformats.org/officeDocument/2006/math">
+                    <m:r>
+                      <a:rPr lang="de-DE" sz="2800" b="0" i="1" smtClean="0">
+                        <a:latin typeface="Cambria Math" panose="02040503050406030204" pitchFamily="18" charset="0"/>
+                      </a:rPr>
+                      <m:t>𝜌</m:t>
+                    </m:r>
+                  </m:oMath>
+                </a14:m>
+                <a:r>
+                  <a:rPr lang="en-GB" sz="2800" dirty="0" smtClean="0"/>
+                  <a:t>-competitive ALG for N-OLTSP has </a:t>
+                </a:r>
+                <a14:m>
+                  <m:oMath xmlns:m="http://schemas.openxmlformats.org/officeDocument/2006/math">
+                    <m:r>
+                      <a:rPr lang="de-DE" sz="2800" i="1">
+                        <a:latin typeface="Cambria Math" panose="02040503050406030204" pitchFamily="18" charset="0"/>
+                      </a:rPr>
+                      <m:t>𝜌</m:t>
+                    </m:r>
+                    <m:r>
+                      <a:rPr lang="de-DE" sz="2800" b="0" i="1" smtClean="0">
+                        <a:latin typeface="Cambria Math" panose="02040503050406030204" pitchFamily="18" charset="0"/>
+                      </a:rPr>
+                      <m:t>≥2.</m:t>
+                    </m:r>
+                  </m:oMath>
+                </a14:m>
+                <a:r>
+                  <a:rPr lang="en-GB" sz="2800" dirty="0" smtClean="0"/>
+                  <a:t> </a:t>
+                </a:r>
+                <a:endParaRPr lang="en-GB" sz="2800" dirty="0"/>
+              </a:p>
+            </p:txBody>
+          </p:sp>
+        </mc:Choice>
+        <mc:Fallback>
+          <p:sp>
+            <p:nvSpPr>
+              <p:cNvPr id="3" name="Textfeld 2"/>
+              <p:cNvSpPr txBox="1">
+                <a:spLocks noRot="1" noChangeAspect="1" noMove="1" noResize="1" noEditPoints="1" noAdjustHandles="1" noChangeArrowheads="1" noChangeShapeType="1" noTextEdit="1"/>
+              </p:cNvSpPr>
+              <p:nvPr/>
+            </p:nvSpPr>
+            <p:spPr>
+              <a:xfrm>
+                <a:off x="118608" y="4681195"/>
+                <a:ext cx="8810938" cy="523220"/>
+              </a:xfrm>
+              <a:prstGeom prst="rect">
+                <a:avLst/>
+              </a:prstGeom>
+              <a:blipFill rotWithShape="0">
+                <a:blip r:embed="rId3"/>
+                <a:stretch>
+                  <a:fillRect l="-1452" t="-12791" b="-38372"/>
+                </a:stretch>
+              </a:blipFill>
+            </p:spPr>
+            <p:txBody>
+              <a:bodyPr/>
+              <a:lstStyle/>
+              <a:p>
+                <a:r>
+                  <a:rPr lang="en-GB">
+                    <a:noFill/>
+                  </a:rPr>
+                  <a:t> </a:t>
+                </a:r>
+              </a:p>
+            </p:txBody>
+          </p:sp>
+        </mc:Fallback>
+      </mc:AlternateContent>
+      <p:sp>
+        <p:nvSpPr>
+          <p:cNvPr id="9" name="Textfeld 8"/>
+          <p:cNvSpPr txBox="1"/>
+          <p:nvPr/>
+        </p:nvSpPr>
+        <p:spPr>
+          <a:xfrm>
+            <a:off x="118608" y="895547"/>
+            <a:ext cx="2134752" cy="523220"/>
+          </a:xfrm>
+          <a:prstGeom prst="rect">
+            <a:avLst/>
+          </a:prstGeom>
+          <a:noFill/>
+        </p:spPr>
+        <p:txBody>
+          <a:bodyPr wrap="none" rtlCol="0">
+            <a:spAutoFit/>
+          </a:bodyPr>
+          <a:lstStyle/>
+          <a:p>
+            <a:r>
+              <a:rPr lang="en-GB" sz="2800" dirty="0" smtClean="0"/>
+              <a:t>time, request</a:t>
+            </a:r>
+            <a:endParaRPr lang="en-GB" sz="2800" dirty="0"/>
+          </a:p>
+        </p:txBody>
+      </p:sp>
+      <p:sp>
+        <p:nvSpPr>
+          <p:cNvPr id="10" name="Textfeld 9"/>
+          <p:cNvSpPr txBox="1"/>
+          <p:nvPr/>
+        </p:nvSpPr>
+        <p:spPr>
+          <a:xfrm>
+            <a:off x="3460996" y="895547"/>
+            <a:ext cx="1829090" cy="523220"/>
+          </a:xfrm>
+          <a:prstGeom prst="rect">
+            <a:avLst/>
+          </a:prstGeom>
+          <a:noFill/>
+        </p:spPr>
+        <p:txBody>
+          <a:bodyPr wrap="none" rtlCol="0">
+            <a:spAutoFit/>
+          </a:bodyPr>
+          <a:lstStyle/>
+          <a:p>
+            <a:r>
+              <a:rPr lang="en-GB" sz="2800" dirty="0" smtClean="0"/>
+              <a:t>Online-ALG</a:t>
+            </a:r>
+            <a:endParaRPr lang="en-GB" sz="2800" dirty="0"/>
+          </a:p>
+        </p:txBody>
+      </p:sp>
+      <p:sp>
+        <p:nvSpPr>
+          <p:cNvPr id="11" name="Textfeld 10"/>
+          <p:cNvSpPr txBox="1"/>
+          <p:nvPr/>
+        </p:nvSpPr>
+        <p:spPr>
+          <a:xfrm>
+            <a:off x="6662549" y="895547"/>
+            <a:ext cx="1854418" cy="523220"/>
+          </a:xfrm>
+          <a:prstGeom prst="rect">
+            <a:avLst/>
+          </a:prstGeom>
+          <a:noFill/>
+        </p:spPr>
+        <p:txBody>
+          <a:bodyPr wrap="none" rtlCol="0">
+            <a:spAutoFit/>
+          </a:bodyPr>
+          <a:lstStyle/>
+          <a:p>
+            <a:r>
+              <a:rPr lang="en-GB" sz="2800" dirty="0" smtClean="0"/>
+              <a:t>Offline-ALG</a:t>
+            </a:r>
+            <a:endParaRPr lang="en-GB" sz="2800" dirty="0"/>
+          </a:p>
+        </p:txBody>
+      </p:sp>
+      <p:grpSp>
+        <p:nvGrpSpPr>
+          <p:cNvPr id="23" name="Gruppieren 22"/>
+          <p:cNvGrpSpPr/>
+          <p:nvPr/>
+        </p:nvGrpSpPr>
+        <p:grpSpPr>
+          <a:xfrm>
+            <a:off x="3035754" y="1805792"/>
+            <a:ext cx="2679575" cy="196850"/>
+            <a:chOff x="3035754" y="1805792"/>
+            <a:chExt cx="2679575" cy="196850"/>
+          </a:xfrm>
+        </p:grpSpPr>
+        <p:cxnSp>
+          <p:nvCxnSpPr>
+            <p:cNvPr id="15" name="Gerader Verbinder 14"/>
+            <p:cNvCxnSpPr/>
+            <p:nvPr/>
+          </p:nvCxnSpPr>
+          <p:spPr>
+            <a:xfrm>
+              <a:off x="3035754" y="1904217"/>
+              <a:ext cx="2679575" cy="0"/>
+            </a:xfrm>
+            <a:prstGeom prst="line">
+              <a:avLst/>
+            </a:prstGeom>
+            <a:ln w="38100">
+              <a:solidFill>
+                <a:schemeClr val="tx1"/>
+              </a:solidFill>
+            </a:ln>
+          </p:spPr>
+          <p:style>
+            <a:lnRef idx="1">
+              <a:schemeClr val="accent1"/>
+            </a:lnRef>
+            <a:fillRef idx="0">
+              <a:schemeClr val="accent1"/>
+            </a:fillRef>
+            <a:effectRef idx="0">
+              <a:schemeClr val="accent1"/>
+            </a:effectRef>
+            <a:fontRef idx="minor">
+              <a:schemeClr val="tx1"/>
+            </a:fontRef>
+          </p:style>
+        </p:cxnSp>
+        <p:cxnSp>
+          <p:nvCxnSpPr>
+            <p:cNvPr id="17" name="Gerader Verbinder 16"/>
+            <p:cNvCxnSpPr/>
+            <p:nvPr/>
+          </p:nvCxnSpPr>
+          <p:spPr>
+            <a:xfrm>
+              <a:off x="3203575" y="1805792"/>
+              <a:ext cx="0" cy="196850"/>
+            </a:xfrm>
+            <a:prstGeom prst="line">
+              <a:avLst/>
+            </a:prstGeom>
+            <a:ln w="38100">
+              <a:solidFill>
+                <a:schemeClr val="tx1"/>
+              </a:solidFill>
+            </a:ln>
+          </p:spPr>
+          <p:style>
+            <a:lnRef idx="1">
+              <a:schemeClr val="accent1"/>
+            </a:lnRef>
+            <a:fillRef idx="0">
+              <a:schemeClr val="accent1"/>
+            </a:fillRef>
+            <a:effectRef idx="0">
+              <a:schemeClr val="accent1"/>
+            </a:effectRef>
+            <a:fontRef idx="minor">
+              <a:schemeClr val="tx1"/>
+            </a:fontRef>
+          </p:style>
+        </p:cxnSp>
+        <p:cxnSp>
+          <p:nvCxnSpPr>
+            <p:cNvPr id="18" name="Gerader Verbinder 17"/>
+            <p:cNvCxnSpPr/>
+            <p:nvPr/>
+          </p:nvCxnSpPr>
+          <p:spPr>
+            <a:xfrm>
+              <a:off x="5508625" y="1805792"/>
+              <a:ext cx="0" cy="196850"/>
+            </a:xfrm>
+            <a:prstGeom prst="line">
+              <a:avLst/>
+            </a:prstGeom>
+            <a:ln w="38100">
+              <a:solidFill>
+                <a:schemeClr val="tx1"/>
+              </a:solidFill>
+            </a:ln>
+          </p:spPr>
+          <p:style>
+            <a:lnRef idx="1">
+              <a:schemeClr val="accent1"/>
+            </a:lnRef>
+            <a:fillRef idx="0">
+              <a:schemeClr val="accent1"/>
+            </a:fillRef>
+            <a:effectRef idx="0">
+              <a:schemeClr val="accent1"/>
+            </a:effectRef>
+            <a:fontRef idx="minor">
+              <a:schemeClr val="tx1"/>
+            </a:fontRef>
+          </p:style>
+        </p:cxnSp>
+        <p:cxnSp>
+          <p:nvCxnSpPr>
+            <p:cNvPr id="19" name="Gerader Verbinder 18"/>
+            <p:cNvCxnSpPr/>
+            <p:nvPr/>
+          </p:nvCxnSpPr>
+          <p:spPr>
+            <a:xfrm>
+              <a:off x="4349750" y="1805792"/>
+              <a:ext cx="0" cy="196850"/>
+            </a:xfrm>
+            <a:prstGeom prst="line">
+              <a:avLst/>
+            </a:prstGeom>
+            <a:ln w="38100">
+              <a:solidFill>
+                <a:schemeClr val="tx1"/>
+              </a:solidFill>
+            </a:ln>
+          </p:spPr>
+          <p:style>
+            <a:lnRef idx="1">
+              <a:schemeClr val="accent1"/>
+            </a:lnRef>
+            <a:fillRef idx="0">
+              <a:schemeClr val="accent1"/>
+            </a:fillRef>
+            <a:effectRef idx="0">
+              <a:schemeClr val="accent1"/>
+            </a:effectRef>
+            <a:fontRef idx="minor">
+              <a:schemeClr val="tx1"/>
+            </a:fontRef>
+          </p:style>
+        </p:cxnSp>
+      </p:grpSp>
+      <mc:AlternateContent xmlns:mc="http://schemas.openxmlformats.org/markup-compatibility/2006">
+        <mc:Choice xmlns:a14="http://schemas.microsoft.com/office/drawing/2010/main" Requires="a14">
+          <p:sp>
+            <p:nvSpPr>
+              <p:cNvPr id="20" name="Textfeld 19"/>
+              <p:cNvSpPr txBox="1"/>
+              <p:nvPr/>
+            </p:nvSpPr>
+            <p:spPr>
+              <a:xfrm>
+                <a:off x="4166847" y="1485673"/>
+                <a:ext cx="365806" cy="369332"/>
+              </a:xfrm>
+              <a:prstGeom prst="rect">
+                <a:avLst/>
+              </a:prstGeom>
+              <a:noFill/>
+            </p:spPr>
+            <p:txBody>
+              <a:bodyPr wrap="none" rtlCol="0">
+                <a:spAutoFit/>
+              </a:bodyPr>
+              <a:lstStyle/>
+              <a:p>
+                <a:pPr/>
+                <a14:m>
+                  <m:oMathPara xmlns:m="http://schemas.openxmlformats.org/officeDocument/2006/math">
+                    <m:oMathParaPr>
+                      <m:jc m:val="center"/>
+                    </m:oMathParaPr>
+                    <m:oMath xmlns:m="http://schemas.openxmlformats.org/officeDocument/2006/math">
+                      <m:r>
+                        <a:rPr lang="en-GB" i="1" dirty="0" smtClean="0">
+                          <a:latin typeface="Cambria Math" panose="02040503050406030204" pitchFamily="18" charset="0"/>
+                        </a:rPr>
+                        <m:t>0</m:t>
+                      </m:r>
+                    </m:oMath>
+                  </m:oMathPara>
+                </a14:m>
+                <a:endParaRPr lang="en-GB" dirty="0"/>
+              </a:p>
+            </p:txBody>
+          </p:sp>
+        </mc:Choice>
+        <mc:Fallback>
+          <p:sp>
+            <p:nvSpPr>
+              <p:cNvPr id="20" name="Textfeld 19"/>
+              <p:cNvSpPr txBox="1">
+                <a:spLocks noRot="1" noChangeAspect="1" noMove="1" noResize="1" noEditPoints="1" noAdjustHandles="1" noChangeArrowheads="1" noChangeShapeType="1" noTextEdit="1"/>
+              </p:cNvSpPr>
+              <p:nvPr/>
+            </p:nvSpPr>
+            <p:spPr>
+              <a:xfrm>
+                <a:off x="4166847" y="1485673"/>
+                <a:ext cx="365806" cy="369332"/>
+              </a:xfrm>
+              <a:prstGeom prst="rect">
+                <a:avLst/>
+              </a:prstGeom>
+              <a:blipFill rotWithShape="0">
+                <a:blip r:embed="rId4"/>
+                <a:stretch>
+                  <a:fillRect/>
+                </a:stretch>
+              </a:blipFill>
+            </p:spPr>
+            <p:txBody>
+              <a:bodyPr/>
+              <a:lstStyle/>
+              <a:p>
+                <a:r>
+                  <a:rPr lang="en-GB">
+                    <a:noFill/>
+                  </a:rPr>
+                  <a:t> </a:t>
+                </a:r>
+              </a:p>
+            </p:txBody>
+          </p:sp>
+        </mc:Fallback>
+      </mc:AlternateContent>
+      <mc:AlternateContent xmlns:mc="http://schemas.openxmlformats.org/markup-compatibility/2006">
+        <mc:Choice xmlns:a14="http://schemas.microsoft.com/office/drawing/2010/main" Requires="a14">
+          <p:sp>
+            <p:nvSpPr>
+              <p:cNvPr id="21" name="Textfeld 20"/>
+              <p:cNvSpPr txBox="1"/>
+              <p:nvPr/>
+            </p:nvSpPr>
+            <p:spPr>
+              <a:xfrm>
+                <a:off x="2934110" y="1485673"/>
+                <a:ext cx="538930" cy="369332"/>
+              </a:xfrm>
+              <a:prstGeom prst="rect">
+                <a:avLst/>
+              </a:prstGeom>
+              <a:noFill/>
+            </p:spPr>
+            <p:txBody>
+              <a:bodyPr wrap="none" rtlCol="0">
+                <a:spAutoFit/>
+              </a:bodyPr>
+              <a:lstStyle/>
+              <a:p>
+                <a:pPr/>
+                <a14:m>
+                  <m:oMathPara xmlns:m="http://schemas.openxmlformats.org/officeDocument/2006/math">
+                    <m:oMathParaPr>
+                      <m:jc m:val="center"/>
+                    </m:oMathParaPr>
+                    <m:oMath xmlns:m="http://schemas.openxmlformats.org/officeDocument/2006/math">
+                      <m:r>
+                        <a:rPr lang="de-DE" b="0" i="1" dirty="0" smtClean="0">
+                          <a:latin typeface="Cambria Math" panose="02040503050406030204" pitchFamily="18" charset="0"/>
+                        </a:rPr>
+                        <m:t>−1</m:t>
+                      </m:r>
+                    </m:oMath>
+                  </m:oMathPara>
+                </a14:m>
+                <a:endParaRPr lang="en-GB" dirty="0"/>
+              </a:p>
+            </p:txBody>
+          </p:sp>
+        </mc:Choice>
+        <mc:Fallback>
+          <p:sp>
+            <p:nvSpPr>
+              <p:cNvPr id="21" name="Textfeld 20"/>
+              <p:cNvSpPr txBox="1">
+                <a:spLocks noRot="1" noChangeAspect="1" noMove="1" noResize="1" noEditPoints="1" noAdjustHandles="1" noChangeArrowheads="1" noChangeShapeType="1" noTextEdit="1"/>
+              </p:cNvSpPr>
+              <p:nvPr/>
+            </p:nvSpPr>
+            <p:spPr>
+              <a:xfrm>
+                <a:off x="2934110" y="1485673"/>
+                <a:ext cx="538930" cy="369332"/>
+              </a:xfrm>
+              <a:prstGeom prst="rect">
+                <a:avLst/>
+              </a:prstGeom>
+              <a:blipFill rotWithShape="0">
+                <a:blip r:embed="rId5"/>
+                <a:stretch>
+                  <a:fillRect/>
+                </a:stretch>
+              </a:blipFill>
+            </p:spPr>
+            <p:txBody>
+              <a:bodyPr/>
+              <a:lstStyle/>
+              <a:p>
+                <a:r>
+                  <a:rPr lang="en-GB">
+                    <a:noFill/>
+                  </a:rPr>
+                  <a:t> </a:t>
+                </a:r>
+              </a:p>
+            </p:txBody>
+          </p:sp>
+        </mc:Fallback>
+      </mc:AlternateContent>
+      <mc:AlternateContent xmlns:mc="http://schemas.openxmlformats.org/markup-compatibility/2006">
+        <mc:Choice xmlns:a14="http://schemas.microsoft.com/office/drawing/2010/main" Requires="a14">
+          <p:sp>
+            <p:nvSpPr>
+              <p:cNvPr id="22" name="Textfeld 21"/>
+              <p:cNvSpPr txBox="1"/>
+              <p:nvPr/>
+            </p:nvSpPr>
+            <p:spPr>
+              <a:xfrm>
+                <a:off x="5325722" y="1485673"/>
+                <a:ext cx="365806" cy="369332"/>
+              </a:xfrm>
+              <a:prstGeom prst="rect">
+                <a:avLst/>
+              </a:prstGeom>
+              <a:noFill/>
+            </p:spPr>
+            <p:txBody>
+              <a:bodyPr wrap="none" rtlCol="0">
+                <a:spAutoFit/>
+              </a:bodyPr>
+              <a:lstStyle/>
+              <a:p>
+                <a:pPr/>
+                <a14:m>
+                  <m:oMathPara xmlns:m="http://schemas.openxmlformats.org/officeDocument/2006/math">
+                    <m:oMathParaPr>
+                      <m:jc m:val="center"/>
+                    </m:oMathParaPr>
+                    <m:oMath xmlns:m="http://schemas.openxmlformats.org/officeDocument/2006/math">
+                      <m:r>
+                        <a:rPr lang="de-DE" b="0" i="1" dirty="0" smtClean="0">
+                          <a:latin typeface="Cambria Math" panose="02040503050406030204" pitchFamily="18" charset="0"/>
+                        </a:rPr>
+                        <m:t>1</m:t>
+                      </m:r>
+                    </m:oMath>
+                  </m:oMathPara>
+                </a14:m>
+                <a:endParaRPr lang="en-GB" dirty="0"/>
+              </a:p>
+            </p:txBody>
+          </p:sp>
+        </mc:Choice>
+        <mc:Fallback>
+          <p:sp>
+            <p:nvSpPr>
+              <p:cNvPr id="22" name="Textfeld 21"/>
+              <p:cNvSpPr txBox="1">
+                <a:spLocks noRot="1" noChangeAspect="1" noMove="1" noResize="1" noEditPoints="1" noAdjustHandles="1" noChangeArrowheads="1" noChangeShapeType="1" noTextEdit="1"/>
+              </p:cNvSpPr>
+              <p:nvPr/>
+            </p:nvSpPr>
+            <p:spPr>
+              <a:xfrm>
+                <a:off x="5325722" y="1485673"/>
+                <a:ext cx="365806" cy="369332"/>
+              </a:xfrm>
+              <a:prstGeom prst="rect">
+                <a:avLst/>
+              </a:prstGeom>
+              <a:blipFill rotWithShape="0">
+                <a:blip r:embed="rId6"/>
+                <a:stretch>
+                  <a:fillRect/>
+                </a:stretch>
+              </a:blipFill>
+            </p:spPr>
+            <p:txBody>
+              <a:bodyPr/>
+              <a:lstStyle/>
+              <a:p>
+                <a:r>
+                  <a:rPr lang="en-GB">
+                    <a:noFill/>
+                  </a:rPr>
+                  <a:t> </a:t>
+                </a:r>
+              </a:p>
+            </p:txBody>
+          </p:sp>
+        </mc:Fallback>
+      </mc:AlternateContent>
+      <p:grpSp>
+        <p:nvGrpSpPr>
+          <p:cNvPr id="25" name="Gruppieren 24"/>
+          <p:cNvGrpSpPr/>
+          <p:nvPr/>
+        </p:nvGrpSpPr>
+        <p:grpSpPr>
+          <a:xfrm>
+            <a:off x="6199148" y="1485673"/>
+            <a:ext cx="2781219" cy="516969"/>
+            <a:chOff x="2934110" y="1485673"/>
+            <a:chExt cx="2781219" cy="516969"/>
+          </a:xfrm>
+        </p:grpSpPr>
+        <p:grpSp>
+          <p:nvGrpSpPr>
+            <p:cNvPr id="26" name="Gruppieren 25"/>
+            <p:cNvGrpSpPr/>
+            <p:nvPr/>
+          </p:nvGrpSpPr>
+          <p:grpSpPr>
+            <a:xfrm>
+              <a:off x="3035754" y="1805792"/>
+              <a:ext cx="2679575" cy="196850"/>
+              <a:chOff x="3035754" y="1805792"/>
+              <a:chExt cx="2679575" cy="196850"/>
+            </a:xfrm>
+          </p:grpSpPr>
+          <p:cxnSp>
+            <p:nvCxnSpPr>
+              <p:cNvPr id="30" name="Gerader Verbinder 29"/>
+              <p:cNvCxnSpPr/>
+              <p:nvPr/>
+            </p:nvCxnSpPr>
+            <p:spPr>
+              <a:xfrm>
+                <a:off x="3035754" y="1904217"/>
+                <a:ext cx="2679575" cy="0"/>
+              </a:xfrm>
+              <a:prstGeom prst="line">
+                <a:avLst/>
+              </a:prstGeom>
+              <a:ln w="38100">
+                <a:solidFill>
+                  <a:schemeClr val="tx1"/>
+                </a:solidFill>
+              </a:ln>
+            </p:spPr>
+            <p:style>
+              <a:lnRef idx="1">
+                <a:schemeClr val="accent1"/>
+              </a:lnRef>
+              <a:fillRef idx="0">
+                <a:schemeClr val="accent1"/>
+              </a:fillRef>
+              <a:effectRef idx="0">
+                <a:schemeClr val="accent1"/>
+              </a:effectRef>
+              <a:fontRef idx="minor">
+                <a:schemeClr val="tx1"/>
+              </a:fontRef>
+            </p:style>
+          </p:cxnSp>
+          <p:cxnSp>
+            <p:nvCxnSpPr>
+              <p:cNvPr id="31" name="Gerader Verbinder 30"/>
+              <p:cNvCxnSpPr/>
+              <p:nvPr/>
+            </p:nvCxnSpPr>
+            <p:spPr>
+              <a:xfrm>
+                <a:off x="3203575" y="1805792"/>
+                <a:ext cx="0" cy="196850"/>
+              </a:xfrm>
+              <a:prstGeom prst="line">
+                <a:avLst/>
+              </a:prstGeom>
+              <a:ln w="38100">
+                <a:solidFill>
+                  <a:schemeClr val="tx1"/>
+                </a:solidFill>
+              </a:ln>
+            </p:spPr>
+            <p:style>
+              <a:lnRef idx="1">
+                <a:schemeClr val="accent1"/>
+              </a:lnRef>
+              <a:fillRef idx="0">
+                <a:schemeClr val="accent1"/>
+              </a:fillRef>
+              <a:effectRef idx="0">
+                <a:schemeClr val="accent1"/>
+              </a:effectRef>
+              <a:fontRef idx="minor">
+                <a:schemeClr val="tx1"/>
+              </a:fontRef>
+            </p:style>
+          </p:cxnSp>
+          <p:cxnSp>
+            <p:nvCxnSpPr>
+              <p:cNvPr id="32" name="Gerader Verbinder 31"/>
+              <p:cNvCxnSpPr/>
+              <p:nvPr/>
+            </p:nvCxnSpPr>
+            <p:spPr>
+              <a:xfrm>
+                <a:off x="5508625" y="1805792"/>
+                <a:ext cx="0" cy="196850"/>
+              </a:xfrm>
+              <a:prstGeom prst="line">
+                <a:avLst/>
+              </a:prstGeom>
+              <a:ln w="38100">
+                <a:solidFill>
+                  <a:schemeClr val="tx1"/>
+                </a:solidFill>
+              </a:ln>
+            </p:spPr>
+            <p:style>
+              <a:lnRef idx="1">
+                <a:schemeClr val="accent1"/>
+              </a:lnRef>
+              <a:fillRef idx="0">
+                <a:schemeClr val="accent1"/>
+              </a:fillRef>
+              <a:effectRef idx="0">
+                <a:schemeClr val="accent1"/>
+              </a:effectRef>
+              <a:fontRef idx="minor">
+                <a:schemeClr val="tx1"/>
+              </a:fontRef>
+            </p:style>
+          </p:cxnSp>
+          <p:cxnSp>
+            <p:nvCxnSpPr>
+              <p:cNvPr id="33" name="Gerader Verbinder 32"/>
+              <p:cNvCxnSpPr/>
+              <p:nvPr/>
+            </p:nvCxnSpPr>
+            <p:spPr>
+              <a:xfrm>
+                <a:off x="4349750" y="1805792"/>
+                <a:ext cx="0" cy="196850"/>
+              </a:xfrm>
+              <a:prstGeom prst="line">
+                <a:avLst/>
+              </a:prstGeom>
+              <a:ln w="38100">
+                <a:solidFill>
+                  <a:schemeClr val="tx1"/>
+                </a:solidFill>
+              </a:ln>
+            </p:spPr>
+            <p:style>
+              <a:lnRef idx="1">
+                <a:schemeClr val="accent1"/>
+              </a:lnRef>
+              <a:fillRef idx="0">
+                <a:schemeClr val="accent1"/>
+              </a:fillRef>
+              <a:effectRef idx="0">
+                <a:schemeClr val="accent1"/>
+              </a:effectRef>
+              <a:fontRef idx="minor">
+                <a:schemeClr val="tx1"/>
+              </a:fontRef>
+            </p:style>
+          </p:cxnSp>
+        </p:grpSp>
+        <mc:AlternateContent xmlns:mc="http://schemas.openxmlformats.org/markup-compatibility/2006">
+          <mc:Choice xmlns:a14="http://schemas.microsoft.com/office/drawing/2010/main" Requires="a14">
+            <p:sp>
+              <p:nvSpPr>
+                <p:cNvPr id="27" name="Textfeld 26"/>
+                <p:cNvSpPr txBox="1"/>
+                <p:nvPr/>
+              </p:nvSpPr>
+              <p:spPr>
+                <a:xfrm>
+                  <a:off x="4166847" y="1485673"/>
+                  <a:ext cx="365806" cy="369332"/>
+                </a:xfrm>
+                <a:prstGeom prst="rect">
+                  <a:avLst/>
+                </a:prstGeom>
+                <a:noFill/>
+              </p:spPr>
+              <p:txBody>
+                <a:bodyPr wrap="none" rtlCol="0">
+                  <a:spAutoFit/>
+                </a:bodyPr>
+                <a:lstStyle/>
+                <a:p>
+                  <a:pPr/>
+                  <a14:m>
+                    <m:oMathPara xmlns:m="http://schemas.openxmlformats.org/officeDocument/2006/math">
+                      <m:oMathParaPr>
+                        <m:jc m:val="center"/>
+                      </m:oMathParaPr>
+                      <m:oMath xmlns:m="http://schemas.openxmlformats.org/officeDocument/2006/math">
+                        <m:r>
+                          <a:rPr lang="en-GB" i="1" dirty="0" smtClean="0">
+                            <a:latin typeface="Cambria Math" panose="02040503050406030204" pitchFamily="18" charset="0"/>
+                          </a:rPr>
+                          <m:t>0</m:t>
+                        </m:r>
+                      </m:oMath>
+                    </m:oMathPara>
+                  </a14:m>
+                  <a:endParaRPr lang="en-GB" dirty="0"/>
+                </a:p>
+              </p:txBody>
+            </p:sp>
+          </mc:Choice>
+          <mc:Fallback>
+            <p:sp>
+              <p:nvSpPr>
+                <p:cNvPr id="27" name="Textfeld 26"/>
+                <p:cNvSpPr txBox="1">
+                  <a:spLocks noRot="1" noChangeAspect="1" noMove="1" noResize="1" noEditPoints="1" noAdjustHandles="1" noChangeArrowheads="1" noChangeShapeType="1" noTextEdit="1"/>
+                </p:cNvSpPr>
+                <p:nvPr/>
+              </p:nvSpPr>
+              <p:spPr>
+                <a:xfrm>
+                  <a:off x="4166847" y="1485673"/>
+                  <a:ext cx="365806" cy="369332"/>
+                </a:xfrm>
+                <a:prstGeom prst="rect">
+                  <a:avLst/>
+                </a:prstGeom>
+                <a:blipFill rotWithShape="0">
+                  <a:blip r:embed="rId7"/>
+                  <a:stretch>
+                    <a:fillRect/>
+                  </a:stretch>
+                </a:blipFill>
+              </p:spPr>
+              <p:txBody>
+                <a:bodyPr/>
+                <a:lstStyle/>
+                <a:p>
+                  <a:r>
+                    <a:rPr lang="en-GB">
+                      <a:noFill/>
+                    </a:rPr>
+                    <a:t> </a:t>
+                  </a:r>
+                </a:p>
+              </p:txBody>
+            </p:sp>
+          </mc:Fallback>
+        </mc:AlternateContent>
+        <mc:AlternateContent xmlns:mc="http://schemas.openxmlformats.org/markup-compatibility/2006">
+          <mc:Choice xmlns:a14="http://schemas.microsoft.com/office/drawing/2010/main" Requires="a14">
+            <p:sp>
+              <p:nvSpPr>
+                <p:cNvPr id="28" name="Textfeld 27"/>
+                <p:cNvSpPr txBox="1"/>
+                <p:nvPr/>
+              </p:nvSpPr>
+              <p:spPr>
+                <a:xfrm>
+                  <a:off x="2934110" y="1485673"/>
+                  <a:ext cx="538930" cy="369332"/>
+                </a:xfrm>
+                <a:prstGeom prst="rect">
+                  <a:avLst/>
+                </a:prstGeom>
+                <a:noFill/>
+              </p:spPr>
+              <p:txBody>
+                <a:bodyPr wrap="none" rtlCol="0">
+                  <a:spAutoFit/>
+                </a:bodyPr>
+                <a:lstStyle/>
+                <a:p>
+                  <a:pPr/>
+                  <a14:m>
+                    <m:oMathPara xmlns:m="http://schemas.openxmlformats.org/officeDocument/2006/math">
+                      <m:oMathParaPr>
+                        <m:jc m:val="center"/>
+                      </m:oMathParaPr>
+                      <m:oMath xmlns:m="http://schemas.openxmlformats.org/officeDocument/2006/math">
+                        <m:r>
+                          <a:rPr lang="de-DE" b="0" i="1" dirty="0" smtClean="0">
+                            <a:latin typeface="Cambria Math" panose="02040503050406030204" pitchFamily="18" charset="0"/>
+                          </a:rPr>
+                          <m:t>−1</m:t>
+                        </m:r>
+                      </m:oMath>
+                    </m:oMathPara>
+                  </a14:m>
+                  <a:endParaRPr lang="en-GB" dirty="0"/>
+                </a:p>
+              </p:txBody>
+            </p:sp>
+          </mc:Choice>
+          <mc:Fallback>
+            <p:sp>
+              <p:nvSpPr>
+                <p:cNvPr id="28" name="Textfeld 27"/>
+                <p:cNvSpPr txBox="1">
+                  <a:spLocks noRot="1" noChangeAspect="1" noMove="1" noResize="1" noEditPoints="1" noAdjustHandles="1" noChangeArrowheads="1" noChangeShapeType="1" noTextEdit="1"/>
+                </p:cNvSpPr>
+                <p:nvPr/>
+              </p:nvSpPr>
+              <p:spPr>
+                <a:xfrm>
+                  <a:off x="2934110" y="1485673"/>
+                  <a:ext cx="538930" cy="369332"/>
+                </a:xfrm>
+                <a:prstGeom prst="rect">
+                  <a:avLst/>
+                </a:prstGeom>
+                <a:blipFill rotWithShape="0">
+                  <a:blip r:embed="rId8"/>
+                  <a:stretch>
+                    <a:fillRect/>
+                  </a:stretch>
+                </a:blipFill>
+              </p:spPr>
+              <p:txBody>
+                <a:bodyPr/>
+                <a:lstStyle/>
+                <a:p>
+                  <a:r>
+                    <a:rPr lang="en-GB">
+                      <a:noFill/>
+                    </a:rPr>
+                    <a:t> </a:t>
+                  </a:r>
+                </a:p>
+              </p:txBody>
+            </p:sp>
+          </mc:Fallback>
+        </mc:AlternateContent>
+        <mc:AlternateContent xmlns:mc="http://schemas.openxmlformats.org/markup-compatibility/2006">
+          <mc:Choice xmlns:a14="http://schemas.microsoft.com/office/drawing/2010/main" Requires="a14">
+            <p:sp>
+              <p:nvSpPr>
+                <p:cNvPr id="29" name="Textfeld 28"/>
+                <p:cNvSpPr txBox="1"/>
+                <p:nvPr/>
+              </p:nvSpPr>
+              <p:spPr>
+                <a:xfrm>
+                  <a:off x="5325722" y="1485673"/>
+                  <a:ext cx="365806" cy="369332"/>
+                </a:xfrm>
+                <a:prstGeom prst="rect">
+                  <a:avLst/>
+                </a:prstGeom>
+                <a:noFill/>
+              </p:spPr>
+              <p:txBody>
+                <a:bodyPr wrap="none" rtlCol="0">
+                  <a:spAutoFit/>
+                </a:bodyPr>
+                <a:lstStyle/>
+                <a:p>
+                  <a:pPr/>
+                  <a14:m>
+                    <m:oMathPara xmlns:m="http://schemas.openxmlformats.org/officeDocument/2006/math">
+                      <m:oMathParaPr>
+                        <m:jc m:val="center"/>
+                      </m:oMathParaPr>
+                      <m:oMath xmlns:m="http://schemas.openxmlformats.org/officeDocument/2006/math">
+                        <m:r>
+                          <a:rPr lang="de-DE" b="0" i="1" dirty="0" smtClean="0">
+                            <a:latin typeface="Cambria Math" panose="02040503050406030204" pitchFamily="18" charset="0"/>
+                          </a:rPr>
+                          <m:t>1</m:t>
+                        </m:r>
+                      </m:oMath>
+                    </m:oMathPara>
+                  </a14:m>
+                  <a:endParaRPr lang="en-GB" dirty="0"/>
+                </a:p>
+              </p:txBody>
+            </p:sp>
+          </mc:Choice>
+          <mc:Fallback>
+            <p:sp>
+              <p:nvSpPr>
+                <p:cNvPr id="29" name="Textfeld 28"/>
+                <p:cNvSpPr txBox="1">
+                  <a:spLocks noRot="1" noChangeAspect="1" noMove="1" noResize="1" noEditPoints="1" noAdjustHandles="1" noChangeArrowheads="1" noChangeShapeType="1" noTextEdit="1"/>
+                </p:cNvSpPr>
+                <p:nvPr/>
+              </p:nvSpPr>
+              <p:spPr>
+                <a:xfrm>
+                  <a:off x="5325722" y="1485673"/>
+                  <a:ext cx="365806" cy="369332"/>
+                </a:xfrm>
+                <a:prstGeom prst="rect">
+                  <a:avLst/>
+                </a:prstGeom>
+                <a:blipFill rotWithShape="0">
+                  <a:blip r:embed="rId9"/>
+                  <a:stretch>
+                    <a:fillRect/>
+                  </a:stretch>
+                </a:blipFill>
+              </p:spPr>
+              <p:txBody>
+                <a:bodyPr/>
+                <a:lstStyle/>
+                <a:p>
+                  <a:r>
+                    <a:rPr lang="en-GB">
+                      <a:noFill/>
+                    </a:rPr>
+                    <a:t> </a:t>
+                  </a:r>
+                </a:p>
+              </p:txBody>
+            </p:sp>
+          </mc:Fallback>
+        </mc:AlternateContent>
+      </p:grpSp>
+      <mc:AlternateContent xmlns:mc="http://schemas.openxmlformats.org/markup-compatibility/2006">
+        <mc:Choice xmlns:a14="http://schemas.microsoft.com/office/drawing/2010/main" Requires="a14">
+          <p:sp>
+            <p:nvSpPr>
+              <p:cNvPr id="34" name="Textfeld 33"/>
+              <p:cNvSpPr txBox="1"/>
+              <p:nvPr/>
+            </p:nvSpPr>
+            <p:spPr>
+              <a:xfrm>
+                <a:off x="327454" y="2562870"/>
+                <a:ext cx="465192" cy="523220"/>
+              </a:xfrm>
+              <a:prstGeom prst="rect">
+                <a:avLst/>
+              </a:prstGeom>
+              <a:noFill/>
+            </p:spPr>
+            <p:txBody>
+              <a:bodyPr wrap="none" rtlCol="0">
+                <a:spAutoFit/>
+              </a:bodyPr>
+              <a:lstStyle/>
+              <a:p>
+                <a14:m>
+                  <m:oMathPara xmlns:m="http://schemas.openxmlformats.org/officeDocument/2006/math">
+                    <m:oMathParaPr>
+                      <m:jc m:val="centerGroup"/>
+                    </m:oMathParaPr>
+                    <m:oMath xmlns:m="http://schemas.openxmlformats.org/officeDocument/2006/math">
+                      <m:r>
+                        <a:rPr lang="de-DE" sz="2800" b="0" i="1" dirty="0" smtClean="0">
+                          <a:latin typeface="Cambria Math" panose="02040503050406030204" pitchFamily="18" charset="0"/>
+                        </a:rPr>
+                        <m:t>1</m:t>
+                      </m:r>
+                    </m:oMath>
+                  </m:oMathPara>
+                </a14:m>
+                <a:endParaRPr lang="en-GB" sz="2800" dirty="0"/>
+              </a:p>
+            </p:txBody>
+          </p:sp>
+        </mc:Choice>
+        <mc:Fallback>
+          <p:sp>
+            <p:nvSpPr>
+              <p:cNvPr id="34" name="Textfeld 33"/>
+              <p:cNvSpPr txBox="1">
+                <a:spLocks noRot="1" noChangeAspect="1" noMove="1" noResize="1" noEditPoints="1" noAdjustHandles="1" noChangeArrowheads="1" noChangeShapeType="1" noTextEdit="1"/>
+              </p:cNvSpPr>
+              <p:nvPr/>
+            </p:nvSpPr>
+            <p:spPr>
+              <a:xfrm>
+                <a:off x="327454" y="2562870"/>
+                <a:ext cx="465192" cy="523220"/>
+              </a:xfrm>
+              <a:prstGeom prst="rect">
+                <a:avLst/>
+              </a:prstGeom>
+              <a:blipFill rotWithShape="0">
+                <a:blip r:embed="rId10"/>
+                <a:stretch>
+                  <a:fillRect/>
+                </a:stretch>
+              </a:blipFill>
+            </p:spPr>
+            <p:txBody>
+              <a:bodyPr/>
+              <a:lstStyle/>
+              <a:p>
+                <a:r>
+                  <a:rPr lang="en-GB">
+                    <a:noFill/>
+                  </a:rPr>
+                  <a:t> </a:t>
+                </a:r>
+              </a:p>
+            </p:txBody>
+          </p:sp>
+        </mc:Fallback>
+      </mc:AlternateContent>
+      <p:grpSp>
+        <p:nvGrpSpPr>
+          <p:cNvPr id="44" name="Gruppieren 43"/>
+          <p:cNvGrpSpPr/>
+          <p:nvPr/>
+        </p:nvGrpSpPr>
+        <p:grpSpPr>
+          <a:xfrm>
+            <a:off x="3035754" y="2730339"/>
+            <a:ext cx="2679575" cy="196850"/>
+            <a:chOff x="3035754" y="1805792"/>
+            <a:chExt cx="2679575" cy="196850"/>
+          </a:xfrm>
+        </p:grpSpPr>
+        <p:cxnSp>
+          <p:nvCxnSpPr>
+            <p:cNvPr id="45" name="Gerader Verbinder 44"/>
+            <p:cNvCxnSpPr/>
+            <p:nvPr/>
+          </p:nvCxnSpPr>
+          <p:spPr>
+            <a:xfrm>
+              <a:off x="3035754" y="1904217"/>
+              <a:ext cx="2679575" cy="0"/>
+            </a:xfrm>
+            <a:prstGeom prst="line">
+              <a:avLst/>
+            </a:prstGeom>
+            <a:ln w="38100">
+              <a:solidFill>
+                <a:schemeClr val="tx1"/>
+              </a:solidFill>
+            </a:ln>
+          </p:spPr>
+          <p:style>
+            <a:lnRef idx="1">
+              <a:schemeClr val="accent1"/>
+            </a:lnRef>
+            <a:fillRef idx="0">
+              <a:schemeClr val="accent1"/>
+            </a:fillRef>
+            <a:effectRef idx="0">
+              <a:schemeClr val="accent1"/>
+            </a:effectRef>
+            <a:fontRef idx="minor">
+              <a:schemeClr val="tx1"/>
+            </a:fontRef>
+          </p:style>
+        </p:cxnSp>
+        <p:cxnSp>
+          <p:nvCxnSpPr>
+            <p:cNvPr id="46" name="Gerader Verbinder 45"/>
+            <p:cNvCxnSpPr/>
+            <p:nvPr/>
+          </p:nvCxnSpPr>
+          <p:spPr>
+            <a:xfrm>
+              <a:off x="3203575" y="1805792"/>
+              <a:ext cx="0" cy="196850"/>
+            </a:xfrm>
+            <a:prstGeom prst="line">
+              <a:avLst/>
+            </a:prstGeom>
+            <a:ln w="38100">
+              <a:solidFill>
+                <a:schemeClr val="tx1"/>
+              </a:solidFill>
+            </a:ln>
+          </p:spPr>
+          <p:style>
+            <a:lnRef idx="1">
+              <a:schemeClr val="accent1"/>
+            </a:lnRef>
+            <a:fillRef idx="0">
+              <a:schemeClr val="accent1"/>
+            </a:fillRef>
+            <a:effectRef idx="0">
+              <a:schemeClr val="accent1"/>
+            </a:effectRef>
+            <a:fontRef idx="minor">
+              <a:schemeClr val="tx1"/>
+            </a:fontRef>
+          </p:style>
+        </p:cxnSp>
+        <p:cxnSp>
+          <p:nvCxnSpPr>
+            <p:cNvPr id="47" name="Gerader Verbinder 46"/>
+            <p:cNvCxnSpPr/>
+            <p:nvPr/>
+          </p:nvCxnSpPr>
+          <p:spPr>
+            <a:xfrm>
+              <a:off x="5508625" y="1805792"/>
+              <a:ext cx="0" cy="196850"/>
+            </a:xfrm>
+            <a:prstGeom prst="line">
+              <a:avLst/>
+            </a:prstGeom>
+            <a:ln w="38100">
+              <a:solidFill>
+                <a:schemeClr val="tx1"/>
+              </a:solidFill>
+            </a:ln>
+          </p:spPr>
+          <p:style>
+            <a:lnRef idx="1">
+              <a:schemeClr val="accent1"/>
+            </a:lnRef>
+            <a:fillRef idx="0">
+              <a:schemeClr val="accent1"/>
+            </a:fillRef>
+            <a:effectRef idx="0">
+              <a:schemeClr val="accent1"/>
+            </a:effectRef>
+            <a:fontRef idx="minor">
+              <a:schemeClr val="tx1"/>
+            </a:fontRef>
+          </p:style>
+        </p:cxnSp>
+        <p:cxnSp>
+          <p:nvCxnSpPr>
+            <p:cNvPr id="48" name="Gerader Verbinder 47"/>
+            <p:cNvCxnSpPr/>
+            <p:nvPr/>
+          </p:nvCxnSpPr>
+          <p:spPr>
+            <a:xfrm>
+              <a:off x="4349750" y="1805792"/>
+              <a:ext cx="0" cy="196850"/>
+            </a:xfrm>
+            <a:prstGeom prst="line">
+              <a:avLst/>
+            </a:prstGeom>
+            <a:ln w="38100">
+              <a:solidFill>
+                <a:schemeClr val="tx1"/>
+              </a:solidFill>
+            </a:ln>
+          </p:spPr>
+          <p:style>
+            <a:lnRef idx="1">
+              <a:schemeClr val="accent1"/>
+            </a:lnRef>
+            <a:fillRef idx="0">
+              <a:schemeClr val="accent1"/>
+            </a:fillRef>
+            <a:effectRef idx="0">
+              <a:schemeClr val="accent1"/>
+            </a:effectRef>
+            <a:fontRef idx="minor">
+              <a:schemeClr val="tx1"/>
+            </a:fontRef>
+          </p:style>
+        </p:cxnSp>
+      </p:grpSp>
+      <p:grpSp>
+        <p:nvGrpSpPr>
+          <p:cNvPr id="49" name="Gruppieren 48"/>
+          <p:cNvGrpSpPr/>
+          <p:nvPr/>
+        </p:nvGrpSpPr>
+        <p:grpSpPr>
+          <a:xfrm>
+            <a:off x="3035753" y="3658029"/>
+            <a:ext cx="2679575" cy="196850"/>
+            <a:chOff x="3035754" y="1805792"/>
+            <a:chExt cx="2679575" cy="196850"/>
+          </a:xfrm>
+        </p:grpSpPr>
+        <p:cxnSp>
+          <p:nvCxnSpPr>
+            <p:cNvPr id="50" name="Gerader Verbinder 49"/>
+            <p:cNvCxnSpPr/>
+            <p:nvPr/>
+          </p:nvCxnSpPr>
+          <p:spPr>
+            <a:xfrm>
+              <a:off x="3035754" y="1904217"/>
+              <a:ext cx="2679575" cy="0"/>
+            </a:xfrm>
+            <a:prstGeom prst="line">
+              <a:avLst/>
+            </a:prstGeom>
+            <a:ln w="38100">
+              <a:solidFill>
+                <a:schemeClr val="tx1"/>
+              </a:solidFill>
+            </a:ln>
+          </p:spPr>
+          <p:style>
+            <a:lnRef idx="1">
+              <a:schemeClr val="accent1"/>
+            </a:lnRef>
+            <a:fillRef idx="0">
+              <a:schemeClr val="accent1"/>
+            </a:fillRef>
+            <a:effectRef idx="0">
+              <a:schemeClr val="accent1"/>
+            </a:effectRef>
+            <a:fontRef idx="minor">
+              <a:schemeClr val="tx1"/>
+            </a:fontRef>
+          </p:style>
+        </p:cxnSp>
+        <p:cxnSp>
+          <p:nvCxnSpPr>
+            <p:cNvPr id="51" name="Gerader Verbinder 50"/>
+            <p:cNvCxnSpPr/>
+            <p:nvPr/>
+          </p:nvCxnSpPr>
+          <p:spPr>
+            <a:xfrm>
+              <a:off x="3203575" y="1805792"/>
+              <a:ext cx="0" cy="196850"/>
+            </a:xfrm>
+            <a:prstGeom prst="line">
+              <a:avLst/>
+            </a:prstGeom>
+            <a:ln w="38100">
+              <a:solidFill>
+                <a:schemeClr val="tx1"/>
+              </a:solidFill>
+            </a:ln>
+          </p:spPr>
+          <p:style>
+            <a:lnRef idx="1">
+              <a:schemeClr val="accent1"/>
+            </a:lnRef>
+            <a:fillRef idx="0">
+              <a:schemeClr val="accent1"/>
+            </a:fillRef>
+            <a:effectRef idx="0">
+              <a:schemeClr val="accent1"/>
+            </a:effectRef>
+            <a:fontRef idx="minor">
+              <a:schemeClr val="tx1"/>
+            </a:fontRef>
+          </p:style>
+        </p:cxnSp>
+        <p:cxnSp>
+          <p:nvCxnSpPr>
+            <p:cNvPr id="52" name="Gerader Verbinder 51"/>
+            <p:cNvCxnSpPr/>
+            <p:nvPr/>
+          </p:nvCxnSpPr>
+          <p:spPr>
+            <a:xfrm>
+              <a:off x="5508625" y="1805792"/>
+              <a:ext cx="0" cy="196850"/>
+            </a:xfrm>
+            <a:prstGeom prst="line">
+              <a:avLst/>
+            </a:prstGeom>
+            <a:ln w="38100">
+              <a:solidFill>
+                <a:schemeClr val="tx1"/>
+              </a:solidFill>
+            </a:ln>
+          </p:spPr>
+          <p:style>
+            <a:lnRef idx="1">
+              <a:schemeClr val="accent1"/>
+            </a:lnRef>
+            <a:fillRef idx="0">
+              <a:schemeClr val="accent1"/>
+            </a:fillRef>
+            <a:effectRef idx="0">
+              <a:schemeClr val="accent1"/>
+            </a:effectRef>
+            <a:fontRef idx="minor">
+              <a:schemeClr val="tx1"/>
+            </a:fontRef>
+          </p:style>
+        </p:cxnSp>
+        <p:cxnSp>
+          <p:nvCxnSpPr>
+            <p:cNvPr id="53" name="Gerader Verbinder 52"/>
+            <p:cNvCxnSpPr/>
+            <p:nvPr/>
+          </p:nvCxnSpPr>
+          <p:spPr>
+            <a:xfrm>
+              <a:off x="4349750" y="1805792"/>
+              <a:ext cx="0" cy="196850"/>
+            </a:xfrm>
+            <a:prstGeom prst="line">
+              <a:avLst/>
+            </a:prstGeom>
+            <a:ln w="38100">
+              <a:solidFill>
+                <a:schemeClr val="tx1"/>
+              </a:solidFill>
+            </a:ln>
+          </p:spPr>
+          <p:style>
+            <a:lnRef idx="1">
+              <a:schemeClr val="accent1"/>
+            </a:lnRef>
+            <a:fillRef idx="0">
+              <a:schemeClr val="accent1"/>
+            </a:fillRef>
+            <a:effectRef idx="0">
+              <a:schemeClr val="accent1"/>
+            </a:effectRef>
+            <a:fontRef idx="minor">
+              <a:schemeClr val="tx1"/>
+            </a:fontRef>
+          </p:style>
+        </p:cxnSp>
+      </p:grpSp>
+      <p:cxnSp>
+        <p:nvCxnSpPr>
+          <p:cNvPr id="54" name="Gerade Verbindung mit Pfeil 53"/>
+          <p:cNvCxnSpPr/>
+          <p:nvPr/>
+        </p:nvCxnSpPr>
+        <p:spPr>
+          <a:xfrm flipV="1">
+            <a:off x="4349750" y="1912371"/>
+            <a:ext cx="0" cy="252979"/>
+          </a:xfrm>
+          <a:prstGeom prst="straightConnector1">
+            <a:avLst/>
+          </a:prstGeom>
+          <a:ln w="57150">
+            <a:solidFill>
+              <a:srgbClr val="006600"/>
+            </a:solidFill>
+            <a:tailEnd type="triangle"/>
+          </a:ln>
+        </p:spPr>
+        <p:style>
+          <a:lnRef idx="1">
+            <a:schemeClr val="accent1"/>
+          </a:lnRef>
+          <a:fillRef idx="0">
+            <a:schemeClr val="accent1"/>
+          </a:fillRef>
+          <a:effectRef idx="0">
+            <a:schemeClr val="accent1"/>
+          </a:effectRef>
+          <a:fontRef idx="minor">
+            <a:schemeClr val="tx1"/>
+          </a:fontRef>
+        </p:style>
+      </p:cxnSp>
+      <p:cxnSp>
+        <p:nvCxnSpPr>
+          <p:cNvPr id="56" name="Gerade Verbindung mit Pfeil 55"/>
+          <p:cNvCxnSpPr/>
+          <p:nvPr/>
+        </p:nvCxnSpPr>
+        <p:spPr>
+          <a:xfrm flipV="1">
+            <a:off x="4038598" y="2824480"/>
+            <a:ext cx="0" cy="252979"/>
+          </a:xfrm>
+          <a:prstGeom prst="straightConnector1">
+            <a:avLst/>
+          </a:prstGeom>
+          <a:ln w="57150">
+            <a:solidFill>
+              <a:srgbClr val="006600"/>
+            </a:solidFill>
+            <a:tailEnd type="triangle"/>
+          </a:ln>
+        </p:spPr>
+        <p:style>
+          <a:lnRef idx="1">
+            <a:schemeClr val="accent1"/>
+          </a:lnRef>
+          <a:fillRef idx="0">
+            <a:schemeClr val="accent1"/>
+          </a:fillRef>
+          <a:effectRef idx="0">
+            <a:schemeClr val="accent1"/>
+          </a:effectRef>
+          <a:fontRef idx="minor">
+            <a:schemeClr val="tx1"/>
+          </a:fontRef>
+        </p:style>
+      </p:cxnSp>
+      <mc:AlternateContent xmlns:mc="http://schemas.openxmlformats.org/markup-compatibility/2006">
+        <mc:Choice xmlns:a14="http://schemas.microsoft.com/office/drawing/2010/main" Requires="a14">
+          <p:sp>
+            <p:nvSpPr>
+              <p:cNvPr id="58" name="Textfeld 57"/>
+              <p:cNvSpPr txBox="1"/>
+              <p:nvPr/>
+            </p:nvSpPr>
+            <p:spPr>
+              <a:xfrm>
+                <a:off x="327454" y="1619139"/>
+                <a:ext cx="465192" cy="523220"/>
+              </a:xfrm>
+              <a:prstGeom prst="rect">
+                <a:avLst/>
+              </a:prstGeom>
+              <a:noFill/>
+            </p:spPr>
+            <p:txBody>
+              <a:bodyPr wrap="none" rtlCol="0">
+                <a:spAutoFit/>
+              </a:bodyPr>
+              <a:lstStyle/>
+              <a:p>
+                <a14:m>
+                  <m:oMathPara xmlns:m="http://schemas.openxmlformats.org/officeDocument/2006/math">
+                    <m:oMathParaPr>
+                      <m:jc m:val="centerGroup"/>
+                    </m:oMathParaPr>
+                    <m:oMath xmlns:m="http://schemas.openxmlformats.org/officeDocument/2006/math">
+                      <m:r>
+                        <a:rPr lang="en-GB" sz="2800" i="1" dirty="0" smtClean="0">
+                          <a:latin typeface="Cambria Math" panose="02040503050406030204" pitchFamily="18" charset="0"/>
+                        </a:rPr>
+                        <m:t>0</m:t>
+                      </m:r>
+                    </m:oMath>
+                  </m:oMathPara>
+                </a14:m>
+                <a:endParaRPr lang="en-GB" sz="2800" dirty="0"/>
+              </a:p>
+            </p:txBody>
+          </p:sp>
+        </mc:Choice>
+        <mc:Fallback>
+          <p:sp>
+            <p:nvSpPr>
+              <p:cNvPr id="58" name="Textfeld 57"/>
+              <p:cNvSpPr txBox="1">
+                <a:spLocks noRot="1" noChangeAspect="1" noMove="1" noResize="1" noEditPoints="1" noAdjustHandles="1" noChangeArrowheads="1" noChangeShapeType="1" noTextEdit="1"/>
+              </p:cNvSpPr>
+              <p:nvPr/>
+            </p:nvSpPr>
+            <p:spPr>
+              <a:xfrm>
+                <a:off x="327454" y="1619139"/>
+                <a:ext cx="465192" cy="523220"/>
+              </a:xfrm>
+              <a:prstGeom prst="rect">
+                <a:avLst/>
+              </a:prstGeom>
+              <a:blipFill rotWithShape="0">
+                <a:blip r:embed="rId11"/>
+                <a:stretch>
+                  <a:fillRect/>
+                </a:stretch>
+              </a:blipFill>
+            </p:spPr>
+            <p:txBody>
+              <a:bodyPr/>
+              <a:lstStyle/>
+              <a:p>
+                <a:r>
+                  <a:rPr lang="en-GB">
+                    <a:noFill/>
+                  </a:rPr>
+                  <a:t> </a:t>
+                </a:r>
+              </a:p>
+            </p:txBody>
+          </p:sp>
+        </mc:Fallback>
+      </mc:AlternateContent>
+      <p:sp>
+        <p:nvSpPr>
+          <p:cNvPr id="59" name="Ellipse 58"/>
+          <p:cNvSpPr/>
+          <p:nvPr/>
+        </p:nvSpPr>
+        <p:spPr>
+          <a:xfrm>
+            <a:off x="5439511" y="2754986"/>
+            <a:ext cx="147610" cy="147610"/>
+          </a:xfrm>
+          <a:prstGeom prst="ellipse">
+            <a:avLst/>
+          </a:prstGeom>
+          <a:solidFill>
+            <a:srgbClr val="C00000"/>
+          </a:solidFill>
+          <a:ln>
+            <a:noFill/>
+          </a:ln>
+        </p:spPr>
+        <p:style>
+          <a:lnRef idx="2">
+            <a:schemeClr val="accent1">
+              <a:shade val="50000"/>
+            </a:schemeClr>
+          </a:lnRef>
+          <a:fillRef idx="1">
+            <a:schemeClr val="accent1"/>
+          </a:fillRef>
+          <a:effectRef idx="0">
+            <a:schemeClr val="accent1"/>
+          </a:effectRef>
+          <a:fontRef idx="minor">
+            <a:schemeClr val="lt1"/>
+          </a:fontRef>
+        </p:style>
+        <p:txBody>
+          <a:bodyPr rtlCol="0" anchor="ctr"/>
+          <a:lstStyle/>
+          <a:p>
+            <a:pPr algn="ctr"/>
+            <a:endParaRPr lang="en-GB">
+              <a:solidFill>
+                <a:sysClr val="windowText" lastClr="000000"/>
+              </a:solidFill>
+            </a:endParaRPr>
+          </a:p>
+        </p:txBody>
+      </p:sp>
+      <p:sp>
+        <p:nvSpPr>
+          <p:cNvPr id="63" name="Ellipse 62"/>
+          <p:cNvSpPr/>
+          <p:nvPr/>
+        </p:nvSpPr>
+        <p:spPr>
+          <a:xfrm>
+            <a:off x="5434819" y="3687127"/>
+            <a:ext cx="147610" cy="147610"/>
+          </a:xfrm>
+          <a:prstGeom prst="ellipse">
+            <a:avLst/>
+          </a:prstGeom>
+          <a:solidFill>
+            <a:schemeClr val="tx1"/>
+          </a:solidFill>
+          <a:ln>
+            <a:noFill/>
+          </a:ln>
+        </p:spPr>
+        <p:style>
+          <a:lnRef idx="2">
+            <a:schemeClr val="accent1">
+              <a:shade val="50000"/>
+            </a:schemeClr>
+          </a:lnRef>
+          <a:fillRef idx="1">
+            <a:schemeClr val="accent1"/>
+          </a:fillRef>
+          <a:effectRef idx="0">
+            <a:schemeClr val="accent1"/>
+          </a:effectRef>
+          <a:fontRef idx="minor">
+            <a:schemeClr val="lt1"/>
+          </a:fontRef>
+        </p:style>
+        <p:txBody>
+          <a:bodyPr rtlCol="0" anchor="ctr"/>
+          <a:lstStyle/>
+          <a:p>
+            <a:pPr algn="ctr"/>
+            <a:endParaRPr lang="en-GB">
+              <a:solidFill>
+                <a:sysClr val="windowText" lastClr="000000"/>
+              </a:solidFill>
+            </a:endParaRPr>
+          </a:p>
+        </p:txBody>
+      </p:sp>
+      <p:cxnSp>
+        <p:nvCxnSpPr>
+          <p:cNvPr id="62" name="Gerade Verbindung mit Pfeil 61"/>
+          <p:cNvCxnSpPr/>
+          <p:nvPr/>
+        </p:nvCxnSpPr>
+        <p:spPr>
+          <a:xfrm flipV="1">
+            <a:off x="5508624" y="3756454"/>
+            <a:ext cx="0" cy="252979"/>
+          </a:xfrm>
+          <a:prstGeom prst="straightConnector1">
+            <a:avLst/>
+          </a:prstGeom>
+          <a:ln w="57150">
+            <a:solidFill>
+              <a:srgbClr val="006600"/>
+            </a:solidFill>
+            <a:tailEnd type="triangle"/>
+          </a:ln>
+        </p:spPr>
+        <p:style>
+          <a:lnRef idx="1">
+            <a:schemeClr val="accent1"/>
+          </a:lnRef>
+          <a:fillRef idx="0">
+            <a:schemeClr val="accent1"/>
+          </a:fillRef>
+          <a:effectRef idx="0">
+            <a:schemeClr val="accent1"/>
+          </a:effectRef>
+          <a:fontRef idx="minor">
+            <a:schemeClr val="tx1"/>
+          </a:fontRef>
+        </p:style>
+      </p:cxnSp>
+      <mc:AlternateContent xmlns:mc="http://schemas.openxmlformats.org/markup-compatibility/2006">
+        <mc:Choice xmlns:a14="http://schemas.microsoft.com/office/drawing/2010/main" Requires="a14">
+          <p:sp>
+            <p:nvSpPr>
+              <p:cNvPr id="68" name="Textfeld 67"/>
+              <p:cNvSpPr txBox="1"/>
+              <p:nvPr/>
+            </p:nvSpPr>
+            <p:spPr>
+              <a:xfrm>
+                <a:off x="327454" y="3552655"/>
+                <a:ext cx="1067343" cy="523220"/>
+              </a:xfrm>
+              <a:prstGeom prst="rect">
+                <a:avLst/>
+              </a:prstGeom>
+              <a:noFill/>
+            </p:spPr>
+            <p:txBody>
+              <a:bodyPr wrap="none" rtlCol="0">
+                <a:spAutoFit/>
+              </a:bodyPr>
+              <a:lstStyle/>
+              <a:p>
+                <a14:m>
+                  <m:oMathPara xmlns:m="http://schemas.openxmlformats.org/officeDocument/2006/math">
+                    <m:oMathParaPr>
+                      <m:jc m:val="centerGroup"/>
+                    </m:oMathParaPr>
+                    <m:oMath xmlns:m="http://schemas.openxmlformats.org/officeDocument/2006/math">
+                      <m:r>
+                        <a:rPr lang="de-DE" sz="2800" b="0" i="1" dirty="0" smtClean="0">
+                          <a:latin typeface="Cambria Math" panose="02040503050406030204" pitchFamily="18" charset="0"/>
+                        </a:rPr>
+                        <m:t>2+</m:t>
+                      </m:r>
+                      <m:r>
+                        <a:rPr lang="de-DE" sz="2800" b="0" i="1" dirty="0" smtClean="0">
+                          <a:latin typeface="Cambria Math" panose="02040503050406030204" pitchFamily="18" charset="0"/>
+                        </a:rPr>
+                        <m:t>𝜀</m:t>
+                      </m:r>
+                    </m:oMath>
+                  </m:oMathPara>
+                </a14:m>
+                <a:endParaRPr lang="en-GB" sz="2800" dirty="0"/>
+              </a:p>
+            </p:txBody>
+          </p:sp>
+        </mc:Choice>
+        <mc:Fallback>
+          <p:sp>
+            <p:nvSpPr>
+              <p:cNvPr id="68" name="Textfeld 67"/>
+              <p:cNvSpPr txBox="1">
+                <a:spLocks noRot="1" noChangeAspect="1" noMove="1" noResize="1" noEditPoints="1" noAdjustHandles="1" noChangeArrowheads="1" noChangeShapeType="1" noTextEdit="1"/>
+              </p:cNvSpPr>
+              <p:nvPr/>
+            </p:nvSpPr>
+            <p:spPr>
+              <a:xfrm>
+                <a:off x="327454" y="3552655"/>
+                <a:ext cx="1067343" cy="523220"/>
+              </a:xfrm>
+              <a:prstGeom prst="rect">
+                <a:avLst/>
+              </a:prstGeom>
+              <a:blipFill rotWithShape="0">
+                <a:blip r:embed="rId12"/>
+                <a:stretch>
+                  <a:fillRect/>
+                </a:stretch>
+              </a:blipFill>
+            </p:spPr>
+            <p:txBody>
+              <a:bodyPr/>
+              <a:lstStyle/>
+              <a:p>
+                <a:r>
+                  <a:rPr lang="en-GB">
+                    <a:noFill/>
+                  </a:rPr>
+                  <a:t> </a:t>
+                </a:r>
+              </a:p>
+            </p:txBody>
+          </p:sp>
+        </mc:Fallback>
+      </mc:AlternateContent>
+      <p:grpSp>
+        <p:nvGrpSpPr>
+          <p:cNvPr id="69" name="Gruppieren 68"/>
+          <p:cNvGrpSpPr/>
+          <p:nvPr/>
+        </p:nvGrpSpPr>
+        <p:grpSpPr>
+          <a:xfrm>
+            <a:off x="6275000" y="2726055"/>
+            <a:ext cx="2679575" cy="196850"/>
+            <a:chOff x="3035754" y="1805792"/>
+            <a:chExt cx="2679575" cy="196850"/>
+          </a:xfrm>
+        </p:grpSpPr>
+        <p:cxnSp>
+          <p:nvCxnSpPr>
+            <p:cNvPr id="70" name="Gerader Verbinder 69"/>
+            <p:cNvCxnSpPr/>
+            <p:nvPr/>
+          </p:nvCxnSpPr>
+          <p:spPr>
+            <a:xfrm>
+              <a:off x="3035754" y="1904217"/>
+              <a:ext cx="2679575" cy="0"/>
+            </a:xfrm>
+            <a:prstGeom prst="line">
+              <a:avLst/>
+            </a:prstGeom>
+            <a:ln w="38100">
+              <a:solidFill>
+                <a:schemeClr val="tx1"/>
+              </a:solidFill>
+            </a:ln>
+          </p:spPr>
+          <p:style>
+            <a:lnRef idx="1">
+              <a:schemeClr val="accent1"/>
+            </a:lnRef>
+            <a:fillRef idx="0">
+              <a:schemeClr val="accent1"/>
+            </a:fillRef>
+            <a:effectRef idx="0">
+              <a:schemeClr val="accent1"/>
+            </a:effectRef>
+            <a:fontRef idx="minor">
+              <a:schemeClr val="tx1"/>
+            </a:fontRef>
+          </p:style>
+        </p:cxnSp>
+        <p:cxnSp>
+          <p:nvCxnSpPr>
+            <p:cNvPr id="71" name="Gerader Verbinder 70"/>
+            <p:cNvCxnSpPr/>
+            <p:nvPr/>
+          </p:nvCxnSpPr>
+          <p:spPr>
+            <a:xfrm>
+              <a:off x="3203575" y="1805792"/>
+              <a:ext cx="0" cy="196850"/>
+            </a:xfrm>
+            <a:prstGeom prst="line">
+              <a:avLst/>
+            </a:prstGeom>
+            <a:ln w="38100">
+              <a:solidFill>
+                <a:schemeClr val="tx1"/>
+              </a:solidFill>
+            </a:ln>
+          </p:spPr>
+          <p:style>
+            <a:lnRef idx="1">
+              <a:schemeClr val="accent1"/>
+            </a:lnRef>
+            <a:fillRef idx="0">
+              <a:schemeClr val="accent1"/>
+            </a:fillRef>
+            <a:effectRef idx="0">
+              <a:schemeClr val="accent1"/>
+            </a:effectRef>
+            <a:fontRef idx="minor">
+              <a:schemeClr val="tx1"/>
+            </a:fontRef>
+          </p:style>
+        </p:cxnSp>
+        <p:cxnSp>
+          <p:nvCxnSpPr>
+            <p:cNvPr id="72" name="Gerader Verbinder 71"/>
+            <p:cNvCxnSpPr/>
+            <p:nvPr/>
+          </p:nvCxnSpPr>
+          <p:spPr>
+            <a:xfrm>
+              <a:off x="5508625" y="1805792"/>
+              <a:ext cx="0" cy="196850"/>
+            </a:xfrm>
+            <a:prstGeom prst="line">
+              <a:avLst/>
+            </a:prstGeom>
+            <a:ln w="38100">
+              <a:solidFill>
+                <a:schemeClr val="tx1"/>
+              </a:solidFill>
+            </a:ln>
+          </p:spPr>
+          <p:style>
+            <a:lnRef idx="1">
+              <a:schemeClr val="accent1"/>
+            </a:lnRef>
+            <a:fillRef idx="0">
+              <a:schemeClr val="accent1"/>
+            </a:fillRef>
+            <a:effectRef idx="0">
+              <a:schemeClr val="accent1"/>
+            </a:effectRef>
+            <a:fontRef idx="minor">
+              <a:schemeClr val="tx1"/>
+            </a:fontRef>
+          </p:style>
+        </p:cxnSp>
+        <p:cxnSp>
+          <p:nvCxnSpPr>
+            <p:cNvPr id="73" name="Gerader Verbinder 72"/>
+            <p:cNvCxnSpPr/>
+            <p:nvPr/>
+          </p:nvCxnSpPr>
+          <p:spPr>
+            <a:xfrm>
+              <a:off x="4349750" y="1805792"/>
+              <a:ext cx="0" cy="196850"/>
+            </a:xfrm>
+            <a:prstGeom prst="line">
+              <a:avLst/>
+            </a:prstGeom>
+            <a:ln w="38100">
+              <a:solidFill>
+                <a:schemeClr val="tx1"/>
+              </a:solidFill>
+            </a:ln>
+          </p:spPr>
+          <p:style>
+            <a:lnRef idx="1">
+              <a:schemeClr val="accent1"/>
+            </a:lnRef>
+            <a:fillRef idx="0">
+              <a:schemeClr val="accent1"/>
+            </a:fillRef>
+            <a:effectRef idx="0">
+              <a:schemeClr val="accent1"/>
+            </a:effectRef>
+            <a:fontRef idx="minor">
+              <a:schemeClr val="tx1"/>
+            </a:fontRef>
+          </p:style>
+        </p:cxnSp>
+      </p:grpSp>
+      <p:sp>
+        <p:nvSpPr>
+          <p:cNvPr id="74" name="Ellipse 73"/>
+          <p:cNvSpPr/>
+          <p:nvPr/>
+        </p:nvSpPr>
+        <p:spPr>
+          <a:xfrm>
+            <a:off x="8674066" y="2757025"/>
+            <a:ext cx="147610" cy="147610"/>
+          </a:xfrm>
+          <a:prstGeom prst="ellipse">
+            <a:avLst/>
+          </a:prstGeom>
+          <a:solidFill>
+            <a:srgbClr val="C00000"/>
+          </a:solidFill>
+          <a:ln>
+            <a:noFill/>
+          </a:ln>
+        </p:spPr>
+        <p:style>
+          <a:lnRef idx="2">
+            <a:schemeClr val="accent1">
+              <a:shade val="50000"/>
+            </a:schemeClr>
+          </a:lnRef>
+          <a:fillRef idx="1">
+            <a:schemeClr val="accent1"/>
+          </a:fillRef>
+          <a:effectRef idx="0">
+            <a:schemeClr val="accent1"/>
+          </a:effectRef>
+          <a:fontRef idx="minor">
+            <a:schemeClr val="lt1"/>
+          </a:fontRef>
+        </p:style>
+        <p:txBody>
+          <a:bodyPr rtlCol="0" anchor="ctr"/>
+          <a:lstStyle/>
+          <a:p>
+            <a:pPr algn="ctr"/>
+            <a:endParaRPr lang="en-GB">
+              <a:solidFill>
+                <a:sysClr val="windowText" lastClr="000000"/>
+              </a:solidFill>
+            </a:endParaRPr>
+          </a:p>
+        </p:txBody>
+      </p:sp>
+      <p:cxnSp>
+        <p:nvCxnSpPr>
+          <p:cNvPr id="75" name="Gerade Verbindung mit Pfeil 74"/>
+          <p:cNvCxnSpPr/>
+          <p:nvPr/>
+        </p:nvCxnSpPr>
+        <p:spPr>
+          <a:xfrm flipV="1">
+            <a:off x="7614787" y="1904217"/>
+            <a:ext cx="0" cy="252979"/>
+          </a:xfrm>
+          <a:prstGeom prst="straightConnector1">
+            <a:avLst/>
+          </a:prstGeom>
+          <a:ln w="57150">
+            <a:solidFill>
+              <a:srgbClr val="006600"/>
+            </a:solidFill>
+            <a:tailEnd type="triangle"/>
+          </a:ln>
+        </p:spPr>
+        <p:style>
+          <a:lnRef idx="1">
+            <a:schemeClr val="accent1"/>
+          </a:lnRef>
+          <a:fillRef idx="0">
+            <a:schemeClr val="accent1"/>
+          </a:fillRef>
+          <a:effectRef idx="0">
+            <a:schemeClr val="accent1"/>
+          </a:effectRef>
+          <a:fontRef idx="minor">
+            <a:schemeClr val="tx1"/>
+          </a:fontRef>
+        </p:style>
+      </p:cxnSp>
+      <p:cxnSp>
+        <p:nvCxnSpPr>
+          <p:cNvPr id="76" name="Gerade Verbindung mit Pfeil 75"/>
+          <p:cNvCxnSpPr/>
+          <p:nvPr/>
+        </p:nvCxnSpPr>
+        <p:spPr>
+          <a:xfrm flipV="1">
+            <a:off x="8747871" y="2833111"/>
+            <a:ext cx="0" cy="252979"/>
+          </a:xfrm>
+          <a:prstGeom prst="straightConnector1">
+            <a:avLst/>
+          </a:prstGeom>
+          <a:ln w="57150">
+            <a:solidFill>
+              <a:srgbClr val="006600"/>
+            </a:solidFill>
+            <a:tailEnd type="triangle"/>
+          </a:ln>
+        </p:spPr>
+        <p:style>
+          <a:lnRef idx="1">
+            <a:schemeClr val="accent1"/>
+          </a:lnRef>
+          <a:fillRef idx="0">
+            <a:schemeClr val="accent1"/>
+          </a:fillRef>
+          <a:effectRef idx="0">
+            <a:schemeClr val="accent1"/>
+          </a:effectRef>
+          <a:fontRef idx="minor">
+            <a:schemeClr val="tx1"/>
+          </a:fontRef>
+        </p:style>
+      </p:cxnSp>
+      <mc:AlternateContent xmlns:mc="http://schemas.openxmlformats.org/markup-compatibility/2006">
+        <mc:Choice xmlns:a14="http://schemas.microsoft.com/office/drawing/2010/main" Requires="a14">
+          <p:sp>
+            <p:nvSpPr>
+              <p:cNvPr id="82" name="Rechteck 81"/>
+              <p:cNvSpPr/>
+              <p:nvPr/>
+            </p:nvSpPr>
+            <p:spPr>
+              <a:xfrm>
+                <a:off x="3145844" y="4065934"/>
+                <a:ext cx="2459391" cy="509178"/>
+              </a:xfrm>
+              <a:prstGeom prst="rect">
+                <a:avLst/>
+              </a:prstGeom>
+            </p:spPr>
+            <p:txBody>
+              <a:bodyPr wrap="none">
+                <a:spAutoFit/>
+              </a:bodyPr>
+              <a:lstStyle/>
+              <a:p>
+                <a14:m>
+                  <m:oMathPara xmlns:m="http://schemas.openxmlformats.org/officeDocument/2006/math">
+                    <m:oMathParaPr>
+                      <m:jc m:val="centerGroup"/>
+                    </m:oMathParaPr>
+                    <m:oMath xmlns:m="http://schemas.openxmlformats.org/officeDocument/2006/math">
+                      <m:r>
+                        <a:rPr lang="de-DE" sz="2400" b="0" i="1" smtClean="0">
+                          <a:solidFill>
+                            <a:prstClr val="black"/>
+                          </a:solidFill>
+                          <a:latin typeface="Cambria Math" panose="02040503050406030204" pitchFamily="18" charset="0"/>
+                        </a:rPr>
+                        <m:t>⇒</m:t>
+                      </m:r>
+                      <m:d>
+                        <m:dPr>
+                          <m:begChr m:val="|"/>
+                          <m:endChr m:val="|"/>
+                          <m:ctrlPr>
+                            <a:rPr lang="de-DE" sz="2400" i="1">
+                              <a:solidFill>
+                                <a:prstClr val="black"/>
+                              </a:solidFill>
+                              <a:latin typeface="Cambria Math" panose="02040503050406030204" pitchFamily="18" charset="0"/>
+                            </a:rPr>
+                          </m:ctrlPr>
+                        </m:dPr>
+                        <m:e>
+                          <m:sSup>
+                            <m:sSupPr>
+                              <m:ctrlPr>
+                                <a:rPr lang="de-DE" sz="2400" i="1">
+                                  <a:solidFill>
+                                    <a:prstClr val="black"/>
+                                  </a:solidFill>
+                                  <a:latin typeface="Cambria Math" panose="02040503050406030204" pitchFamily="18" charset="0"/>
+                                </a:rPr>
+                              </m:ctrlPr>
+                            </m:sSupPr>
+                            <m:e>
+                              <m:r>
+                                <a:rPr lang="de-DE" sz="2400" i="1">
+                                  <a:solidFill>
+                                    <a:prstClr val="black"/>
+                                  </a:solidFill>
+                                  <a:latin typeface="Cambria Math" panose="02040503050406030204" pitchFamily="18" charset="0"/>
+                                </a:rPr>
+                                <m:t>𝒯</m:t>
+                              </m:r>
+                            </m:e>
+                            <m:sup>
+                              <m:r>
+                                <m:rPr>
+                                  <m:sty m:val="p"/>
+                                </m:rPr>
+                                <a:rPr lang="de-DE" sz="2400" b="0" i="0" smtClean="0">
+                                  <a:solidFill>
+                                    <a:prstClr val="black"/>
+                                  </a:solidFill>
+                                  <a:latin typeface="Cambria Math" panose="02040503050406030204" pitchFamily="18" charset="0"/>
+                                </a:rPr>
+                                <m:t>ON</m:t>
+                              </m:r>
+                            </m:sup>
+                          </m:sSup>
+                        </m:e>
+                      </m:d>
+                      <m:r>
+                        <a:rPr lang="de-DE" sz="2400" b="0" i="1" smtClean="0">
+                          <a:solidFill>
+                            <a:prstClr val="black"/>
+                          </a:solidFill>
+                          <a:latin typeface="Cambria Math" panose="02040503050406030204" pitchFamily="18" charset="0"/>
+                        </a:rPr>
+                        <m:t>=2+</m:t>
+                      </m:r>
+                      <m:r>
+                        <a:rPr lang="de-DE" sz="2400" b="0" i="1" smtClean="0">
+                          <a:solidFill>
+                            <a:prstClr val="black"/>
+                          </a:solidFill>
+                          <a:latin typeface="Cambria Math" panose="02040503050406030204" pitchFamily="18" charset="0"/>
+                        </a:rPr>
+                        <m:t>𝜀</m:t>
+                      </m:r>
+                    </m:oMath>
+                  </m:oMathPara>
+                </a14:m>
+                <a:endParaRPr lang="en-GB" dirty="0"/>
+              </a:p>
+            </p:txBody>
+          </p:sp>
+        </mc:Choice>
+        <mc:Fallback>
+          <p:sp>
+            <p:nvSpPr>
+              <p:cNvPr id="82" name="Rechteck 81"/>
+              <p:cNvSpPr>
+                <a:spLocks noRot="1" noChangeAspect="1" noMove="1" noResize="1" noEditPoints="1" noAdjustHandles="1" noChangeArrowheads="1" noChangeShapeType="1" noTextEdit="1"/>
+              </p:cNvSpPr>
+              <p:nvPr/>
+            </p:nvSpPr>
+            <p:spPr>
+              <a:xfrm>
+                <a:off x="3145844" y="4065934"/>
+                <a:ext cx="2459391" cy="509178"/>
+              </a:xfrm>
+              <a:prstGeom prst="rect">
+                <a:avLst/>
+              </a:prstGeom>
+              <a:blipFill rotWithShape="0">
+                <a:blip r:embed="rId13"/>
+                <a:stretch>
+                  <a:fillRect/>
+                </a:stretch>
+              </a:blipFill>
+            </p:spPr>
+            <p:txBody>
+              <a:bodyPr/>
+              <a:lstStyle/>
+              <a:p>
+                <a:r>
+                  <a:rPr lang="en-GB">
+                    <a:noFill/>
+                  </a:rPr>
+                  <a:t> </a:t>
+                </a:r>
+              </a:p>
+            </p:txBody>
+          </p:sp>
+        </mc:Fallback>
+      </mc:AlternateContent>
+      <mc:AlternateContent xmlns:mc="http://schemas.openxmlformats.org/markup-compatibility/2006">
+        <mc:Choice xmlns:a14="http://schemas.microsoft.com/office/drawing/2010/main" Requires="a14">
+          <p:sp>
+            <p:nvSpPr>
+              <p:cNvPr id="83" name="Rechteck 82"/>
+              <p:cNvSpPr/>
+              <p:nvPr/>
+            </p:nvSpPr>
+            <p:spPr>
+              <a:xfrm>
+                <a:off x="6568845" y="4075875"/>
+                <a:ext cx="2040302" cy="509178"/>
+              </a:xfrm>
+              <a:prstGeom prst="rect">
+                <a:avLst/>
+              </a:prstGeom>
+            </p:spPr>
+            <p:txBody>
+              <a:bodyPr wrap="none">
+                <a:spAutoFit/>
+              </a:bodyPr>
+              <a:lstStyle/>
+              <a:p>
+                <a14:m>
+                  <m:oMathPara xmlns:m="http://schemas.openxmlformats.org/officeDocument/2006/math">
+                    <m:oMathParaPr>
+                      <m:jc m:val="centerGroup"/>
+                    </m:oMathParaPr>
+                    <m:oMath xmlns:m="http://schemas.openxmlformats.org/officeDocument/2006/math">
+                      <m:r>
+                        <a:rPr lang="de-DE" sz="2400" b="0" i="1" smtClean="0">
+                          <a:solidFill>
+                            <a:prstClr val="black"/>
+                          </a:solidFill>
+                          <a:latin typeface="Cambria Math" panose="02040503050406030204" pitchFamily="18" charset="0"/>
+                        </a:rPr>
+                        <m:t>⇒</m:t>
+                      </m:r>
+                      <m:d>
+                        <m:dPr>
+                          <m:begChr m:val="|"/>
+                          <m:endChr m:val="|"/>
+                          <m:ctrlPr>
+                            <a:rPr lang="de-DE" sz="2400" i="1">
+                              <a:solidFill>
+                                <a:prstClr val="black"/>
+                              </a:solidFill>
+                              <a:latin typeface="Cambria Math" panose="02040503050406030204" pitchFamily="18" charset="0"/>
+                            </a:rPr>
+                          </m:ctrlPr>
+                        </m:dPr>
+                        <m:e>
+                          <m:sSup>
+                            <m:sSupPr>
+                              <m:ctrlPr>
+                                <a:rPr lang="de-DE" sz="2400" i="1">
+                                  <a:solidFill>
+                                    <a:prstClr val="black"/>
+                                  </a:solidFill>
+                                  <a:latin typeface="Cambria Math" panose="02040503050406030204" pitchFamily="18" charset="0"/>
+                                </a:rPr>
+                              </m:ctrlPr>
+                            </m:sSupPr>
+                            <m:e>
+                              <m:r>
+                                <a:rPr lang="de-DE" sz="2400" i="1">
+                                  <a:solidFill>
+                                    <a:prstClr val="black"/>
+                                  </a:solidFill>
+                                  <a:latin typeface="Cambria Math" panose="02040503050406030204" pitchFamily="18" charset="0"/>
+                                </a:rPr>
+                                <m:t>𝒯</m:t>
+                              </m:r>
+                            </m:e>
+                            <m:sup>
+                              <m:r>
+                                <m:rPr>
+                                  <m:sty m:val="p"/>
+                                </m:rPr>
+                                <a:rPr lang="de-DE" sz="2400" b="0" i="0" smtClean="0">
+                                  <a:solidFill>
+                                    <a:prstClr val="black"/>
+                                  </a:solidFill>
+                                  <a:latin typeface="Cambria Math" panose="02040503050406030204" pitchFamily="18" charset="0"/>
+                                </a:rPr>
+                                <m:t>OFF</m:t>
+                              </m:r>
+                            </m:sup>
+                          </m:sSup>
+                        </m:e>
+                      </m:d>
+                      <m:r>
+                        <a:rPr lang="de-DE" sz="2400" b="0" i="1" smtClean="0">
+                          <a:solidFill>
+                            <a:prstClr val="black"/>
+                          </a:solidFill>
+                          <a:latin typeface="Cambria Math" panose="02040503050406030204" pitchFamily="18" charset="0"/>
+                        </a:rPr>
+                        <m:t>=1</m:t>
+                      </m:r>
+                    </m:oMath>
+                  </m:oMathPara>
+                </a14:m>
+                <a:endParaRPr lang="en-GB" dirty="0"/>
+              </a:p>
+            </p:txBody>
+          </p:sp>
+        </mc:Choice>
+        <mc:Fallback>
+          <p:sp>
+            <p:nvSpPr>
+              <p:cNvPr id="83" name="Rechteck 82"/>
+              <p:cNvSpPr>
+                <a:spLocks noRot="1" noChangeAspect="1" noMove="1" noResize="1" noEditPoints="1" noAdjustHandles="1" noChangeArrowheads="1" noChangeShapeType="1" noTextEdit="1"/>
+              </p:cNvSpPr>
+              <p:nvPr/>
+            </p:nvSpPr>
+            <p:spPr>
+              <a:xfrm>
+                <a:off x="6568845" y="4075875"/>
+                <a:ext cx="2040302" cy="509178"/>
+              </a:xfrm>
+              <a:prstGeom prst="rect">
+                <a:avLst/>
+              </a:prstGeom>
+              <a:blipFill rotWithShape="0">
+                <a:blip r:embed="rId14"/>
+                <a:stretch>
+                  <a:fillRect/>
+                </a:stretch>
+              </a:blipFill>
+            </p:spPr>
+            <p:txBody>
+              <a:bodyPr/>
+              <a:lstStyle/>
+              <a:p>
+                <a:r>
+                  <a:rPr lang="en-GB">
+                    <a:noFill/>
+                  </a:rPr>
+                  <a:t> </a:t>
+                </a:r>
+              </a:p>
+            </p:txBody>
+          </p:sp>
+        </mc:Fallback>
+      </mc:AlternateContent>
+      <mc:AlternateContent xmlns:mc="http://schemas.openxmlformats.org/markup-compatibility/2006">
+        <mc:Choice xmlns:a14="http://schemas.microsoft.com/office/drawing/2010/main" Requires="a14">
+          <p:sp>
+            <p:nvSpPr>
+              <p:cNvPr id="84" name="Textfeld 83"/>
+              <p:cNvSpPr txBox="1"/>
+              <p:nvPr/>
+            </p:nvSpPr>
+            <p:spPr>
+              <a:xfrm>
+                <a:off x="514567" y="2569220"/>
+                <a:ext cx="1335622" cy="523220"/>
+              </a:xfrm>
+              <a:prstGeom prst="rect">
+                <a:avLst/>
+              </a:prstGeom>
+              <a:noFill/>
+            </p:spPr>
+            <p:txBody>
+              <a:bodyPr wrap="none" rtlCol="0">
+                <a:spAutoFit/>
+              </a:bodyPr>
+              <a:lstStyle/>
+              <a:p>
+                <a14:m>
+                  <m:oMathPara xmlns:m="http://schemas.openxmlformats.org/officeDocument/2006/math">
+                    <m:oMathParaPr>
+                      <m:jc m:val="centerGroup"/>
+                    </m:oMathParaPr>
+                    <m:oMath xmlns:m="http://schemas.openxmlformats.org/officeDocument/2006/math">
+                      <m:r>
+                        <a:rPr lang="de-DE" sz="2800" b="0" i="1" dirty="0" smtClean="0">
+                          <a:latin typeface="Cambria Math" panose="02040503050406030204" pitchFamily="18" charset="0"/>
+                        </a:rPr>
+                        <m:t>,   </m:t>
+                      </m:r>
+                      <m:r>
+                        <a:rPr lang="de-DE" sz="2800" b="0" i="1" dirty="0" smtClean="0">
+                          <a:solidFill>
+                            <a:srgbClr val="C00000"/>
+                          </a:solidFill>
+                          <a:latin typeface="Cambria Math" panose="02040503050406030204" pitchFamily="18" charset="0"/>
+                        </a:rPr>
+                        <m:t>1</m:t>
+                      </m:r>
+                    </m:oMath>
+                  </m:oMathPara>
+                </a14:m>
+                <a:endParaRPr lang="en-GB" sz="2800" dirty="0"/>
+              </a:p>
+            </p:txBody>
+          </p:sp>
+        </mc:Choice>
+        <mc:Fallback>
+          <p:sp>
+            <p:nvSpPr>
+              <p:cNvPr id="84" name="Textfeld 83"/>
+              <p:cNvSpPr txBox="1">
+                <a:spLocks noRot="1" noChangeAspect="1" noMove="1" noResize="1" noEditPoints="1" noAdjustHandles="1" noChangeArrowheads="1" noChangeShapeType="1" noTextEdit="1"/>
+              </p:cNvSpPr>
+              <p:nvPr/>
+            </p:nvSpPr>
+            <p:spPr>
+              <a:xfrm>
+                <a:off x="514567" y="2569220"/>
+                <a:ext cx="1335622" cy="523220"/>
+              </a:xfrm>
+              <a:prstGeom prst="rect">
+                <a:avLst/>
+              </a:prstGeom>
+              <a:blipFill rotWithShape="0">
+                <a:blip r:embed="rId15"/>
+                <a:stretch>
+                  <a:fillRect/>
+                </a:stretch>
+              </a:blipFill>
+            </p:spPr>
+            <p:txBody>
+              <a:bodyPr/>
+              <a:lstStyle/>
+              <a:p>
+                <a:r>
+                  <a:rPr lang="en-GB">
+                    <a:noFill/>
+                  </a:rPr>
+                  <a:t> </a:t>
+                </a:r>
+              </a:p>
+            </p:txBody>
+          </p:sp>
+        </mc:Fallback>
+      </mc:AlternateContent>
     </p:spTree>
     <p:extLst>
       <p:ext uri="{BB962C8B-B14F-4D97-AF65-F5344CB8AC3E}">
@@ -24731,9 +31782,1028 @@
   <p:timing>
     <p:tnLst>
       <p:par>
-        <p:cTn id="1" dur="indefinite" restart="never" nodeType="tmRoot"/>
+        <p:cTn id="1" dur="indefinite" restart="never" nodeType="tmRoot">
+          <p:childTnLst>
+            <p:seq concurrent="1" nextAc="seek">
+              <p:cTn id="2" dur="indefinite" nodeType="mainSeq">
+                <p:childTnLst>
+                  <p:par>
+                    <p:cTn id="3" fill="hold">
+                      <p:stCondLst>
+                        <p:cond delay="indefinite"/>
+                      </p:stCondLst>
+                      <p:childTnLst>
+                        <p:par>
+                          <p:cTn id="4" fill="hold">
+                            <p:stCondLst>
+                              <p:cond delay="0"/>
+                            </p:stCondLst>
+                            <p:childTnLst>
+                              <p:par>
+                                <p:cTn id="5" presetID="22" presetClass="entr" presetSubtype="1" fill="hold" grpId="0" nodeType="clickEffect">
+                                  <p:stCondLst>
+                                    <p:cond delay="0"/>
+                                  </p:stCondLst>
+                                  <p:childTnLst>
+                                    <p:set>
+                                      <p:cBhvr>
+                                        <p:cTn id="6" dur="1" fill="hold">
+                                          <p:stCondLst>
+                                            <p:cond delay="0"/>
+                                          </p:stCondLst>
+                                        </p:cTn>
+                                        <p:tgtEl>
+                                          <p:spTgt spid="57"/>
+                                        </p:tgtEl>
+                                        <p:attrNameLst>
+                                          <p:attrName>style.visibility</p:attrName>
+                                        </p:attrNameLst>
+                                      </p:cBhvr>
+                                      <p:to>
+                                        <p:strVal val="visible"/>
+                                      </p:to>
+                                    </p:set>
+                                    <p:animEffect transition="in" filter="wipe(up)">
+                                      <p:cBhvr>
+                                        <p:cTn id="7" dur="2000"/>
+                                        <p:tgtEl>
+                                          <p:spTgt spid="57"/>
+                                        </p:tgtEl>
+                                      </p:cBhvr>
+                                    </p:animEffect>
+                                  </p:childTnLst>
+                                </p:cTn>
+                              </p:par>
+                              <p:par>
+                                <p:cTn id="8" presetID="22" presetClass="entr" presetSubtype="1" fill="hold" nodeType="withEffect">
+                                  <p:stCondLst>
+                                    <p:cond delay="1500"/>
+                                  </p:stCondLst>
+                                  <p:childTnLst>
+                                    <p:set>
+                                      <p:cBhvr>
+                                        <p:cTn id="9" dur="1" fill="hold">
+                                          <p:stCondLst>
+                                            <p:cond delay="0"/>
+                                          </p:stCondLst>
+                                        </p:cTn>
+                                        <p:tgtEl>
+                                          <p:spTgt spid="44"/>
+                                        </p:tgtEl>
+                                        <p:attrNameLst>
+                                          <p:attrName>style.visibility</p:attrName>
+                                        </p:attrNameLst>
+                                      </p:cBhvr>
+                                      <p:to>
+                                        <p:strVal val="visible"/>
+                                      </p:to>
+                                    </p:set>
+                                    <p:animEffect transition="in" filter="wipe(up)">
+                                      <p:cBhvr>
+                                        <p:cTn id="10" dur="500"/>
+                                        <p:tgtEl>
+                                          <p:spTgt spid="44"/>
+                                        </p:tgtEl>
+                                      </p:cBhvr>
+                                    </p:animEffect>
+                                  </p:childTnLst>
+                                </p:cTn>
+                              </p:par>
+                              <p:par>
+                                <p:cTn id="11" presetID="22" presetClass="entr" presetSubtype="1" fill="hold" nodeType="withEffect">
+                                  <p:stCondLst>
+                                    <p:cond delay="1500"/>
+                                  </p:stCondLst>
+                                  <p:childTnLst>
+                                    <p:set>
+                                      <p:cBhvr>
+                                        <p:cTn id="12" dur="1" fill="hold">
+                                          <p:stCondLst>
+                                            <p:cond delay="0"/>
+                                          </p:stCondLst>
+                                        </p:cTn>
+                                        <p:tgtEl>
+                                          <p:spTgt spid="56"/>
+                                        </p:tgtEl>
+                                        <p:attrNameLst>
+                                          <p:attrName>style.visibility</p:attrName>
+                                        </p:attrNameLst>
+                                      </p:cBhvr>
+                                      <p:to>
+                                        <p:strVal val="visible"/>
+                                      </p:to>
+                                    </p:set>
+                                    <p:animEffect transition="in" filter="wipe(up)">
+                                      <p:cBhvr>
+                                        <p:cTn id="13" dur="500"/>
+                                        <p:tgtEl>
+                                          <p:spTgt spid="56"/>
+                                        </p:tgtEl>
+                                      </p:cBhvr>
+                                    </p:animEffect>
+                                  </p:childTnLst>
+                                </p:cTn>
+                              </p:par>
+                              <p:par>
+                                <p:cTn id="14" presetID="10" presetClass="entr" presetSubtype="0" fill="hold" grpId="0" nodeType="withEffect">
+                                  <p:stCondLst>
+                                    <p:cond delay="1500"/>
+                                  </p:stCondLst>
+                                  <p:childTnLst>
+                                    <p:set>
+                                      <p:cBhvr>
+                                        <p:cTn id="15" dur="1" fill="hold">
+                                          <p:stCondLst>
+                                            <p:cond delay="0"/>
+                                          </p:stCondLst>
+                                        </p:cTn>
+                                        <p:tgtEl>
+                                          <p:spTgt spid="34"/>
+                                        </p:tgtEl>
+                                        <p:attrNameLst>
+                                          <p:attrName>style.visibility</p:attrName>
+                                        </p:attrNameLst>
+                                      </p:cBhvr>
+                                      <p:to>
+                                        <p:strVal val="visible"/>
+                                      </p:to>
+                                    </p:set>
+                                    <p:animEffect transition="in" filter="fade">
+                                      <p:cBhvr>
+                                        <p:cTn id="16" dur="500"/>
+                                        <p:tgtEl>
+                                          <p:spTgt spid="34"/>
+                                        </p:tgtEl>
+                                      </p:cBhvr>
+                                    </p:animEffect>
+                                  </p:childTnLst>
+                                </p:cTn>
+                              </p:par>
+                            </p:childTnLst>
+                          </p:cTn>
+                        </p:par>
+                      </p:childTnLst>
+                    </p:cTn>
+                  </p:par>
+                  <p:par>
+                    <p:cTn id="17" fill="hold">
+                      <p:stCondLst>
+                        <p:cond delay="indefinite"/>
+                      </p:stCondLst>
+                      <p:childTnLst>
+                        <p:par>
+                          <p:cTn id="18" fill="hold">
+                            <p:stCondLst>
+                              <p:cond delay="0"/>
+                            </p:stCondLst>
+                            <p:childTnLst>
+                              <p:par>
+                                <p:cTn id="19" presetID="10" presetClass="entr" presetSubtype="0" fill="hold" nodeType="clickEffect">
+                                  <p:stCondLst>
+                                    <p:cond delay="0"/>
+                                  </p:stCondLst>
+                                  <p:childTnLst>
+                                    <p:set>
+                                      <p:cBhvr>
+                                        <p:cTn id="20" dur="1" fill="hold">
+                                          <p:stCondLst>
+                                            <p:cond delay="0"/>
+                                          </p:stCondLst>
+                                        </p:cTn>
+                                        <p:tgtEl>
+                                          <p:spTgt spid="67"/>
+                                        </p:tgtEl>
+                                        <p:attrNameLst>
+                                          <p:attrName>style.visibility</p:attrName>
+                                        </p:attrNameLst>
+                                      </p:cBhvr>
+                                      <p:to>
+                                        <p:strVal val="visible"/>
+                                      </p:to>
+                                    </p:set>
+                                    <p:animEffect transition="in" filter="fade">
+                                      <p:cBhvr>
+                                        <p:cTn id="21" dur="500"/>
+                                        <p:tgtEl>
+                                          <p:spTgt spid="67"/>
+                                        </p:tgtEl>
+                                      </p:cBhvr>
+                                    </p:animEffect>
+                                  </p:childTnLst>
+                                </p:cTn>
+                              </p:par>
+                            </p:childTnLst>
+                          </p:cTn>
+                        </p:par>
+                      </p:childTnLst>
+                    </p:cTn>
+                  </p:par>
+                  <p:par>
+                    <p:cTn id="22" fill="hold">
+                      <p:stCondLst>
+                        <p:cond delay="indefinite"/>
+                      </p:stCondLst>
+                      <p:childTnLst>
+                        <p:par>
+                          <p:cTn id="23" fill="hold">
+                            <p:stCondLst>
+                              <p:cond delay="0"/>
+                            </p:stCondLst>
+                            <p:childTnLst>
+                              <p:par>
+                                <p:cTn id="24" presetID="10" presetClass="entr" presetSubtype="0" fill="hold" grpId="0" nodeType="clickEffect">
+                                  <p:stCondLst>
+                                    <p:cond delay="0"/>
+                                  </p:stCondLst>
+                                  <p:childTnLst>
+                                    <p:set>
+                                      <p:cBhvr>
+                                        <p:cTn id="25" dur="1" fill="hold">
+                                          <p:stCondLst>
+                                            <p:cond delay="0"/>
+                                          </p:stCondLst>
+                                        </p:cTn>
+                                        <p:tgtEl>
+                                          <p:spTgt spid="84"/>
+                                        </p:tgtEl>
+                                        <p:attrNameLst>
+                                          <p:attrName>style.visibility</p:attrName>
+                                        </p:attrNameLst>
+                                      </p:cBhvr>
+                                      <p:to>
+                                        <p:strVal val="visible"/>
+                                      </p:to>
+                                    </p:set>
+                                    <p:animEffect transition="in" filter="fade">
+                                      <p:cBhvr>
+                                        <p:cTn id="26" dur="500"/>
+                                        <p:tgtEl>
+                                          <p:spTgt spid="84"/>
+                                        </p:tgtEl>
+                                      </p:cBhvr>
+                                    </p:animEffect>
+                                  </p:childTnLst>
+                                </p:cTn>
+                              </p:par>
+                              <p:par>
+                                <p:cTn id="27" presetID="10" presetClass="entr" presetSubtype="0" fill="hold" grpId="0" nodeType="withEffect">
+                                  <p:stCondLst>
+                                    <p:cond delay="0"/>
+                                  </p:stCondLst>
+                                  <p:childTnLst>
+                                    <p:set>
+                                      <p:cBhvr>
+                                        <p:cTn id="28" dur="1" fill="hold">
+                                          <p:stCondLst>
+                                            <p:cond delay="0"/>
+                                          </p:stCondLst>
+                                        </p:cTn>
+                                        <p:tgtEl>
+                                          <p:spTgt spid="59"/>
+                                        </p:tgtEl>
+                                        <p:attrNameLst>
+                                          <p:attrName>style.visibility</p:attrName>
+                                        </p:attrNameLst>
+                                      </p:cBhvr>
+                                      <p:to>
+                                        <p:strVal val="visible"/>
+                                      </p:to>
+                                    </p:set>
+                                    <p:animEffect transition="in" filter="fade">
+                                      <p:cBhvr>
+                                        <p:cTn id="29" dur="500"/>
+                                        <p:tgtEl>
+                                          <p:spTgt spid="59"/>
+                                        </p:tgtEl>
+                                      </p:cBhvr>
+                                    </p:animEffect>
+                                  </p:childTnLst>
+                                </p:cTn>
+                              </p:par>
+                            </p:childTnLst>
+                          </p:cTn>
+                        </p:par>
+                      </p:childTnLst>
+                    </p:cTn>
+                  </p:par>
+                  <p:par>
+                    <p:cTn id="30" fill="hold">
+                      <p:stCondLst>
+                        <p:cond delay="indefinite"/>
+                      </p:stCondLst>
+                      <p:childTnLst>
+                        <p:par>
+                          <p:cTn id="31" fill="hold">
+                            <p:stCondLst>
+                              <p:cond delay="0"/>
+                            </p:stCondLst>
+                            <p:childTnLst>
+                              <p:par>
+                                <p:cTn id="32" presetID="22" presetClass="entr" presetSubtype="1" fill="hold" nodeType="clickEffect">
+                                  <p:stCondLst>
+                                    <p:cond delay="0"/>
+                                  </p:stCondLst>
+                                  <p:childTnLst>
+                                    <p:set>
+                                      <p:cBhvr>
+                                        <p:cTn id="33" dur="1" fill="hold">
+                                          <p:stCondLst>
+                                            <p:cond delay="0"/>
+                                          </p:stCondLst>
+                                        </p:cTn>
+                                        <p:tgtEl>
+                                          <p:spTgt spid="61"/>
+                                        </p:tgtEl>
+                                        <p:attrNameLst>
+                                          <p:attrName>style.visibility</p:attrName>
+                                        </p:attrNameLst>
+                                      </p:cBhvr>
+                                      <p:to>
+                                        <p:strVal val="visible"/>
+                                      </p:to>
+                                    </p:set>
+                                    <p:animEffect transition="in" filter="wipe(up)">
+                                      <p:cBhvr>
+                                        <p:cTn id="34" dur="2000"/>
+                                        <p:tgtEl>
+                                          <p:spTgt spid="61"/>
+                                        </p:tgtEl>
+                                      </p:cBhvr>
+                                    </p:animEffect>
+                                  </p:childTnLst>
+                                </p:cTn>
+                              </p:par>
+                              <p:par>
+                                <p:cTn id="35" presetID="22" presetClass="entr" presetSubtype="1" fill="hold" nodeType="withEffect">
+                                  <p:stCondLst>
+                                    <p:cond delay="1500"/>
+                                  </p:stCondLst>
+                                  <p:childTnLst>
+                                    <p:set>
+                                      <p:cBhvr>
+                                        <p:cTn id="36" dur="1" fill="hold">
+                                          <p:stCondLst>
+                                            <p:cond delay="0"/>
+                                          </p:stCondLst>
+                                        </p:cTn>
+                                        <p:tgtEl>
+                                          <p:spTgt spid="49"/>
+                                        </p:tgtEl>
+                                        <p:attrNameLst>
+                                          <p:attrName>style.visibility</p:attrName>
+                                        </p:attrNameLst>
+                                      </p:cBhvr>
+                                      <p:to>
+                                        <p:strVal val="visible"/>
+                                      </p:to>
+                                    </p:set>
+                                    <p:animEffect transition="in" filter="wipe(up)">
+                                      <p:cBhvr>
+                                        <p:cTn id="37" dur="500"/>
+                                        <p:tgtEl>
+                                          <p:spTgt spid="49"/>
+                                        </p:tgtEl>
+                                      </p:cBhvr>
+                                    </p:animEffect>
+                                  </p:childTnLst>
+                                </p:cTn>
+                              </p:par>
+                              <p:par>
+                                <p:cTn id="38" presetID="22" presetClass="entr" presetSubtype="1" fill="hold" nodeType="withEffect">
+                                  <p:stCondLst>
+                                    <p:cond delay="1500"/>
+                                  </p:stCondLst>
+                                  <p:childTnLst>
+                                    <p:set>
+                                      <p:cBhvr>
+                                        <p:cTn id="39" dur="1" fill="hold">
+                                          <p:stCondLst>
+                                            <p:cond delay="0"/>
+                                          </p:stCondLst>
+                                        </p:cTn>
+                                        <p:tgtEl>
+                                          <p:spTgt spid="62"/>
+                                        </p:tgtEl>
+                                        <p:attrNameLst>
+                                          <p:attrName>style.visibility</p:attrName>
+                                        </p:attrNameLst>
+                                      </p:cBhvr>
+                                      <p:to>
+                                        <p:strVal val="visible"/>
+                                      </p:to>
+                                    </p:set>
+                                    <p:animEffect transition="in" filter="wipe(up)">
+                                      <p:cBhvr>
+                                        <p:cTn id="40" dur="500"/>
+                                        <p:tgtEl>
+                                          <p:spTgt spid="62"/>
+                                        </p:tgtEl>
+                                      </p:cBhvr>
+                                    </p:animEffect>
+                                  </p:childTnLst>
+                                </p:cTn>
+                              </p:par>
+                              <p:par>
+                                <p:cTn id="41" presetID="22" presetClass="entr" presetSubtype="1" fill="hold" grpId="0" nodeType="withEffect">
+                                  <p:stCondLst>
+                                    <p:cond delay="1500"/>
+                                  </p:stCondLst>
+                                  <p:childTnLst>
+                                    <p:set>
+                                      <p:cBhvr>
+                                        <p:cTn id="42" dur="1" fill="hold">
+                                          <p:stCondLst>
+                                            <p:cond delay="0"/>
+                                          </p:stCondLst>
+                                        </p:cTn>
+                                        <p:tgtEl>
+                                          <p:spTgt spid="63"/>
+                                        </p:tgtEl>
+                                        <p:attrNameLst>
+                                          <p:attrName>style.visibility</p:attrName>
+                                        </p:attrNameLst>
+                                      </p:cBhvr>
+                                      <p:to>
+                                        <p:strVal val="visible"/>
+                                      </p:to>
+                                    </p:set>
+                                    <p:animEffect transition="in" filter="wipe(up)">
+                                      <p:cBhvr>
+                                        <p:cTn id="43" dur="500"/>
+                                        <p:tgtEl>
+                                          <p:spTgt spid="63"/>
+                                        </p:tgtEl>
+                                      </p:cBhvr>
+                                    </p:animEffect>
+                                  </p:childTnLst>
+                                </p:cTn>
+                              </p:par>
+                              <p:par>
+                                <p:cTn id="44" presetID="10" presetClass="entr" presetSubtype="0" fill="hold" grpId="0" nodeType="withEffect">
+                                  <p:stCondLst>
+                                    <p:cond delay="1500"/>
+                                  </p:stCondLst>
+                                  <p:childTnLst>
+                                    <p:set>
+                                      <p:cBhvr>
+                                        <p:cTn id="45" dur="1" fill="hold">
+                                          <p:stCondLst>
+                                            <p:cond delay="0"/>
+                                          </p:stCondLst>
+                                        </p:cTn>
+                                        <p:tgtEl>
+                                          <p:spTgt spid="68"/>
+                                        </p:tgtEl>
+                                        <p:attrNameLst>
+                                          <p:attrName>style.visibility</p:attrName>
+                                        </p:attrNameLst>
+                                      </p:cBhvr>
+                                      <p:to>
+                                        <p:strVal val="visible"/>
+                                      </p:to>
+                                    </p:set>
+                                    <p:animEffect transition="in" filter="fade">
+                                      <p:cBhvr>
+                                        <p:cTn id="46" dur="500"/>
+                                        <p:tgtEl>
+                                          <p:spTgt spid="68"/>
+                                        </p:tgtEl>
+                                      </p:cBhvr>
+                                    </p:animEffect>
+                                  </p:childTnLst>
+                                </p:cTn>
+                              </p:par>
+                            </p:childTnLst>
+                          </p:cTn>
+                        </p:par>
+                      </p:childTnLst>
+                    </p:cTn>
+                  </p:par>
+                  <p:par>
+                    <p:cTn id="47" fill="hold">
+                      <p:stCondLst>
+                        <p:cond delay="indefinite"/>
+                      </p:stCondLst>
+                      <p:childTnLst>
+                        <p:par>
+                          <p:cTn id="48" fill="hold">
+                            <p:stCondLst>
+                              <p:cond delay="0"/>
+                            </p:stCondLst>
+                            <p:childTnLst>
+                              <p:par>
+                                <p:cTn id="49" presetID="10" presetClass="entr" presetSubtype="0" fill="hold" grpId="0" nodeType="clickEffect">
+                                  <p:stCondLst>
+                                    <p:cond delay="0"/>
+                                  </p:stCondLst>
+                                  <p:childTnLst>
+                                    <p:set>
+                                      <p:cBhvr>
+                                        <p:cTn id="50" dur="1" fill="hold">
+                                          <p:stCondLst>
+                                            <p:cond delay="0"/>
+                                          </p:stCondLst>
+                                        </p:cTn>
+                                        <p:tgtEl>
+                                          <p:spTgt spid="82"/>
+                                        </p:tgtEl>
+                                        <p:attrNameLst>
+                                          <p:attrName>style.visibility</p:attrName>
+                                        </p:attrNameLst>
+                                      </p:cBhvr>
+                                      <p:to>
+                                        <p:strVal val="visible"/>
+                                      </p:to>
+                                    </p:set>
+                                    <p:animEffect transition="in" filter="fade">
+                                      <p:cBhvr>
+                                        <p:cTn id="51" dur="500"/>
+                                        <p:tgtEl>
+                                          <p:spTgt spid="82"/>
+                                        </p:tgtEl>
+                                      </p:cBhvr>
+                                    </p:animEffect>
+                                  </p:childTnLst>
+                                </p:cTn>
+                              </p:par>
+                            </p:childTnLst>
+                          </p:cTn>
+                        </p:par>
+                      </p:childTnLst>
+                    </p:cTn>
+                  </p:par>
+                  <p:par>
+                    <p:cTn id="52" fill="hold">
+                      <p:stCondLst>
+                        <p:cond delay="indefinite"/>
+                      </p:stCondLst>
+                      <p:childTnLst>
+                        <p:par>
+                          <p:cTn id="53" fill="hold">
+                            <p:stCondLst>
+                              <p:cond delay="0"/>
+                            </p:stCondLst>
+                            <p:childTnLst>
+                              <p:par>
+                                <p:cTn id="54" presetID="10" presetClass="entr" presetSubtype="0" fill="hold" grpId="0" nodeType="clickEffect">
+                                  <p:stCondLst>
+                                    <p:cond delay="0"/>
+                                  </p:stCondLst>
+                                  <p:childTnLst>
+                                    <p:set>
+                                      <p:cBhvr>
+                                        <p:cTn id="55" dur="1" fill="hold">
+                                          <p:stCondLst>
+                                            <p:cond delay="0"/>
+                                          </p:stCondLst>
+                                        </p:cTn>
+                                        <p:tgtEl>
+                                          <p:spTgt spid="11"/>
+                                        </p:tgtEl>
+                                        <p:attrNameLst>
+                                          <p:attrName>style.visibility</p:attrName>
+                                        </p:attrNameLst>
+                                      </p:cBhvr>
+                                      <p:to>
+                                        <p:strVal val="visible"/>
+                                      </p:to>
+                                    </p:set>
+                                    <p:animEffect transition="in" filter="fade">
+                                      <p:cBhvr>
+                                        <p:cTn id="56" dur="500"/>
+                                        <p:tgtEl>
+                                          <p:spTgt spid="11"/>
+                                        </p:tgtEl>
+                                      </p:cBhvr>
+                                    </p:animEffect>
+                                  </p:childTnLst>
+                                </p:cTn>
+                              </p:par>
+                              <p:par>
+                                <p:cTn id="57" presetID="10" presetClass="entr" presetSubtype="0" fill="hold" nodeType="withEffect">
+                                  <p:stCondLst>
+                                    <p:cond delay="0"/>
+                                  </p:stCondLst>
+                                  <p:childTnLst>
+                                    <p:set>
+                                      <p:cBhvr>
+                                        <p:cTn id="58" dur="1" fill="hold">
+                                          <p:stCondLst>
+                                            <p:cond delay="0"/>
+                                          </p:stCondLst>
+                                        </p:cTn>
+                                        <p:tgtEl>
+                                          <p:spTgt spid="25"/>
+                                        </p:tgtEl>
+                                        <p:attrNameLst>
+                                          <p:attrName>style.visibility</p:attrName>
+                                        </p:attrNameLst>
+                                      </p:cBhvr>
+                                      <p:to>
+                                        <p:strVal val="visible"/>
+                                      </p:to>
+                                    </p:set>
+                                    <p:animEffect transition="in" filter="fade">
+                                      <p:cBhvr>
+                                        <p:cTn id="59" dur="500"/>
+                                        <p:tgtEl>
+                                          <p:spTgt spid="25"/>
+                                        </p:tgtEl>
+                                      </p:cBhvr>
+                                    </p:animEffect>
+                                  </p:childTnLst>
+                                </p:cTn>
+                              </p:par>
+                              <p:par>
+                                <p:cTn id="60" presetID="10" presetClass="entr" presetSubtype="0" fill="hold" nodeType="withEffect">
+                                  <p:stCondLst>
+                                    <p:cond delay="0"/>
+                                  </p:stCondLst>
+                                  <p:childTnLst>
+                                    <p:set>
+                                      <p:cBhvr>
+                                        <p:cTn id="61" dur="1" fill="hold">
+                                          <p:stCondLst>
+                                            <p:cond delay="0"/>
+                                          </p:stCondLst>
+                                        </p:cTn>
+                                        <p:tgtEl>
+                                          <p:spTgt spid="75"/>
+                                        </p:tgtEl>
+                                        <p:attrNameLst>
+                                          <p:attrName>style.visibility</p:attrName>
+                                        </p:attrNameLst>
+                                      </p:cBhvr>
+                                      <p:to>
+                                        <p:strVal val="visible"/>
+                                      </p:to>
+                                    </p:set>
+                                    <p:animEffect transition="in" filter="fade">
+                                      <p:cBhvr>
+                                        <p:cTn id="62" dur="500"/>
+                                        <p:tgtEl>
+                                          <p:spTgt spid="75"/>
+                                        </p:tgtEl>
+                                      </p:cBhvr>
+                                    </p:animEffect>
+                                  </p:childTnLst>
+                                </p:cTn>
+                              </p:par>
+                              <p:par>
+                                <p:cTn id="63" presetID="10" presetClass="entr" presetSubtype="0" fill="hold" nodeType="withEffect">
+                                  <p:stCondLst>
+                                    <p:cond delay="0"/>
+                                  </p:stCondLst>
+                                  <p:childTnLst>
+                                    <p:set>
+                                      <p:cBhvr>
+                                        <p:cTn id="64" dur="1" fill="hold">
+                                          <p:stCondLst>
+                                            <p:cond delay="0"/>
+                                          </p:stCondLst>
+                                        </p:cTn>
+                                        <p:tgtEl>
+                                          <p:spTgt spid="69"/>
+                                        </p:tgtEl>
+                                        <p:attrNameLst>
+                                          <p:attrName>style.visibility</p:attrName>
+                                        </p:attrNameLst>
+                                      </p:cBhvr>
+                                      <p:to>
+                                        <p:strVal val="visible"/>
+                                      </p:to>
+                                    </p:set>
+                                    <p:animEffect transition="in" filter="fade">
+                                      <p:cBhvr>
+                                        <p:cTn id="65" dur="500"/>
+                                        <p:tgtEl>
+                                          <p:spTgt spid="69"/>
+                                        </p:tgtEl>
+                                      </p:cBhvr>
+                                    </p:animEffect>
+                                  </p:childTnLst>
+                                </p:cTn>
+                              </p:par>
+                              <p:par>
+                                <p:cTn id="66" presetID="10" presetClass="entr" presetSubtype="0" fill="hold" grpId="0" nodeType="withEffect">
+                                  <p:stCondLst>
+                                    <p:cond delay="0"/>
+                                  </p:stCondLst>
+                                  <p:childTnLst>
+                                    <p:set>
+                                      <p:cBhvr>
+                                        <p:cTn id="67" dur="1" fill="hold">
+                                          <p:stCondLst>
+                                            <p:cond delay="0"/>
+                                          </p:stCondLst>
+                                        </p:cTn>
+                                        <p:tgtEl>
+                                          <p:spTgt spid="74"/>
+                                        </p:tgtEl>
+                                        <p:attrNameLst>
+                                          <p:attrName>style.visibility</p:attrName>
+                                        </p:attrNameLst>
+                                      </p:cBhvr>
+                                      <p:to>
+                                        <p:strVal val="visible"/>
+                                      </p:to>
+                                    </p:set>
+                                    <p:animEffect transition="in" filter="fade">
+                                      <p:cBhvr>
+                                        <p:cTn id="68" dur="500"/>
+                                        <p:tgtEl>
+                                          <p:spTgt spid="74"/>
+                                        </p:tgtEl>
+                                      </p:cBhvr>
+                                    </p:animEffect>
+                                  </p:childTnLst>
+                                </p:cTn>
+                              </p:par>
+                            </p:childTnLst>
+                          </p:cTn>
+                        </p:par>
+                      </p:childTnLst>
+                    </p:cTn>
+                  </p:par>
+                  <p:par>
+                    <p:cTn id="69" fill="hold">
+                      <p:stCondLst>
+                        <p:cond delay="indefinite"/>
+                      </p:stCondLst>
+                      <p:childTnLst>
+                        <p:par>
+                          <p:cTn id="70" fill="hold">
+                            <p:stCondLst>
+                              <p:cond delay="0"/>
+                            </p:stCondLst>
+                            <p:childTnLst>
+                              <p:par>
+                                <p:cTn id="71" presetID="22" presetClass="entr" presetSubtype="1" fill="hold" nodeType="clickEffect">
+                                  <p:stCondLst>
+                                    <p:cond delay="0"/>
+                                  </p:stCondLst>
+                                  <p:childTnLst>
+                                    <p:set>
+                                      <p:cBhvr>
+                                        <p:cTn id="72" dur="1" fill="hold">
+                                          <p:stCondLst>
+                                            <p:cond delay="0"/>
+                                          </p:stCondLst>
+                                        </p:cTn>
+                                        <p:tgtEl>
+                                          <p:spTgt spid="77"/>
+                                        </p:tgtEl>
+                                        <p:attrNameLst>
+                                          <p:attrName>style.visibility</p:attrName>
+                                        </p:attrNameLst>
+                                      </p:cBhvr>
+                                      <p:to>
+                                        <p:strVal val="visible"/>
+                                      </p:to>
+                                    </p:set>
+                                    <p:animEffect transition="in" filter="wipe(up)">
+                                      <p:cBhvr>
+                                        <p:cTn id="73" dur="2000"/>
+                                        <p:tgtEl>
+                                          <p:spTgt spid="77"/>
+                                        </p:tgtEl>
+                                      </p:cBhvr>
+                                    </p:animEffect>
+                                  </p:childTnLst>
+                                </p:cTn>
+                              </p:par>
+                              <p:par>
+                                <p:cTn id="74" presetID="22" presetClass="entr" presetSubtype="1" fill="hold" nodeType="withEffect">
+                                  <p:stCondLst>
+                                    <p:cond delay="1500"/>
+                                  </p:stCondLst>
+                                  <p:childTnLst>
+                                    <p:set>
+                                      <p:cBhvr>
+                                        <p:cTn id="75" dur="1" fill="hold">
+                                          <p:stCondLst>
+                                            <p:cond delay="0"/>
+                                          </p:stCondLst>
+                                        </p:cTn>
+                                        <p:tgtEl>
+                                          <p:spTgt spid="76"/>
+                                        </p:tgtEl>
+                                        <p:attrNameLst>
+                                          <p:attrName>style.visibility</p:attrName>
+                                        </p:attrNameLst>
+                                      </p:cBhvr>
+                                      <p:to>
+                                        <p:strVal val="visible"/>
+                                      </p:to>
+                                    </p:set>
+                                    <p:animEffect transition="in" filter="wipe(up)">
+                                      <p:cBhvr>
+                                        <p:cTn id="76" dur="500"/>
+                                        <p:tgtEl>
+                                          <p:spTgt spid="76"/>
+                                        </p:tgtEl>
+                                      </p:cBhvr>
+                                    </p:animEffect>
+                                  </p:childTnLst>
+                                </p:cTn>
+                              </p:par>
+                              <p:par>
+                                <p:cTn id="77" presetID="1" presetClass="emph" presetSubtype="2" fill="hold" nodeType="withEffect">
+                                  <p:stCondLst>
+                                    <p:cond delay="1500"/>
+                                  </p:stCondLst>
+                                  <p:childTnLst>
+                                    <p:animClr clrSpc="rgb" dir="cw">
+                                      <p:cBhvr>
+                                        <p:cTn id="78" dur="500" fill="hold"/>
+                                        <p:tgtEl>
+                                          <p:spTgt spid="74"/>
+                                        </p:tgtEl>
+                                        <p:attrNameLst>
+                                          <p:attrName>fillcolor</p:attrName>
+                                        </p:attrNameLst>
+                                      </p:cBhvr>
+                                      <p:to>
+                                        <a:srgbClr val="000000"/>
+                                      </p:to>
+                                    </p:animClr>
+                                    <p:set>
+                                      <p:cBhvr>
+                                        <p:cTn id="79" dur="500" fill="hold"/>
+                                        <p:tgtEl>
+                                          <p:spTgt spid="74"/>
+                                        </p:tgtEl>
+                                        <p:attrNameLst>
+                                          <p:attrName>fill.type</p:attrName>
+                                        </p:attrNameLst>
+                                      </p:cBhvr>
+                                      <p:to>
+                                        <p:strVal val="solid"/>
+                                      </p:to>
+                                    </p:set>
+                                    <p:set>
+                                      <p:cBhvr>
+                                        <p:cTn id="80" dur="500" fill="hold"/>
+                                        <p:tgtEl>
+                                          <p:spTgt spid="74"/>
+                                        </p:tgtEl>
+                                        <p:attrNameLst>
+                                          <p:attrName>fill.on</p:attrName>
+                                        </p:attrNameLst>
+                                      </p:cBhvr>
+                                      <p:to>
+                                        <p:strVal val="true"/>
+                                      </p:to>
+                                    </p:set>
+                                  </p:childTnLst>
+                                </p:cTn>
+                              </p:par>
+                            </p:childTnLst>
+                          </p:cTn>
+                        </p:par>
+                      </p:childTnLst>
+                    </p:cTn>
+                  </p:par>
+                  <p:par>
+                    <p:cTn id="81" fill="hold">
+                      <p:stCondLst>
+                        <p:cond delay="indefinite"/>
+                      </p:stCondLst>
+                      <p:childTnLst>
+                        <p:par>
+                          <p:cTn id="82" fill="hold">
+                            <p:stCondLst>
+                              <p:cond delay="0"/>
+                            </p:stCondLst>
+                            <p:childTnLst>
+                              <p:par>
+                                <p:cTn id="83" presetID="10" presetClass="entr" presetSubtype="0" fill="hold" grpId="0" nodeType="clickEffect">
+                                  <p:stCondLst>
+                                    <p:cond delay="0"/>
+                                  </p:stCondLst>
+                                  <p:childTnLst>
+                                    <p:set>
+                                      <p:cBhvr>
+                                        <p:cTn id="84" dur="1" fill="hold">
+                                          <p:stCondLst>
+                                            <p:cond delay="0"/>
+                                          </p:stCondLst>
+                                        </p:cTn>
+                                        <p:tgtEl>
+                                          <p:spTgt spid="83"/>
+                                        </p:tgtEl>
+                                        <p:attrNameLst>
+                                          <p:attrName>style.visibility</p:attrName>
+                                        </p:attrNameLst>
+                                      </p:cBhvr>
+                                      <p:to>
+                                        <p:strVal val="visible"/>
+                                      </p:to>
+                                    </p:set>
+                                    <p:animEffect transition="in" filter="fade">
+                                      <p:cBhvr>
+                                        <p:cTn id="85" dur="500"/>
+                                        <p:tgtEl>
+                                          <p:spTgt spid="83"/>
+                                        </p:tgtEl>
+                                      </p:cBhvr>
+                                    </p:animEffect>
+                                  </p:childTnLst>
+                                </p:cTn>
+                              </p:par>
+                            </p:childTnLst>
+                          </p:cTn>
+                        </p:par>
+                      </p:childTnLst>
+                    </p:cTn>
+                  </p:par>
+                  <p:par>
+                    <p:cTn id="86" fill="hold">
+                      <p:stCondLst>
+                        <p:cond delay="indefinite"/>
+                      </p:stCondLst>
+                      <p:childTnLst>
+                        <p:par>
+                          <p:cTn id="87" fill="hold">
+                            <p:stCondLst>
+                              <p:cond delay="0"/>
+                            </p:stCondLst>
+                            <p:childTnLst>
+                              <p:par>
+                                <p:cTn id="88" presetID="10" presetClass="entr" presetSubtype="0" fill="hold" grpId="0" nodeType="clickEffect">
+                                  <p:stCondLst>
+                                    <p:cond delay="0"/>
+                                  </p:stCondLst>
+                                  <p:childTnLst>
+                                    <p:set>
+                                      <p:cBhvr>
+                                        <p:cTn id="89" dur="1" fill="hold">
+                                          <p:stCondLst>
+                                            <p:cond delay="0"/>
+                                          </p:stCondLst>
+                                        </p:cTn>
+                                        <p:tgtEl>
+                                          <p:spTgt spid="3"/>
+                                        </p:tgtEl>
+                                        <p:attrNameLst>
+                                          <p:attrName>style.visibility</p:attrName>
+                                        </p:attrNameLst>
+                                      </p:cBhvr>
+                                      <p:to>
+                                        <p:strVal val="visible"/>
+                                      </p:to>
+                                    </p:set>
+                                    <p:animEffect transition="in" filter="fade">
+                                      <p:cBhvr>
+                                        <p:cTn id="90" dur="500"/>
+                                        <p:tgtEl>
+                                          <p:spTgt spid="3"/>
+                                        </p:tgtEl>
+                                      </p:cBhvr>
+                                    </p:animEffect>
+                                  </p:childTnLst>
+                                </p:cTn>
+                              </p:par>
+                            </p:childTnLst>
+                          </p:cTn>
+                        </p:par>
+                      </p:childTnLst>
+                    </p:cTn>
+                  </p:par>
+                </p:childTnLst>
+              </p:cTn>
+              <p:prevCondLst>
+                <p:cond evt="onPrev" delay="0">
+                  <p:tgtEl>
+                    <p:sldTgt/>
+                  </p:tgtEl>
+                </p:cond>
+              </p:prevCondLst>
+              <p:nextCondLst>
+                <p:cond evt="onNext" delay="0">
+                  <p:tgtEl>
+                    <p:sldTgt/>
+                  </p:tgtEl>
+                </p:cond>
+              </p:nextCondLst>
+            </p:seq>
+          </p:childTnLst>
+        </p:cTn>
       </p:par>
     </p:tnLst>
+    <p:bldLst>
+      <p:bldP spid="57" grpId="0" animBg="1"/>
+      <p:bldP spid="3" grpId="0"/>
+      <p:bldP spid="11" grpId="0"/>
+      <p:bldP spid="34" grpId="0"/>
+      <p:bldP spid="59" grpId="0" animBg="1"/>
+      <p:bldP spid="63" grpId="0" animBg="1"/>
+      <p:bldP spid="68" grpId="0"/>
+      <p:bldP spid="74" grpId="0" animBg="1"/>
+      <p:bldP spid="82" grpId="0"/>
+      <p:bldP spid="83" grpId="0"/>
+      <p:bldP spid="84" grpId="0"/>
+    </p:bldLst>
   </p:timing>
 </p:sld>
 </file>

--- a/Präsentation43.pptx
+++ b/Präsentation43.pptx
@@ -18,12 +18,13 @@
     <p:sldId id="275" r:id="rId12"/>
     <p:sldId id="269" r:id="rId13"/>
     <p:sldId id="263" r:id="rId14"/>
-    <p:sldId id="270" r:id="rId15"/>
-    <p:sldId id="271" r:id="rId16"/>
-    <p:sldId id="264" r:id="rId17"/>
-    <p:sldId id="272" r:id="rId18"/>
-    <p:sldId id="265" r:id="rId19"/>
-    <p:sldId id="273" r:id="rId20"/>
+    <p:sldId id="276" r:id="rId15"/>
+    <p:sldId id="277" r:id="rId16"/>
+    <p:sldId id="271" r:id="rId17"/>
+    <p:sldId id="264" r:id="rId18"/>
+    <p:sldId id="272" r:id="rId19"/>
+    <p:sldId id="265" r:id="rId20"/>
+    <p:sldId id="273" r:id="rId21"/>
   </p:sldIdLst>
   <p:sldSz cx="9144000" cy="6858000" type="screen4x3"/>
   <p:notesSz cx="6858000" cy="9144000"/>
@@ -155,7 +156,8 @@
         <p14:section name="I - Algorithms B" id="{AEEB55B3-9E63-4B59-A617-086307ACB17D}">
           <p14:sldIdLst>
             <p14:sldId id="263"/>
-            <p14:sldId id="270"/>
+            <p14:sldId id="276"/>
+            <p14:sldId id="277"/>
             <p14:sldId id="271"/>
           </p14:sldIdLst>
         </p14:section>
@@ -7315,6 +7317,89 @@
           <a:chExt cx="0" cy="0"/>
         </a:xfrm>
       </p:grpSpPr>
+      <mc:AlternateContent xmlns:mc="http://schemas.openxmlformats.org/markup-compatibility/2006">
+        <mc:Choice xmlns:a14="http://schemas.microsoft.com/office/drawing/2010/main" Requires="a14">
+          <p:sp>
+            <p:nvSpPr>
+              <p:cNvPr id="29" name="Textfeld 28"/>
+              <p:cNvSpPr txBox="1"/>
+              <p:nvPr/>
+            </p:nvSpPr>
+            <p:spPr>
+              <a:xfrm>
+                <a:off x="6343214" y="3145156"/>
+                <a:ext cx="791883" cy="553998"/>
+              </a:xfrm>
+              <a:prstGeom prst="rect">
+                <a:avLst/>
+              </a:prstGeom>
+              <a:noFill/>
+            </p:spPr>
+            <p:txBody>
+              <a:bodyPr wrap="none" lIns="0" tIns="0" rIns="0" bIns="0" rtlCol="0">
+                <a:spAutoFit/>
+              </a:bodyPr>
+              <a:lstStyle/>
+              <a:p>
+                <a14:m>
+                  <m:oMathPara xmlns:m="http://schemas.openxmlformats.org/officeDocument/2006/math">
+                    <m:oMathParaPr>
+                      <m:jc m:val="centerGroup"/>
+                    </m:oMathParaPr>
+                    <m:oMath xmlns:m="http://schemas.openxmlformats.org/officeDocument/2006/math">
+                      <m:r>
+                        <a:rPr lang="de-DE" sz="3600" b="0" i="1" smtClean="0">
+                          <a:latin typeface="Cambria Math" panose="02040503050406030204" pitchFamily="18" charset="0"/>
+                        </a:rPr>
+                        <m:t>(   )</m:t>
+                      </m:r>
+                    </m:oMath>
+                  </m:oMathPara>
+                </a14:m>
+                <a:endParaRPr lang="en-GB" sz="3600" dirty="0"/>
+              </a:p>
+            </p:txBody>
+          </p:sp>
+        </mc:Choice>
+        <mc:Fallback>
+          <p:sp>
+            <p:nvSpPr>
+              <p:cNvPr id="29" name="Textfeld 28"/>
+              <p:cNvSpPr txBox="1">
+                <a:spLocks noRot="1" noChangeAspect="1" noMove="1" noResize="1" noEditPoints="1" noAdjustHandles="1" noChangeArrowheads="1" noChangeShapeType="1" noTextEdit="1"/>
+              </p:cNvSpPr>
+              <p:nvPr/>
+            </p:nvSpPr>
+            <p:spPr>
+              <a:xfrm>
+                <a:off x="6343214" y="3145156"/>
+                <a:ext cx="791883" cy="553998"/>
+              </a:xfrm>
+              <a:prstGeom prst="rect">
+                <a:avLst/>
+              </a:prstGeom>
+              <a:blipFill rotWithShape="0">
+                <a:blip r:embed="rId2"/>
+                <a:stretch>
+                  <a:fillRect/>
+                </a:stretch>
+              </a:blipFill>
+            </p:spPr>
+            <p:txBody>
+              <a:bodyPr/>
+              <a:lstStyle/>
+              <a:p>
+                <a:r>
+                  <a:rPr lang="en-GB">
+                    <a:noFill/>
+                  </a:rPr>
+                  <a:t> </a:t>
+                </a:r>
+              </a:p>
+            </p:txBody>
+          </p:sp>
+        </mc:Fallback>
+      </mc:AlternateContent>
       <p:sp>
         <p:nvSpPr>
           <p:cNvPr id="3" name="Titel 2"/>
@@ -7332,12 +7417,2134 @@
           <a:p>
             <a:r>
               <a:rPr lang="en-GB" dirty="0" smtClean="0"/>
-              <a:t>Plan At Home-Algorithm</a:t>
+              <a:t>A better algorithm for H-OLTSP</a:t>
             </a:r>
             <a:endParaRPr lang="en-GB" dirty="0"/>
           </a:p>
         </p:txBody>
       </p:sp>
+      <mc:AlternateContent xmlns:mc="http://schemas.openxmlformats.org/markup-compatibility/2006">
+        <mc:Choice xmlns:a14="http://schemas.microsoft.com/office/drawing/2010/main" Requires="a14">
+          <p:sp>
+            <p:nvSpPr>
+              <p:cNvPr id="4" name="Textfeld 3"/>
+              <p:cNvSpPr txBox="1"/>
+              <p:nvPr/>
+            </p:nvSpPr>
+            <p:spPr>
+              <a:xfrm>
+                <a:off x="317599" y="1677972"/>
+                <a:ext cx="5198346" cy="2031325"/>
+              </a:xfrm>
+              <a:prstGeom prst="rect">
+                <a:avLst/>
+              </a:prstGeom>
+              <a:noFill/>
+            </p:spPr>
+            <p:txBody>
+              <a:bodyPr wrap="none" rtlCol="0">
+                <a:spAutoFit/>
+              </a:bodyPr>
+              <a:lstStyle/>
+              <a:p>
+                <a:pPr marL="360000" lvl="0" indent="-360000">
+                  <a:spcBef>
+                    <a:spcPts val="600"/>
+                  </a:spcBef>
+                  <a:spcAft>
+                    <a:spcPts val="600"/>
+                  </a:spcAft>
+                  <a:buClr>
+                    <a:prstClr val="white">
+                      <a:lumMod val="50000"/>
+                    </a:prstClr>
+                  </a:buClr>
+                  <a:buSzPct val="66000"/>
+                  <a:buFont typeface="+mj-lt"/>
+                  <a:buAutoNum type="arabicParenBoth"/>
+                </a:pPr>
+                <a:r>
+                  <a:rPr lang="en-GB" sz="2400" dirty="0" smtClean="0">
+                    <a:latin typeface="Cambria Math" panose="02040503050406030204" pitchFamily="18" charset="0"/>
+                    <a:ea typeface="Cambria Math" panose="02040503050406030204" pitchFamily="18" charset="0"/>
+                    <a:cs typeface="Courier New" panose="02070309020205020404" pitchFamily="49" charset="0"/>
+                  </a:rPr>
+                  <a:t>At </a:t>
+                </a:r>
+                <a14:m>
+                  <m:oMath xmlns:m="http://schemas.openxmlformats.org/officeDocument/2006/math">
+                    <m:r>
+                      <a:rPr lang="en-GB" sz="2400" i="1" smtClean="0">
+                        <a:latin typeface="Cambria Math" panose="02040503050406030204" pitchFamily="18" charset="0"/>
+                        <a:ea typeface="Cambria Math" panose="02040503050406030204" pitchFamily="18" charset="0"/>
+                        <a:cs typeface="Courier New" panose="02070309020205020404" pitchFamily="49" charset="0"/>
+                      </a:rPr>
+                      <m:t>𝑜</m:t>
+                    </m:r>
+                  </m:oMath>
+                </a14:m>
+                <a:r>
+                  <a:rPr lang="en-GB" sz="2400" dirty="0" smtClean="0">
+                    <a:latin typeface="Cambria Math" panose="02040503050406030204" pitchFamily="18" charset="0"/>
+                    <a:ea typeface="Cambria Math" panose="02040503050406030204" pitchFamily="18" charset="0"/>
+                    <a:cs typeface="Courier New" panose="02070309020205020404" pitchFamily="49" charset="0"/>
+                  </a:rPr>
+                  <a:t>: start optimal tour through </a:t>
+                </a:r>
+                <a14:m>
+                  <m:oMath xmlns:m="http://schemas.openxmlformats.org/officeDocument/2006/math">
+                    <m:r>
+                      <a:rPr lang="en-GB" sz="2400" i="1" smtClean="0">
+                        <a:latin typeface="Cambria Math" panose="02040503050406030204" pitchFamily="18" charset="0"/>
+                        <a:ea typeface="Cambria Math" panose="02040503050406030204" pitchFamily="18" charset="0"/>
+                        <a:cs typeface="Courier New" panose="02070309020205020404" pitchFamily="49" charset="0"/>
+                      </a:rPr>
+                      <m:t>𝑈</m:t>
+                    </m:r>
+                  </m:oMath>
+                </a14:m>
+                <a:endParaRPr lang="en-GB" sz="2400" dirty="0" smtClean="0">
+                  <a:latin typeface="Cambria Math" panose="02040503050406030204" pitchFamily="18" charset="0"/>
+                  <a:ea typeface="Cambria Math" panose="02040503050406030204" pitchFamily="18" charset="0"/>
+                  <a:cs typeface="Courier New" panose="02070309020205020404" pitchFamily="49" charset="0"/>
+                </a:endParaRPr>
+              </a:p>
+              <a:p>
+                <a:pPr marL="360000" lvl="0" indent="-360000">
+                  <a:spcBef>
+                    <a:spcPts val="600"/>
+                  </a:spcBef>
+                  <a:spcAft>
+                    <a:spcPts val="600"/>
+                  </a:spcAft>
+                  <a:buClr>
+                    <a:prstClr val="white">
+                      <a:lumMod val="50000"/>
+                    </a:prstClr>
+                  </a:buClr>
+                  <a:buSzPct val="66000"/>
+                  <a:buFont typeface="+mj-lt"/>
+                  <a:buAutoNum type="arabicParenBoth"/>
+                </a:pPr>
+                <a:r>
+                  <a:rPr lang="en-GB" sz="2400" dirty="0" smtClean="0">
+                    <a:latin typeface="Cambria Math" panose="02040503050406030204" pitchFamily="18" charset="0"/>
+                    <a:ea typeface="Cambria Math" panose="02040503050406030204" pitchFamily="18" charset="0"/>
+                    <a:cs typeface="Courier New" panose="02070309020205020404" pitchFamily="49" charset="0"/>
+                  </a:rPr>
+                  <a:t>For new request </a:t>
+                </a:r>
+                <a14:m>
+                  <m:oMath xmlns:m="http://schemas.openxmlformats.org/officeDocument/2006/math">
+                    <m:r>
+                      <a:rPr lang="en-GB" sz="2400" i="1" smtClean="0">
+                        <a:latin typeface="Cambria Math" panose="02040503050406030204" pitchFamily="18" charset="0"/>
+                        <a:ea typeface="Cambria Math" panose="02040503050406030204" pitchFamily="18" charset="0"/>
+                        <a:cs typeface="Courier New" panose="02070309020205020404" pitchFamily="49" charset="0"/>
+                      </a:rPr>
+                      <m:t>(</m:t>
+                    </m:r>
+                    <m:r>
+                      <a:rPr lang="en-GB" sz="2400" i="1" smtClean="0">
+                        <a:latin typeface="Cambria Math" panose="02040503050406030204" pitchFamily="18" charset="0"/>
+                        <a:ea typeface="Cambria Math" panose="02040503050406030204" pitchFamily="18" charset="0"/>
+                        <a:cs typeface="Courier New" panose="02070309020205020404" pitchFamily="49" charset="0"/>
+                      </a:rPr>
+                      <m:t>𝑡</m:t>
+                    </m:r>
+                    <m:r>
+                      <a:rPr lang="en-GB" sz="2400" i="1" smtClean="0">
+                        <a:latin typeface="Cambria Math" panose="02040503050406030204" pitchFamily="18" charset="0"/>
+                        <a:ea typeface="Cambria Math" panose="02040503050406030204" pitchFamily="18" charset="0"/>
+                        <a:cs typeface="Courier New" panose="02070309020205020404" pitchFamily="49" charset="0"/>
+                      </a:rPr>
+                      <m:t>,</m:t>
+                    </m:r>
+                    <m:r>
+                      <a:rPr lang="en-GB" sz="2400" i="1" smtClean="0">
+                        <a:latin typeface="Cambria Math" panose="02040503050406030204" pitchFamily="18" charset="0"/>
+                        <a:ea typeface="Cambria Math" panose="02040503050406030204" pitchFamily="18" charset="0"/>
+                        <a:cs typeface="Courier New" panose="02070309020205020404" pitchFamily="49" charset="0"/>
+                      </a:rPr>
+                      <m:t>𝑥</m:t>
+                    </m:r>
+                    <m:r>
+                      <a:rPr lang="en-GB" sz="2400" i="1" smtClean="0">
+                        <a:latin typeface="Cambria Math" panose="02040503050406030204" pitchFamily="18" charset="0"/>
+                        <a:ea typeface="Cambria Math" panose="02040503050406030204" pitchFamily="18" charset="0"/>
+                        <a:cs typeface="Courier New" panose="02070309020205020404" pitchFamily="49" charset="0"/>
+                      </a:rPr>
+                      <m:t>)</m:t>
+                    </m:r>
+                  </m:oMath>
+                </a14:m>
+                <a:r>
+                  <a:rPr lang="en-GB" dirty="0" smtClean="0"/>
+                  <a:t>:</a:t>
+                </a:r>
+              </a:p>
+              <a:p>
+                <a:pPr marL="817200" lvl="1" indent="-360000">
+                  <a:spcBef>
+                    <a:spcPts val="600"/>
+                  </a:spcBef>
+                  <a:spcAft>
+                    <a:spcPts val="600"/>
+                  </a:spcAft>
+                  <a:buClr>
+                    <a:prstClr val="white">
+                      <a:lumMod val="50000"/>
+                    </a:prstClr>
+                  </a:buClr>
+                  <a:buSzPct val="66000"/>
+                  <a:buFont typeface="+mj-lt"/>
+                  <a:buAutoNum type="alphaLcParenR"/>
+                </a:pPr>
+                <a:r>
+                  <a:rPr lang="en-GB" sz="2400" dirty="0" smtClean="0">
+                    <a:latin typeface="Cambria" panose="02040503050406030204" pitchFamily="18" charset="0"/>
+                  </a:rPr>
+                  <a:t>If</a:t>
+                </a:r>
+                <a:r>
+                  <a:rPr lang="en-GB" sz="2400" dirty="0" smtClean="0"/>
+                  <a:t> </a:t>
+                </a:r>
+                <a14:m>
+                  <m:oMath xmlns:m="http://schemas.openxmlformats.org/officeDocument/2006/math">
+                    <m:r>
+                      <a:rPr lang="en-GB" sz="2400" i="1" smtClean="0">
+                        <a:latin typeface="Cambria Math" panose="02040503050406030204" pitchFamily="18" charset="0"/>
+                      </a:rPr>
+                      <m:t>𝑑</m:t>
+                    </m:r>
+                    <m:r>
+                      <a:rPr lang="en-GB" sz="2400" i="1" smtClean="0">
+                        <a:latin typeface="Cambria Math" panose="02040503050406030204" pitchFamily="18" charset="0"/>
+                      </a:rPr>
+                      <m:t>(</m:t>
+                    </m:r>
+                    <m:r>
+                      <a:rPr lang="en-GB" sz="2400" i="1" smtClean="0">
+                        <a:latin typeface="Cambria Math" panose="02040503050406030204" pitchFamily="18" charset="0"/>
+                      </a:rPr>
+                      <m:t>𝑥</m:t>
+                    </m:r>
+                    <m:r>
+                      <a:rPr lang="en-GB" sz="2400" i="1" smtClean="0">
+                        <a:latin typeface="Cambria Math" panose="02040503050406030204" pitchFamily="18" charset="0"/>
+                      </a:rPr>
+                      <m:t>,</m:t>
+                    </m:r>
+                    <m:r>
+                      <a:rPr lang="en-GB" sz="2400" i="1" smtClean="0">
+                        <a:latin typeface="Cambria Math" panose="02040503050406030204" pitchFamily="18" charset="0"/>
+                      </a:rPr>
+                      <m:t>𝑜</m:t>
+                    </m:r>
+                    <m:r>
+                      <a:rPr lang="en-GB" sz="2400" i="1" smtClean="0">
+                        <a:latin typeface="Cambria Math" panose="02040503050406030204" pitchFamily="18" charset="0"/>
+                      </a:rPr>
+                      <m:t>)&gt;</m:t>
+                    </m:r>
+                    <m:r>
+                      <a:rPr lang="en-GB" sz="2400" i="1" smtClean="0">
+                        <a:latin typeface="Cambria Math" panose="02040503050406030204" pitchFamily="18" charset="0"/>
+                      </a:rPr>
+                      <m:t>𝑑</m:t>
+                    </m:r>
+                    <m:r>
+                      <a:rPr lang="en-GB" sz="2400" i="1" smtClean="0">
+                        <a:latin typeface="Cambria Math" panose="02040503050406030204" pitchFamily="18" charset="0"/>
+                      </a:rPr>
+                      <m:t>(</m:t>
+                    </m:r>
+                    <m:r>
+                      <a:rPr lang="en-GB" sz="2400" i="1" smtClean="0">
+                        <a:latin typeface="Cambria Math" panose="02040503050406030204" pitchFamily="18" charset="0"/>
+                      </a:rPr>
+                      <m:t>𝑝</m:t>
+                    </m:r>
+                    <m:r>
+                      <a:rPr lang="en-GB" sz="2400" i="1" smtClean="0">
+                        <a:latin typeface="Cambria Math" panose="02040503050406030204" pitchFamily="18" charset="0"/>
+                      </a:rPr>
+                      <m:t>,</m:t>
+                    </m:r>
+                    <m:r>
+                      <a:rPr lang="en-GB" sz="2400" i="1" smtClean="0">
+                        <a:latin typeface="Cambria Math" panose="02040503050406030204" pitchFamily="18" charset="0"/>
+                      </a:rPr>
+                      <m:t>𝑜</m:t>
+                    </m:r>
+                    <m:r>
+                      <a:rPr lang="en-GB" sz="2400" i="1" smtClean="0">
+                        <a:latin typeface="Cambria Math" panose="02040503050406030204" pitchFamily="18" charset="0"/>
+                      </a:rPr>
+                      <m:t>)</m:t>
+                    </m:r>
+                  </m:oMath>
+                </a14:m>
+                <a:r>
+                  <a:rPr lang="en-GB" sz="2400" dirty="0" smtClean="0">
+                    <a:latin typeface="Cambria" panose="02040503050406030204" pitchFamily="18" charset="0"/>
+                  </a:rPr>
+                  <a:t>: go back to</a:t>
+                </a:r>
+                <a:r>
+                  <a:rPr lang="en-GB" sz="2400" dirty="0" smtClean="0"/>
+                  <a:t> </a:t>
+                </a:r>
+                <a14:m>
+                  <m:oMath xmlns:m="http://schemas.openxmlformats.org/officeDocument/2006/math">
+                    <m:r>
+                      <a:rPr lang="en-GB" sz="2400" i="1" smtClean="0">
+                        <a:latin typeface="Cambria Math" panose="02040503050406030204" pitchFamily="18" charset="0"/>
+                      </a:rPr>
+                      <m:t>𝑜</m:t>
+                    </m:r>
+                  </m:oMath>
+                </a14:m>
+                <a:endParaRPr lang="en-GB" sz="2400" dirty="0" smtClean="0"/>
+              </a:p>
+              <a:p>
+                <a:pPr marL="817200" lvl="1" indent="-360000">
+                  <a:spcBef>
+                    <a:spcPts val="600"/>
+                  </a:spcBef>
+                  <a:spcAft>
+                    <a:spcPts val="600"/>
+                  </a:spcAft>
+                  <a:buClr>
+                    <a:prstClr val="white">
+                      <a:lumMod val="50000"/>
+                    </a:prstClr>
+                  </a:buClr>
+                  <a:buSzPct val="66000"/>
+                  <a:buFont typeface="+mj-lt"/>
+                  <a:buAutoNum type="alphaLcParenR"/>
+                </a:pPr>
+                <a:r>
+                  <a:rPr lang="en-GB" sz="2400" dirty="0" smtClean="0">
+                    <a:latin typeface="Cambria" panose="02040503050406030204" pitchFamily="18" charset="0"/>
+                  </a:rPr>
+                  <a:t>Else: ignore </a:t>
+                </a:r>
+                <a14:m>
+                  <m:oMath xmlns:m="http://schemas.openxmlformats.org/officeDocument/2006/math">
+                    <m:r>
+                      <a:rPr lang="en-GB" sz="2400" b="0" i="1" smtClean="0">
+                        <a:latin typeface="Cambria Math" panose="02040503050406030204" pitchFamily="18" charset="0"/>
+                      </a:rPr>
+                      <m:t>𝑥</m:t>
+                    </m:r>
+                  </m:oMath>
+                </a14:m>
+                <a:r>
+                  <a:rPr lang="en-GB" sz="2400" dirty="0" smtClean="0">
+                    <a:latin typeface="Cambria" panose="02040503050406030204" pitchFamily="18" charset="0"/>
+                  </a:rPr>
+                  <a:t> until back at </a:t>
+                </a:r>
+                <a14:m>
+                  <m:oMath xmlns:m="http://schemas.openxmlformats.org/officeDocument/2006/math">
+                    <m:r>
+                      <a:rPr lang="en-GB" sz="2400" b="0" i="1" smtClean="0">
+                        <a:latin typeface="Cambria Math" panose="02040503050406030204" pitchFamily="18" charset="0"/>
+                      </a:rPr>
+                      <m:t>𝑜</m:t>
+                    </m:r>
+                  </m:oMath>
+                </a14:m>
+                <a:endParaRPr lang="en-GB" sz="2400" dirty="0">
+                  <a:latin typeface="Cambria" panose="02040503050406030204" pitchFamily="18" charset="0"/>
+                </a:endParaRPr>
+              </a:p>
+            </p:txBody>
+          </p:sp>
+        </mc:Choice>
+        <mc:Fallback>
+          <p:sp>
+            <p:nvSpPr>
+              <p:cNvPr id="4" name="Textfeld 3"/>
+              <p:cNvSpPr txBox="1">
+                <a:spLocks noRot="1" noChangeAspect="1" noMove="1" noResize="1" noEditPoints="1" noAdjustHandles="1" noChangeArrowheads="1" noChangeShapeType="1" noTextEdit="1"/>
+              </p:cNvSpPr>
+              <p:nvPr/>
+            </p:nvSpPr>
+            <p:spPr>
+              <a:xfrm>
+                <a:off x="317599" y="1677972"/>
+                <a:ext cx="5198346" cy="2031325"/>
+              </a:xfrm>
+              <a:prstGeom prst="rect">
+                <a:avLst/>
+              </a:prstGeom>
+              <a:blipFill rotWithShape="0">
+                <a:blip r:embed="rId3"/>
+                <a:stretch>
+                  <a:fillRect l="-469" t="-2402" b="-6006"/>
+                </a:stretch>
+              </a:blipFill>
+            </p:spPr>
+            <p:txBody>
+              <a:bodyPr/>
+              <a:lstStyle/>
+              <a:p>
+                <a:r>
+                  <a:rPr lang="en-GB">
+                    <a:noFill/>
+                  </a:rPr>
+                  <a:t> </a:t>
+                </a:r>
+              </a:p>
+            </p:txBody>
+          </p:sp>
+        </mc:Fallback>
+      </mc:AlternateContent>
+      <p:sp>
+        <p:nvSpPr>
+          <p:cNvPr id="5" name="Textfeld 4"/>
+          <p:cNvSpPr txBox="1"/>
+          <p:nvPr/>
+        </p:nvSpPr>
+        <p:spPr>
+          <a:xfrm>
+            <a:off x="317599" y="3803426"/>
+            <a:ext cx="8508802" cy="584775"/>
+          </a:xfrm>
+          <a:prstGeom prst="rect">
+            <a:avLst/>
+          </a:prstGeom>
+          <a:noFill/>
+        </p:spPr>
+        <p:txBody>
+          <a:bodyPr wrap="square" rtlCol="0">
+            <a:spAutoFit/>
+          </a:bodyPr>
+          <a:lstStyle/>
+          <a:p>
+            <a:pPr algn="ctr"/>
+            <a:r>
+              <a:rPr lang="en-GB" sz="3200" dirty="0" smtClean="0"/>
+              <a:t>Plan At Home (PAH)</a:t>
+            </a:r>
+            <a:endParaRPr lang="en-GB" sz="3200" dirty="0"/>
+          </a:p>
+        </p:txBody>
+      </p:sp>
+      <p:sp>
+        <p:nvSpPr>
+          <p:cNvPr id="21" name="Freihandform 20"/>
+          <p:cNvSpPr/>
+          <p:nvPr/>
+        </p:nvSpPr>
+        <p:spPr>
+          <a:xfrm>
+            <a:off x="5993924" y="1590594"/>
+            <a:ext cx="2115520" cy="482230"/>
+          </a:xfrm>
+          <a:custGeom>
+            <a:avLst/>
+            <a:gdLst>
+              <a:gd name="connsiteX0" fmla="*/ 17409 w 2115520"/>
+              <a:gd name="connsiteY0" fmla="*/ 419498 h 482230"/>
+              <a:gd name="connsiteX1" fmla="*/ 364543 w 2115520"/>
+              <a:gd name="connsiteY1" fmla="*/ 80831 h 482230"/>
+              <a:gd name="connsiteX2" fmla="*/ 999543 w 2115520"/>
+              <a:gd name="connsiteY2" fmla="*/ 55431 h 482230"/>
+              <a:gd name="connsiteX3" fmla="*/ 1185809 w 2115520"/>
+              <a:gd name="connsiteY3" fmla="*/ 199364 h 482230"/>
+              <a:gd name="connsiteX4" fmla="*/ 1566809 w 2115520"/>
+              <a:gd name="connsiteY4" fmla="*/ 38498 h 482230"/>
+              <a:gd name="connsiteX5" fmla="*/ 1795409 w 2115520"/>
+              <a:gd name="connsiteY5" fmla="*/ 4631 h 482230"/>
+              <a:gd name="connsiteX6" fmla="*/ 2066343 w 2115520"/>
+              <a:gd name="connsiteY6" fmla="*/ 114698 h 482230"/>
+              <a:gd name="connsiteX7" fmla="*/ 2083276 w 2115520"/>
+              <a:gd name="connsiteY7" fmla="*/ 436431 h 482230"/>
+              <a:gd name="connsiteX8" fmla="*/ 1727676 w 2115520"/>
+              <a:gd name="connsiteY8" fmla="*/ 444898 h 482230"/>
+              <a:gd name="connsiteX9" fmla="*/ 1380543 w 2115520"/>
+              <a:gd name="connsiteY9" fmla="*/ 267098 h 482230"/>
+              <a:gd name="connsiteX10" fmla="*/ 897943 w 2115520"/>
+              <a:gd name="connsiteY10" fmla="*/ 470298 h 482230"/>
+              <a:gd name="connsiteX11" fmla="*/ 17409 w 2115520"/>
+              <a:gd name="connsiteY11" fmla="*/ 419498 h 482230"/>
+            </a:gdLst>
+            <a:ahLst/>
+            <a:cxnLst>
+              <a:cxn ang="0">
+                <a:pos x="connsiteX0" y="connsiteY0"/>
+              </a:cxn>
+              <a:cxn ang="0">
+                <a:pos x="connsiteX1" y="connsiteY1"/>
+              </a:cxn>
+              <a:cxn ang="0">
+                <a:pos x="connsiteX2" y="connsiteY2"/>
+              </a:cxn>
+              <a:cxn ang="0">
+                <a:pos x="connsiteX3" y="connsiteY3"/>
+              </a:cxn>
+              <a:cxn ang="0">
+                <a:pos x="connsiteX4" y="connsiteY4"/>
+              </a:cxn>
+              <a:cxn ang="0">
+                <a:pos x="connsiteX5" y="connsiteY5"/>
+              </a:cxn>
+              <a:cxn ang="0">
+                <a:pos x="connsiteX6" y="connsiteY6"/>
+              </a:cxn>
+              <a:cxn ang="0">
+                <a:pos x="connsiteX7" y="connsiteY7"/>
+              </a:cxn>
+              <a:cxn ang="0">
+                <a:pos x="connsiteX8" y="connsiteY8"/>
+              </a:cxn>
+              <a:cxn ang="0">
+                <a:pos x="connsiteX9" y="connsiteY9"/>
+              </a:cxn>
+              <a:cxn ang="0">
+                <a:pos x="connsiteX10" y="connsiteY10"/>
+              </a:cxn>
+              <a:cxn ang="0">
+                <a:pos x="connsiteX11" y="connsiteY11"/>
+              </a:cxn>
+            </a:cxnLst>
+            <a:rect l="l" t="t" r="r" b="b"/>
+            <a:pathLst>
+              <a:path w="2115520" h="482230">
+                <a:moveTo>
+                  <a:pt x="17409" y="419498"/>
+                </a:moveTo>
+                <a:cubicBezTo>
+                  <a:pt x="-71491" y="354587"/>
+                  <a:pt x="200854" y="141509"/>
+                  <a:pt x="364543" y="80831"/>
+                </a:cubicBezTo>
+                <a:cubicBezTo>
+                  <a:pt x="528232" y="20153"/>
+                  <a:pt x="862665" y="35676"/>
+                  <a:pt x="999543" y="55431"/>
+                </a:cubicBezTo>
+                <a:cubicBezTo>
+                  <a:pt x="1136421" y="75186"/>
+                  <a:pt x="1091265" y="202186"/>
+                  <a:pt x="1185809" y="199364"/>
+                </a:cubicBezTo>
+                <a:cubicBezTo>
+                  <a:pt x="1280353" y="196542"/>
+                  <a:pt x="1465209" y="70953"/>
+                  <a:pt x="1566809" y="38498"/>
+                </a:cubicBezTo>
+                <a:cubicBezTo>
+                  <a:pt x="1668409" y="6043"/>
+                  <a:pt x="1712153" y="-8069"/>
+                  <a:pt x="1795409" y="4631"/>
+                </a:cubicBezTo>
+                <a:cubicBezTo>
+                  <a:pt x="1878665" y="17331"/>
+                  <a:pt x="2018365" y="42731"/>
+                  <a:pt x="2066343" y="114698"/>
+                </a:cubicBezTo>
+                <a:cubicBezTo>
+                  <a:pt x="2114321" y="186665"/>
+                  <a:pt x="2139721" y="381398"/>
+                  <a:pt x="2083276" y="436431"/>
+                </a:cubicBezTo>
+                <a:cubicBezTo>
+                  <a:pt x="2026832" y="491464"/>
+                  <a:pt x="1844798" y="473120"/>
+                  <a:pt x="1727676" y="444898"/>
+                </a:cubicBezTo>
+                <a:cubicBezTo>
+                  <a:pt x="1610554" y="416676"/>
+                  <a:pt x="1518832" y="262865"/>
+                  <a:pt x="1380543" y="267098"/>
+                </a:cubicBezTo>
+                <a:cubicBezTo>
+                  <a:pt x="1242254" y="271331"/>
+                  <a:pt x="1122310" y="446309"/>
+                  <a:pt x="897943" y="470298"/>
+                </a:cubicBezTo>
+                <a:cubicBezTo>
+                  <a:pt x="673576" y="494287"/>
+                  <a:pt x="106309" y="484409"/>
+                  <a:pt x="17409" y="419498"/>
+                </a:cubicBezTo>
+                <a:close/>
+              </a:path>
+            </a:pathLst>
+          </a:custGeom>
+          <a:noFill/>
+          <a:ln w="28575">
+            <a:solidFill>
+              <a:schemeClr val="bg1">
+                <a:lumMod val="50000"/>
+              </a:schemeClr>
+            </a:solidFill>
+            <a:prstDash val="dash"/>
+          </a:ln>
+        </p:spPr>
+        <p:style>
+          <a:lnRef idx="2">
+            <a:schemeClr val="accent1">
+              <a:shade val="50000"/>
+            </a:schemeClr>
+          </a:lnRef>
+          <a:fillRef idx="1">
+            <a:schemeClr val="accent1"/>
+          </a:fillRef>
+          <a:effectRef idx="0">
+            <a:schemeClr val="accent1"/>
+          </a:effectRef>
+          <a:fontRef idx="minor">
+            <a:schemeClr val="lt1"/>
+          </a:fontRef>
+        </p:style>
+        <p:txBody>
+          <a:bodyPr rtlCol="0" anchor="ctr"/>
+          <a:lstStyle/>
+          <a:p>
+            <a:pPr algn="ctr"/>
+            <a:endParaRPr lang="en-GB"/>
+          </a:p>
+        </p:txBody>
+      </p:sp>
+      <p:grpSp>
+        <p:nvGrpSpPr>
+          <p:cNvPr id="30" name="Gruppieren 29"/>
+          <p:cNvGrpSpPr/>
+          <p:nvPr/>
+        </p:nvGrpSpPr>
+        <p:grpSpPr>
+          <a:xfrm>
+            <a:off x="5642683" y="1587435"/>
+            <a:ext cx="552298" cy="773395"/>
+            <a:chOff x="5642683" y="805010"/>
+            <a:chExt cx="552298" cy="773395"/>
+          </a:xfrm>
+        </p:grpSpPr>
+        <p:sp>
+          <p:nvSpPr>
+            <p:cNvPr id="6" name="Ellipse 5"/>
+            <p:cNvSpPr/>
+            <p:nvPr/>
+          </p:nvSpPr>
+          <p:spPr>
+            <a:xfrm>
+              <a:off x="5937184" y="1143153"/>
+              <a:ext cx="147610" cy="147610"/>
+            </a:xfrm>
+            <a:prstGeom prst="ellipse">
+              <a:avLst/>
+            </a:prstGeom>
+            <a:solidFill>
+              <a:schemeClr val="tx1"/>
+            </a:solidFill>
+            <a:ln>
+              <a:noFill/>
+            </a:ln>
+          </p:spPr>
+          <p:style>
+            <a:lnRef idx="2">
+              <a:schemeClr val="accent1">
+                <a:shade val="50000"/>
+              </a:schemeClr>
+            </a:lnRef>
+            <a:fillRef idx="1">
+              <a:schemeClr val="accent1"/>
+            </a:fillRef>
+            <a:effectRef idx="0">
+              <a:schemeClr val="accent1"/>
+            </a:effectRef>
+            <a:fontRef idx="minor">
+              <a:schemeClr val="lt1"/>
+            </a:fontRef>
+          </p:style>
+          <p:txBody>
+            <a:bodyPr rtlCol="0" anchor="ctr"/>
+            <a:lstStyle/>
+            <a:p>
+              <a:pPr algn="ctr"/>
+              <a:endParaRPr lang="en-GB"/>
+            </a:p>
+          </p:txBody>
+        </p:sp>
+        <mc:AlternateContent xmlns:mc="http://schemas.openxmlformats.org/markup-compatibility/2006">
+          <mc:Choice xmlns:a14="http://schemas.microsoft.com/office/drawing/2010/main" Requires="a14">
+            <p:sp>
+              <p:nvSpPr>
+                <p:cNvPr id="7" name="Textfeld 6"/>
+                <p:cNvSpPr txBox="1"/>
+                <p:nvPr/>
+              </p:nvSpPr>
+              <p:spPr>
+                <a:xfrm>
+                  <a:off x="5826996" y="805010"/>
+                  <a:ext cx="367985" cy="369332"/>
+                </a:xfrm>
+                <a:prstGeom prst="rect">
+                  <a:avLst/>
+                </a:prstGeom>
+                <a:noFill/>
+              </p:spPr>
+              <p:txBody>
+                <a:bodyPr wrap="none" rtlCol="0">
+                  <a:spAutoFit/>
+                </a:bodyPr>
+                <a:lstStyle/>
+                <a:p>
+                  <a:pPr/>
+                  <a14:m>
+                    <m:oMathPara xmlns:m="http://schemas.openxmlformats.org/officeDocument/2006/math">
+                      <m:oMathParaPr>
+                        <m:jc m:val="centerGroup"/>
+                      </m:oMathParaPr>
+                      <m:oMath xmlns:m="http://schemas.openxmlformats.org/officeDocument/2006/math">
+                        <m:r>
+                          <a:rPr lang="de-DE" b="0" i="1" dirty="0" smtClean="0">
+                            <a:solidFill>
+                              <a:prstClr val="black"/>
+                            </a:solidFill>
+                            <a:latin typeface="Cambria Math" panose="02040503050406030204" pitchFamily="18" charset="0"/>
+                            <a:ea typeface="Cambria Math" panose="02040503050406030204" pitchFamily="18" charset="0"/>
+                            <a:cs typeface="Courier New" panose="02070309020205020404" pitchFamily="49" charset="0"/>
+                          </a:rPr>
+                          <m:t>𝑜</m:t>
+                        </m:r>
+                      </m:oMath>
+                    </m:oMathPara>
+                  </a14:m>
+                  <a:endParaRPr lang="en-GB" dirty="0"/>
+                </a:p>
+              </p:txBody>
+            </p:sp>
+          </mc:Choice>
+          <mc:Fallback>
+            <p:sp>
+              <p:nvSpPr>
+                <p:cNvPr id="7" name="Textfeld 6"/>
+                <p:cNvSpPr txBox="1">
+                  <a:spLocks noRot="1" noChangeAspect="1" noMove="1" noResize="1" noEditPoints="1" noAdjustHandles="1" noChangeArrowheads="1" noChangeShapeType="1" noTextEdit="1"/>
+                </p:cNvSpPr>
+                <p:nvPr/>
+              </p:nvSpPr>
+              <p:spPr>
+                <a:xfrm>
+                  <a:off x="5826996" y="805010"/>
+                  <a:ext cx="367985" cy="369332"/>
+                </a:xfrm>
+                <a:prstGeom prst="rect">
+                  <a:avLst/>
+                </a:prstGeom>
+                <a:blipFill rotWithShape="0">
+                  <a:blip r:embed="rId4"/>
+                  <a:stretch>
+                    <a:fillRect/>
+                  </a:stretch>
+                </a:blipFill>
+              </p:spPr>
+              <p:txBody>
+                <a:bodyPr/>
+                <a:lstStyle/>
+                <a:p>
+                  <a:r>
+                    <a:rPr lang="en-GB">
+                      <a:noFill/>
+                    </a:rPr>
+                    <a:t> </a:t>
+                  </a:r>
+                </a:p>
+              </p:txBody>
+            </p:sp>
+          </mc:Fallback>
+        </mc:AlternateContent>
+        <p:cxnSp>
+          <p:nvCxnSpPr>
+            <p:cNvPr id="12" name="Gerade Verbindung mit Pfeil 11"/>
+            <p:cNvCxnSpPr/>
+            <p:nvPr/>
+          </p:nvCxnSpPr>
+          <p:spPr>
+            <a:xfrm flipV="1">
+              <a:off x="6007524" y="1290763"/>
+              <a:ext cx="0" cy="252979"/>
+            </a:xfrm>
+            <a:prstGeom prst="straightConnector1">
+              <a:avLst/>
+            </a:prstGeom>
+            <a:ln w="57150">
+              <a:solidFill>
+                <a:srgbClr val="006600"/>
+              </a:solidFill>
+              <a:tailEnd type="triangle"/>
+            </a:ln>
+          </p:spPr>
+          <p:style>
+            <a:lnRef idx="1">
+              <a:schemeClr val="accent1"/>
+            </a:lnRef>
+            <a:fillRef idx="0">
+              <a:schemeClr val="accent1"/>
+            </a:fillRef>
+            <a:effectRef idx="0">
+              <a:schemeClr val="accent1"/>
+            </a:effectRef>
+            <a:fontRef idx="minor">
+              <a:schemeClr val="tx1"/>
+            </a:fontRef>
+          </p:style>
+        </p:cxnSp>
+        <mc:AlternateContent xmlns:mc="http://schemas.openxmlformats.org/markup-compatibility/2006">
+          <mc:Choice xmlns:a14="http://schemas.microsoft.com/office/drawing/2010/main" Requires="a14">
+            <p:sp>
+              <p:nvSpPr>
+                <p:cNvPr id="18" name="Textfeld 17"/>
+                <p:cNvSpPr txBox="1"/>
+                <p:nvPr/>
+              </p:nvSpPr>
+              <p:spPr>
+                <a:xfrm>
+                  <a:off x="5642683" y="1209073"/>
+                  <a:ext cx="368626" cy="369332"/>
+                </a:xfrm>
+                <a:prstGeom prst="rect">
+                  <a:avLst/>
+                </a:prstGeom>
+                <a:noFill/>
+              </p:spPr>
+              <p:txBody>
+                <a:bodyPr wrap="none" rtlCol="0">
+                  <a:spAutoFit/>
+                </a:bodyPr>
+                <a:lstStyle/>
+                <a:p>
+                  <a:pPr/>
+                  <a14:m>
+                    <m:oMathPara xmlns:m="http://schemas.openxmlformats.org/officeDocument/2006/math">
+                      <m:oMathParaPr>
+                        <m:jc m:val="centerGroup"/>
+                      </m:oMathParaPr>
+                      <m:oMath xmlns:m="http://schemas.openxmlformats.org/officeDocument/2006/math">
+                        <m:r>
+                          <a:rPr lang="de-DE" b="0" i="1" smtClean="0">
+                            <a:solidFill>
+                              <a:srgbClr val="006600"/>
+                            </a:solidFill>
+                            <a:latin typeface="Cambria Math" panose="02040503050406030204" pitchFamily="18" charset="0"/>
+                          </a:rPr>
+                          <m:t>𝑝</m:t>
+                        </m:r>
+                      </m:oMath>
+                    </m:oMathPara>
+                  </a14:m>
+                  <a:endParaRPr lang="en-GB" dirty="0">
+                    <a:solidFill>
+                      <a:srgbClr val="006600"/>
+                    </a:solidFill>
+                  </a:endParaRPr>
+                </a:p>
+              </p:txBody>
+            </p:sp>
+          </mc:Choice>
+          <mc:Fallback>
+            <p:sp>
+              <p:nvSpPr>
+                <p:cNvPr id="18" name="Textfeld 17"/>
+                <p:cNvSpPr txBox="1">
+                  <a:spLocks noRot="1" noChangeAspect="1" noMove="1" noResize="1" noEditPoints="1" noAdjustHandles="1" noChangeArrowheads="1" noChangeShapeType="1" noTextEdit="1"/>
+                </p:cNvSpPr>
+                <p:nvPr/>
+              </p:nvSpPr>
+              <p:spPr>
+                <a:xfrm>
+                  <a:off x="5642683" y="1209073"/>
+                  <a:ext cx="368626" cy="369332"/>
+                </a:xfrm>
+                <a:prstGeom prst="rect">
+                  <a:avLst/>
+                </a:prstGeom>
+                <a:blipFill rotWithShape="0">
+                  <a:blip r:embed="rId5"/>
+                  <a:stretch>
+                    <a:fillRect b="-6667"/>
+                  </a:stretch>
+                </a:blipFill>
+              </p:spPr>
+              <p:txBody>
+                <a:bodyPr/>
+                <a:lstStyle/>
+                <a:p>
+                  <a:r>
+                    <a:rPr lang="en-GB">
+                      <a:noFill/>
+                    </a:rPr>
+                    <a:t> </a:t>
+                  </a:r>
+                </a:p>
+              </p:txBody>
+            </p:sp>
+          </mc:Fallback>
+        </mc:AlternateContent>
+      </p:grpSp>
+      <p:grpSp>
+        <p:nvGrpSpPr>
+          <p:cNvPr id="31" name="Gruppieren 30"/>
+          <p:cNvGrpSpPr/>
+          <p:nvPr/>
+        </p:nvGrpSpPr>
+        <p:grpSpPr>
+          <a:xfrm>
+            <a:off x="5826996" y="2411331"/>
+            <a:ext cx="1738819" cy="710090"/>
+            <a:chOff x="5826996" y="1628906"/>
+            <a:chExt cx="1738819" cy="710090"/>
+          </a:xfrm>
+        </p:grpSpPr>
+        <p:sp>
+          <p:nvSpPr>
+            <p:cNvPr id="8" name="Ellipse 7"/>
+            <p:cNvSpPr/>
+            <p:nvPr/>
+          </p:nvSpPr>
+          <p:spPr>
+            <a:xfrm>
+              <a:off x="5937184" y="1967049"/>
+              <a:ext cx="147610" cy="147610"/>
+            </a:xfrm>
+            <a:prstGeom prst="ellipse">
+              <a:avLst/>
+            </a:prstGeom>
+            <a:solidFill>
+              <a:schemeClr val="tx1"/>
+            </a:solidFill>
+            <a:ln>
+              <a:noFill/>
+            </a:ln>
+          </p:spPr>
+          <p:style>
+            <a:lnRef idx="2">
+              <a:schemeClr val="accent1">
+                <a:shade val="50000"/>
+              </a:schemeClr>
+            </a:lnRef>
+            <a:fillRef idx="1">
+              <a:schemeClr val="accent1"/>
+            </a:fillRef>
+            <a:effectRef idx="0">
+              <a:schemeClr val="accent1"/>
+            </a:effectRef>
+            <a:fontRef idx="minor">
+              <a:schemeClr val="lt1"/>
+            </a:fontRef>
+          </p:style>
+          <p:txBody>
+            <a:bodyPr rtlCol="0" anchor="ctr"/>
+            <a:lstStyle/>
+            <a:p>
+              <a:pPr algn="ctr"/>
+              <a:endParaRPr lang="en-GB"/>
+            </a:p>
+          </p:txBody>
+        </p:sp>
+        <mc:AlternateContent xmlns:mc="http://schemas.openxmlformats.org/markup-compatibility/2006">
+          <mc:Choice xmlns:a14="http://schemas.microsoft.com/office/drawing/2010/main" Requires="a14">
+            <p:sp>
+              <p:nvSpPr>
+                <p:cNvPr id="9" name="Textfeld 8"/>
+                <p:cNvSpPr txBox="1"/>
+                <p:nvPr/>
+              </p:nvSpPr>
+              <p:spPr>
+                <a:xfrm>
+                  <a:off x="5826996" y="1628906"/>
+                  <a:ext cx="367985" cy="369332"/>
+                </a:xfrm>
+                <a:prstGeom prst="rect">
+                  <a:avLst/>
+                </a:prstGeom>
+                <a:noFill/>
+              </p:spPr>
+              <p:txBody>
+                <a:bodyPr wrap="none" rtlCol="0">
+                  <a:spAutoFit/>
+                </a:bodyPr>
+                <a:lstStyle/>
+                <a:p>
+                  <a:pPr/>
+                  <a14:m>
+                    <m:oMathPara xmlns:m="http://schemas.openxmlformats.org/officeDocument/2006/math">
+                      <m:oMathParaPr>
+                        <m:jc m:val="centerGroup"/>
+                      </m:oMathParaPr>
+                      <m:oMath xmlns:m="http://schemas.openxmlformats.org/officeDocument/2006/math">
+                        <m:r>
+                          <a:rPr lang="de-DE" b="0" i="1" dirty="0" smtClean="0">
+                            <a:solidFill>
+                              <a:prstClr val="black"/>
+                            </a:solidFill>
+                            <a:latin typeface="Cambria Math" panose="02040503050406030204" pitchFamily="18" charset="0"/>
+                            <a:ea typeface="Cambria Math" panose="02040503050406030204" pitchFamily="18" charset="0"/>
+                            <a:cs typeface="Courier New" panose="02070309020205020404" pitchFamily="49" charset="0"/>
+                          </a:rPr>
+                          <m:t>𝑜</m:t>
+                        </m:r>
+                      </m:oMath>
+                    </m:oMathPara>
+                  </a14:m>
+                  <a:endParaRPr lang="en-GB" dirty="0"/>
+                </a:p>
+              </p:txBody>
+            </p:sp>
+          </mc:Choice>
+          <mc:Fallback>
+            <p:sp>
+              <p:nvSpPr>
+                <p:cNvPr id="9" name="Textfeld 8"/>
+                <p:cNvSpPr txBox="1">
+                  <a:spLocks noRot="1" noChangeAspect="1" noMove="1" noResize="1" noEditPoints="1" noAdjustHandles="1" noChangeArrowheads="1" noChangeShapeType="1" noTextEdit="1"/>
+                </p:cNvSpPr>
+                <p:nvPr/>
+              </p:nvSpPr>
+              <p:spPr>
+                <a:xfrm>
+                  <a:off x="5826996" y="1628906"/>
+                  <a:ext cx="367985" cy="369332"/>
+                </a:xfrm>
+                <a:prstGeom prst="rect">
+                  <a:avLst/>
+                </a:prstGeom>
+                <a:blipFill rotWithShape="0">
+                  <a:blip r:embed="rId6"/>
+                  <a:stretch>
+                    <a:fillRect/>
+                  </a:stretch>
+                </a:blipFill>
+              </p:spPr>
+              <p:txBody>
+                <a:bodyPr/>
+                <a:lstStyle/>
+                <a:p>
+                  <a:r>
+                    <a:rPr lang="en-GB">
+                      <a:noFill/>
+                    </a:rPr>
+                    <a:t> </a:t>
+                  </a:r>
+                </a:p>
+              </p:txBody>
+            </p:sp>
+          </mc:Fallback>
+        </mc:AlternateContent>
+        <p:cxnSp>
+          <p:nvCxnSpPr>
+            <p:cNvPr id="13" name="Gerade Verbindung mit Pfeil 12"/>
+            <p:cNvCxnSpPr/>
+            <p:nvPr/>
+          </p:nvCxnSpPr>
+          <p:spPr>
+            <a:xfrm flipV="1">
+              <a:off x="7565815" y="2055393"/>
+              <a:ext cx="0" cy="252979"/>
+            </a:xfrm>
+            <a:prstGeom prst="straightConnector1">
+              <a:avLst/>
+            </a:prstGeom>
+            <a:ln w="57150">
+              <a:solidFill>
+                <a:srgbClr val="006600"/>
+              </a:solidFill>
+              <a:tailEnd type="triangle"/>
+            </a:ln>
+          </p:spPr>
+          <p:style>
+            <a:lnRef idx="1">
+              <a:schemeClr val="accent1"/>
+            </a:lnRef>
+            <a:fillRef idx="0">
+              <a:schemeClr val="accent1"/>
+            </a:fillRef>
+            <a:effectRef idx="0">
+              <a:schemeClr val="accent1"/>
+            </a:effectRef>
+            <a:fontRef idx="minor">
+              <a:schemeClr val="tx1"/>
+            </a:fontRef>
+          </p:style>
+        </p:cxnSp>
+        <mc:AlternateContent xmlns:mc="http://schemas.openxmlformats.org/markup-compatibility/2006">
+          <mc:Choice xmlns:a14="http://schemas.microsoft.com/office/drawing/2010/main" Requires="a14">
+            <p:sp>
+              <p:nvSpPr>
+                <p:cNvPr id="19" name="Textfeld 18"/>
+                <p:cNvSpPr txBox="1"/>
+                <p:nvPr/>
+              </p:nvSpPr>
+              <p:spPr>
+                <a:xfrm>
+                  <a:off x="7197189" y="1969664"/>
+                  <a:ext cx="368626" cy="369332"/>
+                </a:xfrm>
+                <a:prstGeom prst="rect">
+                  <a:avLst/>
+                </a:prstGeom>
+                <a:noFill/>
+              </p:spPr>
+              <p:txBody>
+                <a:bodyPr wrap="none" rtlCol="0">
+                  <a:spAutoFit/>
+                </a:bodyPr>
+                <a:lstStyle/>
+                <a:p>
+                  <a:pPr/>
+                  <a14:m>
+                    <m:oMathPara xmlns:m="http://schemas.openxmlformats.org/officeDocument/2006/math">
+                      <m:oMathParaPr>
+                        <m:jc m:val="centerGroup"/>
+                      </m:oMathParaPr>
+                      <m:oMath xmlns:m="http://schemas.openxmlformats.org/officeDocument/2006/math">
+                        <m:r>
+                          <a:rPr lang="de-DE" b="0" i="1" smtClean="0">
+                            <a:solidFill>
+                              <a:srgbClr val="006600"/>
+                            </a:solidFill>
+                            <a:latin typeface="Cambria Math" panose="02040503050406030204" pitchFamily="18" charset="0"/>
+                          </a:rPr>
+                          <m:t>𝑝</m:t>
+                        </m:r>
+                      </m:oMath>
+                    </m:oMathPara>
+                  </a14:m>
+                  <a:endParaRPr lang="en-GB" dirty="0">
+                    <a:solidFill>
+                      <a:srgbClr val="006600"/>
+                    </a:solidFill>
+                  </a:endParaRPr>
+                </a:p>
+              </p:txBody>
+            </p:sp>
+          </mc:Choice>
+          <mc:Fallback>
+            <p:sp>
+              <p:nvSpPr>
+                <p:cNvPr id="19" name="Textfeld 18"/>
+                <p:cNvSpPr txBox="1">
+                  <a:spLocks noRot="1" noChangeAspect="1" noMove="1" noResize="1" noEditPoints="1" noAdjustHandles="1" noChangeArrowheads="1" noChangeShapeType="1" noTextEdit="1"/>
+                </p:cNvSpPr>
+                <p:nvPr/>
+              </p:nvSpPr>
+              <p:spPr>
+                <a:xfrm>
+                  <a:off x="7197189" y="1969664"/>
+                  <a:ext cx="368626" cy="369332"/>
+                </a:xfrm>
+                <a:prstGeom prst="rect">
+                  <a:avLst/>
+                </a:prstGeom>
+                <a:blipFill rotWithShape="0">
+                  <a:blip r:embed="rId7"/>
+                  <a:stretch>
+                    <a:fillRect b="-6557"/>
+                  </a:stretch>
+                </a:blipFill>
+              </p:spPr>
+              <p:txBody>
+                <a:bodyPr/>
+                <a:lstStyle/>
+                <a:p>
+                  <a:r>
+                    <a:rPr lang="en-GB">
+                      <a:noFill/>
+                    </a:rPr>
+                    <a:t> </a:t>
+                  </a:r>
+                </a:p>
+              </p:txBody>
+            </p:sp>
+          </mc:Fallback>
+        </mc:AlternateContent>
+      </p:grpSp>
+      <p:grpSp>
+        <p:nvGrpSpPr>
+          <p:cNvPr id="33" name="Gruppieren 32"/>
+          <p:cNvGrpSpPr/>
+          <p:nvPr/>
+        </p:nvGrpSpPr>
+        <p:grpSpPr>
+          <a:xfrm>
+            <a:off x="5826996" y="3130682"/>
+            <a:ext cx="1738819" cy="729121"/>
+            <a:chOff x="5826996" y="2348257"/>
+            <a:chExt cx="1738819" cy="729121"/>
+          </a:xfrm>
+        </p:grpSpPr>
+        <p:sp>
+          <p:nvSpPr>
+            <p:cNvPr id="10" name="Ellipse 9"/>
+            <p:cNvSpPr/>
+            <p:nvPr/>
+          </p:nvSpPr>
+          <p:spPr>
+            <a:xfrm>
+              <a:off x="5937184" y="2686400"/>
+              <a:ext cx="147610" cy="147610"/>
+            </a:xfrm>
+            <a:prstGeom prst="ellipse">
+              <a:avLst/>
+            </a:prstGeom>
+            <a:solidFill>
+              <a:schemeClr val="tx1"/>
+            </a:solidFill>
+            <a:ln>
+              <a:noFill/>
+            </a:ln>
+          </p:spPr>
+          <p:style>
+            <a:lnRef idx="2">
+              <a:schemeClr val="accent1">
+                <a:shade val="50000"/>
+              </a:schemeClr>
+            </a:lnRef>
+            <a:fillRef idx="1">
+              <a:schemeClr val="accent1"/>
+            </a:fillRef>
+            <a:effectRef idx="0">
+              <a:schemeClr val="accent1"/>
+            </a:effectRef>
+            <a:fontRef idx="minor">
+              <a:schemeClr val="lt1"/>
+            </a:fontRef>
+          </p:style>
+          <p:txBody>
+            <a:bodyPr rtlCol="0" anchor="ctr"/>
+            <a:lstStyle/>
+            <a:p>
+              <a:pPr algn="ctr"/>
+              <a:endParaRPr lang="en-GB"/>
+            </a:p>
+          </p:txBody>
+        </p:sp>
+        <mc:AlternateContent xmlns:mc="http://schemas.openxmlformats.org/markup-compatibility/2006">
+          <mc:Choice xmlns:a14="http://schemas.microsoft.com/office/drawing/2010/main" Requires="a14">
+            <p:sp>
+              <p:nvSpPr>
+                <p:cNvPr id="11" name="Textfeld 10"/>
+                <p:cNvSpPr txBox="1"/>
+                <p:nvPr/>
+              </p:nvSpPr>
+              <p:spPr>
+                <a:xfrm>
+                  <a:off x="5826996" y="2348257"/>
+                  <a:ext cx="367985" cy="369332"/>
+                </a:xfrm>
+                <a:prstGeom prst="rect">
+                  <a:avLst/>
+                </a:prstGeom>
+                <a:noFill/>
+              </p:spPr>
+              <p:txBody>
+                <a:bodyPr wrap="none" rtlCol="0">
+                  <a:spAutoFit/>
+                </a:bodyPr>
+                <a:lstStyle/>
+                <a:p>
+                  <a:pPr/>
+                  <a14:m>
+                    <m:oMathPara xmlns:m="http://schemas.openxmlformats.org/officeDocument/2006/math">
+                      <m:oMathParaPr>
+                        <m:jc m:val="centerGroup"/>
+                      </m:oMathParaPr>
+                      <m:oMath xmlns:m="http://schemas.openxmlformats.org/officeDocument/2006/math">
+                        <m:r>
+                          <a:rPr lang="de-DE" b="0" i="1" dirty="0" smtClean="0">
+                            <a:solidFill>
+                              <a:prstClr val="black"/>
+                            </a:solidFill>
+                            <a:latin typeface="Cambria Math" panose="02040503050406030204" pitchFamily="18" charset="0"/>
+                            <a:ea typeface="Cambria Math" panose="02040503050406030204" pitchFamily="18" charset="0"/>
+                            <a:cs typeface="Courier New" panose="02070309020205020404" pitchFamily="49" charset="0"/>
+                          </a:rPr>
+                          <m:t>𝑜</m:t>
+                        </m:r>
+                      </m:oMath>
+                    </m:oMathPara>
+                  </a14:m>
+                  <a:endParaRPr lang="en-GB" dirty="0"/>
+                </a:p>
+              </p:txBody>
+            </p:sp>
+          </mc:Choice>
+          <mc:Fallback>
+            <p:sp>
+              <p:nvSpPr>
+                <p:cNvPr id="11" name="Textfeld 10"/>
+                <p:cNvSpPr txBox="1">
+                  <a:spLocks noRot="1" noChangeAspect="1" noMove="1" noResize="1" noEditPoints="1" noAdjustHandles="1" noChangeArrowheads="1" noChangeShapeType="1" noTextEdit="1"/>
+                </p:cNvSpPr>
+                <p:nvPr/>
+              </p:nvSpPr>
+              <p:spPr>
+                <a:xfrm>
+                  <a:off x="5826996" y="2348257"/>
+                  <a:ext cx="367985" cy="369332"/>
+                </a:xfrm>
+                <a:prstGeom prst="rect">
+                  <a:avLst/>
+                </a:prstGeom>
+                <a:blipFill rotWithShape="0">
+                  <a:blip r:embed="rId8"/>
+                  <a:stretch>
+                    <a:fillRect/>
+                  </a:stretch>
+                </a:blipFill>
+              </p:spPr>
+              <p:txBody>
+                <a:bodyPr/>
+                <a:lstStyle/>
+                <a:p>
+                  <a:r>
+                    <a:rPr lang="en-GB">
+                      <a:noFill/>
+                    </a:rPr>
+                    <a:t> </a:t>
+                  </a:r>
+                </a:p>
+              </p:txBody>
+            </p:sp>
+          </mc:Fallback>
+        </mc:AlternateContent>
+        <p:cxnSp>
+          <p:nvCxnSpPr>
+            <p:cNvPr id="14" name="Gerade Verbindung mit Pfeil 13"/>
+            <p:cNvCxnSpPr/>
+            <p:nvPr/>
+          </p:nvCxnSpPr>
+          <p:spPr>
+            <a:xfrm flipV="1">
+              <a:off x="7565815" y="2768022"/>
+              <a:ext cx="0" cy="252979"/>
+            </a:xfrm>
+            <a:prstGeom prst="straightConnector1">
+              <a:avLst/>
+            </a:prstGeom>
+            <a:ln w="57150">
+              <a:solidFill>
+                <a:srgbClr val="006600"/>
+              </a:solidFill>
+              <a:tailEnd type="triangle"/>
+            </a:ln>
+          </p:spPr>
+          <p:style>
+            <a:lnRef idx="1">
+              <a:schemeClr val="accent1"/>
+            </a:lnRef>
+            <a:fillRef idx="0">
+              <a:schemeClr val="accent1"/>
+            </a:fillRef>
+            <a:effectRef idx="0">
+              <a:schemeClr val="accent1"/>
+            </a:effectRef>
+            <a:fontRef idx="minor">
+              <a:schemeClr val="tx1"/>
+            </a:fontRef>
+          </p:style>
+        </p:cxnSp>
+        <mc:AlternateContent xmlns:mc="http://schemas.openxmlformats.org/markup-compatibility/2006">
+          <mc:Choice xmlns:a14="http://schemas.microsoft.com/office/drawing/2010/main" Requires="a14">
+            <p:sp>
+              <p:nvSpPr>
+                <p:cNvPr id="20" name="Textfeld 19"/>
+                <p:cNvSpPr txBox="1"/>
+                <p:nvPr/>
+              </p:nvSpPr>
+              <p:spPr>
+                <a:xfrm>
+                  <a:off x="7197189" y="2708046"/>
+                  <a:ext cx="368626" cy="369332"/>
+                </a:xfrm>
+                <a:prstGeom prst="rect">
+                  <a:avLst/>
+                </a:prstGeom>
+                <a:noFill/>
+              </p:spPr>
+              <p:txBody>
+                <a:bodyPr wrap="none" rtlCol="0">
+                  <a:spAutoFit/>
+                </a:bodyPr>
+                <a:lstStyle/>
+                <a:p>
+                  <a:pPr/>
+                  <a14:m>
+                    <m:oMathPara xmlns:m="http://schemas.openxmlformats.org/officeDocument/2006/math">
+                      <m:oMathParaPr>
+                        <m:jc m:val="centerGroup"/>
+                      </m:oMathParaPr>
+                      <m:oMath xmlns:m="http://schemas.openxmlformats.org/officeDocument/2006/math">
+                        <m:r>
+                          <a:rPr lang="de-DE" b="0" i="1" smtClean="0">
+                            <a:solidFill>
+                              <a:srgbClr val="006600"/>
+                            </a:solidFill>
+                            <a:latin typeface="Cambria Math" panose="02040503050406030204" pitchFamily="18" charset="0"/>
+                          </a:rPr>
+                          <m:t>𝑝</m:t>
+                        </m:r>
+                      </m:oMath>
+                    </m:oMathPara>
+                  </a14:m>
+                  <a:endParaRPr lang="en-GB" dirty="0">
+                    <a:solidFill>
+                      <a:srgbClr val="006600"/>
+                    </a:solidFill>
+                  </a:endParaRPr>
+                </a:p>
+              </p:txBody>
+            </p:sp>
+          </mc:Choice>
+          <mc:Fallback>
+            <p:sp>
+              <p:nvSpPr>
+                <p:cNvPr id="20" name="Textfeld 19"/>
+                <p:cNvSpPr txBox="1">
+                  <a:spLocks noRot="1" noChangeAspect="1" noMove="1" noResize="1" noEditPoints="1" noAdjustHandles="1" noChangeArrowheads="1" noChangeShapeType="1" noTextEdit="1"/>
+                </p:cNvSpPr>
+                <p:nvPr/>
+              </p:nvSpPr>
+              <p:spPr>
+                <a:xfrm>
+                  <a:off x="7197189" y="2708046"/>
+                  <a:ext cx="368626" cy="369332"/>
+                </a:xfrm>
+                <a:prstGeom prst="rect">
+                  <a:avLst/>
+                </a:prstGeom>
+                <a:blipFill rotWithShape="0">
+                  <a:blip r:embed="rId9"/>
+                  <a:stretch>
+                    <a:fillRect b="-6667"/>
+                  </a:stretch>
+                </a:blipFill>
+              </p:spPr>
+              <p:txBody>
+                <a:bodyPr/>
+                <a:lstStyle/>
+                <a:p>
+                  <a:r>
+                    <a:rPr lang="en-GB">
+                      <a:noFill/>
+                    </a:rPr>
+                    <a:t> </a:t>
+                  </a:r>
+                </a:p>
+              </p:txBody>
+            </p:sp>
+          </mc:Fallback>
+        </mc:AlternateContent>
+      </p:grpSp>
+      <p:grpSp>
+        <p:nvGrpSpPr>
+          <p:cNvPr id="32" name="Gruppieren 31"/>
+          <p:cNvGrpSpPr/>
+          <p:nvPr/>
+        </p:nvGrpSpPr>
+        <p:grpSpPr>
+          <a:xfrm>
+            <a:off x="8310225" y="2414020"/>
+            <a:ext cx="367985" cy="483064"/>
+            <a:chOff x="8310225" y="1631595"/>
+            <a:chExt cx="367985" cy="483064"/>
+          </a:xfrm>
+        </p:grpSpPr>
+        <p:sp>
+          <p:nvSpPr>
+            <p:cNvPr id="23" name="Ellipse 22"/>
+            <p:cNvSpPr/>
+            <p:nvPr/>
+          </p:nvSpPr>
+          <p:spPr>
+            <a:xfrm>
+              <a:off x="8420413" y="1967049"/>
+              <a:ext cx="147610" cy="147610"/>
+            </a:xfrm>
+            <a:prstGeom prst="ellipse">
+              <a:avLst/>
+            </a:prstGeom>
+            <a:solidFill>
+              <a:srgbClr val="C00000"/>
+            </a:solidFill>
+            <a:ln>
+              <a:noFill/>
+            </a:ln>
+          </p:spPr>
+          <p:style>
+            <a:lnRef idx="2">
+              <a:schemeClr val="accent1">
+                <a:shade val="50000"/>
+              </a:schemeClr>
+            </a:lnRef>
+            <a:fillRef idx="1">
+              <a:schemeClr val="accent1"/>
+            </a:fillRef>
+            <a:effectRef idx="0">
+              <a:schemeClr val="accent1"/>
+            </a:effectRef>
+            <a:fontRef idx="minor">
+              <a:schemeClr val="lt1"/>
+            </a:fontRef>
+          </p:style>
+          <p:txBody>
+            <a:bodyPr rtlCol="0" anchor="ctr"/>
+            <a:lstStyle/>
+            <a:p>
+              <a:pPr algn="ctr"/>
+              <a:endParaRPr lang="en-GB"/>
+            </a:p>
+          </p:txBody>
+        </p:sp>
+        <mc:AlternateContent xmlns:mc="http://schemas.openxmlformats.org/markup-compatibility/2006">
+          <mc:Choice xmlns:a14="http://schemas.microsoft.com/office/drawing/2010/main" Requires="a14">
+            <p:sp>
+              <p:nvSpPr>
+                <p:cNvPr id="24" name="Textfeld 23"/>
+                <p:cNvSpPr txBox="1"/>
+                <p:nvPr/>
+              </p:nvSpPr>
+              <p:spPr>
+                <a:xfrm>
+                  <a:off x="8310225" y="1631595"/>
+                  <a:ext cx="367985" cy="369332"/>
+                </a:xfrm>
+                <a:prstGeom prst="rect">
+                  <a:avLst/>
+                </a:prstGeom>
+                <a:noFill/>
+              </p:spPr>
+              <p:txBody>
+                <a:bodyPr wrap="none" rtlCol="0">
+                  <a:spAutoFit/>
+                </a:bodyPr>
+                <a:lstStyle/>
+                <a:p>
+                  <a:pPr/>
+                  <a14:m>
+                    <m:oMathPara xmlns:m="http://schemas.openxmlformats.org/officeDocument/2006/math">
+                      <m:oMathParaPr>
+                        <m:jc m:val="centerGroup"/>
+                      </m:oMathParaPr>
+                      <m:oMath xmlns:m="http://schemas.openxmlformats.org/officeDocument/2006/math">
+                        <m:r>
+                          <a:rPr lang="de-DE" b="0" i="1" dirty="0" smtClean="0">
+                            <a:solidFill>
+                              <a:srgbClr val="C00000"/>
+                            </a:solidFill>
+                            <a:latin typeface="Cambria Math" panose="02040503050406030204" pitchFamily="18" charset="0"/>
+                            <a:ea typeface="Cambria Math" panose="02040503050406030204" pitchFamily="18" charset="0"/>
+                            <a:cs typeface="Courier New" panose="02070309020205020404" pitchFamily="49" charset="0"/>
+                          </a:rPr>
+                          <m:t>𝑥</m:t>
+                        </m:r>
+                      </m:oMath>
+                    </m:oMathPara>
+                  </a14:m>
+                  <a:endParaRPr lang="en-GB" dirty="0">
+                    <a:solidFill>
+                      <a:srgbClr val="C00000"/>
+                    </a:solidFill>
+                  </a:endParaRPr>
+                </a:p>
+              </p:txBody>
+            </p:sp>
+          </mc:Choice>
+          <mc:Fallback>
+            <p:sp>
+              <p:nvSpPr>
+                <p:cNvPr id="24" name="Textfeld 23"/>
+                <p:cNvSpPr txBox="1">
+                  <a:spLocks noRot="1" noChangeAspect="1" noMove="1" noResize="1" noEditPoints="1" noAdjustHandles="1" noChangeArrowheads="1" noChangeShapeType="1" noTextEdit="1"/>
+                </p:cNvSpPr>
+                <p:nvPr/>
+              </p:nvSpPr>
+              <p:spPr>
+                <a:xfrm>
+                  <a:off x="8310225" y="1631595"/>
+                  <a:ext cx="367985" cy="369332"/>
+                </a:xfrm>
+                <a:prstGeom prst="rect">
+                  <a:avLst/>
+                </a:prstGeom>
+                <a:blipFill rotWithShape="0">
+                  <a:blip r:embed="rId10"/>
+                  <a:stretch>
+                    <a:fillRect/>
+                  </a:stretch>
+                </a:blipFill>
+              </p:spPr>
+              <p:txBody>
+                <a:bodyPr/>
+                <a:lstStyle/>
+                <a:p>
+                  <a:r>
+                    <a:rPr lang="en-GB">
+                      <a:noFill/>
+                    </a:rPr>
+                    <a:t> </a:t>
+                  </a:r>
+                </a:p>
+              </p:txBody>
+            </p:sp>
+          </mc:Fallback>
+        </mc:AlternateContent>
+      </p:grpSp>
+      <p:sp>
+        <p:nvSpPr>
+          <p:cNvPr id="25" name="Freihandform 24"/>
+          <p:cNvSpPr/>
+          <p:nvPr/>
+        </p:nvSpPr>
+        <p:spPr>
+          <a:xfrm>
+            <a:off x="6089651" y="2649955"/>
+            <a:ext cx="1728004" cy="190115"/>
+          </a:xfrm>
+          <a:custGeom>
+            <a:avLst/>
+            <a:gdLst>
+              <a:gd name="connsiteX0" fmla="*/ 186267 w 550333"/>
+              <a:gd name="connsiteY0" fmla="*/ 199762 h 199762"/>
+              <a:gd name="connsiteX1" fmla="*/ 508000 w 550333"/>
+              <a:gd name="connsiteY1" fmla="*/ 81229 h 199762"/>
+              <a:gd name="connsiteX2" fmla="*/ 491067 w 550333"/>
+              <a:gd name="connsiteY2" fmla="*/ 5029 h 199762"/>
+              <a:gd name="connsiteX3" fmla="*/ 0 w 550333"/>
+              <a:gd name="connsiteY3" fmla="*/ 13495 h 199762"/>
+              <a:gd name="connsiteX0" fmla="*/ 1335617 w 1780585"/>
+              <a:gd name="connsiteY0" fmla="*/ 196911 h 196911"/>
+              <a:gd name="connsiteX1" fmla="*/ 1657350 w 1780585"/>
+              <a:gd name="connsiteY1" fmla="*/ 78378 h 196911"/>
+              <a:gd name="connsiteX2" fmla="*/ 1640417 w 1780585"/>
+              <a:gd name="connsiteY2" fmla="*/ 2178 h 196911"/>
+              <a:gd name="connsiteX3" fmla="*/ 0 w 1780585"/>
+              <a:gd name="connsiteY3" fmla="*/ 163044 h 196911"/>
+              <a:gd name="connsiteX0" fmla="*/ 1335617 w 1795325"/>
+              <a:gd name="connsiteY0" fmla="*/ 194734 h 194734"/>
+              <a:gd name="connsiteX1" fmla="*/ 1692275 w 1795325"/>
+              <a:gd name="connsiteY1" fmla="*/ 161926 h 194734"/>
+              <a:gd name="connsiteX2" fmla="*/ 1640417 w 1795325"/>
+              <a:gd name="connsiteY2" fmla="*/ 1 h 194734"/>
+              <a:gd name="connsiteX3" fmla="*/ 0 w 1795325"/>
+              <a:gd name="connsiteY3" fmla="*/ 160867 h 194734"/>
+              <a:gd name="connsiteX0" fmla="*/ 1335617 w 1828816"/>
+              <a:gd name="connsiteY0" fmla="*/ 182034 h 182034"/>
+              <a:gd name="connsiteX1" fmla="*/ 1692275 w 1828816"/>
+              <a:gd name="connsiteY1" fmla="*/ 149226 h 182034"/>
+              <a:gd name="connsiteX2" fmla="*/ 1688042 w 1828816"/>
+              <a:gd name="connsiteY2" fmla="*/ 1 h 182034"/>
+              <a:gd name="connsiteX3" fmla="*/ 0 w 1828816"/>
+              <a:gd name="connsiteY3" fmla="*/ 148167 h 182034"/>
+              <a:gd name="connsiteX0" fmla="*/ 1335617 w 1796820"/>
+              <a:gd name="connsiteY0" fmla="*/ 199472 h 199472"/>
+              <a:gd name="connsiteX1" fmla="*/ 1692275 w 1796820"/>
+              <a:gd name="connsiteY1" fmla="*/ 166664 h 199472"/>
+              <a:gd name="connsiteX2" fmla="*/ 1688042 w 1796820"/>
+              <a:gd name="connsiteY2" fmla="*/ 17439 h 199472"/>
+              <a:gd name="connsiteX3" fmla="*/ 0 w 1796820"/>
+              <a:gd name="connsiteY3" fmla="*/ 165605 h 199472"/>
+              <a:gd name="connsiteX0" fmla="*/ 1335617 w 1797703"/>
+              <a:gd name="connsiteY0" fmla="*/ 199472 h 199472"/>
+              <a:gd name="connsiteX1" fmla="*/ 1692275 w 1797703"/>
+              <a:gd name="connsiteY1" fmla="*/ 166664 h 199472"/>
+              <a:gd name="connsiteX2" fmla="*/ 1688042 w 1797703"/>
+              <a:gd name="connsiteY2" fmla="*/ 17439 h 199472"/>
+              <a:gd name="connsiteX3" fmla="*/ 0 w 1797703"/>
+              <a:gd name="connsiteY3" fmla="*/ 165605 h 199472"/>
+              <a:gd name="connsiteX0" fmla="*/ 1335617 w 1797703"/>
+              <a:gd name="connsiteY0" fmla="*/ 199472 h 201160"/>
+              <a:gd name="connsiteX1" fmla="*/ 1692275 w 1797703"/>
+              <a:gd name="connsiteY1" fmla="*/ 166664 h 201160"/>
+              <a:gd name="connsiteX2" fmla="*/ 1688042 w 1797703"/>
+              <a:gd name="connsiteY2" fmla="*/ 17439 h 201160"/>
+              <a:gd name="connsiteX3" fmla="*/ 0 w 1797703"/>
+              <a:gd name="connsiteY3" fmla="*/ 165605 h 201160"/>
+              <a:gd name="connsiteX0" fmla="*/ 1335617 w 1793377"/>
+              <a:gd name="connsiteY0" fmla="*/ 199472 h 201902"/>
+              <a:gd name="connsiteX1" fmla="*/ 1692275 w 1793377"/>
+              <a:gd name="connsiteY1" fmla="*/ 166664 h 201902"/>
+              <a:gd name="connsiteX2" fmla="*/ 1688042 w 1793377"/>
+              <a:gd name="connsiteY2" fmla="*/ 17439 h 201902"/>
+              <a:gd name="connsiteX3" fmla="*/ 0 w 1793377"/>
+              <a:gd name="connsiteY3" fmla="*/ 165605 h 201902"/>
+              <a:gd name="connsiteX0" fmla="*/ 1335617 w 1732339"/>
+              <a:gd name="connsiteY0" fmla="*/ 189870 h 192300"/>
+              <a:gd name="connsiteX1" fmla="*/ 1692275 w 1732339"/>
+              <a:gd name="connsiteY1" fmla="*/ 157062 h 192300"/>
+              <a:gd name="connsiteX2" fmla="*/ 1688042 w 1732339"/>
+              <a:gd name="connsiteY2" fmla="*/ 7837 h 192300"/>
+              <a:gd name="connsiteX3" fmla="*/ 0 w 1732339"/>
+              <a:gd name="connsiteY3" fmla="*/ 156003 h 192300"/>
+              <a:gd name="connsiteX0" fmla="*/ 1488017 w 1728004"/>
+              <a:gd name="connsiteY0" fmla="*/ 189870 h 190115"/>
+              <a:gd name="connsiteX1" fmla="*/ 1692275 w 1728004"/>
+              <a:gd name="connsiteY1" fmla="*/ 157062 h 190115"/>
+              <a:gd name="connsiteX2" fmla="*/ 1688042 w 1728004"/>
+              <a:gd name="connsiteY2" fmla="*/ 7837 h 190115"/>
+              <a:gd name="connsiteX3" fmla="*/ 0 w 1728004"/>
+              <a:gd name="connsiteY3" fmla="*/ 156003 h 190115"/>
+            </a:gdLst>
+            <a:ahLst/>
+            <a:cxnLst>
+              <a:cxn ang="0">
+                <a:pos x="connsiteX0" y="connsiteY0"/>
+              </a:cxn>
+              <a:cxn ang="0">
+                <a:pos x="connsiteX1" y="connsiteY1"/>
+              </a:cxn>
+              <a:cxn ang="0">
+                <a:pos x="connsiteX2" y="connsiteY2"/>
+              </a:cxn>
+              <a:cxn ang="0">
+                <a:pos x="connsiteX3" y="connsiteY3"/>
+              </a:cxn>
+            </a:cxnLst>
+            <a:rect l="l" t="t" r="r" b="b"/>
+            <a:pathLst>
+              <a:path w="1728004" h="190115">
+                <a:moveTo>
+                  <a:pt x="1488017" y="189870"/>
+                </a:moveTo>
+                <a:cubicBezTo>
+                  <a:pt x="1645708" y="191281"/>
+                  <a:pt x="1658938" y="187401"/>
+                  <a:pt x="1692275" y="157062"/>
+                </a:cubicBezTo>
+                <a:cubicBezTo>
+                  <a:pt x="1725612" y="126723"/>
+                  <a:pt x="1754188" y="55638"/>
+                  <a:pt x="1688042" y="7837"/>
+                </a:cubicBezTo>
+                <a:cubicBezTo>
+                  <a:pt x="1621896" y="-39964"/>
+                  <a:pt x="203200" y="146125"/>
+                  <a:pt x="0" y="156003"/>
+                </a:cubicBezTo>
+              </a:path>
+            </a:pathLst>
+          </a:custGeom>
+          <a:noFill/>
+          <a:ln w="28575">
+            <a:solidFill>
+              <a:schemeClr val="tx1"/>
+            </a:solidFill>
+            <a:headEnd type="none" w="med" len="med"/>
+            <a:tailEnd type="triangle" w="med" len="med"/>
+          </a:ln>
+        </p:spPr>
+        <p:style>
+          <a:lnRef idx="2">
+            <a:schemeClr val="accent1">
+              <a:shade val="50000"/>
+            </a:schemeClr>
+          </a:lnRef>
+          <a:fillRef idx="1">
+            <a:schemeClr val="accent1"/>
+          </a:fillRef>
+          <a:effectRef idx="0">
+            <a:schemeClr val="accent1"/>
+          </a:effectRef>
+          <a:fontRef idx="minor">
+            <a:schemeClr val="lt1"/>
+          </a:fontRef>
+        </p:style>
+        <p:txBody>
+          <a:bodyPr rtlCol="0" anchor="ctr"/>
+          <a:lstStyle/>
+          <a:p>
+            <a:pPr algn="ctr"/>
+            <a:endParaRPr lang="en-GB"/>
+          </a:p>
+        </p:txBody>
+      </p:sp>
+      <p:grpSp>
+        <p:nvGrpSpPr>
+          <p:cNvPr id="34" name="Gruppieren 33"/>
+          <p:cNvGrpSpPr/>
+          <p:nvPr/>
+        </p:nvGrpSpPr>
+        <p:grpSpPr>
+          <a:xfrm>
+            <a:off x="6556370" y="3126007"/>
+            <a:ext cx="367985" cy="490428"/>
+            <a:chOff x="6556370" y="2343582"/>
+            <a:chExt cx="367985" cy="490428"/>
+          </a:xfrm>
+        </p:grpSpPr>
+        <p:sp>
+          <p:nvSpPr>
+            <p:cNvPr id="26" name="Ellipse 25"/>
+            <p:cNvSpPr/>
+            <p:nvPr/>
+          </p:nvSpPr>
+          <p:spPr>
+            <a:xfrm>
+              <a:off x="6666558" y="2686400"/>
+              <a:ext cx="147610" cy="147610"/>
+            </a:xfrm>
+            <a:prstGeom prst="ellipse">
+              <a:avLst/>
+            </a:prstGeom>
+            <a:solidFill>
+              <a:srgbClr val="C00000"/>
+            </a:solidFill>
+            <a:ln>
+              <a:noFill/>
+            </a:ln>
+          </p:spPr>
+          <p:style>
+            <a:lnRef idx="2">
+              <a:schemeClr val="accent1">
+                <a:shade val="50000"/>
+              </a:schemeClr>
+            </a:lnRef>
+            <a:fillRef idx="1">
+              <a:schemeClr val="accent1"/>
+            </a:fillRef>
+            <a:effectRef idx="0">
+              <a:schemeClr val="accent1"/>
+            </a:effectRef>
+            <a:fontRef idx="minor">
+              <a:schemeClr val="lt1"/>
+            </a:fontRef>
+          </p:style>
+          <p:txBody>
+            <a:bodyPr rtlCol="0" anchor="ctr"/>
+            <a:lstStyle/>
+            <a:p>
+              <a:pPr algn="ctr"/>
+              <a:endParaRPr lang="en-GB"/>
+            </a:p>
+          </p:txBody>
+        </p:sp>
+        <mc:AlternateContent xmlns:mc="http://schemas.openxmlformats.org/markup-compatibility/2006">
+          <mc:Choice xmlns:a14="http://schemas.microsoft.com/office/drawing/2010/main" Requires="a14">
+            <p:sp>
+              <p:nvSpPr>
+                <p:cNvPr id="27" name="Textfeld 26"/>
+                <p:cNvSpPr txBox="1"/>
+                <p:nvPr/>
+              </p:nvSpPr>
+              <p:spPr>
+                <a:xfrm>
+                  <a:off x="6556370" y="2343582"/>
+                  <a:ext cx="367985" cy="369332"/>
+                </a:xfrm>
+                <a:prstGeom prst="rect">
+                  <a:avLst/>
+                </a:prstGeom>
+                <a:noFill/>
+              </p:spPr>
+              <p:txBody>
+                <a:bodyPr wrap="none" rtlCol="0">
+                  <a:spAutoFit/>
+                </a:bodyPr>
+                <a:lstStyle/>
+                <a:p>
+                  <a:pPr/>
+                  <a14:m>
+                    <m:oMathPara xmlns:m="http://schemas.openxmlformats.org/officeDocument/2006/math">
+                      <m:oMathParaPr>
+                        <m:jc m:val="centerGroup"/>
+                      </m:oMathParaPr>
+                      <m:oMath xmlns:m="http://schemas.openxmlformats.org/officeDocument/2006/math">
+                        <m:r>
+                          <a:rPr lang="de-DE" b="0" i="1" dirty="0" smtClean="0">
+                            <a:solidFill>
+                              <a:srgbClr val="C00000"/>
+                            </a:solidFill>
+                            <a:latin typeface="Cambria Math" panose="02040503050406030204" pitchFamily="18" charset="0"/>
+                            <a:ea typeface="Cambria Math" panose="02040503050406030204" pitchFamily="18" charset="0"/>
+                            <a:cs typeface="Courier New" panose="02070309020205020404" pitchFamily="49" charset="0"/>
+                          </a:rPr>
+                          <m:t>𝑥</m:t>
+                        </m:r>
+                      </m:oMath>
+                    </m:oMathPara>
+                  </a14:m>
+                  <a:endParaRPr lang="en-GB" dirty="0">
+                    <a:solidFill>
+                      <a:srgbClr val="C00000"/>
+                    </a:solidFill>
+                  </a:endParaRPr>
+                </a:p>
+              </p:txBody>
+            </p:sp>
+          </mc:Choice>
+          <mc:Fallback>
+            <p:sp>
+              <p:nvSpPr>
+                <p:cNvPr id="27" name="Textfeld 26"/>
+                <p:cNvSpPr txBox="1">
+                  <a:spLocks noRot="1" noChangeAspect="1" noMove="1" noResize="1" noEditPoints="1" noAdjustHandles="1" noChangeArrowheads="1" noChangeShapeType="1" noTextEdit="1"/>
+                </p:cNvSpPr>
+                <p:nvPr/>
+              </p:nvSpPr>
+              <p:spPr>
+                <a:xfrm>
+                  <a:off x="6556370" y="2343582"/>
+                  <a:ext cx="367985" cy="369332"/>
+                </a:xfrm>
+                <a:prstGeom prst="rect">
+                  <a:avLst/>
+                </a:prstGeom>
+                <a:blipFill rotWithShape="0">
+                  <a:blip r:embed="rId11"/>
+                  <a:stretch>
+                    <a:fillRect/>
+                  </a:stretch>
+                </a:blipFill>
+              </p:spPr>
+              <p:txBody>
+                <a:bodyPr/>
+                <a:lstStyle/>
+                <a:p>
+                  <a:r>
+                    <a:rPr lang="en-GB">
+                      <a:noFill/>
+                    </a:rPr>
+                    <a:t> </a:t>
+                  </a:r>
+                </a:p>
+              </p:txBody>
+            </p:sp>
+          </mc:Fallback>
+        </mc:AlternateContent>
+      </p:grpSp>
+      <mc:AlternateContent xmlns:mc="http://schemas.openxmlformats.org/markup-compatibility/2006">
+        <mc:Choice xmlns:a14="http://schemas.microsoft.com/office/drawing/2010/main" Requires="a14">
+          <p:sp>
+            <p:nvSpPr>
+              <p:cNvPr id="35" name="Textfeld 34"/>
+              <p:cNvSpPr txBox="1"/>
+              <p:nvPr/>
+            </p:nvSpPr>
+            <p:spPr>
+              <a:xfrm>
+                <a:off x="317599" y="4708988"/>
+                <a:ext cx="6731907" cy="523220"/>
+              </a:xfrm>
+              <a:prstGeom prst="rect">
+                <a:avLst/>
+              </a:prstGeom>
+              <a:noFill/>
+            </p:spPr>
+            <p:txBody>
+              <a:bodyPr wrap="none" rtlCol="0">
+                <a:spAutoFit/>
+              </a:bodyPr>
+              <a:lstStyle/>
+              <a:p>
+                <a:r>
+                  <a:rPr lang="en-GB" sz="2800" cap="small" dirty="0" smtClean="0">
+                    <a:effectLst>
+                      <a:outerShdw blurRad="38100" dist="38100" dir="2700000" algn="tl">
+                        <a:srgbClr val="000000">
+                          <a:alpha val="43137"/>
+                        </a:srgbClr>
+                      </a:outerShdw>
+                    </a:effectLst>
+                  </a:rPr>
+                  <a:t>Goal:</a:t>
+                </a:r>
+                <a:r>
+                  <a:rPr lang="en-GB" sz="2800" cap="small" dirty="0" smtClean="0"/>
+                  <a:t> 	</a:t>
+                </a:r>
+                <a:r>
+                  <a:rPr lang="en-GB" sz="2800" cap="small" dirty="0" smtClean="0"/>
+                  <a:t>	</a:t>
+                </a:r>
+                <a:r>
+                  <a:rPr lang="en-GB" sz="2800" cap="small" dirty="0" err="1" smtClean="0"/>
+                  <a:t>pah</a:t>
+                </a:r>
+                <a:r>
+                  <a:rPr lang="en-GB" sz="2800" dirty="0" smtClean="0"/>
+                  <a:t> </a:t>
+                </a:r>
+                <a:r>
+                  <a:rPr lang="en-GB" sz="2800" dirty="0" smtClean="0"/>
+                  <a:t>is </a:t>
+                </a:r>
+                <a14:m>
+                  <m:oMath xmlns:m="http://schemas.openxmlformats.org/officeDocument/2006/math">
+                    <m:r>
+                      <a:rPr lang="en-GB" sz="2800" i="1" dirty="0" smtClean="0">
+                        <a:latin typeface="Cambria Math" panose="02040503050406030204" pitchFamily="18" charset="0"/>
+                      </a:rPr>
+                      <m:t>2</m:t>
+                    </m:r>
+                  </m:oMath>
+                </a14:m>
+                <a:r>
+                  <a:rPr lang="en-GB" sz="2800" dirty="0" smtClean="0"/>
+                  <a:t>-competitive</a:t>
+                </a:r>
+                <a:r>
+                  <a:rPr lang="en-GB" sz="2800" dirty="0" smtClean="0"/>
+                  <a:t> for H-OLTSP</a:t>
+                </a:r>
+                <a:endParaRPr lang="en-GB" sz="2800" dirty="0"/>
+              </a:p>
+            </p:txBody>
+          </p:sp>
+        </mc:Choice>
+        <mc:Fallback>
+          <p:sp>
+            <p:nvSpPr>
+              <p:cNvPr id="35" name="Textfeld 34"/>
+              <p:cNvSpPr txBox="1">
+                <a:spLocks noRot="1" noChangeAspect="1" noMove="1" noResize="1" noEditPoints="1" noAdjustHandles="1" noChangeArrowheads="1" noChangeShapeType="1" noTextEdit="1"/>
+              </p:cNvSpPr>
+              <p:nvPr/>
+            </p:nvSpPr>
+            <p:spPr>
+              <a:xfrm>
+                <a:off x="317599" y="4708988"/>
+                <a:ext cx="6731907" cy="523220"/>
+              </a:xfrm>
+              <a:prstGeom prst="rect">
+                <a:avLst/>
+              </a:prstGeom>
+              <a:blipFill rotWithShape="0">
+                <a:blip r:embed="rId12"/>
+                <a:stretch>
+                  <a:fillRect l="-1902" t="-11628" r="-815" b="-39535"/>
+                </a:stretch>
+              </a:blipFill>
+            </p:spPr>
+            <p:txBody>
+              <a:bodyPr/>
+              <a:lstStyle/>
+              <a:p>
+                <a:r>
+                  <a:rPr lang="en-GB">
+                    <a:noFill/>
+                  </a:rPr>
+                  <a:t> </a:t>
+                </a:r>
+              </a:p>
+            </p:txBody>
+          </p:sp>
+        </mc:Fallback>
+      </mc:AlternateContent>
+      <mc:AlternateContent xmlns:mc="http://schemas.openxmlformats.org/markup-compatibility/2006">
+        <mc:Choice xmlns:a14="http://schemas.microsoft.com/office/drawing/2010/main" Requires="a14">
+          <p:sp>
+            <p:nvSpPr>
+              <p:cNvPr id="36" name="Textfeld 35"/>
+              <p:cNvSpPr txBox="1"/>
+              <p:nvPr/>
+            </p:nvSpPr>
+            <p:spPr>
+              <a:xfrm>
+                <a:off x="317599" y="914696"/>
+                <a:ext cx="5808000" cy="461665"/>
+              </a:xfrm>
+              <a:prstGeom prst="rect">
+                <a:avLst/>
+              </a:prstGeom>
+              <a:noFill/>
+            </p:spPr>
+            <p:txBody>
+              <a:bodyPr wrap="none" rtlCol="0">
+                <a:spAutoFit/>
+              </a:bodyPr>
+              <a:lstStyle/>
+              <a:p>
+                <a14:m>
+                  <m:oMath xmlns:m="http://schemas.openxmlformats.org/officeDocument/2006/math">
+                    <m:r>
+                      <a:rPr lang="en-GB" sz="2400" i="1" dirty="0" smtClean="0">
+                        <a:latin typeface="Cambria Math" panose="02040503050406030204" pitchFamily="18" charset="0"/>
+                      </a:rPr>
+                      <m:t>𝑈</m:t>
+                    </m:r>
+                    <m:r>
+                      <a:rPr lang="de-DE" sz="2400" b="0" i="1" dirty="0" smtClean="0">
+                        <a:latin typeface="Cambria Math" panose="02040503050406030204" pitchFamily="18" charset="0"/>
+                      </a:rPr>
+                      <m:t>≔</m:t>
+                    </m:r>
+                  </m:oMath>
+                </a14:m>
+                <a:r>
+                  <a:rPr lang="en-GB" sz="2400" dirty="0" smtClean="0"/>
+                  <a:t> places yet to visit, </a:t>
+                </a:r>
+                <a14:m>
+                  <m:oMath xmlns:m="http://schemas.openxmlformats.org/officeDocument/2006/math">
+                    <m:r>
+                      <a:rPr lang="en-GB" sz="2400" i="1" dirty="0" smtClean="0">
+                        <a:latin typeface="Cambria Math" panose="02040503050406030204" pitchFamily="18" charset="0"/>
+                      </a:rPr>
+                      <m:t>𝐼</m:t>
+                    </m:r>
+                    <m:r>
+                      <a:rPr lang="de-DE" sz="2400" b="0" i="1" dirty="0" smtClean="0">
+                        <a:latin typeface="Cambria Math" panose="02040503050406030204" pitchFamily="18" charset="0"/>
+                      </a:rPr>
+                      <m:t>≔</m:t>
+                    </m:r>
+                  </m:oMath>
+                </a14:m>
+                <a:r>
+                  <a:rPr lang="en-GB" sz="2400" dirty="0" smtClean="0"/>
+                  <a:t> ignored requests</a:t>
+                </a:r>
+                <a:endParaRPr lang="en-GB" sz="2400" dirty="0"/>
+              </a:p>
+            </p:txBody>
+          </p:sp>
+        </mc:Choice>
+        <mc:Fallback>
+          <p:sp>
+            <p:nvSpPr>
+              <p:cNvPr id="36" name="Textfeld 35"/>
+              <p:cNvSpPr txBox="1">
+                <a:spLocks noRot="1" noChangeAspect="1" noMove="1" noResize="1" noEditPoints="1" noAdjustHandles="1" noChangeArrowheads="1" noChangeShapeType="1" noTextEdit="1"/>
+              </p:cNvSpPr>
+              <p:nvPr/>
+            </p:nvSpPr>
+            <p:spPr>
+              <a:xfrm>
+                <a:off x="317599" y="914696"/>
+                <a:ext cx="5808000" cy="461665"/>
+              </a:xfrm>
+              <a:prstGeom prst="rect">
+                <a:avLst/>
+              </a:prstGeom>
+              <a:blipFill rotWithShape="0">
+                <a:blip r:embed="rId13"/>
+                <a:stretch>
+                  <a:fillRect l="-210" t="-10526" r="-630" b="-28947"/>
+                </a:stretch>
+              </a:blipFill>
+            </p:spPr>
+            <p:txBody>
+              <a:bodyPr/>
+              <a:lstStyle/>
+              <a:p>
+                <a:r>
+                  <a:rPr lang="en-GB">
+                    <a:noFill/>
+                  </a:rPr>
+                  <a:t> </a:t>
+                </a:r>
+              </a:p>
+            </p:txBody>
+          </p:sp>
+        </mc:Fallback>
+      </mc:AlternateContent>
     </p:spTree>
     <p:extLst>
       <p:ext uri="{BB962C8B-B14F-4D97-AF65-F5344CB8AC3E}">
@@ -7363,9 +9570,721 @@
   <p:timing>
     <p:tnLst>
       <p:par>
-        <p:cTn id="1" dur="indefinite" restart="never" nodeType="tmRoot"/>
+        <p:cTn id="1" dur="indefinite" restart="never" nodeType="tmRoot">
+          <p:childTnLst>
+            <p:seq concurrent="1" nextAc="seek">
+              <p:cTn id="2" dur="indefinite" nodeType="mainSeq">
+                <p:childTnLst>
+                  <p:par>
+                    <p:cTn id="3" fill="hold">
+                      <p:stCondLst>
+                        <p:cond delay="indefinite"/>
+                      </p:stCondLst>
+                      <p:childTnLst>
+                        <p:par>
+                          <p:cTn id="4" fill="hold">
+                            <p:stCondLst>
+                              <p:cond delay="0"/>
+                            </p:stCondLst>
+                            <p:childTnLst>
+                              <p:par>
+                                <p:cTn id="5" presetID="10" presetClass="entr" presetSubtype="0" fill="hold" nodeType="clickEffect">
+                                  <p:stCondLst>
+                                    <p:cond delay="0"/>
+                                  </p:stCondLst>
+                                  <p:childTnLst>
+                                    <p:set>
+                                      <p:cBhvr>
+                                        <p:cTn id="6" dur="1" fill="hold">
+                                          <p:stCondLst>
+                                            <p:cond delay="0"/>
+                                          </p:stCondLst>
+                                        </p:cTn>
+                                        <p:tgtEl>
+                                          <p:spTgt spid="30"/>
+                                        </p:tgtEl>
+                                        <p:attrNameLst>
+                                          <p:attrName>style.visibility</p:attrName>
+                                        </p:attrNameLst>
+                                      </p:cBhvr>
+                                      <p:to>
+                                        <p:strVal val="visible"/>
+                                      </p:to>
+                                    </p:set>
+                                    <p:animEffect transition="in" filter="fade">
+                                      <p:cBhvr>
+                                        <p:cTn id="7" dur="500"/>
+                                        <p:tgtEl>
+                                          <p:spTgt spid="30"/>
+                                        </p:tgtEl>
+                                      </p:cBhvr>
+                                    </p:animEffect>
+                                  </p:childTnLst>
+                                </p:cTn>
+                              </p:par>
+                            </p:childTnLst>
+                          </p:cTn>
+                        </p:par>
+                      </p:childTnLst>
+                    </p:cTn>
+                  </p:par>
+                  <p:par>
+                    <p:cTn id="8" fill="hold">
+                      <p:stCondLst>
+                        <p:cond delay="indefinite"/>
+                      </p:stCondLst>
+                      <p:childTnLst>
+                        <p:par>
+                          <p:cTn id="9" fill="hold">
+                            <p:stCondLst>
+                              <p:cond delay="0"/>
+                            </p:stCondLst>
+                            <p:childTnLst>
+                              <p:par>
+                                <p:cTn id="10" presetID="10" presetClass="entr" presetSubtype="0" fill="hold" grpId="0" nodeType="clickEffect">
+                                  <p:stCondLst>
+                                    <p:cond delay="0"/>
+                                  </p:stCondLst>
+                                  <p:childTnLst>
+                                    <p:set>
+                                      <p:cBhvr>
+                                        <p:cTn id="11" dur="1" fill="hold">
+                                          <p:stCondLst>
+                                            <p:cond delay="0"/>
+                                          </p:stCondLst>
+                                        </p:cTn>
+                                        <p:tgtEl>
+                                          <p:spTgt spid="21"/>
+                                        </p:tgtEl>
+                                        <p:attrNameLst>
+                                          <p:attrName>style.visibility</p:attrName>
+                                        </p:attrNameLst>
+                                      </p:cBhvr>
+                                      <p:to>
+                                        <p:strVal val="visible"/>
+                                      </p:to>
+                                    </p:set>
+                                    <p:animEffect transition="in" filter="fade">
+                                      <p:cBhvr>
+                                        <p:cTn id="12" dur="750"/>
+                                        <p:tgtEl>
+                                          <p:spTgt spid="21"/>
+                                        </p:tgtEl>
+                                      </p:cBhvr>
+                                    </p:animEffect>
+                                  </p:childTnLst>
+                                </p:cTn>
+                              </p:par>
+                            </p:childTnLst>
+                          </p:cTn>
+                        </p:par>
+                        <p:par>
+                          <p:cTn id="13" fill="hold">
+                            <p:stCondLst>
+                              <p:cond delay="750"/>
+                            </p:stCondLst>
+                            <p:childTnLst>
+                              <p:par>
+                                <p:cTn id="14" presetID="1" presetClass="entr" presetSubtype="0" fill="hold" nodeType="afterEffect">
+                                  <p:stCondLst>
+                                    <p:cond delay="500"/>
+                                  </p:stCondLst>
+                                  <p:childTnLst>
+                                    <p:set>
+                                      <p:cBhvr>
+                                        <p:cTn id="15" dur="1" fill="hold">
+                                          <p:stCondLst>
+                                            <p:cond delay="0"/>
+                                          </p:stCondLst>
+                                        </p:cTn>
+                                        <p:tgtEl>
+                                          <p:spTgt spid="4">
+                                            <p:txEl>
+                                              <p:pRg st="0" end="0"/>
+                                            </p:txEl>
+                                          </p:spTgt>
+                                        </p:tgtEl>
+                                        <p:attrNameLst>
+                                          <p:attrName>style.visibility</p:attrName>
+                                        </p:attrNameLst>
+                                      </p:cBhvr>
+                                      <p:to>
+                                        <p:strVal val="visible"/>
+                                      </p:to>
+                                    </p:set>
+                                  </p:childTnLst>
+                                </p:cTn>
+                              </p:par>
+                            </p:childTnLst>
+                          </p:cTn>
+                        </p:par>
+                      </p:childTnLst>
+                    </p:cTn>
+                  </p:par>
+                  <p:par>
+                    <p:cTn id="16" fill="hold">
+                      <p:stCondLst>
+                        <p:cond delay="indefinite"/>
+                      </p:stCondLst>
+                      <p:childTnLst>
+                        <p:par>
+                          <p:cTn id="17" fill="hold">
+                            <p:stCondLst>
+                              <p:cond delay="0"/>
+                            </p:stCondLst>
+                            <p:childTnLst>
+                              <p:par>
+                                <p:cTn id="18" presetID="1" presetClass="entr" presetSubtype="0" fill="hold" nodeType="clickEffect">
+                                  <p:stCondLst>
+                                    <p:cond delay="0"/>
+                                  </p:stCondLst>
+                                  <p:childTnLst>
+                                    <p:set>
+                                      <p:cBhvr>
+                                        <p:cTn id="19" dur="1" fill="hold">
+                                          <p:stCondLst>
+                                            <p:cond delay="0"/>
+                                          </p:stCondLst>
+                                        </p:cTn>
+                                        <p:tgtEl>
+                                          <p:spTgt spid="4">
+                                            <p:txEl>
+                                              <p:pRg st="1" end="1"/>
+                                            </p:txEl>
+                                          </p:spTgt>
+                                        </p:tgtEl>
+                                        <p:attrNameLst>
+                                          <p:attrName>style.visibility</p:attrName>
+                                        </p:attrNameLst>
+                                      </p:cBhvr>
+                                      <p:to>
+                                        <p:strVal val="visible"/>
+                                      </p:to>
+                                    </p:set>
+                                  </p:childTnLst>
+                                </p:cTn>
+                              </p:par>
+                            </p:childTnLst>
+                          </p:cTn>
+                        </p:par>
+                        <p:par>
+                          <p:cTn id="20" fill="hold">
+                            <p:stCondLst>
+                              <p:cond delay="0"/>
+                            </p:stCondLst>
+                            <p:childTnLst>
+                              <p:par>
+                                <p:cTn id="21" presetID="10" presetClass="entr" presetSubtype="0" fill="hold" nodeType="afterEffect">
+                                  <p:stCondLst>
+                                    <p:cond delay="0"/>
+                                  </p:stCondLst>
+                                  <p:childTnLst>
+                                    <p:set>
+                                      <p:cBhvr>
+                                        <p:cTn id="22" dur="1" fill="hold">
+                                          <p:stCondLst>
+                                            <p:cond delay="0"/>
+                                          </p:stCondLst>
+                                        </p:cTn>
+                                        <p:tgtEl>
+                                          <p:spTgt spid="31"/>
+                                        </p:tgtEl>
+                                        <p:attrNameLst>
+                                          <p:attrName>style.visibility</p:attrName>
+                                        </p:attrNameLst>
+                                      </p:cBhvr>
+                                      <p:to>
+                                        <p:strVal val="visible"/>
+                                      </p:to>
+                                    </p:set>
+                                    <p:animEffect transition="in" filter="fade">
+                                      <p:cBhvr>
+                                        <p:cTn id="23" dur="500"/>
+                                        <p:tgtEl>
+                                          <p:spTgt spid="31"/>
+                                        </p:tgtEl>
+                                      </p:cBhvr>
+                                    </p:animEffect>
+                                  </p:childTnLst>
+                                </p:cTn>
+                              </p:par>
+                            </p:childTnLst>
+                          </p:cTn>
+                        </p:par>
+                      </p:childTnLst>
+                    </p:cTn>
+                  </p:par>
+                  <p:par>
+                    <p:cTn id="24" fill="hold">
+                      <p:stCondLst>
+                        <p:cond delay="indefinite"/>
+                      </p:stCondLst>
+                      <p:childTnLst>
+                        <p:par>
+                          <p:cTn id="25" fill="hold">
+                            <p:stCondLst>
+                              <p:cond delay="0"/>
+                            </p:stCondLst>
+                            <p:childTnLst>
+                              <p:par>
+                                <p:cTn id="26" presetID="10" presetClass="entr" presetSubtype="0" fill="hold" nodeType="clickEffect">
+                                  <p:stCondLst>
+                                    <p:cond delay="0"/>
+                                  </p:stCondLst>
+                                  <p:childTnLst>
+                                    <p:set>
+                                      <p:cBhvr>
+                                        <p:cTn id="27" dur="1" fill="hold">
+                                          <p:stCondLst>
+                                            <p:cond delay="0"/>
+                                          </p:stCondLst>
+                                        </p:cTn>
+                                        <p:tgtEl>
+                                          <p:spTgt spid="32"/>
+                                        </p:tgtEl>
+                                        <p:attrNameLst>
+                                          <p:attrName>style.visibility</p:attrName>
+                                        </p:attrNameLst>
+                                      </p:cBhvr>
+                                      <p:to>
+                                        <p:strVal val="visible"/>
+                                      </p:to>
+                                    </p:set>
+                                    <p:animEffect transition="in" filter="fade">
+                                      <p:cBhvr>
+                                        <p:cTn id="28" dur="500"/>
+                                        <p:tgtEl>
+                                          <p:spTgt spid="32"/>
+                                        </p:tgtEl>
+                                      </p:cBhvr>
+                                    </p:animEffect>
+                                  </p:childTnLst>
+                                </p:cTn>
+                              </p:par>
+                            </p:childTnLst>
+                          </p:cTn>
+                        </p:par>
+                      </p:childTnLst>
+                    </p:cTn>
+                  </p:par>
+                  <p:par>
+                    <p:cTn id="29" fill="hold">
+                      <p:stCondLst>
+                        <p:cond delay="indefinite"/>
+                      </p:stCondLst>
+                      <p:childTnLst>
+                        <p:par>
+                          <p:cTn id="30" fill="hold">
+                            <p:stCondLst>
+                              <p:cond delay="0"/>
+                            </p:stCondLst>
+                            <p:childTnLst>
+                              <p:par>
+                                <p:cTn id="31" presetID="10" presetClass="entr" presetSubtype="0" fill="hold" grpId="0" nodeType="clickEffect">
+                                  <p:stCondLst>
+                                    <p:cond delay="0"/>
+                                  </p:stCondLst>
+                                  <p:childTnLst>
+                                    <p:set>
+                                      <p:cBhvr>
+                                        <p:cTn id="32" dur="1" fill="hold">
+                                          <p:stCondLst>
+                                            <p:cond delay="0"/>
+                                          </p:stCondLst>
+                                        </p:cTn>
+                                        <p:tgtEl>
+                                          <p:spTgt spid="25"/>
+                                        </p:tgtEl>
+                                        <p:attrNameLst>
+                                          <p:attrName>style.visibility</p:attrName>
+                                        </p:attrNameLst>
+                                      </p:cBhvr>
+                                      <p:to>
+                                        <p:strVal val="visible"/>
+                                      </p:to>
+                                    </p:set>
+                                    <p:animEffect transition="in" filter="fade">
+                                      <p:cBhvr>
+                                        <p:cTn id="33" dur="500"/>
+                                        <p:tgtEl>
+                                          <p:spTgt spid="25"/>
+                                        </p:tgtEl>
+                                      </p:cBhvr>
+                                    </p:animEffect>
+                                  </p:childTnLst>
+                                </p:cTn>
+                              </p:par>
+                            </p:childTnLst>
+                          </p:cTn>
+                        </p:par>
+                        <p:par>
+                          <p:cTn id="34" fill="hold">
+                            <p:stCondLst>
+                              <p:cond delay="500"/>
+                            </p:stCondLst>
+                            <p:childTnLst>
+                              <p:par>
+                                <p:cTn id="35" presetID="1" presetClass="entr" presetSubtype="0" fill="hold" nodeType="afterEffect">
+                                  <p:stCondLst>
+                                    <p:cond delay="500"/>
+                                  </p:stCondLst>
+                                  <p:childTnLst>
+                                    <p:set>
+                                      <p:cBhvr>
+                                        <p:cTn id="36" dur="1" fill="hold">
+                                          <p:stCondLst>
+                                            <p:cond delay="0"/>
+                                          </p:stCondLst>
+                                        </p:cTn>
+                                        <p:tgtEl>
+                                          <p:spTgt spid="4">
+                                            <p:txEl>
+                                              <p:pRg st="2" end="2"/>
+                                            </p:txEl>
+                                          </p:spTgt>
+                                        </p:tgtEl>
+                                        <p:attrNameLst>
+                                          <p:attrName>style.visibility</p:attrName>
+                                        </p:attrNameLst>
+                                      </p:cBhvr>
+                                      <p:to>
+                                        <p:strVal val="visible"/>
+                                      </p:to>
+                                    </p:set>
+                                  </p:childTnLst>
+                                </p:cTn>
+                              </p:par>
+                            </p:childTnLst>
+                          </p:cTn>
+                        </p:par>
+                      </p:childTnLst>
+                    </p:cTn>
+                  </p:par>
+                  <p:par>
+                    <p:cTn id="37" fill="hold">
+                      <p:stCondLst>
+                        <p:cond delay="indefinite"/>
+                      </p:stCondLst>
+                      <p:childTnLst>
+                        <p:par>
+                          <p:cTn id="38" fill="hold">
+                            <p:stCondLst>
+                              <p:cond delay="0"/>
+                            </p:stCondLst>
+                            <p:childTnLst>
+                              <p:par>
+                                <p:cTn id="39" presetID="10" presetClass="entr" presetSubtype="0" fill="hold" nodeType="clickEffect">
+                                  <p:stCondLst>
+                                    <p:cond delay="0"/>
+                                  </p:stCondLst>
+                                  <p:childTnLst>
+                                    <p:set>
+                                      <p:cBhvr>
+                                        <p:cTn id="40" dur="1" fill="hold">
+                                          <p:stCondLst>
+                                            <p:cond delay="0"/>
+                                          </p:stCondLst>
+                                        </p:cTn>
+                                        <p:tgtEl>
+                                          <p:spTgt spid="33"/>
+                                        </p:tgtEl>
+                                        <p:attrNameLst>
+                                          <p:attrName>style.visibility</p:attrName>
+                                        </p:attrNameLst>
+                                      </p:cBhvr>
+                                      <p:to>
+                                        <p:strVal val="visible"/>
+                                      </p:to>
+                                    </p:set>
+                                    <p:animEffect transition="in" filter="fade">
+                                      <p:cBhvr>
+                                        <p:cTn id="41" dur="500"/>
+                                        <p:tgtEl>
+                                          <p:spTgt spid="33"/>
+                                        </p:tgtEl>
+                                      </p:cBhvr>
+                                    </p:animEffect>
+                                  </p:childTnLst>
+                                </p:cTn>
+                              </p:par>
+                            </p:childTnLst>
+                          </p:cTn>
+                        </p:par>
+                      </p:childTnLst>
+                    </p:cTn>
+                  </p:par>
+                  <p:par>
+                    <p:cTn id="42" fill="hold">
+                      <p:stCondLst>
+                        <p:cond delay="indefinite"/>
+                      </p:stCondLst>
+                      <p:childTnLst>
+                        <p:par>
+                          <p:cTn id="43" fill="hold">
+                            <p:stCondLst>
+                              <p:cond delay="0"/>
+                            </p:stCondLst>
+                            <p:childTnLst>
+                              <p:par>
+                                <p:cTn id="44" presetID="10" presetClass="entr" presetSubtype="0" fill="hold" nodeType="clickEffect">
+                                  <p:stCondLst>
+                                    <p:cond delay="0"/>
+                                  </p:stCondLst>
+                                  <p:childTnLst>
+                                    <p:set>
+                                      <p:cBhvr>
+                                        <p:cTn id="45" dur="1" fill="hold">
+                                          <p:stCondLst>
+                                            <p:cond delay="0"/>
+                                          </p:stCondLst>
+                                        </p:cTn>
+                                        <p:tgtEl>
+                                          <p:spTgt spid="34"/>
+                                        </p:tgtEl>
+                                        <p:attrNameLst>
+                                          <p:attrName>style.visibility</p:attrName>
+                                        </p:attrNameLst>
+                                      </p:cBhvr>
+                                      <p:to>
+                                        <p:strVal val="visible"/>
+                                      </p:to>
+                                    </p:set>
+                                    <p:animEffect transition="in" filter="fade">
+                                      <p:cBhvr>
+                                        <p:cTn id="46" dur="500"/>
+                                        <p:tgtEl>
+                                          <p:spTgt spid="34"/>
+                                        </p:tgtEl>
+                                      </p:cBhvr>
+                                    </p:animEffect>
+                                  </p:childTnLst>
+                                </p:cTn>
+                              </p:par>
+                            </p:childTnLst>
+                          </p:cTn>
+                        </p:par>
+                      </p:childTnLst>
+                    </p:cTn>
+                  </p:par>
+                  <p:par>
+                    <p:cTn id="47" fill="hold">
+                      <p:stCondLst>
+                        <p:cond delay="indefinite"/>
+                      </p:stCondLst>
+                      <p:childTnLst>
+                        <p:par>
+                          <p:cTn id="48" fill="hold">
+                            <p:stCondLst>
+                              <p:cond delay="0"/>
+                            </p:stCondLst>
+                            <p:childTnLst>
+                              <p:par>
+                                <p:cTn id="49" presetID="10" presetClass="entr" presetSubtype="0" fill="hold" grpId="0" nodeType="clickEffect">
+                                  <p:stCondLst>
+                                    <p:cond delay="0"/>
+                                  </p:stCondLst>
+                                  <p:childTnLst>
+                                    <p:set>
+                                      <p:cBhvr>
+                                        <p:cTn id="50" dur="1" fill="hold">
+                                          <p:stCondLst>
+                                            <p:cond delay="0"/>
+                                          </p:stCondLst>
+                                        </p:cTn>
+                                        <p:tgtEl>
+                                          <p:spTgt spid="29"/>
+                                        </p:tgtEl>
+                                        <p:attrNameLst>
+                                          <p:attrName>style.visibility</p:attrName>
+                                        </p:attrNameLst>
+                                      </p:cBhvr>
+                                      <p:to>
+                                        <p:strVal val="visible"/>
+                                      </p:to>
+                                    </p:set>
+                                    <p:animEffect transition="in" filter="fade">
+                                      <p:cBhvr>
+                                        <p:cTn id="51" dur="500"/>
+                                        <p:tgtEl>
+                                          <p:spTgt spid="29"/>
+                                        </p:tgtEl>
+                                      </p:cBhvr>
+                                    </p:animEffect>
+                                  </p:childTnLst>
+                                </p:cTn>
+                              </p:par>
+                            </p:childTnLst>
+                          </p:cTn>
+                        </p:par>
+                        <p:par>
+                          <p:cTn id="52" fill="hold">
+                            <p:stCondLst>
+                              <p:cond delay="500"/>
+                            </p:stCondLst>
+                            <p:childTnLst>
+                              <p:par>
+                                <p:cTn id="53" presetID="1" presetClass="entr" presetSubtype="0" fill="hold" nodeType="afterEffect">
+                                  <p:stCondLst>
+                                    <p:cond delay="500"/>
+                                  </p:stCondLst>
+                                  <p:childTnLst>
+                                    <p:set>
+                                      <p:cBhvr>
+                                        <p:cTn id="54" dur="1" fill="hold">
+                                          <p:stCondLst>
+                                            <p:cond delay="0"/>
+                                          </p:stCondLst>
+                                        </p:cTn>
+                                        <p:tgtEl>
+                                          <p:spTgt spid="4">
+                                            <p:txEl>
+                                              <p:pRg st="3" end="3"/>
+                                            </p:txEl>
+                                          </p:spTgt>
+                                        </p:tgtEl>
+                                        <p:attrNameLst>
+                                          <p:attrName>style.visibility</p:attrName>
+                                        </p:attrNameLst>
+                                      </p:cBhvr>
+                                      <p:to>
+                                        <p:strVal val="visible"/>
+                                      </p:to>
+                                    </p:set>
+                                  </p:childTnLst>
+                                </p:cTn>
+                              </p:par>
+                            </p:childTnLst>
+                          </p:cTn>
+                        </p:par>
+                      </p:childTnLst>
+                    </p:cTn>
+                  </p:par>
+                  <p:par>
+                    <p:cTn id="55" fill="hold">
+                      <p:stCondLst>
+                        <p:cond delay="indefinite"/>
+                      </p:stCondLst>
+                      <p:childTnLst>
+                        <p:par>
+                          <p:cTn id="56" fill="hold">
+                            <p:stCondLst>
+                              <p:cond delay="0"/>
+                            </p:stCondLst>
+                            <p:childTnLst>
+                              <p:par>
+                                <p:cTn id="57" presetID="10" presetClass="entr" presetSubtype="0" fill="hold" grpId="0" nodeType="clickEffect">
+                                  <p:stCondLst>
+                                    <p:cond delay="0"/>
+                                  </p:stCondLst>
+                                  <p:childTnLst>
+                                    <p:set>
+                                      <p:cBhvr>
+                                        <p:cTn id="58" dur="1" fill="hold">
+                                          <p:stCondLst>
+                                            <p:cond delay="0"/>
+                                          </p:stCondLst>
+                                        </p:cTn>
+                                        <p:tgtEl>
+                                          <p:spTgt spid="5"/>
+                                        </p:tgtEl>
+                                        <p:attrNameLst>
+                                          <p:attrName>style.visibility</p:attrName>
+                                        </p:attrNameLst>
+                                      </p:cBhvr>
+                                      <p:to>
+                                        <p:strVal val="visible"/>
+                                      </p:to>
+                                    </p:set>
+                                    <p:animEffect transition="in" filter="fade">
+                                      <p:cBhvr>
+                                        <p:cTn id="59" dur="500"/>
+                                        <p:tgtEl>
+                                          <p:spTgt spid="5"/>
+                                        </p:tgtEl>
+                                      </p:cBhvr>
+                                    </p:animEffect>
+                                  </p:childTnLst>
+                                </p:cTn>
+                              </p:par>
+                            </p:childTnLst>
+                          </p:cTn>
+                        </p:par>
+                      </p:childTnLst>
+                    </p:cTn>
+                  </p:par>
+                  <p:par>
+                    <p:cTn id="60" fill="hold">
+                      <p:stCondLst>
+                        <p:cond delay="indefinite"/>
+                      </p:stCondLst>
+                      <p:childTnLst>
+                        <p:par>
+                          <p:cTn id="61" fill="hold">
+                            <p:stCondLst>
+                              <p:cond delay="0"/>
+                            </p:stCondLst>
+                            <p:childTnLst>
+                              <p:par>
+                                <p:cTn id="62" presetID="1" presetClass="entr" presetSubtype="0" fill="hold" grpId="0" nodeType="clickEffect">
+                                  <p:stCondLst>
+                                    <p:cond delay="0"/>
+                                  </p:stCondLst>
+                                  <p:childTnLst>
+                                    <p:set>
+                                      <p:cBhvr>
+                                        <p:cTn id="63" dur="1" fill="hold">
+                                          <p:stCondLst>
+                                            <p:cond delay="0"/>
+                                          </p:stCondLst>
+                                        </p:cTn>
+                                        <p:tgtEl>
+                                          <p:spTgt spid="35"/>
+                                        </p:tgtEl>
+                                        <p:attrNameLst>
+                                          <p:attrName>style.visibility</p:attrName>
+                                        </p:attrNameLst>
+                                      </p:cBhvr>
+                                      <p:to>
+                                        <p:strVal val="visible"/>
+                                      </p:to>
+                                    </p:set>
+                                  </p:childTnLst>
+                                </p:cTn>
+                              </p:par>
+                            </p:childTnLst>
+                          </p:cTn>
+                        </p:par>
+                      </p:childTnLst>
+                    </p:cTn>
+                  </p:par>
+                </p:childTnLst>
+              </p:cTn>
+              <p:prevCondLst>
+                <p:cond evt="onPrev" delay="0">
+                  <p:tgtEl>
+                    <p:sldTgt/>
+                  </p:tgtEl>
+                </p:cond>
+              </p:prevCondLst>
+              <p:nextCondLst>
+                <p:cond evt="onNext" delay="0">
+                  <p:tgtEl>
+                    <p:sldTgt/>
+                  </p:tgtEl>
+                </p:cond>
+              </p:nextCondLst>
+            </p:seq>
+          </p:childTnLst>
+        </p:cTn>
       </p:par>
     </p:tnLst>
+    <p:bldLst>
+      <p:bldP spid="29" grpId="0"/>
+      <p:bldP spid="5" grpId="0"/>
+      <p:bldP spid="21" grpId="0" animBg="1"/>
+      <p:bldP spid="25" grpId="0" animBg="1"/>
+      <p:bldP spid="35" grpId="0"/>
+    </p:bldLst>
   </p:timing>
 </p:sld>
 </file>
@@ -7387,9 +10306,523 @@
           <a:chExt cx="0" cy="0"/>
         </a:xfrm>
       </p:grpSpPr>
+      <mc:AlternateContent xmlns:mc="http://schemas.openxmlformats.org/markup-compatibility/2006">
+        <mc:Choice xmlns:a14="http://schemas.microsoft.com/office/drawing/2010/main" Requires="a14">
+          <p:sp>
+            <p:nvSpPr>
+              <p:cNvPr id="101" name="Textfeld 100"/>
+              <p:cNvSpPr txBox="1"/>
+              <p:nvPr/>
+            </p:nvSpPr>
+            <p:spPr>
+              <a:xfrm>
+                <a:off x="6343214" y="3145156"/>
+                <a:ext cx="791883" cy="553998"/>
+              </a:xfrm>
+              <a:prstGeom prst="rect">
+                <a:avLst/>
+              </a:prstGeom>
+              <a:noFill/>
+            </p:spPr>
+            <p:txBody>
+              <a:bodyPr wrap="none" lIns="0" tIns="0" rIns="0" bIns="0" rtlCol="0">
+                <a:spAutoFit/>
+              </a:bodyPr>
+              <a:lstStyle/>
+              <a:p>
+                <a14:m>
+                  <m:oMathPara xmlns:m="http://schemas.openxmlformats.org/officeDocument/2006/math">
+                    <m:oMathParaPr>
+                      <m:jc m:val="centerGroup"/>
+                    </m:oMathParaPr>
+                    <m:oMath xmlns:m="http://schemas.openxmlformats.org/officeDocument/2006/math">
+                      <m:r>
+                        <a:rPr lang="de-DE" sz="3600" b="0" i="1" smtClean="0">
+                          <a:latin typeface="Cambria Math" panose="02040503050406030204" pitchFamily="18" charset="0"/>
+                        </a:rPr>
+                        <m:t>(   )</m:t>
+                      </m:r>
+                    </m:oMath>
+                  </m:oMathPara>
+                </a14:m>
+                <a:endParaRPr lang="en-GB" sz="3600" dirty="0"/>
+              </a:p>
+            </p:txBody>
+          </p:sp>
+        </mc:Choice>
+        <mc:Fallback>
+          <p:sp>
+            <p:nvSpPr>
+              <p:cNvPr id="101" name="Textfeld 100"/>
+              <p:cNvSpPr txBox="1">
+                <a:spLocks noRot="1" noChangeAspect="1" noMove="1" noResize="1" noEditPoints="1" noAdjustHandles="1" noChangeArrowheads="1" noChangeShapeType="1" noTextEdit="1"/>
+              </p:cNvSpPr>
+              <p:nvPr/>
+            </p:nvSpPr>
+            <p:spPr>
+              <a:xfrm>
+                <a:off x="6343214" y="3145156"/>
+                <a:ext cx="791883" cy="553998"/>
+              </a:xfrm>
+              <a:prstGeom prst="rect">
+                <a:avLst/>
+              </a:prstGeom>
+              <a:blipFill rotWithShape="0">
+                <a:blip r:embed="rId2"/>
+                <a:stretch>
+                  <a:fillRect/>
+                </a:stretch>
+              </a:blipFill>
+            </p:spPr>
+            <p:txBody>
+              <a:bodyPr/>
+              <a:lstStyle/>
+              <a:p>
+                <a:r>
+                  <a:rPr lang="en-GB">
+                    <a:noFill/>
+                  </a:rPr>
+                  <a:t> </a:t>
+                </a:r>
+              </a:p>
+            </p:txBody>
+          </p:sp>
+        </mc:Fallback>
+      </mc:AlternateContent>
+      <p:grpSp>
+        <p:nvGrpSpPr>
+          <p:cNvPr id="102" name="Gruppieren 101"/>
+          <p:cNvGrpSpPr/>
+          <p:nvPr/>
+        </p:nvGrpSpPr>
+        <p:grpSpPr>
+          <a:xfrm>
+            <a:off x="5826996" y="3130682"/>
+            <a:ext cx="1738819" cy="729121"/>
+            <a:chOff x="5826996" y="2348257"/>
+            <a:chExt cx="1738819" cy="729121"/>
+          </a:xfrm>
+        </p:grpSpPr>
+        <p:sp>
+          <p:nvSpPr>
+            <p:cNvPr id="103" name="Ellipse 102"/>
+            <p:cNvSpPr/>
+            <p:nvPr/>
+          </p:nvSpPr>
+          <p:spPr>
+            <a:xfrm>
+              <a:off x="5937184" y="2686400"/>
+              <a:ext cx="147610" cy="147610"/>
+            </a:xfrm>
+            <a:prstGeom prst="ellipse">
+              <a:avLst/>
+            </a:prstGeom>
+            <a:solidFill>
+              <a:schemeClr val="tx1"/>
+            </a:solidFill>
+            <a:ln>
+              <a:noFill/>
+            </a:ln>
+          </p:spPr>
+          <p:style>
+            <a:lnRef idx="2">
+              <a:schemeClr val="accent1">
+                <a:shade val="50000"/>
+              </a:schemeClr>
+            </a:lnRef>
+            <a:fillRef idx="1">
+              <a:schemeClr val="accent1"/>
+            </a:fillRef>
+            <a:effectRef idx="0">
+              <a:schemeClr val="accent1"/>
+            </a:effectRef>
+            <a:fontRef idx="minor">
+              <a:schemeClr val="lt1"/>
+            </a:fontRef>
+          </p:style>
+          <p:txBody>
+            <a:bodyPr rtlCol="0" anchor="ctr"/>
+            <a:lstStyle/>
+            <a:p>
+              <a:pPr algn="ctr"/>
+              <a:endParaRPr lang="en-GB"/>
+            </a:p>
+          </p:txBody>
+        </p:sp>
+        <mc:AlternateContent xmlns:mc="http://schemas.openxmlformats.org/markup-compatibility/2006">
+          <mc:Choice xmlns:a14="http://schemas.microsoft.com/office/drawing/2010/main" Requires="a14">
+            <p:sp>
+              <p:nvSpPr>
+                <p:cNvPr id="104" name="Textfeld 103"/>
+                <p:cNvSpPr txBox="1"/>
+                <p:nvPr/>
+              </p:nvSpPr>
+              <p:spPr>
+                <a:xfrm>
+                  <a:off x="5826996" y="2348257"/>
+                  <a:ext cx="367985" cy="369332"/>
+                </a:xfrm>
+                <a:prstGeom prst="rect">
+                  <a:avLst/>
+                </a:prstGeom>
+                <a:noFill/>
+              </p:spPr>
+              <p:txBody>
+                <a:bodyPr wrap="none" rtlCol="0">
+                  <a:spAutoFit/>
+                </a:bodyPr>
+                <a:lstStyle/>
+                <a:p>
+                  <a:pPr/>
+                  <a14:m>
+                    <m:oMathPara xmlns:m="http://schemas.openxmlformats.org/officeDocument/2006/math">
+                      <m:oMathParaPr>
+                        <m:jc m:val="centerGroup"/>
+                      </m:oMathParaPr>
+                      <m:oMath xmlns:m="http://schemas.openxmlformats.org/officeDocument/2006/math">
+                        <m:r>
+                          <a:rPr lang="de-DE" b="0" i="1" dirty="0" smtClean="0">
+                            <a:solidFill>
+                              <a:prstClr val="black"/>
+                            </a:solidFill>
+                            <a:latin typeface="Cambria Math" panose="02040503050406030204" pitchFamily="18" charset="0"/>
+                            <a:ea typeface="Cambria Math" panose="02040503050406030204" pitchFamily="18" charset="0"/>
+                            <a:cs typeface="Courier New" panose="02070309020205020404" pitchFamily="49" charset="0"/>
+                          </a:rPr>
+                          <m:t>𝑜</m:t>
+                        </m:r>
+                      </m:oMath>
+                    </m:oMathPara>
+                  </a14:m>
+                  <a:endParaRPr lang="en-GB" dirty="0"/>
+                </a:p>
+              </p:txBody>
+            </p:sp>
+          </mc:Choice>
+          <mc:Fallback>
+            <p:sp>
+              <p:nvSpPr>
+                <p:cNvPr id="104" name="Textfeld 103"/>
+                <p:cNvSpPr txBox="1">
+                  <a:spLocks noRot="1" noChangeAspect="1" noMove="1" noResize="1" noEditPoints="1" noAdjustHandles="1" noChangeArrowheads="1" noChangeShapeType="1" noTextEdit="1"/>
+                </p:cNvSpPr>
+                <p:nvPr/>
+              </p:nvSpPr>
+              <p:spPr>
+                <a:xfrm>
+                  <a:off x="5826996" y="2348257"/>
+                  <a:ext cx="367985" cy="369332"/>
+                </a:xfrm>
+                <a:prstGeom prst="rect">
+                  <a:avLst/>
+                </a:prstGeom>
+                <a:blipFill rotWithShape="0">
+                  <a:blip r:embed="rId3"/>
+                  <a:stretch>
+                    <a:fillRect/>
+                  </a:stretch>
+                </a:blipFill>
+              </p:spPr>
+              <p:txBody>
+                <a:bodyPr/>
+                <a:lstStyle/>
+                <a:p>
+                  <a:r>
+                    <a:rPr lang="en-GB">
+                      <a:noFill/>
+                    </a:rPr>
+                    <a:t> </a:t>
+                  </a:r>
+                </a:p>
+              </p:txBody>
+            </p:sp>
+          </mc:Fallback>
+        </mc:AlternateContent>
+        <p:cxnSp>
+          <p:nvCxnSpPr>
+            <p:cNvPr id="105" name="Gerade Verbindung mit Pfeil 104"/>
+            <p:cNvCxnSpPr/>
+            <p:nvPr/>
+          </p:nvCxnSpPr>
+          <p:spPr>
+            <a:xfrm flipV="1">
+              <a:off x="7565815" y="2768022"/>
+              <a:ext cx="0" cy="252979"/>
+            </a:xfrm>
+            <a:prstGeom prst="straightConnector1">
+              <a:avLst/>
+            </a:prstGeom>
+            <a:ln w="57150">
+              <a:solidFill>
+                <a:srgbClr val="006600"/>
+              </a:solidFill>
+              <a:tailEnd type="triangle"/>
+            </a:ln>
+          </p:spPr>
+          <p:style>
+            <a:lnRef idx="1">
+              <a:schemeClr val="accent1"/>
+            </a:lnRef>
+            <a:fillRef idx="0">
+              <a:schemeClr val="accent1"/>
+            </a:fillRef>
+            <a:effectRef idx="0">
+              <a:schemeClr val="accent1"/>
+            </a:effectRef>
+            <a:fontRef idx="minor">
+              <a:schemeClr val="tx1"/>
+            </a:fontRef>
+          </p:style>
+        </p:cxnSp>
+        <mc:AlternateContent xmlns:mc="http://schemas.openxmlformats.org/markup-compatibility/2006">
+          <mc:Choice xmlns:a14="http://schemas.microsoft.com/office/drawing/2010/main" Requires="a14">
+            <p:sp>
+              <p:nvSpPr>
+                <p:cNvPr id="106" name="Textfeld 105"/>
+                <p:cNvSpPr txBox="1"/>
+                <p:nvPr/>
+              </p:nvSpPr>
+              <p:spPr>
+                <a:xfrm>
+                  <a:off x="7197189" y="2708046"/>
+                  <a:ext cx="368626" cy="369332"/>
+                </a:xfrm>
+                <a:prstGeom prst="rect">
+                  <a:avLst/>
+                </a:prstGeom>
+                <a:noFill/>
+              </p:spPr>
+              <p:txBody>
+                <a:bodyPr wrap="none" rtlCol="0">
+                  <a:spAutoFit/>
+                </a:bodyPr>
+                <a:lstStyle/>
+                <a:p>
+                  <a:pPr/>
+                  <a14:m>
+                    <m:oMathPara xmlns:m="http://schemas.openxmlformats.org/officeDocument/2006/math">
+                      <m:oMathParaPr>
+                        <m:jc m:val="centerGroup"/>
+                      </m:oMathParaPr>
+                      <m:oMath xmlns:m="http://schemas.openxmlformats.org/officeDocument/2006/math">
+                        <m:r>
+                          <a:rPr lang="de-DE" b="0" i="1" smtClean="0">
+                            <a:solidFill>
+                              <a:srgbClr val="006600"/>
+                            </a:solidFill>
+                            <a:latin typeface="Cambria Math" panose="02040503050406030204" pitchFamily="18" charset="0"/>
+                          </a:rPr>
+                          <m:t>𝑝</m:t>
+                        </m:r>
+                      </m:oMath>
+                    </m:oMathPara>
+                  </a14:m>
+                  <a:endParaRPr lang="en-GB" dirty="0">
+                    <a:solidFill>
+                      <a:srgbClr val="006600"/>
+                    </a:solidFill>
+                  </a:endParaRPr>
+                </a:p>
+              </p:txBody>
+            </p:sp>
+          </mc:Choice>
+          <mc:Fallback>
+            <p:sp>
+              <p:nvSpPr>
+                <p:cNvPr id="106" name="Textfeld 105"/>
+                <p:cNvSpPr txBox="1">
+                  <a:spLocks noRot="1" noChangeAspect="1" noMove="1" noResize="1" noEditPoints="1" noAdjustHandles="1" noChangeArrowheads="1" noChangeShapeType="1" noTextEdit="1"/>
+                </p:cNvSpPr>
+                <p:nvPr/>
+              </p:nvSpPr>
+              <p:spPr>
+                <a:xfrm>
+                  <a:off x="7197189" y="2708046"/>
+                  <a:ext cx="368626" cy="369332"/>
+                </a:xfrm>
+                <a:prstGeom prst="rect">
+                  <a:avLst/>
+                </a:prstGeom>
+                <a:blipFill rotWithShape="0">
+                  <a:blip r:embed="rId4"/>
+                  <a:stretch>
+                    <a:fillRect b="-6667"/>
+                  </a:stretch>
+                </a:blipFill>
+              </p:spPr>
+              <p:txBody>
+                <a:bodyPr/>
+                <a:lstStyle/>
+                <a:p>
+                  <a:r>
+                    <a:rPr lang="en-GB">
+                      <a:noFill/>
+                    </a:rPr>
+                    <a:t> </a:t>
+                  </a:r>
+                </a:p>
+              </p:txBody>
+            </p:sp>
+          </mc:Fallback>
+        </mc:AlternateContent>
+      </p:grpSp>
+      <p:grpSp>
+        <p:nvGrpSpPr>
+          <p:cNvPr id="107" name="Gruppieren 106"/>
+          <p:cNvGrpSpPr/>
+          <p:nvPr/>
+        </p:nvGrpSpPr>
+        <p:grpSpPr>
+          <a:xfrm>
+            <a:off x="6556370" y="3126007"/>
+            <a:ext cx="367985" cy="490428"/>
+            <a:chOff x="6556370" y="2343582"/>
+            <a:chExt cx="367985" cy="490428"/>
+          </a:xfrm>
+        </p:grpSpPr>
+        <p:sp>
+          <p:nvSpPr>
+            <p:cNvPr id="108" name="Ellipse 107"/>
+            <p:cNvSpPr/>
+            <p:nvPr/>
+          </p:nvSpPr>
+          <p:spPr>
+            <a:xfrm>
+              <a:off x="6666558" y="2686400"/>
+              <a:ext cx="147610" cy="147610"/>
+            </a:xfrm>
+            <a:prstGeom prst="ellipse">
+              <a:avLst/>
+            </a:prstGeom>
+            <a:solidFill>
+              <a:srgbClr val="C00000"/>
+            </a:solidFill>
+            <a:ln>
+              <a:noFill/>
+            </a:ln>
+          </p:spPr>
+          <p:style>
+            <a:lnRef idx="2">
+              <a:schemeClr val="accent1">
+                <a:shade val="50000"/>
+              </a:schemeClr>
+            </a:lnRef>
+            <a:fillRef idx="1">
+              <a:schemeClr val="accent1"/>
+            </a:fillRef>
+            <a:effectRef idx="0">
+              <a:schemeClr val="accent1"/>
+            </a:effectRef>
+            <a:fontRef idx="minor">
+              <a:schemeClr val="lt1"/>
+            </a:fontRef>
+          </p:style>
+          <p:txBody>
+            <a:bodyPr rtlCol="0" anchor="ctr"/>
+            <a:lstStyle/>
+            <a:p>
+              <a:pPr algn="ctr"/>
+              <a:endParaRPr lang="en-GB"/>
+            </a:p>
+          </p:txBody>
+        </p:sp>
+        <mc:AlternateContent xmlns:mc="http://schemas.openxmlformats.org/markup-compatibility/2006">
+          <mc:Choice xmlns:a14="http://schemas.microsoft.com/office/drawing/2010/main" Requires="a14">
+            <p:sp>
+              <p:nvSpPr>
+                <p:cNvPr id="109" name="Textfeld 108"/>
+                <p:cNvSpPr txBox="1"/>
+                <p:nvPr/>
+              </p:nvSpPr>
+              <p:spPr>
+                <a:xfrm>
+                  <a:off x="6556370" y="2343582"/>
+                  <a:ext cx="367985" cy="369332"/>
+                </a:xfrm>
+                <a:prstGeom prst="rect">
+                  <a:avLst/>
+                </a:prstGeom>
+                <a:noFill/>
+              </p:spPr>
+              <p:txBody>
+                <a:bodyPr wrap="none" rtlCol="0">
+                  <a:spAutoFit/>
+                </a:bodyPr>
+                <a:lstStyle/>
+                <a:p>
+                  <a:pPr/>
+                  <a14:m>
+                    <m:oMathPara xmlns:m="http://schemas.openxmlformats.org/officeDocument/2006/math">
+                      <m:oMathParaPr>
+                        <m:jc m:val="centerGroup"/>
+                      </m:oMathParaPr>
+                      <m:oMath xmlns:m="http://schemas.openxmlformats.org/officeDocument/2006/math">
+                        <m:r>
+                          <a:rPr lang="de-DE" b="0" i="1" dirty="0" smtClean="0">
+                            <a:solidFill>
+                              <a:srgbClr val="C00000"/>
+                            </a:solidFill>
+                            <a:latin typeface="Cambria Math" panose="02040503050406030204" pitchFamily="18" charset="0"/>
+                            <a:ea typeface="Cambria Math" panose="02040503050406030204" pitchFamily="18" charset="0"/>
+                            <a:cs typeface="Courier New" panose="02070309020205020404" pitchFamily="49" charset="0"/>
+                          </a:rPr>
+                          <m:t>𝑥</m:t>
+                        </m:r>
+                      </m:oMath>
+                    </m:oMathPara>
+                  </a14:m>
+                  <a:endParaRPr lang="en-GB" dirty="0">
+                    <a:solidFill>
+                      <a:srgbClr val="C00000"/>
+                    </a:solidFill>
+                  </a:endParaRPr>
+                </a:p>
+              </p:txBody>
+            </p:sp>
+          </mc:Choice>
+          <mc:Fallback>
+            <p:sp>
+              <p:nvSpPr>
+                <p:cNvPr id="109" name="Textfeld 108"/>
+                <p:cNvSpPr txBox="1">
+                  <a:spLocks noRot="1" noChangeAspect="1" noMove="1" noResize="1" noEditPoints="1" noAdjustHandles="1" noChangeArrowheads="1" noChangeShapeType="1" noTextEdit="1"/>
+                </p:cNvSpPr>
+                <p:nvPr/>
+              </p:nvSpPr>
+              <p:spPr>
+                <a:xfrm>
+                  <a:off x="6556370" y="2343582"/>
+                  <a:ext cx="367985" cy="369332"/>
+                </a:xfrm>
+                <a:prstGeom prst="rect">
+                  <a:avLst/>
+                </a:prstGeom>
+                <a:blipFill rotWithShape="0">
+                  <a:blip r:embed="rId5"/>
+                  <a:stretch>
+                    <a:fillRect/>
+                  </a:stretch>
+                </a:blipFill>
+              </p:spPr>
+              <p:txBody>
+                <a:bodyPr/>
+                <a:lstStyle/>
+                <a:p>
+                  <a:r>
+                    <a:rPr lang="en-GB">
+                      <a:noFill/>
+                    </a:rPr>
+                    <a:t> </a:t>
+                  </a:r>
+                </a:p>
+              </p:txBody>
+            </p:sp>
+          </mc:Fallback>
+        </mc:AlternateContent>
+      </p:grpSp>
       <p:sp>
         <p:nvSpPr>
-          <p:cNvPr id="2" name="Titel 1"/>
+          <p:cNvPr id="3" name="Titel 2"/>
           <p:cNvSpPr>
             <a:spLocks noGrp="1"/>
           </p:cNvSpPr>
@@ -7402,20 +10835,691 @@
           <a:bodyPr/>
           <a:lstStyle/>
           <a:p>
-            <a:endParaRPr lang="en-GB"/>
+            <a:r>
+              <a:rPr lang="en-GB" dirty="0" smtClean="0"/>
+              <a:t>Competitiveness of PAH</a:t>
+            </a:r>
+            <a:endParaRPr lang="en-GB" dirty="0"/>
           </a:p>
         </p:txBody>
       </p:sp>
+      <mc:AlternateContent xmlns:mc="http://schemas.openxmlformats.org/markup-compatibility/2006">
+        <mc:Choice xmlns:a14="http://schemas.microsoft.com/office/drawing/2010/main" Requires="a14">
+          <p:sp>
+            <p:nvSpPr>
+              <p:cNvPr id="31" name="Textfeld 30"/>
+              <p:cNvSpPr txBox="1"/>
+              <p:nvPr/>
+            </p:nvSpPr>
+            <p:spPr>
+              <a:xfrm>
+                <a:off x="317599" y="4708988"/>
+                <a:ext cx="6731907" cy="523220"/>
+              </a:xfrm>
+              <a:prstGeom prst="rect">
+                <a:avLst/>
+              </a:prstGeom>
+              <a:noFill/>
+            </p:spPr>
+            <p:txBody>
+              <a:bodyPr wrap="none" rtlCol="0">
+                <a:spAutoFit/>
+              </a:bodyPr>
+              <a:lstStyle/>
+              <a:p>
+                <a:r>
+                  <a:rPr lang="en-GB" sz="2800" cap="small" dirty="0" smtClean="0">
+                    <a:effectLst>
+                      <a:outerShdw blurRad="38100" dist="38100" dir="2700000" algn="tl">
+                        <a:srgbClr val="000000">
+                          <a:alpha val="43137"/>
+                        </a:srgbClr>
+                      </a:outerShdw>
+                    </a:effectLst>
+                  </a:rPr>
+                  <a:t>Goal:</a:t>
+                </a:r>
+                <a:r>
+                  <a:rPr lang="en-GB" sz="2800" cap="small" dirty="0" smtClean="0"/>
+                  <a:t> 	</a:t>
+                </a:r>
+                <a:r>
+                  <a:rPr lang="en-GB" sz="2800" cap="small" dirty="0" smtClean="0"/>
+                  <a:t>	</a:t>
+                </a:r>
+                <a:r>
+                  <a:rPr lang="en-GB" sz="2800" cap="small" dirty="0" err="1" smtClean="0"/>
+                  <a:t>pah</a:t>
+                </a:r>
+                <a:r>
+                  <a:rPr lang="en-GB" sz="2800" dirty="0" smtClean="0"/>
+                  <a:t> </a:t>
+                </a:r>
+                <a:r>
+                  <a:rPr lang="en-GB" sz="2800" dirty="0" smtClean="0"/>
+                  <a:t>is </a:t>
+                </a:r>
+                <a14:m>
+                  <m:oMath xmlns:m="http://schemas.openxmlformats.org/officeDocument/2006/math">
+                    <m:r>
+                      <a:rPr lang="en-GB" sz="2800" i="1" dirty="0" smtClean="0">
+                        <a:latin typeface="Cambria Math" panose="02040503050406030204" pitchFamily="18" charset="0"/>
+                      </a:rPr>
+                      <m:t>2</m:t>
+                    </m:r>
+                  </m:oMath>
+                </a14:m>
+                <a:r>
+                  <a:rPr lang="en-GB" sz="2800" dirty="0" smtClean="0"/>
+                  <a:t>-competitive</a:t>
+                </a:r>
+                <a:r>
+                  <a:rPr lang="en-GB" sz="2800" dirty="0" smtClean="0"/>
+                  <a:t> for H-OLTSP</a:t>
+                </a:r>
+                <a:endParaRPr lang="en-GB" sz="2800" dirty="0"/>
+              </a:p>
+            </p:txBody>
+          </p:sp>
+        </mc:Choice>
+        <mc:Fallback>
+          <p:sp>
+            <p:nvSpPr>
+              <p:cNvPr id="31" name="Textfeld 30"/>
+              <p:cNvSpPr txBox="1">
+                <a:spLocks noRot="1" noChangeAspect="1" noMove="1" noResize="1" noEditPoints="1" noAdjustHandles="1" noChangeArrowheads="1" noChangeShapeType="1" noTextEdit="1"/>
+              </p:cNvSpPr>
+              <p:nvPr/>
+            </p:nvSpPr>
+            <p:spPr>
+              <a:xfrm>
+                <a:off x="317599" y="4708988"/>
+                <a:ext cx="6731907" cy="523220"/>
+              </a:xfrm>
+              <a:prstGeom prst="rect">
+                <a:avLst/>
+              </a:prstGeom>
+              <a:blipFill rotWithShape="0">
+                <a:blip r:embed="rId6"/>
+                <a:stretch>
+                  <a:fillRect l="-1902" t="-11628" r="-815" b="-39535"/>
+                </a:stretch>
+              </a:blipFill>
+            </p:spPr>
+            <p:txBody>
+              <a:bodyPr/>
+              <a:lstStyle/>
+              <a:p>
+                <a:r>
+                  <a:rPr lang="en-GB">
+                    <a:noFill/>
+                  </a:rPr>
+                  <a:t> </a:t>
+                </a:r>
+              </a:p>
+            </p:txBody>
+          </p:sp>
+        </mc:Fallback>
+      </mc:AlternateContent>
+      <mc:AlternateContent xmlns:mc="http://schemas.openxmlformats.org/markup-compatibility/2006">
+        <mc:Choice xmlns:a14="http://schemas.microsoft.com/office/drawing/2010/main" Requires="a14">
+          <p:sp>
+            <p:nvSpPr>
+              <p:cNvPr id="58" name="Textfeld 57"/>
+              <p:cNvSpPr txBox="1"/>
+              <p:nvPr/>
+            </p:nvSpPr>
+            <p:spPr>
+              <a:xfrm>
+                <a:off x="317599" y="914696"/>
+                <a:ext cx="8155822" cy="461665"/>
+              </a:xfrm>
+              <a:prstGeom prst="rect">
+                <a:avLst/>
+              </a:prstGeom>
+              <a:noFill/>
+            </p:spPr>
+            <p:txBody>
+              <a:bodyPr wrap="none" rtlCol="0">
+                <a:spAutoFit/>
+              </a:bodyPr>
+              <a:lstStyle/>
+              <a:p>
+                <a14:m>
+                  <m:oMath xmlns:m="http://schemas.openxmlformats.org/officeDocument/2006/math">
+                    <m:r>
+                      <a:rPr lang="en-GB" sz="2400" i="1" dirty="0" smtClean="0">
+                        <a:latin typeface="Cambria Math" panose="02040503050406030204" pitchFamily="18" charset="0"/>
+                      </a:rPr>
+                      <m:t>𝑈</m:t>
+                    </m:r>
+                    <m:r>
+                      <a:rPr lang="de-DE" sz="2400" b="0" i="1" dirty="0" smtClean="0">
+                        <a:latin typeface="Cambria Math" panose="02040503050406030204" pitchFamily="18" charset="0"/>
+                      </a:rPr>
+                      <m:t>≔</m:t>
+                    </m:r>
+                  </m:oMath>
+                </a14:m>
+                <a:r>
+                  <a:rPr lang="en-GB" sz="2400" dirty="0" smtClean="0"/>
+                  <a:t> places yet to visit, </a:t>
+                </a:r>
+                <a14:m>
+                  <m:oMath xmlns:m="http://schemas.openxmlformats.org/officeDocument/2006/math">
+                    <m:r>
+                      <a:rPr lang="en-GB" sz="2400" i="1" dirty="0" smtClean="0">
+                        <a:latin typeface="Cambria Math" panose="02040503050406030204" pitchFamily="18" charset="0"/>
+                      </a:rPr>
+                      <m:t>𝐼</m:t>
+                    </m:r>
+                    <m:r>
+                      <a:rPr lang="de-DE" sz="2400" b="0" i="1" dirty="0" smtClean="0">
+                        <a:latin typeface="Cambria Math" panose="02040503050406030204" pitchFamily="18" charset="0"/>
+                      </a:rPr>
+                      <m:t>≔</m:t>
+                    </m:r>
+                  </m:oMath>
+                </a14:m>
+                <a:r>
+                  <a:rPr lang="en-GB" sz="2400" dirty="0" smtClean="0"/>
+                  <a:t> ignored requests, </a:t>
+                </a:r>
+                <a14:m>
+                  <m:oMath xmlns:m="http://schemas.openxmlformats.org/officeDocument/2006/math">
+                    <m:r>
+                      <a:rPr lang="de-DE" sz="2400" b="0" i="1" smtClean="0">
+                        <a:latin typeface="Cambria Math" panose="02040503050406030204" pitchFamily="18" charset="0"/>
+                      </a:rPr>
+                      <m:t>(</m:t>
+                    </m:r>
+                    <m:acc>
+                      <m:accPr>
+                        <m:chr m:val="̂"/>
+                        <m:ctrlPr>
+                          <a:rPr lang="de-DE" sz="2400" b="0" i="1" smtClean="0">
+                            <a:latin typeface="Cambria Math" panose="02040503050406030204" pitchFamily="18" charset="0"/>
+                          </a:rPr>
+                        </m:ctrlPr>
+                      </m:accPr>
+                      <m:e>
+                        <m:r>
+                          <a:rPr lang="de-DE" sz="2400" b="0" i="1" smtClean="0">
+                            <a:latin typeface="Cambria Math" panose="02040503050406030204" pitchFamily="18" charset="0"/>
+                          </a:rPr>
+                          <m:t>𝑡</m:t>
+                        </m:r>
+                      </m:e>
+                    </m:acc>
+                    <m:r>
+                      <a:rPr lang="de-DE" sz="2400" b="0" i="1" smtClean="0">
+                        <a:latin typeface="Cambria Math" panose="02040503050406030204" pitchFamily="18" charset="0"/>
+                      </a:rPr>
+                      <m:t>,</m:t>
+                    </m:r>
+                    <m:acc>
+                      <m:accPr>
+                        <m:chr m:val="̂"/>
+                        <m:ctrlPr>
+                          <a:rPr lang="de-DE" sz="2400" b="0" i="1" smtClean="0">
+                            <a:latin typeface="Cambria Math" panose="02040503050406030204" pitchFamily="18" charset="0"/>
+                          </a:rPr>
+                        </m:ctrlPr>
+                      </m:accPr>
+                      <m:e>
+                        <m:r>
+                          <a:rPr lang="de-DE" sz="2400" b="0" i="1" smtClean="0">
+                            <a:latin typeface="Cambria Math" panose="02040503050406030204" pitchFamily="18" charset="0"/>
+                          </a:rPr>
+                          <m:t>𝑥</m:t>
+                        </m:r>
+                      </m:e>
+                    </m:acc>
+                    <m:r>
+                      <a:rPr lang="de-DE" sz="2400" b="0" i="1" smtClean="0">
+                        <a:latin typeface="Cambria Math" panose="02040503050406030204" pitchFamily="18" charset="0"/>
+                      </a:rPr>
+                      <m:t>)</m:t>
+                    </m:r>
+                  </m:oMath>
+                </a14:m>
+                <a:r>
+                  <a:rPr lang="en-GB" sz="2400" dirty="0" smtClean="0"/>
+                  <a:t> last request</a:t>
+                </a:r>
+              </a:p>
+            </p:txBody>
+          </p:sp>
+        </mc:Choice>
+        <mc:Fallback>
+          <p:sp>
+            <p:nvSpPr>
+              <p:cNvPr id="58" name="Textfeld 57"/>
+              <p:cNvSpPr txBox="1">
+                <a:spLocks noRot="1" noChangeAspect="1" noMove="1" noResize="1" noEditPoints="1" noAdjustHandles="1" noChangeArrowheads="1" noChangeShapeType="1" noTextEdit="1"/>
+              </p:cNvSpPr>
+              <p:nvPr/>
+            </p:nvSpPr>
+            <p:spPr>
+              <a:xfrm>
+                <a:off x="317599" y="914696"/>
+                <a:ext cx="8155822" cy="461665"/>
+              </a:xfrm>
+              <a:prstGeom prst="rect">
+                <a:avLst/>
+              </a:prstGeom>
+              <a:blipFill rotWithShape="0">
+                <a:blip r:embed="rId7"/>
+                <a:stretch>
+                  <a:fillRect l="-149" t="-11842" r="-75" b="-28947"/>
+                </a:stretch>
+              </a:blipFill>
+            </p:spPr>
+            <p:txBody>
+              <a:bodyPr/>
+              <a:lstStyle/>
+              <a:p>
+                <a:r>
+                  <a:rPr lang="en-GB">
+                    <a:noFill/>
+                  </a:rPr>
+                  <a:t> </a:t>
+                </a:r>
+              </a:p>
+            </p:txBody>
+          </p:sp>
+        </mc:Fallback>
+      </mc:AlternateContent>
+      <mc:AlternateContent xmlns:mc="http://schemas.openxmlformats.org/markup-compatibility/2006">
+        <mc:Choice xmlns:a14="http://schemas.microsoft.com/office/drawing/2010/main" Requires="a14">
+          <p:sp>
+            <p:nvSpPr>
+              <p:cNvPr id="60" name="Textfeld 59"/>
+              <p:cNvSpPr txBox="1"/>
+              <p:nvPr/>
+            </p:nvSpPr>
+            <p:spPr>
+              <a:xfrm>
+                <a:off x="317599" y="1677972"/>
+                <a:ext cx="5198346" cy="2031325"/>
+              </a:xfrm>
+              <a:prstGeom prst="rect">
+                <a:avLst/>
+              </a:prstGeom>
+              <a:noFill/>
+            </p:spPr>
+            <p:txBody>
+              <a:bodyPr wrap="none" rtlCol="0">
+                <a:spAutoFit/>
+              </a:bodyPr>
+              <a:lstStyle/>
+              <a:p>
+                <a:pPr marL="360000" lvl="0" indent="-360000">
+                  <a:spcBef>
+                    <a:spcPts val="600"/>
+                  </a:spcBef>
+                  <a:spcAft>
+                    <a:spcPts val="600"/>
+                  </a:spcAft>
+                  <a:buClr>
+                    <a:prstClr val="white">
+                      <a:lumMod val="50000"/>
+                    </a:prstClr>
+                  </a:buClr>
+                  <a:buSzPct val="66000"/>
+                  <a:buFont typeface="+mj-lt"/>
+                  <a:buAutoNum type="arabicParenBoth"/>
+                </a:pPr>
+                <a:r>
+                  <a:rPr lang="en-GB" sz="2400" dirty="0" smtClean="0">
+                    <a:latin typeface="Cambria Math" panose="02040503050406030204" pitchFamily="18" charset="0"/>
+                    <a:ea typeface="Cambria Math" panose="02040503050406030204" pitchFamily="18" charset="0"/>
+                    <a:cs typeface="Courier New" panose="02070309020205020404" pitchFamily="49" charset="0"/>
+                  </a:rPr>
+                  <a:t>At </a:t>
+                </a:r>
+                <a14:m>
+                  <m:oMath xmlns:m="http://schemas.openxmlformats.org/officeDocument/2006/math">
+                    <m:r>
+                      <a:rPr lang="en-GB" sz="2400" i="1" smtClean="0">
+                        <a:latin typeface="Cambria Math" panose="02040503050406030204" pitchFamily="18" charset="0"/>
+                        <a:ea typeface="Cambria Math" panose="02040503050406030204" pitchFamily="18" charset="0"/>
+                        <a:cs typeface="Courier New" panose="02070309020205020404" pitchFamily="49" charset="0"/>
+                      </a:rPr>
+                      <m:t>𝑜</m:t>
+                    </m:r>
+                  </m:oMath>
+                </a14:m>
+                <a:r>
+                  <a:rPr lang="en-GB" sz="2400" dirty="0" smtClean="0">
+                    <a:latin typeface="Cambria Math" panose="02040503050406030204" pitchFamily="18" charset="0"/>
+                    <a:ea typeface="Cambria Math" panose="02040503050406030204" pitchFamily="18" charset="0"/>
+                    <a:cs typeface="Courier New" panose="02070309020205020404" pitchFamily="49" charset="0"/>
+                  </a:rPr>
+                  <a:t>: start optimal tour through </a:t>
+                </a:r>
+                <a14:m>
+                  <m:oMath xmlns:m="http://schemas.openxmlformats.org/officeDocument/2006/math">
+                    <m:r>
+                      <a:rPr lang="en-GB" sz="2400" i="1" smtClean="0">
+                        <a:latin typeface="Cambria Math" panose="02040503050406030204" pitchFamily="18" charset="0"/>
+                        <a:ea typeface="Cambria Math" panose="02040503050406030204" pitchFamily="18" charset="0"/>
+                        <a:cs typeface="Courier New" panose="02070309020205020404" pitchFamily="49" charset="0"/>
+                      </a:rPr>
+                      <m:t>𝑈</m:t>
+                    </m:r>
+                  </m:oMath>
+                </a14:m>
+                <a:endParaRPr lang="en-GB" sz="2400" dirty="0" smtClean="0">
+                  <a:latin typeface="Cambria Math" panose="02040503050406030204" pitchFamily="18" charset="0"/>
+                  <a:ea typeface="Cambria Math" panose="02040503050406030204" pitchFamily="18" charset="0"/>
+                  <a:cs typeface="Courier New" panose="02070309020205020404" pitchFamily="49" charset="0"/>
+                </a:endParaRPr>
+              </a:p>
+              <a:p>
+                <a:pPr marL="360000" lvl="0" indent="-360000">
+                  <a:spcBef>
+                    <a:spcPts val="600"/>
+                  </a:spcBef>
+                  <a:spcAft>
+                    <a:spcPts val="600"/>
+                  </a:spcAft>
+                  <a:buClr>
+                    <a:prstClr val="white">
+                      <a:lumMod val="50000"/>
+                    </a:prstClr>
+                  </a:buClr>
+                  <a:buSzPct val="66000"/>
+                  <a:buFont typeface="+mj-lt"/>
+                  <a:buAutoNum type="arabicParenBoth"/>
+                </a:pPr>
+                <a:r>
+                  <a:rPr lang="en-GB" sz="2400" dirty="0" smtClean="0">
+                    <a:latin typeface="Cambria Math" panose="02040503050406030204" pitchFamily="18" charset="0"/>
+                    <a:ea typeface="Cambria Math" panose="02040503050406030204" pitchFamily="18" charset="0"/>
+                    <a:cs typeface="Courier New" panose="02070309020205020404" pitchFamily="49" charset="0"/>
+                  </a:rPr>
+                  <a:t>For new request </a:t>
+                </a:r>
+                <a14:m>
+                  <m:oMath xmlns:m="http://schemas.openxmlformats.org/officeDocument/2006/math">
+                    <m:r>
+                      <a:rPr lang="en-GB" sz="2400" i="1" smtClean="0">
+                        <a:latin typeface="Cambria Math" panose="02040503050406030204" pitchFamily="18" charset="0"/>
+                        <a:ea typeface="Cambria Math" panose="02040503050406030204" pitchFamily="18" charset="0"/>
+                        <a:cs typeface="Courier New" panose="02070309020205020404" pitchFamily="49" charset="0"/>
+                      </a:rPr>
+                      <m:t>(</m:t>
+                    </m:r>
+                    <m:r>
+                      <a:rPr lang="en-GB" sz="2400" i="1" smtClean="0">
+                        <a:latin typeface="Cambria Math" panose="02040503050406030204" pitchFamily="18" charset="0"/>
+                        <a:ea typeface="Cambria Math" panose="02040503050406030204" pitchFamily="18" charset="0"/>
+                        <a:cs typeface="Courier New" panose="02070309020205020404" pitchFamily="49" charset="0"/>
+                      </a:rPr>
+                      <m:t>𝑡</m:t>
+                    </m:r>
+                    <m:r>
+                      <a:rPr lang="en-GB" sz="2400" i="1" smtClean="0">
+                        <a:latin typeface="Cambria Math" panose="02040503050406030204" pitchFamily="18" charset="0"/>
+                        <a:ea typeface="Cambria Math" panose="02040503050406030204" pitchFamily="18" charset="0"/>
+                        <a:cs typeface="Courier New" panose="02070309020205020404" pitchFamily="49" charset="0"/>
+                      </a:rPr>
+                      <m:t>,</m:t>
+                    </m:r>
+                    <m:r>
+                      <a:rPr lang="en-GB" sz="2400" i="1" smtClean="0">
+                        <a:latin typeface="Cambria Math" panose="02040503050406030204" pitchFamily="18" charset="0"/>
+                        <a:ea typeface="Cambria Math" panose="02040503050406030204" pitchFamily="18" charset="0"/>
+                        <a:cs typeface="Courier New" panose="02070309020205020404" pitchFamily="49" charset="0"/>
+                      </a:rPr>
+                      <m:t>𝑥</m:t>
+                    </m:r>
+                    <m:r>
+                      <a:rPr lang="en-GB" sz="2400" i="1" smtClean="0">
+                        <a:latin typeface="Cambria Math" panose="02040503050406030204" pitchFamily="18" charset="0"/>
+                        <a:ea typeface="Cambria Math" panose="02040503050406030204" pitchFamily="18" charset="0"/>
+                        <a:cs typeface="Courier New" panose="02070309020205020404" pitchFamily="49" charset="0"/>
+                      </a:rPr>
+                      <m:t>)</m:t>
+                    </m:r>
+                  </m:oMath>
+                </a14:m>
+                <a:r>
+                  <a:rPr lang="en-GB" dirty="0" smtClean="0"/>
+                  <a:t>:</a:t>
+                </a:r>
+              </a:p>
+              <a:p>
+                <a:pPr marL="817200" lvl="1" indent="-360000">
+                  <a:spcBef>
+                    <a:spcPts val="600"/>
+                  </a:spcBef>
+                  <a:spcAft>
+                    <a:spcPts val="600"/>
+                  </a:spcAft>
+                  <a:buClr>
+                    <a:prstClr val="white">
+                      <a:lumMod val="50000"/>
+                    </a:prstClr>
+                  </a:buClr>
+                  <a:buSzPct val="66000"/>
+                  <a:buFont typeface="+mj-lt"/>
+                  <a:buAutoNum type="alphaLcParenR"/>
+                </a:pPr>
+                <a:r>
+                  <a:rPr lang="en-GB" sz="2400" dirty="0" smtClean="0">
+                    <a:latin typeface="Cambria" panose="02040503050406030204" pitchFamily="18" charset="0"/>
+                  </a:rPr>
+                  <a:t>If</a:t>
+                </a:r>
+                <a:r>
+                  <a:rPr lang="en-GB" sz="2400" dirty="0" smtClean="0"/>
+                  <a:t> </a:t>
+                </a:r>
+                <a14:m>
+                  <m:oMath xmlns:m="http://schemas.openxmlformats.org/officeDocument/2006/math">
+                    <m:r>
+                      <a:rPr lang="en-GB" sz="2400" i="1" smtClean="0">
+                        <a:latin typeface="Cambria Math" panose="02040503050406030204" pitchFamily="18" charset="0"/>
+                      </a:rPr>
+                      <m:t>𝑑</m:t>
+                    </m:r>
+                    <m:r>
+                      <a:rPr lang="en-GB" sz="2400" i="1" smtClean="0">
+                        <a:latin typeface="Cambria Math" panose="02040503050406030204" pitchFamily="18" charset="0"/>
+                      </a:rPr>
+                      <m:t>(</m:t>
+                    </m:r>
+                    <m:r>
+                      <a:rPr lang="en-GB" sz="2400" i="1" smtClean="0">
+                        <a:latin typeface="Cambria Math" panose="02040503050406030204" pitchFamily="18" charset="0"/>
+                      </a:rPr>
+                      <m:t>𝑥</m:t>
+                    </m:r>
+                    <m:r>
+                      <a:rPr lang="en-GB" sz="2400" i="1" smtClean="0">
+                        <a:latin typeface="Cambria Math" panose="02040503050406030204" pitchFamily="18" charset="0"/>
+                      </a:rPr>
+                      <m:t>,</m:t>
+                    </m:r>
+                    <m:r>
+                      <a:rPr lang="en-GB" sz="2400" i="1" smtClean="0">
+                        <a:latin typeface="Cambria Math" panose="02040503050406030204" pitchFamily="18" charset="0"/>
+                      </a:rPr>
+                      <m:t>𝑜</m:t>
+                    </m:r>
+                    <m:r>
+                      <a:rPr lang="en-GB" sz="2400" i="1" smtClean="0">
+                        <a:latin typeface="Cambria Math" panose="02040503050406030204" pitchFamily="18" charset="0"/>
+                      </a:rPr>
+                      <m:t>)&gt;</m:t>
+                    </m:r>
+                    <m:r>
+                      <a:rPr lang="en-GB" sz="2400" i="1" smtClean="0">
+                        <a:latin typeface="Cambria Math" panose="02040503050406030204" pitchFamily="18" charset="0"/>
+                      </a:rPr>
+                      <m:t>𝑑</m:t>
+                    </m:r>
+                    <m:r>
+                      <a:rPr lang="en-GB" sz="2400" i="1" smtClean="0">
+                        <a:latin typeface="Cambria Math" panose="02040503050406030204" pitchFamily="18" charset="0"/>
+                      </a:rPr>
+                      <m:t>(</m:t>
+                    </m:r>
+                    <m:r>
+                      <a:rPr lang="en-GB" sz="2400" i="1" smtClean="0">
+                        <a:latin typeface="Cambria Math" panose="02040503050406030204" pitchFamily="18" charset="0"/>
+                      </a:rPr>
+                      <m:t>𝑝</m:t>
+                    </m:r>
+                    <m:r>
+                      <a:rPr lang="en-GB" sz="2400" i="1" smtClean="0">
+                        <a:latin typeface="Cambria Math" panose="02040503050406030204" pitchFamily="18" charset="0"/>
+                      </a:rPr>
+                      <m:t>,</m:t>
+                    </m:r>
+                    <m:r>
+                      <a:rPr lang="en-GB" sz="2400" i="1" smtClean="0">
+                        <a:latin typeface="Cambria Math" panose="02040503050406030204" pitchFamily="18" charset="0"/>
+                      </a:rPr>
+                      <m:t>𝑜</m:t>
+                    </m:r>
+                    <m:r>
+                      <a:rPr lang="en-GB" sz="2400" i="1" smtClean="0">
+                        <a:latin typeface="Cambria Math" panose="02040503050406030204" pitchFamily="18" charset="0"/>
+                      </a:rPr>
+                      <m:t>)</m:t>
+                    </m:r>
+                  </m:oMath>
+                </a14:m>
+                <a:r>
+                  <a:rPr lang="en-GB" sz="2400" dirty="0" smtClean="0">
+                    <a:latin typeface="Cambria" panose="02040503050406030204" pitchFamily="18" charset="0"/>
+                  </a:rPr>
+                  <a:t>: go back to</a:t>
+                </a:r>
+                <a:r>
+                  <a:rPr lang="en-GB" sz="2400" dirty="0" smtClean="0"/>
+                  <a:t> </a:t>
+                </a:r>
+                <a14:m>
+                  <m:oMath xmlns:m="http://schemas.openxmlformats.org/officeDocument/2006/math">
+                    <m:r>
+                      <a:rPr lang="en-GB" sz="2400" i="1" smtClean="0">
+                        <a:latin typeface="Cambria Math" panose="02040503050406030204" pitchFamily="18" charset="0"/>
+                      </a:rPr>
+                      <m:t>𝑜</m:t>
+                    </m:r>
+                  </m:oMath>
+                </a14:m>
+                <a:endParaRPr lang="en-GB" sz="2400" dirty="0" smtClean="0"/>
+              </a:p>
+              <a:p>
+                <a:pPr marL="817200" lvl="1" indent="-360000">
+                  <a:spcBef>
+                    <a:spcPts val="600"/>
+                  </a:spcBef>
+                  <a:spcAft>
+                    <a:spcPts val="600"/>
+                  </a:spcAft>
+                  <a:buClr>
+                    <a:prstClr val="white">
+                      <a:lumMod val="50000"/>
+                    </a:prstClr>
+                  </a:buClr>
+                  <a:buSzPct val="66000"/>
+                  <a:buFont typeface="+mj-lt"/>
+                  <a:buAutoNum type="alphaLcParenR"/>
+                </a:pPr>
+                <a:r>
+                  <a:rPr lang="en-GB" sz="2400" dirty="0" smtClean="0">
+                    <a:latin typeface="Cambria" panose="02040503050406030204" pitchFamily="18" charset="0"/>
+                  </a:rPr>
+                  <a:t>Else: ignore </a:t>
+                </a:r>
+                <a14:m>
+                  <m:oMath xmlns:m="http://schemas.openxmlformats.org/officeDocument/2006/math">
+                    <m:r>
+                      <a:rPr lang="en-GB" sz="2400" b="0" i="1" smtClean="0">
+                        <a:latin typeface="Cambria Math" panose="02040503050406030204" pitchFamily="18" charset="0"/>
+                      </a:rPr>
+                      <m:t>𝑥</m:t>
+                    </m:r>
+                  </m:oMath>
+                </a14:m>
+                <a:r>
+                  <a:rPr lang="en-GB" sz="2400" dirty="0" smtClean="0">
+                    <a:latin typeface="Cambria" panose="02040503050406030204" pitchFamily="18" charset="0"/>
+                  </a:rPr>
+                  <a:t> until back at </a:t>
+                </a:r>
+                <a14:m>
+                  <m:oMath xmlns:m="http://schemas.openxmlformats.org/officeDocument/2006/math">
+                    <m:r>
+                      <a:rPr lang="en-GB" sz="2400" b="0" i="1" smtClean="0">
+                        <a:latin typeface="Cambria Math" panose="02040503050406030204" pitchFamily="18" charset="0"/>
+                      </a:rPr>
+                      <m:t>𝑜</m:t>
+                    </m:r>
+                  </m:oMath>
+                </a14:m>
+                <a:endParaRPr lang="en-GB" sz="2400" dirty="0">
+                  <a:latin typeface="Cambria" panose="02040503050406030204" pitchFamily="18" charset="0"/>
+                </a:endParaRPr>
+              </a:p>
+            </p:txBody>
+          </p:sp>
+        </mc:Choice>
+        <mc:Fallback>
+          <p:sp>
+            <p:nvSpPr>
+              <p:cNvPr id="60" name="Textfeld 59"/>
+              <p:cNvSpPr txBox="1">
+                <a:spLocks noRot="1" noChangeAspect="1" noMove="1" noResize="1" noEditPoints="1" noAdjustHandles="1" noChangeArrowheads="1" noChangeShapeType="1" noTextEdit="1"/>
+              </p:cNvSpPr>
+              <p:nvPr/>
+            </p:nvSpPr>
+            <p:spPr>
+              <a:xfrm>
+                <a:off x="317599" y="1677972"/>
+                <a:ext cx="5198346" cy="2031325"/>
+              </a:xfrm>
+              <a:prstGeom prst="rect">
+                <a:avLst/>
+              </a:prstGeom>
+              <a:blipFill rotWithShape="0">
+                <a:blip r:embed="rId8"/>
+                <a:stretch>
+                  <a:fillRect l="-469" t="-2402" b="-6006"/>
+                </a:stretch>
+              </a:blipFill>
+            </p:spPr>
+            <p:txBody>
+              <a:bodyPr/>
+              <a:lstStyle/>
+              <a:p>
+                <a:r>
+                  <a:rPr lang="en-GB">
+                    <a:noFill/>
+                  </a:rPr>
+                  <a:t> </a:t>
+                </a:r>
+              </a:p>
+            </p:txBody>
+          </p:sp>
+        </mc:Fallback>
+      </mc:AlternateContent>
       <p:sp>
         <p:nvSpPr>
-          <p:cNvPr id="3" name="Textfeld 2"/>
+          <p:cNvPr id="61" name="Textfeld 60"/>
           <p:cNvSpPr txBox="1"/>
           <p:nvPr/>
         </p:nvSpPr>
         <p:spPr>
           <a:xfrm>
-            <a:off x="3979333" y="2895600"/>
-            <a:ext cx="1094980" cy="584775"/>
+            <a:off x="317599" y="3803426"/>
+            <a:ext cx="8508802" cy="584775"/>
           </a:xfrm>
           <a:prstGeom prst="rect">
             <a:avLst/>
@@ -7423,23 +11527,1955 @@
           <a:noFill/>
         </p:spPr>
         <p:txBody>
-          <a:bodyPr wrap="none" rtlCol="0">
+          <a:bodyPr wrap="square" rtlCol="0">
             <a:spAutoFit/>
           </a:bodyPr>
           <a:lstStyle/>
           <a:p>
+            <a:pPr algn="ctr"/>
             <a:r>
               <a:rPr lang="en-GB" sz="3200" dirty="0" smtClean="0"/>
-              <a:t>proof</a:t>
+              <a:t>Plan At Home (PAH)</a:t>
             </a:r>
             <a:endParaRPr lang="en-GB" sz="3200" dirty="0"/>
           </a:p>
         </p:txBody>
       </p:sp>
+      <p:sp>
+        <p:nvSpPr>
+          <p:cNvPr id="62" name="Freihandform 61"/>
+          <p:cNvSpPr/>
+          <p:nvPr/>
+        </p:nvSpPr>
+        <p:spPr>
+          <a:xfrm>
+            <a:off x="5993924" y="1590594"/>
+            <a:ext cx="2115520" cy="482230"/>
+          </a:xfrm>
+          <a:custGeom>
+            <a:avLst/>
+            <a:gdLst>
+              <a:gd name="connsiteX0" fmla="*/ 17409 w 2115520"/>
+              <a:gd name="connsiteY0" fmla="*/ 419498 h 482230"/>
+              <a:gd name="connsiteX1" fmla="*/ 364543 w 2115520"/>
+              <a:gd name="connsiteY1" fmla="*/ 80831 h 482230"/>
+              <a:gd name="connsiteX2" fmla="*/ 999543 w 2115520"/>
+              <a:gd name="connsiteY2" fmla="*/ 55431 h 482230"/>
+              <a:gd name="connsiteX3" fmla="*/ 1185809 w 2115520"/>
+              <a:gd name="connsiteY3" fmla="*/ 199364 h 482230"/>
+              <a:gd name="connsiteX4" fmla="*/ 1566809 w 2115520"/>
+              <a:gd name="connsiteY4" fmla="*/ 38498 h 482230"/>
+              <a:gd name="connsiteX5" fmla="*/ 1795409 w 2115520"/>
+              <a:gd name="connsiteY5" fmla="*/ 4631 h 482230"/>
+              <a:gd name="connsiteX6" fmla="*/ 2066343 w 2115520"/>
+              <a:gd name="connsiteY6" fmla="*/ 114698 h 482230"/>
+              <a:gd name="connsiteX7" fmla="*/ 2083276 w 2115520"/>
+              <a:gd name="connsiteY7" fmla="*/ 436431 h 482230"/>
+              <a:gd name="connsiteX8" fmla="*/ 1727676 w 2115520"/>
+              <a:gd name="connsiteY8" fmla="*/ 444898 h 482230"/>
+              <a:gd name="connsiteX9" fmla="*/ 1380543 w 2115520"/>
+              <a:gd name="connsiteY9" fmla="*/ 267098 h 482230"/>
+              <a:gd name="connsiteX10" fmla="*/ 897943 w 2115520"/>
+              <a:gd name="connsiteY10" fmla="*/ 470298 h 482230"/>
+              <a:gd name="connsiteX11" fmla="*/ 17409 w 2115520"/>
+              <a:gd name="connsiteY11" fmla="*/ 419498 h 482230"/>
+            </a:gdLst>
+            <a:ahLst/>
+            <a:cxnLst>
+              <a:cxn ang="0">
+                <a:pos x="connsiteX0" y="connsiteY0"/>
+              </a:cxn>
+              <a:cxn ang="0">
+                <a:pos x="connsiteX1" y="connsiteY1"/>
+              </a:cxn>
+              <a:cxn ang="0">
+                <a:pos x="connsiteX2" y="connsiteY2"/>
+              </a:cxn>
+              <a:cxn ang="0">
+                <a:pos x="connsiteX3" y="connsiteY3"/>
+              </a:cxn>
+              <a:cxn ang="0">
+                <a:pos x="connsiteX4" y="connsiteY4"/>
+              </a:cxn>
+              <a:cxn ang="0">
+                <a:pos x="connsiteX5" y="connsiteY5"/>
+              </a:cxn>
+              <a:cxn ang="0">
+                <a:pos x="connsiteX6" y="connsiteY6"/>
+              </a:cxn>
+              <a:cxn ang="0">
+                <a:pos x="connsiteX7" y="connsiteY7"/>
+              </a:cxn>
+              <a:cxn ang="0">
+                <a:pos x="connsiteX8" y="connsiteY8"/>
+              </a:cxn>
+              <a:cxn ang="0">
+                <a:pos x="connsiteX9" y="connsiteY9"/>
+              </a:cxn>
+              <a:cxn ang="0">
+                <a:pos x="connsiteX10" y="connsiteY10"/>
+              </a:cxn>
+              <a:cxn ang="0">
+                <a:pos x="connsiteX11" y="connsiteY11"/>
+              </a:cxn>
+            </a:cxnLst>
+            <a:rect l="l" t="t" r="r" b="b"/>
+            <a:pathLst>
+              <a:path w="2115520" h="482230">
+                <a:moveTo>
+                  <a:pt x="17409" y="419498"/>
+                </a:moveTo>
+                <a:cubicBezTo>
+                  <a:pt x="-71491" y="354587"/>
+                  <a:pt x="200854" y="141509"/>
+                  <a:pt x="364543" y="80831"/>
+                </a:cubicBezTo>
+                <a:cubicBezTo>
+                  <a:pt x="528232" y="20153"/>
+                  <a:pt x="862665" y="35676"/>
+                  <a:pt x="999543" y="55431"/>
+                </a:cubicBezTo>
+                <a:cubicBezTo>
+                  <a:pt x="1136421" y="75186"/>
+                  <a:pt x="1091265" y="202186"/>
+                  <a:pt x="1185809" y="199364"/>
+                </a:cubicBezTo>
+                <a:cubicBezTo>
+                  <a:pt x="1280353" y="196542"/>
+                  <a:pt x="1465209" y="70953"/>
+                  <a:pt x="1566809" y="38498"/>
+                </a:cubicBezTo>
+                <a:cubicBezTo>
+                  <a:pt x="1668409" y="6043"/>
+                  <a:pt x="1712153" y="-8069"/>
+                  <a:pt x="1795409" y="4631"/>
+                </a:cubicBezTo>
+                <a:cubicBezTo>
+                  <a:pt x="1878665" y="17331"/>
+                  <a:pt x="2018365" y="42731"/>
+                  <a:pt x="2066343" y="114698"/>
+                </a:cubicBezTo>
+                <a:cubicBezTo>
+                  <a:pt x="2114321" y="186665"/>
+                  <a:pt x="2139721" y="381398"/>
+                  <a:pt x="2083276" y="436431"/>
+                </a:cubicBezTo>
+                <a:cubicBezTo>
+                  <a:pt x="2026832" y="491464"/>
+                  <a:pt x="1844798" y="473120"/>
+                  <a:pt x="1727676" y="444898"/>
+                </a:cubicBezTo>
+                <a:cubicBezTo>
+                  <a:pt x="1610554" y="416676"/>
+                  <a:pt x="1518832" y="262865"/>
+                  <a:pt x="1380543" y="267098"/>
+                </a:cubicBezTo>
+                <a:cubicBezTo>
+                  <a:pt x="1242254" y="271331"/>
+                  <a:pt x="1122310" y="446309"/>
+                  <a:pt x="897943" y="470298"/>
+                </a:cubicBezTo>
+                <a:cubicBezTo>
+                  <a:pt x="673576" y="494287"/>
+                  <a:pt x="106309" y="484409"/>
+                  <a:pt x="17409" y="419498"/>
+                </a:cubicBezTo>
+                <a:close/>
+              </a:path>
+            </a:pathLst>
+          </a:custGeom>
+          <a:noFill/>
+          <a:ln w="28575">
+            <a:solidFill>
+              <a:schemeClr val="bg1">
+                <a:lumMod val="50000"/>
+              </a:schemeClr>
+            </a:solidFill>
+            <a:prstDash val="dash"/>
+          </a:ln>
+        </p:spPr>
+        <p:style>
+          <a:lnRef idx="2">
+            <a:schemeClr val="accent1">
+              <a:shade val="50000"/>
+            </a:schemeClr>
+          </a:lnRef>
+          <a:fillRef idx="1">
+            <a:schemeClr val="accent1"/>
+          </a:fillRef>
+          <a:effectRef idx="0">
+            <a:schemeClr val="accent1"/>
+          </a:effectRef>
+          <a:fontRef idx="minor">
+            <a:schemeClr val="lt1"/>
+          </a:fontRef>
+        </p:style>
+        <p:txBody>
+          <a:bodyPr rtlCol="0" anchor="ctr"/>
+          <a:lstStyle/>
+          <a:p>
+            <a:pPr algn="ctr"/>
+            <a:endParaRPr lang="en-GB"/>
+          </a:p>
+        </p:txBody>
+      </p:sp>
+      <p:grpSp>
+        <p:nvGrpSpPr>
+          <p:cNvPr id="63" name="Gruppieren 62"/>
+          <p:cNvGrpSpPr/>
+          <p:nvPr/>
+        </p:nvGrpSpPr>
+        <p:grpSpPr>
+          <a:xfrm>
+            <a:off x="5642683" y="1587435"/>
+            <a:ext cx="552298" cy="773395"/>
+            <a:chOff x="5642683" y="805010"/>
+            <a:chExt cx="552298" cy="773395"/>
+          </a:xfrm>
+        </p:grpSpPr>
+        <p:sp>
+          <p:nvSpPr>
+            <p:cNvPr id="64" name="Ellipse 63"/>
+            <p:cNvSpPr/>
+            <p:nvPr/>
+          </p:nvSpPr>
+          <p:spPr>
+            <a:xfrm>
+              <a:off x="5937184" y="1143153"/>
+              <a:ext cx="147610" cy="147610"/>
+            </a:xfrm>
+            <a:prstGeom prst="ellipse">
+              <a:avLst/>
+            </a:prstGeom>
+            <a:solidFill>
+              <a:schemeClr val="tx1"/>
+            </a:solidFill>
+            <a:ln>
+              <a:noFill/>
+            </a:ln>
+          </p:spPr>
+          <p:style>
+            <a:lnRef idx="2">
+              <a:schemeClr val="accent1">
+                <a:shade val="50000"/>
+              </a:schemeClr>
+            </a:lnRef>
+            <a:fillRef idx="1">
+              <a:schemeClr val="accent1"/>
+            </a:fillRef>
+            <a:effectRef idx="0">
+              <a:schemeClr val="accent1"/>
+            </a:effectRef>
+            <a:fontRef idx="minor">
+              <a:schemeClr val="lt1"/>
+            </a:fontRef>
+          </p:style>
+          <p:txBody>
+            <a:bodyPr rtlCol="0" anchor="ctr"/>
+            <a:lstStyle/>
+            <a:p>
+              <a:pPr algn="ctr"/>
+              <a:endParaRPr lang="en-GB"/>
+            </a:p>
+          </p:txBody>
+        </p:sp>
+        <mc:AlternateContent xmlns:mc="http://schemas.openxmlformats.org/markup-compatibility/2006">
+          <mc:Choice xmlns:a14="http://schemas.microsoft.com/office/drawing/2010/main" Requires="a14">
+            <p:sp>
+              <p:nvSpPr>
+                <p:cNvPr id="65" name="Textfeld 64"/>
+                <p:cNvSpPr txBox="1"/>
+                <p:nvPr/>
+              </p:nvSpPr>
+              <p:spPr>
+                <a:xfrm>
+                  <a:off x="5826996" y="805010"/>
+                  <a:ext cx="367985" cy="369332"/>
+                </a:xfrm>
+                <a:prstGeom prst="rect">
+                  <a:avLst/>
+                </a:prstGeom>
+                <a:noFill/>
+              </p:spPr>
+              <p:txBody>
+                <a:bodyPr wrap="none" rtlCol="0">
+                  <a:spAutoFit/>
+                </a:bodyPr>
+                <a:lstStyle/>
+                <a:p>
+                  <a:pPr/>
+                  <a14:m>
+                    <m:oMathPara xmlns:m="http://schemas.openxmlformats.org/officeDocument/2006/math">
+                      <m:oMathParaPr>
+                        <m:jc m:val="centerGroup"/>
+                      </m:oMathParaPr>
+                      <m:oMath xmlns:m="http://schemas.openxmlformats.org/officeDocument/2006/math">
+                        <m:r>
+                          <a:rPr lang="de-DE" b="0" i="1" dirty="0" smtClean="0">
+                            <a:solidFill>
+                              <a:prstClr val="black"/>
+                            </a:solidFill>
+                            <a:latin typeface="Cambria Math" panose="02040503050406030204" pitchFamily="18" charset="0"/>
+                            <a:ea typeface="Cambria Math" panose="02040503050406030204" pitchFamily="18" charset="0"/>
+                            <a:cs typeface="Courier New" panose="02070309020205020404" pitchFamily="49" charset="0"/>
+                          </a:rPr>
+                          <m:t>𝑜</m:t>
+                        </m:r>
+                      </m:oMath>
+                    </m:oMathPara>
+                  </a14:m>
+                  <a:endParaRPr lang="en-GB" dirty="0"/>
+                </a:p>
+              </p:txBody>
+            </p:sp>
+          </mc:Choice>
+          <mc:Fallback>
+            <p:sp>
+              <p:nvSpPr>
+                <p:cNvPr id="65" name="Textfeld 64"/>
+                <p:cNvSpPr txBox="1">
+                  <a:spLocks noRot="1" noChangeAspect="1" noMove="1" noResize="1" noEditPoints="1" noAdjustHandles="1" noChangeArrowheads="1" noChangeShapeType="1" noTextEdit="1"/>
+                </p:cNvSpPr>
+                <p:nvPr/>
+              </p:nvSpPr>
+              <p:spPr>
+                <a:xfrm>
+                  <a:off x="5826996" y="805010"/>
+                  <a:ext cx="367985" cy="369332"/>
+                </a:xfrm>
+                <a:prstGeom prst="rect">
+                  <a:avLst/>
+                </a:prstGeom>
+                <a:blipFill rotWithShape="0">
+                  <a:blip r:embed="rId9"/>
+                  <a:stretch>
+                    <a:fillRect/>
+                  </a:stretch>
+                </a:blipFill>
+              </p:spPr>
+              <p:txBody>
+                <a:bodyPr/>
+                <a:lstStyle/>
+                <a:p>
+                  <a:r>
+                    <a:rPr lang="en-GB">
+                      <a:noFill/>
+                    </a:rPr>
+                    <a:t> </a:t>
+                  </a:r>
+                </a:p>
+              </p:txBody>
+            </p:sp>
+          </mc:Fallback>
+        </mc:AlternateContent>
+        <p:cxnSp>
+          <p:nvCxnSpPr>
+            <p:cNvPr id="66" name="Gerade Verbindung mit Pfeil 65"/>
+            <p:cNvCxnSpPr/>
+            <p:nvPr/>
+          </p:nvCxnSpPr>
+          <p:spPr>
+            <a:xfrm flipV="1">
+              <a:off x="6007524" y="1290763"/>
+              <a:ext cx="0" cy="252979"/>
+            </a:xfrm>
+            <a:prstGeom prst="straightConnector1">
+              <a:avLst/>
+            </a:prstGeom>
+            <a:ln w="57150">
+              <a:solidFill>
+                <a:srgbClr val="006600"/>
+              </a:solidFill>
+              <a:tailEnd type="triangle"/>
+            </a:ln>
+          </p:spPr>
+          <p:style>
+            <a:lnRef idx="1">
+              <a:schemeClr val="accent1"/>
+            </a:lnRef>
+            <a:fillRef idx="0">
+              <a:schemeClr val="accent1"/>
+            </a:fillRef>
+            <a:effectRef idx="0">
+              <a:schemeClr val="accent1"/>
+            </a:effectRef>
+            <a:fontRef idx="minor">
+              <a:schemeClr val="tx1"/>
+            </a:fontRef>
+          </p:style>
+        </p:cxnSp>
+        <mc:AlternateContent xmlns:mc="http://schemas.openxmlformats.org/markup-compatibility/2006">
+          <mc:Choice xmlns:a14="http://schemas.microsoft.com/office/drawing/2010/main" Requires="a14">
+            <p:sp>
+              <p:nvSpPr>
+                <p:cNvPr id="67" name="Textfeld 66"/>
+                <p:cNvSpPr txBox="1"/>
+                <p:nvPr/>
+              </p:nvSpPr>
+              <p:spPr>
+                <a:xfrm>
+                  <a:off x="5642683" y="1209073"/>
+                  <a:ext cx="368626" cy="369332"/>
+                </a:xfrm>
+                <a:prstGeom prst="rect">
+                  <a:avLst/>
+                </a:prstGeom>
+                <a:noFill/>
+              </p:spPr>
+              <p:txBody>
+                <a:bodyPr wrap="none" rtlCol="0">
+                  <a:spAutoFit/>
+                </a:bodyPr>
+                <a:lstStyle/>
+                <a:p>
+                  <a:pPr/>
+                  <a14:m>
+                    <m:oMathPara xmlns:m="http://schemas.openxmlformats.org/officeDocument/2006/math">
+                      <m:oMathParaPr>
+                        <m:jc m:val="centerGroup"/>
+                      </m:oMathParaPr>
+                      <m:oMath xmlns:m="http://schemas.openxmlformats.org/officeDocument/2006/math">
+                        <m:r>
+                          <a:rPr lang="de-DE" b="0" i="1" smtClean="0">
+                            <a:solidFill>
+                              <a:srgbClr val="006600"/>
+                            </a:solidFill>
+                            <a:latin typeface="Cambria Math" panose="02040503050406030204" pitchFamily="18" charset="0"/>
+                          </a:rPr>
+                          <m:t>𝑝</m:t>
+                        </m:r>
+                      </m:oMath>
+                    </m:oMathPara>
+                  </a14:m>
+                  <a:endParaRPr lang="en-GB" dirty="0">
+                    <a:solidFill>
+                      <a:srgbClr val="006600"/>
+                    </a:solidFill>
+                  </a:endParaRPr>
+                </a:p>
+              </p:txBody>
+            </p:sp>
+          </mc:Choice>
+          <mc:Fallback>
+            <p:sp>
+              <p:nvSpPr>
+                <p:cNvPr id="67" name="Textfeld 66"/>
+                <p:cNvSpPr txBox="1">
+                  <a:spLocks noRot="1" noChangeAspect="1" noMove="1" noResize="1" noEditPoints="1" noAdjustHandles="1" noChangeArrowheads="1" noChangeShapeType="1" noTextEdit="1"/>
+                </p:cNvSpPr>
+                <p:nvPr/>
+              </p:nvSpPr>
+              <p:spPr>
+                <a:xfrm>
+                  <a:off x="5642683" y="1209073"/>
+                  <a:ext cx="368626" cy="369332"/>
+                </a:xfrm>
+                <a:prstGeom prst="rect">
+                  <a:avLst/>
+                </a:prstGeom>
+                <a:blipFill rotWithShape="0">
+                  <a:blip r:embed="rId10"/>
+                  <a:stretch>
+                    <a:fillRect b="-6667"/>
+                  </a:stretch>
+                </a:blipFill>
+              </p:spPr>
+              <p:txBody>
+                <a:bodyPr/>
+                <a:lstStyle/>
+                <a:p>
+                  <a:r>
+                    <a:rPr lang="en-GB">
+                      <a:noFill/>
+                    </a:rPr>
+                    <a:t> </a:t>
+                  </a:r>
+                </a:p>
+              </p:txBody>
+            </p:sp>
+          </mc:Fallback>
+        </mc:AlternateContent>
+      </p:grpSp>
+      <p:grpSp>
+        <p:nvGrpSpPr>
+          <p:cNvPr id="68" name="Gruppieren 67"/>
+          <p:cNvGrpSpPr/>
+          <p:nvPr/>
+        </p:nvGrpSpPr>
+        <p:grpSpPr>
+          <a:xfrm>
+            <a:off x="5826996" y="2411331"/>
+            <a:ext cx="1738819" cy="710090"/>
+            <a:chOff x="5826996" y="1628906"/>
+            <a:chExt cx="1738819" cy="710090"/>
+          </a:xfrm>
+        </p:grpSpPr>
+        <p:sp>
+          <p:nvSpPr>
+            <p:cNvPr id="69" name="Ellipse 68"/>
+            <p:cNvSpPr/>
+            <p:nvPr/>
+          </p:nvSpPr>
+          <p:spPr>
+            <a:xfrm>
+              <a:off x="5937184" y="1967049"/>
+              <a:ext cx="147610" cy="147610"/>
+            </a:xfrm>
+            <a:prstGeom prst="ellipse">
+              <a:avLst/>
+            </a:prstGeom>
+            <a:solidFill>
+              <a:schemeClr val="tx1"/>
+            </a:solidFill>
+            <a:ln>
+              <a:noFill/>
+            </a:ln>
+          </p:spPr>
+          <p:style>
+            <a:lnRef idx="2">
+              <a:schemeClr val="accent1">
+                <a:shade val="50000"/>
+              </a:schemeClr>
+            </a:lnRef>
+            <a:fillRef idx="1">
+              <a:schemeClr val="accent1"/>
+            </a:fillRef>
+            <a:effectRef idx="0">
+              <a:schemeClr val="accent1"/>
+            </a:effectRef>
+            <a:fontRef idx="minor">
+              <a:schemeClr val="lt1"/>
+            </a:fontRef>
+          </p:style>
+          <p:txBody>
+            <a:bodyPr rtlCol="0" anchor="ctr"/>
+            <a:lstStyle/>
+            <a:p>
+              <a:pPr algn="ctr"/>
+              <a:endParaRPr lang="en-GB"/>
+            </a:p>
+          </p:txBody>
+        </p:sp>
+        <mc:AlternateContent xmlns:mc="http://schemas.openxmlformats.org/markup-compatibility/2006">
+          <mc:Choice xmlns:a14="http://schemas.microsoft.com/office/drawing/2010/main" Requires="a14">
+            <p:sp>
+              <p:nvSpPr>
+                <p:cNvPr id="70" name="Textfeld 69"/>
+                <p:cNvSpPr txBox="1"/>
+                <p:nvPr/>
+              </p:nvSpPr>
+              <p:spPr>
+                <a:xfrm>
+                  <a:off x="5826996" y="1628906"/>
+                  <a:ext cx="367985" cy="369332"/>
+                </a:xfrm>
+                <a:prstGeom prst="rect">
+                  <a:avLst/>
+                </a:prstGeom>
+                <a:noFill/>
+              </p:spPr>
+              <p:txBody>
+                <a:bodyPr wrap="none" rtlCol="0">
+                  <a:spAutoFit/>
+                </a:bodyPr>
+                <a:lstStyle/>
+                <a:p>
+                  <a:pPr/>
+                  <a14:m>
+                    <m:oMathPara xmlns:m="http://schemas.openxmlformats.org/officeDocument/2006/math">
+                      <m:oMathParaPr>
+                        <m:jc m:val="centerGroup"/>
+                      </m:oMathParaPr>
+                      <m:oMath xmlns:m="http://schemas.openxmlformats.org/officeDocument/2006/math">
+                        <m:r>
+                          <a:rPr lang="de-DE" b="0" i="1" dirty="0" smtClean="0">
+                            <a:solidFill>
+                              <a:prstClr val="black"/>
+                            </a:solidFill>
+                            <a:latin typeface="Cambria Math" panose="02040503050406030204" pitchFamily="18" charset="0"/>
+                            <a:ea typeface="Cambria Math" panose="02040503050406030204" pitchFamily="18" charset="0"/>
+                            <a:cs typeface="Courier New" panose="02070309020205020404" pitchFamily="49" charset="0"/>
+                          </a:rPr>
+                          <m:t>𝑜</m:t>
+                        </m:r>
+                      </m:oMath>
+                    </m:oMathPara>
+                  </a14:m>
+                  <a:endParaRPr lang="en-GB" dirty="0"/>
+                </a:p>
+              </p:txBody>
+            </p:sp>
+          </mc:Choice>
+          <mc:Fallback>
+            <p:sp>
+              <p:nvSpPr>
+                <p:cNvPr id="70" name="Textfeld 69"/>
+                <p:cNvSpPr txBox="1">
+                  <a:spLocks noRot="1" noChangeAspect="1" noMove="1" noResize="1" noEditPoints="1" noAdjustHandles="1" noChangeArrowheads="1" noChangeShapeType="1" noTextEdit="1"/>
+                </p:cNvSpPr>
+                <p:nvPr/>
+              </p:nvSpPr>
+              <p:spPr>
+                <a:xfrm>
+                  <a:off x="5826996" y="1628906"/>
+                  <a:ext cx="367985" cy="369332"/>
+                </a:xfrm>
+                <a:prstGeom prst="rect">
+                  <a:avLst/>
+                </a:prstGeom>
+                <a:blipFill rotWithShape="0">
+                  <a:blip r:embed="rId11"/>
+                  <a:stretch>
+                    <a:fillRect/>
+                  </a:stretch>
+                </a:blipFill>
+              </p:spPr>
+              <p:txBody>
+                <a:bodyPr/>
+                <a:lstStyle/>
+                <a:p>
+                  <a:r>
+                    <a:rPr lang="en-GB">
+                      <a:noFill/>
+                    </a:rPr>
+                    <a:t> </a:t>
+                  </a:r>
+                </a:p>
+              </p:txBody>
+            </p:sp>
+          </mc:Fallback>
+        </mc:AlternateContent>
+        <p:cxnSp>
+          <p:nvCxnSpPr>
+            <p:cNvPr id="71" name="Gerade Verbindung mit Pfeil 70"/>
+            <p:cNvCxnSpPr/>
+            <p:nvPr/>
+          </p:nvCxnSpPr>
+          <p:spPr>
+            <a:xfrm flipV="1">
+              <a:off x="7565815" y="2055393"/>
+              <a:ext cx="0" cy="252979"/>
+            </a:xfrm>
+            <a:prstGeom prst="straightConnector1">
+              <a:avLst/>
+            </a:prstGeom>
+            <a:ln w="57150">
+              <a:solidFill>
+                <a:srgbClr val="006600"/>
+              </a:solidFill>
+              <a:tailEnd type="triangle"/>
+            </a:ln>
+          </p:spPr>
+          <p:style>
+            <a:lnRef idx="1">
+              <a:schemeClr val="accent1"/>
+            </a:lnRef>
+            <a:fillRef idx="0">
+              <a:schemeClr val="accent1"/>
+            </a:fillRef>
+            <a:effectRef idx="0">
+              <a:schemeClr val="accent1"/>
+            </a:effectRef>
+            <a:fontRef idx="minor">
+              <a:schemeClr val="tx1"/>
+            </a:fontRef>
+          </p:style>
+        </p:cxnSp>
+        <mc:AlternateContent xmlns:mc="http://schemas.openxmlformats.org/markup-compatibility/2006">
+          <mc:Choice xmlns:a14="http://schemas.microsoft.com/office/drawing/2010/main" Requires="a14">
+            <p:sp>
+              <p:nvSpPr>
+                <p:cNvPr id="72" name="Textfeld 71"/>
+                <p:cNvSpPr txBox="1"/>
+                <p:nvPr/>
+              </p:nvSpPr>
+              <p:spPr>
+                <a:xfrm>
+                  <a:off x="7197189" y="1969664"/>
+                  <a:ext cx="368626" cy="369332"/>
+                </a:xfrm>
+                <a:prstGeom prst="rect">
+                  <a:avLst/>
+                </a:prstGeom>
+                <a:noFill/>
+              </p:spPr>
+              <p:txBody>
+                <a:bodyPr wrap="none" rtlCol="0">
+                  <a:spAutoFit/>
+                </a:bodyPr>
+                <a:lstStyle/>
+                <a:p>
+                  <a:pPr/>
+                  <a14:m>
+                    <m:oMathPara xmlns:m="http://schemas.openxmlformats.org/officeDocument/2006/math">
+                      <m:oMathParaPr>
+                        <m:jc m:val="centerGroup"/>
+                      </m:oMathParaPr>
+                      <m:oMath xmlns:m="http://schemas.openxmlformats.org/officeDocument/2006/math">
+                        <m:r>
+                          <a:rPr lang="de-DE" b="0" i="1" smtClean="0">
+                            <a:solidFill>
+                              <a:srgbClr val="006600"/>
+                            </a:solidFill>
+                            <a:latin typeface="Cambria Math" panose="02040503050406030204" pitchFamily="18" charset="0"/>
+                          </a:rPr>
+                          <m:t>𝑝</m:t>
+                        </m:r>
+                      </m:oMath>
+                    </m:oMathPara>
+                  </a14:m>
+                  <a:endParaRPr lang="en-GB" dirty="0">
+                    <a:solidFill>
+                      <a:srgbClr val="006600"/>
+                    </a:solidFill>
+                  </a:endParaRPr>
+                </a:p>
+              </p:txBody>
+            </p:sp>
+          </mc:Choice>
+          <mc:Fallback>
+            <p:sp>
+              <p:nvSpPr>
+                <p:cNvPr id="72" name="Textfeld 71"/>
+                <p:cNvSpPr txBox="1">
+                  <a:spLocks noRot="1" noChangeAspect="1" noMove="1" noResize="1" noEditPoints="1" noAdjustHandles="1" noChangeArrowheads="1" noChangeShapeType="1" noTextEdit="1"/>
+                </p:cNvSpPr>
+                <p:nvPr/>
+              </p:nvSpPr>
+              <p:spPr>
+                <a:xfrm>
+                  <a:off x="7197189" y="1969664"/>
+                  <a:ext cx="368626" cy="369332"/>
+                </a:xfrm>
+                <a:prstGeom prst="rect">
+                  <a:avLst/>
+                </a:prstGeom>
+                <a:blipFill rotWithShape="0">
+                  <a:blip r:embed="rId12"/>
+                  <a:stretch>
+                    <a:fillRect b="-6557"/>
+                  </a:stretch>
+                </a:blipFill>
+              </p:spPr>
+              <p:txBody>
+                <a:bodyPr/>
+                <a:lstStyle/>
+                <a:p>
+                  <a:r>
+                    <a:rPr lang="en-GB">
+                      <a:noFill/>
+                    </a:rPr>
+                    <a:t> </a:t>
+                  </a:r>
+                </a:p>
+              </p:txBody>
+            </p:sp>
+          </mc:Fallback>
+        </mc:AlternateContent>
+      </p:grpSp>
+      <p:grpSp>
+        <p:nvGrpSpPr>
+          <p:cNvPr id="78" name="Gruppieren 77"/>
+          <p:cNvGrpSpPr/>
+          <p:nvPr/>
+        </p:nvGrpSpPr>
+        <p:grpSpPr>
+          <a:xfrm>
+            <a:off x="8310225" y="2414020"/>
+            <a:ext cx="367985" cy="483064"/>
+            <a:chOff x="8310225" y="1631595"/>
+            <a:chExt cx="367985" cy="483064"/>
+          </a:xfrm>
+        </p:grpSpPr>
+        <p:sp>
+          <p:nvSpPr>
+            <p:cNvPr id="79" name="Ellipse 78"/>
+            <p:cNvSpPr/>
+            <p:nvPr/>
+          </p:nvSpPr>
+          <p:spPr>
+            <a:xfrm>
+              <a:off x="8420413" y="1967049"/>
+              <a:ext cx="147610" cy="147610"/>
+            </a:xfrm>
+            <a:prstGeom prst="ellipse">
+              <a:avLst/>
+            </a:prstGeom>
+            <a:solidFill>
+              <a:srgbClr val="C00000"/>
+            </a:solidFill>
+            <a:ln>
+              <a:noFill/>
+            </a:ln>
+          </p:spPr>
+          <p:style>
+            <a:lnRef idx="2">
+              <a:schemeClr val="accent1">
+                <a:shade val="50000"/>
+              </a:schemeClr>
+            </a:lnRef>
+            <a:fillRef idx="1">
+              <a:schemeClr val="accent1"/>
+            </a:fillRef>
+            <a:effectRef idx="0">
+              <a:schemeClr val="accent1"/>
+            </a:effectRef>
+            <a:fontRef idx="minor">
+              <a:schemeClr val="lt1"/>
+            </a:fontRef>
+          </p:style>
+          <p:txBody>
+            <a:bodyPr rtlCol="0" anchor="ctr"/>
+            <a:lstStyle/>
+            <a:p>
+              <a:pPr algn="ctr"/>
+              <a:endParaRPr lang="en-GB"/>
+            </a:p>
+          </p:txBody>
+        </p:sp>
+        <mc:AlternateContent xmlns:mc="http://schemas.openxmlformats.org/markup-compatibility/2006">
+          <mc:Choice xmlns:a14="http://schemas.microsoft.com/office/drawing/2010/main" Requires="a14">
+            <p:sp>
+              <p:nvSpPr>
+                <p:cNvPr id="80" name="Textfeld 79"/>
+                <p:cNvSpPr txBox="1"/>
+                <p:nvPr/>
+              </p:nvSpPr>
+              <p:spPr>
+                <a:xfrm>
+                  <a:off x="8310225" y="1631595"/>
+                  <a:ext cx="367985" cy="369332"/>
+                </a:xfrm>
+                <a:prstGeom prst="rect">
+                  <a:avLst/>
+                </a:prstGeom>
+                <a:noFill/>
+              </p:spPr>
+              <p:txBody>
+                <a:bodyPr wrap="none" rtlCol="0">
+                  <a:spAutoFit/>
+                </a:bodyPr>
+                <a:lstStyle/>
+                <a:p>
+                  <a:pPr/>
+                  <a14:m>
+                    <m:oMathPara xmlns:m="http://schemas.openxmlformats.org/officeDocument/2006/math">
+                      <m:oMathParaPr>
+                        <m:jc m:val="centerGroup"/>
+                      </m:oMathParaPr>
+                      <m:oMath xmlns:m="http://schemas.openxmlformats.org/officeDocument/2006/math">
+                        <m:r>
+                          <a:rPr lang="de-DE" b="0" i="1" dirty="0" smtClean="0">
+                            <a:solidFill>
+                              <a:srgbClr val="C00000"/>
+                            </a:solidFill>
+                            <a:latin typeface="Cambria Math" panose="02040503050406030204" pitchFamily="18" charset="0"/>
+                            <a:ea typeface="Cambria Math" panose="02040503050406030204" pitchFamily="18" charset="0"/>
+                            <a:cs typeface="Courier New" panose="02070309020205020404" pitchFamily="49" charset="0"/>
+                          </a:rPr>
+                          <m:t>𝑥</m:t>
+                        </m:r>
+                      </m:oMath>
+                    </m:oMathPara>
+                  </a14:m>
+                  <a:endParaRPr lang="en-GB" dirty="0">
+                    <a:solidFill>
+                      <a:srgbClr val="C00000"/>
+                    </a:solidFill>
+                  </a:endParaRPr>
+                </a:p>
+              </p:txBody>
+            </p:sp>
+          </mc:Choice>
+          <mc:Fallback>
+            <p:sp>
+              <p:nvSpPr>
+                <p:cNvPr id="80" name="Textfeld 79"/>
+                <p:cNvSpPr txBox="1">
+                  <a:spLocks noRot="1" noChangeAspect="1" noMove="1" noResize="1" noEditPoints="1" noAdjustHandles="1" noChangeArrowheads="1" noChangeShapeType="1" noTextEdit="1"/>
+                </p:cNvSpPr>
+                <p:nvPr/>
+              </p:nvSpPr>
+              <p:spPr>
+                <a:xfrm>
+                  <a:off x="8310225" y="1631595"/>
+                  <a:ext cx="367985" cy="369332"/>
+                </a:xfrm>
+                <a:prstGeom prst="rect">
+                  <a:avLst/>
+                </a:prstGeom>
+                <a:blipFill rotWithShape="0">
+                  <a:blip r:embed="rId13"/>
+                  <a:stretch>
+                    <a:fillRect/>
+                  </a:stretch>
+                </a:blipFill>
+              </p:spPr>
+              <p:txBody>
+                <a:bodyPr/>
+                <a:lstStyle/>
+                <a:p>
+                  <a:r>
+                    <a:rPr lang="en-GB">
+                      <a:noFill/>
+                    </a:rPr>
+                    <a:t> </a:t>
+                  </a:r>
+                </a:p>
+              </p:txBody>
+            </p:sp>
+          </mc:Fallback>
+        </mc:AlternateContent>
+      </p:grpSp>
+      <p:sp>
+        <p:nvSpPr>
+          <p:cNvPr id="81" name="Freihandform 80"/>
+          <p:cNvSpPr/>
+          <p:nvPr/>
+        </p:nvSpPr>
+        <p:spPr>
+          <a:xfrm>
+            <a:off x="6089651" y="2649955"/>
+            <a:ext cx="1728004" cy="190115"/>
+          </a:xfrm>
+          <a:custGeom>
+            <a:avLst/>
+            <a:gdLst>
+              <a:gd name="connsiteX0" fmla="*/ 186267 w 550333"/>
+              <a:gd name="connsiteY0" fmla="*/ 199762 h 199762"/>
+              <a:gd name="connsiteX1" fmla="*/ 508000 w 550333"/>
+              <a:gd name="connsiteY1" fmla="*/ 81229 h 199762"/>
+              <a:gd name="connsiteX2" fmla="*/ 491067 w 550333"/>
+              <a:gd name="connsiteY2" fmla="*/ 5029 h 199762"/>
+              <a:gd name="connsiteX3" fmla="*/ 0 w 550333"/>
+              <a:gd name="connsiteY3" fmla="*/ 13495 h 199762"/>
+              <a:gd name="connsiteX0" fmla="*/ 1335617 w 1780585"/>
+              <a:gd name="connsiteY0" fmla="*/ 196911 h 196911"/>
+              <a:gd name="connsiteX1" fmla="*/ 1657350 w 1780585"/>
+              <a:gd name="connsiteY1" fmla="*/ 78378 h 196911"/>
+              <a:gd name="connsiteX2" fmla="*/ 1640417 w 1780585"/>
+              <a:gd name="connsiteY2" fmla="*/ 2178 h 196911"/>
+              <a:gd name="connsiteX3" fmla="*/ 0 w 1780585"/>
+              <a:gd name="connsiteY3" fmla="*/ 163044 h 196911"/>
+              <a:gd name="connsiteX0" fmla="*/ 1335617 w 1795325"/>
+              <a:gd name="connsiteY0" fmla="*/ 194734 h 194734"/>
+              <a:gd name="connsiteX1" fmla="*/ 1692275 w 1795325"/>
+              <a:gd name="connsiteY1" fmla="*/ 161926 h 194734"/>
+              <a:gd name="connsiteX2" fmla="*/ 1640417 w 1795325"/>
+              <a:gd name="connsiteY2" fmla="*/ 1 h 194734"/>
+              <a:gd name="connsiteX3" fmla="*/ 0 w 1795325"/>
+              <a:gd name="connsiteY3" fmla="*/ 160867 h 194734"/>
+              <a:gd name="connsiteX0" fmla="*/ 1335617 w 1828816"/>
+              <a:gd name="connsiteY0" fmla="*/ 182034 h 182034"/>
+              <a:gd name="connsiteX1" fmla="*/ 1692275 w 1828816"/>
+              <a:gd name="connsiteY1" fmla="*/ 149226 h 182034"/>
+              <a:gd name="connsiteX2" fmla="*/ 1688042 w 1828816"/>
+              <a:gd name="connsiteY2" fmla="*/ 1 h 182034"/>
+              <a:gd name="connsiteX3" fmla="*/ 0 w 1828816"/>
+              <a:gd name="connsiteY3" fmla="*/ 148167 h 182034"/>
+              <a:gd name="connsiteX0" fmla="*/ 1335617 w 1796820"/>
+              <a:gd name="connsiteY0" fmla="*/ 199472 h 199472"/>
+              <a:gd name="connsiteX1" fmla="*/ 1692275 w 1796820"/>
+              <a:gd name="connsiteY1" fmla="*/ 166664 h 199472"/>
+              <a:gd name="connsiteX2" fmla="*/ 1688042 w 1796820"/>
+              <a:gd name="connsiteY2" fmla="*/ 17439 h 199472"/>
+              <a:gd name="connsiteX3" fmla="*/ 0 w 1796820"/>
+              <a:gd name="connsiteY3" fmla="*/ 165605 h 199472"/>
+              <a:gd name="connsiteX0" fmla="*/ 1335617 w 1797703"/>
+              <a:gd name="connsiteY0" fmla="*/ 199472 h 199472"/>
+              <a:gd name="connsiteX1" fmla="*/ 1692275 w 1797703"/>
+              <a:gd name="connsiteY1" fmla="*/ 166664 h 199472"/>
+              <a:gd name="connsiteX2" fmla="*/ 1688042 w 1797703"/>
+              <a:gd name="connsiteY2" fmla="*/ 17439 h 199472"/>
+              <a:gd name="connsiteX3" fmla="*/ 0 w 1797703"/>
+              <a:gd name="connsiteY3" fmla="*/ 165605 h 199472"/>
+              <a:gd name="connsiteX0" fmla="*/ 1335617 w 1797703"/>
+              <a:gd name="connsiteY0" fmla="*/ 199472 h 201160"/>
+              <a:gd name="connsiteX1" fmla="*/ 1692275 w 1797703"/>
+              <a:gd name="connsiteY1" fmla="*/ 166664 h 201160"/>
+              <a:gd name="connsiteX2" fmla="*/ 1688042 w 1797703"/>
+              <a:gd name="connsiteY2" fmla="*/ 17439 h 201160"/>
+              <a:gd name="connsiteX3" fmla="*/ 0 w 1797703"/>
+              <a:gd name="connsiteY3" fmla="*/ 165605 h 201160"/>
+              <a:gd name="connsiteX0" fmla="*/ 1335617 w 1793377"/>
+              <a:gd name="connsiteY0" fmla="*/ 199472 h 201902"/>
+              <a:gd name="connsiteX1" fmla="*/ 1692275 w 1793377"/>
+              <a:gd name="connsiteY1" fmla="*/ 166664 h 201902"/>
+              <a:gd name="connsiteX2" fmla="*/ 1688042 w 1793377"/>
+              <a:gd name="connsiteY2" fmla="*/ 17439 h 201902"/>
+              <a:gd name="connsiteX3" fmla="*/ 0 w 1793377"/>
+              <a:gd name="connsiteY3" fmla="*/ 165605 h 201902"/>
+              <a:gd name="connsiteX0" fmla="*/ 1335617 w 1732339"/>
+              <a:gd name="connsiteY0" fmla="*/ 189870 h 192300"/>
+              <a:gd name="connsiteX1" fmla="*/ 1692275 w 1732339"/>
+              <a:gd name="connsiteY1" fmla="*/ 157062 h 192300"/>
+              <a:gd name="connsiteX2" fmla="*/ 1688042 w 1732339"/>
+              <a:gd name="connsiteY2" fmla="*/ 7837 h 192300"/>
+              <a:gd name="connsiteX3" fmla="*/ 0 w 1732339"/>
+              <a:gd name="connsiteY3" fmla="*/ 156003 h 192300"/>
+              <a:gd name="connsiteX0" fmla="*/ 1488017 w 1728004"/>
+              <a:gd name="connsiteY0" fmla="*/ 189870 h 190115"/>
+              <a:gd name="connsiteX1" fmla="*/ 1692275 w 1728004"/>
+              <a:gd name="connsiteY1" fmla="*/ 157062 h 190115"/>
+              <a:gd name="connsiteX2" fmla="*/ 1688042 w 1728004"/>
+              <a:gd name="connsiteY2" fmla="*/ 7837 h 190115"/>
+              <a:gd name="connsiteX3" fmla="*/ 0 w 1728004"/>
+              <a:gd name="connsiteY3" fmla="*/ 156003 h 190115"/>
+            </a:gdLst>
+            <a:ahLst/>
+            <a:cxnLst>
+              <a:cxn ang="0">
+                <a:pos x="connsiteX0" y="connsiteY0"/>
+              </a:cxn>
+              <a:cxn ang="0">
+                <a:pos x="connsiteX1" y="connsiteY1"/>
+              </a:cxn>
+              <a:cxn ang="0">
+                <a:pos x="connsiteX2" y="connsiteY2"/>
+              </a:cxn>
+              <a:cxn ang="0">
+                <a:pos x="connsiteX3" y="connsiteY3"/>
+              </a:cxn>
+            </a:cxnLst>
+            <a:rect l="l" t="t" r="r" b="b"/>
+            <a:pathLst>
+              <a:path w="1728004" h="190115">
+                <a:moveTo>
+                  <a:pt x="1488017" y="189870"/>
+                </a:moveTo>
+                <a:cubicBezTo>
+                  <a:pt x="1645708" y="191281"/>
+                  <a:pt x="1658938" y="187401"/>
+                  <a:pt x="1692275" y="157062"/>
+                </a:cubicBezTo>
+                <a:cubicBezTo>
+                  <a:pt x="1725612" y="126723"/>
+                  <a:pt x="1754188" y="55638"/>
+                  <a:pt x="1688042" y="7837"/>
+                </a:cubicBezTo>
+                <a:cubicBezTo>
+                  <a:pt x="1621896" y="-39964"/>
+                  <a:pt x="203200" y="146125"/>
+                  <a:pt x="0" y="156003"/>
+                </a:cubicBezTo>
+              </a:path>
+            </a:pathLst>
+          </a:custGeom>
+          <a:noFill/>
+          <a:ln w="28575">
+            <a:solidFill>
+              <a:schemeClr val="tx1"/>
+            </a:solidFill>
+            <a:headEnd type="none" w="med" len="med"/>
+            <a:tailEnd type="triangle" w="med" len="med"/>
+          </a:ln>
+        </p:spPr>
+        <p:style>
+          <a:lnRef idx="2">
+            <a:schemeClr val="accent1">
+              <a:shade val="50000"/>
+            </a:schemeClr>
+          </a:lnRef>
+          <a:fillRef idx="1">
+            <a:schemeClr val="accent1"/>
+          </a:fillRef>
+          <a:effectRef idx="0">
+            <a:schemeClr val="accent1"/>
+          </a:effectRef>
+          <a:fontRef idx="minor">
+            <a:schemeClr val="lt1"/>
+          </a:fontRef>
+        </p:style>
+        <p:txBody>
+          <a:bodyPr rtlCol="0" anchor="ctr"/>
+          <a:lstStyle/>
+          <a:p>
+            <a:pPr algn="ctr"/>
+            <a:endParaRPr lang="en-GB"/>
+          </a:p>
+        </p:txBody>
+      </p:sp>
+      <p:grpSp>
+        <p:nvGrpSpPr>
+          <p:cNvPr id="86" name="Gruppieren 85"/>
+          <p:cNvGrpSpPr/>
+          <p:nvPr/>
+        </p:nvGrpSpPr>
+        <p:grpSpPr>
+          <a:xfrm>
+            <a:off x="317599" y="2216095"/>
+            <a:ext cx="8360611" cy="2189156"/>
+            <a:chOff x="317599" y="2269722"/>
+            <a:chExt cx="8360611" cy="2189156"/>
+          </a:xfrm>
+        </p:grpSpPr>
+        <p:sp>
+          <p:nvSpPr>
+            <p:cNvPr id="2" name="Rechteck 1"/>
+            <p:cNvSpPr/>
+            <p:nvPr/>
+          </p:nvSpPr>
+          <p:spPr>
+            <a:xfrm>
+              <a:off x="317599" y="2525067"/>
+              <a:ext cx="8360611" cy="1933811"/>
+            </a:xfrm>
+            <a:prstGeom prst="rect">
+              <a:avLst/>
+            </a:prstGeom>
+            <a:solidFill>
+              <a:schemeClr val="bg1"/>
+            </a:solidFill>
+            <a:ln>
+              <a:noFill/>
+            </a:ln>
+          </p:spPr>
+          <p:style>
+            <a:lnRef idx="2">
+              <a:schemeClr val="accent1">
+                <a:shade val="50000"/>
+              </a:schemeClr>
+            </a:lnRef>
+            <a:fillRef idx="1">
+              <a:schemeClr val="accent1"/>
+            </a:fillRef>
+            <a:effectRef idx="0">
+              <a:schemeClr val="accent1"/>
+            </a:effectRef>
+            <a:fontRef idx="minor">
+              <a:schemeClr val="lt1"/>
+            </a:fontRef>
+          </p:style>
+          <p:txBody>
+            <a:bodyPr rtlCol="0" anchor="ctr"/>
+            <a:lstStyle/>
+            <a:p>
+              <a:pPr algn="ctr"/>
+              <a:endParaRPr lang="en-GB"/>
+            </a:p>
+          </p:txBody>
+        </p:sp>
+        <p:sp>
+          <p:nvSpPr>
+            <p:cNvPr id="85" name="Rechteck 84"/>
+            <p:cNvSpPr/>
+            <p:nvPr/>
+          </p:nvSpPr>
+          <p:spPr>
+            <a:xfrm>
+              <a:off x="317599" y="2269722"/>
+              <a:ext cx="4906640" cy="255345"/>
+            </a:xfrm>
+            <a:prstGeom prst="rect">
+              <a:avLst/>
+            </a:prstGeom>
+            <a:solidFill>
+              <a:schemeClr val="bg1"/>
+            </a:solidFill>
+            <a:ln>
+              <a:noFill/>
+            </a:ln>
+          </p:spPr>
+          <p:style>
+            <a:lnRef idx="2">
+              <a:schemeClr val="accent1">
+                <a:shade val="50000"/>
+              </a:schemeClr>
+            </a:lnRef>
+            <a:fillRef idx="1">
+              <a:schemeClr val="accent1"/>
+            </a:fillRef>
+            <a:effectRef idx="0">
+              <a:schemeClr val="accent1"/>
+            </a:effectRef>
+            <a:fontRef idx="minor">
+              <a:schemeClr val="lt1"/>
+            </a:fontRef>
+          </p:style>
+          <p:txBody>
+            <a:bodyPr rtlCol="0" anchor="ctr"/>
+            <a:lstStyle/>
+            <a:p>
+              <a:pPr algn="ctr"/>
+              <a:endParaRPr lang="en-GB"/>
+            </a:p>
+          </p:txBody>
+        </p:sp>
+      </p:grpSp>
+      <mc:AlternateContent xmlns:mc="http://schemas.openxmlformats.org/markup-compatibility/2006">
+        <mc:Choice xmlns:a14="http://schemas.microsoft.com/office/drawing/2010/main" Requires="a14">
+          <p:sp>
+            <p:nvSpPr>
+              <p:cNvPr id="87" name="Textfeld 86"/>
+              <p:cNvSpPr txBox="1"/>
+              <p:nvPr/>
+            </p:nvSpPr>
+            <p:spPr>
+              <a:xfrm>
+                <a:off x="744537" y="3288561"/>
+                <a:ext cx="974048" cy="416845"/>
+              </a:xfrm>
+              <a:prstGeom prst="rect">
+                <a:avLst/>
+              </a:prstGeom>
+              <a:noFill/>
+            </p:spPr>
+            <p:txBody>
+              <a:bodyPr wrap="none" lIns="0" tIns="0" rIns="0" bIns="0" rtlCol="0">
+                <a:spAutoFit/>
+              </a:bodyPr>
+              <a:lstStyle/>
+              <a:p>
+                <a:pPr/>
+                <a14:m>
+                  <m:oMathPara xmlns:m="http://schemas.openxmlformats.org/officeDocument/2006/math">
+                    <m:oMathParaPr>
+                      <m:jc m:val="centerGroup"/>
+                    </m:oMathParaPr>
+                    <m:oMath xmlns:m="http://schemas.openxmlformats.org/officeDocument/2006/math">
+                      <m:d>
+                        <m:dPr>
+                          <m:begChr m:val="|"/>
+                          <m:endChr m:val="|"/>
+                          <m:ctrlPr>
+                            <a:rPr lang="de-DE" sz="2400" b="0" i="1" smtClean="0">
+                              <a:latin typeface="Cambria Math" panose="02040503050406030204" pitchFamily="18" charset="0"/>
+                            </a:rPr>
+                          </m:ctrlPr>
+                        </m:dPr>
+                        <m:e>
+                          <m:sSup>
+                            <m:sSupPr>
+                              <m:ctrlPr>
+                                <a:rPr lang="de-DE" sz="2400" i="1">
+                                  <a:latin typeface="Cambria Math" panose="02040503050406030204" pitchFamily="18" charset="0"/>
+                                </a:rPr>
+                              </m:ctrlPr>
+                            </m:sSupPr>
+                            <m:e>
+                              <m:r>
+                                <a:rPr lang="de-DE" sz="2400" i="1">
+                                  <a:latin typeface="Cambria Math" panose="02040503050406030204" pitchFamily="18" charset="0"/>
+                                </a:rPr>
+                                <m:t>𝒯</m:t>
+                              </m:r>
+                            </m:e>
+                            <m:sup>
+                              <m:r>
+                                <m:rPr>
+                                  <m:sty m:val="p"/>
+                                </m:rPr>
+                                <a:rPr lang="de-DE" sz="2400" b="0" i="0" smtClean="0">
+                                  <a:latin typeface="Cambria Math" panose="02040503050406030204" pitchFamily="18" charset="0"/>
+                                </a:rPr>
+                                <m:t>PAH</m:t>
+                              </m:r>
+                            </m:sup>
+                          </m:sSup>
+                        </m:e>
+                      </m:d>
+                    </m:oMath>
+                  </m:oMathPara>
+                </a14:m>
+                <a:endParaRPr lang="en-GB" sz="2400" dirty="0"/>
+              </a:p>
+            </p:txBody>
+          </p:sp>
+        </mc:Choice>
+        <mc:Fallback>
+          <p:sp>
+            <p:nvSpPr>
+              <p:cNvPr id="87" name="Textfeld 86"/>
+              <p:cNvSpPr txBox="1">
+                <a:spLocks noRot="1" noChangeAspect="1" noMove="1" noResize="1" noEditPoints="1" noAdjustHandles="1" noChangeArrowheads="1" noChangeShapeType="1" noTextEdit="1"/>
+              </p:cNvSpPr>
+              <p:nvPr/>
+            </p:nvSpPr>
+            <p:spPr>
+              <a:xfrm>
+                <a:off x="744537" y="3288561"/>
+                <a:ext cx="974048" cy="416845"/>
+              </a:xfrm>
+              <a:prstGeom prst="rect">
+                <a:avLst/>
+              </a:prstGeom>
+              <a:blipFill rotWithShape="0">
+                <a:blip r:embed="rId14"/>
+                <a:stretch>
+                  <a:fillRect/>
+                </a:stretch>
+              </a:blipFill>
+            </p:spPr>
+            <p:txBody>
+              <a:bodyPr/>
+              <a:lstStyle/>
+              <a:p>
+                <a:r>
+                  <a:rPr lang="en-GB">
+                    <a:noFill/>
+                  </a:rPr>
+                  <a:t> </a:t>
+                </a:r>
+              </a:p>
+            </p:txBody>
+          </p:sp>
+        </mc:Fallback>
+      </mc:AlternateContent>
+      <mc:AlternateContent xmlns:mc="http://schemas.openxmlformats.org/markup-compatibility/2006">
+        <mc:Choice xmlns:a14="http://schemas.microsoft.com/office/drawing/2010/main" Requires="a14">
+          <p:sp>
+            <p:nvSpPr>
+              <p:cNvPr id="89" name="Rechteck 88"/>
+              <p:cNvSpPr/>
+              <p:nvPr/>
+            </p:nvSpPr>
+            <p:spPr>
+              <a:xfrm>
+                <a:off x="1718585" y="3275776"/>
+                <a:ext cx="956821" cy="461665"/>
+              </a:xfrm>
+              <a:prstGeom prst="rect">
+                <a:avLst/>
+              </a:prstGeom>
+            </p:spPr>
+            <p:txBody>
+              <a:bodyPr wrap="square">
+                <a:spAutoFit/>
+              </a:bodyPr>
+              <a:lstStyle/>
+              <a:p>
+                <a:pPr/>
+                <a14:m>
+                  <m:oMathPara xmlns:m="http://schemas.openxmlformats.org/officeDocument/2006/math">
+                    <m:oMathParaPr>
+                      <m:jc m:val="left"/>
+                    </m:oMathParaPr>
+                    <m:oMath xmlns:m="http://schemas.openxmlformats.org/officeDocument/2006/math">
+                      <m:r>
+                        <a:rPr lang="de-DE" sz="2400" i="1">
+                          <a:solidFill>
+                            <a:prstClr val="black"/>
+                          </a:solidFill>
+                          <a:latin typeface="Cambria Math" panose="02040503050406030204" pitchFamily="18" charset="0"/>
+                        </a:rPr>
+                        <m:t>≤</m:t>
+                      </m:r>
+                      <m:acc>
+                        <m:accPr>
+                          <m:chr m:val="̂"/>
+                          <m:ctrlPr>
+                            <a:rPr lang="de-DE" sz="2400" i="1">
+                              <a:solidFill>
+                                <a:prstClr val="black"/>
+                              </a:solidFill>
+                              <a:latin typeface="Cambria Math" panose="02040503050406030204" pitchFamily="18" charset="0"/>
+                            </a:rPr>
+                          </m:ctrlPr>
+                        </m:accPr>
+                        <m:e>
+                          <m:r>
+                            <a:rPr lang="de-DE" sz="2400" i="1">
+                              <a:solidFill>
+                                <a:prstClr val="black"/>
+                              </a:solidFill>
+                              <a:latin typeface="Cambria Math" panose="02040503050406030204" pitchFamily="18" charset="0"/>
+                            </a:rPr>
+                            <m:t>𝑡</m:t>
+                          </m:r>
+                        </m:e>
+                      </m:acc>
+                      <m:r>
+                        <a:rPr lang="de-DE" sz="2400" i="1">
+                          <a:solidFill>
+                            <a:prstClr val="black"/>
+                          </a:solidFill>
+                          <a:latin typeface="Cambria Math" panose="02040503050406030204" pitchFamily="18" charset="0"/>
+                        </a:rPr>
+                        <m:t>+</m:t>
+                      </m:r>
+                    </m:oMath>
+                  </m:oMathPara>
+                </a14:m>
+                <a:endParaRPr lang="en-GB" dirty="0"/>
+              </a:p>
+            </p:txBody>
+          </p:sp>
+        </mc:Choice>
+        <mc:Fallback>
+          <p:sp>
+            <p:nvSpPr>
+              <p:cNvPr id="89" name="Rechteck 88"/>
+              <p:cNvSpPr>
+                <a:spLocks noRot="1" noChangeAspect="1" noMove="1" noResize="1" noEditPoints="1" noAdjustHandles="1" noChangeArrowheads="1" noChangeShapeType="1" noTextEdit="1"/>
+              </p:cNvSpPr>
+              <p:nvPr/>
+            </p:nvSpPr>
+            <p:spPr>
+              <a:xfrm>
+                <a:off x="1718585" y="3275776"/>
+                <a:ext cx="956821" cy="461665"/>
+              </a:xfrm>
+              <a:prstGeom prst="rect">
+                <a:avLst/>
+              </a:prstGeom>
+              <a:blipFill rotWithShape="0">
+                <a:blip r:embed="rId15"/>
+                <a:stretch>
+                  <a:fillRect l="-1911" t="-11842" r="-1274"/>
+                </a:stretch>
+              </a:blipFill>
+            </p:spPr>
+            <p:txBody>
+              <a:bodyPr/>
+              <a:lstStyle/>
+              <a:p>
+                <a:r>
+                  <a:rPr lang="en-GB">
+                    <a:noFill/>
+                  </a:rPr>
+                  <a:t> </a:t>
+                </a:r>
+              </a:p>
+            </p:txBody>
+          </p:sp>
+        </mc:Fallback>
+      </mc:AlternateContent>
+      <mc:AlternateContent xmlns:mc="http://schemas.openxmlformats.org/markup-compatibility/2006">
+        <mc:Choice xmlns:a14="http://schemas.microsoft.com/office/drawing/2010/main" Requires="a14">
+          <p:sp>
+            <p:nvSpPr>
+              <p:cNvPr id="91" name="Rechteck 90"/>
+              <p:cNvSpPr/>
+              <p:nvPr/>
+            </p:nvSpPr>
+            <p:spPr>
+              <a:xfrm>
+                <a:off x="2565823" y="3275776"/>
+                <a:ext cx="659239" cy="461665"/>
+              </a:xfrm>
+              <a:prstGeom prst="rect">
+                <a:avLst/>
+              </a:prstGeom>
+            </p:spPr>
+            <p:txBody>
+              <a:bodyPr wrap="square">
+                <a:spAutoFit/>
+              </a:bodyPr>
+              <a:lstStyle/>
+              <a:p>
+                <a:pPr/>
+                <a14:m>
+                  <m:oMathPara xmlns:m="http://schemas.openxmlformats.org/officeDocument/2006/math">
+                    <m:oMathParaPr>
+                      <m:jc m:val="left"/>
+                    </m:oMathParaPr>
+                    <m:oMath xmlns:m="http://schemas.openxmlformats.org/officeDocument/2006/math">
+                      <m:d>
+                        <m:dPr>
+                          <m:begChr m:val="|"/>
+                          <m:endChr m:val="|"/>
+                          <m:ctrlPr>
+                            <a:rPr lang="de-DE" sz="2400" i="1">
+                              <a:solidFill>
+                                <a:prstClr val="black"/>
+                              </a:solidFill>
+                              <a:latin typeface="Cambria Math" panose="02040503050406030204" pitchFamily="18" charset="0"/>
+                            </a:rPr>
+                          </m:ctrlPr>
+                        </m:dPr>
+                        <m:e>
+                          <m:sSup>
+                            <m:sSupPr>
+                              <m:ctrlPr>
+                                <a:rPr lang="de-DE" sz="2400" i="1">
+                                  <a:solidFill>
+                                    <a:prstClr val="black"/>
+                                  </a:solidFill>
+                                  <a:latin typeface="Cambria Math" panose="02040503050406030204" pitchFamily="18" charset="0"/>
+                                </a:rPr>
+                              </m:ctrlPr>
+                            </m:sSupPr>
+                            <m:e>
+                              <m:r>
+                                <a:rPr lang="de-DE" sz="2400" i="1">
+                                  <a:solidFill>
+                                    <a:prstClr val="black"/>
+                                  </a:solidFill>
+                                  <a:latin typeface="Cambria Math" panose="02040503050406030204" pitchFamily="18" charset="0"/>
+                                </a:rPr>
+                                <m:t>𝒯</m:t>
+                              </m:r>
+                            </m:e>
+                            <m:sup>
+                              <m:r>
+                                <a:rPr lang="de-DE" sz="2400" i="1">
+                                  <a:solidFill>
+                                    <a:prstClr val="black"/>
+                                  </a:solidFill>
+                                  <a:latin typeface="Cambria Math" panose="02040503050406030204" pitchFamily="18" charset="0"/>
+                                </a:rPr>
+                                <m:t>∗</m:t>
+                              </m:r>
+                            </m:sup>
+                          </m:sSup>
+                        </m:e>
+                      </m:d>
+                    </m:oMath>
+                  </m:oMathPara>
+                </a14:m>
+                <a:endParaRPr lang="en-GB" dirty="0"/>
+              </a:p>
+            </p:txBody>
+          </p:sp>
+        </mc:Choice>
+        <mc:Fallback>
+          <p:sp>
+            <p:nvSpPr>
+              <p:cNvPr id="91" name="Rechteck 90"/>
+              <p:cNvSpPr>
+                <a:spLocks noRot="1" noChangeAspect="1" noMove="1" noResize="1" noEditPoints="1" noAdjustHandles="1" noChangeArrowheads="1" noChangeShapeType="1" noTextEdit="1"/>
+              </p:cNvSpPr>
+              <p:nvPr/>
+            </p:nvSpPr>
+            <p:spPr>
+              <a:xfrm>
+                <a:off x="2565823" y="3275776"/>
+                <a:ext cx="659239" cy="461665"/>
+              </a:xfrm>
+              <a:prstGeom prst="rect">
+                <a:avLst/>
+              </a:prstGeom>
+              <a:blipFill rotWithShape="0">
+                <a:blip r:embed="rId16"/>
+                <a:stretch>
+                  <a:fillRect/>
+                </a:stretch>
+              </a:blipFill>
+            </p:spPr>
+            <p:txBody>
+              <a:bodyPr/>
+              <a:lstStyle/>
+              <a:p>
+                <a:r>
+                  <a:rPr lang="en-GB">
+                    <a:noFill/>
+                  </a:rPr>
+                  <a:t> </a:t>
+                </a:r>
+              </a:p>
+            </p:txBody>
+          </p:sp>
+        </mc:Fallback>
+      </mc:AlternateContent>
+      <mc:AlternateContent xmlns:mc="http://schemas.openxmlformats.org/markup-compatibility/2006">
+        <mc:Choice xmlns:a14="http://schemas.microsoft.com/office/drawing/2010/main" Requires="a14">
+          <p:sp>
+            <p:nvSpPr>
+              <p:cNvPr id="93" name="Rechteck 92"/>
+              <p:cNvSpPr/>
+              <p:nvPr/>
+            </p:nvSpPr>
+            <p:spPr>
+              <a:xfrm>
+                <a:off x="3226250" y="3238686"/>
+                <a:ext cx="2710934" cy="509178"/>
+              </a:xfrm>
+              <a:prstGeom prst="rect">
+                <a:avLst/>
+              </a:prstGeom>
+            </p:spPr>
+            <p:txBody>
+              <a:bodyPr wrap="none">
+                <a:spAutoFit/>
+              </a:bodyPr>
+              <a:lstStyle/>
+              <a:p>
+                <a14:m>
+                  <m:oMathPara xmlns:m="http://schemas.openxmlformats.org/officeDocument/2006/math">
+                    <m:oMathParaPr>
+                      <m:jc m:val="centerGroup"/>
+                    </m:oMathParaPr>
+                    <m:oMath xmlns:m="http://schemas.openxmlformats.org/officeDocument/2006/math">
+                      <m:r>
+                        <a:rPr lang="de-DE" sz="2400" i="1">
+                          <a:solidFill>
+                            <a:prstClr val="black"/>
+                          </a:solidFill>
+                          <a:latin typeface="Cambria Math" panose="02040503050406030204" pitchFamily="18" charset="0"/>
+                        </a:rPr>
+                        <m:t>≤</m:t>
+                      </m:r>
+                      <m:d>
+                        <m:dPr>
+                          <m:begChr m:val="|"/>
+                          <m:endChr m:val="|"/>
+                          <m:ctrlPr>
+                            <a:rPr lang="de-DE" sz="2400" i="1">
+                              <a:solidFill>
+                                <a:prstClr val="black"/>
+                              </a:solidFill>
+                              <a:latin typeface="Cambria Math" panose="02040503050406030204" pitchFamily="18" charset="0"/>
+                            </a:rPr>
+                          </m:ctrlPr>
+                        </m:dPr>
+                        <m:e>
+                          <m:sSup>
+                            <m:sSupPr>
+                              <m:ctrlPr>
+                                <a:rPr lang="de-DE" sz="2400" i="1">
+                                  <a:solidFill>
+                                    <a:prstClr val="black"/>
+                                  </a:solidFill>
+                                  <a:latin typeface="Cambria Math" panose="02040503050406030204" pitchFamily="18" charset="0"/>
+                                </a:rPr>
+                              </m:ctrlPr>
+                            </m:sSupPr>
+                            <m:e>
+                              <m:r>
+                                <a:rPr lang="de-DE" sz="2400" i="1">
+                                  <a:solidFill>
+                                    <a:prstClr val="black"/>
+                                  </a:solidFill>
+                                  <a:latin typeface="Cambria Math" panose="02040503050406030204" pitchFamily="18" charset="0"/>
+                                </a:rPr>
+                                <m:t>𝒯</m:t>
+                              </m:r>
+                            </m:e>
+                            <m:sup>
+                              <m:r>
+                                <m:rPr>
+                                  <m:sty m:val="p"/>
+                                </m:rPr>
+                                <a:rPr lang="de-DE" sz="2400">
+                                  <a:solidFill>
+                                    <a:prstClr val="black"/>
+                                  </a:solidFill>
+                                  <a:latin typeface="Cambria Math" panose="02040503050406030204" pitchFamily="18" charset="0"/>
+                                </a:rPr>
+                                <m:t>OPT</m:t>
+                              </m:r>
+                            </m:sup>
+                          </m:sSup>
+                        </m:e>
+                      </m:d>
+                      <m:r>
+                        <a:rPr lang="de-DE" sz="2400" i="1">
+                          <a:solidFill>
+                            <a:prstClr val="black"/>
+                          </a:solidFill>
+                          <a:latin typeface="Cambria Math" panose="02040503050406030204" pitchFamily="18" charset="0"/>
+                        </a:rPr>
+                        <m:t>+</m:t>
+                      </m:r>
+                      <m:d>
+                        <m:dPr>
+                          <m:begChr m:val="|"/>
+                          <m:endChr m:val="|"/>
+                          <m:ctrlPr>
+                            <a:rPr lang="de-DE" sz="2400" i="1">
+                              <a:solidFill>
+                                <a:prstClr val="black"/>
+                              </a:solidFill>
+                              <a:latin typeface="Cambria Math" panose="02040503050406030204" pitchFamily="18" charset="0"/>
+                            </a:rPr>
+                          </m:ctrlPr>
+                        </m:dPr>
+                        <m:e>
+                          <m:sSup>
+                            <m:sSupPr>
+                              <m:ctrlPr>
+                                <a:rPr lang="de-DE" sz="2400" i="1">
+                                  <a:solidFill>
+                                    <a:prstClr val="black"/>
+                                  </a:solidFill>
+                                  <a:latin typeface="Cambria Math" panose="02040503050406030204" pitchFamily="18" charset="0"/>
+                                </a:rPr>
+                              </m:ctrlPr>
+                            </m:sSupPr>
+                            <m:e>
+                              <m:r>
+                                <a:rPr lang="de-DE" sz="2400" i="1">
+                                  <a:solidFill>
+                                    <a:prstClr val="black"/>
+                                  </a:solidFill>
+                                  <a:latin typeface="Cambria Math" panose="02040503050406030204" pitchFamily="18" charset="0"/>
+                                </a:rPr>
+                                <m:t>𝒯</m:t>
+                              </m:r>
+                            </m:e>
+                            <m:sup>
+                              <m:r>
+                                <m:rPr>
+                                  <m:sty m:val="p"/>
+                                </m:rPr>
+                                <a:rPr lang="de-DE" sz="2400">
+                                  <a:solidFill>
+                                    <a:prstClr val="black"/>
+                                  </a:solidFill>
+                                  <a:latin typeface="Cambria Math" panose="02040503050406030204" pitchFamily="18" charset="0"/>
+                                </a:rPr>
+                                <m:t>OPT</m:t>
+                              </m:r>
+                            </m:sup>
+                          </m:sSup>
+                        </m:e>
+                      </m:d>
+                    </m:oMath>
+                  </m:oMathPara>
+                </a14:m>
+                <a:endParaRPr lang="en-GB" dirty="0"/>
+              </a:p>
+            </p:txBody>
+          </p:sp>
+        </mc:Choice>
+        <mc:Fallback>
+          <p:sp>
+            <p:nvSpPr>
+              <p:cNvPr id="93" name="Rechteck 92"/>
+              <p:cNvSpPr>
+                <a:spLocks noRot="1" noChangeAspect="1" noMove="1" noResize="1" noEditPoints="1" noAdjustHandles="1" noChangeArrowheads="1" noChangeShapeType="1" noTextEdit="1"/>
+              </p:cNvSpPr>
+              <p:nvPr/>
+            </p:nvSpPr>
+            <p:spPr>
+              <a:xfrm>
+                <a:off x="3226250" y="3238686"/>
+                <a:ext cx="2710934" cy="509178"/>
+              </a:xfrm>
+              <a:prstGeom prst="rect">
+                <a:avLst/>
+              </a:prstGeom>
+              <a:blipFill rotWithShape="0">
+                <a:blip r:embed="rId17"/>
+                <a:stretch>
+                  <a:fillRect/>
+                </a:stretch>
+              </a:blipFill>
+            </p:spPr>
+            <p:txBody>
+              <a:bodyPr/>
+              <a:lstStyle/>
+              <a:p>
+                <a:r>
+                  <a:rPr lang="en-GB">
+                    <a:noFill/>
+                  </a:rPr>
+                  <a:t> </a:t>
+                </a:r>
+              </a:p>
+            </p:txBody>
+          </p:sp>
+        </mc:Fallback>
+      </mc:AlternateContent>
+      <mc:AlternateContent xmlns:mc="http://schemas.openxmlformats.org/markup-compatibility/2006">
+        <mc:Choice xmlns:a14="http://schemas.microsoft.com/office/drawing/2010/main" Requires="a14">
+          <p:sp>
+            <p:nvSpPr>
+              <p:cNvPr id="95" name="Rechteck 94"/>
+              <p:cNvSpPr/>
+              <p:nvPr/>
+            </p:nvSpPr>
+            <p:spPr>
+              <a:xfrm>
+                <a:off x="5858042" y="3246694"/>
+                <a:ext cx="1849096" cy="509178"/>
+              </a:xfrm>
+              <a:prstGeom prst="rect">
+                <a:avLst/>
+              </a:prstGeom>
+            </p:spPr>
+            <p:txBody>
+              <a:bodyPr wrap="none">
+                <a:spAutoFit/>
+              </a:bodyPr>
+              <a:lstStyle/>
+              <a:p>
+                <a14:m>
+                  <m:oMathPara xmlns:m="http://schemas.openxmlformats.org/officeDocument/2006/math">
+                    <m:oMathParaPr>
+                      <m:jc m:val="centerGroup"/>
+                    </m:oMathParaPr>
+                    <m:oMath xmlns:m="http://schemas.openxmlformats.org/officeDocument/2006/math">
+                      <m:r>
+                        <a:rPr lang="de-DE" sz="2400" i="1">
+                          <a:solidFill>
+                            <a:prstClr val="black"/>
+                          </a:solidFill>
+                          <a:latin typeface="Cambria Math" panose="02040503050406030204" pitchFamily="18" charset="0"/>
+                        </a:rPr>
+                        <m:t>=2⋅</m:t>
+                      </m:r>
+                      <m:d>
+                        <m:dPr>
+                          <m:begChr m:val="|"/>
+                          <m:endChr m:val="|"/>
+                          <m:ctrlPr>
+                            <a:rPr lang="de-DE" sz="2400" i="1">
+                              <a:solidFill>
+                                <a:prstClr val="black"/>
+                              </a:solidFill>
+                              <a:latin typeface="Cambria Math" panose="02040503050406030204" pitchFamily="18" charset="0"/>
+                            </a:rPr>
+                          </m:ctrlPr>
+                        </m:dPr>
+                        <m:e>
+                          <m:sSup>
+                            <m:sSupPr>
+                              <m:ctrlPr>
+                                <a:rPr lang="de-DE" sz="2400" i="1">
+                                  <a:solidFill>
+                                    <a:prstClr val="black"/>
+                                  </a:solidFill>
+                                  <a:latin typeface="Cambria Math" panose="02040503050406030204" pitchFamily="18" charset="0"/>
+                                </a:rPr>
+                              </m:ctrlPr>
+                            </m:sSupPr>
+                            <m:e>
+                              <m:r>
+                                <a:rPr lang="de-DE" sz="2400" i="1">
+                                  <a:solidFill>
+                                    <a:prstClr val="black"/>
+                                  </a:solidFill>
+                                  <a:latin typeface="Cambria Math" panose="02040503050406030204" pitchFamily="18" charset="0"/>
+                                </a:rPr>
+                                <m:t>𝒯</m:t>
+                              </m:r>
+                            </m:e>
+                            <m:sup>
+                              <m:r>
+                                <m:rPr>
+                                  <m:sty m:val="p"/>
+                                </m:rPr>
+                                <a:rPr lang="de-DE" sz="2400">
+                                  <a:solidFill>
+                                    <a:prstClr val="black"/>
+                                  </a:solidFill>
+                                  <a:latin typeface="Cambria Math" panose="02040503050406030204" pitchFamily="18" charset="0"/>
+                                </a:rPr>
+                                <m:t>OPT</m:t>
+                              </m:r>
+                            </m:sup>
+                          </m:sSup>
+                        </m:e>
+                      </m:d>
+                    </m:oMath>
+                  </m:oMathPara>
+                </a14:m>
+                <a:endParaRPr lang="en-GB" dirty="0"/>
+              </a:p>
+            </p:txBody>
+          </p:sp>
+        </mc:Choice>
+        <mc:Fallback>
+          <p:sp>
+            <p:nvSpPr>
+              <p:cNvPr id="95" name="Rechteck 94"/>
+              <p:cNvSpPr>
+                <a:spLocks noRot="1" noChangeAspect="1" noMove="1" noResize="1" noEditPoints="1" noAdjustHandles="1" noChangeArrowheads="1" noChangeShapeType="1" noTextEdit="1"/>
+              </p:cNvSpPr>
+              <p:nvPr/>
+            </p:nvSpPr>
+            <p:spPr>
+              <a:xfrm>
+                <a:off x="5858042" y="3246694"/>
+                <a:ext cx="1849096" cy="509178"/>
+              </a:xfrm>
+              <a:prstGeom prst="rect">
+                <a:avLst/>
+              </a:prstGeom>
+              <a:blipFill rotWithShape="0">
+                <a:blip r:embed="rId18"/>
+                <a:stretch>
+                  <a:fillRect/>
+                </a:stretch>
+              </a:blipFill>
+            </p:spPr>
+            <p:txBody>
+              <a:bodyPr/>
+              <a:lstStyle/>
+              <a:p>
+                <a:r>
+                  <a:rPr lang="en-GB">
+                    <a:noFill/>
+                  </a:rPr>
+                  <a:t> </a:t>
+                </a:r>
+              </a:p>
+            </p:txBody>
+          </p:sp>
+        </mc:Fallback>
+      </mc:AlternateContent>
+      <p:pic>
+        <p:nvPicPr>
+          <p:cNvPr id="96" name="Grafik 95"/>
+          <p:cNvPicPr>
+            <a:picLocks noChangeAspect="1"/>
+          </p:cNvPicPr>
+          <p:nvPr/>
+        </p:nvPicPr>
+        <p:blipFill>
+          <a:blip r:embed="rId19" cstate="print">
+            <a:biLevel thresh="75000"/>
+            <a:extLst>
+              <a:ext uri="{28A0092B-C50C-407E-A947-70E740481C1C}">
+                <a14:useLocalDpi xmlns:a14="http://schemas.microsoft.com/office/drawing/2010/main" val="0"/>
+              </a:ext>
+            </a:extLst>
+          </a:blip>
+          <a:stretch>
+            <a:fillRect/>
+          </a:stretch>
+        </p:blipFill>
+        <p:spPr>
+          <a:xfrm>
+            <a:off x="8087286" y="3275776"/>
+            <a:ext cx="386135" cy="398076"/>
+          </a:xfrm>
+          <a:prstGeom prst="rect">
+            <a:avLst/>
+          </a:prstGeom>
+        </p:spPr>
+      </p:pic>
+      <p:cxnSp>
+        <p:nvCxnSpPr>
+          <p:cNvPr id="98" name="Gerade Verbindung mit Pfeil 97"/>
+          <p:cNvCxnSpPr/>
+          <p:nvPr/>
+        </p:nvCxnSpPr>
+        <p:spPr>
+          <a:xfrm flipH="1">
+            <a:off x="3373295" y="3692642"/>
+            <a:ext cx="2950165" cy="1062219"/>
+          </a:xfrm>
+          <a:prstGeom prst="straightConnector1">
+            <a:avLst/>
+          </a:prstGeom>
+          <a:ln w="28575">
+            <a:solidFill>
+              <a:schemeClr val="tx1"/>
+            </a:solidFill>
+            <a:tailEnd type="triangle"/>
+          </a:ln>
+        </p:spPr>
+        <p:style>
+          <a:lnRef idx="1">
+            <a:schemeClr val="accent1"/>
+          </a:lnRef>
+          <a:fillRef idx="0">
+            <a:schemeClr val="accent1"/>
+          </a:fillRef>
+          <a:effectRef idx="0">
+            <a:schemeClr val="accent1"/>
+          </a:effectRef>
+          <a:fontRef idx="minor">
+            <a:schemeClr val="tx1"/>
+          </a:fontRef>
+        </p:style>
+      </p:cxnSp>
     </p:spTree>
     <p:extLst>
       <p:ext uri="{BB962C8B-B14F-4D97-AF65-F5344CB8AC3E}">
-        <p14:creationId xmlns:p14="http://schemas.microsoft.com/office/powerpoint/2010/main" val="3043207893"/>
+        <p14:creationId xmlns:p14="http://schemas.microsoft.com/office/powerpoint/2010/main" val="3330400184"/>
       </p:ext>
     </p:extLst>
   </p:cSld>
@@ -7461,14 +13497,1972 @@
   <p:timing>
     <p:tnLst>
       <p:par>
-        <p:cTn id="1" dur="indefinite" restart="never" nodeType="tmRoot"/>
+        <p:cTn id="1" dur="indefinite" restart="never" nodeType="tmRoot">
+          <p:childTnLst>
+            <p:seq concurrent="1" nextAc="seek">
+              <p:cTn id="2" dur="indefinite" nodeType="mainSeq">
+                <p:childTnLst>
+                  <p:par>
+                    <p:cTn id="3" fill="hold">
+                      <p:stCondLst>
+                        <p:cond delay="indefinite"/>
+                      </p:stCondLst>
+                      <p:childTnLst>
+                        <p:par>
+                          <p:cTn id="4" fill="hold">
+                            <p:stCondLst>
+                              <p:cond delay="0"/>
+                            </p:stCondLst>
+                            <p:childTnLst>
+                              <p:par>
+                                <p:cTn id="5" presetID="10" presetClass="entr" presetSubtype="0" fill="hold" nodeType="clickEffect">
+                                  <p:stCondLst>
+                                    <p:cond delay="0"/>
+                                  </p:stCondLst>
+                                  <p:childTnLst>
+                                    <p:set>
+                                      <p:cBhvr>
+                                        <p:cTn id="6" dur="1" fill="hold">
+                                          <p:stCondLst>
+                                            <p:cond delay="0"/>
+                                          </p:stCondLst>
+                                        </p:cTn>
+                                        <p:tgtEl>
+                                          <p:spTgt spid="86"/>
+                                        </p:tgtEl>
+                                        <p:attrNameLst>
+                                          <p:attrName>style.visibility</p:attrName>
+                                        </p:attrNameLst>
+                                      </p:cBhvr>
+                                      <p:to>
+                                        <p:strVal val="visible"/>
+                                      </p:to>
+                                    </p:set>
+                                    <p:animEffect transition="in" filter="fade">
+                                      <p:cBhvr>
+                                        <p:cTn id="7" dur="500"/>
+                                        <p:tgtEl>
+                                          <p:spTgt spid="86"/>
+                                        </p:tgtEl>
+                                      </p:cBhvr>
+                                    </p:animEffect>
+                                  </p:childTnLst>
+                                </p:cTn>
+                              </p:par>
+                            </p:childTnLst>
+                          </p:cTn>
+                        </p:par>
+                      </p:childTnLst>
+                    </p:cTn>
+                  </p:par>
+                  <p:par>
+                    <p:cTn id="8" fill="hold">
+                      <p:stCondLst>
+                        <p:cond delay="indefinite"/>
+                      </p:stCondLst>
+                      <p:childTnLst>
+                        <p:par>
+                          <p:cTn id="9" fill="hold">
+                            <p:stCondLst>
+                              <p:cond delay="0"/>
+                            </p:stCondLst>
+                            <p:childTnLst>
+                              <p:par>
+                                <p:cTn id="10" presetID="1" presetClass="entr" presetSubtype="0" fill="hold" grpId="0" nodeType="clickEffect">
+                                  <p:stCondLst>
+                                    <p:cond delay="0"/>
+                                  </p:stCondLst>
+                                  <p:childTnLst>
+                                    <p:set>
+                                      <p:cBhvr>
+                                        <p:cTn id="11" dur="1" fill="hold">
+                                          <p:stCondLst>
+                                            <p:cond delay="0"/>
+                                          </p:stCondLst>
+                                        </p:cTn>
+                                        <p:tgtEl>
+                                          <p:spTgt spid="87"/>
+                                        </p:tgtEl>
+                                        <p:attrNameLst>
+                                          <p:attrName>style.visibility</p:attrName>
+                                        </p:attrNameLst>
+                                      </p:cBhvr>
+                                      <p:to>
+                                        <p:strVal val="visible"/>
+                                      </p:to>
+                                    </p:set>
+                                  </p:childTnLst>
+                                </p:cTn>
+                              </p:par>
+                            </p:childTnLst>
+                          </p:cTn>
+                        </p:par>
+                      </p:childTnLst>
+                    </p:cTn>
+                  </p:par>
+                  <p:par>
+                    <p:cTn id="12" fill="hold">
+                      <p:stCondLst>
+                        <p:cond delay="indefinite"/>
+                      </p:stCondLst>
+                      <p:childTnLst>
+                        <p:par>
+                          <p:cTn id="13" fill="hold">
+                            <p:stCondLst>
+                              <p:cond delay="0"/>
+                            </p:stCondLst>
+                            <p:childTnLst>
+                              <p:par>
+                                <p:cTn id="14" presetID="1" presetClass="entr" presetSubtype="0" fill="hold" grpId="0" nodeType="clickEffect">
+                                  <p:stCondLst>
+                                    <p:cond delay="0"/>
+                                  </p:stCondLst>
+                                  <p:childTnLst>
+                                    <p:set>
+                                      <p:cBhvr>
+                                        <p:cTn id="15" dur="1" fill="hold">
+                                          <p:stCondLst>
+                                            <p:cond delay="0"/>
+                                          </p:stCondLst>
+                                        </p:cTn>
+                                        <p:tgtEl>
+                                          <p:spTgt spid="89"/>
+                                        </p:tgtEl>
+                                        <p:attrNameLst>
+                                          <p:attrName>style.visibility</p:attrName>
+                                        </p:attrNameLst>
+                                      </p:cBhvr>
+                                      <p:to>
+                                        <p:strVal val="visible"/>
+                                      </p:to>
+                                    </p:set>
+                                  </p:childTnLst>
+                                </p:cTn>
+                              </p:par>
+                            </p:childTnLst>
+                          </p:cTn>
+                        </p:par>
+                      </p:childTnLst>
+                    </p:cTn>
+                  </p:par>
+                  <p:par>
+                    <p:cTn id="16" fill="hold">
+                      <p:stCondLst>
+                        <p:cond delay="indefinite"/>
+                      </p:stCondLst>
+                      <p:childTnLst>
+                        <p:par>
+                          <p:cTn id="17" fill="hold">
+                            <p:stCondLst>
+                              <p:cond delay="0"/>
+                            </p:stCondLst>
+                            <p:childTnLst>
+                              <p:par>
+                                <p:cTn id="18" presetID="1" presetClass="entr" presetSubtype="0" fill="hold" grpId="0" nodeType="clickEffect">
+                                  <p:stCondLst>
+                                    <p:cond delay="0"/>
+                                  </p:stCondLst>
+                                  <p:childTnLst>
+                                    <p:set>
+                                      <p:cBhvr>
+                                        <p:cTn id="19" dur="1" fill="hold">
+                                          <p:stCondLst>
+                                            <p:cond delay="0"/>
+                                          </p:stCondLst>
+                                        </p:cTn>
+                                        <p:tgtEl>
+                                          <p:spTgt spid="91"/>
+                                        </p:tgtEl>
+                                        <p:attrNameLst>
+                                          <p:attrName>style.visibility</p:attrName>
+                                        </p:attrNameLst>
+                                      </p:cBhvr>
+                                      <p:to>
+                                        <p:strVal val="visible"/>
+                                      </p:to>
+                                    </p:set>
+                                  </p:childTnLst>
+                                </p:cTn>
+                              </p:par>
+                            </p:childTnLst>
+                          </p:cTn>
+                        </p:par>
+                      </p:childTnLst>
+                    </p:cTn>
+                  </p:par>
+                  <p:par>
+                    <p:cTn id="20" fill="hold">
+                      <p:stCondLst>
+                        <p:cond delay="indefinite"/>
+                      </p:stCondLst>
+                      <p:childTnLst>
+                        <p:par>
+                          <p:cTn id="21" fill="hold">
+                            <p:stCondLst>
+                              <p:cond delay="0"/>
+                            </p:stCondLst>
+                            <p:childTnLst>
+                              <p:par>
+                                <p:cTn id="22" presetID="1" presetClass="entr" presetSubtype="0" fill="hold" grpId="0" nodeType="clickEffect">
+                                  <p:stCondLst>
+                                    <p:cond delay="0"/>
+                                  </p:stCondLst>
+                                  <p:childTnLst>
+                                    <p:set>
+                                      <p:cBhvr>
+                                        <p:cTn id="23" dur="1" fill="hold">
+                                          <p:stCondLst>
+                                            <p:cond delay="0"/>
+                                          </p:stCondLst>
+                                        </p:cTn>
+                                        <p:tgtEl>
+                                          <p:spTgt spid="93"/>
+                                        </p:tgtEl>
+                                        <p:attrNameLst>
+                                          <p:attrName>style.visibility</p:attrName>
+                                        </p:attrNameLst>
+                                      </p:cBhvr>
+                                      <p:to>
+                                        <p:strVal val="visible"/>
+                                      </p:to>
+                                    </p:set>
+                                  </p:childTnLst>
+                                </p:cTn>
+                              </p:par>
+                            </p:childTnLst>
+                          </p:cTn>
+                        </p:par>
+                      </p:childTnLst>
+                    </p:cTn>
+                  </p:par>
+                  <p:par>
+                    <p:cTn id="24" fill="hold">
+                      <p:stCondLst>
+                        <p:cond delay="indefinite"/>
+                      </p:stCondLst>
+                      <p:childTnLst>
+                        <p:par>
+                          <p:cTn id="25" fill="hold">
+                            <p:stCondLst>
+                              <p:cond delay="0"/>
+                            </p:stCondLst>
+                            <p:childTnLst>
+                              <p:par>
+                                <p:cTn id="26" presetID="1" presetClass="entr" presetSubtype="0" fill="hold" grpId="0" nodeType="clickEffect">
+                                  <p:stCondLst>
+                                    <p:cond delay="0"/>
+                                  </p:stCondLst>
+                                  <p:childTnLst>
+                                    <p:set>
+                                      <p:cBhvr>
+                                        <p:cTn id="27" dur="1" fill="hold">
+                                          <p:stCondLst>
+                                            <p:cond delay="0"/>
+                                          </p:stCondLst>
+                                        </p:cTn>
+                                        <p:tgtEl>
+                                          <p:spTgt spid="95"/>
+                                        </p:tgtEl>
+                                        <p:attrNameLst>
+                                          <p:attrName>style.visibility</p:attrName>
+                                        </p:attrNameLst>
+                                      </p:cBhvr>
+                                      <p:to>
+                                        <p:strVal val="visible"/>
+                                      </p:to>
+                                    </p:set>
+                                  </p:childTnLst>
+                                </p:cTn>
+                              </p:par>
+                            </p:childTnLst>
+                          </p:cTn>
+                        </p:par>
+                      </p:childTnLst>
+                    </p:cTn>
+                  </p:par>
+                  <p:par>
+                    <p:cTn id="28" fill="hold">
+                      <p:stCondLst>
+                        <p:cond delay="indefinite"/>
+                      </p:stCondLst>
+                      <p:childTnLst>
+                        <p:par>
+                          <p:cTn id="29" fill="hold">
+                            <p:stCondLst>
+                              <p:cond delay="0"/>
+                            </p:stCondLst>
+                            <p:childTnLst>
+                              <p:par>
+                                <p:cTn id="30" presetID="22" presetClass="entr" presetSubtype="2" fill="hold" nodeType="clickEffect">
+                                  <p:stCondLst>
+                                    <p:cond delay="0"/>
+                                  </p:stCondLst>
+                                  <p:childTnLst>
+                                    <p:set>
+                                      <p:cBhvr>
+                                        <p:cTn id="31" dur="1" fill="hold">
+                                          <p:stCondLst>
+                                            <p:cond delay="0"/>
+                                          </p:stCondLst>
+                                        </p:cTn>
+                                        <p:tgtEl>
+                                          <p:spTgt spid="98"/>
+                                        </p:tgtEl>
+                                        <p:attrNameLst>
+                                          <p:attrName>style.visibility</p:attrName>
+                                        </p:attrNameLst>
+                                      </p:cBhvr>
+                                      <p:to>
+                                        <p:strVal val="visible"/>
+                                      </p:to>
+                                    </p:set>
+                                    <p:animEffect transition="in" filter="wipe(right)">
+                                      <p:cBhvr>
+                                        <p:cTn id="32" dur="750"/>
+                                        <p:tgtEl>
+                                          <p:spTgt spid="98"/>
+                                        </p:tgtEl>
+                                      </p:cBhvr>
+                                    </p:animEffect>
+                                  </p:childTnLst>
+                                </p:cTn>
+                              </p:par>
+                            </p:childTnLst>
+                          </p:cTn>
+                        </p:par>
+                        <p:par>
+                          <p:cTn id="33" fill="hold">
+                            <p:stCondLst>
+                              <p:cond delay="750"/>
+                            </p:stCondLst>
+                            <p:childTnLst>
+                              <p:par>
+                                <p:cTn id="34" presetID="10" presetClass="entr" presetSubtype="0" fill="hold" nodeType="afterEffect">
+                                  <p:stCondLst>
+                                    <p:cond delay="0"/>
+                                  </p:stCondLst>
+                                  <p:childTnLst>
+                                    <p:set>
+                                      <p:cBhvr>
+                                        <p:cTn id="35" dur="1" fill="hold">
+                                          <p:stCondLst>
+                                            <p:cond delay="0"/>
+                                          </p:stCondLst>
+                                        </p:cTn>
+                                        <p:tgtEl>
+                                          <p:spTgt spid="96"/>
+                                        </p:tgtEl>
+                                        <p:attrNameLst>
+                                          <p:attrName>style.visibility</p:attrName>
+                                        </p:attrNameLst>
+                                      </p:cBhvr>
+                                      <p:to>
+                                        <p:strVal val="visible"/>
+                                      </p:to>
+                                    </p:set>
+                                    <p:animEffect transition="in" filter="fade">
+                                      <p:cBhvr>
+                                        <p:cTn id="36" dur="500"/>
+                                        <p:tgtEl>
+                                          <p:spTgt spid="96"/>
+                                        </p:tgtEl>
+                                      </p:cBhvr>
+                                    </p:animEffect>
+                                  </p:childTnLst>
+                                </p:cTn>
+                              </p:par>
+                            </p:childTnLst>
+                          </p:cTn>
+                        </p:par>
+                      </p:childTnLst>
+                    </p:cTn>
+                  </p:par>
+                </p:childTnLst>
+              </p:cTn>
+              <p:prevCondLst>
+                <p:cond evt="onPrev" delay="0">
+                  <p:tgtEl>
+                    <p:sldTgt/>
+                  </p:tgtEl>
+                </p:cond>
+              </p:prevCondLst>
+              <p:nextCondLst>
+                <p:cond evt="onNext" delay="0">
+                  <p:tgtEl>
+                    <p:sldTgt/>
+                  </p:tgtEl>
+                </p:cond>
+              </p:nextCondLst>
+            </p:seq>
+          </p:childTnLst>
+        </p:cTn>
       </p:par>
     </p:tnLst>
+    <p:bldLst>
+      <p:bldP spid="87" grpId="0"/>
+      <p:bldP spid="89" grpId="0"/>
+      <p:bldP spid="91" grpId="0"/>
+      <p:bldP spid="93" grpId="0"/>
+      <p:bldP spid="95" grpId="0"/>
+    </p:bldLst>
   </p:timing>
 </p:sld>
 </file>
 
 <file path=ppt/slides/slide14.xml><?xml version="1.0" encoding="utf-8"?>
+<p:sld xmlns:a="http://schemas.openxmlformats.org/drawingml/2006/main" xmlns:r="http://schemas.openxmlformats.org/officeDocument/2006/relationships" xmlns:p="http://schemas.openxmlformats.org/presentationml/2006/main">
+  <p:cSld>
+    <p:spTree>
+      <p:nvGrpSpPr>
+        <p:cNvPr id="1" name=""/>
+        <p:cNvGrpSpPr/>
+        <p:nvPr/>
+      </p:nvGrpSpPr>
+      <p:grpSpPr>
+        <a:xfrm>
+          <a:off x="0" y="0"/>
+          <a:ext cx="0" cy="0"/>
+          <a:chOff x="0" y="0"/>
+          <a:chExt cx="0" cy="0"/>
+        </a:xfrm>
+      </p:grpSpPr>
+      <p:sp>
+        <p:nvSpPr>
+          <p:cNvPr id="3" name="Titel 2"/>
+          <p:cNvSpPr>
+            <a:spLocks noGrp="1"/>
+          </p:cNvSpPr>
+          <p:nvPr>
+            <p:ph type="title"/>
+          </p:nvPr>
+        </p:nvSpPr>
+        <p:spPr/>
+        <p:txBody>
+          <a:bodyPr/>
+          <a:lstStyle/>
+          <a:p>
+            <a:r>
+              <a:rPr lang="en-GB" dirty="0" smtClean="0"/>
+              <a:t>Competitiveness of PAH</a:t>
+            </a:r>
+            <a:endParaRPr lang="en-GB" dirty="0"/>
+          </a:p>
+        </p:txBody>
+      </p:sp>
+      <mc:AlternateContent xmlns:mc="http://schemas.openxmlformats.org/markup-compatibility/2006">
+        <mc:Choice xmlns:a14="http://schemas.microsoft.com/office/drawing/2010/main" Requires="a14">
+          <p:sp>
+            <p:nvSpPr>
+              <p:cNvPr id="31" name="Textfeld 30"/>
+              <p:cNvSpPr txBox="1"/>
+              <p:nvPr/>
+            </p:nvSpPr>
+            <p:spPr>
+              <a:xfrm>
+                <a:off x="317599" y="4708988"/>
+                <a:ext cx="6731907" cy="523220"/>
+              </a:xfrm>
+              <a:prstGeom prst="rect">
+                <a:avLst/>
+              </a:prstGeom>
+              <a:noFill/>
+            </p:spPr>
+            <p:txBody>
+              <a:bodyPr wrap="none" rtlCol="0">
+                <a:spAutoFit/>
+              </a:bodyPr>
+              <a:lstStyle/>
+              <a:p>
+                <a:r>
+                  <a:rPr lang="en-GB" sz="2800" cap="small" dirty="0" smtClean="0">
+                    <a:effectLst>
+                      <a:outerShdw blurRad="38100" dist="38100" dir="2700000" algn="tl">
+                        <a:srgbClr val="000000">
+                          <a:alpha val="43137"/>
+                        </a:srgbClr>
+                      </a:outerShdw>
+                    </a:effectLst>
+                  </a:rPr>
+                  <a:t>Goal:</a:t>
+                </a:r>
+                <a:r>
+                  <a:rPr lang="en-GB" sz="2800" cap="small" dirty="0" smtClean="0"/>
+                  <a:t> 	</a:t>
+                </a:r>
+                <a:r>
+                  <a:rPr lang="en-GB" sz="2800" cap="small" dirty="0" smtClean="0"/>
+                  <a:t>	</a:t>
+                </a:r>
+                <a:r>
+                  <a:rPr lang="en-GB" sz="2800" cap="small" dirty="0" err="1" smtClean="0"/>
+                  <a:t>pah</a:t>
+                </a:r>
+                <a:r>
+                  <a:rPr lang="en-GB" sz="2800" dirty="0" smtClean="0"/>
+                  <a:t> </a:t>
+                </a:r>
+                <a:r>
+                  <a:rPr lang="en-GB" sz="2800" dirty="0" smtClean="0"/>
+                  <a:t>is </a:t>
+                </a:r>
+                <a14:m>
+                  <m:oMath xmlns:m="http://schemas.openxmlformats.org/officeDocument/2006/math">
+                    <m:r>
+                      <a:rPr lang="en-GB" sz="2800" i="1" dirty="0" smtClean="0">
+                        <a:latin typeface="Cambria Math" panose="02040503050406030204" pitchFamily="18" charset="0"/>
+                      </a:rPr>
+                      <m:t>2</m:t>
+                    </m:r>
+                  </m:oMath>
+                </a14:m>
+                <a:r>
+                  <a:rPr lang="en-GB" sz="2800" dirty="0" smtClean="0"/>
+                  <a:t>-competitive</a:t>
+                </a:r>
+                <a:r>
+                  <a:rPr lang="en-GB" sz="2800" dirty="0" smtClean="0"/>
+                  <a:t> for H-OLTSP</a:t>
+                </a:r>
+                <a:endParaRPr lang="en-GB" sz="2800" dirty="0"/>
+              </a:p>
+            </p:txBody>
+          </p:sp>
+        </mc:Choice>
+        <mc:Fallback>
+          <p:sp>
+            <p:nvSpPr>
+              <p:cNvPr id="31" name="Textfeld 30"/>
+              <p:cNvSpPr txBox="1">
+                <a:spLocks noRot="1" noChangeAspect="1" noMove="1" noResize="1" noEditPoints="1" noAdjustHandles="1" noChangeArrowheads="1" noChangeShapeType="1" noTextEdit="1"/>
+              </p:cNvSpPr>
+              <p:nvPr/>
+            </p:nvSpPr>
+            <p:spPr>
+              <a:xfrm>
+                <a:off x="317599" y="4708988"/>
+                <a:ext cx="6731907" cy="523220"/>
+              </a:xfrm>
+              <a:prstGeom prst="rect">
+                <a:avLst/>
+              </a:prstGeom>
+              <a:blipFill rotWithShape="0">
+                <a:blip r:embed="rId2"/>
+                <a:stretch>
+                  <a:fillRect l="-1902" t="-11628" r="-815" b="-39535"/>
+                </a:stretch>
+              </a:blipFill>
+            </p:spPr>
+            <p:txBody>
+              <a:bodyPr/>
+              <a:lstStyle/>
+              <a:p>
+                <a:r>
+                  <a:rPr lang="en-GB">
+                    <a:noFill/>
+                  </a:rPr>
+                  <a:t> </a:t>
+                </a:r>
+              </a:p>
+            </p:txBody>
+          </p:sp>
+        </mc:Fallback>
+      </mc:AlternateContent>
+      <mc:AlternateContent xmlns:mc="http://schemas.openxmlformats.org/markup-compatibility/2006">
+        <mc:Choice xmlns:a14="http://schemas.microsoft.com/office/drawing/2010/main" Requires="a14">
+          <p:sp>
+            <p:nvSpPr>
+              <p:cNvPr id="58" name="Textfeld 57"/>
+              <p:cNvSpPr txBox="1"/>
+              <p:nvPr/>
+            </p:nvSpPr>
+            <p:spPr>
+              <a:xfrm>
+                <a:off x="317599" y="914696"/>
+                <a:ext cx="8155822" cy="461665"/>
+              </a:xfrm>
+              <a:prstGeom prst="rect">
+                <a:avLst/>
+              </a:prstGeom>
+              <a:noFill/>
+            </p:spPr>
+            <p:txBody>
+              <a:bodyPr wrap="none" rtlCol="0">
+                <a:spAutoFit/>
+              </a:bodyPr>
+              <a:lstStyle/>
+              <a:p>
+                <a14:m>
+                  <m:oMath xmlns:m="http://schemas.openxmlformats.org/officeDocument/2006/math">
+                    <m:r>
+                      <a:rPr lang="en-GB" sz="2400" i="1" dirty="0" smtClean="0">
+                        <a:latin typeface="Cambria Math" panose="02040503050406030204" pitchFamily="18" charset="0"/>
+                      </a:rPr>
+                      <m:t>𝑈</m:t>
+                    </m:r>
+                    <m:r>
+                      <a:rPr lang="de-DE" sz="2400" b="0" i="1" dirty="0" smtClean="0">
+                        <a:latin typeface="Cambria Math" panose="02040503050406030204" pitchFamily="18" charset="0"/>
+                      </a:rPr>
+                      <m:t>≔</m:t>
+                    </m:r>
+                  </m:oMath>
+                </a14:m>
+                <a:r>
+                  <a:rPr lang="en-GB" sz="2400" dirty="0" smtClean="0"/>
+                  <a:t> places yet to visit, </a:t>
+                </a:r>
+                <a14:m>
+                  <m:oMath xmlns:m="http://schemas.openxmlformats.org/officeDocument/2006/math">
+                    <m:r>
+                      <a:rPr lang="en-GB" sz="2400" i="1" dirty="0" smtClean="0">
+                        <a:latin typeface="Cambria Math" panose="02040503050406030204" pitchFamily="18" charset="0"/>
+                      </a:rPr>
+                      <m:t>𝐼</m:t>
+                    </m:r>
+                    <m:r>
+                      <a:rPr lang="de-DE" sz="2400" b="0" i="1" dirty="0" smtClean="0">
+                        <a:latin typeface="Cambria Math" panose="02040503050406030204" pitchFamily="18" charset="0"/>
+                      </a:rPr>
+                      <m:t>≔</m:t>
+                    </m:r>
+                  </m:oMath>
+                </a14:m>
+                <a:r>
+                  <a:rPr lang="en-GB" sz="2400" dirty="0" smtClean="0"/>
+                  <a:t> ignored requests, </a:t>
+                </a:r>
+                <a14:m>
+                  <m:oMath xmlns:m="http://schemas.openxmlformats.org/officeDocument/2006/math">
+                    <m:r>
+                      <a:rPr lang="de-DE" sz="2400" b="0" i="1" smtClean="0">
+                        <a:latin typeface="Cambria Math" panose="02040503050406030204" pitchFamily="18" charset="0"/>
+                      </a:rPr>
+                      <m:t>(</m:t>
+                    </m:r>
+                    <m:acc>
+                      <m:accPr>
+                        <m:chr m:val="̂"/>
+                        <m:ctrlPr>
+                          <a:rPr lang="de-DE" sz="2400" b="0" i="1" smtClean="0">
+                            <a:latin typeface="Cambria Math" panose="02040503050406030204" pitchFamily="18" charset="0"/>
+                          </a:rPr>
+                        </m:ctrlPr>
+                      </m:accPr>
+                      <m:e>
+                        <m:r>
+                          <a:rPr lang="de-DE" sz="2400" b="0" i="1" smtClean="0">
+                            <a:latin typeface="Cambria Math" panose="02040503050406030204" pitchFamily="18" charset="0"/>
+                          </a:rPr>
+                          <m:t>𝑡</m:t>
+                        </m:r>
+                      </m:e>
+                    </m:acc>
+                    <m:r>
+                      <a:rPr lang="de-DE" sz="2400" b="0" i="1" smtClean="0">
+                        <a:latin typeface="Cambria Math" panose="02040503050406030204" pitchFamily="18" charset="0"/>
+                      </a:rPr>
+                      <m:t>,</m:t>
+                    </m:r>
+                    <m:acc>
+                      <m:accPr>
+                        <m:chr m:val="̂"/>
+                        <m:ctrlPr>
+                          <a:rPr lang="de-DE" sz="2400" b="0" i="1" smtClean="0">
+                            <a:latin typeface="Cambria Math" panose="02040503050406030204" pitchFamily="18" charset="0"/>
+                          </a:rPr>
+                        </m:ctrlPr>
+                      </m:accPr>
+                      <m:e>
+                        <m:r>
+                          <a:rPr lang="de-DE" sz="2400" b="0" i="1" smtClean="0">
+                            <a:latin typeface="Cambria Math" panose="02040503050406030204" pitchFamily="18" charset="0"/>
+                          </a:rPr>
+                          <m:t>𝑥</m:t>
+                        </m:r>
+                      </m:e>
+                    </m:acc>
+                    <m:r>
+                      <a:rPr lang="de-DE" sz="2400" b="0" i="1" smtClean="0">
+                        <a:latin typeface="Cambria Math" panose="02040503050406030204" pitchFamily="18" charset="0"/>
+                      </a:rPr>
+                      <m:t>)</m:t>
+                    </m:r>
+                  </m:oMath>
+                </a14:m>
+                <a:r>
+                  <a:rPr lang="en-GB" sz="2400" dirty="0" smtClean="0"/>
+                  <a:t> last request</a:t>
+                </a:r>
+              </a:p>
+            </p:txBody>
+          </p:sp>
+        </mc:Choice>
+        <mc:Fallback>
+          <p:sp>
+            <p:nvSpPr>
+              <p:cNvPr id="58" name="Textfeld 57"/>
+              <p:cNvSpPr txBox="1">
+                <a:spLocks noRot="1" noChangeAspect="1" noMove="1" noResize="1" noEditPoints="1" noAdjustHandles="1" noChangeArrowheads="1" noChangeShapeType="1" noTextEdit="1"/>
+              </p:cNvSpPr>
+              <p:nvPr/>
+            </p:nvSpPr>
+            <p:spPr>
+              <a:xfrm>
+                <a:off x="317599" y="914696"/>
+                <a:ext cx="8155822" cy="461665"/>
+              </a:xfrm>
+              <a:prstGeom prst="rect">
+                <a:avLst/>
+              </a:prstGeom>
+              <a:blipFill rotWithShape="0">
+                <a:blip r:embed="rId3"/>
+                <a:stretch>
+                  <a:fillRect l="-149" t="-11842" r="-75" b="-28947"/>
+                </a:stretch>
+              </a:blipFill>
+            </p:spPr>
+            <p:txBody>
+              <a:bodyPr/>
+              <a:lstStyle/>
+              <a:p>
+                <a:r>
+                  <a:rPr lang="en-GB">
+                    <a:noFill/>
+                  </a:rPr>
+                  <a:t> </a:t>
+                </a:r>
+              </a:p>
+            </p:txBody>
+          </p:sp>
+        </mc:Fallback>
+      </mc:AlternateContent>
+      <mc:AlternateContent xmlns:mc="http://schemas.openxmlformats.org/markup-compatibility/2006">
+        <mc:Choice xmlns:a14="http://schemas.microsoft.com/office/drawing/2010/main" Requires="a14">
+          <p:sp>
+            <p:nvSpPr>
+              <p:cNvPr id="41" name="Textfeld 40"/>
+              <p:cNvSpPr txBox="1"/>
+              <p:nvPr/>
+            </p:nvSpPr>
+            <p:spPr>
+              <a:xfrm>
+                <a:off x="317599" y="1677972"/>
+                <a:ext cx="5198346" cy="984885"/>
+              </a:xfrm>
+              <a:prstGeom prst="rect">
+                <a:avLst/>
+              </a:prstGeom>
+              <a:noFill/>
+            </p:spPr>
+            <p:txBody>
+              <a:bodyPr wrap="none" rtlCol="0">
+                <a:spAutoFit/>
+              </a:bodyPr>
+              <a:lstStyle/>
+              <a:p>
+                <a:pPr marL="457200" lvl="0" indent="-457200">
+                  <a:spcBef>
+                    <a:spcPts val="600"/>
+                  </a:spcBef>
+                  <a:spcAft>
+                    <a:spcPts val="600"/>
+                  </a:spcAft>
+                  <a:buClr>
+                    <a:prstClr val="white">
+                      <a:lumMod val="50000"/>
+                    </a:prstClr>
+                  </a:buClr>
+                  <a:buSzPct val="66000"/>
+                  <a:buFont typeface="+mj-lt"/>
+                  <a:buAutoNum type="arabicParenBoth" startAt="2"/>
+                </a:pPr>
+                <a:r>
+                  <a:rPr lang="en-GB" sz="2400" dirty="0" smtClean="0">
+                    <a:latin typeface="Cambria Math" panose="02040503050406030204" pitchFamily="18" charset="0"/>
+                    <a:ea typeface="Cambria Math" panose="02040503050406030204" pitchFamily="18" charset="0"/>
+                    <a:cs typeface="Courier New" panose="02070309020205020404" pitchFamily="49" charset="0"/>
+                  </a:rPr>
+                  <a:t>For new request </a:t>
+                </a:r>
+                <a14:m>
+                  <m:oMath xmlns:m="http://schemas.openxmlformats.org/officeDocument/2006/math">
+                    <m:r>
+                      <a:rPr lang="en-GB" sz="2400" i="1" smtClean="0">
+                        <a:latin typeface="Cambria Math" panose="02040503050406030204" pitchFamily="18" charset="0"/>
+                        <a:ea typeface="Cambria Math" panose="02040503050406030204" pitchFamily="18" charset="0"/>
+                        <a:cs typeface="Courier New" panose="02070309020205020404" pitchFamily="49" charset="0"/>
+                      </a:rPr>
+                      <m:t>(</m:t>
+                    </m:r>
+                    <m:acc>
+                      <m:accPr>
+                        <m:chr m:val="̂"/>
+                        <m:ctrlPr>
+                          <a:rPr lang="de-DE" sz="2400" b="0" i="1" smtClean="0">
+                            <a:latin typeface="Cambria Math" panose="02040503050406030204" pitchFamily="18" charset="0"/>
+                            <a:ea typeface="Cambria Math" panose="02040503050406030204" pitchFamily="18" charset="0"/>
+                            <a:cs typeface="Courier New" panose="02070309020205020404" pitchFamily="49" charset="0"/>
+                          </a:rPr>
+                        </m:ctrlPr>
+                      </m:accPr>
+                      <m:e>
+                        <m:r>
+                          <a:rPr lang="de-DE" sz="2400" b="0" i="1" smtClean="0">
+                            <a:latin typeface="Cambria Math" panose="02040503050406030204" pitchFamily="18" charset="0"/>
+                            <a:ea typeface="Cambria Math" panose="02040503050406030204" pitchFamily="18" charset="0"/>
+                            <a:cs typeface="Courier New" panose="02070309020205020404" pitchFamily="49" charset="0"/>
+                          </a:rPr>
+                          <m:t>𝑡</m:t>
+                        </m:r>
+                      </m:e>
+                    </m:acc>
+                    <m:r>
+                      <a:rPr lang="en-GB" sz="2400" i="1" smtClean="0">
+                        <a:latin typeface="Cambria Math" panose="02040503050406030204" pitchFamily="18" charset="0"/>
+                        <a:ea typeface="Cambria Math" panose="02040503050406030204" pitchFamily="18" charset="0"/>
+                        <a:cs typeface="Courier New" panose="02070309020205020404" pitchFamily="49" charset="0"/>
+                      </a:rPr>
+                      <m:t>,</m:t>
+                    </m:r>
+                    <m:acc>
+                      <m:accPr>
+                        <m:chr m:val="̂"/>
+                        <m:ctrlPr>
+                          <a:rPr lang="de-DE" sz="2400" b="0" i="1" smtClean="0">
+                            <a:latin typeface="Cambria Math" panose="02040503050406030204" pitchFamily="18" charset="0"/>
+                            <a:ea typeface="Cambria Math" panose="02040503050406030204" pitchFamily="18" charset="0"/>
+                            <a:cs typeface="Courier New" panose="02070309020205020404" pitchFamily="49" charset="0"/>
+                          </a:rPr>
+                        </m:ctrlPr>
+                      </m:accPr>
+                      <m:e>
+                        <m:r>
+                          <a:rPr lang="de-DE" sz="2400" b="0" i="1" smtClean="0">
+                            <a:latin typeface="Cambria Math" panose="02040503050406030204" pitchFamily="18" charset="0"/>
+                            <a:ea typeface="Cambria Math" panose="02040503050406030204" pitchFamily="18" charset="0"/>
+                            <a:cs typeface="Courier New" panose="02070309020205020404" pitchFamily="49" charset="0"/>
+                          </a:rPr>
+                          <m:t>𝑥</m:t>
+                        </m:r>
+                      </m:e>
+                    </m:acc>
+                    <m:r>
+                      <a:rPr lang="en-GB" sz="2400" i="1" smtClean="0">
+                        <a:latin typeface="Cambria Math" panose="02040503050406030204" pitchFamily="18" charset="0"/>
+                        <a:ea typeface="Cambria Math" panose="02040503050406030204" pitchFamily="18" charset="0"/>
+                        <a:cs typeface="Courier New" panose="02070309020205020404" pitchFamily="49" charset="0"/>
+                      </a:rPr>
+                      <m:t>)</m:t>
+                    </m:r>
+                  </m:oMath>
+                </a14:m>
+                <a:r>
+                  <a:rPr lang="en-GB" dirty="0" smtClean="0"/>
+                  <a:t>:</a:t>
+                </a:r>
+              </a:p>
+              <a:p>
+                <a:pPr marL="817200" lvl="1" indent="-360000">
+                  <a:spcBef>
+                    <a:spcPts val="600"/>
+                  </a:spcBef>
+                  <a:spcAft>
+                    <a:spcPts val="600"/>
+                  </a:spcAft>
+                  <a:buClr>
+                    <a:prstClr val="white">
+                      <a:lumMod val="50000"/>
+                    </a:prstClr>
+                  </a:buClr>
+                  <a:buSzPct val="66000"/>
+                  <a:buFont typeface="+mj-lt"/>
+                  <a:buAutoNum type="alphaLcParenR"/>
+                </a:pPr>
+                <a:r>
+                  <a:rPr lang="en-GB" sz="2400" dirty="0" smtClean="0">
+                    <a:latin typeface="Cambria" panose="02040503050406030204" pitchFamily="18" charset="0"/>
+                  </a:rPr>
+                  <a:t>If</a:t>
+                </a:r>
+                <a:r>
+                  <a:rPr lang="en-GB" sz="2400" dirty="0" smtClean="0"/>
+                  <a:t> </a:t>
+                </a:r>
+                <a14:m>
+                  <m:oMath xmlns:m="http://schemas.openxmlformats.org/officeDocument/2006/math">
+                    <m:r>
+                      <a:rPr lang="en-GB" sz="2400" i="1" smtClean="0">
+                        <a:latin typeface="Cambria Math" panose="02040503050406030204" pitchFamily="18" charset="0"/>
+                      </a:rPr>
+                      <m:t>𝑑</m:t>
+                    </m:r>
+                    <m:r>
+                      <a:rPr lang="en-GB" sz="2400" i="1" smtClean="0">
+                        <a:latin typeface="Cambria Math" panose="02040503050406030204" pitchFamily="18" charset="0"/>
+                      </a:rPr>
+                      <m:t>(</m:t>
+                    </m:r>
+                    <m:acc>
+                      <m:accPr>
+                        <m:chr m:val="̂"/>
+                        <m:ctrlPr>
+                          <a:rPr lang="de-DE" sz="2400" b="0" i="1" smtClean="0">
+                            <a:latin typeface="Cambria Math" panose="02040503050406030204" pitchFamily="18" charset="0"/>
+                          </a:rPr>
+                        </m:ctrlPr>
+                      </m:accPr>
+                      <m:e>
+                        <m:r>
+                          <a:rPr lang="de-DE" sz="2400" b="0" i="1" smtClean="0">
+                            <a:latin typeface="Cambria Math" panose="02040503050406030204" pitchFamily="18" charset="0"/>
+                          </a:rPr>
+                          <m:t>𝑥</m:t>
+                        </m:r>
+                      </m:e>
+                    </m:acc>
+                    <m:r>
+                      <a:rPr lang="en-GB" sz="2400" i="1" smtClean="0">
+                        <a:latin typeface="Cambria Math" panose="02040503050406030204" pitchFamily="18" charset="0"/>
+                      </a:rPr>
+                      <m:t>,</m:t>
+                    </m:r>
+                    <m:r>
+                      <a:rPr lang="en-GB" sz="2400" i="1" smtClean="0">
+                        <a:latin typeface="Cambria Math" panose="02040503050406030204" pitchFamily="18" charset="0"/>
+                      </a:rPr>
+                      <m:t>𝑜</m:t>
+                    </m:r>
+                    <m:r>
+                      <a:rPr lang="en-GB" sz="2400" i="1" smtClean="0">
+                        <a:latin typeface="Cambria Math" panose="02040503050406030204" pitchFamily="18" charset="0"/>
+                      </a:rPr>
+                      <m:t>)&gt;</m:t>
+                    </m:r>
+                    <m:r>
+                      <a:rPr lang="en-GB" sz="2400" i="1" smtClean="0">
+                        <a:latin typeface="Cambria Math" panose="02040503050406030204" pitchFamily="18" charset="0"/>
+                      </a:rPr>
+                      <m:t>𝑑</m:t>
+                    </m:r>
+                    <m:r>
+                      <a:rPr lang="en-GB" sz="2400" i="1" smtClean="0">
+                        <a:latin typeface="Cambria Math" panose="02040503050406030204" pitchFamily="18" charset="0"/>
+                      </a:rPr>
+                      <m:t>(</m:t>
+                    </m:r>
+                    <m:r>
+                      <a:rPr lang="en-GB" sz="2400" i="1" smtClean="0">
+                        <a:latin typeface="Cambria Math" panose="02040503050406030204" pitchFamily="18" charset="0"/>
+                      </a:rPr>
+                      <m:t>𝑝</m:t>
+                    </m:r>
+                    <m:r>
+                      <a:rPr lang="en-GB" sz="2400" i="1" smtClean="0">
+                        <a:latin typeface="Cambria Math" panose="02040503050406030204" pitchFamily="18" charset="0"/>
+                      </a:rPr>
+                      <m:t>,</m:t>
+                    </m:r>
+                    <m:r>
+                      <a:rPr lang="en-GB" sz="2400" i="1" smtClean="0">
+                        <a:latin typeface="Cambria Math" panose="02040503050406030204" pitchFamily="18" charset="0"/>
+                      </a:rPr>
+                      <m:t>𝑜</m:t>
+                    </m:r>
+                    <m:r>
+                      <a:rPr lang="en-GB" sz="2400" i="1" smtClean="0">
+                        <a:latin typeface="Cambria Math" panose="02040503050406030204" pitchFamily="18" charset="0"/>
+                      </a:rPr>
+                      <m:t>)</m:t>
+                    </m:r>
+                  </m:oMath>
+                </a14:m>
+                <a:r>
+                  <a:rPr lang="en-GB" sz="2400" dirty="0" smtClean="0">
+                    <a:latin typeface="Cambria" panose="02040503050406030204" pitchFamily="18" charset="0"/>
+                  </a:rPr>
+                  <a:t>: go back to</a:t>
+                </a:r>
+                <a:r>
+                  <a:rPr lang="en-GB" sz="2400" dirty="0" smtClean="0"/>
+                  <a:t> </a:t>
+                </a:r>
+                <a14:m>
+                  <m:oMath xmlns:m="http://schemas.openxmlformats.org/officeDocument/2006/math">
+                    <m:r>
+                      <a:rPr lang="en-GB" sz="2400" i="1" smtClean="0">
+                        <a:latin typeface="Cambria Math" panose="02040503050406030204" pitchFamily="18" charset="0"/>
+                      </a:rPr>
+                      <m:t>𝑜</m:t>
+                    </m:r>
+                  </m:oMath>
+                </a14:m>
+                <a:endParaRPr lang="en-GB" sz="2400" dirty="0" smtClean="0"/>
+              </a:p>
+            </p:txBody>
+          </p:sp>
+        </mc:Choice>
+        <mc:Fallback>
+          <p:sp>
+            <p:nvSpPr>
+              <p:cNvPr id="41" name="Textfeld 40"/>
+              <p:cNvSpPr txBox="1">
+                <a:spLocks noRot="1" noChangeAspect="1" noMove="1" noResize="1" noEditPoints="1" noAdjustHandles="1" noChangeArrowheads="1" noChangeShapeType="1" noTextEdit="1"/>
+              </p:cNvSpPr>
+              <p:nvPr/>
+            </p:nvSpPr>
+            <p:spPr>
+              <a:xfrm>
+                <a:off x="317599" y="1677972"/>
+                <a:ext cx="5198346" cy="984885"/>
+              </a:xfrm>
+              <a:prstGeom prst="rect">
+                <a:avLst/>
+              </a:prstGeom>
+              <a:blipFill rotWithShape="0">
+                <a:blip r:embed="rId4"/>
+                <a:stretch>
+                  <a:fillRect l="-469" t="-4938" b="-11728"/>
+                </a:stretch>
+              </a:blipFill>
+            </p:spPr>
+            <p:txBody>
+              <a:bodyPr/>
+              <a:lstStyle/>
+              <a:p>
+                <a:r>
+                  <a:rPr lang="en-GB">
+                    <a:noFill/>
+                  </a:rPr>
+                  <a:t> </a:t>
+                </a:r>
+              </a:p>
+            </p:txBody>
+          </p:sp>
+        </mc:Fallback>
+      </mc:AlternateContent>
+      <p:grpSp>
+        <p:nvGrpSpPr>
+          <p:cNvPr id="42" name="Gruppieren 41"/>
+          <p:cNvGrpSpPr/>
+          <p:nvPr/>
+        </p:nvGrpSpPr>
+        <p:grpSpPr>
+          <a:xfrm>
+            <a:off x="5789289" y="1770308"/>
+            <a:ext cx="1738819" cy="710090"/>
+            <a:chOff x="5826996" y="1628906"/>
+            <a:chExt cx="1738819" cy="710090"/>
+          </a:xfrm>
+        </p:grpSpPr>
+        <p:sp>
+          <p:nvSpPr>
+            <p:cNvPr id="43" name="Ellipse 42"/>
+            <p:cNvSpPr/>
+            <p:nvPr/>
+          </p:nvSpPr>
+          <p:spPr>
+            <a:xfrm>
+              <a:off x="5937184" y="1967049"/>
+              <a:ext cx="147610" cy="147610"/>
+            </a:xfrm>
+            <a:prstGeom prst="ellipse">
+              <a:avLst/>
+            </a:prstGeom>
+            <a:solidFill>
+              <a:schemeClr val="tx1"/>
+            </a:solidFill>
+            <a:ln>
+              <a:noFill/>
+            </a:ln>
+          </p:spPr>
+          <p:style>
+            <a:lnRef idx="2">
+              <a:schemeClr val="accent1">
+                <a:shade val="50000"/>
+              </a:schemeClr>
+            </a:lnRef>
+            <a:fillRef idx="1">
+              <a:schemeClr val="accent1"/>
+            </a:fillRef>
+            <a:effectRef idx="0">
+              <a:schemeClr val="accent1"/>
+            </a:effectRef>
+            <a:fontRef idx="minor">
+              <a:schemeClr val="lt1"/>
+            </a:fontRef>
+          </p:style>
+          <p:txBody>
+            <a:bodyPr rtlCol="0" anchor="ctr"/>
+            <a:lstStyle/>
+            <a:p>
+              <a:pPr algn="ctr"/>
+              <a:endParaRPr lang="en-GB"/>
+            </a:p>
+          </p:txBody>
+        </p:sp>
+        <mc:AlternateContent xmlns:mc="http://schemas.openxmlformats.org/markup-compatibility/2006">
+          <mc:Choice xmlns:a14="http://schemas.microsoft.com/office/drawing/2010/main" Requires="a14">
+            <p:sp>
+              <p:nvSpPr>
+                <p:cNvPr id="44" name="Textfeld 43"/>
+                <p:cNvSpPr txBox="1"/>
+                <p:nvPr/>
+              </p:nvSpPr>
+              <p:spPr>
+                <a:xfrm>
+                  <a:off x="5826996" y="1628906"/>
+                  <a:ext cx="367985" cy="369332"/>
+                </a:xfrm>
+                <a:prstGeom prst="rect">
+                  <a:avLst/>
+                </a:prstGeom>
+                <a:noFill/>
+              </p:spPr>
+              <p:txBody>
+                <a:bodyPr wrap="none" rtlCol="0">
+                  <a:spAutoFit/>
+                </a:bodyPr>
+                <a:lstStyle/>
+                <a:p>
+                  <a:pPr/>
+                  <a14:m>
+                    <m:oMathPara xmlns:m="http://schemas.openxmlformats.org/officeDocument/2006/math">
+                      <m:oMathParaPr>
+                        <m:jc m:val="centerGroup"/>
+                      </m:oMathParaPr>
+                      <m:oMath xmlns:m="http://schemas.openxmlformats.org/officeDocument/2006/math">
+                        <m:r>
+                          <a:rPr lang="de-DE" b="0" i="1" dirty="0" smtClean="0">
+                            <a:solidFill>
+                              <a:prstClr val="black"/>
+                            </a:solidFill>
+                            <a:latin typeface="Cambria Math" panose="02040503050406030204" pitchFamily="18" charset="0"/>
+                            <a:ea typeface="Cambria Math" panose="02040503050406030204" pitchFamily="18" charset="0"/>
+                            <a:cs typeface="Courier New" panose="02070309020205020404" pitchFamily="49" charset="0"/>
+                          </a:rPr>
+                          <m:t>𝑜</m:t>
+                        </m:r>
+                      </m:oMath>
+                    </m:oMathPara>
+                  </a14:m>
+                  <a:endParaRPr lang="en-GB" dirty="0"/>
+                </a:p>
+              </p:txBody>
+            </p:sp>
+          </mc:Choice>
+          <mc:Fallback>
+            <p:sp>
+              <p:nvSpPr>
+                <p:cNvPr id="44" name="Textfeld 43"/>
+                <p:cNvSpPr txBox="1">
+                  <a:spLocks noRot="1" noChangeAspect="1" noMove="1" noResize="1" noEditPoints="1" noAdjustHandles="1" noChangeArrowheads="1" noChangeShapeType="1" noTextEdit="1"/>
+                </p:cNvSpPr>
+                <p:nvPr/>
+              </p:nvSpPr>
+              <p:spPr>
+                <a:xfrm>
+                  <a:off x="5826996" y="1628906"/>
+                  <a:ext cx="367985" cy="369332"/>
+                </a:xfrm>
+                <a:prstGeom prst="rect">
+                  <a:avLst/>
+                </a:prstGeom>
+                <a:blipFill rotWithShape="0">
+                  <a:blip r:embed="rId5"/>
+                  <a:stretch>
+                    <a:fillRect/>
+                  </a:stretch>
+                </a:blipFill>
+              </p:spPr>
+              <p:txBody>
+                <a:bodyPr/>
+                <a:lstStyle/>
+                <a:p>
+                  <a:r>
+                    <a:rPr lang="en-GB">
+                      <a:noFill/>
+                    </a:rPr>
+                    <a:t> </a:t>
+                  </a:r>
+                </a:p>
+              </p:txBody>
+            </p:sp>
+          </mc:Fallback>
+        </mc:AlternateContent>
+        <p:cxnSp>
+          <p:nvCxnSpPr>
+            <p:cNvPr id="45" name="Gerade Verbindung mit Pfeil 44"/>
+            <p:cNvCxnSpPr/>
+            <p:nvPr/>
+          </p:nvCxnSpPr>
+          <p:spPr>
+            <a:xfrm flipV="1">
+              <a:off x="7565815" y="2055393"/>
+              <a:ext cx="0" cy="252979"/>
+            </a:xfrm>
+            <a:prstGeom prst="straightConnector1">
+              <a:avLst/>
+            </a:prstGeom>
+            <a:ln w="57150">
+              <a:solidFill>
+                <a:srgbClr val="006600"/>
+              </a:solidFill>
+              <a:tailEnd type="triangle"/>
+            </a:ln>
+          </p:spPr>
+          <p:style>
+            <a:lnRef idx="1">
+              <a:schemeClr val="accent1"/>
+            </a:lnRef>
+            <a:fillRef idx="0">
+              <a:schemeClr val="accent1"/>
+            </a:fillRef>
+            <a:effectRef idx="0">
+              <a:schemeClr val="accent1"/>
+            </a:effectRef>
+            <a:fontRef idx="minor">
+              <a:schemeClr val="tx1"/>
+            </a:fontRef>
+          </p:style>
+        </p:cxnSp>
+        <mc:AlternateContent xmlns:mc="http://schemas.openxmlformats.org/markup-compatibility/2006">
+          <mc:Choice xmlns:a14="http://schemas.microsoft.com/office/drawing/2010/main" Requires="a14">
+            <p:sp>
+              <p:nvSpPr>
+                <p:cNvPr id="46" name="Textfeld 45"/>
+                <p:cNvSpPr txBox="1"/>
+                <p:nvPr/>
+              </p:nvSpPr>
+              <p:spPr>
+                <a:xfrm>
+                  <a:off x="7197189" y="1969664"/>
+                  <a:ext cx="368626" cy="369332"/>
+                </a:xfrm>
+                <a:prstGeom prst="rect">
+                  <a:avLst/>
+                </a:prstGeom>
+                <a:noFill/>
+              </p:spPr>
+              <p:txBody>
+                <a:bodyPr wrap="none" rtlCol="0">
+                  <a:spAutoFit/>
+                </a:bodyPr>
+                <a:lstStyle/>
+                <a:p>
+                  <a:pPr/>
+                  <a14:m>
+                    <m:oMathPara xmlns:m="http://schemas.openxmlformats.org/officeDocument/2006/math">
+                      <m:oMathParaPr>
+                        <m:jc m:val="centerGroup"/>
+                      </m:oMathParaPr>
+                      <m:oMath xmlns:m="http://schemas.openxmlformats.org/officeDocument/2006/math">
+                        <m:r>
+                          <a:rPr lang="de-DE" b="0" i="1" smtClean="0">
+                            <a:solidFill>
+                              <a:srgbClr val="006600"/>
+                            </a:solidFill>
+                            <a:latin typeface="Cambria Math" panose="02040503050406030204" pitchFamily="18" charset="0"/>
+                          </a:rPr>
+                          <m:t>𝑝</m:t>
+                        </m:r>
+                      </m:oMath>
+                    </m:oMathPara>
+                  </a14:m>
+                  <a:endParaRPr lang="en-GB" dirty="0">
+                    <a:solidFill>
+                      <a:srgbClr val="006600"/>
+                    </a:solidFill>
+                  </a:endParaRPr>
+                </a:p>
+              </p:txBody>
+            </p:sp>
+          </mc:Choice>
+          <mc:Fallback>
+            <p:sp>
+              <p:nvSpPr>
+                <p:cNvPr id="46" name="Textfeld 45"/>
+                <p:cNvSpPr txBox="1">
+                  <a:spLocks noRot="1" noChangeAspect="1" noMove="1" noResize="1" noEditPoints="1" noAdjustHandles="1" noChangeArrowheads="1" noChangeShapeType="1" noTextEdit="1"/>
+                </p:cNvSpPr>
+                <p:nvPr/>
+              </p:nvSpPr>
+              <p:spPr>
+                <a:xfrm>
+                  <a:off x="7197189" y="1969664"/>
+                  <a:ext cx="368626" cy="369332"/>
+                </a:xfrm>
+                <a:prstGeom prst="rect">
+                  <a:avLst/>
+                </a:prstGeom>
+                <a:blipFill rotWithShape="0">
+                  <a:blip r:embed="rId6"/>
+                  <a:stretch>
+                    <a:fillRect b="-6557"/>
+                  </a:stretch>
+                </a:blipFill>
+              </p:spPr>
+              <p:txBody>
+                <a:bodyPr/>
+                <a:lstStyle/>
+                <a:p>
+                  <a:r>
+                    <a:rPr lang="en-GB">
+                      <a:noFill/>
+                    </a:rPr>
+                    <a:t> </a:t>
+                  </a:r>
+                </a:p>
+              </p:txBody>
+            </p:sp>
+          </mc:Fallback>
+        </mc:AlternateContent>
+      </p:grpSp>
+      <p:grpSp>
+        <p:nvGrpSpPr>
+          <p:cNvPr id="47" name="Gruppieren 46"/>
+          <p:cNvGrpSpPr/>
+          <p:nvPr/>
+        </p:nvGrpSpPr>
+        <p:grpSpPr>
+          <a:xfrm>
+            <a:off x="8272518" y="1772997"/>
+            <a:ext cx="367986" cy="483064"/>
+            <a:chOff x="8310225" y="1631595"/>
+            <a:chExt cx="367986" cy="483064"/>
+          </a:xfrm>
+        </p:grpSpPr>
+        <p:sp>
+          <p:nvSpPr>
+            <p:cNvPr id="48" name="Ellipse 47"/>
+            <p:cNvSpPr/>
+            <p:nvPr/>
+          </p:nvSpPr>
+          <p:spPr>
+            <a:xfrm>
+              <a:off x="8420413" y="1967049"/>
+              <a:ext cx="147610" cy="147610"/>
+            </a:xfrm>
+            <a:prstGeom prst="ellipse">
+              <a:avLst/>
+            </a:prstGeom>
+            <a:solidFill>
+              <a:srgbClr val="C00000"/>
+            </a:solidFill>
+            <a:ln>
+              <a:noFill/>
+            </a:ln>
+          </p:spPr>
+          <p:style>
+            <a:lnRef idx="2">
+              <a:schemeClr val="accent1">
+                <a:shade val="50000"/>
+              </a:schemeClr>
+            </a:lnRef>
+            <a:fillRef idx="1">
+              <a:schemeClr val="accent1"/>
+            </a:fillRef>
+            <a:effectRef idx="0">
+              <a:schemeClr val="accent1"/>
+            </a:effectRef>
+            <a:fontRef idx="minor">
+              <a:schemeClr val="lt1"/>
+            </a:fontRef>
+          </p:style>
+          <p:txBody>
+            <a:bodyPr rtlCol="0" anchor="ctr"/>
+            <a:lstStyle/>
+            <a:p>
+              <a:pPr algn="ctr"/>
+              <a:endParaRPr lang="en-GB"/>
+            </a:p>
+          </p:txBody>
+        </p:sp>
+        <mc:AlternateContent xmlns:mc="http://schemas.openxmlformats.org/markup-compatibility/2006">
+          <mc:Choice xmlns:a14="http://schemas.microsoft.com/office/drawing/2010/main" Requires="a14">
+            <p:sp>
+              <p:nvSpPr>
+                <p:cNvPr id="49" name="Textfeld 48"/>
+                <p:cNvSpPr txBox="1"/>
+                <p:nvPr/>
+              </p:nvSpPr>
+              <p:spPr>
+                <a:xfrm>
+                  <a:off x="8310225" y="1631595"/>
+                  <a:ext cx="367986" cy="369332"/>
+                </a:xfrm>
+                <a:prstGeom prst="rect">
+                  <a:avLst/>
+                </a:prstGeom>
+                <a:noFill/>
+              </p:spPr>
+              <p:txBody>
+                <a:bodyPr wrap="none" rtlCol="0">
+                  <a:spAutoFit/>
+                </a:bodyPr>
+                <a:lstStyle/>
+                <a:p>
+                  <a:pPr/>
+                  <a14:m>
+                    <m:oMathPara xmlns:m="http://schemas.openxmlformats.org/officeDocument/2006/math">
+                      <m:oMathParaPr>
+                        <m:jc m:val="centerGroup"/>
+                      </m:oMathParaPr>
+                      <m:oMath xmlns:m="http://schemas.openxmlformats.org/officeDocument/2006/math">
+                        <m:acc>
+                          <m:accPr>
+                            <m:chr m:val="̂"/>
+                            <m:ctrlPr>
+                              <a:rPr lang="de-DE" b="0" i="1" dirty="0" smtClean="0">
+                                <a:solidFill>
+                                  <a:srgbClr val="C00000"/>
+                                </a:solidFill>
+                                <a:latin typeface="Cambria Math" panose="02040503050406030204" pitchFamily="18" charset="0"/>
+                                <a:ea typeface="Cambria Math" panose="02040503050406030204" pitchFamily="18" charset="0"/>
+                                <a:cs typeface="Courier New" panose="02070309020205020404" pitchFamily="49" charset="0"/>
+                              </a:rPr>
+                            </m:ctrlPr>
+                          </m:accPr>
+                          <m:e>
+                            <m:r>
+                              <a:rPr lang="de-DE" b="0" i="1" dirty="0" smtClean="0">
+                                <a:solidFill>
+                                  <a:srgbClr val="C00000"/>
+                                </a:solidFill>
+                                <a:latin typeface="Cambria Math" panose="02040503050406030204" pitchFamily="18" charset="0"/>
+                                <a:ea typeface="Cambria Math" panose="02040503050406030204" pitchFamily="18" charset="0"/>
+                                <a:cs typeface="Courier New" panose="02070309020205020404" pitchFamily="49" charset="0"/>
+                              </a:rPr>
+                              <m:t>𝑥</m:t>
+                            </m:r>
+                          </m:e>
+                        </m:acc>
+                      </m:oMath>
+                    </m:oMathPara>
+                  </a14:m>
+                  <a:endParaRPr lang="en-GB" dirty="0">
+                    <a:solidFill>
+                      <a:srgbClr val="C00000"/>
+                    </a:solidFill>
+                  </a:endParaRPr>
+                </a:p>
+              </p:txBody>
+            </p:sp>
+          </mc:Choice>
+          <mc:Fallback>
+            <p:sp>
+              <p:nvSpPr>
+                <p:cNvPr id="49" name="Textfeld 48"/>
+                <p:cNvSpPr txBox="1">
+                  <a:spLocks noRot="1" noChangeAspect="1" noMove="1" noResize="1" noEditPoints="1" noAdjustHandles="1" noChangeArrowheads="1" noChangeShapeType="1" noTextEdit="1"/>
+                </p:cNvSpPr>
+                <p:nvPr/>
+              </p:nvSpPr>
+              <p:spPr>
+                <a:xfrm>
+                  <a:off x="8310225" y="1631595"/>
+                  <a:ext cx="367986" cy="369332"/>
+                </a:xfrm>
+                <a:prstGeom prst="rect">
+                  <a:avLst/>
+                </a:prstGeom>
+                <a:blipFill rotWithShape="0">
+                  <a:blip r:embed="rId7"/>
+                  <a:stretch>
+                    <a:fillRect t="-6667" r="-16667"/>
+                  </a:stretch>
+                </a:blipFill>
+              </p:spPr>
+              <p:txBody>
+                <a:bodyPr/>
+                <a:lstStyle/>
+                <a:p>
+                  <a:r>
+                    <a:rPr lang="en-GB">
+                      <a:noFill/>
+                    </a:rPr>
+                    <a:t> </a:t>
+                  </a:r>
+                </a:p>
+              </p:txBody>
+            </p:sp>
+          </mc:Fallback>
+        </mc:AlternateContent>
+      </p:grpSp>
+      <p:sp>
+        <p:nvSpPr>
+          <p:cNvPr id="50" name="Freihandform 49"/>
+          <p:cNvSpPr/>
+          <p:nvPr/>
+        </p:nvSpPr>
+        <p:spPr>
+          <a:xfrm>
+            <a:off x="6051944" y="2008932"/>
+            <a:ext cx="1728004" cy="190115"/>
+          </a:xfrm>
+          <a:custGeom>
+            <a:avLst/>
+            <a:gdLst>
+              <a:gd name="connsiteX0" fmla="*/ 186267 w 550333"/>
+              <a:gd name="connsiteY0" fmla="*/ 199762 h 199762"/>
+              <a:gd name="connsiteX1" fmla="*/ 508000 w 550333"/>
+              <a:gd name="connsiteY1" fmla="*/ 81229 h 199762"/>
+              <a:gd name="connsiteX2" fmla="*/ 491067 w 550333"/>
+              <a:gd name="connsiteY2" fmla="*/ 5029 h 199762"/>
+              <a:gd name="connsiteX3" fmla="*/ 0 w 550333"/>
+              <a:gd name="connsiteY3" fmla="*/ 13495 h 199762"/>
+              <a:gd name="connsiteX0" fmla="*/ 1335617 w 1780585"/>
+              <a:gd name="connsiteY0" fmla="*/ 196911 h 196911"/>
+              <a:gd name="connsiteX1" fmla="*/ 1657350 w 1780585"/>
+              <a:gd name="connsiteY1" fmla="*/ 78378 h 196911"/>
+              <a:gd name="connsiteX2" fmla="*/ 1640417 w 1780585"/>
+              <a:gd name="connsiteY2" fmla="*/ 2178 h 196911"/>
+              <a:gd name="connsiteX3" fmla="*/ 0 w 1780585"/>
+              <a:gd name="connsiteY3" fmla="*/ 163044 h 196911"/>
+              <a:gd name="connsiteX0" fmla="*/ 1335617 w 1795325"/>
+              <a:gd name="connsiteY0" fmla="*/ 194734 h 194734"/>
+              <a:gd name="connsiteX1" fmla="*/ 1692275 w 1795325"/>
+              <a:gd name="connsiteY1" fmla="*/ 161926 h 194734"/>
+              <a:gd name="connsiteX2" fmla="*/ 1640417 w 1795325"/>
+              <a:gd name="connsiteY2" fmla="*/ 1 h 194734"/>
+              <a:gd name="connsiteX3" fmla="*/ 0 w 1795325"/>
+              <a:gd name="connsiteY3" fmla="*/ 160867 h 194734"/>
+              <a:gd name="connsiteX0" fmla="*/ 1335617 w 1828816"/>
+              <a:gd name="connsiteY0" fmla="*/ 182034 h 182034"/>
+              <a:gd name="connsiteX1" fmla="*/ 1692275 w 1828816"/>
+              <a:gd name="connsiteY1" fmla="*/ 149226 h 182034"/>
+              <a:gd name="connsiteX2" fmla="*/ 1688042 w 1828816"/>
+              <a:gd name="connsiteY2" fmla="*/ 1 h 182034"/>
+              <a:gd name="connsiteX3" fmla="*/ 0 w 1828816"/>
+              <a:gd name="connsiteY3" fmla="*/ 148167 h 182034"/>
+              <a:gd name="connsiteX0" fmla="*/ 1335617 w 1796820"/>
+              <a:gd name="connsiteY0" fmla="*/ 199472 h 199472"/>
+              <a:gd name="connsiteX1" fmla="*/ 1692275 w 1796820"/>
+              <a:gd name="connsiteY1" fmla="*/ 166664 h 199472"/>
+              <a:gd name="connsiteX2" fmla="*/ 1688042 w 1796820"/>
+              <a:gd name="connsiteY2" fmla="*/ 17439 h 199472"/>
+              <a:gd name="connsiteX3" fmla="*/ 0 w 1796820"/>
+              <a:gd name="connsiteY3" fmla="*/ 165605 h 199472"/>
+              <a:gd name="connsiteX0" fmla="*/ 1335617 w 1797703"/>
+              <a:gd name="connsiteY0" fmla="*/ 199472 h 199472"/>
+              <a:gd name="connsiteX1" fmla="*/ 1692275 w 1797703"/>
+              <a:gd name="connsiteY1" fmla="*/ 166664 h 199472"/>
+              <a:gd name="connsiteX2" fmla="*/ 1688042 w 1797703"/>
+              <a:gd name="connsiteY2" fmla="*/ 17439 h 199472"/>
+              <a:gd name="connsiteX3" fmla="*/ 0 w 1797703"/>
+              <a:gd name="connsiteY3" fmla="*/ 165605 h 199472"/>
+              <a:gd name="connsiteX0" fmla="*/ 1335617 w 1797703"/>
+              <a:gd name="connsiteY0" fmla="*/ 199472 h 201160"/>
+              <a:gd name="connsiteX1" fmla="*/ 1692275 w 1797703"/>
+              <a:gd name="connsiteY1" fmla="*/ 166664 h 201160"/>
+              <a:gd name="connsiteX2" fmla="*/ 1688042 w 1797703"/>
+              <a:gd name="connsiteY2" fmla="*/ 17439 h 201160"/>
+              <a:gd name="connsiteX3" fmla="*/ 0 w 1797703"/>
+              <a:gd name="connsiteY3" fmla="*/ 165605 h 201160"/>
+              <a:gd name="connsiteX0" fmla="*/ 1335617 w 1793377"/>
+              <a:gd name="connsiteY0" fmla="*/ 199472 h 201902"/>
+              <a:gd name="connsiteX1" fmla="*/ 1692275 w 1793377"/>
+              <a:gd name="connsiteY1" fmla="*/ 166664 h 201902"/>
+              <a:gd name="connsiteX2" fmla="*/ 1688042 w 1793377"/>
+              <a:gd name="connsiteY2" fmla="*/ 17439 h 201902"/>
+              <a:gd name="connsiteX3" fmla="*/ 0 w 1793377"/>
+              <a:gd name="connsiteY3" fmla="*/ 165605 h 201902"/>
+              <a:gd name="connsiteX0" fmla="*/ 1335617 w 1732339"/>
+              <a:gd name="connsiteY0" fmla="*/ 189870 h 192300"/>
+              <a:gd name="connsiteX1" fmla="*/ 1692275 w 1732339"/>
+              <a:gd name="connsiteY1" fmla="*/ 157062 h 192300"/>
+              <a:gd name="connsiteX2" fmla="*/ 1688042 w 1732339"/>
+              <a:gd name="connsiteY2" fmla="*/ 7837 h 192300"/>
+              <a:gd name="connsiteX3" fmla="*/ 0 w 1732339"/>
+              <a:gd name="connsiteY3" fmla="*/ 156003 h 192300"/>
+              <a:gd name="connsiteX0" fmla="*/ 1488017 w 1728004"/>
+              <a:gd name="connsiteY0" fmla="*/ 189870 h 190115"/>
+              <a:gd name="connsiteX1" fmla="*/ 1692275 w 1728004"/>
+              <a:gd name="connsiteY1" fmla="*/ 157062 h 190115"/>
+              <a:gd name="connsiteX2" fmla="*/ 1688042 w 1728004"/>
+              <a:gd name="connsiteY2" fmla="*/ 7837 h 190115"/>
+              <a:gd name="connsiteX3" fmla="*/ 0 w 1728004"/>
+              <a:gd name="connsiteY3" fmla="*/ 156003 h 190115"/>
+            </a:gdLst>
+            <a:ahLst/>
+            <a:cxnLst>
+              <a:cxn ang="0">
+                <a:pos x="connsiteX0" y="connsiteY0"/>
+              </a:cxn>
+              <a:cxn ang="0">
+                <a:pos x="connsiteX1" y="connsiteY1"/>
+              </a:cxn>
+              <a:cxn ang="0">
+                <a:pos x="connsiteX2" y="connsiteY2"/>
+              </a:cxn>
+              <a:cxn ang="0">
+                <a:pos x="connsiteX3" y="connsiteY3"/>
+              </a:cxn>
+            </a:cxnLst>
+            <a:rect l="l" t="t" r="r" b="b"/>
+            <a:pathLst>
+              <a:path w="1728004" h="190115">
+                <a:moveTo>
+                  <a:pt x="1488017" y="189870"/>
+                </a:moveTo>
+                <a:cubicBezTo>
+                  <a:pt x="1645708" y="191281"/>
+                  <a:pt x="1658938" y="187401"/>
+                  <a:pt x="1692275" y="157062"/>
+                </a:cubicBezTo>
+                <a:cubicBezTo>
+                  <a:pt x="1725612" y="126723"/>
+                  <a:pt x="1754188" y="55638"/>
+                  <a:pt x="1688042" y="7837"/>
+                </a:cubicBezTo>
+                <a:cubicBezTo>
+                  <a:pt x="1621896" y="-39964"/>
+                  <a:pt x="203200" y="146125"/>
+                  <a:pt x="0" y="156003"/>
+                </a:cubicBezTo>
+              </a:path>
+            </a:pathLst>
+          </a:custGeom>
+          <a:noFill/>
+          <a:ln w="28575">
+            <a:solidFill>
+              <a:schemeClr val="tx1"/>
+            </a:solidFill>
+            <a:headEnd type="none" w="med" len="med"/>
+            <a:tailEnd type="triangle" w="med" len="med"/>
+          </a:ln>
+        </p:spPr>
+        <p:style>
+          <a:lnRef idx="2">
+            <a:schemeClr val="accent1">
+              <a:shade val="50000"/>
+            </a:schemeClr>
+          </a:lnRef>
+          <a:fillRef idx="1">
+            <a:schemeClr val="accent1"/>
+          </a:fillRef>
+          <a:effectRef idx="0">
+            <a:schemeClr val="accent1"/>
+          </a:effectRef>
+          <a:fontRef idx="minor">
+            <a:schemeClr val="lt1"/>
+          </a:fontRef>
+        </p:style>
+        <p:txBody>
+          <a:bodyPr rtlCol="0" anchor="ctr"/>
+          <a:lstStyle/>
+          <a:p>
+            <a:pPr algn="ctr"/>
+            <a:endParaRPr lang="en-GB"/>
+          </a:p>
+        </p:txBody>
+      </p:sp>
+    </p:spTree>
+    <p:extLst>
+      <p:ext uri="{BB962C8B-B14F-4D97-AF65-F5344CB8AC3E}">
+        <p14:creationId xmlns:p14="http://schemas.microsoft.com/office/powerpoint/2010/main" val="1050431237"/>
+      </p:ext>
+    </p:extLst>
+  </p:cSld>
+  <p:clrMapOvr>
+    <a:masterClrMapping/>
+  </p:clrMapOvr>
+  <mc:AlternateContent xmlns:mc="http://schemas.openxmlformats.org/markup-compatibility/2006" xmlns:p14="http://schemas.microsoft.com/office/powerpoint/2010/main">
+    <mc:Choice Requires="p14">
+      <p:transition spd="med" p14:dur="700">
+        <p:fade/>
+      </p:transition>
+    </mc:Choice>
+    <mc:Fallback xmlns="">
+      <p:transition spd="med">
+        <p:fade/>
+      </p:transition>
+    </mc:Fallback>
+  </mc:AlternateContent>
+  <p:timing>
+    <p:tnLst>
+      <p:par>
+        <p:cTn id="1" dur="indefinite" restart="never" nodeType="tmRoot">
+          <p:childTnLst>
+            <p:seq concurrent="1" nextAc="seek">
+              <p:cTn id="2" dur="indefinite" nodeType="mainSeq">
+                <p:childTnLst>
+                  <p:par>
+                    <p:cTn id="3" fill="hold">
+                      <p:stCondLst>
+                        <p:cond delay="indefinite"/>
+                      </p:stCondLst>
+                      <p:childTnLst>
+                        <p:par>
+                          <p:cTn id="4" fill="hold">
+                            <p:stCondLst>
+                              <p:cond delay="0"/>
+                            </p:stCondLst>
+                            <p:childTnLst>
+                              <p:par>
+                                <p:cTn id="5" presetID="1" presetClass="entr" presetSubtype="0" fill="hold" nodeType="clickEffect">
+                                  <p:stCondLst>
+                                    <p:cond delay="0"/>
+                                  </p:stCondLst>
+                                  <p:childTnLst>
+                                    <p:set>
+                                      <p:cBhvr>
+                                        <p:cTn id="6" dur="1" fill="hold">
+                                          <p:stCondLst>
+                                            <p:cond delay="0"/>
+                                          </p:stCondLst>
+                                        </p:cTn>
+                                        <p:tgtEl>
+                                          <p:spTgt spid="41">
+                                            <p:txEl>
+                                              <p:pRg st="0" end="0"/>
+                                            </p:txEl>
+                                          </p:spTgt>
+                                        </p:tgtEl>
+                                        <p:attrNameLst>
+                                          <p:attrName>style.visibility</p:attrName>
+                                        </p:attrNameLst>
+                                      </p:cBhvr>
+                                      <p:to>
+                                        <p:strVal val="visible"/>
+                                      </p:to>
+                                    </p:set>
+                                  </p:childTnLst>
+                                </p:cTn>
+                              </p:par>
+                            </p:childTnLst>
+                          </p:cTn>
+                        </p:par>
+                      </p:childTnLst>
+                    </p:cTn>
+                  </p:par>
+                  <p:par>
+                    <p:cTn id="7" fill="hold">
+                      <p:stCondLst>
+                        <p:cond delay="indefinite"/>
+                      </p:stCondLst>
+                      <p:childTnLst>
+                        <p:par>
+                          <p:cTn id="8" fill="hold">
+                            <p:stCondLst>
+                              <p:cond delay="0"/>
+                            </p:stCondLst>
+                            <p:childTnLst>
+                              <p:par>
+                                <p:cTn id="9" presetID="1" presetClass="entr" presetSubtype="0" fill="hold" nodeType="clickEffect">
+                                  <p:stCondLst>
+                                    <p:cond delay="0"/>
+                                  </p:stCondLst>
+                                  <p:childTnLst>
+                                    <p:set>
+                                      <p:cBhvr>
+                                        <p:cTn id="10" dur="1" fill="hold">
+                                          <p:stCondLst>
+                                            <p:cond delay="0"/>
+                                          </p:stCondLst>
+                                        </p:cTn>
+                                        <p:tgtEl>
+                                          <p:spTgt spid="41">
+                                            <p:txEl>
+                                              <p:pRg st="1" end="1"/>
+                                            </p:txEl>
+                                          </p:spTgt>
+                                        </p:tgtEl>
+                                        <p:attrNameLst>
+                                          <p:attrName>style.visibility</p:attrName>
+                                        </p:attrNameLst>
+                                      </p:cBhvr>
+                                      <p:to>
+                                        <p:strVal val="visible"/>
+                                      </p:to>
+                                    </p:set>
+                                  </p:childTnLst>
+                                </p:cTn>
+                              </p:par>
+                            </p:childTnLst>
+                          </p:cTn>
+                        </p:par>
+                        <p:par>
+                          <p:cTn id="11" fill="hold">
+                            <p:stCondLst>
+                              <p:cond delay="0"/>
+                            </p:stCondLst>
+                            <p:childTnLst>
+                              <p:par>
+                                <p:cTn id="12" presetID="10" presetClass="entr" presetSubtype="0" fill="hold" nodeType="afterEffect">
+                                  <p:stCondLst>
+                                    <p:cond delay="0"/>
+                                  </p:stCondLst>
+                                  <p:childTnLst>
+                                    <p:set>
+                                      <p:cBhvr>
+                                        <p:cTn id="13" dur="1" fill="hold">
+                                          <p:stCondLst>
+                                            <p:cond delay="0"/>
+                                          </p:stCondLst>
+                                        </p:cTn>
+                                        <p:tgtEl>
+                                          <p:spTgt spid="42"/>
+                                        </p:tgtEl>
+                                        <p:attrNameLst>
+                                          <p:attrName>style.visibility</p:attrName>
+                                        </p:attrNameLst>
+                                      </p:cBhvr>
+                                      <p:to>
+                                        <p:strVal val="visible"/>
+                                      </p:to>
+                                    </p:set>
+                                    <p:animEffect transition="in" filter="fade">
+                                      <p:cBhvr>
+                                        <p:cTn id="14" dur="500"/>
+                                        <p:tgtEl>
+                                          <p:spTgt spid="42"/>
+                                        </p:tgtEl>
+                                      </p:cBhvr>
+                                    </p:animEffect>
+                                  </p:childTnLst>
+                                </p:cTn>
+                              </p:par>
+                            </p:childTnLst>
+                          </p:cTn>
+                        </p:par>
+                      </p:childTnLst>
+                    </p:cTn>
+                  </p:par>
+                  <p:par>
+                    <p:cTn id="15" fill="hold">
+                      <p:stCondLst>
+                        <p:cond delay="indefinite"/>
+                      </p:stCondLst>
+                      <p:childTnLst>
+                        <p:par>
+                          <p:cTn id="16" fill="hold">
+                            <p:stCondLst>
+                              <p:cond delay="0"/>
+                            </p:stCondLst>
+                            <p:childTnLst>
+                              <p:par>
+                                <p:cTn id="17" presetID="10" presetClass="entr" presetSubtype="0" fill="hold" nodeType="clickEffect">
+                                  <p:stCondLst>
+                                    <p:cond delay="0"/>
+                                  </p:stCondLst>
+                                  <p:childTnLst>
+                                    <p:set>
+                                      <p:cBhvr>
+                                        <p:cTn id="18" dur="1" fill="hold">
+                                          <p:stCondLst>
+                                            <p:cond delay="0"/>
+                                          </p:stCondLst>
+                                        </p:cTn>
+                                        <p:tgtEl>
+                                          <p:spTgt spid="47"/>
+                                        </p:tgtEl>
+                                        <p:attrNameLst>
+                                          <p:attrName>style.visibility</p:attrName>
+                                        </p:attrNameLst>
+                                      </p:cBhvr>
+                                      <p:to>
+                                        <p:strVal val="visible"/>
+                                      </p:to>
+                                    </p:set>
+                                    <p:animEffect transition="in" filter="fade">
+                                      <p:cBhvr>
+                                        <p:cTn id="19" dur="500"/>
+                                        <p:tgtEl>
+                                          <p:spTgt spid="47"/>
+                                        </p:tgtEl>
+                                      </p:cBhvr>
+                                    </p:animEffect>
+                                  </p:childTnLst>
+                                </p:cTn>
+                              </p:par>
+                            </p:childTnLst>
+                          </p:cTn>
+                        </p:par>
+                      </p:childTnLst>
+                    </p:cTn>
+                  </p:par>
+                  <p:par>
+                    <p:cTn id="20" fill="hold">
+                      <p:stCondLst>
+                        <p:cond delay="indefinite"/>
+                      </p:stCondLst>
+                      <p:childTnLst>
+                        <p:par>
+                          <p:cTn id="21" fill="hold">
+                            <p:stCondLst>
+                              <p:cond delay="0"/>
+                            </p:stCondLst>
+                            <p:childTnLst>
+                              <p:par>
+                                <p:cTn id="22" presetID="10" presetClass="entr" presetSubtype="0" fill="hold" grpId="0" nodeType="clickEffect">
+                                  <p:stCondLst>
+                                    <p:cond delay="0"/>
+                                  </p:stCondLst>
+                                  <p:childTnLst>
+                                    <p:set>
+                                      <p:cBhvr>
+                                        <p:cTn id="23" dur="1" fill="hold">
+                                          <p:stCondLst>
+                                            <p:cond delay="0"/>
+                                          </p:stCondLst>
+                                        </p:cTn>
+                                        <p:tgtEl>
+                                          <p:spTgt spid="50"/>
+                                        </p:tgtEl>
+                                        <p:attrNameLst>
+                                          <p:attrName>style.visibility</p:attrName>
+                                        </p:attrNameLst>
+                                      </p:cBhvr>
+                                      <p:to>
+                                        <p:strVal val="visible"/>
+                                      </p:to>
+                                    </p:set>
+                                    <p:animEffect transition="in" filter="fade">
+                                      <p:cBhvr>
+                                        <p:cTn id="24" dur="500"/>
+                                        <p:tgtEl>
+                                          <p:spTgt spid="50"/>
+                                        </p:tgtEl>
+                                      </p:cBhvr>
+                                    </p:animEffect>
+                                  </p:childTnLst>
+                                </p:cTn>
+                              </p:par>
+                            </p:childTnLst>
+                          </p:cTn>
+                        </p:par>
+                      </p:childTnLst>
+                    </p:cTn>
+                  </p:par>
+                </p:childTnLst>
+              </p:cTn>
+              <p:prevCondLst>
+                <p:cond evt="onPrev" delay="0">
+                  <p:tgtEl>
+                    <p:sldTgt/>
+                  </p:tgtEl>
+                </p:cond>
+              </p:prevCondLst>
+              <p:nextCondLst>
+                <p:cond evt="onNext" delay="0">
+                  <p:tgtEl>
+                    <p:sldTgt/>
+                  </p:tgtEl>
+                </p:cond>
+              </p:nextCondLst>
+            </p:seq>
+          </p:childTnLst>
+        </p:cTn>
+      </p:par>
+    </p:tnLst>
+    <p:bldLst>
+      <p:bldP spid="50" grpId="0" animBg="1"/>
+    </p:bldLst>
+  </p:timing>
+</p:sld>
+</file>
+
+<file path=ppt/slides/slide15.xml><?xml version="1.0" encoding="utf-8"?>
 <p:sld xmlns:a="http://schemas.openxmlformats.org/drawingml/2006/main" xmlns:r="http://schemas.openxmlformats.org/officeDocument/2006/relationships" xmlns:p="http://schemas.openxmlformats.org/presentationml/2006/main">
   <p:cSld>
     <p:spTree>
@@ -7576,7 +15570,7 @@
 </p:sld>
 </file>
 
-<file path=ppt/slides/slide15.xml><?xml version="1.0" encoding="utf-8"?>
+<file path=ppt/slides/slide16.xml><?xml version="1.0" encoding="utf-8"?>
 <p:sld xmlns:a="http://schemas.openxmlformats.org/drawingml/2006/main" xmlns:r="http://schemas.openxmlformats.org/officeDocument/2006/relationships" xmlns:p="http://schemas.openxmlformats.org/presentationml/2006/main">
   <p:cSld>
     <p:spTree>
@@ -7648,7 +15642,7 @@
 </p:sld>
 </file>
 
-<file path=ppt/slides/slide16.xml><?xml version="1.0" encoding="utf-8"?>
+<file path=ppt/slides/slide17.xml><?xml version="1.0" encoding="utf-8"?>
 <p:sld xmlns:a="http://schemas.openxmlformats.org/drawingml/2006/main" xmlns:r="http://schemas.openxmlformats.org/officeDocument/2006/relationships" xmlns:p="http://schemas.openxmlformats.org/presentationml/2006/main">
   <p:cSld>
     <p:spTree>
@@ -7746,7 +15740,7 @@
 </p:sld>
 </file>
 
-<file path=ppt/slides/slide17.xml><?xml version="1.0" encoding="utf-8"?>
+<file path=ppt/slides/slide18.xml><?xml version="1.0" encoding="utf-8"?>
 <p:sld xmlns:a="http://schemas.openxmlformats.org/drawingml/2006/main" xmlns:r="http://schemas.openxmlformats.org/officeDocument/2006/relationships" xmlns:p="http://schemas.openxmlformats.org/presentationml/2006/main">
   <p:cSld>
     <p:spTree>
@@ -7814,7 +15808,7 @@
 </p:sld>
 </file>
 
-<file path=ppt/slides/slide18.xml><?xml version="1.0" encoding="utf-8"?>
+<file path=ppt/slides/slide19.xml><?xml version="1.0" encoding="utf-8"?>
 <p:sld xmlns:a="http://schemas.openxmlformats.org/drawingml/2006/main" xmlns:r="http://schemas.openxmlformats.org/officeDocument/2006/relationships" xmlns:p="http://schemas.openxmlformats.org/presentationml/2006/main">
   <p:cSld>
     <p:spTree>
@@ -16598,8 +24592,8 @@
           </a:p>
         </p:txBody>
       </p:sp>
-      <mc:AlternateContent xmlns:mc="http://schemas.openxmlformats.org/markup-compatibility/2006" xmlns:a14="http://schemas.microsoft.com/office/drawing/2010/main">
-        <mc:Choice Requires="a14">
+      <mc:AlternateContent xmlns:mc="http://schemas.openxmlformats.org/markup-compatibility/2006">
+        <mc:Choice xmlns:a14="http://schemas.microsoft.com/office/drawing/2010/main" Requires="a14">
           <p:sp>
             <p:nvSpPr>
               <p:cNvPr id="3" name="Textfeld 2"/>
@@ -16720,10 +24714,10 @@
                         <a:ea typeface="Cambria Math" panose="02040503050406030204" pitchFamily="18" charset="0"/>
                         <a:cs typeface="Courier New" panose="02070309020205020404" pitchFamily="49" charset="0"/>
                       </a:rPr>
-                      <m:t>𝑧</m:t>
+                      <m:t>𝑡</m:t>
                     </m:r>
                     <m:r>
-                      <a:rPr lang="en-GB" sz="2400" i="1" dirty="0" smtClean="0">
+                      <a:rPr lang="de-DE" sz="2400" b="0" i="1" dirty="0" smtClean="0">
                         <a:solidFill>
                           <a:srgbClr val="C00000"/>
                         </a:solidFill>
@@ -16731,10 +24725,10 @@
                         <a:ea typeface="Cambria Math" panose="02040503050406030204" pitchFamily="18" charset="0"/>
                         <a:cs typeface="Courier New" panose="02070309020205020404" pitchFamily="49" charset="0"/>
                       </a:rPr>
-                      <m:t>, </m:t>
+                      <m:t>,</m:t>
                     </m:r>
                     <m:r>
-                      <a:rPr lang="en-GB" sz="2400" i="1" dirty="0" smtClean="0">
+                      <a:rPr lang="de-DE" sz="2400" b="0" i="1" dirty="0" smtClean="0">
                         <a:solidFill>
                           <a:srgbClr val="C00000"/>
                         </a:solidFill>
@@ -16742,7 +24736,7 @@
                         <a:ea typeface="Cambria Math" panose="02040503050406030204" pitchFamily="18" charset="0"/>
                         <a:cs typeface="Courier New" panose="02070309020205020404" pitchFamily="49" charset="0"/>
                       </a:rPr>
-                      <m:t>𝑡</m:t>
+                      <m:t>𝑧</m:t>
                     </m:r>
                     <m:r>
                       <a:rPr lang="en-GB" sz="2400" i="1" dirty="0" smtClean="0">
@@ -17082,7 +25076,7 @@
             </p:txBody>
           </p:sp>
         </mc:Choice>
-        <mc:Fallback xmlns="">
+        <mc:Fallback>
           <p:sp>
             <p:nvSpPr>
               <p:cNvPr id="3" name="Textfeld 2"/>
@@ -19798,8 +27792,8 @@
           </a:p>
         </p:txBody>
       </p:sp>
-      <mc:AlternateContent xmlns:mc="http://schemas.openxmlformats.org/markup-compatibility/2006" xmlns:a14="http://schemas.microsoft.com/office/drawing/2010/main">
-        <mc:Choice Requires="a14">
+      <mc:AlternateContent xmlns:mc="http://schemas.openxmlformats.org/markup-compatibility/2006">
+        <mc:Choice xmlns:a14="http://schemas.microsoft.com/office/drawing/2010/main" Requires="a14">
           <p:sp>
             <p:nvSpPr>
               <p:cNvPr id="5" name="Textfeld 4"/>
@@ -19920,10 +27914,10 @@
                         <a:ea typeface="Cambria Math" panose="02040503050406030204" pitchFamily="18" charset="0"/>
                         <a:cs typeface="Courier New" panose="02070309020205020404" pitchFamily="49" charset="0"/>
                       </a:rPr>
-                      <m:t>𝑧</m:t>
+                      <m:t>𝑡</m:t>
                     </m:r>
                     <m:r>
-                      <a:rPr lang="en-GB" sz="2400" i="1" dirty="0" smtClean="0">
+                      <a:rPr lang="de-DE" sz="2400" b="0" i="1" dirty="0" smtClean="0">
                         <a:solidFill>
                           <a:schemeClr val="tx1"/>
                         </a:solidFill>
@@ -19931,10 +27925,10 @@
                         <a:ea typeface="Cambria Math" panose="02040503050406030204" pitchFamily="18" charset="0"/>
                         <a:cs typeface="Courier New" panose="02070309020205020404" pitchFamily="49" charset="0"/>
                       </a:rPr>
-                      <m:t>, </m:t>
+                      <m:t>,</m:t>
                     </m:r>
                     <m:r>
-                      <a:rPr lang="en-GB" sz="2400" i="1" dirty="0" smtClean="0">
+                      <a:rPr lang="de-DE" sz="2400" b="0" i="1" dirty="0" smtClean="0">
                         <a:solidFill>
                           <a:schemeClr val="tx1"/>
                         </a:solidFill>
@@ -19942,7 +27936,7 @@
                         <a:ea typeface="Cambria Math" panose="02040503050406030204" pitchFamily="18" charset="0"/>
                         <a:cs typeface="Courier New" panose="02070309020205020404" pitchFamily="49" charset="0"/>
                       </a:rPr>
-                      <m:t>𝑡</m:t>
+                      <m:t>𝑧</m:t>
                     </m:r>
                     <m:r>
                       <a:rPr lang="en-GB" sz="2400" i="1" dirty="0" smtClean="0">
@@ -20215,7 +28209,7 @@
             </p:txBody>
           </p:sp>
         </mc:Choice>
-        <mc:Fallback xmlns="">
+        <mc:Fallback>
           <p:sp>
             <p:nvSpPr>
               <p:cNvPr id="5" name="Textfeld 4"/>
@@ -23197,8 +31191,8 @@
           </p:style>
         </p:cxnSp>
       </p:grpSp>
-      <mc:AlternateContent xmlns:mc="http://schemas.openxmlformats.org/markup-compatibility/2006" xmlns:a14="http://schemas.microsoft.com/office/drawing/2010/main">
-        <mc:Choice Requires="a14">
+      <mc:AlternateContent xmlns:mc="http://schemas.openxmlformats.org/markup-compatibility/2006">
+        <mc:Choice xmlns:a14="http://schemas.microsoft.com/office/drawing/2010/main" Requires="a14">
           <p:sp>
             <p:nvSpPr>
               <p:cNvPr id="71" name="Textfeld 70"/>
@@ -23263,28 +31257,6 @@
                       </a:rPr>
                       <m:t>(</m:t>
                     </m:r>
-                    <m:r>
-                      <a:rPr lang="en-GB" sz="2400" i="1" dirty="0" smtClean="0">
-                        <a:solidFill>
-                          <a:schemeClr val="tx1"/>
-                        </a:solidFill>
-                        <a:latin typeface="Cambria Math" panose="02040503050406030204" pitchFamily="18" charset="0"/>
-                        <a:ea typeface="Cambria Math" panose="02040503050406030204" pitchFamily="18" charset="0"/>
-                        <a:cs typeface="Courier New" panose="02070309020205020404" pitchFamily="49" charset="0"/>
-                      </a:rPr>
-                      <m:t>𝑧</m:t>
-                    </m:r>
-                    <m:r>
-                      <a:rPr lang="en-GB" sz="2400" i="1" dirty="0" smtClean="0">
-                        <a:solidFill>
-                          <a:schemeClr val="tx1"/>
-                        </a:solidFill>
-                        <a:latin typeface="Cambria Math" panose="02040503050406030204" pitchFamily="18" charset="0"/>
-                        <a:ea typeface="Cambria Math" panose="02040503050406030204" pitchFamily="18" charset="0"/>
-                        <a:cs typeface="Courier New" panose="02070309020205020404" pitchFamily="49" charset="0"/>
-                      </a:rPr>
-                      <m:t>, </m:t>
-                    </m:r>
                     <m:acc>
                       <m:accPr>
                         <m:chr m:val="̂"/>
@@ -23313,6 +31285,28 @@
                         </m:r>
                       </m:e>
                     </m:acc>
+                    <m:r>
+                      <a:rPr lang="de-DE" sz="2400" b="0" i="1" dirty="0" smtClean="0">
+                        <a:solidFill>
+                          <a:schemeClr val="tx1"/>
+                        </a:solidFill>
+                        <a:latin typeface="Cambria Math" panose="02040503050406030204" pitchFamily="18" charset="0"/>
+                        <a:ea typeface="Cambria Math" panose="02040503050406030204" pitchFamily="18" charset="0"/>
+                        <a:cs typeface="Courier New" panose="02070309020205020404" pitchFamily="49" charset="0"/>
+                      </a:rPr>
+                      <m:t>,</m:t>
+                    </m:r>
+                    <m:r>
+                      <a:rPr lang="de-DE" sz="2400" b="0" i="1" dirty="0" smtClean="0">
+                        <a:solidFill>
+                          <a:schemeClr val="tx1"/>
+                        </a:solidFill>
+                        <a:latin typeface="Cambria Math" panose="02040503050406030204" pitchFamily="18" charset="0"/>
+                        <a:ea typeface="Cambria Math" panose="02040503050406030204" pitchFamily="18" charset="0"/>
+                        <a:cs typeface="Courier New" panose="02070309020205020404" pitchFamily="49" charset="0"/>
+                      </a:rPr>
+                      <m:t>𝑧</m:t>
+                    </m:r>
                     <m:r>
                       <a:rPr lang="en-GB" sz="2400" i="1" dirty="0" smtClean="0">
                         <a:solidFill>
@@ -23509,7 +31503,7 @@
             </p:txBody>
           </p:sp>
         </mc:Choice>
-        <mc:Fallback xmlns="">
+        <mc:Fallback>
           <p:sp>
             <p:nvSpPr>
               <p:cNvPr id="71" name="Textfeld 70"/>
@@ -25421,8 +33415,8 @@
           </a:p>
         </p:txBody>
       </p:sp>
-      <mc:AlternateContent xmlns:mc="http://schemas.openxmlformats.org/markup-compatibility/2006" xmlns:a14="http://schemas.microsoft.com/office/drawing/2010/main">
-        <mc:Choice Requires="a14">
+      <mc:AlternateContent xmlns:mc="http://schemas.openxmlformats.org/markup-compatibility/2006">
+        <mc:Choice xmlns:a14="http://schemas.microsoft.com/office/drawing/2010/main" Requires="a14">
           <p:sp>
             <p:nvSpPr>
               <p:cNvPr id="5" name="Textfeld 4"/>
@@ -25543,10 +33537,10 @@
                         <a:ea typeface="Cambria Math" panose="02040503050406030204" pitchFamily="18" charset="0"/>
                         <a:cs typeface="Courier New" panose="02070309020205020404" pitchFamily="49" charset="0"/>
                       </a:rPr>
-                      <m:t>𝑧</m:t>
+                      <m:t>𝑡</m:t>
                     </m:r>
                     <m:r>
-                      <a:rPr lang="en-GB" sz="2400" i="1" dirty="0" smtClean="0">
+                      <a:rPr lang="de-DE" sz="2400" b="0" i="1" dirty="0" smtClean="0">
                         <a:solidFill>
                           <a:schemeClr val="tx1"/>
                         </a:solidFill>
@@ -25554,10 +33548,10 @@
                         <a:ea typeface="Cambria Math" panose="02040503050406030204" pitchFamily="18" charset="0"/>
                         <a:cs typeface="Courier New" panose="02070309020205020404" pitchFamily="49" charset="0"/>
                       </a:rPr>
-                      <m:t>, </m:t>
+                      <m:t>,</m:t>
                     </m:r>
                     <m:r>
-                      <a:rPr lang="en-GB" sz="2400" i="1" dirty="0" smtClean="0">
+                      <a:rPr lang="de-DE" sz="2400" b="0" i="1" dirty="0" smtClean="0">
                         <a:solidFill>
                           <a:schemeClr val="tx1"/>
                         </a:solidFill>
@@ -25565,7 +33559,7 @@
                         <a:ea typeface="Cambria Math" panose="02040503050406030204" pitchFamily="18" charset="0"/>
                         <a:cs typeface="Courier New" panose="02070309020205020404" pitchFamily="49" charset="0"/>
                       </a:rPr>
-                      <m:t>𝑡</m:t>
+                      <m:t>𝑧</m:t>
                     </m:r>
                     <m:r>
                       <a:rPr lang="en-GB" sz="2400" i="1" dirty="0" smtClean="0">
@@ -25838,7 +33832,7 @@
             </p:txBody>
           </p:sp>
         </mc:Choice>
-        <mc:Fallback xmlns="">
+        <mc:Fallback>
           <p:sp>
             <p:nvSpPr>
               <p:cNvPr id="5" name="Textfeld 4"/>
@@ -27738,8 +35732,8 @@
           </p:sp>
         </mc:Fallback>
       </mc:AlternateContent>
-      <mc:AlternateContent xmlns:mc="http://schemas.openxmlformats.org/markup-compatibility/2006" xmlns:a14="http://schemas.microsoft.com/office/drawing/2010/main">
-        <mc:Choice Requires="a14">
+      <mc:AlternateContent xmlns:mc="http://schemas.openxmlformats.org/markup-compatibility/2006">
+        <mc:Choice xmlns:a14="http://schemas.microsoft.com/office/drawing/2010/main" Requires="a14">
           <p:sp>
             <p:nvSpPr>
               <p:cNvPr id="71" name="Textfeld 70"/>
@@ -27804,28 +35798,6 @@
                       </a:rPr>
                       <m:t>(</m:t>
                     </m:r>
-                    <m:r>
-                      <a:rPr lang="en-GB" sz="2400" i="1" dirty="0" smtClean="0">
-                        <a:solidFill>
-                          <a:schemeClr val="tx1"/>
-                        </a:solidFill>
-                        <a:latin typeface="Cambria Math" panose="02040503050406030204" pitchFamily="18" charset="0"/>
-                        <a:ea typeface="Cambria Math" panose="02040503050406030204" pitchFamily="18" charset="0"/>
-                        <a:cs typeface="Courier New" panose="02070309020205020404" pitchFamily="49" charset="0"/>
-                      </a:rPr>
-                      <m:t>𝑧</m:t>
-                    </m:r>
-                    <m:r>
-                      <a:rPr lang="en-GB" sz="2400" i="1" dirty="0" smtClean="0">
-                        <a:solidFill>
-                          <a:schemeClr val="tx1"/>
-                        </a:solidFill>
-                        <a:latin typeface="Cambria Math" panose="02040503050406030204" pitchFamily="18" charset="0"/>
-                        <a:ea typeface="Cambria Math" panose="02040503050406030204" pitchFamily="18" charset="0"/>
-                        <a:cs typeface="Courier New" panose="02070309020205020404" pitchFamily="49" charset="0"/>
-                      </a:rPr>
-                      <m:t>, </m:t>
-                    </m:r>
                     <m:acc>
                       <m:accPr>
                         <m:chr m:val="̂"/>
@@ -27854,6 +35826,28 @@
                         </m:r>
                       </m:e>
                     </m:acc>
+                    <m:r>
+                      <a:rPr lang="de-DE" sz="2400" b="0" i="1" dirty="0" smtClean="0">
+                        <a:solidFill>
+                          <a:schemeClr val="tx1"/>
+                        </a:solidFill>
+                        <a:latin typeface="Cambria Math" panose="02040503050406030204" pitchFamily="18" charset="0"/>
+                        <a:ea typeface="Cambria Math" panose="02040503050406030204" pitchFamily="18" charset="0"/>
+                        <a:cs typeface="Courier New" panose="02070309020205020404" pitchFamily="49" charset="0"/>
+                      </a:rPr>
+                      <m:t>,</m:t>
+                    </m:r>
+                    <m:r>
+                      <a:rPr lang="de-DE" sz="2400" b="0" i="1" dirty="0" smtClean="0">
+                        <a:solidFill>
+                          <a:schemeClr val="tx1"/>
+                        </a:solidFill>
+                        <a:latin typeface="Cambria Math" panose="02040503050406030204" pitchFamily="18" charset="0"/>
+                        <a:ea typeface="Cambria Math" panose="02040503050406030204" pitchFamily="18" charset="0"/>
+                        <a:cs typeface="Courier New" panose="02070309020205020404" pitchFamily="49" charset="0"/>
+                      </a:rPr>
+                      <m:t>𝑧</m:t>
+                    </m:r>
                     <m:r>
                       <a:rPr lang="en-GB" sz="2400" i="1" dirty="0" smtClean="0">
                         <a:solidFill>
@@ -28050,7 +36044,7 @@
             </p:txBody>
           </p:sp>
         </mc:Choice>
-        <mc:Fallback xmlns="">
+        <mc:Fallback>
           <p:sp>
             <p:nvSpPr>
               <p:cNvPr id="71" name="Textfeld 70"/>
@@ -28345,7 +36339,7 @@
             <p:spPr>
               <a:xfrm>
                 <a:off x="316571" y="3502357"/>
-                <a:ext cx="5189049" cy="523220"/>
+                <a:ext cx="7012945" cy="523220"/>
               </a:xfrm>
               <a:prstGeom prst="rect">
                 <a:avLst/>
@@ -28388,13 +36382,29 @@
                       <a:rPr lang="en-GB" sz="2800" i="1" dirty="0" smtClean="0">
                         <a:latin typeface="Cambria Math" panose="02040503050406030204" pitchFamily="18" charset="0"/>
                       </a:rPr>
-                      <m:t>2,5</m:t>
+                      <m:t>2</m:t>
+                    </m:r>
+                    <m:r>
+                      <a:rPr lang="en-GB" sz="2800" i="1" dirty="0" smtClean="0">
+                        <a:latin typeface="Cambria Math" panose="02040503050406030204" pitchFamily="18" charset="0"/>
+                      </a:rPr>
+                      <m:t>,</m:t>
+                    </m:r>
+                    <m:r>
+                      <a:rPr lang="en-GB" sz="2800" i="1" dirty="0" smtClean="0">
+                        <a:latin typeface="Cambria Math" panose="02040503050406030204" pitchFamily="18" charset="0"/>
+                      </a:rPr>
+                      <m:t>5</m:t>
                     </m:r>
                   </m:oMath>
                 </a14:m>
                 <a:r>
                   <a:rPr lang="en-GB" sz="2800" dirty="0" smtClean="0"/>
                   <a:t>-competitive</a:t>
+                </a:r>
+                <a:r>
+                  <a:rPr lang="en-GB" sz="2800" dirty="0" smtClean="0"/>
+                  <a:t> for N-OLTSP</a:t>
                 </a:r>
                 <a:endParaRPr lang="en-GB" sz="2800" dirty="0"/>
               </a:p>
@@ -28413,7 +36423,7 @@
             <p:spPr>
               <a:xfrm>
                 <a:off x="316571" y="3502357"/>
-                <a:ext cx="5189049" cy="523220"/>
+                <a:ext cx="7012945" cy="523220"/>
               </a:xfrm>
               <a:prstGeom prst="rect">
                 <a:avLst/>
@@ -28421,7 +36431,7 @@
               <a:blipFill rotWithShape="0">
                 <a:blip r:embed="rId14"/>
                 <a:stretch>
-                  <a:fillRect l="-2585" t="-12941" r="-1528" b="-40000"/>
+                  <a:fillRect l="-1913" t="-12941" r="-696" b="-40000"/>
                 </a:stretch>
               </a:blipFill>
             </p:spPr>
@@ -28448,7 +36458,7 @@
         </p:nvSpPr>
         <p:spPr>
           <a:xfrm>
-            <a:off x="316571" y="4025577"/>
+            <a:off x="316571" y="4078348"/>
             <a:ext cx="3330142" cy="523220"/>
           </a:xfrm>
           <a:prstGeom prst="rect">
@@ -28677,6 +36687,124 @@
           </p:sp>
         </mc:Fallback>
       </mc:AlternateContent>
+      <mc:AlternateContent xmlns:mc="http://schemas.openxmlformats.org/markup-compatibility/2006">
+        <mc:Choice xmlns:a14="http://schemas.microsoft.com/office/drawing/2010/main" Requires="a14">
+          <p:sp>
+            <p:nvSpPr>
+              <p:cNvPr id="39" name="Textfeld 38"/>
+              <p:cNvSpPr txBox="1"/>
+              <p:nvPr/>
+            </p:nvSpPr>
+            <p:spPr>
+              <a:xfrm>
+                <a:off x="316571" y="4718089"/>
+                <a:ext cx="7670177" cy="523220"/>
+              </a:xfrm>
+              <a:prstGeom prst="rect">
+                <a:avLst/>
+              </a:prstGeom>
+              <a:noFill/>
+            </p:spPr>
+            <p:txBody>
+              <a:bodyPr wrap="none" rtlCol="0">
+                <a:spAutoFit/>
+              </a:bodyPr>
+              <a:lstStyle/>
+              <a:p>
+                <a:r>
+                  <a:rPr lang="en-GB" sz="2800" cap="small" dirty="0" smtClean="0">
+                    <a:effectLst>
+                      <a:outerShdw blurRad="38100" dist="38100" dir="2700000" algn="tl">
+                        <a:srgbClr val="000000">
+                          <a:alpha val="43137"/>
+                        </a:srgbClr>
+                      </a:outerShdw>
+                    </a:effectLst>
+                  </a:rPr>
+                  <a:t>Remark: </a:t>
+                </a:r>
+                <a:r>
+                  <a:rPr lang="en-GB" sz="2800" cap="small" dirty="0" smtClean="0"/>
+                  <a:t>	</a:t>
+                </a:r>
+                <a:r>
+                  <a:rPr lang="en-GB" sz="2800" cap="small" dirty="0" err="1" smtClean="0"/>
+                  <a:t>gtr</a:t>
+                </a:r>
+                <a:r>
+                  <a:rPr lang="en-GB" sz="2800" dirty="0" smtClean="0"/>
+                  <a:t> is also </a:t>
+                </a:r>
+                <a14:m>
+                  <m:oMath xmlns:m="http://schemas.openxmlformats.org/officeDocument/2006/math">
+                    <m:r>
+                      <a:rPr lang="en-GB" sz="2800" i="1" dirty="0" smtClean="0">
+                        <a:latin typeface="Cambria Math" panose="02040503050406030204" pitchFamily="18" charset="0"/>
+                      </a:rPr>
+                      <m:t>2</m:t>
+                    </m:r>
+                    <m:r>
+                      <a:rPr lang="en-GB" sz="2800" i="1" dirty="0" smtClean="0">
+                        <a:latin typeface="Cambria Math" panose="02040503050406030204" pitchFamily="18" charset="0"/>
+                      </a:rPr>
+                      <m:t>,</m:t>
+                    </m:r>
+                    <m:r>
+                      <a:rPr lang="en-GB" sz="2800" i="1" dirty="0" smtClean="0">
+                        <a:latin typeface="Cambria Math" panose="02040503050406030204" pitchFamily="18" charset="0"/>
+                      </a:rPr>
+                      <m:t>5</m:t>
+                    </m:r>
+                  </m:oMath>
+                </a14:m>
+                <a:r>
+                  <a:rPr lang="en-GB" sz="2800" dirty="0" smtClean="0"/>
+                  <a:t>-competitive for H-OLTSP</a:t>
+                </a:r>
+                <a:endParaRPr lang="en-GB" sz="2800" dirty="0"/>
+              </a:p>
+            </p:txBody>
+          </p:sp>
+        </mc:Choice>
+        <mc:Fallback>
+          <p:sp>
+            <p:nvSpPr>
+              <p:cNvPr id="39" name="Textfeld 38"/>
+              <p:cNvSpPr txBox="1">
+                <a:spLocks noRot="1" noChangeAspect="1" noMove="1" noResize="1" noEditPoints="1" noAdjustHandles="1" noChangeArrowheads="1" noChangeShapeType="1" noTextEdit="1"/>
+              </p:cNvSpPr>
+              <p:nvPr/>
+            </p:nvSpPr>
+            <p:spPr>
+              <a:xfrm>
+                <a:off x="316571" y="4718089"/>
+                <a:ext cx="7670177" cy="523220"/>
+              </a:xfrm>
+              <a:prstGeom prst="rect">
+                <a:avLst/>
+              </a:prstGeom>
+              <a:blipFill rotWithShape="0">
+                <a:blip r:embed="rId16"/>
+                <a:stretch>
+                  <a:fillRect l="-1749" t="-11628" r="-556" b="-39535"/>
+                </a:stretch>
+              </a:blipFill>
+            </p:spPr>
+            <p:txBody>
+              <a:bodyPr/>
+              <a:lstStyle/>
+              <a:p>
+                <a:r>
+                  <a:rPr lang="en-GB">
+                    <a:noFill/>
+                  </a:rPr>
+                  <a:t> </a:t>
+                </a:r>
+              </a:p>
+            </p:txBody>
+          </p:sp>
+        </mc:Fallback>
+      </mc:AlternateContent>
     </p:spTree>
     <p:extLst>
       <p:ext uri="{BB962C8B-B14F-4D97-AF65-F5344CB8AC3E}">
@@ -28794,6 +36922,200 @@
                             </p:childTnLst>
                           </p:cTn>
                         </p:par>
+                        <p:par>
+                          <p:cTn id="11" fill="hold">
+                            <p:stCondLst>
+                              <p:cond delay="0"/>
+                            </p:stCondLst>
+                            <p:childTnLst>
+                              <p:par>
+                                <p:cTn id="12" presetID="10" presetClass="exit" presetSubtype="0" fill="hold" grpId="0" nodeType="afterEffect">
+                                  <p:stCondLst>
+                                    <p:cond delay="1000"/>
+                                  </p:stCondLst>
+                                  <p:childTnLst>
+                                    <p:animEffect transition="out" filter="fade">
+                                      <p:cBhvr>
+                                        <p:cTn id="13" dur="500"/>
+                                        <p:tgtEl>
+                                          <p:spTgt spid="58"/>
+                                        </p:tgtEl>
+                                      </p:cBhvr>
+                                    </p:animEffect>
+                                    <p:set>
+                                      <p:cBhvr>
+                                        <p:cTn id="14" dur="1" fill="hold">
+                                          <p:stCondLst>
+                                            <p:cond delay="499"/>
+                                          </p:stCondLst>
+                                        </p:cTn>
+                                        <p:tgtEl>
+                                          <p:spTgt spid="58"/>
+                                        </p:tgtEl>
+                                        <p:attrNameLst>
+                                          <p:attrName>style.visibility</p:attrName>
+                                        </p:attrNameLst>
+                                      </p:cBhvr>
+                                      <p:to>
+                                        <p:strVal val="hidden"/>
+                                      </p:to>
+                                    </p:set>
+                                  </p:childTnLst>
+                                </p:cTn>
+                              </p:par>
+                              <p:par>
+                                <p:cTn id="15" presetID="10" presetClass="exit" presetSubtype="0" fill="hold" grpId="0" nodeType="withEffect">
+                                  <p:stCondLst>
+                                    <p:cond delay="1000"/>
+                                  </p:stCondLst>
+                                  <p:childTnLst>
+                                    <p:animEffect transition="out" filter="fade">
+                                      <p:cBhvr>
+                                        <p:cTn id="16" dur="500"/>
+                                        <p:tgtEl>
+                                          <p:spTgt spid="60"/>
+                                        </p:tgtEl>
+                                      </p:cBhvr>
+                                    </p:animEffect>
+                                    <p:set>
+                                      <p:cBhvr>
+                                        <p:cTn id="17" dur="1" fill="hold">
+                                          <p:stCondLst>
+                                            <p:cond delay="499"/>
+                                          </p:stCondLst>
+                                        </p:cTn>
+                                        <p:tgtEl>
+                                          <p:spTgt spid="60"/>
+                                        </p:tgtEl>
+                                        <p:attrNameLst>
+                                          <p:attrName>style.visibility</p:attrName>
+                                        </p:attrNameLst>
+                                      </p:cBhvr>
+                                      <p:to>
+                                        <p:strVal val="hidden"/>
+                                      </p:to>
+                                    </p:set>
+                                  </p:childTnLst>
+                                </p:cTn>
+                              </p:par>
+                              <p:par>
+                                <p:cTn id="18" presetID="10" presetClass="exit" presetSubtype="0" fill="hold" grpId="0" nodeType="withEffect">
+                                  <p:stCondLst>
+                                    <p:cond delay="1000"/>
+                                  </p:stCondLst>
+                                  <p:childTnLst>
+                                    <p:animEffect transition="out" filter="fade">
+                                      <p:cBhvr>
+                                        <p:cTn id="19" dur="500"/>
+                                        <p:tgtEl>
+                                          <p:spTgt spid="53"/>
+                                        </p:tgtEl>
+                                      </p:cBhvr>
+                                    </p:animEffect>
+                                    <p:set>
+                                      <p:cBhvr>
+                                        <p:cTn id="20" dur="1" fill="hold">
+                                          <p:stCondLst>
+                                            <p:cond delay="499"/>
+                                          </p:stCondLst>
+                                        </p:cTn>
+                                        <p:tgtEl>
+                                          <p:spTgt spid="53"/>
+                                        </p:tgtEl>
+                                        <p:attrNameLst>
+                                          <p:attrName>style.visibility</p:attrName>
+                                        </p:attrNameLst>
+                                      </p:cBhvr>
+                                      <p:to>
+                                        <p:strVal val="hidden"/>
+                                      </p:to>
+                                    </p:set>
+                                  </p:childTnLst>
+                                </p:cTn>
+                              </p:par>
+                              <p:par>
+                                <p:cTn id="21" presetID="10" presetClass="exit" presetSubtype="0" fill="hold" grpId="0" nodeType="withEffect">
+                                  <p:stCondLst>
+                                    <p:cond delay="1000"/>
+                                  </p:stCondLst>
+                                  <p:childTnLst>
+                                    <p:animEffect transition="out" filter="fade">
+                                      <p:cBhvr>
+                                        <p:cTn id="22" dur="500"/>
+                                        <p:tgtEl>
+                                          <p:spTgt spid="51"/>
+                                        </p:tgtEl>
+                                      </p:cBhvr>
+                                    </p:animEffect>
+                                    <p:set>
+                                      <p:cBhvr>
+                                        <p:cTn id="23" dur="1" fill="hold">
+                                          <p:stCondLst>
+                                            <p:cond delay="499"/>
+                                          </p:stCondLst>
+                                        </p:cTn>
+                                        <p:tgtEl>
+                                          <p:spTgt spid="51"/>
+                                        </p:tgtEl>
+                                        <p:attrNameLst>
+                                          <p:attrName>style.visibility</p:attrName>
+                                        </p:attrNameLst>
+                                      </p:cBhvr>
+                                      <p:to>
+                                        <p:strVal val="hidden"/>
+                                      </p:to>
+                                    </p:set>
+                                  </p:childTnLst>
+                                </p:cTn>
+                              </p:par>
+                            </p:childTnLst>
+                          </p:cTn>
+                        </p:par>
+                      </p:childTnLst>
+                    </p:cTn>
+                  </p:par>
+                  <p:par>
+                    <p:cTn id="24" fill="hold">
+                      <p:stCondLst>
+                        <p:cond delay="indefinite"/>
+                      </p:stCondLst>
+                      <p:childTnLst>
+                        <p:par>
+                          <p:cTn id="25" fill="hold">
+                            <p:stCondLst>
+                              <p:cond delay="0"/>
+                            </p:stCondLst>
+                            <p:childTnLst>
+                              <p:par>
+                                <p:cTn id="26" presetID="1" presetClass="entr" presetSubtype="0" fill="hold" grpId="0" nodeType="clickEffect">
+                                  <p:stCondLst>
+                                    <p:cond delay="0"/>
+                                  </p:stCondLst>
+                                  <p:childTnLst>
+                                    <p:set>
+                                      <p:cBhvr>
+                                        <p:cTn id="27" dur="1" fill="hold">
+                                          <p:stCondLst>
+                                            <p:cond delay="0"/>
+                                          </p:stCondLst>
+                                        </p:cTn>
+                                        <p:tgtEl>
+                                          <p:spTgt spid="39"/>
+                                        </p:tgtEl>
+                                        <p:attrNameLst>
+                                          <p:attrName>style.visibility</p:attrName>
+                                        </p:attrNameLst>
+                                      </p:cBhvr>
+                                      <p:to>
+                                        <p:strVal val="visible"/>
+                                      </p:to>
+                                    </p:set>
+                                  </p:childTnLst>
+                                </p:cTn>
+                              </p:par>
+                            </p:childTnLst>
+                          </p:cTn>
+                        </p:par>
                       </p:childTnLst>
                     </p:cTn>
                   </p:par>
@@ -28819,8 +37141,13 @@
       </p:par>
     </p:tnLst>
     <p:bldLst>
+      <p:bldP spid="51" grpId="0"/>
+      <p:bldP spid="53" grpId="0"/>
+      <p:bldP spid="58" grpId="0"/>
       <p:bldP spid="49" grpId="0"/>
       <p:bldP spid="54" grpId="0"/>
+      <p:bldP spid="60" grpId="0"/>
+      <p:bldP spid="39" grpId="0"/>
     </p:bldLst>
   </p:timing>
 </p:sld>
